--- a/Text/Master.pptx
+++ b/Text/Master.pptx
@@ -8,20 +8,22 @@
     <p:sldId id="270" r:id="rId2"/>
     <p:sldId id="271" r:id="rId3"/>
     <p:sldId id="272" r:id="rId4"/>
-    <p:sldId id="273" r:id="rId5"/>
-    <p:sldId id="256" r:id="rId6"/>
-    <p:sldId id="257" r:id="rId7"/>
-    <p:sldId id="258" r:id="rId8"/>
-    <p:sldId id="260" r:id="rId9"/>
-    <p:sldId id="261" r:id="rId10"/>
-    <p:sldId id="259" r:id="rId11"/>
-    <p:sldId id="262" r:id="rId12"/>
-    <p:sldId id="263" r:id="rId13"/>
-    <p:sldId id="264" r:id="rId14"/>
-    <p:sldId id="265" r:id="rId15"/>
-    <p:sldId id="266" r:id="rId16"/>
-    <p:sldId id="267" r:id="rId17"/>
-    <p:sldId id="268" r:id="rId18"/>
+    <p:sldId id="274" r:id="rId5"/>
+    <p:sldId id="273" r:id="rId6"/>
+    <p:sldId id="275" r:id="rId7"/>
+    <p:sldId id="256" r:id="rId8"/>
+    <p:sldId id="257" r:id="rId9"/>
+    <p:sldId id="258" r:id="rId10"/>
+    <p:sldId id="260" r:id="rId11"/>
+    <p:sldId id="261" r:id="rId12"/>
+    <p:sldId id="259" r:id="rId13"/>
+    <p:sldId id="262" r:id="rId14"/>
+    <p:sldId id="263" r:id="rId15"/>
+    <p:sldId id="264" r:id="rId16"/>
+    <p:sldId id="265" r:id="rId17"/>
+    <p:sldId id="266" r:id="rId18"/>
+    <p:sldId id="267" r:id="rId19"/>
+    <p:sldId id="268" r:id="rId20"/>
   </p:sldIdLst>
   <p:sldSz cx="9144000" cy="6858000" type="screen4x3"/>
   <p:notesSz cx="6858000" cy="9144000"/>
@@ -5352,6 +5354,753 @@
 </dgm:colorsDef>
 </file>
 
+<file path=ppt/diagrams/colors8.xml><?xml version="1.0" encoding="utf-8"?>
+<dgm:colorsDef xmlns:dgm="http://schemas.openxmlformats.org/drawingml/2006/diagram" xmlns:a="http://schemas.openxmlformats.org/drawingml/2006/main" uniqueId="urn:microsoft.com/office/officeart/2005/8/colors/accent1_2">
+  <dgm:title val=""/>
+  <dgm:desc val=""/>
+  <dgm:catLst>
+    <dgm:cat type="accent1" pri="11200"/>
+  </dgm:catLst>
+  <dgm:styleLbl name="node0">
+    <dgm:fillClrLst meth="repeat">
+      <a:schemeClr val="accent1"/>
+    </dgm:fillClrLst>
+    <dgm:linClrLst meth="repeat">
+      <a:schemeClr val="lt1"/>
+    </dgm:linClrLst>
+    <dgm:effectClrLst/>
+    <dgm:txLinClrLst/>
+    <dgm:txFillClrLst/>
+    <dgm:txEffectClrLst/>
+  </dgm:styleLbl>
+  <dgm:styleLbl name="alignNode1">
+    <dgm:fillClrLst meth="repeat">
+      <a:schemeClr val="accent1"/>
+    </dgm:fillClrLst>
+    <dgm:linClrLst meth="repeat">
+      <a:schemeClr val="accent1"/>
+    </dgm:linClrLst>
+    <dgm:effectClrLst/>
+    <dgm:txLinClrLst/>
+    <dgm:txFillClrLst/>
+    <dgm:txEffectClrLst/>
+  </dgm:styleLbl>
+  <dgm:styleLbl name="node1">
+    <dgm:fillClrLst meth="repeat">
+      <a:schemeClr val="accent1"/>
+    </dgm:fillClrLst>
+    <dgm:linClrLst meth="repeat">
+      <a:schemeClr val="lt1"/>
+    </dgm:linClrLst>
+    <dgm:effectClrLst/>
+    <dgm:txLinClrLst/>
+    <dgm:txFillClrLst/>
+    <dgm:txEffectClrLst/>
+  </dgm:styleLbl>
+  <dgm:styleLbl name="lnNode1">
+    <dgm:fillClrLst meth="repeat">
+      <a:schemeClr val="accent1"/>
+    </dgm:fillClrLst>
+    <dgm:linClrLst meth="repeat">
+      <a:schemeClr val="lt1"/>
+    </dgm:linClrLst>
+    <dgm:effectClrLst/>
+    <dgm:txLinClrLst/>
+    <dgm:txFillClrLst/>
+    <dgm:txEffectClrLst/>
+  </dgm:styleLbl>
+  <dgm:styleLbl name="vennNode1">
+    <dgm:fillClrLst meth="repeat">
+      <a:schemeClr val="accent1">
+        <a:alpha val="50000"/>
+      </a:schemeClr>
+    </dgm:fillClrLst>
+    <dgm:linClrLst meth="repeat">
+      <a:schemeClr val="lt1"/>
+    </dgm:linClrLst>
+    <dgm:effectClrLst/>
+    <dgm:txLinClrLst/>
+    <dgm:txFillClrLst/>
+    <dgm:txEffectClrLst/>
+  </dgm:styleLbl>
+  <dgm:styleLbl name="node2">
+    <dgm:fillClrLst meth="repeat">
+      <a:schemeClr val="accent1"/>
+    </dgm:fillClrLst>
+    <dgm:linClrLst meth="repeat">
+      <a:schemeClr val="lt1"/>
+    </dgm:linClrLst>
+    <dgm:effectClrLst/>
+    <dgm:txLinClrLst/>
+    <dgm:txFillClrLst/>
+    <dgm:txEffectClrLst/>
+  </dgm:styleLbl>
+  <dgm:styleLbl name="node3">
+    <dgm:fillClrLst meth="repeat">
+      <a:schemeClr val="accent1"/>
+    </dgm:fillClrLst>
+    <dgm:linClrLst meth="repeat">
+      <a:schemeClr val="lt1"/>
+    </dgm:linClrLst>
+    <dgm:effectClrLst/>
+    <dgm:txLinClrLst/>
+    <dgm:txFillClrLst/>
+    <dgm:txEffectClrLst/>
+  </dgm:styleLbl>
+  <dgm:styleLbl name="node4">
+    <dgm:fillClrLst meth="repeat">
+      <a:schemeClr val="accent1"/>
+    </dgm:fillClrLst>
+    <dgm:linClrLst meth="repeat">
+      <a:schemeClr val="lt1"/>
+    </dgm:linClrLst>
+    <dgm:effectClrLst/>
+    <dgm:txLinClrLst/>
+    <dgm:txFillClrLst/>
+    <dgm:txEffectClrLst/>
+  </dgm:styleLbl>
+  <dgm:styleLbl name="fgImgPlace1">
+    <dgm:fillClrLst meth="repeat">
+      <a:schemeClr val="accent1">
+        <a:tint val="50000"/>
+      </a:schemeClr>
+    </dgm:fillClrLst>
+    <dgm:linClrLst meth="repeat">
+      <a:schemeClr val="lt1"/>
+    </dgm:linClrLst>
+    <dgm:effectClrLst/>
+    <dgm:txLinClrLst/>
+    <dgm:txFillClrLst meth="repeat">
+      <a:schemeClr val="lt1"/>
+    </dgm:txFillClrLst>
+    <dgm:txEffectClrLst/>
+  </dgm:styleLbl>
+  <dgm:styleLbl name="alignImgPlace1">
+    <dgm:fillClrLst meth="repeat">
+      <a:schemeClr val="accent1">
+        <a:tint val="50000"/>
+      </a:schemeClr>
+    </dgm:fillClrLst>
+    <dgm:linClrLst meth="repeat">
+      <a:schemeClr val="lt1"/>
+    </dgm:linClrLst>
+    <dgm:effectClrLst/>
+    <dgm:txLinClrLst/>
+    <dgm:txFillClrLst meth="repeat">
+      <a:schemeClr val="lt1"/>
+    </dgm:txFillClrLst>
+    <dgm:txEffectClrLst/>
+  </dgm:styleLbl>
+  <dgm:styleLbl name="bgImgPlace1">
+    <dgm:fillClrLst meth="repeat">
+      <a:schemeClr val="accent1">
+        <a:tint val="50000"/>
+      </a:schemeClr>
+    </dgm:fillClrLst>
+    <dgm:linClrLst meth="repeat">
+      <a:schemeClr val="lt1"/>
+    </dgm:linClrLst>
+    <dgm:effectClrLst/>
+    <dgm:txLinClrLst/>
+    <dgm:txFillClrLst meth="repeat">
+      <a:schemeClr val="lt1"/>
+    </dgm:txFillClrLst>
+    <dgm:txEffectClrLst/>
+  </dgm:styleLbl>
+  <dgm:styleLbl name="sibTrans2D1">
+    <dgm:fillClrLst meth="repeat">
+      <a:schemeClr val="accent1">
+        <a:tint val="60000"/>
+      </a:schemeClr>
+    </dgm:fillClrLst>
+    <dgm:linClrLst meth="repeat">
+      <a:schemeClr val="accent1">
+        <a:tint val="60000"/>
+      </a:schemeClr>
+    </dgm:linClrLst>
+    <dgm:effectClrLst/>
+    <dgm:txLinClrLst/>
+    <dgm:txFillClrLst/>
+    <dgm:txEffectClrLst/>
+  </dgm:styleLbl>
+  <dgm:styleLbl name="fgSibTrans2D1">
+    <dgm:fillClrLst meth="repeat">
+      <a:schemeClr val="accent1">
+        <a:tint val="60000"/>
+      </a:schemeClr>
+    </dgm:fillClrLst>
+    <dgm:linClrLst meth="repeat">
+      <a:schemeClr val="accent1">
+        <a:tint val="60000"/>
+      </a:schemeClr>
+    </dgm:linClrLst>
+    <dgm:effectClrLst/>
+    <dgm:txLinClrLst/>
+    <dgm:txFillClrLst/>
+    <dgm:txEffectClrLst/>
+  </dgm:styleLbl>
+  <dgm:styleLbl name="bgSibTrans2D1">
+    <dgm:fillClrLst meth="repeat">
+      <a:schemeClr val="accent1">
+        <a:tint val="60000"/>
+      </a:schemeClr>
+    </dgm:fillClrLst>
+    <dgm:linClrLst meth="repeat">
+      <a:schemeClr val="accent1">
+        <a:tint val="60000"/>
+      </a:schemeClr>
+    </dgm:linClrLst>
+    <dgm:effectClrLst/>
+    <dgm:txLinClrLst/>
+    <dgm:txFillClrLst/>
+    <dgm:txEffectClrLst/>
+  </dgm:styleLbl>
+  <dgm:styleLbl name="sibTrans1D1">
+    <dgm:fillClrLst meth="repeat">
+      <a:schemeClr val="accent1"/>
+    </dgm:fillClrLst>
+    <dgm:linClrLst meth="repeat">
+      <a:schemeClr val="accent1"/>
+    </dgm:linClrLst>
+    <dgm:effectClrLst/>
+    <dgm:txLinClrLst/>
+    <dgm:txFillClrLst meth="repeat">
+      <a:schemeClr val="tx1"/>
+    </dgm:txFillClrLst>
+    <dgm:txEffectClrLst/>
+  </dgm:styleLbl>
+  <dgm:styleLbl name="callout">
+    <dgm:fillClrLst meth="repeat">
+      <a:schemeClr val="accent1"/>
+    </dgm:fillClrLst>
+    <dgm:linClrLst meth="repeat">
+      <a:schemeClr val="accent1">
+        <a:tint val="50000"/>
+      </a:schemeClr>
+    </dgm:linClrLst>
+    <dgm:effectClrLst/>
+    <dgm:txLinClrLst/>
+    <dgm:txFillClrLst meth="repeat">
+      <a:schemeClr val="tx1"/>
+    </dgm:txFillClrLst>
+    <dgm:txEffectClrLst/>
+  </dgm:styleLbl>
+  <dgm:styleLbl name="asst0">
+    <dgm:fillClrLst meth="repeat">
+      <a:schemeClr val="accent1"/>
+    </dgm:fillClrLst>
+    <dgm:linClrLst meth="repeat">
+      <a:schemeClr val="lt1"/>
+    </dgm:linClrLst>
+    <dgm:effectClrLst/>
+    <dgm:txLinClrLst/>
+    <dgm:txFillClrLst/>
+    <dgm:txEffectClrLst/>
+  </dgm:styleLbl>
+  <dgm:styleLbl name="asst1">
+    <dgm:fillClrLst meth="repeat">
+      <a:schemeClr val="accent1"/>
+    </dgm:fillClrLst>
+    <dgm:linClrLst meth="repeat">
+      <a:schemeClr val="lt1"/>
+    </dgm:linClrLst>
+    <dgm:effectClrLst/>
+    <dgm:txLinClrLst/>
+    <dgm:txFillClrLst/>
+    <dgm:txEffectClrLst/>
+  </dgm:styleLbl>
+  <dgm:styleLbl name="asst2">
+    <dgm:fillClrLst meth="repeat">
+      <a:schemeClr val="accent1"/>
+    </dgm:fillClrLst>
+    <dgm:linClrLst meth="repeat">
+      <a:schemeClr val="lt1"/>
+    </dgm:linClrLst>
+    <dgm:effectClrLst/>
+    <dgm:txLinClrLst/>
+    <dgm:txFillClrLst/>
+    <dgm:txEffectClrLst/>
+  </dgm:styleLbl>
+  <dgm:styleLbl name="asst3">
+    <dgm:fillClrLst meth="repeat">
+      <a:schemeClr val="accent1"/>
+    </dgm:fillClrLst>
+    <dgm:linClrLst meth="repeat">
+      <a:schemeClr val="lt1"/>
+    </dgm:linClrLst>
+    <dgm:effectClrLst/>
+    <dgm:txLinClrLst/>
+    <dgm:txFillClrLst/>
+    <dgm:txEffectClrLst/>
+  </dgm:styleLbl>
+  <dgm:styleLbl name="asst4">
+    <dgm:fillClrLst meth="repeat">
+      <a:schemeClr val="accent1"/>
+    </dgm:fillClrLst>
+    <dgm:linClrLst meth="repeat">
+      <a:schemeClr val="lt1"/>
+    </dgm:linClrLst>
+    <dgm:effectClrLst/>
+    <dgm:txLinClrLst/>
+    <dgm:txFillClrLst/>
+    <dgm:txEffectClrLst/>
+  </dgm:styleLbl>
+  <dgm:styleLbl name="parChTrans2D1">
+    <dgm:fillClrLst meth="repeat">
+      <a:schemeClr val="accent1">
+        <a:tint val="60000"/>
+      </a:schemeClr>
+    </dgm:fillClrLst>
+    <dgm:linClrLst meth="repeat">
+      <a:schemeClr val="accent1">
+        <a:tint val="60000"/>
+      </a:schemeClr>
+    </dgm:linClrLst>
+    <dgm:effectClrLst/>
+    <dgm:txLinClrLst/>
+    <dgm:txFillClrLst meth="repeat">
+      <a:schemeClr val="lt1"/>
+    </dgm:txFillClrLst>
+    <dgm:txEffectClrLst/>
+  </dgm:styleLbl>
+  <dgm:styleLbl name="parChTrans2D2">
+    <dgm:fillClrLst meth="repeat">
+      <a:schemeClr val="accent1"/>
+    </dgm:fillClrLst>
+    <dgm:linClrLst meth="repeat">
+      <a:schemeClr val="accent1"/>
+    </dgm:linClrLst>
+    <dgm:effectClrLst/>
+    <dgm:txLinClrLst/>
+    <dgm:txFillClrLst meth="repeat">
+      <a:schemeClr val="lt1"/>
+    </dgm:txFillClrLst>
+    <dgm:txEffectClrLst/>
+  </dgm:styleLbl>
+  <dgm:styleLbl name="parChTrans2D3">
+    <dgm:fillClrLst meth="repeat">
+      <a:schemeClr val="accent1"/>
+    </dgm:fillClrLst>
+    <dgm:linClrLst meth="repeat">
+      <a:schemeClr val="accent1"/>
+    </dgm:linClrLst>
+    <dgm:effectClrLst/>
+    <dgm:txLinClrLst/>
+    <dgm:txFillClrLst meth="repeat">
+      <a:schemeClr val="lt1"/>
+    </dgm:txFillClrLst>
+    <dgm:txEffectClrLst/>
+  </dgm:styleLbl>
+  <dgm:styleLbl name="parChTrans2D4">
+    <dgm:fillClrLst meth="repeat">
+      <a:schemeClr val="accent1"/>
+    </dgm:fillClrLst>
+    <dgm:linClrLst meth="repeat">
+      <a:schemeClr val="accent1"/>
+    </dgm:linClrLst>
+    <dgm:effectClrLst/>
+    <dgm:txLinClrLst/>
+    <dgm:txFillClrLst meth="repeat">
+      <a:schemeClr val="lt1"/>
+    </dgm:txFillClrLst>
+    <dgm:txEffectClrLst/>
+  </dgm:styleLbl>
+  <dgm:styleLbl name="parChTrans1D1">
+    <dgm:fillClrLst meth="repeat">
+      <a:schemeClr val="accent1"/>
+    </dgm:fillClrLst>
+    <dgm:linClrLst meth="repeat">
+      <a:schemeClr val="accent1">
+        <a:shade val="60000"/>
+      </a:schemeClr>
+    </dgm:linClrLst>
+    <dgm:effectClrLst/>
+    <dgm:txLinClrLst/>
+    <dgm:txFillClrLst meth="repeat">
+      <a:schemeClr val="tx1"/>
+    </dgm:txFillClrLst>
+    <dgm:txEffectClrLst/>
+  </dgm:styleLbl>
+  <dgm:styleLbl name="parChTrans1D2">
+    <dgm:fillClrLst meth="repeat">
+      <a:schemeClr val="accent1"/>
+    </dgm:fillClrLst>
+    <dgm:linClrLst meth="repeat">
+      <a:schemeClr val="accent1">
+        <a:shade val="60000"/>
+      </a:schemeClr>
+    </dgm:linClrLst>
+    <dgm:effectClrLst/>
+    <dgm:txLinClrLst/>
+    <dgm:txFillClrLst meth="repeat">
+      <a:schemeClr val="tx1"/>
+    </dgm:txFillClrLst>
+    <dgm:txEffectClrLst/>
+  </dgm:styleLbl>
+  <dgm:styleLbl name="parChTrans1D3">
+    <dgm:fillClrLst meth="repeat">
+      <a:schemeClr val="accent1"/>
+    </dgm:fillClrLst>
+    <dgm:linClrLst meth="repeat">
+      <a:schemeClr val="accent1">
+        <a:shade val="80000"/>
+      </a:schemeClr>
+    </dgm:linClrLst>
+    <dgm:effectClrLst/>
+    <dgm:txLinClrLst/>
+    <dgm:txFillClrLst meth="repeat">
+      <a:schemeClr val="tx1"/>
+    </dgm:txFillClrLst>
+    <dgm:txEffectClrLst/>
+  </dgm:styleLbl>
+  <dgm:styleLbl name="parChTrans1D4">
+    <dgm:fillClrLst meth="repeat">
+      <a:schemeClr val="accent1"/>
+    </dgm:fillClrLst>
+    <dgm:linClrLst meth="repeat">
+      <a:schemeClr val="accent1">
+        <a:shade val="80000"/>
+      </a:schemeClr>
+    </dgm:linClrLst>
+    <dgm:effectClrLst/>
+    <dgm:txLinClrLst/>
+    <dgm:txFillClrLst meth="repeat">
+      <a:schemeClr val="tx1"/>
+    </dgm:txFillClrLst>
+    <dgm:txEffectClrLst/>
+  </dgm:styleLbl>
+  <dgm:styleLbl name="fgAcc1">
+    <dgm:fillClrLst meth="repeat">
+      <a:schemeClr val="lt1">
+        <a:alpha val="90000"/>
+      </a:schemeClr>
+    </dgm:fillClrLst>
+    <dgm:linClrLst meth="repeat">
+      <a:schemeClr val="accent1"/>
+    </dgm:linClrLst>
+    <dgm:effectClrLst/>
+    <dgm:txLinClrLst/>
+    <dgm:txFillClrLst meth="repeat">
+      <a:schemeClr val="dk1"/>
+    </dgm:txFillClrLst>
+    <dgm:txEffectClrLst/>
+  </dgm:styleLbl>
+  <dgm:styleLbl name="conFgAcc1">
+    <dgm:fillClrLst meth="repeat">
+      <a:schemeClr val="lt1">
+        <a:alpha val="90000"/>
+      </a:schemeClr>
+    </dgm:fillClrLst>
+    <dgm:linClrLst meth="repeat">
+      <a:schemeClr val="accent1"/>
+    </dgm:linClrLst>
+    <dgm:effectClrLst/>
+    <dgm:txLinClrLst/>
+    <dgm:txFillClrLst meth="repeat">
+      <a:schemeClr val="dk1"/>
+    </dgm:txFillClrLst>
+    <dgm:txEffectClrLst/>
+  </dgm:styleLbl>
+  <dgm:styleLbl name="alignAcc1">
+    <dgm:fillClrLst meth="repeat">
+      <a:schemeClr val="lt1">
+        <a:alpha val="90000"/>
+      </a:schemeClr>
+    </dgm:fillClrLst>
+    <dgm:linClrLst meth="repeat">
+      <a:schemeClr val="accent1"/>
+    </dgm:linClrLst>
+    <dgm:effectClrLst/>
+    <dgm:txLinClrLst/>
+    <dgm:txFillClrLst meth="repeat">
+      <a:schemeClr val="dk1"/>
+    </dgm:txFillClrLst>
+    <dgm:txEffectClrLst/>
+  </dgm:styleLbl>
+  <dgm:styleLbl name="trAlignAcc1">
+    <dgm:fillClrLst meth="repeat">
+      <a:schemeClr val="lt1">
+        <a:alpha val="40000"/>
+      </a:schemeClr>
+    </dgm:fillClrLst>
+    <dgm:linClrLst meth="repeat">
+      <a:schemeClr val="accent1"/>
+    </dgm:linClrLst>
+    <dgm:effectClrLst/>
+    <dgm:txLinClrLst/>
+    <dgm:txFillClrLst meth="repeat">
+      <a:schemeClr val="dk1"/>
+    </dgm:txFillClrLst>
+    <dgm:txEffectClrLst/>
+  </dgm:styleLbl>
+  <dgm:styleLbl name="bgAcc1">
+    <dgm:fillClrLst meth="repeat">
+      <a:schemeClr val="lt1">
+        <a:alpha val="90000"/>
+      </a:schemeClr>
+    </dgm:fillClrLst>
+    <dgm:linClrLst meth="repeat">
+      <a:schemeClr val="accent1"/>
+    </dgm:linClrLst>
+    <dgm:effectClrLst/>
+    <dgm:txLinClrLst/>
+    <dgm:txFillClrLst meth="repeat">
+      <a:schemeClr val="dk1"/>
+    </dgm:txFillClrLst>
+    <dgm:txEffectClrLst/>
+  </dgm:styleLbl>
+  <dgm:styleLbl name="solidFgAcc1">
+    <dgm:fillClrLst meth="repeat">
+      <a:schemeClr val="lt1"/>
+    </dgm:fillClrLst>
+    <dgm:linClrLst meth="repeat">
+      <a:schemeClr val="accent1"/>
+    </dgm:linClrLst>
+    <dgm:effectClrLst/>
+    <dgm:txLinClrLst/>
+    <dgm:txFillClrLst meth="repeat">
+      <a:schemeClr val="dk1"/>
+    </dgm:txFillClrLst>
+    <dgm:txEffectClrLst/>
+  </dgm:styleLbl>
+  <dgm:styleLbl name="solidAlignAcc1">
+    <dgm:fillClrLst meth="repeat">
+      <a:schemeClr val="lt1"/>
+    </dgm:fillClrLst>
+    <dgm:linClrLst meth="repeat">
+      <a:schemeClr val="accent1"/>
+    </dgm:linClrLst>
+    <dgm:effectClrLst/>
+    <dgm:txLinClrLst/>
+    <dgm:txFillClrLst meth="repeat">
+      <a:schemeClr val="dk1"/>
+    </dgm:txFillClrLst>
+    <dgm:txEffectClrLst/>
+  </dgm:styleLbl>
+  <dgm:styleLbl name="solidBgAcc1">
+    <dgm:fillClrLst meth="repeat">
+      <a:schemeClr val="lt1"/>
+    </dgm:fillClrLst>
+    <dgm:linClrLst meth="repeat">
+      <a:schemeClr val="accent1"/>
+    </dgm:linClrLst>
+    <dgm:effectClrLst/>
+    <dgm:txLinClrLst/>
+    <dgm:txFillClrLst meth="repeat">
+      <a:schemeClr val="dk1"/>
+    </dgm:txFillClrLst>
+    <dgm:txEffectClrLst/>
+  </dgm:styleLbl>
+  <dgm:styleLbl name="fgAccFollowNode1">
+    <dgm:fillClrLst meth="repeat">
+      <a:schemeClr val="accent1">
+        <a:alpha val="90000"/>
+        <a:tint val="40000"/>
+      </a:schemeClr>
+    </dgm:fillClrLst>
+    <dgm:linClrLst meth="repeat">
+      <a:schemeClr val="accent1">
+        <a:alpha val="90000"/>
+        <a:tint val="40000"/>
+      </a:schemeClr>
+    </dgm:linClrLst>
+    <dgm:effectClrLst/>
+    <dgm:txLinClrLst/>
+    <dgm:txFillClrLst meth="repeat">
+      <a:schemeClr val="dk1"/>
+    </dgm:txFillClrLst>
+    <dgm:txEffectClrLst/>
+  </dgm:styleLbl>
+  <dgm:styleLbl name="alignAccFollowNode1">
+    <dgm:fillClrLst meth="repeat">
+      <a:schemeClr val="accent1">
+        <a:alpha val="90000"/>
+        <a:tint val="40000"/>
+      </a:schemeClr>
+    </dgm:fillClrLst>
+    <dgm:linClrLst meth="repeat">
+      <a:schemeClr val="accent1">
+        <a:alpha val="90000"/>
+        <a:tint val="40000"/>
+      </a:schemeClr>
+    </dgm:linClrLst>
+    <dgm:effectClrLst/>
+    <dgm:txLinClrLst/>
+    <dgm:txFillClrLst meth="repeat">
+      <a:schemeClr val="dk1"/>
+    </dgm:txFillClrLst>
+    <dgm:txEffectClrLst/>
+  </dgm:styleLbl>
+  <dgm:styleLbl name="bgAccFollowNode1">
+    <dgm:fillClrLst meth="repeat">
+      <a:schemeClr val="accent1">
+        <a:alpha val="90000"/>
+        <a:tint val="40000"/>
+      </a:schemeClr>
+    </dgm:fillClrLst>
+    <dgm:linClrLst meth="repeat">
+      <a:schemeClr val="accent1">
+        <a:alpha val="90000"/>
+        <a:tint val="40000"/>
+      </a:schemeClr>
+    </dgm:linClrLst>
+    <dgm:effectClrLst/>
+    <dgm:txLinClrLst/>
+    <dgm:txFillClrLst meth="repeat">
+      <a:schemeClr val="dk1"/>
+    </dgm:txFillClrLst>
+    <dgm:txEffectClrLst/>
+  </dgm:styleLbl>
+  <dgm:styleLbl name="fgAcc0">
+    <dgm:fillClrLst meth="repeat">
+      <a:schemeClr val="lt1">
+        <a:alpha val="90000"/>
+      </a:schemeClr>
+    </dgm:fillClrLst>
+    <dgm:linClrLst meth="repeat">
+      <a:schemeClr val="accent1"/>
+    </dgm:linClrLst>
+    <dgm:effectClrLst/>
+    <dgm:txLinClrLst/>
+    <dgm:txFillClrLst meth="repeat">
+      <a:schemeClr val="dk1"/>
+    </dgm:txFillClrLst>
+    <dgm:txEffectClrLst/>
+  </dgm:styleLbl>
+  <dgm:styleLbl name="fgAcc2">
+    <dgm:fillClrLst meth="repeat">
+      <a:schemeClr val="lt1">
+        <a:alpha val="90000"/>
+      </a:schemeClr>
+    </dgm:fillClrLst>
+    <dgm:linClrLst meth="repeat">
+      <a:schemeClr val="accent1"/>
+    </dgm:linClrLst>
+    <dgm:effectClrLst/>
+    <dgm:txLinClrLst/>
+    <dgm:txFillClrLst meth="repeat">
+      <a:schemeClr val="dk1"/>
+    </dgm:txFillClrLst>
+    <dgm:txEffectClrLst/>
+  </dgm:styleLbl>
+  <dgm:styleLbl name="fgAcc3">
+    <dgm:fillClrLst meth="repeat">
+      <a:schemeClr val="lt1">
+        <a:alpha val="90000"/>
+      </a:schemeClr>
+    </dgm:fillClrLst>
+    <dgm:linClrLst meth="repeat">
+      <a:schemeClr val="accent1"/>
+    </dgm:linClrLst>
+    <dgm:effectClrLst/>
+    <dgm:txLinClrLst/>
+    <dgm:txFillClrLst meth="repeat">
+      <a:schemeClr val="dk1"/>
+    </dgm:txFillClrLst>
+    <dgm:txEffectClrLst/>
+  </dgm:styleLbl>
+  <dgm:styleLbl name="fgAcc4">
+    <dgm:fillClrLst meth="repeat">
+      <a:schemeClr val="lt1">
+        <a:alpha val="90000"/>
+      </a:schemeClr>
+    </dgm:fillClrLst>
+    <dgm:linClrLst meth="repeat">
+      <a:schemeClr val="accent1"/>
+    </dgm:linClrLst>
+    <dgm:effectClrLst/>
+    <dgm:txLinClrLst/>
+    <dgm:txFillClrLst meth="repeat">
+      <a:schemeClr val="dk1"/>
+    </dgm:txFillClrLst>
+    <dgm:txEffectClrLst/>
+  </dgm:styleLbl>
+  <dgm:styleLbl name="bgShp">
+    <dgm:fillClrLst meth="repeat">
+      <a:schemeClr val="accent1">
+        <a:tint val="40000"/>
+      </a:schemeClr>
+    </dgm:fillClrLst>
+    <dgm:linClrLst meth="repeat">
+      <a:schemeClr val="accent1"/>
+    </dgm:linClrLst>
+    <dgm:effectClrLst/>
+    <dgm:txLinClrLst/>
+    <dgm:txFillClrLst meth="repeat">
+      <a:schemeClr val="dk1"/>
+    </dgm:txFillClrLst>
+    <dgm:txEffectClrLst/>
+  </dgm:styleLbl>
+  <dgm:styleLbl name="dkBgShp">
+    <dgm:fillClrLst meth="repeat">
+      <a:schemeClr val="accent1">
+        <a:shade val="80000"/>
+      </a:schemeClr>
+    </dgm:fillClrLst>
+    <dgm:linClrLst meth="repeat">
+      <a:schemeClr val="accent1"/>
+    </dgm:linClrLst>
+    <dgm:effectClrLst/>
+    <dgm:txLinClrLst/>
+    <dgm:txFillClrLst meth="repeat">
+      <a:schemeClr val="lt1"/>
+    </dgm:txFillClrLst>
+    <dgm:txEffectClrLst/>
+  </dgm:styleLbl>
+  <dgm:styleLbl name="trBgShp">
+    <dgm:fillClrLst meth="repeat">
+      <a:schemeClr val="accent1">
+        <a:tint val="50000"/>
+        <a:alpha val="40000"/>
+      </a:schemeClr>
+    </dgm:fillClrLst>
+    <dgm:linClrLst meth="repeat">
+      <a:schemeClr val="accent1"/>
+    </dgm:linClrLst>
+    <dgm:effectClrLst/>
+    <dgm:txLinClrLst/>
+    <dgm:txFillClrLst meth="repeat">
+      <a:schemeClr val="lt1"/>
+    </dgm:txFillClrLst>
+    <dgm:txEffectClrLst/>
+  </dgm:styleLbl>
+  <dgm:styleLbl name="fgShp">
+    <dgm:fillClrLst meth="repeat">
+      <a:schemeClr val="accent1">
+        <a:tint val="60000"/>
+      </a:schemeClr>
+    </dgm:fillClrLst>
+    <dgm:linClrLst meth="repeat">
+      <a:schemeClr val="lt1"/>
+    </dgm:linClrLst>
+    <dgm:effectClrLst/>
+    <dgm:txLinClrLst/>
+    <dgm:txFillClrLst meth="repeat">
+      <a:schemeClr val="dk1"/>
+    </dgm:txFillClrLst>
+    <dgm:txEffectClrLst/>
+  </dgm:styleLbl>
+  <dgm:styleLbl name="revTx">
+    <dgm:fillClrLst meth="repeat">
+      <a:schemeClr val="lt1">
+        <a:alpha val="0"/>
+      </a:schemeClr>
+    </dgm:fillClrLst>
+    <dgm:linClrLst meth="repeat">
+      <a:schemeClr val="dk1">
+        <a:alpha val="0"/>
+      </a:schemeClr>
+    </dgm:linClrLst>
+    <dgm:effectClrLst/>
+    <dgm:txLinClrLst/>
+    <dgm:txFillClrLst meth="repeat">
+      <a:schemeClr val="tx1"/>
+    </dgm:txFillClrLst>
+    <dgm:txEffectClrLst/>
+  </dgm:styleLbl>
+</dgm:colorsDef>
+</file>
+
 <file path=ppt/diagrams/data1.xml><?xml version="1.0" encoding="utf-8"?>
 <dgm:dataModel xmlns:dgm="http://schemas.openxmlformats.org/drawingml/2006/diagram" xmlns:a="http://schemas.openxmlformats.org/drawingml/2006/main">
   <dgm:ptLst>
@@ -5624,11 +6373,19 @@
           </a:r>
           <a:r>
             <a:rPr lang="de-DE" dirty="0" smtClean="0"/>
-            <a:t> ab. Ist</a:t>
+            <a:t> ab</a:t>
+          </a:r>
+          <a:r>
+            <a:rPr lang="de-DE" dirty="0" smtClean="0"/>
+            <a:t>. Es dient zur (technischen) Identifikation und ist</a:t>
           </a:r>
           <a:r>
             <a:rPr lang="de-DE" baseline="0" dirty="0" smtClean="0"/>
-            <a:t> Teil des </a:t>
+            <a:t> </a:t>
+          </a:r>
+          <a:r>
+            <a:rPr lang="de-DE" baseline="0" dirty="0" smtClean="0"/>
+            <a:t>Teil des </a:t>
           </a:r>
           <a:r>
             <a:rPr lang="de-DE" dirty="0" smtClean="0"/>
@@ -5763,6 +6520,13 @@
         </dgm:presLayoutVars>
       </dgm:prSet>
       <dgm:spPr/>
+      <dgm:t>
+        <a:bodyPr/>
+        <a:lstStyle/>
+        <a:p>
+          <a:endParaRPr lang="de-DE"/>
+        </a:p>
+      </dgm:t>
     </dgm:pt>
     <dgm:pt modelId="{5D86908F-E08B-42B1-A6E2-D404F7A71CF2}" type="pres">
       <dgm:prSet presAssocID="{00005E6A-6A39-40F2-BC23-3C1CBA3364E1}" presName="linNode" presStyleCnt="0"/>
@@ -5921,10 +6685,10 @@
     <dgm:cxn modelId="{CE384D33-BCD5-4106-ABD4-E36672B94BE5}" type="presOf" srcId="{00005E6A-6A39-40F2-BC23-3C1CBA3364E1}" destId="{61BEE9AF-3CE7-4450-A810-17775E989A59}" srcOrd="0" destOrd="0" presId="urn:microsoft.com/office/officeart/2005/8/layout/vList5"/>
     <dgm:cxn modelId="{3FF29122-33E6-45FD-BB15-4CFEE30C6A5B}" srcId="{00005E6A-6A39-40F2-BC23-3C1CBA3364E1}" destId="{FAAF8C1D-1682-490C-B1FF-719904D31572}" srcOrd="1" destOrd="0" parTransId="{08B0B68D-373A-4CFC-96F6-84D21C8C6BD1}" sibTransId="{8083462C-E2A2-410B-BFD2-B8C8BD048EF3}"/>
     <dgm:cxn modelId="{D4834C5F-7D07-493A-834E-EE1A05DCC560}" type="presOf" srcId="{E81FE977-AF56-42F1-89E7-0674F1FE4247}" destId="{E9BE085C-EC92-41F6-8E3F-4F114E696375}" srcOrd="0" destOrd="0" presId="urn:microsoft.com/office/officeart/2005/8/layout/vList5"/>
+    <dgm:cxn modelId="{D07888D3-7D9C-4CA0-95AD-3344B4A6FC6B}" srcId="{E81FE977-AF56-42F1-89E7-0674F1FE4247}" destId="{8E1F00A3-D952-4D25-8DA7-1A5D8859BC73}" srcOrd="0" destOrd="0" parTransId="{DD4F18C3-DE1A-4410-A656-94A90F4B8A66}" sibTransId="{B9C0AC8F-7F2E-4C07-BCAD-FE05372BC9CD}"/>
+    <dgm:cxn modelId="{C117C8A3-4769-464D-98DB-53CC0C925191}" type="presOf" srcId="{FAAF8C1D-1682-490C-B1FF-719904D31572}" destId="{5B54E6DA-FAD6-49DF-83EF-AAAE2447E9D8}" srcOrd="0" destOrd="1" presId="urn:microsoft.com/office/officeart/2005/8/layout/vList5"/>
     <dgm:cxn modelId="{EFA53115-FD84-4B6F-8377-CC53E2184CFE}" srcId="{C2A7507A-DA8C-4AA1-9C40-CDCC18744FDD}" destId="{51037CA2-3992-43B4-9E73-C6B0E26E76EE}" srcOrd="1" destOrd="0" parTransId="{E6DB2DA0-2C34-401E-AD60-23127C765E9F}" sibTransId="{3C9ED251-49E7-49C7-AA67-85EC800DA560}"/>
     <dgm:cxn modelId="{001D7005-592E-45E0-BF47-F2602FDEE7B4}" srcId="{C2A7507A-DA8C-4AA1-9C40-CDCC18744FDD}" destId="{511EBDC6-6428-4C9D-891A-057A510D074E}" srcOrd="3" destOrd="0" parTransId="{D6060007-AF72-4B2A-BD14-D47FECE81CCC}" sibTransId="{81AD9CB7-FF85-4A8A-9E97-D1D6414BA553}"/>
-    <dgm:cxn modelId="{D07888D3-7D9C-4CA0-95AD-3344B4A6FC6B}" srcId="{E81FE977-AF56-42F1-89E7-0674F1FE4247}" destId="{8E1F00A3-D952-4D25-8DA7-1A5D8859BC73}" srcOrd="0" destOrd="0" parTransId="{DD4F18C3-DE1A-4410-A656-94A90F4B8A66}" sibTransId="{B9C0AC8F-7F2E-4C07-BCAD-FE05372BC9CD}"/>
-    <dgm:cxn modelId="{C117C8A3-4769-464D-98DB-53CC0C925191}" type="presOf" srcId="{FAAF8C1D-1682-490C-B1FF-719904D31572}" destId="{5B54E6DA-FAD6-49DF-83EF-AAAE2447E9D8}" srcOrd="0" destOrd="1" presId="urn:microsoft.com/office/officeart/2005/8/layout/vList5"/>
     <dgm:cxn modelId="{6F3383BA-6B9F-4B87-AFCF-8506CC434D7F}" srcId="{C2A7507A-DA8C-4AA1-9C40-CDCC18744FDD}" destId="{00005E6A-6A39-40F2-BC23-3C1CBA3364E1}" srcOrd="0" destOrd="0" parTransId="{AF155FAF-1F27-471B-AB37-9DD75493B1D5}" sibTransId="{63D7075A-AF8C-479A-A6DE-90EE5BF11E44}"/>
     <dgm:cxn modelId="{FFC93BD7-C0B6-4248-830A-B37743302DCB}" type="presOf" srcId="{511EBDC6-6428-4C9D-891A-057A510D074E}" destId="{E1271833-18BD-47E7-B4FA-E88CF3C5022B}" srcOrd="0" destOrd="0" presId="urn:microsoft.com/office/officeart/2005/8/layout/vList5"/>
     <dgm:cxn modelId="{9EDAA388-A7B6-40E2-B2FA-91B971A0904E}" srcId="{00005E6A-6A39-40F2-BC23-3C1CBA3364E1}" destId="{5D4340E6-42CF-4491-AFC2-8F7321AE536D}" srcOrd="2" destOrd="0" parTransId="{3B34AA3D-BBB5-4E6D-97A7-2FBDF4E8EBF8}" sibTransId="{DC32332D-6918-47A5-B368-B8E0A55BF8E5}"/>
@@ -5934,8 +6698,8 @@
     <dgm:cxn modelId="{F0901AB8-247C-4449-9C96-1A8C39567783}" type="presOf" srcId="{51037CA2-3992-43B4-9E73-C6B0E26E76EE}" destId="{1CD1FD28-1BC1-48EE-B87B-F5CAFB145CA1}" srcOrd="0" destOrd="0" presId="urn:microsoft.com/office/officeart/2005/8/layout/vList5"/>
     <dgm:cxn modelId="{4C797C6F-17C3-4AEE-9D9E-DF856280BE28}" srcId="{51037CA2-3992-43B4-9E73-C6B0E26E76EE}" destId="{E49E722A-5738-451A-BB95-99A84FF9790E}" srcOrd="0" destOrd="0" parTransId="{DA841629-8636-433E-8B17-7228072C4C8F}" sibTransId="{0B49934F-8B0D-49B0-9D02-45AB8A302508}"/>
     <dgm:cxn modelId="{7484BC6E-C216-4693-98F4-F47C3EDC4357}" type="presOf" srcId="{6F4614BF-5EC4-46D5-9D31-174712756D65}" destId="{E597722B-0835-44EE-91FD-F2AB92889442}" srcOrd="0" destOrd="0" presId="urn:microsoft.com/office/officeart/2005/8/layout/vList5"/>
+    <dgm:cxn modelId="{EBE2EAC7-5831-49F8-89FA-1E0573BDF39A}" type="presOf" srcId="{6C825172-ECF2-4AA5-A396-C6F2F9694EF2}" destId="{5B54E6DA-FAD6-49DF-83EF-AAAE2447E9D8}" srcOrd="0" destOrd="0" presId="urn:microsoft.com/office/officeart/2005/8/layout/vList5"/>
     <dgm:cxn modelId="{1341FB1C-3D84-4A7C-8012-548C462750A7}" srcId="{C2A7507A-DA8C-4AA1-9C40-CDCC18744FDD}" destId="{E81FE977-AF56-42F1-89E7-0674F1FE4247}" srcOrd="2" destOrd="0" parTransId="{87DE459B-CFFC-4D3E-AEA4-B9A6868EE5AB}" sibTransId="{874A9457-FC85-4E03-B420-BC62F5065FE4}"/>
-    <dgm:cxn modelId="{EBE2EAC7-5831-49F8-89FA-1E0573BDF39A}" type="presOf" srcId="{6C825172-ECF2-4AA5-A396-C6F2F9694EF2}" destId="{5B54E6DA-FAD6-49DF-83EF-AAAE2447E9D8}" srcOrd="0" destOrd="0" presId="urn:microsoft.com/office/officeart/2005/8/layout/vList5"/>
     <dgm:cxn modelId="{0DAA4E81-47FB-428D-BC23-89B7E1932554}" type="presOf" srcId="{C2A7507A-DA8C-4AA1-9C40-CDCC18744FDD}" destId="{22F9FFAD-4A9D-48F4-B24C-9364E0E8DE97}" srcOrd="0" destOrd="0" presId="urn:microsoft.com/office/officeart/2005/8/layout/vList5"/>
     <dgm:cxn modelId="{C32044AA-BD89-48B1-B7FA-F25A819BC8B1}" srcId="{511EBDC6-6428-4C9D-891A-057A510D074E}" destId="{6F4614BF-5EC4-46D5-9D31-174712756D65}" srcOrd="0" destOrd="0" parTransId="{72889311-A377-4403-8946-510EDAD9AFBA}" sibTransId="{FB38BB22-929E-40A4-917C-06973820A1ED}"/>
     <dgm:cxn modelId="{7CE243A4-E60A-47B2-A1F1-7C348E2FC97D}" type="presOf" srcId="{E49E722A-5738-451A-BB95-99A84FF9790E}" destId="{416E9A95-91D4-4977-BFD1-061635BB19FF}" srcOrd="0" destOrd="0" presId="urn:microsoft.com/office/officeart/2005/8/layout/vList5"/>
@@ -6021,21 +6785,21 @@
       </dgm:t>
     </dgm:pt>
     <dgm:pt modelId="{9FA8EBB2-7DDB-4C18-B38D-95443353BC98}">
-      <dgm:prSet phldrT="[Text]"/>
+      <dgm:prSet phldrT="[Text]" custT="1"/>
       <dgm:spPr/>
       <dgm:t>
         <a:bodyPr/>
         <a:lstStyle/>
         <a:p>
           <a:r>
-            <a:rPr lang="de-DE" b="1" dirty="0" smtClean="0"/>
+            <a:rPr lang="de-DE" sz="1200" b="1" dirty="0" smtClean="0"/>
             <a:t>Push:</a:t>
           </a:r>
           <a:r>
-            <a:rPr lang="de-DE" b="0" dirty="0" smtClean="0"/>
+            <a:rPr lang="de-DE" sz="1200" b="0" dirty="0" smtClean="0"/>
             <a:t> Daten werden an die entfernten Peers verteilt.</a:t>
           </a:r>
-          <a:endParaRPr lang="de-DE" b="1" dirty="0"/>
+          <a:endParaRPr lang="de-DE" sz="1200" b="1" dirty="0"/>
         </a:p>
       </dgm:t>
     </dgm:pt>
@@ -6062,21 +6826,21 @@
       </dgm:t>
     </dgm:pt>
     <dgm:pt modelId="{966C581D-4914-4E67-A599-1E7520B1112F}">
-      <dgm:prSet phldrT="[Text]"/>
+      <dgm:prSet phldrT="[Text]" custT="1"/>
       <dgm:spPr/>
       <dgm:t>
         <a:bodyPr/>
         <a:lstStyle/>
         <a:p>
           <a:r>
-            <a:rPr lang="de-DE" b="1" dirty="0" smtClean="0"/>
+            <a:rPr lang="de-DE" sz="1200" b="1" dirty="0" smtClean="0"/>
             <a:t>Pull: </a:t>
           </a:r>
           <a:r>
-            <a:rPr lang="de-DE" b="0" dirty="0" smtClean="0"/>
+            <a:rPr lang="de-DE" sz="1200" b="0" dirty="0" smtClean="0"/>
             <a:t>Daten werden von den entfernten Peers bezogen.</a:t>
           </a:r>
-          <a:endParaRPr lang="de-DE" b="1" dirty="0"/>
+          <a:endParaRPr lang="de-DE" sz="1200" b="1" dirty="0"/>
         </a:p>
       </dgm:t>
     </dgm:pt>
@@ -6140,25 +6904,25 @@
       </dgm:t>
     </dgm:pt>
     <dgm:pt modelId="{8BDBC669-52B2-42D4-9FA4-CAC879F21DD9}">
-      <dgm:prSet phldrT="[Text]"/>
+      <dgm:prSet phldrT="[Text]" custT="1"/>
       <dgm:spPr/>
       <dgm:t>
         <a:bodyPr/>
         <a:lstStyle/>
         <a:p>
           <a:r>
-            <a:rPr lang="de-DE" dirty="0" smtClean="0"/>
+            <a:rPr lang="de-DE" sz="1100" dirty="0" smtClean="0"/>
             <a:t>Die Kommunikation erfolgt anhand des in der </a:t>
           </a:r>
           <a:r>
-            <a:rPr lang="de-DE" dirty="0" err="1" smtClean="0"/>
+            <a:rPr lang="de-DE" sz="1100" dirty="0" err="1" smtClean="0"/>
             <a:t>SubSpace</a:t>
           </a:r>
           <a:r>
-            <a:rPr lang="de-DE" dirty="0" smtClean="0"/>
+            <a:rPr lang="de-DE" sz="1100" dirty="0" smtClean="0"/>
             <a:t> beschriebenen Kontextes. Alle Dimensionen werden berücksichtigt. </a:t>
           </a:r>
-          <a:endParaRPr lang="de-DE" dirty="0"/>
+          <a:endParaRPr lang="de-DE" sz="1100" dirty="0"/>
         </a:p>
       </dgm:t>
     </dgm:pt>
@@ -6185,25 +6949,25 @@
       </dgm:t>
     </dgm:pt>
     <dgm:pt modelId="{A34F2E7B-B2BE-45D9-A5BA-79802C2148EF}">
-      <dgm:prSet phldrT="[Text]"/>
+      <dgm:prSet phldrT="[Text]" custT="1"/>
       <dgm:spPr/>
       <dgm:t>
         <a:bodyPr/>
         <a:lstStyle/>
         <a:p>
           <a:r>
-            <a:rPr lang="de-DE" dirty="0" smtClean="0"/>
+            <a:rPr lang="de-DE" sz="1100" dirty="0" smtClean="0"/>
             <a:t>Es erfolgt nur ein Datenaustuch, wenn beide Seiten eine </a:t>
           </a:r>
           <a:r>
-            <a:rPr lang="de-DE" dirty="0" err="1" smtClean="0"/>
+            <a:rPr lang="de-DE" sz="1100" dirty="0" err="1" smtClean="0"/>
             <a:t>SubSpace</a:t>
           </a:r>
           <a:r>
-            <a:rPr lang="de-DE" dirty="0" smtClean="0"/>
+            <a:rPr lang="de-DE" sz="1100" dirty="0" smtClean="0"/>
             <a:t> mit der gleichen Beschreibung besitzen. </a:t>
           </a:r>
-          <a:endParaRPr lang="de-DE" dirty="0"/>
+          <a:endParaRPr lang="de-DE" sz="1100" dirty="0"/>
         </a:p>
       </dgm:t>
     </dgm:pt>
@@ -6328,15 +7092,7 @@
           </a:r>
           <a:r>
             <a:rPr lang="de-DE" b="0" dirty="0" smtClean="0"/>
-            <a:t>Daten werden </a:t>
-          </a:r>
-          <a:r>
-            <a:rPr lang="de-DE" b="0" dirty="0" smtClean="0"/>
-            <a:t>akzeptiert</a:t>
-          </a:r>
-          <a:r>
-            <a:rPr lang="de-DE" b="0" dirty="0" smtClean="0"/>
-            <a:t>, eigene Daten werden nicht versendet.</a:t>
+            <a:t>Daten werden akzeptiert, eigene Daten werden nicht versendet.</a:t>
           </a:r>
           <a:endParaRPr lang="de-DE" b="1" dirty="0"/>
         </a:p>
@@ -6365,32 +7121,33 @@
       </dgm:t>
     </dgm:pt>
     <dgm:pt modelId="{C0F406E8-481D-4188-B8C8-04EFB16F894F}">
-      <dgm:prSet phldrT="[Text]"/>
+      <dgm:prSet phldrT="[Text]" custT="1"/>
       <dgm:spPr/>
       <dgm:t>
         <a:bodyPr/>
         <a:lstStyle/>
         <a:p>
           <a:r>
-            <a:rPr lang="de-DE" b="1" dirty="0" err="1" smtClean="0"/>
+            <a:rPr lang="de-DE" sz="1200" b="1" dirty="0" err="1" smtClean="0"/>
             <a:t>Synchronize</a:t>
           </a:r>
           <a:r>
-            <a:rPr lang="de-DE" b="1" dirty="0" smtClean="0"/>
+            <a:rPr lang="de-DE" sz="1200" b="1" dirty="0" smtClean="0"/>
             <a:t>: </a:t>
           </a:r>
           <a:r>
-            <a:rPr lang="de-DE" b="0" dirty="0" smtClean="0"/>
+            <a:rPr lang="de-DE" sz="1200" b="0" dirty="0" smtClean="0"/>
             <a:t>Daten aller Peers werden synchronisiert </a:t>
           </a:r>
-          <a:br>
-            <a:rPr lang="de-DE" b="0" dirty="0" smtClean="0"/>
-          </a:br>
           <a:r>
-            <a:rPr lang="de-DE" b="0" dirty="0" smtClean="0"/>
-            <a:t>(Push + Pull).</a:t>
+            <a:rPr lang="de-DE" sz="1200" b="0" dirty="0" smtClean="0"/>
+            <a:t> (</a:t>
           </a:r>
-          <a:endParaRPr lang="de-DE" b="1" dirty="0"/>
+          <a:r>
+            <a:rPr lang="de-DE" sz="1200" b="0" dirty="0" smtClean="0"/>
+            <a:t>Push + Pull).</a:t>
+          </a:r>
+          <a:endParaRPr lang="de-DE" sz="1200" b="1" dirty="0"/>
         </a:p>
       </dgm:t>
     </dgm:pt>
@@ -6474,11 +7231,7 @@
           </a:r>
           <a:r>
             <a:rPr lang="de-DE" b="0" dirty="0" smtClean="0"/>
-            <a:t> </a:t>
-          </a:r>
-          <a:r>
-            <a:rPr lang="de-DE" b="0" dirty="0" smtClean="0"/>
-            <a:t>Eigene Daten werden versendet, externe Daten werden akzeptiert.</a:t>
+            <a:t> Eigene Daten werden versendet, externe Daten werden akzeptiert.</a:t>
           </a:r>
           <a:endParaRPr lang="de-DE" b="1" dirty="0"/>
         </a:p>
@@ -6552,43 +7305,139 @@
       </dgm:t>
     </dgm:pt>
     <dgm:pt modelId="{908BF0F5-F432-4497-A1EE-01448D6376A4}">
-      <dgm:prSet phldrT="[Text]"/>
+      <dgm:prSet phldrT="[Text]" custT="1"/>
       <dgm:spPr/>
       <dgm:t>
         <a:bodyPr/>
         <a:lstStyle/>
         <a:p>
           <a:r>
-            <a:rPr lang="de-DE" b="0" dirty="0" smtClean="0"/>
+            <a:rPr lang="de-DE" sz="1200" b="0" dirty="0" smtClean="0"/>
             <a:t>Der Kontext einer </a:t>
           </a:r>
           <a:r>
-            <a:rPr lang="de-DE" b="0" dirty="0" err="1" smtClean="0"/>
+            <a:rPr lang="de-DE" sz="1200" b="0" dirty="0" err="1" smtClean="0"/>
             <a:t>SubSpace</a:t>
           </a:r>
           <a:r>
-            <a:rPr lang="de-DE" b="0" dirty="0" smtClean="0"/>
+            <a:rPr lang="de-DE" sz="1200" b="0" dirty="0" smtClean="0"/>
             <a:t> kann an ein anderen Peer Versand werden. Sollte diese </a:t>
           </a:r>
           <a:r>
-            <a:rPr lang="de-DE" b="0" dirty="0" err="1" smtClean="0"/>
+            <a:rPr lang="de-DE" sz="1200" b="0" dirty="0" err="1" smtClean="0"/>
             <a:t>SubSpace</a:t>
           </a:r>
           <a:r>
-            <a:rPr lang="de-DE" b="0" dirty="0" smtClean="0"/>
+            <a:rPr lang="de-DE" sz="1200" b="0" dirty="0" smtClean="0"/>
             <a:t> dort nicht existieren, so wird sie angelegt.</a:t>
           </a:r>
-          <a:endParaRPr lang="de-DE" b="0" dirty="0"/>
+          <a:endParaRPr lang="de-DE" sz="1200" b="0" dirty="0"/>
         </a:p>
       </dgm:t>
     </dgm:pt>
     <dgm:pt modelId="{6CA1D5B7-BEC0-4038-843B-FAABA304BAC5}" type="parTrans" cxnId="{A7886BDC-8F9C-4AFB-8818-0BCE5EB32555}">
       <dgm:prSet/>
       <dgm:spPr/>
+      <dgm:t>
+        <a:bodyPr/>
+        <a:lstStyle/>
+        <a:p>
+          <a:endParaRPr lang="de-DE"/>
+        </a:p>
+      </dgm:t>
     </dgm:pt>
     <dgm:pt modelId="{0EAF9EA2-C08A-4A92-A73A-050C597202C0}" type="sibTrans" cxnId="{A7886BDC-8F9C-4AFB-8818-0BCE5EB32555}">
       <dgm:prSet/>
       <dgm:spPr/>
+      <dgm:t>
+        <a:bodyPr/>
+        <a:lstStyle/>
+        <a:p>
+          <a:endParaRPr lang="de-DE"/>
+        </a:p>
+      </dgm:t>
+    </dgm:pt>
+    <dgm:pt modelId="{47012A8F-EC0F-4B06-B3F2-DAC30FA564A5}">
+      <dgm:prSet phldrT="[Text]"/>
+      <dgm:spPr/>
+      <dgm:t>
+        <a:bodyPr/>
+        <a:lstStyle/>
+        <a:p>
+          <a:r>
+            <a:rPr lang="de-DE" b="0" dirty="0" smtClean="0"/>
+            <a:t>Metadaten und aktualisieren</a:t>
+          </a:r>
+          <a:endParaRPr lang="de-DE" b="0" dirty="0"/>
+        </a:p>
+      </dgm:t>
+    </dgm:pt>
+    <dgm:pt modelId="{557F026A-92D2-409E-B53A-5F5CFAAE11BD}" type="parTrans" cxnId="{EF7BBAF5-D8E9-4922-9C6D-94885E12910A}">
+      <dgm:prSet/>
+      <dgm:spPr/>
+      <dgm:t>
+        <a:bodyPr/>
+        <a:lstStyle/>
+        <a:p>
+          <a:endParaRPr lang="de-DE"/>
+        </a:p>
+      </dgm:t>
+    </dgm:pt>
+    <dgm:pt modelId="{C3BA6B6E-9DFE-4C0F-BAF6-44D59808ADE0}" type="sibTrans" cxnId="{EF7BBAF5-D8E9-4922-9C6D-94885E12910A}">
+      <dgm:prSet/>
+      <dgm:spPr/>
+      <dgm:t>
+        <a:bodyPr/>
+        <a:lstStyle/>
+        <a:p>
+          <a:endParaRPr lang="de-DE"/>
+        </a:p>
+      </dgm:t>
+    </dgm:pt>
+    <dgm:pt modelId="{ECAC694C-A79C-4CED-977D-CB46FB5ECB0F}">
+      <dgm:prSet phldrT="[Text]" custT="1"/>
+      <dgm:spPr/>
+      <dgm:t>
+        <a:bodyPr/>
+        <a:lstStyle/>
+        <a:p>
+          <a:r>
+            <a:rPr lang="de-DE" sz="1200" b="0" dirty="0" smtClean="0"/>
+            <a:t>Es muss möglich sein Metadaten über die </a:t>
+          </a:r>
+          <a:r>
+            <a:rPr lang="de-DE" sz="1200" b="0" dirty="0" err="1" smtClean="0"/>
+            <a:t>SubSace</a:t>
+          </a:r>
+          <a:r>
+            <a:rPr lang="de-DE" sz="1200" b="0" dirty="0" smtClean="0"/>
+            <a:t> auszutauschen und zu aktualisieren, ohne einen tatsächlichen Datenaustausch aus der Wissensbasis vorzunehmen.</a:t>
+          </a:r>
+          <a:endParaRPr lang="de-DE" sz="1200" b="0" dirty="0"/>
+        </a:p>
+      </dgm:t>
+    </dgm:pt>
+    <dgm:pt modelId="{D1A11466-7F7C-4B42-B6D8-ACBFC4B1F5F2}" type="parTrans" cxnId="{273C6D3E-F551-44B8-B2AE-9F33DC530C00}">
+      <dgm:prSet/>
+      <dgm:spPr/>
+      <dgm:t>
+        <a:bodyPr/>
+        <a:lstStyle/>
+        <a:p>
+          <a:endParaRPr lang="de-DE"/>
+        </a:p>
+      </dgm:t>
+    </dgm:pt>
+    <dgm:pt modelId="{2781D845-FAAE-49EA-ACEA-A6E5CB8231E2}" type="sibTrans" cxnId="{273C6D3E-F551-44B8-B2AE-9F33DC530C00}">
+      <dgm:prSet/>
+      <dgm:spPr/>
+      <dgm:t>
+        <a:bodyPr/>
+        <a:lstStyle/>
+        <a:p>
+          <a:endParaRPr lang="de-DE"/>
+        </a:p>
+      </dgm:t>
     </dgm:pt>
     <dgm:pt modelId="{99505868-0AAC-4256-B322-1A2416327CF5}" type="pres">
       <dgm:prSet presAssocID="{A9A590E8-898C-457F-977A-03B834C585C3}" presName="Name0" presStyleCnt="0">
@@ -6599,13 +7448,20 @@
         </dgm:presLayoutVars>
       </dgm:prSet>
       <dgm:spPr/>
+      <dgm:t>
+        <a:bodyPr/>
+        <a:lstStyle/>
+        <a:p>
+          <a:endParaRPr lang="de-DE"/>
+        </a:p>
+      </dgm:t>
     </dgm:pt>
     <dgm:pt modelId="{A5565BC6-15FD-462C-B08F-ECCB3B860951}" type="pres">
       <dgm:prSet presAssocID="{B4ECF8B3-5183-497F-80BC-3826A6805CC6}" presName="linNode" presStyleCnt="0"/>
       <dgm:spPr/>
     </dgm:pt>
     <dgm:pt modelId="{CFE613B1-9A8F-466D-AF8A-04029076F846}" type="pres">
-      <dgm:prSet presAssocID="{B4ECF8B3-5183-497F-80BC-3826A6805CC6}" presName="parentText" presStyleLbl="node1" presStyleIdx="0" presStyleCnt="4">
+      <dgm:prSet presAssocID="{B4ECF8B3-5183-497F-80BC-3826A6805CC6}" presName="parentText" presStyleLbl="node1" presStyleIdx="0" presStyleCnt="5">
         <dgm:presLayoutVars>
           <dgm:chMax val="1"/>
           <dgm:bulletEnabled val="1"/>
@@ -6621,7 +7477,7 @@
       </dgm:t>
     </dgm:pt>
     <dgm:pt modelId="{D8071D9C-3AEA-4AF2-9223-43F7F360D639}" type="pres">
-      <dgm:prSet presAssocID="{B4ECF8B3-5183-497F-80BC-3826A6805CC6}" presName="descendantText" presStyleLbl="alignAccFollowNode1" presStyleIdx="0" presStyleCnt="4">
+      <dgm:prSet presAssocID="{B4ECF8B3-5183-497F-80BC-3826A6805CC6}" presName="descendantText" presStyleLbl="alignAccFollowNode1" presStyleIdx="0" presStyleCnt="5">
         <dgm:presLayoutVars>
           <dgm:bulletEnabled val="1"/>
         </dgm:presLayoutVars>
@@ -6644,7 +7500,7 @@
       <dgm:spPr/>
     </dgm:pt>
     <dgm:pt modelId="{09A0C233-283F-4B25-A499-7024BE67A1CE}" type="pres">
-      <dgm:prSet presAssocID="{12E89278-4C23-489F-9AA6-E32095D078F8}" presName="parentText" presStyleLbl="node1" presStyleIdx="1" presStyleCnt="4">
+      <dgm:prSet presAssocID="{12E89278-4C23-489F-9AA6-E32095D078F8}" presName="parentText" presStyleLbl="node1" presStyleIdx="1" presStyleCnt="5">
         <dgm:presLayoutVars>
           <dgm:chMax val="1"/>
           <dgm:bulletEnabled val="1"/>
@@ -6660,7 +7516,7 @@
       </dgm:t>
     </dgm:pt>
     <dgm:pt modelId="{EAA028FF-3FF8-4764-BD02-24838A6FA96F}" type="pres">
-      <dgm:prSet presAssocID="{12E89278-4C23-489F-9AA6-E32095D078F8}" presName="descendantText" presStyleLbl="alignAccFollowNode1" presStyleIdx="1" presStyleCnt="4">
+      <dgm:prSet presAssocID="{12E89278-4C23-489F-9AA6-E32095D078F8}" presName="descendantText" presStyleLbl="alignAccFollowNode1" presStyleIdx="1" presStyleCnt="5">
         <dgm:presLayoutVars>
           <dgm:bulletEnabled val="1"/>
         </dgm:presLayoutVars>
@@ -6683,7 +7539,7 @@
       <dgm:spPr/>
     </dgm:pt>
     <dgm:pt modelId="{68929537-02E6-49E7-B06F-851B5BE8D104}" type="pres">
-      <dgm:prSet presAssocID="{94718183-F3C7-4632-9F96-8155B67EFC08}" presName="parentText" presStyleLbl="node1" presStyleIdx="2" presStyleCnt="4">
+      <dgm:prSet presAssocID="{94718183-F3C7-4632-9F96-8155B67EFC08}" presName="parentText" presStyleLbl="node1" presStyleIdx="2" presStyleCnt="5">
         <dgm:presLayoutVars>
           <dgm:chMax val="1"/>
           <dgm:bulletEnabled val="1"/>
@@ -6699,7 +7555,7 @@
       </dgm:t>
     </dgm:pt>
     <dgm:pt modelId="{62388A82-25A9-4FE5-AD56-2FBAE1A213AB}" type="pres">
-      <dgm:prSet presAssocID="{94718183-F3C7-4632-9F96-8155B67EFC08}" presName="descendantText" presStyleLbl="alignAccFollowNode1" presStyleIdx="2" presStyleCnt="4">
+      <dgm:prSet presAssocID="{94718183-F3C7-4632-9F96-8155B67EFC08}" presName="descendantText" presStyleLbl="alignAccFollowNode1" presStyleIdx="2" presStyleCnt="5">
         <dgm:presLayoutVars>
           <dgm:bulletEnabled val="1"/>
         </dgm:presLayoutVars>
@@ -6722,7 +7578,7 @@
       <dgm:spPr/>
     </dgm:pt>
     <dgm:pt modelId="{2B0C8D2D-C244-4BF4-AE4F-D702E51423B1}" type="pres">
-      <dgm:prSet presAssocID="{7CF914E3-CBAC-47CB-AF60-25E8F5880C02}" presName="parentText" presStyleLbl="node1" presStyleIdx="3" presStyleCnt="4">
+      <dgm:prSet presAssocID="{7CF914E3-CBAC-47CB-AF60-25E8F5880C02}" presName="parentText" presStyleLbl="node1" presStyleIdx="3" presStyleCnt="5">
         <dgm:presLayoutVars>
           <dgm:chMax val="1"/>
           <dgm:bulletEnabled val="1"/>
@@ -6738,7 +7594,46 @@
       </dgm:t>
     </dgm:pt>
     <dgm:pt modelId="{3ED8F56D-E669-4536-A256-ADE1091A3C0B}" type="pres">
-      <dgm:prSet presAssocID="{7CF914E3-CBAC-47CB-AF60-25E8F5880C02}" presName="descendantText" presStyleLbl="alignAccFollowNode1" presStyleIdx="3" presStyleCnt="4">
+      <dgm:prSet presAssocID="{7CF914E3-CBAC-47CB-AF60-25E8F5880C02}" presName="descendantText" presStyleLbl="alignAccFollowNode1" presStyleIdx="3" presStyleCnt="5">
+        <dgm:presLayoutVars>
+          <dgm:bulletEnabled val="1"/>
+        </dgm:presLayoutVars>
+      </dgm:prSet>
+      <dgm:spPr/>
+      <dgm:t>
+        <a:bodyPr/>
+        <a:lstStyle/>
+        <a:p>
+          <a:endParaRPr lang="de-DE"/>
+        </a:p>
+      </dgm:t>
+    </dgm:pt>
+    <dgm:pt modelId="{2CD8E300-A168-4991-913D-C4335293873B}" type="pres">
+      <dgm:prSet presAssocID="{B94988E0-B1B0-4245-9966-F18EF8B73286}" presName="sp" presStyleCnt="0"/>
+      <dgm:spPr/>
+    </dgm:pt>
+    <dgm:pt modelId="{2B6647D5-17A2-4460-BF89-B3671742BDF8}" type="pres">
+      <dgm:prSet presAssocID="{47012A8F-EC0F-4B06-B3F2-DAC30FA564A5}" presName="linNode" presStyleCnt="0"/>
+      <dgm:spPr/>
+    </dgm:pt>
+    <dgm:pt modelId="{52445CD3-84B2-4147-B10D-63AA1908308B}" type="pres">
+      <dgm:prSet presAssocID="{47012A8F-EC0F-4B06-B3F2-DAC30FA564A5}" presName="parentText" presStyleLbl="node1" presStyleIdx="4" presStyleCnt="5">
+        <dgm:presLayoutVars>
+          <dgm:chMax val="1"/>
+          <dgm:bulletEnabled val="1"/>
+        </dgm:presLayoutVars>
+      </dgm:prSet>
+      <dgm:spPr/>
+      <dgm:t>
+        <a:bodyPr/>
+        <a:lstStyle/>
+        <a:p>
+          <a:endParaRPr lang="de-DE"/>
+        </a:p>
+      </dgm:t>
+    </dgm:pt>
+    <dgm:pt modelId="{A03BA8D5-69BD-4D81-92AA-28E6F98BC7C5}" type="pres">
+      <dgm:prSet presAssocID="{47012A8F-EC0F-4B06-B3F2-DAC30FA564A5}" presName="descendantText" presStyleLbl="alignAccFollowNode1" presStyleIdx="4" presStyleCnt="5">
         <dgm:presLayoutVars>
           <dgm:bulletEnabled val="1"/>
         </dgm:presLayoutVars>
@@ -6762,6 +7657,7 @@
     <dgm:cxn modelId="{AD6B1D88-DD97-4BF8-9EE6-87B40F930CD9}" type="presOf" srcId="{7CF914E3-CBAC-47CB-AF60-25E8F5880C02}" destId="{2B0C8D2D-C244-4BF4-AE4F-D702E51423B1}" srcOrd="0" destOrd="0" presId="urn:microsoft.com/office/officeart/2005/8/layout/vList5"/>
     <dgm:cxn modelId="{A6AD03E2-52D3-40B4-B508-A4CBB29F8C3C}" srcId="{A9A590E8-898C-457F-977A-03B834C585C3}" destId="{7CF914E3-CBAC-47CB-AF60-25E8F5880C02}" srcOrd="3" destOrd="0" parTransId="{688802DC-A4EC-40AD-9F62-47D3C9833FAA}" sibTransId="{B94988E0-B1B0-4245-9966-F18EF8B73286}"/>
     <dgm:cxn modelId="{8F09124A-4014-4BF9-9734-A2B52D675F35}" type="presOf" srcId="{12E89278-4C23-489F-9AA6-E32095D078F8}" destId="{09A0C233-283F-4B25-A499-7024BE67A1CE}" srcOrd="0" destOrd="0" presId="urn:microsoft.com/office/officeart/2005/8/layout/vList5"/>
+    <dgm:cxn modelId="{D1ECEE5E-1FC9-4C6E-8CE2-7B6AA8BF6E06}" type="presOf" srcId="{ECAC694C-A79C-4CED-977D-CB46FB5ECB0F}" destId="{A03BA8D5-69BD-4D81-92AA-28E6F98BC7C5}" srcOrd="0" destOrd="0" presId="urn:microsoft.com/office/officeart/2005/8/layout/vList5"/>
     <dgm:cxn modelId="{9C04364D-E2CA-4CD3-A3E3-F099627D2DDB}" srcId="{A9A590E8-898C-457F-977A-03B834C585C3}" destId="{94718183-F3C7-4632-9F96-8155B67EFC08}" srcOrd="2" destOrd="0" parTransId="{08521A1F-12E1-4CEA-9DB8-57697782D393}" sibTransId="{520932B0-8203-4C9C-97BC-9E4C5384D173}"/>
     <dgm:cxn modelId="{066DCDC6-A97E-4050-9E2C-0E3A71C50EF5}" type="presOf" srcId="{8BDBC669-52B2-42D4-9FA4-CAC879F21DD9}" destId="{EAA028FF-3FF8-4764-BD02-24838A6FA96F}" srcOrd="0" destOrd="0" presId="urn:microsoft.com/office/officeart/2005/8/layout/vList5"/>
     <dgm:cxn modelId="{E1EC9640-79E9-4FDE-98B8-767A8C4A0EE9}" srcId="{94718183-F3C7-4632-9F96-8155B67EFC08}" destId="{5486616A-A049-4961-B53C-E1B9264C8B5E}" srcOrd="0" destOrd="0" parTransId="{DC6CFCFC-22BF-431B-BBE5-B1DB909C7D21}" sibTransId="{6E3B4FEF-D377-43B8-BD0A-2C3D62377444}"/>
@@ -6769,6 +7665,7 @@
     <dgm:cxn modelId="{0AE84EF8-2718-4E4E-B670-E10BFC1678B8}" srcId="{94718183-F3C7-4632-9F96-8155B67EFC08}" destId="{DE6D1970-59B1-432E-80D2-0A86379C5CEB}" srcOrd="3" destOrd="0" parTransId="{81224391-D8D6-45F4-9248-E1BAF44A4C49}" sibTransId="{41E4EB61-2F1A-4F09-A876-81942FA00CA2}"/>
     <dgm:cxn modelId="{03504EA9-1EDF-4273-9731-D59EFA92FD0D}" type="presOf" srcId="{5486616A-A049-4961-B53C-E1B9264C8B5E}" destId="{62388A82-25A9-4FE5-AD56-2FBAE1A213AB}" srcOrd="0" destOrd="0" presId="urn:microsoft.com/office/officeart/2005/8/layout/vList5"/>
     <dgm:cxn modelId="{CBDF05CD-DD01-405A-BF5A-225D6A8EFB7C}" srcId="{A9A590E8-898C-457F-977A-03B834C585C3}" destId="{B4ECF8B3-5183-497F-80BC-3826A6805CC6}" srcOrd="0" destOrd="0" parTransId="{9681FB7B-45ED-4681-808A-1D85903C946D}" sibTransId="{FCC284DA-C146-447B-96C5-F3F298CE6F6E}"/>
+    <dgm:cxn modelId="{D40FA02E-B742-44B5-BD15-38F67CECD7B7}" type="presOf" srcId="{47012A8F-EC0F-4B06-B3F2-DAC30FA564A5}" destId="{52445CD3-84B2-4147-B10D-63AA1908308B}" srcOrd="0" destOrd="0" presId="urn:microsoft.com/office/officeart/2005/8/layout/vList5"/>
     <dgm:cxn modelId="{FC0C6818-12C4-4A0F-8E6F-0D6561BE3E9C}" type="presOf" srcId="{9FA8EBB2-7DDB-4C18-B38D-95443353BC98}" destId="{D8071D9C-3AEA-4AF2-9223-43F7F360D639}" srcOrd="0" destOrd="0" presId="urn:microsoft.com/office/officeart/2005/8/layout/vList5"/>
     <dgm:cxn modelId="{87B0187B-CE1B-4BED-8351-70DBDA43EB74}" srcId="{B4ECF8B3-5183-497F-80BC-3826A6805CC6}" destId="{C0F406E8-481D-4188-B8C8-04EFB16F894F}" srcOrd="2" destOrd="0" parTransId="{9E64489D-6571-4D1A-BCFD-333EA1D3AF8F}" sibTransId="{E8CD61F6-D954-4786-A37E-B5A3AAAF0273}"/>
     <dgm:cxn modelId="{FCAB0579-5F36-4148-9064-18BBAF51F53D}" srcId="{94718183-F3C7-4632-9F96-8155B67EFC08}" destId="{086B5C7D-1E36-4503-B75C-C5858BF98EB7}" srcOrd="1" destOrd="0" parTransId="{29C702AA-E673-4282-9AE0-FE2790FAE65C}" sibTransId="{C238D43A-25DF-47C3-BE64-0DEC2DA3C031}"/>
@@ -6777,7 +7674,9 @@
     <dgm:cxn modelId="{90656000-A5B4-4CA2-8B1A-07133C87D5E2}" type="presOf" srcId="{A9A590E8-898C-457F-977A-03B834C585C3}" destId="{99505868-0AAC-4256-B322-1A2416327CF5}" srcOrd="0" destOrd="0" presId="urn:microsoft.com/office/officeart/2005/8/layout/vList5"/>
     <dgm:cxn modelId="{9B40D350-E1AD-4F4E-939B-1168CBF068D0}" type="presOf" srcId="{086B5C7D-1E36-4503-B75C-C5858BF98EB7}" destId="{62388A82-25A9-4FE5-AD56-2FBAE1A213AB}" srcOrd="0" destOrd="1" presId="urn:microsoft.com/office/officeart/2005/8/layout/vList5"/>
     <dgm:cxn modelId="{14E91B7A-99C5-4F24-A72F-D76C4D8172FF}" srcId="{B4ECF8B3-5183-497F-80BC-3826A6805CC6}" destId="{9FA8EBB2-7DDB-4C18-B38D-95443353BC98}" srcOrd="0" destOrd="0" parTransId="{FEB9347B-D2B7-4DD1-9D9A-4544A540ED0F}" sibTransId="{05F14EA1-F6CD-40C9-B9F5-AE3AF580D570}"/>
+    <dgm:cxn modelId="{EF7BBAF5-D8E9-4922-9C6D-94885E12910A}" srcId="{A9A590E8-898C-457F-977A-03B834C585C3}" destId="{47012A8F-EC0F-4B06-B3F2-DAC30FA564A5}" srcOrd="4" destOrd="0" parTransId="{557F026A-92D2-409E-B53A-5F5CFAAE11BD}" sibTransId="{C3BA6B6E-9DFE-4C0F-BAF6-44D59808ADE0}"/>
     <dgm:cxn modelId="{54528B78-D7A2-4D4C-8EB2-08D782F1ED83}" type="presOf" srcId="{B4ECF8B3-5183-497F-80BC-3826A6805CC6}" destId="{CFE613B1-9A8F-466D-AF8A-04029076F846}" srcOrd="0" destOrd="0" presId="urn:microsoft.com/office/officeart/2005/8/layout/vList5"/>
+    <dgm:cxn modelId="{273C6D3E-F551-44B8-B2AE-9F33DC530C00}" srcId="{47012A8F-EC0F-4B06-B3F2-DAC30FA564A5}" destId="{ECAC694C-A79C-4CED-977D-CB46FB5ECB0F}" srcOrd="0" destOrd="0" parTransId="{D1A11466-7F7C-4B42-B6D8-ACBFC4B1F5F2}" sibTransId="{2781D845-FAAE-49EA-ACEA-A6E5CB8231E2}"/>
     <dgm:cxn modelId="{4AB676F4-9C20-4635-AE1F-C59F3F31BEDC}" type="presOf" srcId="{94718183-F3C7-4632-9F96-8155B67EFC08}" destId="{68929537-02E6-49E7-B06F-851B5BE8D104}" srcOrd="0" destOrd="0" presId="urn:microsoft.com/office/officeart/2005/8/layout/vList5"/>
     <dgm:cxn modelId="{C898D010-4F9E-464C-BD59-50EDF835A993}" type="presOf" srcId="{DE6D1970-59B1-432E-80D2-0A86379C5CEB}" destId="{62388A82-25A9-4FE5-AD56-2FBAE1A213AB}" srcOrd="0" destOrd="3" presId="urn:microsoft.com/office/officeart/2005/8/layout/vList5"/>
     <dgm:cxn modelId="{464A3A04-FC33-4F60-8CD9-9EB34476A950}" srcId="{B4ECF8B3-5183-497F-80BC-3826A6805CC6}" destId="{966C581D-4914-4E67-A599-1E7520B1112F}" srcOrd="1" destOrd="0" parTransId="{7C297100-4179-44AD-A9EA-296E95A439F7}" sibTransId="{764E0B00-6716-46FC-B43A-4F1048E14891}"/>
@@ -6798,6 +7697,10 @@
     <dgm:cxn modelId="{38D264E2-3968-4D7A-AD8B-86A358EA9773}" type="presParOf" srcId="{99505868-0AAC-4256-B322-1A2416327CF5}" destId="{C165B215-AD71-4F83-B55A-29934A1061EC}" srcOrd="6" destOrd="0" presId="urn:microsoft.com/office/officeart/2005/8/layout/vList5"/>
     <dgm:cxn modelId="{70F367B4-62A1-4B3C-A9B3-ED5E0B116B87}" type="presParOf" srcId="{C165B215-AD71-4F83-B55A-29934A1061EC}" destId="{2B0C8D2D-C244-4BF4-AE4F-D702E51423B1}" srcOrd="0" destOrd="0" presId="urn:microsoft.com/office/officeart/2005/8/layout/vList5"/>
     <dgm:cxn modelId="{B69C66C5-0356-4B8F-BDBA-F8ADD9377F24}" type="presParOf" srcId="{C165B215-AD71-4F83-B55A-29934A1061EC}" destId="{3ED8F56D-E669-4536-A256-ADE1091A3C0B}" srcOrd="1" destOrd="0" presId="urn:microsoft.com/office/officeart/2005/8/layout/vList5"/>
+    <dgm:cxn modelId="{03B0EC74-24B9-4EBF-B61B-6565CD702A34}" type="presParOf" srcId="{99505868-0AAC-4256-B322-1A2416327CF5}" destId="{2CD8E300-A168-4991-913D-C4335293873B}" srcOrd="7" destOrd="0" presId="urn:microsoft.com/office/officeart/2005/8/layout/vList5"/>
+    <dgm:cxn modelId="{D43CD32E-7A45-4AAC-A0D4-11F86FBEBC9E}" type="presParOf" srcId="{99505868-0AAC-4256-B322-1A2416327CF5}" destId="{2B6647D5-17A2-4460-BF89-B3671742BDF8}" srcOrd="8" destOrd="0" presId="urn:microsoft.com/office/officeart/2005/8/layout/vList5"/>
+    <dgm:cxn modelId="{ABA84FD5-A8C6-44B8-9AF0-2C4C66BBFA0A}" type="presParOf" srcId="{2B6647D5-17A2-4460-BF89-B3671742BDF8}" destId="{52445CD3-84B2-4147-B10D-63AA1908308B}" srcOrd="0" destOrd="0" presId="urn:microsoft.com/office/officeart/2005/8/layout/vList5"/>
+    <dgm:cxn modelId="{A24D07F9-0C93-4489-8D7A-2C6AFBCF5C01}" type="presParOf" srcId="{2B6647D5-17A2-4460-BF89-B3671742BDF8}" destId="{A03BA8D5-69BD-4D81-92AA-28E6F98BC7C5}" srcOrd="1" destOrd="0" presId="urn:microsoft.com/office/officeart/2005/8/layout/vList5"/>
   </dgm:cxnLst>
   <dgm:bg/>
   <dgm:whole/>
@@ -6918,12 +7821,32 @@
       </dgm:t>
     </dgm:pt>
     <dgm:pt modelId="{A9F02769-D823-44BF-9A8B-51C760821503}">
-      <dgm:prSet phldrT="[Text]" phldr="1"/>
+      <dgm:prSet phldrT="[Text]"/>
       <dgm:spPr/>
       <dgm:t>
         <a:bodyPr/>
         <a:lstStyle/>
         <a:p>
+          <a:r>
+            <a:rPr lang="de-DE" dirty="0" smtClean="0"/>
+            <a:t>Hinweis: Das Ändern des Themas einer </a:t>
+          </a:r>
+          <a:r>
+            <a:rPr lang="de-DE" dirty="0" err="1" smtClean="0"/>
+            <a:t>SubSpace</a:t>
+          </a:r>
+          <a:r>
+            <a:rPr lang="de-DE" dirty="0" smtClean="0"/>
+            <a:t> entsprecht dem löschen und anlegen einer neuen </a:t>
+          </a:r>
+          <a:r>
+            <a:rPr lang="de-DE" dirty="0" err="1" smtClean="0"/>
+            <a:t>SubSpace</a:t>
+          </a:r>
+          <a:r>
+            <a:rPr lang="de-DE" dirty="0" smtClean="0"/>
+            <a:t>.</a:t>
+          </a:r>
           <a:endParaRPr lang="de-DE" dirty="0"/>
         </a:p>
       </dgm:t>
@@ -6951,23 +7874,39 @@
       </dgm:t>
     </dgm:pt>
     <dgm:pt modelId="{DE1E5293-1BC5-40CF-96F1-C2209F1AE674}">
-      <dgm:prSet phldrT="[Text]" phldr="1"/>
+      <dgm:prSet phldrT="[Text]"/>
       <dgm:spPr/>
       <dgm:t>
         <a:bodyPr/>
         <a:lstStyle/>
         <a:p>
+          <a:r>
+            <a:rPr lang="de-DE" dirty="0" smtClean="0"/>
+            <a:t>Es muss möglich sein Änderungen an einer </a:t>
+          </a:r>
+          <a:r>
+            <a:rPr lang="de-DE" dirty="0" err="1" smtClean="0"/>
+            <a:t>SubSpace</a:t>
+          </a:r>
+          <a:r>
+            <a:rPr lang="de-DE" dirty="0" smtClean="0"/>
+            <a:t> mitzuteilen. Zum Beispiel das hinzufügen oder entfernen von Mitgliedern.</a:t>
+          </a:r>
           <a:endParaRPr lang="de-DE" dirty="0"/>
         </a:p>
       </dgm:t>
     </dgm:pt>
     <dgm:pt modelId="{C9E0C07F-6C52-4228-B17F-13BADECC2C91}">
-      <dgm:prSet phldrT="[Text]" phldr="1"/>
+      <dgm:prSet phldrT="[Text]"/>
       <dgm:spPr/>
       <dgm:t>
         <a:bodyPr/>
         <a:lstStyle/>
         <a:p>
+          <a:r>
+            <a:rPr lang="de-DE" dirty="0" smtClean="0"/>
+            <a:t>Änderungen mitteilen</a:t>
+          </a:r>
           <a:endParaRPr lang="de-DE" dirty="0"/>
         </a:p>
       </dgm:t>
@@ -7017,34 +7956,70 @@
       </dgm:t>
     </dgm:pt>
     <dgm:pt modelId="{5F71CC2A-2C11-4605-BFEB-D7FB5C2650FF}">
-      <dgm:prSet phldrT="[Text]" phldr="1"/>
+      <dgm:prSet phldrT="[Text]"/>
       <dgm:spPr/>
       <dgm:t>
         <a:bodyPr/>
         <a:lstStyle/>
         <a:p>
+          <a:r>
+            <a:rPr lang="de-DE" dirty="0" smtClean="0"/>
+            <a:t>Veraltete </a:t>
+          </a:r>
+          <a:r>
+            <a:rPr lang="de-DE" dirty="0" err="1" smtClean="0"/>
+            <a:t>ContextPoint</a:t>
+          </a:r>
+          <a:r>
+            <a:rPr lang="de-DE" dirty="0" smtClean="0"/>
+            <a:t>  werden durch die aktuelleren ersetzt.</a:t>
+          </a:r>
           <a:endParaRPr lang="de-DE" dirty="0"/>
         </a:p>
       </dgm:t>
     </dgm:pt>
     <dgm:pt modelId="{98A61C1D-BC6B-4D3C-ADFC-A8F425E674BA}">
-      <dgm:prSet phldrT="[Text]" phldr="1"/>
+      <dgm:prSet phldrT="[Text]"/>
       <dgm:spPr/>
       <dgm:t>
         <a:bodyPr/>
         <a:lstStyle/>
         <a:p>
+          <a:r>
+            <a:rPr lang="de-DE" dirty="0" smtClean="0"/>
+            <a:t>Nicht existierende </a:t>
+          </a:r>
+          <a:r>
+            <a:rPr lang="de-DE" dirty="0" err="1" smtClean="0"/>
+            <a:t>ContextPoint</a:t>
+          </a:r>
+          <a:r>
+            <a:rPr lang="de-DE" dirty="0" smtClean="0"/>
+            <a:t> werden in die </a:t>
+          </a:r>
+          <a:r>
+            <a:rPr lang="de-DE" dirty="0" err="1" smtClean="0"/>
+            <a:t>KnowledgeBase</a:t>
+          </a:r>
+          <a:r>
+            <a:rPr lang="de-DE" dirty="0" smtClean="0"/>
+            <a:t> hinzugefügt.</a:t>
+          </a:r>
           <a:endParaRPr lang="de-DE" dirty="0"/>
         </a:p>
       </dgm:t>
     </dgm:pt>
     <dgm:pt modelId="{197D75D5-E967-4CC3-B3B4-C9DE053E3D89}">
-      <dgm:prSet phldrT="[Text]" phldr="1"/>
+      <dgm:prSet phldrT="[Text]"/>
       <dgm:spPr/>
       <dgm:t>
         <a:bodyPr/>
         <a:lstStyle/>
         <a:p>
+          <a:r>
+            <a:rPr lang="de-DE" dirty="0" smtClean="0"/>
+            <a:t>Änderungen an der lokalen Wissensbasis</a:t>
+          </a:r>
           <a:endParaRPr lang="de-DE" dirty="0"/>
         </a:p>
       </dgm:t>
@@ -7114,6 +8089,99 @@
           <a:endParaRPr lang="de-DE"/>
         </a:p>
       </dgm:t>
+    </dgm:pt>
+    <dgm:pt modelId="{E783241C-AAC4-4046-B6B3-9A8C393CF1F4}">
+      <dgm:prSet phldrT="[Text]"/>
+      <dgm:spPr/>
+      <dgm:t>
+        <a:bodyPr/>
+        <a:lstStyle/>
+        <a:p>
+          <a:r>
+            <a:rPr lang="de-DE" dirty="0" smtClean="0"/>
+            <a:t>Gelöschte </a:t>
+          </a:r>
+          <a:r>
+            <a:rPr lang="de-DE" dirty="0" err="1" smtClean="0"/>
+            <a:t>ContextPoint</a:t>
+          </a:r>
+          <a:r>
+            <a:rPr lang="de-DE" dirty="0" smtClean="0"/>
+            <a:t> werden (vorerst) ignoriert. Hier kann ein </a:t>
+          </a:r>
+          <a:r>
+            <a:rPr lang="de-DE" dirty="0" err="1" smtClean="0"/>
+            <a:t>Flag</a:t>
+          </a:r>
+          <a:r>
+            <a:rPr lang="de-DE" dirty="0" smtClean="0"/>
+            <a:t> zum löschen oder unberührt lassen diskutiert werden. Weitere Prüfung nötig.</a:t>
+          </a:r>
+          <a:endParaRPr lang="de-DE" dirty="0"/>
+        </a:p>
+      </dgm:t>
+    </dgm:pt>
+    <dgm:pt modelId="{8D311BC1-DC7B-4BEE-ADEA-5C0BE75746BB}" type="parTrans" cxnId="{94C09867-1BE1-45FB-8617-B28E5CC6CD60}">
+      <dgm:prSet/>
+      <dgm:spPr/>
+    </dgm:pt>
+    <dgm:pt modelId="{55799E59-D4FF-4860-AA69-ED37F612B328}" type="sibTrans" cxnId="{94C09867-1BE1-45FB-8617-B28E5CC6CD60}">
+      <dgm:prSet/>
+      <dgm:spPr/>
+    </dgm:pt>
+    <dgm:pt modelId="{B94D1488-C336-4461-A411-5DF1FC7FF055}">
+      <dgm:prSet phldrT="[Text]"/>
+      <dgm:spPr/>
+      <dgm:t>
+        <a:bodyPr/>
+        <a:lstStyle/>
+        <a:p>
+          <a:r>
+            <a:rPr lang="de-DE" dirty="0" smtClean="0"/>
+            <a:t>Entwickler sind für das Kommunikationsverhalten verantwortlich</a:t>
+          </a:r>
+          <a:endParaRPr lang="de-DE" dirty="0"/>
+        </a:p>
+      </dgm:t>
+    </dgm:pt>
+    <dgm:pt modelId="{08D17CE4-E5F1-4C94-8DB4-A342E49B7326}" type="parTrans" cxnId="{D5DB2D0F-5CD8-4A07-8CC2-4EC9D10025CC}">
+      <dgm:prSet/>
+      <dgm:spPr/>
+    </dgm:pt>
+    <dgm:pt modelId="{981C80FF-3382-44FD-A300-57B46F649F03}" type="sibTrans" cxnId="{D5DB2D0F-5CD8-4A07-8CC2-4EC9D10025CC}">
+      <dgm:prSet/>
+      <dgm:spPr/>
+    </dgm:pt>
+    <dgm:pt modelId="{F8AAE27A-8300-4B72-8051-7D5A07507AC6}">
+      <dgm:prSet phldrT="[Text]"/>
+      <dgm:spPr/>
+      <dgm:t>
+        <a:bodyPr/>
+        <a:lstStyle/>
+        <a:p>
+          <a:r>
+            <a:rPr lang="de-DE" dirty="0" smtClean="0"/>
+            <a:t>Entwickler  sind für die Konfiguration der Art der Kommunikation selbst verantwortlich. Hierzu kann die Remote Peer und </a:t>
+          </a:r>
+          <a:r>
+            <a:rPr lang="de-DE" dirty="0" err="1" smtClean="0"/>
+            <a:t>Direction</a:t>
+          </a:r>
+          <a:r>
+            <a:rPr lang="de-DE" dirty="0" smtClean="0"/>
+            <a:t> Dimension des Kontextes manipuliert werden.</a:t>
+          </a:r>
+          <a:endParaRPr lang="de-DE" dirty="0"/>
+        </a:p>
+      </dgm:t>
+    </dgm:pt>
+    <dgm:pt modelId="{99A955EE-8D74-43CA-9DB7-E5D256DA38D3}" type="parTrans" cxnId="{6DEC3A14-0BC3-4980-ABA8-B950A198C0CD}">
+      <dgm:prSet/>
+      <dgm:spPr/>
+    </dgm:pt>
+    <dgm:pt modelId="{F97CD177-2C4F-4C69-97AC-F4BA74907DB1}" type="sibTrans" cxnId="{6DEC3A14-0BC3-4980-ABA8-B950A198C0CD}">
+      <dgm:prSet/>
+      <dgm:spPr/>
     </dgm:pt>
     <dgm:pt modelId="{4A96E56F-C9A8-46C1-AA70-DF94F9389CD3}" type="pres">
       <dgm:prSet presAssocID="{3BEC3D44-1F56-4822-8FDD-D9840E98226E}" presName="Name0" presStyleCnt="0">
@@ -7124,13 +8192,20 @@
         </dgm:presLayoutVars>
       </dgm:prSet>
       <dgm:spPr/>
+      <dgm:t>
+        <a:bodyPr/>
+        <a:lstStyle/>
+        <a:p>
+          <a:endParaRPr lang="de-DE"/>
+        </a:p>
+      </dgm:t>
     </dgm:pt>
     <dgm:pt modelId="{C3313543-6FDD-4E7F-A367-9E19835B30EB}" type="pres">
       <dgm:prSet presAssocID="{884FD704-A1A0-496E-85A9-7797B898EFE7}" presName="linNode" presStyleCnt="0"/>
       <dgm:spPr/>
     </dgm:pt>
     <dgm:pt modelId="{E8337213-36D2-4D42-AB27-8E2EF6AD57E2}" type="pres">
-      <dgm:prSet presAssocID="{884FD704-A1A0-496E-85A9-7797B898EFE7}" presName="parentText" presStyleLbl="node1" presStyleIdx="0" presStyleCnt="3">
+      <dgm:prSet presAssocID="{884FD704-A1A0-496E-85A9-7797B898EFE7}" presName="parentText" presStyleLbl="node1" presStyleIdx="0" presStyleCnt="4">
         <dgm:presLayoutVars>
           <dgm:chMax val="1"/>
           <dgm:bulletEnabled val="1"/>
@@ -7146,7 +8221,7 @@
       </dgm:t>
     </dgm:pt>
     <dgm:pt modelId="{C9A02232-17ED-4E58-867E-E602F24C6574}" type="pres">
-      <dgm:prSet presAssocID="{884FD704-A1A0-496E-85A9-7797B898EFE7}" presName="descendantText" presStyleLbl="alignAccFollowNode1" presStyleIdx="0" presStyleCnt="3">
+      <dgm:prSet presAssocID="{884FD704-A1A0-496E-85A9-7797B898EFE7}" presName="descendantText" presStyleLbl="alignAccFollowNode1" presStyleIdx="0" presStyleCnt="4">
         <dgm:presLayoutVars>
           <dgm:bulletEnabled val="1"/>
         </dgm:presLayoutVars>
@@ -7169,7 +8244,7 @@
       <dgm:spPr/>
     </dgm:pt>
     <dgm:pt modelId="{3F58224D-C16A-4146-8E4F-BCCEF7FF872F}" type="pres">
-      <dgm:prSet presAssocID="{197D75D5-E967-4CC3-B3B4-C9DE053E3D89}" presName="parentText" presStyleLbl="node1" presStyleIdx="1" presStyleCnt="3">
+      <dgm:prSet presAssocID="{197D75D5-E967-4CC3-B3B4-C9DE053E3D89}" presName="parentText" presStyleLbl="node1" presStyleIdx="1" presStyleCnt="4">
         <dgm:presLayoutVars>
           <dgm:chMax val="1"/>
           <dgm:bulletEnabled val="1"/>
@@ -7185,7 +8260,7 @@
       </dgm:t>
     </dgm:pt>
     <dgm:pt modelId="{4114AA1A-BE2A-498E-B405-7409ECF76B68}" type="pres">
-      <dgm:prSet presAssocID="{197D75D5-E967-4CC3-B3B4-C9DE053E3D89}" presName="descendantText" presStyleLbl="alignAccFollowNode1" presStyleIdx="1" presStyleCnt="3">
+      <dgm:prSet presAssocID="{197D75D5-E967-4CC3-B3B4-C9DE053E3D89}" presName="descendantText" presStyleLbl="alignAccFollowNode1" presStyleIdx="1" presStyleCnt="4" custLinFactNeighborX="1" custLinFactNeighborY="448">
         <dgm:presLayoutVars>
           <dgm:bulletEnabled val="1"/>
         </dgm:presLayoutVars>
@@ -7208,7 +8283,7 @@
       <dgm:spPr/>
     </dgm:pt>
     <dgm:pt modelId="{91649E2D-7906-4036-9293-32CD53B92D82}" type="pres">
-      <dgm:prSet presAssocID="{C9E0C07F-6C52-4228-B17F-13BADECC2C91}" presName="parentText" presStyleLbl="node1" presStyleIdx="2" presStyleCnt="3">
+      <dgm:prSet presAssocID="{C9E0C07F-6C52-4228-B17F-13BADECC2C91}" presName="parentText" presStyleLbl="node1" presStyleIdx="2" presStyleCnt="4">
         <dgm:presLayoutVars>
           <dgm:chMax val="1"/>
           <dgm:bulletEnabled val="1"/>
@@ -7224,7 +8299,7 @@
       </dgm:t>
     </dgm:pt>
     <dgm:pt modelId="{87D9F5D9-852E-4419-94FF-3531CAE28CED}" type="pres">
-      <dgm:prSet presAssocID="{C9E0C07F-6C52-4228-B17F-13BADECC2C91}" presName="descendantText" presStyleLbl="alignAccFollowNode1" presStyleIdx="2" presStyleCnt="3">
+      <dgm:prSet presAssocID="{C9E0C07F-6C52-4228-B17F-13BADECC2C91}" presName="descendantText" presStyleLbl="alignAccFollowNode1" presStyleIdx="2" presStyleCnt="4">
         <dgm:presLayoutVars>
           <dgm:bulletEnabled val="1"/>
         </dgm:presLayoutVars>
@@ -7238,25 +8313,70 @@
         </a:p>
       </dgm:t>
     </dgm:pt>
+    <dgm:pt modelId="{616AB7E0-A724-432F-8449-8A2646320E2A}" type="pres">
+      <dgm:prSet presAssocID="{5E1342A0-AA21-475D-A9ED-8F088F5DFE7B}" presName="sp" presStyleCnt="0"/>
+      <dgm:spPr/>
+    </dgm:pt>
+    <dgm:pt modelId="{1E84BB25-D6D8-4529-9639-9CE761FB7473}" type="pres">
+      <dgm:prSet presAssocID="{B94D1488-C336-4461-A411-5DF1FC7FF055}" presName="linNode" presStyleCnt="0"/>
+      <dgm:spPr/>
+    </dgm:pt>
+    <dgm:pt modelId="{D711412E-5C50-4D6E-9328-C412FFF402A9}" type="pres">
+      <dgm:prSet presAssocID="{B94D1488-C336-4461-A411-5DF1FC7FF055}" presName="parentText" presStyleLbl="node1" presStyleIdx="3" presStyleCnt="4">
+        <dgm:presLayoutVars>
+          <dgm:chMax val="1"/>
+          <dgm:bulletEnabled val="1"/>
+        </dgm:presLayoutVars>
+      </dgm:prSet>
+      <dgm:spPr/>
+      <dgm:t>
+        <a:bodyPr/>
+        <a:lstStyle/>
+        <a:p>
+          <a:endParaRPr lang="de-DE"/>
+        </a:p>
+      </dgm:t>
+    </dgm:pt>
+    <dgm:pt modelId="{32B28F05-D75C-4354-BC9F-9390B1E62418}" type="pres">
+      <dgm:prSet presAssocID="{B94D1488-C336-4461-A411-5DF1FC7FF055}" presName="descendantText" presStyleLbl="alignAccFollowNode1" presStyleIdx="3" presStyleCnt="4">
+        <dgm:presLayoutVars>
+          <dgm:bulletEnabled val="1"/>
+        </dgm:presLayoutVars>
+      </dgm:prSet>
+      <dgm:spPr/>
+      <dgm:t>
+        <a:bodyPr/>
+        <a:lstStyle/>
+        <a:p>
+          <a:endParaRPr lang="de-DE"/>
+        </a:p>
+      </dgm:t>
+    </dgm:pt>
   </dgm:ptLst>
   <dgm:cxnLst>
-    <dgm:cxn modelId="{1B935404-5F4C-4E25-84BA-8B448AA3D2C6}" type="presOf" srcId="{C9E0C07F-6C52-4228-B17F-13BADECC2C91}" destId="{91649E2D-7906-4036-9293-32CD53B92D82}" srcOrd="0" destOrd="0" presId="urn:microsoft.com/office/officeart/2005/8/layout/vList5"/>
-    <dgm:cxn modelId="{2819E6DB-A0A9-4B9D-B06C-FCD2AEB0E8E1}" type="presOf" srcId="{A9F02769-D823-44BF-9A8B-51C760821503}" destId="{87D9F5D9-852E-4419-94FF-3531CAE28CED}" srcOrd="0" destOrd="1" presId="urn:microsoft.com/office/officeart/2005/8/layout/vList5"/>
-    <dgm:cxn modelId="{E06F44DC-38DC-444A-8699-FE7C03296C63}" type="presOf" srcId="{197D75D5-E967-4CC3-B3B4-C9DE053E3D89}" destId="{3F58224D-C16A-4146-8E4F-BCCEF7FF872F}" srcOrd="0" destOrd="0" presId="urn:microsoft.com/office/officeart/2005/8/layout/vList5"/>
-    <dgm:cxn modelId="{A86225B4-0EA2-4D79-B93D-4B8B38B86E53}" type="presOf" srcId="{3BEC3D44-1F56-4822-8FDD-D9840E98226E}" destId="{4A96E56F-C9A8-46C1-AA70-DF94F9389CD3}" srcOrd="0" destOrd="0" presId="urn:microsoft.com/office/officeart/2005/8/layout/vList5"/>
-    <dgm:cxn modelId="{89B0CDD4-8F78-4856-AE13-53A6CDDC3A03}" srcId="{197D75D5-E967-4CC3-B3B4-C9DE053E3D89}" destId="{5F71CC2A-2C11-4605-BFEB-D7FB5C2650FF}" srcOrd="1" destOrd="0" parTransId="{3A98C82D-801D-4EFE-91B9-5C965FAAE12C}" sibTransId="{02AC2407-9561-46AF-AC88-CC4BCBD3A209}"/>
-    <dgm:cxn modelId="{BAF58EB4-5DCA-4FB2-B988-E2863CA4DD4E}" srcId="{884FD704-A1A0-496E-85A9-7797B898EFE7}" destId="{432AC71E-A566-4999-B5C2-A5DEB192AF9E}" srcOrd="0" destOrd="0" parTransId="{7588F8EB-1DB1-4704-9AEF-1C71EC9EF380}" sibTransId="{D72D1184-467E-4AAC-8FE4-2DD036083A2C}"/>
-    <dgm:cxn modelId="{39311CDF-4823-4B5A-8D23-E93C02BFE606}" type="presOf" srcId="{884FD704-A1A0-496E-85A9-7797B898EFE7}" destId="{E8337213-36D2-4D42-AB27-8E2EF6AD57E2}" srcOrd="0" destOrd="0" presId="urn:microsoft.com/office/officeart/2005/8/layout/vList5"/>
-    <dgm:cxn modelId="{54B565E4-5205-4E84-A506-B7ACC2C47E28}" srcId="{3BEC3D44-1F56-4822-8FDD-D9840E98226E}" destId="{C9E0C07F-6C52-4228-B17F-13BADECC2C91}" srcOrd="2" destOrd="0" parTransId="{F237CD80-3D90-42B7-AA87-CFBB6D8CFA7E}" sibTransId="{5E1342A0-AA21-475D-A9ED-8F088F5DFE7B}"/>
-    <dgm:cxn modelId="{91AE0DA5-D5A1-4450-BC67-AB0E88FA378D}" srcId="{C9E0C07F-6C52-4228-B17F-13BADECC2C91}" destId="{A9F02769-D823-44BF-9A8B-51C760821503}" srcOrd="1" destOrd="0" parTransId="{25A5C0F0-8F75-46A3-84E4-4D2829E4FC4B}" sibTransId="{38BFF325-5D77-4718-9666-235E9E87A63B}"/>
-    <dgm:cxn modelId="{743807D6-4C78-4967-8D3E-D7F681B3EC1F}" type="presOf" srcId="{DE1E5293-1BC5-40CF-96F1-C2209F1AE674}" destId="{87D9F5D9-852E-4419-94FF-3531CAE28CED}" srcOrd="0" destOrd="0" presId="urn:microsoft.com/office/officeart/2005/8/layout/vList5"/>
-    <dgm:cxn modelId="{20F37B9B-5D05-4770-A13D-83298A40197A}" srcId="{3BEC3D44-1F56-4822-8FDD-D9840E98226E}" destId="{197D75D5-E967-4CC3-B3B4-C9DE053E3D89}" srcOrd="1" destOrd="0" parTransId="{64C1D4D3-E5A7-4426-9BCB-0A9DFE4C9796}" sibTransId="{C86E94B6-2F35-4FC4-A91F-C7D3BDE47CE6}"/>
     <dgm:cxn modelId="{427906E6-A2DD-43D4-9504-659F3E55FA09}" type="presOf" srcId="{432AC71E-A566-4999-B5C2-A5DEB192AF9E}" destId="{C9A02232-17ED-4E58-867E-E602F24C6574}" srcOrd="0" destOrd="0" presId="urn:microsoft.com/office/officeart/2005/8/layout/vList5"/>
     <dgm:cxn modelId="{EA82EAC0-9CD6-4538-89AF-DB07950DF9EC}" srcId="{C9E0C07F-6C52-4228-B17F-13BADECC2C91}" destId="{DE1E5293-1BC5-40CF-96F1-C2209F1AE674}" srcOrd="0" destOrd="0" parTransId="{C9BDF949-FDE7-47BE-A2CC-F24462B94202}" sibTransId="{DBEC5669-7ED7-4B96-88BD-D2590FFAF0FC}"/>
+    <dgm:cxn modelId="{39311CDF-4823-4B5A-8D23-E93C02BFE606}" type="presOf" srcId="{884FD704-A1A0-496E-85A9-7797B898EFE7}" destId="{E8337213-36D2-4D42-AB27-8E2EF6AD57E2}" srcOrd="0" destOrd="0" presId="urn:microsoft.com/office/officeart/2005/8/layout/vList5"/>
+    <dgm:cxn modelId="{A86225B4-0EA2-4D79-B93D-4B8B38B86E53}" type="presOf" srcId="{3BEC3D44-1F56-4822-8FDD-D9840E98226E}" destId="{4A96E56F-C9A8-46C1-AA70-DF94F9389CD3}" srcOrd="0" destOrd="0" presId="urn:microsoft.com/office/officeart/2005/8/layout/vList5"/>
+    <dgm:cxn modelId="{D715CE17-C3E4-4AFE-A755-C3E343A483D8}" type="presOf" srcId="{B94D1488-C336-4461-A411-5DF1FC7FF055}" destId="{D711412E-5C50-4D6E-9328-C412FFF402A9}" srcOrd="0" destOrd="0" presId="urn:microsoft.com/office/officeart/2005/8/layout/vList5"/>
+    <dgm:cxn modelId="{94C09867-1BE1-45FB-8617-B28E5CC6CD60}" srcId="{197D75D5-E967-4CC3-B3B4-C9DE053E3D89}" destId="{E783241C-AAC4-4046-B6B3-9A8C393CF1F4}" srcOrd="2" destOrd="0" parTransId="{8D311BC1-DC7B-4BEE-ADEA-5C0BE75746BB}" sibTransId="{55799E59-D4FF-4860-AA69-ED37F612B328}"/>
+    <dgm:cxn modelId="{2819E6DB-A0A9-4B9D-B06C-FCD2AEB0E8E1}" type="presOf" srcId="{A9F02769-D823-44BF-9A8B-51C760821503}" destId="{87D9F5D9-852E-4419-94FF-3531CAE28CED}" srcOrd="0" destOrd="1" presId="urn:microsoft.com/office/officeart/2005/8/layout/vList5"/>
+    <dgm:cxn modelId="{743807D6-4C78-4967-8D3E-D7F681B3EC1F}" type="presOf" srcId="{DE1E5293-1BC5-40CF-96F1-C2209F1AE674}" destId="{87D9F5D9-852E-4419-94FF-3531CAE28CED}" srcOrd="0" destOrd="0" presId="urn:microsoft.com/office/officeart/2005/8/layout/vList5"/>
+    <dgm:cxn modelId="{BAF58EB4-5DCA-4FB2-B988-E2863CA4DD4E}" srcId="{884FD704-A1A0-496E-85A9-7797B898EFE7}" destId="{432AC71E-A566-4999-B5C2-A5DEB192AF9E}" srcOrd="0" destOrd="0" parTransId="{7588F8EB-1DB1-4704-9AEF-1C71EC9EF380}" sibTransId="{D72D1184-467E-4AAC-8FE4-2DD036083A2C}"/>
+    <dgm:cxn modelId="{EDB8AEAA-14BE-47C1-B619-F2AC114A4BE7}" type="presOf" srcId="{5F71CC2A-2C11-4605-BFEB-D7FB5C2650FF}" destId="{4114AA1A-BE2A-498E-B405-7409ECF76B68}" srcOrd="0" destOrd="1" presId="urn:microsoft.com/office/officeart/2005/8/layout/vList5"/>
+    <dgm:cxn modelId="{1B935404-5F4C-4E25-84BA-8B448AA3D2C6}" type="presOf" srcId="{C9E0C07F-6C52-4228-B17F-13BADECC2C91}" destId="{91649E2D-7906-4036-9293-32CD53B92D82}" srcOrd="0" destOrd="0" presId="urn:microsoft.com/office/officeart/2005/8/layout/vList5"/>
+    <dgm:cxn modelId="{E437B527-AF92-4979-8A75-C28D55DCA895}" type="presOf" srcId="{E783241C-AAC4-4046-B6B3-9A8C393CF1F4}" destId="{4114AA1A-BE2A-498E-B405-7409ECF76B68}" srcOrd="0" destOrd="2" presId="urn:microsoft.com/office/officeart/2005/8/layout/vList5"/>
+    <dgm:cxn modelId="{D5DB2D0F-5CD8-4A07-8CC2-4EC9D10025CC}" srcId="{3BEC3D44-1F56-4822-8FDD-D9840E98226E}" destId="{B94D1488-C336-4461-A411-5DF1FC7FF055}" srcOrd="3" destOrd="0" parTransId="{08D17CE4-E5F1-4C94-8DB4-A342E49B7326}" sibTransId="{981C80FF-3382-44FD-A300-57B46F649F03}"/>
+    <dgm:cxn modelId="{79824626-6444-446B-8307-3B6C1E245777}" srcId="{197D75D5-E967-4CC3-B3B4-C9DE053E3D89}" destId="{98A61C1D-BC6B-4D3C-ADFC-A8F425E674BA}" srcOrd="0" destOrd="0" parTransId="{B275FAEF-747B-442D-9858-9A77C7626BC4}" sibTransId="{84717F55-57E5-4035-94CE-069DAA38C47F}"/>
+    <dgm:cxn modelId="{54B565E4-5205-4E84-A506-B7ACC2C47E28}" srcId="{3BEC3D44-1F56-4822-8FDD-D9840E98226E}" destId="{C9E0C07F-6C52-4228-B17F-13BADECC2C91}" srcOrd="2" destOrd="0" parTransId="{F237CD80-3D90-42B7-AA87-CFBB6D8CFA7E}" sibTransId="{5E1342A0-AA21-475D-A9ED-8F088F5DFE7B}"/>
+    <dgm:cxn modelId="{6DEC3A14-0BC3-4980-ABA8-B950A198C0CD}" srcId="{B94D1488-C336-4461-A411-5DF1FC7FF055}" destId="{F8AAE27A-8300-4B72-8051-7D5A07507AC6}" srcOrd="0" destOrd="0" parTransId="{99A955EE-8D74-43CA-9DB7-E5D256DA38D3}" sibTransId="{F97CD177-2C4F-4C69-97AC-F4BA74907DB1}"/>
+    <dgm:cxn modelId="{BE1D4628-9CD4-41D3-9404-F5947C2435B9}" type="presOf" srcId="{F8AAE27A-8300-4B72-8051-7D5A07507AC6}" destId="{32B28F05-D75C-4354-BC9F-9390B1E62418}" srcOrd="0" destOrd="0" presId="urn:microsoft.com/office/officeart/2005/8/layout/vList5"/>
+    <dgm:cxn modelId="{AFDA3EAB-C84E-493B-A88A-AEA8A68EE79D}" srcId="{3BEC3D44-1F56-4822-8FDD-D9840E98226E}" destId="{884FD704-A1A0-496E-85A9-7797B898EFE7}" srcOrd="0" destOrd="0" parTransId="{3E08D63C-4DE9-4522-8FD1-D3BBDA87CBDB}" sibTransId="{098E7D41-3FB2-4B2E-AA14-224ECE149049}"/>
+    <dgm:cxn modelId="{91AE0DA5-D5A1-4450-BC67-AB0E88FA378D}" srcId="{C9E0C07F-6C52-4228-B17F-13BADECC2C91}" destId="{A9F02769-D823-44BF-9A8B-51C760821503}" srcOrd="1" destOrd="0" parTransId="{25A5C0F0-8F75-46A3-84E4-4D2829E4FC4B}" sibTransId="{38BFF325-5D77-4718-9666-235E9E87A63B}"/>
+    <dgm:cxn modelId="{89B0CDD4-8F78-4856-AE13-53A6CDDC3A03}" srcId="{197D75D5-E967-4CC3-B3B4-C9DE053E3D89}" destId="{5F71CC2A-2C11-4605-BFEB-D7FB5C2650FF}" srcOrd="1" destOrd="0" parTransId="{3A98C82D-801D-4EFE-91B9-5C965FAAE12C}" sibTransId="{02AC2407-9561-46AF-AC88-CC4BCBD3A209}"/>
+    <dgm:cxn modelId="{E06F44DC-38DC-444A-8699-FE7C03296C63}" type="presOf" srcId="{197D75D5-E967-4CC3-B3B4-C9DE053E3D89}" destId="{3F58224D-C16A-4146-8E4F-BCCEF7FF872F}" srcOrd="0" destOrd="0" presId="urn:microsoft.com/office/officeart/2005/8/layout/vList5"/>
+    <dgm:cxn modelId="{20F37B9B-5D05-4770-A13D-83298A40197A}" srcId="{3BEC3D44-1F56-4822-8FDD-D9840E98226E}" destId="{197D75D5-E967-4CC3-B3B4-C9DE053E3D89}" srcOrd="1" destOrd="0" parTransId="{64C1D4D3-E5A7-4426-9BCB-0A9DFE4C9796}" sibTransId="{C86E94B6-2F35-4FC4-A91F-C7D3BDE47CE6}"/>
     <dgm:cxn modelId="{4C450E42-B2DC-4489-A60D-C9DF069941EF}" type="presOf" srcId="{98A61C1D-BC6B-4D3C-ADFC-A8F425E674BA}" destId="{4114AA1A-BE2A-498E-B405-7409ECF76B68}" srcOrd="0" destOrd="0" presId="urn:microsoft.com/office/officeart/2005/8/layout/vList5"/>
-    <dgm:cxn modelId="{79824626-6444-446B-8307-3B6C1E245777}" srcId="{197D75D5-E967-4CC3-B3B4-C9DE053E3D89}" destId="{98A61C1D-BC6B-4D3C-ADFC-A8F425E674BA}" srcOrd="0" destOrd="0" parTransId="{B275FAEF-747B-442D-9858-9A77C7626BC4}" sibTransId="{84717F55-57E5-4035-94CE-069DAA38C47F}"/>
-    <dgm:cxn modelId="{AFDA3EAB-C84E-493B-A88A-AEA8A68EE79D}" srcId="{3BEC3D44-1F56-4822-8FDD-D9840E98226E}" destId="{884FD704-A1A0-496E-85A9-7797B898EFE7}" srcOrd="0" destOrd="0" parTransId="{3E08D63C-4DE9-4522-8FD1-D3BBDA87CBDB}" sibTransId="{098E7D41-3FB2-4B2E-AA14-224ECE149049}"/>
-    <dgm:cxn modelId="{EDB8AEAA-14BE-47C1-B619-F2AC114A4BE7}" type="presOf" srcId="{5F71CC2A-2C11-4605-BFEB-D7FB5C2650FF}" destId="{4114AA1A-BE2A-498E-B405-7409ECF76B68}" srcOrd="0" destOrd="1" presId="urn:microsoft.com/office/officeart/2005/8/layout/vList5"/>
     <dgm:cxn modelId="{340FC79D-C34C-497F-8B45-3B8279007E3E}" type="presParOf" srcId="{4A96E56F-C9A8-46C1-AA70-DF94F9389CD3}" destId="{C3313543-6FDD-4E7F-A367-9E19835B30EB}" srcOrd="0" destOrd="0" presId="urn:microsoft.com/office/officeart/2005/8/layout/vList5"/>
     <dgm:cxn modelId="{FCA07745-799C-48FF-9B05-4F47DF833E44}" type="presParOf" srcId="{C3313543-6FDD-4E7F-A367-9E19835B30EB}" destId="{E8337213-36D2-4D42-AB27-8E2EF6AD57E2}" srcOrd="0" destOrd="0" presId="urn:microsoft.com/office/officeart/2005/8/layout/vList5"/>
     <dgm:cxn modelId="{940C9264-D488-41CD-B4AD-AA0EE1AFC155}" type="presParOf" srcId="{C3313543-6FDD-4E7F-A367-9E19835B30EB}" destId="{C9A02232-17ED-4E58-867E-E602F24C6574}" srcOrd="1" destOrd="0" presId="urn:microsoft.com/office/officeart/2005/8/layout/vList5"/>
@@ -7268,6 +8388,10 @@
     <dgm:cxn modelId="{EDA3E9CD-76CB-4709-83AA-78CCD38A3CAB}" type="presParOf" srcId="{4A96E56F-C9A8-46C1-AA70-DF94F9389CD3}" destId="{4CF8A0C3-2F4C-44A3-B433-AF7BC8E21067}" srcOrd="4" destOrd="0" presId="urn:microsoft.com/office/officeart/2005/8/layout/vList5"/>
     <dgm:cxn modelId="{B92C8EC2-0B56-4158-810C-6B4D2F56575F}" type="presParOf" srcId="{4CF8A0C3-2F4C-44A3-B433-AF7BC8E21067}" destId="{91649E2D-7906-4036-9293-32CD53B92D82}" srcOrd="0" destOrd="0" presId="urn:microsoft.com/office/officeart/2005/8/layout/vList5"/>
     <dgm:cxn modelId="{36C963E1-2774-4ABD-9FF1-503EB87624E9}" type="presParOf" srcId="{4CF8A0C3-2F4C-44A3-B433-AF7BC8E21067}" destId="{87D9F5D9-852E-4419-94FF-3531CAE28CED}" srcOrd="1" destOrd="0" presId="urn:microsoft.com/office/officeart/2005/8/layout/vList5"/>
+    <dgm:cxn modelId="{66482D9D-09E4-4A3E-AD6C-EE29C9870DD8}" type="presParOf" srcId="{4A96E56F-C9A8-46C1-AA70-DF94F9389CD3}" destId="{616AB7E0-A724-432F-8449-8A2646320E2A}" srcOrd="5" destOrd="0" presId="urn:microsoft.com/office/officeart/2005/8/layout/vList5"/>
+    <dgm:cxn modelId="{108DF878-4983-4C93-AFF8-043E4A85F230}" type="presParOf" srcId="{4A96E56F-C9A8-46C1-AA70-DF94F9389CD3}" destId="{1E84BB25-D6D8-4529-9639-9CE761FB7473}" srcOrd="6" destOrd="0" presId="urn:microsoft.com/office/officeart/2005/8/layout/vList5"/>
+    <dgm:cxn modelId="{ADB1BD88-764C-47C7-B3CC-CD1C9C419019}" type="presParOf" srcId="{1E84BB25-D6D8-4529-9639-9CE761FB7473}" destId="{D711412E-5C50-4D6E-9328-C412FFF402A9}" srcOrd="0" destOrd="0" presId="urn:microsoft.com/office/officeart/2005/8/layout/vList5"/>
+    <dgm:cxn modelId="{342E9986-B7C2-4E1A-AB40-FFE1300721EA}" type="presParOf" srcId="{1E84BB25-D6D8-4529-9639-9CE761FB7473}" destId="{32B28F05-D75C-4354-BC9F-9390B1E62418}" srcOrd="1" destOrd="0" presId="urn:microsoft.com/office/officeart/2005/8/layout/vList5"/>
   </dgm:cxnLst>
   <dgm:bg/>
   <dgm:whole/>
@@ -7280,6 +8404,578 @@
 </file>
 
 <file path=ppt/diagrams/data4.xml><?xml version="1.0" encoding="utf-8"?>
+<dgm:dataModel xmlns:dgm="http://schemas.openxmlformats.org/drawingml/2006/diagram" xmlns:a="http://schemas.openxmlformats.org/drawingml/2006/main">
+  <dgm:ptLst>
+    <dgm:pt modelId="{19EA0FB9-3FA7-4EC0-97C9-C80D62A22BE1}" type="doc">
+      <dgm:prSet loTypeId="urn:microsoft.com/office/officeart/2005/8/layout/radial6" loCatId="relationship" qsTypeId="urn:microsoft.com/office/officeart/2005/8/quickstyle/simple1" qsCatId="simple" csTypeId="urn:microsoft.com/office/officeart/2005/8/colors/accent1_2" csCatId="accent1" phldr="1"/>
+      <dgm:spPr/>
+      <dgm:t>
+        <a:bodyPr/>
+        <a:lstStyle/>
+        <a:p>
+          <a:endParaRPr lang="de-DE"/>
+        </a:p>
+      </dgm:t>
+    </dgm:pt>
+    <dgm:pt modelId="{6835B608-CAFC-4D92-8668-E6D161CA3A03}">
+      <dgm:prSet phldrT="[Text]"/>
+      <dgm:spPr/>
+      <dgm:t>
+        <a:bodyPr/>
+        <a:lstStyle/>
+        <a:p>
+          <a:r>
+            <a:rPr lang="de-DE" dirty="0" smtClean="0"/>
+            <a:t>Kontext</a:t>
+          </a:r>
+          <a:endParaRPr lang="de-DE" dirty="0"/>
+        </a:p>
+      </dgm:t>
+    </dgm:pt>
+    <dgm:pt modelId="{A3DEF071-AC32-4FE7-80AA-8BA83E9646B6}" type="parTrans" cxnId="{CFBBC4DF-1981-4C13-8A4B-0B02DB980699}">
+      <dgm:prSet/>
+      <dgm:spPr/>
+      <dgm:t>
+        <a:bodyPr/>
+        <a:lstStyle/>
+        <a:p>
+          <a:endParaRPr lang="de-DE"/>
+        </a:p>
+      </dgm:t>
+    </dgm:pt>
+    <dgm:pt modelId="{12FA8564-F98C-4CE7-8D24-D8578ED4511C}" type="sibTrans" cxnId="{CFBBC4DF-1981-4C13-8A4B-0B02DB980699}">
+      <dgm:prSet/>
+      <dgm:spPr/>
+      <dgm:t>
+        <a:bodyPr/>
+        <a:lstStyle/>
+        <a:p>
+          <a:endParaRPr lang="de-DE"/>
+        </a:p>
+      </dgm:t>
+    </dgm:pt>
+    <dgm:pt modelId="{D85C52F1-B864-4051-AFB1-8DE0AC7B48DD}">
+      <dgm:prSet phldrT="[Text]"/>
+      <dgm:spPr/>
+      <dgm:t>
+        <a:bodyPr/>
+        <a:lstStyle/>
+        <a:p>
+          <a:r>
+            <a:rPr lang="de-DE" dirty="0" smtClean="0"/>
+            <a:t>Topic</a:t>
+          </a:r>
+          <a:endParaRPr lang="de-DE" dirty="0" smtClean="0"/>
+        </a:p>
+      </dgm:t>
+    </dgm:pt>
+    <dgm:pt modelId="{1D7C4E06-325F-4CCE-8768-74F3D101DAAF}" type="parTrans" cxnId="{E655F103-1E77-48DD-A74B-32351F722FF3}">
+      <dgm:prSet/>
+      <dgm:spPr/>
+      <dgm:t>
+        <a:bodyPr/>
+        <a:lstStyle/>
+        <a:p>
+          <a:endParaRPr lang="de-DE"/>
+        </a:p>
+      </dgm:t>
+    </dgm:pt>
+    <dgm:pt modelId="{9F5F6DD2-3CC9-4760-B191-D02CAF0BB781}" type="sibTrans" cxnId="{E655F103-1E77-48DD-A74B-32351F722FF3}">
+      <dgm:prSet/>
+      <dgm:spPr/>
+      <dgm:t>
+        <a:bodyPr/>
+        <a:lstStyle/>
+        <a:p>
+          <a:endParaRPr lang="de-DE"/>
+        </a:p>
+      </dgm:t>
+    </dgm:pt>
+    <dgm:pt modelId="{779A7FD8-9E84-4B43-BEC0-9E407190F5BE}">
+      <dgm:prSet phldrT="[Text]"/>
+      <dgm:spPr/>
+      <dgm:t>
+        <a:bodyPr/>
+        <a:lstStyle/>
+        <a:p>
+          <a:r>
+            <a:rPr lang="de-DE" dirty="0" smtClean="0"/>
+            <a:t>Peers</a:t>
+          </a:r>
+          <a:endParaRPr lang="de-DE" dirty="0" smtClean="0"/>
+        </a:p>
+      </dgm:t>
+    </dgm:pt>
+    <dgm:pt modelId="{9C29BE62-A871-4153-8C27-114B191A8451}" type="parTrans" cxnId="{53D3DEDB-0FFC-45F7-A7F8-A403818ACA9E}">
+      <dgm:prSet/>
+      <dgm:spPr/>
+      <dgm:t>
+        <a:bodyPr/>
+        <a:lstStyle/>
+        <a:p>
+          <a:endParaRPr lang="de-DE"/>
+        </a:p>
+      </dgm:t>
+    </dgm:pt>
+    <dgm:pt modelId="{150D69CC-3044-4F8D-B5D8-6B0DC752DC3E}" type="sibTrans" cxnId="{53D3DEDB-0FFC-45F7-A7F8-A403818ACA9E}">
+      <dgm:prSet/>
+      <dgm:spPr/>
+      <dgm:t>
+        <a:bodyPr/>
+        <a:lstStyle/>
+        <a:p>
+          <a:endParaRPr lang="de-DE"/>
+        </a:p>
+      </dgm:t>
+    </dgm:pt>
+    <dgm:pt modelId="{F5996CBC-826A-4133-8A3D-D1FF8596F6FE}">
+      <dgm:prSet phldrT="[Text]"/>
+      <dgm:spPr/>
+      <dgm:t>
+        <a:bodyPr/>
+        <a:lstStyle/>
+        <a:p>
+          <a:r>
+            <a:rPr lang="de-DE" dirty="0" smtClean="0"/>
+            <a:t>Remote Peers</a:t>
+          </a:r>
+          <a:endParaRPr lang="de-DE" dirty="0" smtClean="0"/>
+        </a:p>
+      </dgm:t>
+    </dgm:pt>
+    <dgm:pt modelId="{751802CE-0E79-4F2C-9644-2B2C4C4F3678}" type="parTrans" cxnId="{E52F6569-041C-41D4-A598-8B525D60EF66}">
+      <dgm:prSet/>
+      <dgm:spPr/>
+      <dgm:t>
+        <a:bodyPr/>
+        <a:lstStyle/>
+        <a:p>
+          <a:endParaRPr lang="de-DE"/>
+        </a:p>
+      </dgm:t>
+    </dgm:pt>
+    <dgm:pt modelId="{E6631018-DAF6-490B-A33B-6CA20B9B234E}" type="sibTrans" cxnId="{E52F6569-041C-41D4-A598-8B525D60EF66}">
+      <dgm:prSet/>
+      <dgm:spPr/>
+      <dgm:t>
+        <a:bodyPr/>
+        <a:lstStyle/>
+        <a:p>
+          <a:endParaRPr lang="de-DE"/>
+        </a:p>
+      </dgm:t>
+    </dgm:pt>
+    <dgm:pt modelId="{9F306149-0EE9-4CCA-AC77-423CA80FB0A6}">
+      <dgm:prSet phldrT="[Text]"/>
+      <dgm:spPr/>
+      <dgm:t>
+        <a:bodyPr/>
+        <a:lstStyle/>
+        <a:p>
+          <a:r>
+            <a:rPr lang="de-DE" dirty="0" smtClean="0"/>
+            <a:t>Times</a:t>
+          </a:r>
+        </a:p>
+      </dgm:t>
+    </dgm:pt>
+    <dgm:pt modelId="{8CF7DAC7-619F-4216-AA71-4AFB354AF295}" type="parTrans" cxnId="{B683300A-C1A2-474E-A45A-4AECFBEEB361}">
+      <dgm:prSet/>
+      <dgm:spPr/>
+      <dgm:t>
+        <a:bodyPr/>
+        <a:lstStyle/>
+        <a:p>
+          <a:endParaRPr lang="de-DE"/>
+        </a:p>
+      </dgm:t>
+    </dgm:pt>
+    <dgm:pt modelId="{C1AA45F5-054D-4130-88C5-66C66C1E6BAB}" type="sibTrans" cxnId="{B683300A-C1A2-474E-A45A-4AECFBEEB361}">
+      <dgm:prSet/>
+      <dgm:spPr/>
+      <dgm:t>
+        <a:bodyPr/>
+        <a:lstStyle/>
+        <a:p>
+          <a:endParaRPr lang="de-DE"/>
+        </a:p>
+      </dgm:t>
+    </dgm:pt>
+    <dgm:pt modelId="{0E6C83E2-9CA9-46AB-9E20-FBE3B6487D69}">
+      <dgm:prSet phldrT="[Text]"/>
+      <dgm:spPr/>
+      <dgm:t>
+        <a:bodyPr/>
+        <a:lstStyle/>
+        <a:p>
+          <a:r>
+            <a:rPr lang="de-DE" dirty="0" err="1" smtClean="0"/>
+            <a:t>Locations</a:t>
+          </a:r>
+          <a:endParaRPr lang="de-DE" dirty="0" smtClean="0"/>
+        </a:p>
+      </dgm:t>
+    </dgm:pt>
+    <dgm:pt modelId="{C6B7BA63-EB08-41E7-8C48-12EF5FA97F38}" type="parTrans" cxnId="{4EBBABD6-40C5-437A-BB2A-08F1495A40F4}">
+      <dgm:prSet/>
+      <dgm:spPr/>
+      <dgm:t>
+        <a:bodyPr/>
+        <a:lstStyle/>
+        <a:p>
+          <a:endParaRPr lang="de-DE"/>
+        </a:p>
+      </dgm:t>
+    </dgm:pt>
+    <dgm:pt modelId="{B5D59F3C-9F22-4EF4-9126-30535E819F66}" type="sibTrans" cxnId="{4EBBABD6-40C5-437A-BB2A-08F1495A40F4}">
+      <dgm:prSet/>
+      <dgm:spPr/>
+      <dgm:t>
+        <a:bodyPr/>
+        <a:lstStyle/>
+        <a:p>
+          <a:endParaRPr lang="de-DE"/>
+        </a:p>
+      </dgm:t>
+    </dgm:pt>
+    <dgm:pt modelId="{18F31AAF-5241-4CE4-91E2-CC7C8CECDEBD}">
+      <dgm:prSet phldrT="[Text]"/>
+      <dgm:spPr/>
+      <dgm:t>
+        <a:bodyPr/>
+        <a:lstStyle/>
+        <a:p>
+          <a:r>
+            <a:rPr lang="de-DE" dirty="0" err="1" smtClean="0"/>
+            <a:t>Direction</a:t>
+          </a:r>
+          <a:endParaRPr lang="de-DE" dirty="0" smtClean="0"/>
+        </a:p>
+      </dgm:t>
+    </dgm:pt>
+    <dgm:pt modelId="{ACE083DD-D920-42E0-A336-A4DFADE62DA6}" type="parTrans" cxnId="{64E120DC-B007-4DFB-89B9-9E131052AF9F}">
+      <dgm:prSet/>
+      <dgm:spPr/>
+      <dgm:t>
+        <a:bodyPr/>
+        <a:lstStyle/>
+        <a:p>
+          <a:endParaRPr lang="de-DE"/>
+        </a:p>
+      </dgm:t>
+    </dgm:pt>
+    <dgm:pt modelId="{3FE90F1C-A743-4803-9A90-593A06064647}" type="sibTrans" cxnId="{64E120DC-B007-4DFB-89B9-9E131052AF9F}">
+      <dgm:prSet/>
+      <dgm:spPr/>
+      <dgm:t>
+        <a:bodyPr/>
+        <a:lstStyle/>
+        <a:p>
+          <a:endParaRPr lang="de-DE"/>
+        </a:p>
+      </dgm:t>
+    </dgm:pt>
+    <dgm:pt modelId="{860E0216-D960-4AF6-9F6B-C47CC13DF7FB}">
+      <dgm:prSet phldrT="[Text]"/>
+      <dgm:spPr/>
+      <dgm:t>
+        <a:bodyPr/>
+        <a:lstStyle/>
+        <a:p>
+          <a:r>
+            <a:rPr lang="de-DE" smtClean="0"/>
+            <a:t>Originator</a:t>
+          </a:r>
+          <a:endParaRPr lang="de-DE" dirty="0" smtClean="0"/>
+        </a:p>
+      </dgm:t>
+    </dgm:pt>
+    <dgm:pt modelId="{832B12C8-05F1-4842-9483-2AB249504FB7}" type="parTrans" cxnId="{1C79C6A4-090D-4579-88BE-778684C79522}">
+      <dgm:prSet/>
+      <dgm:spPr/>
+      <dgm:t>
+        <a:bodyPr/>
+        <a:lstStyle/>
+        <a:p>
+          <a:endParaRPr lang="de-DE"/>
+        </a:p>
+      </dgm:t>
+    </dgm:pt>
+    <dgm:pt modelId="{404FE39A-DBBA-4D9D-A24D-A1333B80C288}" type="sibTrans" cxnId="{1C79C6A4-090D-4579-88BE-778684C79522}">
+      <dgm:prSet/>
+      <dgm:spPr/>
+      <dgm:t>
+        <a:bodyPr/>
+        <a:lstStyle/>
+        <a:p>
+          <a:endParaRPr lang="de-DE"/>
+        </a:p>
+      </dgm:t>
+    </dgm:pt>
+    <dgm:pt modelId="{CC811167-5B01-44CE-8CF7-4C0196E12115}" type="pres">
+      <dgm:prSet presAssocID="{19EA0FB9-3FA7-4EC0-97C9-C80D62A22BE1}" presName="Name0" presStyleCnt="0">
+        <dgm:presLayoutVars>
+          <dgm:chMax val="1"/>
+          <dgm:dir/>
+          <dgm:animLvl val="ctr"/>
+          <dgm:resizeHandles val="exact"/>
+        </dgm:presLayoutVars>
+      </dgm:prSet>
+      <dgm:spPr/>
+      <dgm:t>
+        <a:bodyPr/>
+        <a:lstStyle/>
+        <a:p>
+          <a:endParaRPr lang="de-DE"/>
+        </a:p>
+      </dgm:t>
+    </dgm:pt>
+    <dgm:pt modelId="{5C3A1BB4-37EC-400B-B1E1-B1DE824681EE}" type="pres">
+      <dgm:prSet presAssocID="{6835B608-CAFC-4D92-8668-E6D161CA3A03}" presName="centerShape" presStyleLbl="node0" presStyleIdx="0" presStyleCnt="1"/>
+      <dgm:spPr/>
+      <dgm:t>
+        <a:bodyPr/>
+        <a:lstStyle/>
+        <a:p>
+          <a:endParaRPr lang="de-DE"/>
+        </a:p>
+      </dgm:t>
+    </dgm:pt>
+    <dgm:pt modelId="{D7D8C3F4-5433-423D-A299-A2516399C3C6}" type="pres">
+      <dgm:prSet presAssocID="{D85C52F1-B864-4051-AFB1-8DE0AC7B48DD}" presName="node" presStyleLbl="node1" presStyleIdx="0" presStyleCnt="7">
+        <dgm:presLayoutVars>
+          <dgm:bulletEnabled val="1"/>
+        </dgm:presLayoutVars>
+      </dgm:prSet>
+      <dgm:spPr/>
+      <dgm:t>
+        <a:bodyPr/>
+        <a:lstStyle/>
+        <a:p>
+          <a:endParaRPr lang="de-DE"/>
+        </a:p>
+      </dgm:t>
+    </dgm:pt>
+    <dgm:pt modelId="{85719823-3E41-4501-A1EB-3379C667D692}" type="pres">
+      <dgm:prSet presAssocID="{D85C52F1-B864-4051-AFB1-8DE0AC7B48DD}" presName="dummy" presStyleCnt="0"/>
+      <dgm:spPr/>
+    </dgm:pt>
+    <dgm:pt modelId="{A29F3CEB-48C1-4779-90F0-A060B807C94C}" type="pres">
+      <dgm:prSet presAssocID="{9F5F6DD2-3CC9-4760-B191-D02CAF0BB781}" presName="sibTrans" presStyleLbl="sibTrans2D1" presStyleIdx="0" presStyleCnt="7"/>
+      <dgm:spPr/>
+      <dgm:t>
+        <a:bodyPr/>
+        <a:lstStyle/>
+        <a:p>
+          <a:endParaRPr lang="de-DE"/>
+        </a:p>
+      </dgm:t>
+    </dgm:pt>
+    <dgm:pt modelId="{9236C6F4-3B33-45ED-8843-8FE284A4B412}" type="pres">
+      <dgm:prSet presAssocID="{860E0216-D960-4AF6-9F6B-C47CC13DF7FB}" presName="node" presStyleLbl="node1" presStyleIdx="1" presStyleCnt="7">
+        <dgm:presLayoutVars>
+          <dgm:bulletEnabled val="1"/>
+        </dgm:presLayoutVars>
+      </dgm:prSet>
+      <dgm:spPr/>
+      <dgm:t>
+        <a:bodyPr/>
+        <a:lstStyle/>
+        <a:p>
+          <a:endParaRPr lang="de-DE"/>
+        </a:p>
+      </dgm:t>
+    </dgm:pt>
+    <dgm:pt modelId="{F5857FEC-0F5E-4FB1-8566-0C8DC218EB91}" type="pres">
+      <dgm:prSet presAssocID="{860E0216-D960-4AF6-9F6B-C47CC13DF7FB}" presName="dummy" presStyleCnt="0"/>
+      <dgm:spPr/>
+    </dgm:pt>
+    <dgm:pt modelId="{7CD751AD-9D55-4251-B166-55439E031138}" type="pres">
+      <dgm:prSet presAssocID="{404FE39A-DBBA-4D9D-A24D-A1333B80C288}" presName="sibTrans" presStyleLbl="sibTrans2D1" presStyleIdx="1" presStyleCnt="7"/>
+      <dgm:spPr/>
+    </dgm:pt>
+    <dgm:pt modelId="{E797E149-0758-4FB8-B3BC-6FEC26E52512}" type="pres">
+      <dgm:prSet presAssocID="{779A7FD8-9E84-4B43-BEC0-9E407190F5BE}" presName="node" presStyleLbl="node1" presStyleIdx="2" presStyleCnt="7">
+        <dgm:presLayoutVars>
+          <dgm:bulletEnabled val="1"/>
+        </dgm:presLayoutVars>
+      </dgm:prSet>
+      <dgm:spPr/>
+      <dgm:t>
+        <a:bodyPr/>
+        <a:lstStyle/>
+        <a:p>
+          <a:endParaRPr lang="de-DE"/>
+        </a:p>
+      </dgm:t>
+    </dgm:pt>
+    <dgm:pt modelId="{24D921F2-9070-4CF8-BEFA-E0244989CFCA}" type="pres">
+      <dgm:prSet presAssocID="{779A7FD8-9E84-4B43-BEC0-9E407190F5BE}" presName="dummy" presStyleCnt="0"/>
+      <dgm:spPr/>
+    </dgm:pt>
+    <dgm:pt modelId="{DFB401B8-DDCF-43AB-9E68-3F44047805B1}" type="pres">
+      <dgm:prSet presAssocID="{150D69CC-3044-4F8D-B5D8-6B0DC752DC3E}" presName="sibTrans" presStyleLbl="sibTrans2D1" presStyleIdx="2" presStyleCnt="7"/>
+      <dgm:spPr/>
+      <dgm:t>
+        <a:bodyPr/>
+        <a:lstStyle/>
+        <a:p>
+          <a:endParaRPr lang="de-DE"/>
+        </a:p>
+      </dgm:t>
+    </dgm:pt>
+    <dgm:pt modelId="{44C1E2AA-3D71-4C0B-8FE4-6D2FDBA01704}" type="pres">
+      <dgm:prSet presAssocID="{F5996CBC-826A-4133-8A3D-D1FF8596F6FE}" presName="node" presStyleLbl="node1" presStyleIdx="3" presStyleCnt="7">
+        <dgm:presLayoutVars>
+          <dgm:bulletEnabled val="1"/>
+        </dgm:presLayoutVars>
+      </dgm:prSet>
+      <dgm:spPr/>
+      <dgm:t>
+        <a:bodyPr/>
+        <a:lstStyle/>
+        <a:p>
+          <a:endParaRPr lang="de-DE"/>
+        </a:p>
+      </dgm:t>
+    </dgm:pt>
+    <dgm:pt modelId="{A2CB3204-8249-4160-8525-0B0F8666DF67}" type="pres">
+      <dgm:prSet presAssocID="{F5996CBC-826A-4133-8A3D-D1FF8596F6FE}" presName="dummy" presStyleCnt="0"/>
+      <dgm:spPr/>
+    </dgm:pt>
+    <dgm:pt modelId="{4AB3A6FF-3CD4-480F-A9C5-2529C6F42DA3}" type="pres">
+      <dgm:prSet presAssocID="{E6631018-DAF6-490B-A33B-6CA20B9B234E}" presName="sibTrans" presStyleLbl="sibTrans2D1" presStyleIdx="3" presStyleCnt="7"/>
+      <dgm:spPr/>
+    </dgm:pt>
+    <dgm:pt modelId="{C3D172B6-F632-4ED3-B374-17EB6CC19115}" type="pres">
+      <dgm:prSet presAssocID="{9F306149-0EE9-4CCA-AC77-423CA80FB0A6}" presName="node" presStyleLbl="node1" presStyleIdx="4" presStyleCnt="7">
+        <dgm:presLayoutVars>
+          <dgm:bulletEnabled val="1"/>
+        </dgm:presLayoutVars>
+      </dgm:prSet>
+      <dgm:spPr/>
+      <dgm:t>
+        <a:bodyPr/>
+        <a:lstStyle/>
+        <a:p>
+          <a:endParaRPr lang="de-DE"/>
+        </a:p>
+      </dgm:t>
+    </dgm:pt>
+    <dgm:pt modelId="{EED7BCA3-38E3-4517-AC84-6AD39A9F6854}" type="pres">
+      <dgm:prSet presAssocID="{9F306149-0EE9-4CCA-AC77-423CA80FB0A6}" presName="dummy" presStyleCnt="0"/>
+      <dgm:spPr/>
+    </dgm:pt>
+    <dgm:pt modelId="{B6114DE1-B80B-4E1C-8CEE-333AD184E289}" type="pres">
+      <dgm:prSet presAssocID="{C1AA45F5-054D-4130-88C5-66C66C1E6BAB}" presName="sibTrans" presStyleLbl="sibTrans2D1" presStyleIdx="4" presStyleCnt="7"/>
+      <dgm:spPr/>
+    </dgm:pt>
+    <dgm:pt modelId="{C273AA5A-61A7-4297-ACBB-AE362A712167}" type="pres">
+      <dgm:prSet presAssocID="{0E6C83E2-9CA9-46AB-9E20-FBE3B6487D69}" presName="node" presStyleLbl="node1" presStyleIdx="5" presStyleCnt="7">
+        <dgm:presLayoutVars>
+          <dgm:bulletEnabled val="1"/>
+        </dgm:presLayoutVars>
+      </dgm:prSet>
+      <dgm:spPr/>
+      <dgm:t>
+        <a:bodyPr/>
+        <a:lstStyle/>
+        <a:p>
+          <a:endParaRPr lang="de-DE"/>
+        </a:p>
+      </dgm:t>
+    </dgm:pt>
+    <dgm:pt modelId="{D57A2637-A40C-4CEB-A202-DB37F5AC6C68}" type="pres">
+      <dgm:prSet presAssocID="{0E6C83E2-9CA9-46AB-9E20-FBE3B6487D69}" presName="dummy" presStyleCnt="0"/>
+      <dgm:spPr/>
+    </dgm:pt>
+    <dgm:pt modelId="{7DB71D1F-48E1-446A-B909-98D53E0CDBCD}" type="pres">
+      <dgm:prSet presAssocID="{B5D59F3C-9F22-4EF4-9126-30535E819F66}" presName="sibTrans" presStyleLbl="sibTrans2D1" presStyleIdx="5" presStyleCnt="7"/>
+      <dgm:spPr/>
+    </dgm:pt>
+    <dgm:pt modelId="{4E68CB80-BE5D-4321-8513-93A1566C3F5B}" type="pres">
+      <dgm:prSet presAssocID="{18F31AAF-5241-4CE4-91E2-CC7C8CECDEBD}" presName="node" presStyleLbl="node1" presStyleIdx="6" presStyleCnt="7">
+        <dgm:presLayoutVars>
+          <dgm:bulletEnabled val="1"/>
+        </dgm:presLayoutVars>
+      </dgm:prSet>
+      <dgm:spPr/>
+      <dgm:t>
+        <a:bodyPr/>
+        <a:lstStyle/>
+        <a:p>
+          <a:endParaRPr lang="de-DE"/>
+        </a:p>
+      </dgm:t>
+    </dgm:pt>
+    <dgm:pt modelId="{CDABE7D2-1919-46E8-A19B-7B2B7FAFB4CA}" type="pres">
+      <dgm:prSet presAssocID="{18F31AAF-5241-4CE4-91E2-CC7C8CECDEBD}" presName="dummy" presStyleCnt="0"/>
+      <dgm:spPr/>
+    </dgm:pt>
+    <dgm:pt modelId="{CDA94C81-C000-47D0-9299-7BC37B2B8DF6}" type="pres">
+      <dgm:prSet presAssocID="{3FE90F1C-A743-4803-9A90-593A06064647}" presName="sibTrans" presStyleLbl="sibTrans2D1" presStyleIdx="6" presStyleCnt="7"/>
+      <dgm:spPr/>
+    </dgm:pt>
+  </dgm:ptLst>
+  <dgm:cxnLst>
+    <dgm:cxn modelId="{1DE7F177-31CB-4B0B-B5C3-C4474551E66A}" type="presOf" srcId="{150D69CC-3044-4F8D-B5D8-6B0DC752DC3E}" destId="{DFB401B8-DDCF-43AB-9E68-3F44047805B1}" srcOrd="0" destOrd="0" presId="urn:microsoft.com/office/officeart/2005/8/layout/radial6"/>
+    <dgm:cxn modelId="{CE96E886-EC80-45C1-9EC1-6536BE173386}" type="presOf" srcId="{F5996CBC-826A-4133-8A3D-D1FF8596F6FE}" destId="{44C1E2AA-3D71-4C0B-8FE4-6D2FDBA01704}" srcOrd="0" destOrd="0" presId="urn:microsoft.com/office/officeart/2005/8/layout/radial6"/>
+    <dgm:cxn modelId="{2618BD67-614A-4778-BFF5-DA266FF7D683}" type="presOf" srcId="{3FE90F1C-A743-4803-9A90-593A06064647}" destId="{CDA94C81-C000-47D0-9299-7BC37B2B8DF6}" srcOrd="0" destOrd="0" presId="urn:microsoft.com/office/officeart/2005/8/layout/radial6"/>
+    <dgm:cxn modelId="{6442FBF9-6554-418B-AD8B-4ED72C1AF847}" type="presOf" srcId="{D85C52F1-B864-4051-AFB1-8DE0AC7B48DD}" destId="{D7D8C3F4-5433-423D-A299-A2516399C3C6}" srcOrd="0" destOrd="0" presId="urn:microsoft.com/office/officeart/2005/8/layout/radial6"/>
+    <dgm:cxn modelId="{10418535-76D4-416B-91C1-99B6CCC2408B}" type="presOf" srcId="{19EA0FB9-3FA7-4EC0-97C9-C80D62A22BE1}" destId="{CC811167-5B01-44CE-8CF7-4C0196E12115}" srcOrd="0" destOrd="0" presId="urn:microsoft.com/office/officeart/2005/8/layout/radial6"/>
+    <dgm:cxn modelId="{E7861733-EC68-43D1-BD24-0B5EF6787149}" type="presOf" srcId="{404FE39A-DBBA-4D9D-A24D-A1333B80C288}" destId="{7CD751AD-9D55-4251-B166-55439E031138}" srcOrd="0" destOrd="0" presId="urn:microsoft.com/office/officeart/2005/8/layout/radial6"/>
+    <dgm:cxn modelId="{64E120DC-B007-4DFB-89B9-9E131052AF9F}" srcId="{6835B608-CAFC-4D92-8668-E6D161CA3A03}" destId="{18F31AAF-5241-4CE4-91E2-CC7C8CECDEBD}" srcOrd="6" destOrd="0" parTransId="{ACE083DD-D920-42E0-A336-A4DFADE62DA6}" sibTransId="{3FE90F1C-A743-4803-9A90-593A06064647}"/>
+    <dgm:cxn modelId="{221DB847-778F-4AC0-A988-FAB7879ABCED}" type="presOf" srcId="{860E0216-D960-4AF6-9F6B-C47CC13DF7FB}" destId="{9236C6F4-3B33-45ED-8843-8FE284A4B412}" srcOrd="0" destOrd="0" presId="urn:microsoft.com/office/officeart/2005/8/layout/radial6"/>
+    <dgm:cxn modelId="{5878EE00-9DD0-4E62-8D30-5D8BEA1DF525}" type="presOf" srcId="{18F31AAF-5241-4CE4-91E2-CC7C8CECDEBD}" destId="{4E68CB80-BE5D-4321-8513-93A1566C3F5B}" srcOrd="0" destOrd="0" presId="urn:microsoft.com/office/officeart/2005/8/layout/radial6"/>
+    <dgm:cxn modelId="{E655F103-1E77-48DD-A74B-32351F722FF3}" srcId="{6835B608-CAFC-4D92-8668-E6D161CA3A03}" destId="{D85C52F1-B864-4051-AFB1-8DE0AC7B48DD}" srcOrd="0" destOrd="0" parTransId="{1D7C4E06-325F-4CCE-8768-74F3D101DAAF}" sibTransId="{9F5F6DD2-3CC9-4760-B191-D02CAF0BB781}"/>
+    <dgm:cxn modelId="{922BCE59-8F0F-4D07-AF11-4AA2255E5851}" type="presOf" srcId="{0E6C83E2-9CA9-46AB-9E20-FBE3B6487D69}" destId="{C273AA5A-61A7-4297-ACBB-AE362A712167}" srcOrd="0" destOrd="0" presId="urn:microsoft.com/office/officeart/2005/8/layout/radial6"/>
+    <dgm:cxn modelId="{E52F6569-041C-41D4-A598-8B525D60EF66}" srcId="{6835B608-CAFC-4D92-8668-E6D161CA3A03}" destId="{F5996CBC-826A-4133-8A3D-D1FF8596F6FE}" srcOrd="3" destOrd="0" parTransId="{751802CE-0E79-4F2C-9644-2B2C4C4F3678}" sibTransId="{E6631018-DAF6-490B-A33B-6CA20B9B234E}"/>
+    <dgm:cxn modelId="{E9A4EBA5-F543-431D-A150-F9E623AFC2F4}" type="presOf" srcId="{6835B608-CAFC-4D92-8668-E6D161CA3A03}" destId="{5C3A1BB4-37EC-400B-B1E1-B1DE824681EE}" srcOrd="0" destOrd="0" presId="urn:microsoft.com/office/officeart/2005/8/layout/radial6"/>
+    <dgm:cxn modelId="{B683300A-C1A2-474E-A45A-4AECFBEEB361}" srcId="{6835B608-CAFC-4D92-8668-E6D161CA3A03}" destId="{9F306149-0EE9-4CCA-AC77-423CA80FB0A6}" srcOrd="4" destOrd="0" parTransId="{8CF7DAC7-619F-4216-AA71-4AFB354AF295}" sibTransId="{C1AA45F5-054D-4130-88C5-66C66C1E6BAB}"/>
+    <dgm:cxn modelId="{C9571B52-92B5-49E5-82B6-AAD869C877C4}" type="presOf" srcId="{B5D59F3C-9F22-4EF4-9126-30535E819F66}" destId="{7DB71D1F-48E1-446A-B909-98D53E0CDBCD}" srcOrd="0" destOrd="0" presId="urn:microsoft.com/office/officeart/2005/8/layout/radial6"/>
+    <dgm:cxn modelId="{0735B0CF-FF4D-45CF-BED6-5FA2486C75C0}" type="presOf" srcId="{C1AA45F5-054D-4130-88C5-66C66C1E6BAB}" destId="{B6114DE1-B80B-4E1C-8CEE-333AD184E289}" srcOrd="0" destOrd="0" presId="urn:microsoft.com/office/officeart/2005/8/layout/radial6"/>
+    <dgm:cxn modelId="{4EBBABD6-40C5-437A-BB2A-08F1495A40F4}" srcId="{6835B608-CAFC-4D92-8668-E6D161CA3A03}" destId="{0E6C83E2-9CA9-46AB-9E20-FBE3B6487D69}" srcOrd="5" destOrd="0" parTransId="{C6B7BA63-EB08-41E7-8C48-12EF5FA97F38}" sibTransId="{B5D59F3C-9F22-4EF4-9126-30535E819F66}"/>
+    <dgm:cxn modelId="{572E8FDC-739E-4F9A-9FB3-35376CC8CACD}" type="presOf" srcId="{9F5F6DD2-3CC9-4760-B191-D02CAF0BB781}" destId="{A29F3CEB-48C1-4779-90F0-A060B807C94C}" srcOrd="0" destOrd="0" presId="urn:microsoft.com/office/officeart/2005/8/layout/radial6"/>
+    <dgm:cxn modelId="{53D3DEDB-0FFC-45F7-A7F8-A403818ACA9E}" srcId="{6835B608-CAFC-4D92-8668-E6D161CA3A03}" destId="{779A7FD8-9E84-4B43-BEC0-9E407190F5BE}" srcOrd="2" destOrd="0" parTransId="{9C29BE62-A871-4153-8C27-114B191A8451}" sibTransId="{150D69CC-3044-4F8D-B5D8-6B0DC752DC3E}"/>
+    <dgm:cxn modelId="{499D0AD6-1A09-4305-A805-B6FB64554CA0}" type="presOf" srcId="{E6631018-DAF6-490B-A33B-6CA20B9B234E}" destId="{4AB3A6FF-3CD4-480F-A9C5-2529C6F42DA3}" srcOrd="0" destOrd="0" presId="urn:microsoft.com/office/officeart/2005/8/layout/radial6"/>
+    <dgm:cxn modelId="{CFBBC4DF-1981-4C13-8A4B-0B02DB980699}" srcId="{19EA0FB9-3FA7-4EC0-97C9-C80D62A22BE1}" destId="{6835B608-CAFC-4D92-8668-E6D161CA3A03}" srcOrd="0" destOrd="0" parTransId="{A3DEF071-AC32-4FE7-80AA-8BA83E9646B6}" sibTransId="{12FA8564-F98C-4CE7-8D24-D8578ED4511C}"/>
+    <dgm:cxn modelId="{1C79C6A4-090D-4579-88BE-778684C79522}" srcId="{6835B608-CAFC-4D92-8668-E6D161CA3A03}" destId="{860E0216-D960-4AF6-9F6B-C47CC13DF7FB}" srcOrd="1" destOrd="0" parTransId="{832B12C8-05F1-4842-9483-2AB249504FB7}" sibTransId="{404FE39A-DBBA-4D9D-A24D-A1333B80C288}"/>
+    <dgm:cxn modelId="{2950CFF0-CFBA-44E6-A810-98B3ACC385BF}" type="presOf" srcId="{779A7FD8-9E84-4B43-BEC0-9E407190F5BE}" destId="{E797E149-0758-4FB8-B3BC-6FEC26E52512}" srcOrd="0" destOrd="0" presId="urn:microsoft.com/office/officeart/2005/8/layout/radial6"/>
+    <dgm:cxn modelId="{07E7E0DE-0DB1-4029-B6B6-C7460A41DBF0}" type="presOf" srcId="{9F306149-0EE9-4CCA-AC77-423CA80FB0A6}" destId="{C3D172B6-F632-4ED3-B374-17EB6CC19115}" srcOrd="0" destOrd="0" presId="urn:microsoft.com/office/officeart/2005/8/layout/radial6"/>
+    <dgm:cxn modelId="{B3382703-425C-4B3D-9F6D-65AD9A77F9B2}" type="presParOf" srcId="{CC811167-5B01-44CE-8CF7-4C0196E12115}" destId="{5C3A1BB4-37EC-400B-B1E1-B1DE824681EE}" srcOrd="0" destOrd="0" presId="urn:microsoft.com/office/officeart/2005/8/layout/radial6"/>
+    <dgm:cxn modelId="{9D8B2905-EBFE-44C2-BE75-A119DC111A89}" type="presParOf" srcId="{CC811167-5B01-44CE-8CF7-4C0196E12115}" destId="{D7D8C3F4-5433-423D-A299-A2516399C3C6}" srcOrd="1" destOrd="0" presId="urn:microsoft.com/office/officeart/2005/8/layout/radial6"/>
+    <dgm:cxn modelId="{0050BDAC-2C0A-4A5A-9BF4-30ED5E5BF87C}" type="presParOf" srcId="{CC811167-5B01-44CE-8CF7-4C0196E12115}" destId="{85719823-3E41-4501-A1EB-3379C667D692}" srcOrd="2" destOrd="0" presId="urn:microsoft.com/office/officeart/2005/8/layout/radial6"/>
+    <dgm:cxn modelId="{D5A8F4E5-0EC6-4243-928E-5F5EE71D415D}" type="presParOf" srcId="{CC811167-5B01-44CE-8CF7-4C0196E12115}" destId="{A29F3CEB-48C1-4779-90F0-A060B807C94C}" srcOrd="3" destOrd="0" presId="urn:microsoft.com/office/officeart/2005/8/layout/radial6"/>
+    <dgm:cxn modelId="{1DC4831F-7014-43A6-B6E0-ECF005F76730}" type="presParOf" srcId="{CC811167-5B01-44CE-8CF7-4C0196E12115}" destId="{9236C6F4-3B33-45ED-8843-8FE284A4B412}" srcOrd="4" destOrd="0" presId="urn:microsoft.com/office/officeart/2005/8/layout/radial6"/>
+    <dgm:cxn modelId="{D826FE79-3616-4542-8790-4C130A7FD98F}" type="presParOf" srcId="{CC811167-5B01-44CE-8CF7-4C0196E12115}" destId="{F5857FEC-0F5E-4FB1-8566-0C8DC218EB91}" srcOrd="5" destOrd="0" presId="urn:microsoft.com/office/officeart/2005/8/layout/radial6"/>
+    <dgm:cxn modelId="{8731C3CD-7648-4273-ABF1-201C523CC9F8}" type="presParOf" srcId="{CC811167-5B01-44CE-8CF7-4C0196E12115}" destId="{7CD751AD-9D55-4251-B166-55439E031138}" srcOrd="6" destOrd="0" presId="urn:microsoft.com/office/officeart/2005/8/layout/radial6"/>
+    <dgm:cxn modelId="{921770EA-BD82-4141-856F-5E5B64FD4555}" type="presParOf" srcId="{CC811167-5B01-44CE-8CF7-4C0196E12115}" destId="{E797E149-0758-4FB8-B3BC-6FEC26E52512}" srcOrd="7" destOrd="0" presId="urn:microsoft.com/office/officeart/2005/8/layout/radial6"/>
+    <dgm:cxn modelId="{E800AF57-2348-44CF-9A89-33303827DCD3}" type="presParOf" srcId="{CC811167-5B01-44CE-8CF7-4C0196E12115}" destId="{24D921F2-9070-4CF8-BEFA-E0244989CFCA}" srcOrd="8" destOrd="0" presId="urn:microsoft.com/office/officeart/2005/8/layout/radial6"/>
+    <dgm:cxn modelId="{9BA457A9-7788-451E-A197-7F3352A02692}" type="presParOf" srcId="{CC811167-5B01-44CE-8CF7-4C0196E12115}" destId="{DFB401B8-DDCF-43AB-9E68-3F44047805B1}" srcOrd="9" destOrd="0" presId="urn:microsoft.com/office/officeart/2005/8/layout/radial6"/>
+    <dgm:cxn modelId="{68013FE7-73BF-4223-90AA-F0E7825DD0EA}" type="presParOf" srcId="{CC811167-5B01-44CE-8CF7-4C0196E12115}" destId="{44C1E2AA-3D71-4C0B-8FE4-6D2FDBA01704}" srcOrd="10" destOrd="0" presId="urn:microsoft.com/office/officeart/2005/8/layout/radial6"/>
+    <dgm:cxn modelId="{624475F0-3923-4F17-B0DD-9997460F4613}" type="presParOf" srcId="{CC811167-5B01-44CE-8CF7-4C0196E12115}" destId="{A2CB3204-8249-4160-8525-0B0F8666DF67}" srcOrd="11" destOrd="0" presId="urn:microsoft.com/office/officeart/2005/8/layout/radial6"/>
+    <dgm:cxn modelId="{9336FCC0-F9FF-49E0-AB69-3C9B055A7504}" type="presParOf" srcId="{CC811167-5B01-44CE-8CF7-4C0196E12115}" destId="{4AB3A6FF-3CD4-480F-A9C5-2529C6F42DA3}" srcOrd="12" destOrd="0" presId="urn:microsoft.com/office/officeart/2005/8/layout/radial6"/>
+    <dgm:cxn modelId="{60F94548-5932-41AE-A903-21A01E502043}" type="presParOf" srcId="{CC811167-5B01-44CE-8CF7-4C0196E12115}" destId="{C3D172B6-F632-4ED3-B374-17EB6CC19115}" srcOrd="13" destOrd="0" presId="urn:microsoft.com/office/officeart/2005/8/layout/radial6"/>
+    <dgm:cxn modelId="{AD882893-ADE3-4466-BB54-0F2663797ACA}" type="presParOf" srcId="{CC811167-5B01-44CE-8CF7-4C0196E12115}" destId="{EED7BCA3-38E3-4517-AC84-6AD39A9F6854}" srcOrd="14" destOrd="0" presId="urn:microsoft.com/office/officeart/2005/8/layout/radial6"/>
+    <dgm:cxn modelId="{3EB5DBAB-0987-460B-BE8A-E4DAD7B44FA9}" type="presParOf" srcId="{CC811167-5B01-44CE-8CF7-4C0196E12115}" destId="{B6114DE1-B80B-4E1C-8CEE-333AD184E289}" srcOrd="15" destOrd="0" presId="urn:microsoft.com/office/officeart/2005/8/layout/radial6"/>
+    <dgm:cxn modelId="{FBD74421-8B93-48B4-8806-54AF1F9A08AE}" type="presParOf" srcId="{CC811167-5B01-44CE-8CF7-4C0196E12115}" destId="{C273AA5A-61A7-4297-ACBB-AE362A712167}" srcOrd="16" destOrd="0" presId="urn:microsoft.com/office/officeart/2005/8/layout/radial6"/>
+    <dgm:cxn modelId="{7E921629-12B5-4D3D-AE99-F8E7458827C6}" type="presParOf" srcId="{CC811167-5B01-44CE-8CF7-4C0196E12115}" destId="{D57A2637-A40C-4CEB-A202-DB37F5AC6C68}" srcOrd="17" destOrd="0" presId="urn:microsoft.com/office/officeart/2005/8/layout/radial6"/>
+    <dgm:cxn modelId="{D7C38263-266E-496C-98DE-E14CA791B807}" type="presParOf" srcId="{CC811167-5B01-44CE-8CF7-4C0196E12115}" destId="{7DB71D1F-48E1-446A-B909-98D53E0CDBCD}" srcOrd="18" destOrd="0" presId="urn:microsoft.com/office/officeart/2005/8/layout/radial6"/>
+    <dgm:cxn modelId="{B7E37343-F21A-453A-A0B4-DC5A614D1F9C}" type="presParOf" srcId="{CC811167-5B01-44CE-8CF7-4C0196E12115}" destId="{4E68CB80-BE5D-4321-8513-93A1566C3F5B}" srcOrd="19" destOrd="0" presId="urn:microsoft.com/office/officeart/2005/8/layout/radial6"/>
+    <dgm:cxn modelId="{C38D381C-B0AC-4F62-8E31-B7D4BE398710}" type="presParOf" srcId="{CC811167-5B01-44CE-8CF7-4C0196E12115}" destId="{CDABE7D2-1919-46E8-A19B-7B2B7FAFB4CA}" srcOrd="20" destOrd="0" presId="urn:microsoft.com/office/officeart/2005/8/layout/radial6"/>
+    <dgm:cxn modelId="{A93280E5-07E6-4128-9EE6-1624532EF1A8}" type="presParOf" srcId="{CC811167-5B01-44CE-8CF7-4C0196E12115}" destId="{CDA94C81-C000-47D0-9299-7BC37B2B8DF6}" srcOrd="21" destOrd="0" presId="urn:microsoft.com/office/officeart/2005/8/layout/radial6"/>
+  </dgm:cxnLst>
+  <dgm:bg/>
+  <dgm:whole/>
+  <dgm:extLst>
+    <a:ext uri="http://schemas.microsoft.com/office/drawing/2008/diagram">
+      <dsp:dataModelExt xmlns:dsp="http://schemas.microsoft.com/office/drawing/2008/diagram" xmlns="" relId="rId6" minVer="http://schemas.openxmlformats.org/drawingml/2006/diagram"/>
+    </a:ext>
+  </dgm:extLst>
+</dgm:dataModel>
+</file>
+
+<file path=ppt/diagrams/data5.xml><?xml version="1.0" encoding="utf-8"?>
 <dgm:dataModel xmlns:dgm="http://schemas.openxmlformats.org/drawingml/2006/diagram" xmlns:a="http://schemas.openxmlformats.org/drawingml/2006/main">
   <dgm:ptLst>
     <dgm:pt modelId="{19EA0FB9-3FA7-4EC0-97C9-C80D62A22BE1}" type="doc">
@@ -7917,7 +9613,7 @@
 </dgm:dataModel>
 </file>
 
-<file path=ppt/diagrams/data5.xml><?xml version="1.0" encoding="utf-8"?>
+<file path=ppt/diagrams/data6.xml><?xml version="1.0" encoding="utf-8"?>
 <dgm:dataModel xmlns:dgm="http://schemas.openxmlformats.org/drawingml/2006/diagram" xmlns:a="http://schemas.openxmlformats.org/drawingml/2006/main">
   <dgm:ptLst>
     <dgm:pt modelId="{0B40F6FC-F85E-4763-AF2E-0E0107AFF4A2}" type="doc">
@@ -9204,7 +10900,7 @@
 </dgm:dataModel>
 </file>
 
-<file path=ppt/diagrams/data6.xml><?xml version="1.0" encoding="utf-8"?>
+<file path=ppt/diagrams/data7.xml><?xml version="1.0" encoding="utf-8"?>
 <dgm:dataModel xmlns:dgm="http://schemas.openxmlformats.org/drawingml/2006/diagram" xmlns:a="http://schemas.openxmlformats.org/drawingml/2006/main">
   <dgm:ptLst>
     <dgm:pt modelId="{4EE6A675-2495-4F6C-B694-431F449E086D}" type="doc">
@@ -9495,8 +11191,8 @@
   </dgm:ptLst>
   <dgm:cxnLst>
     <dgm:cxn modelId="{413515EB-75CE-4E4E-8694-EEC1730F89B3}" srcId="{4EE6A675-2495-4F6C-B694-431F449E086D}" destId="{C69F8324-445F-46E5-9500-2AE941300F12}" srcOrd="1" destOrd="0" parTransId="{C6C0E9CA-1AE7-4228-85B4-628D951A947B}" sibTransId="{4EEF11B5-A566-4CC1-81F6-E299EF45390E}"/>
+    <dgm:cxn modelId="{F478E9A8-BDF4-4186-9803-992FB4E9774B}" type="presOf" srcId="{C69F8324-445F-46E5-9500-2AE941300F12}" destId="{A807D72B-EEE1-474E-87FC-AD7165176859}" srcOrd="1" destOrd="0" presId="urn:microsoft.com/office/officeart/2005/8/layout/vProcess5"/>
     <dgm:cxn modelId="{6C79AF1A-E71C-4A8D-BCE5-C177B3E64048}" type="presOf" srcId="{94ED96F0-A775-48DF-837F-F7425D7839E1}" destId="{8B4C9502-D4E7-403C-89F9-3696D0108D1E}" srcOrd="0" destOrd="0" presId="urn:microsoft.com/office/officeart/2005/8/layout/vProcess5"/>
-    <dgm:cxn modelId="{F478E9A8-BDF4-4186-9803-992FB4E9774B}" type="presOf" srcId="{C69F8324-445F-46E5-9500-2AE941300F12}" destId="{A807D72B-EEE1-474E-87FC-AD7165176859}" srcOrd="1" destOrd="0" presId="urn:microsoft.com/office/officeart/2005/8/layout/vProcess5"/>
     <dgm:cxn modelId="{DE43EA86-61C7-4242-A898-D49FBF887D4B}" type="presOf" srcId="{74985E54-1E46-40D0-9B33-2E8CB9FCAA6A}" destId="{F68C5CEB-85EF-4721-B940-3F7AB9517E3C}" srcOrd="0" destOrd="0" presId="urn:microsoft.com/office/officeart/2005/8/layout/vProcess5"/>
     <dgm:cxn modelId="{8D39ADB8-67E5-40F0-8D19-995B7890D0F2}" type="presOf" srcId="{74985E54-1E46-40D0-9B33-2E8CB9FCAA6A}" destId="{AA5F98C4-B1A7-40F8-888B-62B2C4E97A03}" srcOrd="1" destOrd="0" presId="urn:microsoft.com/office/officeart/2005/8/layout/vProcess5"/>
     <dgm:cxn modelId="{75ED1B85-A21C-4D83-A4D3-612501117EB3}" type="presOf" srcId="{4EEF11B5-A566-4CC1-81F6-E299EF45390E}" destId="{B66AA705-D48A-4B3C-A67E-5E43FF88F04C}" srcOrd="0" destOrd="0" presId="urn:microsoft.com/office/officeart/2005/8/layout/vProcess5"/>
@@ -9504,8 +11200,8 @@
     <dgm:cxn modelId="{0FEDA204-715D-47C2-B1FA-E3EAC170AD7D}" type="presOf" srcId="{4EE6A675-2495-4F6C-B694-431F449E086D}" destId="{AB451D81-01B3-4452-BE0E-B359AE52E6E7}" srcOrd="0" destOrd="0" presId="urn:microsoft.com/office/officeart/2005/8/layout/vProcess5"/>
     <dgm:cxn modelId="{6BD5B7CD-86C6-4CD5-B038-D51DB22E06A3}" type="presOf" srcId="{C69F8324-445F-46E5-9500-2AE941300F12}" destId="{CD45CFE8-7031-4770-A69C-2A76554DE6B6}" srcOrd="0" destOrd="0" presId="urn:microsoft.com/office/officeart/2005/8/layout/vProcess5"/>
     <dgm:cxn modelId="{815CAD40-E2EC-4FD1-AE5C-7DB8EF851E81}" type="presOf" srcId="{102FC8F2-1E62-45E8-B6C7-C271B4FB902C}" destId="{5B2491AB-0C85-4826-B929-9197826565A2}" srcOrd="1" destOrd="0" presId="urn:microsoft.com/office/officeart/2005/8/layout/vProcess5"/>
+    <dgm:cxn modelId="{A2019A76-78CD-4CBB-A8F4-08EBC5F81A0D}" srcId="{4EE6A675-2495-4F6C-B694-431F449E086D}" destId="{102FC8F2-1E62-45E8-B6C7-C271B4FB902C}" srcOrd="0" destOrd="0" parTransId="{70F71977-E03E-4020-84EC-758F5CD22681}" sibTransId="{94ED96F0-A775-48DF-837F-F7425D7839E1}"/>
     <dgm:cxn modelId="{F0D6831C-29AC-4114-BECF-654D95162402}" srcId="{4EE6A675-2495-4F6C-B694-431F449E086D}" destId="{74985E54-1E46-40D0-9B33-2E8CB9FCAA6A}" srcOrd="2" destOrd="0" parTransId="{7A7D3450-5608-46C2-81DC-A4ABF29DAE09}" sibTransId="{5313A4DD-32A7-48D4-8C3D-6C5FAE5B2AD6}"/>
-    <dgm:cxn modelId="{A2019A76-78CD-4CBB-A8F4-08EBC5F81A0D}" srcId="{4EE6A675-2495-4F6C-B694-431F449E086D}" destId="{102FC8F2-1E62-45E8-B6C7-C271B4FB902C}" srcOrd="0" destOrd="0" parTransId="{70F71977-E03E-4020-84EC-758F5CD22681}" sibTransId="{94ED96F0-A775-48DF-837F-F7425D7839E1}"/>
     <dgm:cxn modelId="{DD6B9C49-C8B8-40BE-9419-42BDD5F187A9}" type="presParOf" srcId="{AB451D81-01B3-4452-BE0E-B359AE52E6E7}" destId="{E7C22241-5BB5-4E55-892B-6CE3A6753760}" srcOrd="0" destOrd="0" presId="urn:microsoft.com/office/officeart/2005/8/layout/vProcess5"/>
     <dgm:cxn modelId="{86C846A5-7E17-40B6-8AF0-F723E6148CD5}" type="presParOf" srcId="{AB451D81-01B3-4452-BE0E-B359AE52E6E7}" destId="{8BE5D2FE-139F-44D7-A759-F4FA367FBF41}" srcOrd="1" destOrd="0" presId="urn:microsoft.com/office/officeart/2005/8/layout/vProcess5"/>
     <dgm:cxn modelId="{A095474D-1429-4B29-971E-C78957D1368B}" type="presParOf" srcId="{AB451D81-01B3-4452-BE0E-B359AE52E6E7}" destId="{CD45CFE8-7031-4770-A69C-2A76554DE6B6}" srcOrd="2" destOrd="0" presId="urn:microsoft.com/office/officeart/2005/8/layout/vProcess5"/>
@@ -9526,7 +11222,7 @@
 </dgm:dataModel>
 </file>
 
-<file path=ppt/diagrams/data7.xml><?xml version="1.0" encoding="utf-8"?>
+<file path=ppt/diagrams/data8.xml><?xml version="1.0" encoding="utf-8"?>
 <dgm:dataModel xmlns:dgm="http://schemas.openxmlformats.org/drawingml/2006/diagram" xmlns:a="http://schemas.openxmlformats.org/drawingml/2006/main">
   <dgm:ptLst>
     <dgm:pt modelId="{19EA0FB9-3FA7-4EC0-97C9-C80D62A22BE1}" type="doc">
@@ -10239,12 +11935,12 @@
         <a:fontRef idx="minor"/>
       </dsp:style>
       <dsp:txBody>
-        <a:bodyPr spcFirstLastPara="0" vert="horz" wrap="square" lIns="49530" tIns="24765" rIns="49530" bIns="24765" numCol="1" spcCol="1270" anchor="ctr" anchorCtr="0">
+        <a:bodyPr spcFirstLastPara="0" vert="horz" wrap="square" lIns="45720" tIns="22860" rIns="45720" bIns="22860" numCol="1" spcCol="1270" anchor="ctr" anchorCtr="0">
           <a:noAutofit/>
         </a:bodyPr>
         <a:lstStyle/>
         <a:p>
-          <a:pPr marL="114300" lvl="1" indent="-114300" algn="l" defTabSz="577850">
+          <a:pPr marL="114300" lvl="1" indent="-114300" algn="l" defTabSz="533400">
             <a:lnSpc>
               <a:spcPct val="90000"/>
             </a:lnSpc>
@@ -10257,17 +11953,17 @@
             <a:buChar char="••"/>
           </a:pPr>
           <a:r>
-            <a:rPr lang="de-DE" sz="1300" b="1" kern="1200" dirty="0" smtClean="0"/>
+            <a:rPr lang="de-DE" sz="1200" b="1" kern="1200" dirty="0" smtClean="0"/>
             <a:t>Basis: </a:t>
           </a:r>
           <a:r>
-            <a:rPr lang="de-DE" sz="1300" b="0" kern="1200" dirty="0" smtClean="0"/>
+            <a:rPr lang="de-DE" sz="1200" b="0" kern="1200" dirty="0" smtClean="0"/>
             <a:t>Hieraus werden die Daten extrahiert.</a:t>
           </a:r>
-          <a:endParaRPr lang="de-DE" sz="1300" kern="1200" dirty="0"/>
-        </a:p>
-        <a:p>
-          <a:pPr marL="114300" lvl="1" indent="-114300" algn="l" defTabSz="577850">
+          <a:endParaRPr lang="de-DE" sz="1200" kern="1200" dirty="0"/>
+        </a:p>
+        <a:p>
+          <a:pPr marL="114300" lvl="1" indent="-114300" algn="l" defTabSz="533400">
             <a:lnSpc>
               <a:spcPct val="90000"/>
             </a:lnSpc>
@@ -10280,33 +11976,33 @@
             <a:buChar char="••"/>
           </a:pPr>
           <a:r>
-            <a:rPr lang="de-DE" sz="1300" b="1" kern="1200" dirty="0" smtClean="0"/>
+            <a:rPr lang="de-DE" sz="1200" b="1" kern="1200" dirty="0" smtClean="0"/>
             <a:t>Kontext:</a:t>
           </a:r>
           <a:r>
-            <a:rPr lang="de-DE" sz="1300" b="0" kern="1200" dirty="0" smtClean="0"/>
+            <a:rPr lang="de-DE" sz="1200" b="0" kern="1200" dirty="0" smtClean="0"/>
             <a:t> Beschreibt die</a:t>
           </a:r>
           <a:r>
-            <a:rPr lang="de-DE" sz="1300" b="0" kern="1200" baseline="0" dirty="0" smtClean="0"/>
+            <a:rPr lang="de-DE" sz="1200" b="0" kern="1200" baseline="0" dirty="0" smtClean="0"/>
             <a:t> </a:t>
           </a:r>
           <a:r>
-            <a:rPr lang="de-DE" sz="1300" kern="1200" dirty="0" err="1" smtClean="0"/>
+            <a:rPr lang="de-DE" sz="1200" kern="1200" dirty="0" err="1" smtClean="0"/>
             <a:t>SubSpace</a:t>
           </a:r>
           <a:r>
-            <a:rPr lang="de-DE" sz="1300" kern="1200" dirty="0" smtClean="0"/>
+            <a:rPr lang="de-DE" sz="1200" kern="1200" dirty="0" smtClean="0"/>
             <a:t>.</a:t>
           </a:r>
           <a:r>
-            <a:rPr lang="de-DE" sz="1300" kern="1200" baseline="0" dirty="0" smtClean="0"/>
+            <a:rPr lang="de-DE" sz="1200" kern="1200" baseline="0" dirty="0" smtClean="0"/>
             <a:t> Wird zur Extraktion verwendet.</a:t>
           </a:r>
-          <a:endParaRPr lang="de-DE" sz="1300" kern="1200" dirty="0"/>
-        </a:p>
-        <a:p>
-          <a:pPr marL="114300" lvl="1" indent="-114300" algn="l" defTabSz="577850">
+          <a:endParaRPr lang="de-DE" sz="1200" kern="1200" dirty="0"/>
+        </a:p>
+        <a:p>
+          <a:pPr marL="114300" lvl="1" indent="-114300" algn="l" defTabSz="533400">
             <a:lnSpc>
               <a:spcPct val="90000"/>
             </a:lnSpc>
@@ -10319,42 +12015,50 @@
             <a:buChar char="••"/>
           </a:pPr>
           <a:r>
-            <a:rPr lang="de-DE" sz="1300" b="1" kern="1200" dirty="0" smtClean="0"/>
+            <a:rPr lang="de-DE" sz="1200" b="1" kern="1200" dirty="0" smtClean="0"/>
             <a:t>Thema: </a:t>
           </a:r>
           <a:r>
-            <a:rPr lang="de-DE" sz="1300" b="0" kern="1200" dirty="0" smtClean="0"/>
+            <a:rPr lang="de-DE" sz="1200" b="0" kern="1200" dirty="0" smtClean="0"/>
             <a:t>Grenzt</a:t>
           </a:r>
           <a:r>
-            <a:rPr lang="de-DE" sz="1300" b="0" kern="1200" baseline="0" dirty="0" smtClean="0"/>
+            <a:rPr lang="de-DE" sz="1200" b="0" kern="1200" baseline="0" dirty="0" smtClean="0"/>
             <a:t> </a:t>
           </a:r>
           <a:r>
-            <a:rPr lang="de-DE" sz="1300" kern="1200" dirty="0" err="1" smtClean="0"/>
+            <a:rPr lang="de-DE" sz="1200" kern="1200" dirty="0" err="1" smtClean="0"/>
             <a:t>SubSpace</a:t>
           </a:r>
           <a:r>
-            <a:rPr lang="de-DE" sz="1300" kern="1200" dirty="0" smtClean="0"/>
+            <a:rPr lang="de-DE" sz="1200" kern="1200" dirty="0" smtClean="0"/>
             <a:t> von anderer </a:t>
           </a:r>
           <a:r>
-            <a:rPr lang="de-DE" sz="1300" kern="1200" dirty="0" err="1" smtClean="0"/>
+            <a:rPr lang="de-DE" sz="1200" kern="1200" dirty="0" err="1" smtClean="0"/>
             <a:t>SubSpace</a:t>
           </a:r>
           <a:r>
-            <a:rPr lang="de-DE" sz="1300" kern="1200" dirty="0" smtClean="0"/>
-            <a:t> ab. Ist</a:t>
+            <a:rPr lang="de-DE" sz="1200" kern="1200" dirty="0" smtClean="0"/>
+            <a:t> ab</a:t>
           </a:r>
           <a:r>
-            <a:rPr lang="de-DE" sz="1300" kern="1200" baseline="0" dirty="0" smtClean="0"/>
-            <a:t> Teil des </a:t>
+            <a:rPr lang="de-DE" sz="1200" kern="1200" dirty="0" smtClean="0"/>
+            <a:t>. Es dient zur (technischen) Identifikation und ist</a:t>
           </a:r>
           <a:r>
-            <a:rPr lang="de-DE" sz="1300" kern="1200" dirty="0" smtClean="0"/>
+            <a:rPr lang="de-DE" sz="1200" kern="1200" baseline="0" dirty="0" smtClean="0"/>
+            <a:t> </a:t>
+          </a:r>
+          <a:r>
+            <a:rPr lang="de-DE" sz="1200" kern="1200" baseline="0" dirty="0" smtClean="0"/>
+            <a:t>Teil des </a:t>
+          </a:r>
+          <a:r>
+            <a:rPr lang="de-DE" sz="1200" kern="1200" dirty="0" smtClean="0"/>
             <a:t>Kontextes.</a:t>
           </a:r>
-          <a:endParaRPr lang="de-DE" sz="1300" kern="1200" dirty="0"/>
+          <a:endParaRPr lang="de-DE" sz="1200" kern="1200" dirty="0"/>
         </a:p>
       </dsp:txBody>
       <dsp:txXfrm rot="5400000">
@@ -10494,12 +12198,12 @@
         <a:fontRef idx="minor"/>
       </dsp:style>
       <dsp:txBody>
-        <a:bodyPr spcFirstLastPara="0" vert="horz" wrap="square" lIns="49530" tIns="24765" rIns="49530" bIns="24765" numCol="1" spcCol="1270" anchor="ctr" anchorCtr="0">
+        <a:bodyPr spcFirstLastPara="0" vert="horz" wrap="square" lIns="45720" tIns="22860" rIns="45720" bIns="22860" numCol="1" spcCol="1270" anchor="ctr" anchorCtr="0">
           <a:noAutofit/>
         </a:bodyPr>
         <a:lstStyle/>
         <a:p>
-          <a:pPr marL="114300" lvl="1" indent="-114300" algn="l" defTabSz="577850">
+          <a:pPr marL="114300" lvl="1" indent="-114300" algn="l" defTabSz="533400">
             <a:lnSpc>
               <a:spcPct val="90000"/>
             </a:lnSpc>
@@ -10512,18 +12216,18 @@
             <a:buChar char="••"/>
           </a:pPr>
           <a:r>
-            <a:rPr lang="de-DE" sz="1300" kern="1200" dirty="0" smtClean="0"/>
+            <a:rPr lang="de-DE" sz="1200" kern="1200" dirty="0" smtClean="0"/>
             <a:t>Mitglieder sollen zur </a:t>
           </a:r>
           <a:r>
-            <a:rPr lang="de-DE" sz="1300" kern="1200" dirty="0" err="1" smtClean="0"/>
+            <a:rPr lang="de-DE" sz="1200" kern="1200" dirty="0" err="1" smtClean="0"/>
             <a:t>SubSpace</a:t>
           </a:r>
           <a:r>
-            <a:rPr lang="de-DE" sz="1300" kern="1200" dirty="0" smtClean="0"/>
+            <a:rPr lang="de-DE" sz="1200" kern="1200" dirty="0" smtClean="0"/>
             <a:t> hinzugefügt und entfernt werden können.</a:t>
           </a:r>
-          <a:endParaRPr lang="de-DE" sz="1300" kern="1200" dirty="0"/>
+          <a:endParaRPr lang="de-DE" sz="1200" kern="1200" dirty="0"/>
         </a:p>
       </dsp:txBody>
       <dsp:txXfrm rot="5400000">
@@ -10659,12 +12363,12 @@
         <a:fontRef idx="minor"/>
       </dsp:style>
       <dsp:txBody>
-        <a:bodyPr spcFirstLastPara="0" vert="horz" wrap="square" lIns="49530" tIns="24765" rIns="49530" bIns="24765" numCol="1" spcCol="1270" anchor="ctr" anchorCtr="0">
+        <a:bodyPr spcFirstLastPara="0" vert="horz" wrap="square" lIns="45720" tIns="22860" rIns="45720" bIns="22860" numCol="1" spcCol="1270" anchor="ctr" anchorCtr="0">
           <a:noAutofit/>
         </a:bodyPr>
         <a:lstStyle/>
         <a:p>
-          <a:pPr marL="114300" lvl="1" indent="-114300" algn="l" defTabSz="577850">
+          <a:pPr marL="114300" lvl="1" indent="-114300" algn="l" defTabSz="533400">
             <a:lnSpc>
               <a:spcPct val="90000"/>
             </a:lnSpc>
@@ -10677,18 +12381,18 @@
             <a:buChar char="••"/>
           </a:pPr>
           <a:r>
-            <a:rPr lang="de-DE" sz="1300" kern="1200" dirty="0" smtClean="0"/>
+            <a:rPr lang="de-DE" sz="1200" kern="1200" dirty="0" smtClean="0"/>
             <a:t>Eine </a:t>
           </a:r>
           <a:r>
-            <a:rPr lang="de-DE" sz="1300" kern="1200" dirty="0" err="1" smtClean="0"/>
+            <a:rPr lang="de-DE" sz="1200" kern="1200" dirty="0" err="1" smtClean="0"/>
             <a:t>SubSpace</a:t>
           </a:r>
           <a:r>
-            <a:rPr lang="de-DE" sz="1300" kern="1200" dirty="0" smtClean="0"/>
+            <a:rPr lang="de-DE" sz="1200" kern="1200" dirty="0" smtClean="0"/>
             <a:t> muss anhand seiner Beschreibungen (Basis, Kontext, Thema) wiederherstellbar sein.  </a:t>
           </a:r>
-          <a:endParaRPr lang="de-DE" sz="1300" kern="1200" dirty="0"/>
+          <a:endParaRPr lang="de-DE" sz="1200" kern="1200" dirty="0"/>
         </a:p>
       </dsp:txBody>
       <dsp:txXfrm rot="5400000">
@@ -10824,12 +12528,12 @@
         <a:fontRef idx="minor"/>
       </dsp:style>
       <dsp:txBody>
-        <a:bodyPr spcFirstLastPara="0" vert="horz" wrap="square" lIns="49530" tIns="24765" rIns="49530" bIns="24765" numCol="1" spcCol="1270" anchor="ctr" anchorCtr="0">
+        <a:bodyPr spcFirstLastPara="0" vert="horz" wrap="square" lIns="45720" tIns="22860" rIns="45720" bIns="22860" numCol="1" spcCol="1270" anchor="ctr" anchorCtr="0">
           <a:noAutofit/>
         </a:bodyPr>
         <a:lstStyle/>
         <a:p>
-          <a:pPr marL="114300" lvl="1" indent="-114300" algn="l" defTabSz="577850">
+          <a:pPr marL="114300" lvl="1" indent="-114300" algn="l" defTabSz="533400">
             <a:lnSpc>
               <a:spcPct val="90000"/>
             </a:lnSpc>
@@ -10842,18 +12546,18 @@
             <a:buChar char="••"/>
           </a:pPr>
           <a:r>
-            <a:rPr lang="de-DE" sz="1300" kern="1200" dirty="0" smtClean="0"/>
+            <a:rPr lang="de-DE" sz="1200" kern="1200" dirty="0" smtClean="0"/>
             <a:t>Bei Änderungen am Kontext oder dem zur </a:t>
           </a:r>
           <a:r>
-            <a:rPr lang="de-DE" sz="1300" kern="1200" dirty="0" err="1" smtClean="0"/>
+            <a:rPr lang="de-DE" sz="1200" kern="1200" dirty="0" err="1" smtClean="0"/>
             <a:t>SubSpace</a:t>
           </a:r>
           <a:r>
-            <a:rPr lang="de-DE" sz="1300" kern="1200" dirty="0" smtClean="0"/>
+            <a:rPr lang="de-DE" sz="1200" kern="1200" dirty="0" smtClean="0"/>
             <a:t> gehörigen Daten aus der Basis  kann ein Beobachter benachrichtigt werden.</a:t>
           </a:r>
-          <a:endParaRPr lang="de-DE" sz="1300" kern="1200" dirty="0"/>
+          <a:endParaRPr lang="de-DE" sz="1200" kern="1200" dirty="0"/>
         </a:p>
       </dsp:txBody>
       <dsp:txXfrm rot="5400000">
@@ -10957,6 +12661,1021 @@
       </dsp:nvSpPr>
       <dsp:spPr>
         <a:xfrm rot="5400000">
+          <a:off x="5217603" y="-2158152"/>
+          <a:ext cx="757048" cy="5266944"/>
+        </a:xfrm>
+        <a:prstGeom prst="round2SameRect">
+          <a:avLst/>
+        </a:prstGeom>
+        <a:solidFill>
+          <a:schemeClr val="accent1">
+            <a:alpha val="90000"/>
+            <a:tint val="40000"/>
+            <a:hueOff val="0"/>
+            <a:satOff val="0"/>
+            <a:lumOff val="0"/>
+            <a:alphaOff val="0"/>
+          </a:schemeClr>
+        </a:solidFill>
+        <a:ln w="25400" cap="flat" cmpd="sng" algn="ctr">
+          <a:solidFill>
+            <a:schemeClr val="accent1">
+              <a:alpha val="90000"/>
+              <a:tint val="40000"/>
+              <a:hueOff val="0"/>
+              <a:satOff val="0"/>
+              <a:lumOff val="0"/>
+              <a:alphaOff val="0"/>
+            </a:schemeClr>
+          </a:solidFill>
+          <a:prstDash val="solid"/>
+        </a:ln>
+        <a:effectLst/>
+      </dsp:spPr>
+      <dsp:style>
+        <a:lnRef idx="2">
+          <a:scrgbClr r="0" g="0" b="0"/>
+        </a:lnRef>
+        <a:fillRef idx="1">
+          <a:scrgbClr r="0" g="0" b="0"/>
+        </a:fillRef>
+        <a:effectRef idx="0">
+          <a:scrgbClr r="0" g="0" b="0"/>
+        </a:effectRef>
+        <a:fontRef idx="minor"/>
+      </dsp:style>
+      <dsp:txBody>
+        <a:bodyPr spcFirstLastPara="0" vert="horz" wrap="square" lIns="38100" tIns="19050" rIns="38100" bIns="19050" numCol="1" spcCol="1270" anchor="ctr" anchorCtr="0">
+          <a:noAutofit/>
+        </a:bodyPr>
+        <a:lstStyle/>
+        <a:p>
+          <a:pPr marL="114300" lvl="1" indent="-114300" algn="l" defTabSz="533400">
+            <a:lnSpc>
+              <a:spcPct val="90000"/>
+            </a:lnSpc>
+            <a:spcBef>
+              <a:spcPct val="0"/>
+            </a:spcBef>
+            <a:spcAft>
+              <a:spcPct val="15000"/>
+            </a:spcAft>
+            <a:buChar char="••"/>
+          </a:pPr>
+          <a:r>
+            <a:rPr lang="de-DE" sz="1200" b="1" kern="1200" dirty="0" smtClean="0"/>
+            <a:t>Push:</a:t>
+          </a:r>
+          <a:r>
+            <a:rPr lang="de-DE" sz="1200" b="0" kern="1200" dirty="0" smtClean="0"/>
+            <a:t> Daten werden an die entfernten Peers verteilt.</a:t>
+          </a:r>
+          <a:endParaRPr lang="de-DE" sz="1200" b="1" kern="1200" dirty="0"/>
+        </a:p>
+        <a:p>
+          <a:pPr marL="114300" lvl="1" indent="-114300" algn="l" defTabSz="533400">
+            <a:lnSpc>
+              <a:spcPct val="90000"/>
+            </a:lnSpc>
+            <a:spcBef>
+              <a:spcPct val="0"/>
+            </a:spcBef>
+            <a:spcAft>
+              <a:spcPct val="15000"/>
+            </a:spcAft>
+            <a:buChar char="••"/>
+          </a:pPr>
+          <a:r>
+            <a:rPr lang="de-DE" sz="1200" b="1" kern="1200" dirty="0" smtClean="0"/>
+            <a:t>Pull: </a:t>
+          </a:r>
+          <a:r>
+            <a:rPr lang="de-DE" sz="1200" b="0" kern="1200" dirty="0" smtClean="0"/>
+            <a:t>Daten werden von den entfernten Peers bezogen.</a:t>
+          </a:r>
+          <a:endParaRPr lang="de-DE" sz="1200" b="1" kern="1200" dirty="0"/>
+        </a:p>
+        <a:p>
+          <a:pPr marL="114300" lvl="1" indent="-114300" algn="l" defTabSz="533400">
+            <a:lnSpc>
+              <a:spcPct val="90000"/>
+            </a:lnSpc>
+            <a:spcBef>
+              <a:spcPct val="0"/>
+            </a:spcBef>
+            <a:spcAft>
+              <a:spcPct val="15000"/>
+            </a:spcAft>
+            <a:buChar char="••"/>
+          </a:pPr>
+          <a:r>
+            <a:rPr lang="de-DE" sz="1200" b="1" kern="1200" dirty="0" err="1" smtClean="0"/>
+            <a:t>Synchronize</a:t>
+          </a:r>
+          <a:r>
+            <a:rPr lang="de-DE" sz="1200" b="1" kern="1200" dirty="0" smtClean="0"/>
+            <a:t>: </a:t>
+          </a:r>
+          <a:r>
+            <a:rPr lang="de-DE" sz="1200" b="0" kern="1200" dirty="0" smtClean="0"/>
+            <a:t>Daten aller Peers werden synchronisiert </a:t>
+          </a:r>
+          <a:r>
+            <a:rPr lang="de-DE" sz="1200" b="0" kern="1200" dirty="0" smtClean="0"/>
+            <a:t> (</a:t>
+          </a:r>
+          <a:r>
+            <a:rPr lang="de-DE" sz="1200" b="0" kern="1200" dirty="0" smtClean="0"/>
+            <a:t>Push + Pull).</a:t>
+          </a:r>
+          <a:endParaRPr lang="de-DE" sz="1200" b="1" kern="1200" dirty="0"/>
+        </a:p>
+      </dsp:txBody>
+      <dsp:txXfrm rot="5400000">
+        <a:off x="5217603" y="-2158152"/>
+        <a:ext cx="757048" cy="5266944"/>
+      </dsp:txXfrm>
+    </dsp:sp>
+    <dsp:sp modelId="{CFE613B1-9A8F-466D-AF8A-04029076F846}">
+      <dsp:nvSpPr>
+        <dsp:cNvPr id="0" name=""/>
+        <dsp:cNvSpPr/>
+      </dsp:nvSpPr>
+      <dsp:spPr>
+        <a:xfrm>
+          <a:off x="0" y="2164"/>
+          <a:ext cx="2962656" cy="946310"/>
+        </a:xfrm>
+        <a:prstGeom prst="roundRect">
+          <a:avLst/>
+        </a:prstGeom>
+        <a:solidFill>
+          <a:schemeClr val="accent1">
+            <a:hueOff val="0"/>
+            <a:satOff val="0"/>
+            <a:lumOff val="0"/>
+            <a:alphaOff val="0"/>
+          </a:schemeClr>
+        </a:solidFill>
+        <a:ln w="25400" cap="flat" cmpd="sng" algn="ctr">
+          <a:solidFill>
+            <a:schemeClr val="lt1">
+              <a:hueOff val="0"/>
+              <a:satOff val="0"/>
+              <a:lumOff val="0"/>
+              <a:alphaOff val="0"/>
+            </a:schemeClr>
+          </a:solidFill>
+          <a:prstDash val="solid"/>
+        </a:ln>
+        <a:effectLst/>
+      </dsp:spPr>
+      <dsp:style>
+        <a:lnRef idx="2">
+          <a:scrgbClr r="0" g="0" b="0"/>
+        </a:lnRef>
+        <a:fillRef idx="1">
+          <a:scrgbClr r="0" g="0" b="0"/>
+        </a:fillRef>
+        <a:effectRef idx="0">
+          <a:scrgbClr r="0" g="0" b="0"/>
+        </a:effectRef>
+        <a:fontRef idx="minor">
+          <a:schemeClr val="lt1"/>
+        </a:fontRef>
+      </dsp:style>
+      <dsp:txBody>
+        <a:bodyPr spcFirstLastPara="0" vert="horz" wrap="square" lIns="95250" tIns="47625" rIns="95250" bIns="47625" numCol="1" spcCol="1270" anchor="ctr" anchorCtr="0">
+          <a:noAutofit/>
+        </a:bodyPr>
+        <a:lstStyle/>
+        <a:p>
+          <a:pPr lvl="0" algn="ctr" defTabSz="1111250">
+            <a:lnSpc>
+              <a:spcPct val="90000"/>
+            </a:lnSpc>
+            <a:spcBef>
+              <a:spcPct val="0"/>
+            </a:spcBef>
+            <a:spcAft>
+              <a:spcPct val="35000"/>
+            </a:spcAft>
+          </a:pPr>
+          <a:r>
+            <a:rPr lang="de-DE" sz="2500" kern="1200" dirty="0" smtClean="0"/>
+            <a:t>Push, Pull und </a:t>
+          </a:r>
+          <a:r>
+            <a:rPr lang="de-DE" sz="2500" kern="1200" dirty="0" err="1" smtClean="0"/>
+            <a:t>Synchronize</a:t>
+          </a:r>
+          <a:endParaRPr lang="de-DE" sz="2500" kern="1200" dirty="0"/>
+        </a:p>
+      </dsp:txBody>
+      <dsp:txXfrm>
+        <a:off x="0" y="2164"/>
+        <a:ext cx="2962656" cy="946310"/>
+      </dsp:txXfrm>
+    </dsp:sp>
+    <dsp:sp modelId="{EAA028FF-3FF8-4764-BD02-24838A6FA96F}">
+      <dsp:nvSpPr>
+        <dsp:cNvPr id="0" name=""/>
+        <dsp:cNvSpPr/>
+      </dsp:nvSpPr>
+      <dsp:spPr>
+        <a:xfrm rot="5400000">
+          <a:off x="5217603" y="-1164526"/>
+          <a:ext cx="757048" cy="5266944"/>
+        </a:xfrm>
+        <a:prstGeom prst="round2SameRect">
+          <a:avLst/>
+        </a:prstGeom>
+        <a:solidFill>
+          <a:schemeClr val="accent1">
+            <a:alpha val="90000"/>
+            <a:tint val="40000"/>
+            <a:hueOff val="0"/>
+            <a:satOff val="0"/>
+            <a:lumOff val="0"/>
+            <a:alphaOff val="0"/>
+          </a:schemeClr>
+        </a:solidFill>
+        <a:ln w="25400" cap="flat" cmpd="sng" algn="ctr">
+          <a:solidFill>
+            <a:schemeClr val="accent1">
+              <a:alpha val="90000"/>
+              <a:tint val="40000"/>
+              <a:hueOff val="0"/>
+              <a:satOff val="0"/>
+              <a:lumOff val="0"/>
+              <a:alphaOff val="0"/>
+            </a:schemeClr>
+          </a:solidFill>
+          <a:prstDash val="solid"/>
+        </a:ln>
+        <a:effectLst/>
+      </dsp:spPr>
+      <dsp:style>
+        <a:lnRef idx="2">
+          <a:scrgbClr r="0" g="0" b="0"/>
+        </a:lnRef>
+        <a:fillRef idx="1">
+          <a:scrgbClr r="0" g="0" b="0"/>
+        </a:fillRef>
+        <a:effectRef idx="0">
+          <a:scrgbClr r="0" g="0" b="0"/>
+        </a:effectRef>
+        <a:fontRef idx="minor"/>
+      </dsp:style>
+      <dsp:txBody>
+        <a:bodyPr spcFirstLastPara="0" vert="horz" wrap="square" lIns="38100" tIns="19050" rIns="38100" bIns="19050" numCol="1" spcCol="1270" anchor="ctr" anchorCtr="0">
+          <a:noAutofit/>
+        </a:bodyPr>
+        <a:lstStyle/>
+        <a:p>
+          <a:pPr marL="57150" lvl="1" indent="-57150" algn="l" defTabSz="488950">
+            <a:lnSpc>
+              <a:spcPct val="90000"/>
+            </a:lnSpc>
+            <a:spcBef>
+              <a:spcPct val="0"/>
+            </a:spcBef>
+            <a:spcAft>
+              <a:spcPct val="15000"/>
+            </a:spcAft>
+            <a:buChar char="••"/>
+          </a:pPr>
+          <a:r>
+            <a:rPr lang="de-DE" sz="1100" kern="1200" dirty="0" smtClean="0"/>
+            <a:t>Die Kommunikation erfolgt anhand des in der </a:t>
+          </a:r>
+          <a:r>
+            <a:rPr lang="de-DE" sz="1100" kern="1200" dirty="0" err="1" smtClean="0"/>
+            <a:t>SubSpace</a:t>
+          </a:r>
+          <a:r>
+            <a:rPr lang="de-DE" sz="1100" kern="1200" dirty="0" smtClean="0"/>
+            <a:t> beschriebenen Kontextes. Alle Dimensionen werden berücksichtigt. </a:t>
+          </a:r>
+          <a:endParaRPr lang="de-DE" sz="1100" kern="1200" dirty="0"/>
+        </a:p>
+        <a:p>
+          <a:pPr marL="57150" lvl="1" indent="-57150" algn="l" defTabSz="488950">
+            <a:lnSpc>
+              <a:spcPct val="90000"/>
+            </a:lnSpc>
+            <a:spcBef>
+              <a:spcPct val="0"/>
+            </a:spcBef>
+            <a:spcAft>
+              <a:spcPct val="15000"/>
+            </a:spcAft>
+            <a:buChar char="••"/>
+          </a:pPr>
+          <a:r>
+            <a:rPr lang="de-DE" sz="1100" kern="1200" dirty="0" smtClean="0"/>
+            <a:t>Es erfolgt nur ein Datenaustuch, wenn beide Seiten eine </a:t>
+          </a:r>
+          <a:r>
+            <a:rPr lang="de-DE" sz="1100" kern="1200" dirty="0" err="1" smtClean="0"/>
+            <a:t>SubSpace</a:t>
+          </a:r>
+          <a:r>
+            <a:rPr lang="de-DE" sz="1100" kern="1200" dirty="0" smtClean="0"/>
+            <a:t> mit der gleichen Beschreibung besitzen. </a:t>
+          </a:r>
+          <a:endParaRPr lang="de-DE" sz="1100" kern="1200" dirty="0"/>
+        </a:p>
+      </dsp:txBody>
+      <dsp:txXfrm rot="5400000">
+        <a:off x="5217603" y="-1164526"/>
+        <a:ext cx="757048" cy="5266944"/>
+      </dsp:txXfrm>
+    </dsp:sp>
+    <dsp:sp modelId="{09A0C233-283F-4B25-A499-7024BE67A1CE}">
+      <dsp:nvSpPr>
+        <dsp:cNvPr id="0" name=""/>
+        <dsp:cNvSpPr/>
+      </dsp:nvSpPr>
+      <dsp:spPr>
+        <a:xfrm>
+          <a:off x="0" y="995790"/>
+          <a:ext cx="2962656" cy="946310"/>
+        </a:xfrm>
+        <a:prstGeom prst="roundRect">
+          <a:avLst/>
+        </a:prstGeom>
+        <a:solidFill>
+          <a:schemeClr val="accent1">
+            <a:hueOff val="0"/>
+            <a:satOff val="0"/>
+            <a:lumOff val="0"/>
+            <a:alphaOff val="0"/>
+          </a:schemeClr>
+        </a:solidFill>
+        <a:ln w="25400" cap="flat" cmpd="sng" algn="ctr">
+          <a:solidFill>
+            <a:schemeClr val="lt1">
+              <a:hueOff val="0"/>
+              <a:satOff val="0"/>
+              <a:lumOff val="0"/>
+              <a:alphaOff val="0"/>
+            </a:schemeClr>
+          </a:solidFill>
+          <a:prstDash val="solid"/>
+        </a:ln>
+        <a:effectLst/>
+      </dsp:spPr>
+      <dsp:style>
+        <a:lnRef idx="2">
+          <a:scrgbClr r="0" g="0" b="0"/>
+        </a:lnRef>
+        <a:fillRef idx="1">
+          <a:scrgbClr r="0" g="0" b="0"/>
+        </a:fillRef>
+        <a:effectRef idx="0">
+          <a:scrgbClr r="0" g="0" b="0"/>
+        </a:effectRef>
+        <a:fontRef idx="minor">
+          <a:schemeClr val="lt1"/>
+        </a:fontRef>
+      </dsp:style>
+      <dsp:txBody>
+        <a:bodyPr spcFirstLastPara="0" vert="horz" wrap="square" lIns="95250" tIns="47625" rIns="95250" bIns="47625" numCol="1" spcCol="1270" anchor="ctr" anchorCtr="0">
+          <a:noAutofit/>
+        </a:bodyPr>
+        <a:lstStyle/>
+        <a:p>
+          <a:pPr lvl="0" algn="ctr" defTabSz="1111250">
+            <a:lnSpc>
+              <a:spcPct val="90000"/>
+            </a:lnSpc>
+            <a:spcBef>
+              <a:spcPct val="0"/>
+            </a:spcBef>
+            <a:spcAft>
+              <a:spcPct val="35000"/>
+            </a:spcAft>
+          </a:pPr>
+          <a:r>
+            <a:rPr lang="de-DE" sz="2500" kern="1200" dirty="0" smtClean="0"/>
+            <a:t>Gezielter Datenaustausch</a:t>
+          </a:r>
+          <a:endParaRPr lang="de-DE" sz="2500" kern="1200" dirty="0"/>
+        </a:p>
+      </dsp:txBody>
+      <dsp:txXfrm>
+        <a:off x="0" y="995790"/>
+        <a:ext cx="2962656" cy="946310"/>
+      </dsp:txXfrm>
+    </dsp:sp>
+    <dsp:sp modelId="{62388A82-25A9-4FE5-AD56-2FBAE1A213AB}">
+      <dsp:nvSpPr>
+        <dsp:cNvPr id="0" name=""/>
+        <dsp:cNvSpPr/>
+      </dsp:nvSpPr>
+      <dsp:spPr>
+        <a:xfrm rot="5400000">
+          <a:off x="5217603" y="-170900"/>
+          <a:ext cx="757048" cy="5266944"/>
+        </a:xfrm>
+        <a:prstGeom prst="round2SameRect">
+          <a:avLst/>
+        </a:prstGeom>
+        <a:solidFill>
+          <a:schemeClr val="accent1">
+            <a:alpha val="90000"/>
+            <a:tint val="40000"/>
+            <a:hueOff val="0"/>
+            <a:satOff val="0"/>
+            <a:lumOff val="0"/>
+            <a:alphaOff val="0"/>
+          </a:schemeClr>
+        </a:solidFill>
+        <a:ln w="25400" cap="flat" cmpd="sng" algn="ctr">
+          <a:solidFill>
+            <a:schemeClr val="accent1">
+              <a:alpha val="90000"/>
+              <a:tint val="40000"/>
+              <a:hueOff val="0"/>
+              <a:satOff val="0"/>
+              <a:lumOff val="0"/>
+              <a:alphaOff val="0"/>
+            </a:schemeClr>
+          </a:solidFill>
+          <a:prstDash val="solid"/>
+        </a:ln>
+        <a:effectLst/>
+      </dsp:spPr>
+      <dsp:style>
+        <a:lnRef idx="2">
+          <a:scrgbClr r="0" g="0" b="0"/>
+        </a:lnRef>
+        <a:fillRef idx="1">
+          <a:scrgbClr r="0" g="0" b="0"/>
+        </a:fillRef>
+        <a:effectRef idx="0">
+          <a:scrgbClr r="0" g="0" b="0"/>
+        </a:effectRef>
+        <a:fontRef idx="minor"/>
+      </dsp:style>
+      <dsp:txBody>
+        <a:bodyPr spcFirstLastPara="0" vert="horz" wrap="square" lIns="38100" tIns="19050" rIns="38100" bIns="19050" numCol="1" spcCol="1270" anchor="ctr" anchorCtr="0">
+          <a:noAutofit/>
+        </a:bodyPr>
+        <a:lstStyle/>
+        <a:p>
+          <a:pPr marL="57150" lvl="1" indent="-57150" algn="l" defTabSz="444500">
+            <a:lnSpc>
+              <a:spcPct val="90000"/>
+            </a:lnSpc>
+            <a:spcBef>
+              <a:spcPct val="0"/>
+            </a:spcBef>
+            <a:spcAft>
+              <a:spcPct val="15000"/>
+            </a:spcAft>
+            <a:buChar char="••"/>
+          </a:pPr>
+          <a:r>
+            <a:rPr lang="de-DE" sz="1000" b="1" kern="1200" dirty="0" smtClean="0"/>
+            <a:t>None: </a:t>
+          </a:r>
+          <a:r>
+            <a:rPr lang="de-DE" sz="1000" b="0" kern="1200" dirty="0" smtClean="0"/>
+            <a:t> Es erfolgt keine Datenaustausch.  </a:t>
+          </a:r>
+          <a:endParaRPr lang="de-DE" sz="1000" b="1" kern="1200" dirty="0"/>
+        </a:p>
+        <a:p>
+          <a:pPr marL="57150" lvl="1" indent="-57150" algn="l" defTabSz="444500">
+            <a:lnSpc>
+              <a:spcPct val="90000"/>
+            </a:lnSpc>
+            <a:spcBef>
+              <a:spcPct val="0"/>
+            </a:spcBef>
+            <a:spcAft>
+              <a:spcPct val="15000"/>
+            </a:spcAft>
+            <a:buChar char="••"/>
+          </a:pPr>
+          <a:r>
+            <a:rPr lang="de-DE" sz="1000" b="1" kern="1200" dirty="0" smtClean="0"/>
+            <a:t>In: </a:t>
+          </a:r>
+          <a:r>
+            <a:rPr lang="de-DE" sz="1000" b="0" kern="1200" dirty="0" smtClean="0"/>
+            <a:t>Externe</a:t>
+          </a:r>
+          <a:r>
+            <a:rPr lang="de-DE" sz="1000" b="1" kern="1200" dirty="0" smtClean="0"/>
+            <a:t> </a:t>
+          </a:r>
+          <a:r>
+            <a:rPr lang="de-DE" sz="1000" b="0" kern="1200" dirty="0" smtClean="0"/>
+            <a:t>Daten werden akzeptiert, eigene Daten werden nicht versendet.</a:t>
+          </a:r>
+          <a:endParaRPr lang="de-DE" sz="1000" b="1" kern="1200" dirty="0"/>
+        </a:p>
+        <a:p>
+          <a:pPr marL="57150" lvl="1" indent="-57150" algn="l" defTabSz="444500">
+            <a:lnSpc>
+              <a:spcPct val="90000"/>
+            </a:lnSpc>
+            <a:spcBef>
+              <a:spcPct val="0"/>
+            </a:spcBef>
+            <a:spcAft>
+              <a:spcPct val="15000"/>
+            </a:spcAft>
+            <a:buChar char="••"/>
+          </a:pPr>
+          <a:r>
+            <a:rPr lang="de-DE" sz="1000" b="1" kern="1200" dirty="0" smtClean="0"/>
+            <a:t>Out:</a:t>
+          </a:r>
+          <a:r>
+            <a:rPr lang="de-DE" sz="1000" b="0" kern="1200" dirty="0" smtClean="0"/>
+            <a:t> Eigene Daten werden versendet, externe Daten werden verworfen.</a:t>
+          </a:r>
+          <a:endParaRPr lang="de-DE" sz="1000" b="1" kern="1200" dirty="0"/>
+        </a:p>
+        <a:p>
+          <a:pPr marL="57150" lvl="1" indent="-57150" algn="l" defTabSz="444500">
+            <a:lnSpc>
+              <a:spcPct val="90000"/>
+            </a:lnSpc>
+            <a:spcBef>
+              <a:spcPct val="0"/>
+            </a:spcBef>
+            <a:spcAft>
+              <a:spcPct val="15000"/>
+            </a:spcAft>
+            <a:buChar char="••"/>
+          </a:pPr>
+          <a:r>
+            <a:rPr lang="de-DE" sz="1000" b="1" kern="1200" dirty="0" err="1" smtClean="0"/>
+            <a:t>InOut</a:t>
+          </a:r>
+          <a:r>
+            <a:rPr lang="de-DE" sz="1000" b="1" kern="1200" dirty="0" smtClean="0"/>
+            <a:t>:</a:t>
+          </a:r>
+          <a:r>
+            <a:rPr lang="de-DE" sz="1000" b="0" kern="1200" dirty="0" smtClean="0"/>
+            <a:t> Eigene Daten werden versendet, externe Daten werden akzeptiert.</a:t>
+          </a:r>
+          <a:endParaRPr lang="de-DE" sz="1000" b="1" kern="1200" dirty="0"/>
+        </a:p>
+      </dsp:txBody>
+      <dsp:txXfrm rot="5400000">
+        <a:off x="5217603" y="-170900"/>
+        <a:ext cx="757048" cy="5266944"/>
+      </dsp:txXfrm>
+    </dsp:sp>
+    <dsp:sp modelId="{68929537-02E6-49E7-B06F-851B5BE8D104}">
+      <dsp:nvSpPr>
+        <dsp:cNvPr id="0" name=""/>
+        <dsp:cNvSpPr/>
+      </dsp:nvSpPr>
+      <dsp:spPr>
+        <a:xfrm>
+          <a:off x="0" y="1989416"/>
+          <a:ext cx="2962656" cy="946310"/>
+        </a:xfrm>
+        <a:prstGeom prst="roundRect">
+          <a:avLst/>
+        </a:prstGeom>
+        <a:solidFill>
+          <a:schemeClr val="accent1">
+            <a:hueOff val="0"/>
+            <a:satOff val="0"/>
+            <a:lumOff val="0"/>
+            <a:alphaOff val="0"/>
+          </a:schemeClr>
+        </a:solidFill>
+        <a:ln w="25400" cap="flat" cmpd="sng" algn="ctr">
+          <a:solidFill>
+            <a:schemeClr val="lt1">
+              <a:hueOff val="0"/>
+              <a:satOff val="0"/>
+              <a:lumOff val="0"/>
+              <a:alphaOff val="0"/>
+            </a:schemeClr>
+          </a:solidFill>
+          <a:prstDash val="solid"/>
+        </a:ln>
+        <a:effectLst/>
+      </dsp:spPr>
+      <dsp:style>
+        <a:lnRef idx="2">
+          <a:scrgbClr r="0" g="0" b="0"/>
+        </a:lnRef>
+        <a:fillRef idx="1">
+          <a:scrgbClr r="0" g="0" b="0"/>
+        </a:fillRef>
+        <a:effectRef idx="0">
+          <a:scrgbClr r="0" g="0" b="0"/>
+        </a:effectRef>
+        <a:fontRef idx="minor">
+          <a:schemeClr val="lt1"/>
+        </a:fontRef>
+      </dsp:style>
+      <dsp:txBody>
+        <a:bodyPr spcFirstLastPara="0" vert="horz" wrap="square" lIns="95250" tIns="47625" rIns="95250" bIns="47625" numCol="1" spcCol="1270" anchor="ctr" anchorCtr="0">
+          <a:noAutofit/>
+        </a:bodyPr>
+        <a:lstStyle/>
+        <a:p>
+          <a:pPr lvl="0" algn="ctr" defTabSz="1111250">
+            <a:lnSpc>
+              <a:spcPct val="90000"/>
+            </a:lnSpc>
+            <a:spcBef>
+              <a:spcPct val="0"/>
+            </a:spcBef>
+            <a:spcAft>
+              <a:spcPct val="35000"/>
+            </a:spcAft>
+          </a:pPr>
+          <a:r>
+            <a:rPr lang="de-DE" sz="2500" kern="1200" dirty="0" smtClean="0"/>
+            <a:t>Art des Datenaustausches</a:t>
+          </a:r>
+          <a:endParaRPr lang="de-DE" sz="2500" kern="1200" dirty="0"/>
+        </a:p>
+      </dsp:txBody>
+      <dsp:txXfrm>
+        <a:off x="0" y="1989416"/>
+        <a:ext cx="2962656" cy="946310"/>
+      </dsp:txXfrm>
+    </dsp:sp>
+    <dsp:sp modelId="{3ED8F56D-E669-4536-A256-ADE1091A3C0B}">
+      <dsp:nvSpPr>
+        <dsp:cNvPr id="0" name=""/>
+        <dsp:cNvSpPr/>
+      </dsp:nvSpPr>
+      <dsp:spPr>
+        <a:xfrm rot="5400000">
+          <a:off x="5217603" y="822726"/>
+          <a:ext cx="757048" cy="5266944"/>
+        </a:xfrm>
+        <a:prstGeom prst="round2SameRect">
+          <a:avLst/>
+        </a:prstGeom>
+        <a:solidFill>
+          <a:schemeClr val="accent1">
+            <a:alpha val="90000"/>
+            <a:tint val="40000"/>
+            <a:hueOff val="0"/>
+            <a:satOff val="0"/>
+            <a:lumOff val="0"/>
+            <a:alphaOff val="0"/>
+          </a:schemeClr>
+        </a:solidFill>
+        <a:ln w="25400" cap="flat" cmpd="sng" algn="ctr">
+          <a:solidFill>
+            <a:schemeClr val="accent1">
+              <a:alpha val="90000"/>
+              <a:tint val="40000"/>
+              <a:hueOff val="0"/>
+              <a:satOff val="0"/>
+              <a:lumOff val="0"/>
+              <a:alphaOff val="0"/>
+            </a:schemeClr>
+          </a:solidFill>
+          <a:prstDash val="solid"/>
+        </a:ln>
+        <a:effectLst/>
+      </dsp:spPr>
+      <dsp:style>
+        <a:lnRef idx="2">
+          <a:scrgbClr r="0" g="0" b="0"/>
+        </a:lnRef>
+        <a:fillRef idx="1">
+          <a:scrgbClr r="0" g="0" b="0"/>
+        </a:fillRef>
+        <a:effectRef idx="0">
+          <a:scrgbClr r="0" g="0" b="0"/>
+        </a:effectRef>
+        <a:fontRef idx="minor"/>
+      </dsp:style>
+      <dsp:txBody>
+        <a:bodyPr spcFirstLastPara="0" vert="horz" wrap="square" lIns="38100" tIns="19050" rIns="38100" bIns="19050" numCol="1" spcCol="1270" anchor="ctr" anchorCtr="0">
+          <a:noAutofit/>
+        </a:bodyPr>
+        <a:lstStyle/>
+        <a:p>
+          <a:pPr marL="114300" lvl="1" indent="-114300" algn="l" defTabSz="533400">
+            <a:lnSpc>
+              <a:spcPct val="90000"/>
+            </a:lnSpc>
+            <a:spcBef>
+              <a:spcPct val="0"/>
+            </a:spcBef>
+            <a:spcAft>
+              <a:spcPct val="15000"/>
+            </a:spcAft>
+            <a:buChar char="••"/>
+          </a:pPr>
+          <a:r>
+            <a:rPr lang="de-DE" sz="1200" b="0" kern="1200" dirty="0" smtClean="0"/>
+            <a:t>Der Kontext einer </a:t>
+          </a:r>
+          <a:r>
+            <a:rPr lang="de-DE" sz="1200" b="0" kern="1200" dirty="0" err="1" smtClean="0"/>
+            <a:t>SubSpace</a:t>
+          </a:r>
+          <a:r>
+            <a:rPr lang="de-DE" sz="1200" b="0" kern="1200" dirty="0" smtClean="0"/>
+            <a:t> kann an ein anderen Peer Versand werden. Sollte diese </a:t>
+          </a:r>
+          <a:r>
+            <a:rPr lang="de-DE" sz="1200" b="0" kern="1200" dirty="0" err="1" smtClean="0"/>
+            <a:t>SubSpace</a:t>
+          </a:r>
+          <a:r>
+            <a:rPr lang="de-DE" sz="1200" b="0" kern="1200" dirty="0" smtClean="0"/>
+            <a:t> dort nicht existieren, so wird sie angelegt.</a:t>
+          </a:r>
+          <a:endParaRPr lang="de-DE" sz="1200" b="0" kern="1200" dirty="0"/>
+        </a:p>
+      </dsp:txBody>
+      <dsp:txXfrm rot="5400000">
+        <a:off x="5217603" y="822726"/>
+        <a:ext cx="757048" cy="5266944"/>
+      </dsp:txXfrm>
+    </dsp:sp>
+    <dsp:sp modelId="{2B0C8D2D-C244-4BF4-AE4F-D702E51423B1}">
+      <dsp:nvSpPr>
+        <dsp:cNvPr id="0" name=""/>
+        <dsp:cNvSpPr/>
+      </dsp:nvSpPr>
+      <dsp:spPr>
+        <a:xfrm>
+          <a:off x="0" y="2983042"/>
+          <a:ext cx="2962656" cy="946310"/>
+        </a:xfrm>
+        <a:prstGeom prst="roundRect">
+          <a:avLst/>
+        </a:prstGeom>
+        <a:solidFill>
+          <a:schemeClr val="accent1">
+            <a:hueOff val="0"/>
+            <a:satOff val="0"/>
+            <a:lumOff val="0"/>
+            <a:alphaOff val="0"/>
+          </a:schemeClr>
+        </a:solidFill>
+        <a:ln w="25400" cap="flat" cmpd="sng" algn="ctr">
+          <a:solidFill>
+            <a:schemeClr val="lt1">
+              <a:hueOff val="0"/>
+              <a:satOff val="0"/>
+              <a:lumOff val="0"/>
+              <a:alphaOff val="0"/>
+            </a:schemeClr>
+          </a:solidFill>
+          <a:prstDash val="solid"/>
+        </a:ln>
+        <a:effectLst/>
+      </dsp:spPr>
+      <dsp:style>
+        <a:lnRef idx="2">
+          <a:scrgbClr r="0" g="0" b="0"/>
+        </a:lnRef>
+        <a:fillRef idx="1">
+          <a:scrgbClr r="0" g="0" b="0"/>
+        </a:fillRef>
+        <a:effectRef idx="0">
+          <a:scrgbClr r="0" g="0" b="0"/>
+        </a:effectRef>
+        <a:fontRef idx="minor">
+          <a:schemeClr val="lt1"/>
+        </a:fontRef>
+      </dsp:style>
+      <dsp:txBody>
+        <a:bodyPr spcFirstLastPara="0" vert="horz" wrap="square" lIns="95250" tIns="47625" rIns="95250" bIns="47625" numCol="1" spcCol="1270" anchor="ctr" anchorCtr="0">
+          <a:noAutofit/>
+        </a:bodyPr>
+        <a:lstStyle/>
+        <a:p>
+          <a:pPr lvl="0" algn="ctr" defTabSz="1111250">
+            <a:lnSpc>
+              <a:spcPct val="90000"/>
+            </a:lnSpc>
+            <a:spcBef>
+              <a:spcPct val="0"/>
+            </a:spcBef>
+            <a:spcAft>
+              <a:spcPct val="35000"/>
+            </a:spcAft>
+          </a:pPr>
+          <a:r>
+            <a:rPr lang="de-DE" sz="2500" b="0" kern="1200" dirty="0" smtClean="0"/>
+            <a:t>Versenden von </a:t>
+          </a:r>
+          <a:r>
+            <a:rPr lang="de-DE" sz="2500" b="0" kern="1200" dirty="0" err="1" smtClean="0"/>
+            <a:t>SubSpace</a:t>
+          </a:r>
+          <a:r>
+            <a:rPr lang="de-DE" sz="2500" b="0" kern="1200" dirty="0" smtClean="0"/>
+            <a:t> Kontexten</a:t>
+          </a:r>
+          <a:endParaRPr lang="de-DE" sz="2500" b="0" kern="1200" dirty="0"/>
+        </a:p>
+      </dsp:txBody>
+      <dsp:txXfrm>
+        <a:off x="0" y="2983042"/>
+        <a:ext cx="2962656" cy="946310"/>
+      </dsp:txXfrm>
+    </dsp:sp>
+    <dsp:sp modelId="{A03BA8D5-69BD-4D81-92AA-28E6F98BC7C5}">
+      <dsp:nvSpPr>
+        <dsp:cNvPr id="0" name=""/>
+        <dsp:cNvSpPr/>
+      </dsp:nvSpPr>
+      <dsp:spPr>
+        <a:xfrm rot="5400000">
+          <a:off x="5217603" y="1816352"/>
+          <a:ext cx="757048" cy="5266944"/>
+        </a:xfrm>
+        <a:prstGeom prst="round2SameRect">
+          <a:avLst/>
+        </a:prstGeom>
+        <a:solidFill>
+          <a:schemeClr val="accent1">
+            <a:alpha val="90000"/>
+            <a:tint val="40000"/>
+            <a:hueOff val="0"/>
+            <a:satOff val="0"/>
+            <a:lumOff val="0"/>
+            <a:alphaOff val="0"/>
+          </a:schemeClr>
+        </a:solidFill>
+        <a:ln w="25400" cap="flat" cmpd="sng" algn="ctr">
+          <a:solidFill>
+            <a:schemeClr val="accent1">
+              <a:alpha val="90000"/>
+              <a:tint val="40000"/>
+              <a:hueOff val="0"/>
+              <a:satOff val="0"/>
+              <a:lumOff val="0"/>
+              <a:alphaOff val="0"/>
+            </a:schemeClr>
+          </a:solidFill>
+          <a:prstDash val="solid"/>
+        </a:ln>
+        <a:effectLst/>
+      </dsp:spPr>
+      <dsp:style>
+        <a:lnRef idx="2">
+          <a:scrgbClr r="0" g="0" b="0"/>
+        </a:lnRef>
+        <a:fillRef idx="1">
+          <a:scrgbClr r="0" g="0" b="0"/>
+        </a:fillRef>
+        <a:effectRef idx="0">
+          <a:scrgbClr r="0" g="0" b="0"/>
+        </a:effectRef>
+        <a:fontRef idx="minor"/>
+      </dsp:style>
+      <dsp:txBody>
+        <a:bodyPr spcFirstLastPara="0" vert="horz" wrap="square" lIns="38100" tIns="19050" rIns="38100" bIns="19050" numCol="1" spcCol="1270" anchor="ctr" anchorCtr="0">
+          <a:noAutofit/>
+        </a:bodyPr>
+        <a:lstStyle/>
+        <a:p>
+          <a:pPr marL="114300" lvl="1" indent="-114300" algn="l" defTabSz="533400">
+            <a:lnSpc>
+              <a:spcPct val="90000"/>
+            </a:lnSpc>
+            <a:spcBef>
+              <a:spcPct val="0"/>
+            </a:spcBef>
+            <a:spcAft>
+              <a:spcPct val="15000"/>
+            </a:spcAft>
+            <a:buChar char="••"/>
+          </a:pPr>
+          <a:r>
+            <a:rPr lang="de-DE" sz="1200" b="0" kern="1200" dirty="0" smtClean="0"/>
+            <a:t>Es muss möglich sein Metadaten über die </a:t>
+          </a:r>
+          <a:r>
+            <a:rPr lang="de-DE" sz="1200" b="0" kern="1200" dirty="0" err="1" smtClean="0"/>
+            <a:t>SubSace</a:t>
+          </a:r>
+          <a:r>
+            <a:rPr lang="de-DE" sz="1200" b="0" kern="1200" dirty="0" smtClean="0"/>
+            <a:t> auszutauschen und zu aktualisieren, ohne einen tatsächlichen Datenaustausch aus der Wissensbasis vorzunehmen.</a:t>
+          </a:r>
+          <a:endParaRPr lang="de-DE" sz="1200" b="0" kern="1200" dirty="0"/>
+        </a:p>
+      </dsp:txBody>
+      <dsp:txXfrm rot="5400000">
+        <a:off x="5217603" y="1816352"/>
+        <a:ext cx="757048" cy="5266944"/>
+      </dsp:txXfrm>
+    </dsp:sp>
+    <dsp:sp modelId="{52445CD3-84B2-4147-B10D-63AA1908308B}">
+      <dsp:nvSpPr>
+        <dsp:cNvPr id="0" name=""/>
+        <dsp:cNvSpPr/>
+      </dsp:nvSpPr>
+      <dsp:spPr>
+        <a:xfrm>
+          <a:off x="0" y="3976669"/>
+          <a:ext cx="2962656" cy="946310"/>
+        </a:xfrm>
+        <a:prstGeom prst="roundRect">
+          <a:avLst/>
+        </a:prstGeom>
+        <a:solidFill>
+          <a:schemeClr val="accent1">
+            <a:hueOff val="0"/>
+            <a:satOff val="0"/>
+            <a:lumOff val="0"/>
+            <a:alphaOff val="0"/>
+          </a:schemeClr>
+        </a:solidFill>
+        <a:ln w="25400" cap="flat" cmpd="sng" algn="ctr">
+          <a:solidFill>
+            <a:schemeClr val="lt1">
+              <a:hueOff val="0"/>
+              <a:satOff val="0"/>
+              <a:lumOff val="0"/>
+              <a:alphaOff val="0"/>
+            </a:schemeClr>
+          </a:solidFill>
+          <a:prstDash val="solid"/>
+        </a:ln>
+        <a:effectLst/>
+      </dsp:spPr>
+      <dsp:style>
+        <a:lnRef idx="2">
+          <a:scrgbClr r="0" g="0" b="0"/>
+        </a:lnRef>
+        <a:fillRef idx="1">
+          <a:scrgbClr r="0" g="0" b="0"/>
+        </a:fillRef>
+        <a:effectRef idx="0">
+          <a:scrgbClr r="0" g="0" b="0"/>
+        </a:effectRef>
+        <a:fontRef idx="minor">
+          <a:schemeClr val="lt1"/>
+        </a:fontRef>
+      </dsp:style>
+      <dsp:txBody>
+        <a:bodyPr spcFirstLastPara="0" vert="horz" wrap="square" lIns="95250" tIns="47625" rIns="95250" bIns="47625" numCol="1" spcCol="1270" anchor="ctr" anchorCtr="0">
+          <a:noAutofit/>
+        </a:bodyPr>
+        <a:lstStyle/>
+        <a:p>
+          <a:pPr lvl="0" algn="ctr" defTabSz="1111250">
+            <a:lnSpc>
+              <a:spcPct val="90000"/>
+            </a:lnSpc>
+            <a:spcBef>
+              <a:spcPct val="0"/>
+            </a:spcBef>
+            <a:spcAft>
+              <a:spcPct val="35000"/>
+            </a:spcAft>
+          </a:pPr>
+          <a:r>
+            <a:rPr lang="de-DE" sz="2500" b="0" kern="1200" dirty="0" smtClean="0"/>
+            <a:t>Metadaten und aktualisieren</a:t>
+          </a:r>
+          <a:endParaRPr lang="de-DE" sz="2500" b="0" kern="1200" dirty="0"/>
+        </a:p>
+      </dsp:txBody>
+      <dsp:txXfrm>
+        <a:off x="0" y="3976669"/>
+        <a:ext cx="2962656" cy="946310"/>
+      </dsp:txXfrm>
+    </dsp:sp>
+  </dsp:spTree>
+</dsp:drawing>
+</file>
+
+<file path=ppt/diagrams/drawing3.xml><?xml version="1.0" encoding="utf-8"?>
+<dsp:drawing xmlns:dgm="http://schemas.openxmlformats.org/drawingml/2006/diagram" xmlns:a="http://schemas.openxmlformats.org/drawingml/2006/main" xmlns:dsp="http://schemas.microsoft.com/office/drawing/2008/diagram">
+  <dsp:spTree>
+    <dsp:nvGrpSpPr>
+      <dsp:cNvPr id="0" name=""/>
+      <dsp:cNvGrpSpPr/>
+    </dsp:nvGrpSpPr>
+    <dsp:grpSpPr/>
+    <dsp:sp modelId="{C9A02232-17ED-4E58-867E-E602F24C6574}">
+      <dsp:nvSpPr>
+        <dsp:cNvPr id="0" name=""/>
+        <dsp:cNvSpPr/>
+      </dsp:nvSpPr>
+      <dsp:spPr>
+        <a:xfrm rot="5400000">
           <a:off x="5160327" y="-2086455"/>
           <a:ext cx="871601" cy="5266944"/>
         </a:xfrm>
@@ -11001,12 +13720,12 @@
         <a:fontRef idx="minor"/>
       </dsp:style>
       <dsp:txBody>
-        <a:bodyPr spcFirstLastPara="0" vert="horz" wrap="square" lIns="41910" tIns="20955" rIns="41910" bIns="20955" numCol="1" spcCol="1270" anchor="ctr" anchorCtr="0">
+        <a:bodyPr spcFirstLastPara="0" vert="horz" wrap="square" lIns="45720" tIns="22860" rIns="45720" bIns="22860" numCol="1" spcCol="1270" anchor="ctr" anchorCtr="0">
           <a:noAutofit/>
         </a:bodyPr>
         <a:lstStyle/>
         <a:p>
-          <a:pPr marL="57150" lvl="1" indent="-57150" algn="l" defTabSz="488950">
+          <a:pPr marL="114300" lvl="1" indent="-114300" algn="l" defTabSz="533400">
             <a:lnSpc>
               <a:spcPct val="90000"/>
             </a:lnSpc>
@@ -11019,71 +13738,30 @@
             <a:buChar char="••"/>
           </a:pPr>
           <a:r>
-            <a:rPr lang="de-DE" sz="1100" b="1" kern="1200" dirty="0" smtClean="0"/>
-            <a:t>Push:</a:t>
+            <a:rPr lang="de-DE" sz="1200" kern="1200" dirty="0" smtClean="0"/>
+            <a:t>Die Teile einer </a:t>
           </a:r>
           <a:r>
-            <a:rPr lang="de-DE" sz="1100" b="0" kern="1200" dirty="0" smtClean="0"/>
-            <a:t> Daten werden an die entfernten Peers verteilt.</a:t>
-          </a:r>
-          <a:endParaRPr lang="de-DE" sz="1100" b="1" kern="1200" dirty="0"/>
-        </a:p>
-        <a:p>
-          <a:pPr marL="57150" lvl="1" indent="-57150" algn="l" defTabSz="488950">
-            <a:lnSpc>
-              <a:spcPct val="90000"/>
-            </a:lnSpc>
-            <a:spcBef>
-              <a:spcPct val="0"/>
-            </a:spcBef>
-            <a:spcAft>
-              <a:spcPct val="15000"/>
-            </a:spcAft>
-            <a:buChar char="••"/>
-          </a:pPr>
-          <a:r>
-            <a:rPr lang="de-DE" sz="1100" b="1" kern="1200" dirty="0" smtClean="0"/>
-            <a:t>Pull: </a:t>
+            <a:rPr lang="de-DE" sz="1200" kern="1200" dirty="0" err="1" smtClean="0"/>
+            <a:t>SubSpace</a:t>
           </a:r>
           <a:r>
-            <a:rPr lang="de-DE" sz="1100" b="0" kern="1200" dirty="0" smtClean="0"/>
-            <a:t>Daten werden von den entfernten Peers bezogen.</a:t>
-          </a:r>
-          <a:endParaRPr lang="de-DE" sz="1100" b="1" kern="1200" dirty="0"/>
-        </a:p>
-        <a:p>
-          <a:pPr marL="57150" lvl="1" indent="-57150" algn="l" defTabSz="488950">
-            <a:lnSpc>
-              <a:spcPct val="90000"/>
-            </a:lnSpc>
-            <a:spcBef>
-              <a:spcPct val="0"/>
-            </a:spcBef>
-            <a:spcAft>
-              <a:spcPct val="15000"/>
-            </a:spcAft>
-            <a:buChar char="••"/>
-          </a:pPr>
-          <a:r>
-            <a:rPr lang="de-DE" sz="1100" b="1" kern="1200" dirty="0" err="1" smtClean="0"/>
-            <a:t>Synchronize</a:t>
+            <a:rPr lang="de-DE" sz="1200" kern="1200" dirty="0" smtClean="0"/>
+            <a:t> (Base, Kontext, Thema) müssen persistierbar sein, sodass die </a:t>
           </a:r>
           <a:r>
-            <a:rPr lang="de-DE" sz="1100" b="1" kern="1200" dirty="0" smtClean="0"/>
-            <a:t>: </a:t>
+            <a:rPr lang="de-DE" sz="1200" kern="1200" err="1" smtClean="0"/>
+            <a:t>SubSpace</a:t>
           </a:r>
           <a:r>
-            <a:rPr lang="de-DE" sz="1100" b="0" kern="1200" dirty="0" smtClean="0"/>
-            <a:t>Daten aller Peers werden synchronisiert </a:t>
+            <a:rPr lang="de-DE" sz="1200" kern="1200" smtClean="0"/>
+            <a:t> wiederhersgestellt </a:t>
           </a:r>
-          <a:br>
-            <a:rPr lang="de-DE" sz="1100" b="0" kern="1200" dirty="0" smtClean="0"/>
-          </a:br>
           <a:r>
-            <a:rPr lang="de-DE" sz="1100" b="0" kern="1200" dirty="0" smtClean="0"/>
-            <a:t>(Push + Pull).</a:t>
+            <a:rPr lang="de-DE" sz="1200" kern="1200" dirty="0" smtClean="0"/>
+            <a:t>werden kann.</a:t>
           </a:r>
-          <a:endParaRPr lang="de-DE" sz="1100" b="1" kern="1200" dirty="0"/>
+          <a:endParaRPr lang="de-DE" sz="1200" kern="1200" dirty="0"/>
         </a:p>
       </dsp:txBody>
       <dsp:txXfrm rot="5400000">
@@ -11091,7 +13769,7 @@
         <a:ext cx="871601" cy="5266944"/>
       </dsp:txXfrm>
     </dsp:sp>
-    <dsp:sp modelId="{CFE613B1-9A8F-466D-AF8A-04029076F846}">
+    <dsp:sp modelId="{E8337213-36D2-4D42-AB27-8E2EF6AD57E2}">
       <dsp:nvSpPr>
         <dsp:cNvPr id="0" name=""/>
         <dsp:cNvSpPr/>
@@ -11140,12 +13818,12 @@
         </a:fontRef>
       </dsp:style>
       <dsp:txBody>
-        <a:bodyPr spcFirstLastPara="0" vert="horz" wrap="square" lIns="95250" tIns="47625" rIns="95250" bIns="47625" numCol="1" spcCol="1270" anchor="ctr" anchorCtr="0">
+        <a:bodyPr spcFirstLastPara="0" vert="horz" wrap="square" lIns="68580" tIns="34290" rIns="68580" bIns="34290" numCol="1" spcCol="1270" anchor="ctr" anchorCtr="0">
           <a:noAutofit/>
         </a:bodyPr>
         <a:lstStyle/>
         <a:p>
-          <a:pPr lvl="0" algn="ctr" defTabSz="1111250">
+          <a:pPr lvl="0" algn="ctr" defTabSz="800100">
             <a:lnSpc>
               <a:spcPct val="90000"/>
             </a:lnSpc>
@@ -11157,14 +13835,10 @@
             </a:spcAft>
           </a:pPr>
           <a:r>
-            <a:rPr lang="de-DE" sz="2500" kern="1200" dirty="0" smtClean="0"/>
-            <a:t>Push, Pull und </a:t>
+            <a:rPr lang="de-DE" sz="1800" b="0" i="0" kern="1200" dirty="0" smtClean="0"/>
+            <a:t>Persistenz </a:t>
           </a:r>
-          <a:r>
-            <a:rPr lang="de-DE" sz="2500" kern="1200" dirty="0" err="1" smtClean="0"/>
-            <a:t>Synchronize</a:t>
-          </a:r>
-          <a:endParaRPr lang="de-DE" sz="2500" kern="1200" dirty="0"/>
+          <a:endParaRPr lang="de-DE" sz="1800" kern="1200" dirty="0"/>
         </a:p>
       </dsp:txBody>
       <dsp:txXfrm>
@@ -11172,14 +13846,14 @@
         <a:ext cx="2962656" cy="1089501"/>
       </dsp:txXfrm>
     </dsp:sp>
-    <dsp:sp modelId="{EAA028FF-3FF8-4764-BD02-24838A6FA96F}">
+    <dsp:sp modelId="{4114AA1A-BE2A-498E-B405-7409ECF76B68}">
       <dsp:nvSpPr>
         <dsp:cNvPr id="0" name=""/>
         <dsp:cNvSpPr/>
       </dsp:nvSpPr>
       <dsp:spPr>
         <a:xfrm rot="5400000">
-          <a:off x="5160327" y="-942478"/>
+          <a:off x="5160327" y="-938574"/>
           <a:ext cx="871601" cy="5266944"/>
         </a:xfrm>
         <a:prstGeom prst="round2SameRect">
@@ -11223,12 +13897,12 @@
         <a:fontRef idx="minor"/>
       </dsp:style>
       <dsp:txBody>
-        <a:bodyPr spcFirstLastPara="0" vert="horz" wrap="square" lIns="41910" tIns="20955" rIns="41910" bIns="20955" numCol="1" spcCol="1270" anchor="ctr" anchorCtr="0">
+        <a:bodyPr spcFirstLastPara="0" vert="horz" wrap="square" lIns="45720" tIns="22860" rIns="45720" bIns="22860" numCol="1" spcCol="1270" anchor="ctr" anchorCtr="0">
           <a:noAutofit/>
         </a:bodyPr>
         <a:lstStyle/>
         <a:p>
-          <a:pPr marL="57150" lvl="1" indent="-57150" algn="l" defTabSz="488950">
+          <a:pPr marL="114300" lvl="1" indent="-114300" algn="l" defTabSz="533400">
             <a:lnSpc>
               <a:spcPct val="90000"/>
             </a:lnSpc>
@@ -11241,21 +13915,29 @@
             <a:buChar char="••"/>
           </a:pPr>
           <a:r>
-            <a:rPr lang="de-DE" sz="1100" kern="1200" dirty="0" smtClean="0"/>
-            <a:t>Die Kommunikation erfolgt anhand des in der </a:t>
+            <a:rPr lang="de-DE" sz="1200" kern="1200" dirty="0" smtClean="0"/>
+            <a:t>Nicht existierende </a:t>
           </a:r>
           <a:r>
-            <a:rPr lang="de-DE" sz="1100" kern="1200" dirty="0" err="1" smtClean="0"/>
-            <a:t>SubSpace</a:t>
+            <a:rPr lang="de-DE" sz="1200" kern="1200" dirty="0" err="1" smtClean="0"/>
+            <a:t>ContextPoint</a:t>
           </a:r>
           <a:r>
-            <a:rPr lang="de-DE" sz="1100" kern="1200" dirty="0" smtClean="0"/>
-            <a:t> beschriebenen Kontextes. Alle Dimensionen werden berücksichtigt. </a:t>
+            <a:rPr lang="de-DE" sz="1200" kern="1200" dirty="0" smtClean="0"/>
+            <a:t> werden in die </a:t>
           </a:r>
-          <a:endParaRPr lang="de-DE" sz="1100" kern="1200" dirty="0"/>
-        </a:p>
-        <a:p>
-          <a:pPr marL="57150" lvl="1" indent="-57150" algn="l" defTabSz="488950">
+          <a:r>
+            <a:rPr lang="de-DE" sz="1200" kern="1200" dirty="0" err="1" smtClean="0"/>
+            <a:t>KnowledgeBase</a:t>
+          </a:r>
+          <a:r>
+            <a:rPr lang="de-DE" sz="1200" kern="1200" dirty="0" smtClean="0"/>
+            <a:t> hinzugefügt.</a:t>
+          </a:r>
+          <a:endParaRPr lang="de-DE" sz="1200" kern="1200" dirty="0"/>
+        </a:p>
+        <a:p>
+          <a:pPr marL="114300" lvl="1" indent="-114300" algn="l" defTabSz="533400">
             <a:lnSpc>
               <a:spcPct val="90000"/>
             </a:lnSpc>
@@ -11268,26 +13950,61 @@
             <a:buChar char="••"/>
           </a:pPr>
           <a:r>
-            <a:rPr lang="de-DE" sz="1100" kern="1200" dirty="0" smtClean="0"/>
-            <a:t>Es erfolgt nur ein Datenaustuch, wenn beide Seiten eine </a:t>
+            <a:rPr lang="de-DE" sz="1200" kern="1200" dirty="0" smtClean="0"/>
+            <a:t>Veraltete </a:t>
           </a:r>
           <a:r>
-            <a:rPr lang="de-DE" sz="1100" kern="1200" dirty="0" err="1" smtClean="0"/>
-            <a:t>SubSpace</a:t>
+            <a:rPr lang="de-DE" sz="1200" kern="1200" dirty="0" err="1" smtClean="0"/>
+            <a:t>ContextPoint</a:t>
           </a:r>
           <a:r>
-            <a:rPr lang="de-DE" sz="1100" kern="1200" dirty="0" smtClean="0"/>
-            <a:t> mit der gleichen Beschreibung besitzen. </a:t>
+            <a:rPr lang="de-DE" sz="1200" kern="1200" dirty="0" smtClean="0"/>
+            <a:t>  werden durch die aktuelleren ersetzt.</a:t>
           </a:r>
-          <a:endParaRPr lang="de-DE" sz="1100" kern="1200" dirty="0"/>
+          <a:endParaRPr lang="de-DE" sz="1200" kern="1200" dirty="0"/>
+        </a:p>
+        <a:p>
+          <a:pPr marL="114300" lvl="1" indent="-114300" algn="l" defTabSz="533400">
+            <a:lnSpc>
+              <a:spcPct val="90000"/>
+            </a:lnSpc>
+            <a:spcBef>
+              <a:spcPct val="0"/>
+            </a:spcBef>
+            <a:spcAft>
+              <a:spcPct val="15000"/>
+            </a:spcAft>
+            <a:buChar char="••"/>
+          </a:pPr>
+          <a:r>
+            <a:rPr lang="de-DE" sz="1200" kern="1200" dirty="0" smtClean="0"/>
+            <a:t>Gelöschte </a:t>
+          </a:r>
+          <a:r>
+            <a:rPr lang="de-DE" sz="1200" kern="1200" dirty="0" err="1" smtClean="0"/>
+            <a:t>ContextPoint</a:t>
+          </a:r>
+          <a:r>
+            <a:rPr lang="de-DE" sz="1200" kern="1200" dirty="0" smtClean="0"/>
+            <a:t> werden (vorerst) ignoriert. Hier kann ein </a:t>
+          </a:r>
+          <a:r>
+            <a:rPr lang="de-DE" sz="1200" kern="1200" dirty="0" err="1" smtClean="0"/>
+            <a:t>Flag</a:t>
+          </a:r>
+          <a:r>
+            <a:rPr lang="de-DE" sz="1200" kern="1200" dirty="0" smtClean="0"/>
+            <a:t> zum löschen oder unberührt lassen diskutiert werden. Weitere Prüfung nötig.</a:t>
+          </a:r>
+          <a:endParaRPr lang="de-DE" sz="1200" kern="1200" dirty="0"/>
         </a:p>
       </dsp:txBody>
       <dsp:txXfrm rot="5400000">
-        <a:off x="5160327" y="-942478"/>
+        <a:off x="5160327" y="-938574"/>
         <a:ext cx="871601" cy="5266944"/>
       </dsp:txXfrm>
     </dsp:sp>
-    <dsp:sp modelId="{09A0C233-283F-4B25-A499-7024BE67A1CE}">
+    <dsp:sp modelId="{3F58224D-C16A-4146-8E4F-BCCEF7FF872F}">
       <dsp:nvSpPr>
         <dsp:cNvPr id="0" name=""/>
         <dsp:cNvSpPr/>
@@ -11336,12 +14053,12 @@
         </a:fontRef>
       </dsp:style>
       <dsp:txBody>
-        <a:bodyPr spcFirstLastPara="0" vert="horz" wrap="square" lIns="95250" tIns="47625" rIns="95250" bIns="47625" numCol="1" spcCol="1270" anchor="ctr" anchorCtr="0">
+        <a:bodyPr spcFirstLastPara="0" vert="horz" wrap="square" lIns="68580" tIns="34290" rIns="68580" bIns="34290" numCol="1" spcCol="1270" anchor="ctr" anchorCtr="0">
           <a:noAutofit/>
         </a:bodyPr>
         <a:lstStyle/>
         <a:p>
-          <a:pPr lvl="0" algn="ctr" defTabSz="1111250">
+          <a:pPr lvl="0" algn="ctr" defTabSz="800100">
             <a:lnSpc>
               <a:spcPct val="90000"/>
             </a:lnSpc>
@@ -11353,10 +14070,10 @@
             </a:spcAft>
           </a:pPr>
           <a:r>
-            <a:rPr lang="de-DE" sz="2500" kern="1200" dirty="0" smtClean="0"/>
-            <a:t>Gezielter Datenaustausch</a:t>
+            <a:rPr lang="de-DE" sz="1800" kern="1200" dirty="0" smtClean="0"/>
+            <a:t>Änderungen an der lokalen Wissensbasis</a:t>
           </a:r>
-          <a:endParaRPr lang="de-DE" sz="2500" kern="1200" dirty="0"/>
+          <a:endParaRPr lang="de-DE" sz="1800" kern="1200" dirty="0"/>
         </a:p>
       </dsp:txBody>
       <dsp:txXfrm>
@@ -11364,7 +14081,7 @@
         <a:ext cx="2962656" cy="1089501"/>
       </dsp:txXfrm>
     </dsp:sp>
-    <dsp:sp modelId="{62388A82-25A9-4FE5-AD56-2FBAE1A213AB}">
+    <dsp:sp modelId="{87D9F5D9-852E-4419-94FF-3531CAE28CED}">
       <dsp:nvSpPr>
         <dsp:cNvPr id="0" name=""/>
         <dsp:cNvSpPr/>
@@ -11415,12 +14132,12 @@
         <a:fontRef idx="minor"/>
       </dsp:style>
       <dsp:txBody>
-        <a:bodyPr spcFirstLastPara="0" vert="horz" wrap="square" lIns="41910" tIns="20955" rIns="41910" bIns="20955" numCol="1" spcCol="1270" anchor="ctr" anchorCtr="0">
+        <a:bodyPr spcFirstLastPara="0" vert="horz" wrap="square" lIns="45720" tIns="22860" rIns="45720" bIns="22860" numCol="1" spcCol="1270" anchor="ctr" anchorCtr="0">
           <a:noAutofit/>
         </a:bodyPr>
         <a:lstStyle/>
         <a:p>
-          <a:pPr marL="57150" lvl="1" indent="-57150" algn="l" defTabSz="488950">
+          <a:pPr marL="114300" lvl="1" indent="-114300" algn="l" defTabSz="533400">
             <a:lnSpc>
               <a:spcPct val="90000"/>
             </a:lnSpc>
@@ -11433,17 +14150,21 @@
             <a:buChar char="••"/>
           </a:pPr>
           <a:r>
-            <a:rPr lang="de-DE" sz="1100" b="1" kern="1200" dirty="0" smtClean="0"/>
-            <a:t>None: </a:t>
+            <a:rPr lang="de-DE" sz="1200" kern="1200" dirty="0" smtClean="0"/>
+            <a:t>Es muss möglich sein Änderungen an einer </a:t>
           </a:r>
           <a:r>
-            <a:rPr lang="de-DE" sz="1100" b="0" kern="1200" dirty="0" smtClean="0"/>
-            <a:t> Es erfolgt keine Datenaustausch.  </a:t>
+            <a:rPr lang="de-DE" sz="1200" kern="1200" dirty="0" err="1" smtClean="0"/>
+            <a:t>SubSpace</a:t>
           </a:r>
-          <a:endParaRPr lang="de-DE" sz="1100" b="1" kern="1200" dirty="0"/>
-        </a:p>
-        <a:p>
-          <a:pPr marL="57150" lvl="1" indent="-57150" algn="l" defTabSz="488950">
+          <a:r>
+            <a:rPr lang="de-DE" sz="1200" kern="1200" dirty="0" smtClean="0"/>
+            <a:t> mitzuteilen. Zum Beispiel das hinzufügen oder entfernen von Mitgliedern.</a:t>
+          </a:r>
+          <a:endParaRPr lang="de-DE" sz="1200" kern="1200" dirty="0"/>
+        </a:p>
+        <a:p>
+          <a:pPr marL="114300" lvl="1" indent="-114300" algn="l" defTabSz="533400">
             <a:lnSpc>
               <a:spcPct val="90000"/>
             </a:lnSpc>
@@ -11456,84 +14177,26 @@
             <a:buChar char="••"/>
           </a:pPr>
           <a:r>
-            <a:rPr lang="de-DE" sz="1100" b="1" kern="1200" dirty="0" smtClean="0"/>
-            <a:t>In: </a:t>
+            <a:rPr lang="de-DE" sz="1200" kern="1200" dirty="0" smtClean="0"/>
+            <a:t>Hinweis: Das Ändern des Themas einer </a:t>
           </a:r>
           <a:r>
-            <a:rPr lang="de-DE" sz="1100" b="0" kern="1200" dirty="0" smtClean="0"/>
-            <a:t>Externe</a:t>
+            <a:rPr lang="de-DE" sz="1200" kern="1200" dirty="0" err="1" smtClean="0"/>
+            <a:t>SubSpace</a:t>
           </a:r>
           <a:r>
-            <a:rPr lang="de-DE" sz="1100" b="1" kern="1200" dirty="0" smtClean="0"/>
-            <a:t> </a:t>
+            <a:rPr lang="de-DE" sz="1200" kern="1200" dirty="0" smtClean="0"/>
+            <a:t> entsprecht dem löschen und anlegen einer neuen </a:t>
           </a:r>
           <a:r>
-            <a:rPr lang="de-DE" sz="1100" b="0" kern="1200" dirty="0" smtClean="0"/>
-            <a:t>Daten werden </a:t>
+            <a:rPr lang="de-DE" sz="1200" kern="1200" dirty="0" err="1" smtClean="0"/>
+            <a:t>SubSpace</a:t>
           </a:r>
           <a:r>
-            <a:rPr lang="de-DE" sz="1100" b="0" kern="1200" dirty="0" smtClean="0"/>
-            <a:t>akzeptiert</a:t>
+            <a:rPr lang="de-DE" sz="1200" kern="1200" dirty="0" smtClean="0"/>
+            <a:t>.</a:t>
           </a:r>
-          <a:r>
-            <a:rPr lang="de-DE" sz="1100" b="0" kern="1200" dirty="0" smtClean="0"/>
-            <a:t>, eigene Daten werden nicht versendet.</a:t>
-          </a:r>
-          <a:endParaRPr lang="de-DE" sz="1100" b="1" kern="1200" dirty="0"/>
-        </a:p>
-        <a:p>
-          <a:pPr marL="57150" lvl="1" indent="-57150" algn="l" defTabSz="488950">
-            <a:lnSpc>
-              <a:spcPct val="90000"/>
-            </a:lnSpc>
-            <a:spcBef>
-              <a:spcPct val="0"/>
-            </a:spcBef>
-            <a:spcAft>
-              <a:spcPct val="15000"/>
-            </a:spcAft>
-            <a:buChar char="••"/>
-          </a:pPr>
-          <a:r>
-            <a:rPr lang="de-DE" sz="1100" b="1" kern="1200" dirty="0" smtClean="0"/>
-            <a:t>Out:</a:t>
-          </a:r>
-          <a:r>
-            <a:rPr lang="de-DE" sz="1100" b="0" kern="1200" dirty="0" smtClean="0"/>
-            <a:t> Eigene Daten werden versendet, externe Daten werden verworfen.</a:t>
-          </a:r>
-          <a:endParaRPr lang="de-DE" sz="1100" b="1" kern="1200" dirty="0"/>
-        </a:p>
-        <a:p>
-          <a:pPr marL="57150" lvl="1" indent="-57150" algn="l" defTabSz="488950">
-            <a:lnSpc>
-              <a:spcPct val="90000"/>
-            </a:lnSpc>
-            <a:spcBef>
-              <a:spcPct val="0"/>
-            </a:spcBef>
-            <a:spcAft>
-              <a:spcPct val="15000"/>
-            </a:spcAft>
-            <a:buChar char="••"/>
-          </a:pPr>
-          <a:r>
-            <a:rPr lang="de-DE" sz="1100" b="1" kern="1200" dirty="0" err="1" smtClean="0"/>
-            <a:t>InOut</a:t>
-          </a:r>
-          <a:r>
-            <a:rPr lang="de-DE" sz="1100" b="1" kern="1200" dirty="0" smtClean="0"/>
-            <a:t>:</a:t>
-          </a:r>
-          <a:r>
-            <a:rPr lang="de-DE" sz="1100" b="0" kern="1200" dirty="0" smtClean="0"/>
-            <a:t> </a:t>
-          </a:r>
-          <a:r>
-            <a:rPr lang="de-DE" sz="1100" b="0" kern="1200" dirty="0" smtClean="0"/>
-            <a:t>Eigene Daten werden versendet, externe Daten werden akzeptiert.</a:t>
-          </a:r>
-          <a:endParaRPr lang="de-DE" sz="1100" b="1" kern="1200" dirty="0"/>
+          <a:endParaRPr lang="de-DE" sz="1200" kern="1200" dirty="0"/>
         </a:p>
       </dsp:txBody>
       <dsp:txXfrm rot="5400000">
@@ -11541,7 +14204,7 @@
         <a:ext cx="871601" cy="5266944"/>
       </dsp:txXfrm>
     </dsp:sp>
-    <dsp:sp modelId="{68929537-02E6-49E7-B06F-851B5BE8D104}">
+    <dsp:sp modelId="{91649E2D-7906-4036-9293-32CD53B92D82}">
       <dsp:nvSpPr>
         <dsp:cNvPr id="0" name=""/>
         <dsp:cNvSpPr/>
@@ -11590,12 +14253,12 @@
         </a:fontRef>
       </dsp:style>
       <dsp:txBody>
-        <a:bodyPr spcFirstLastPara="0" vert="horz" wrap="square" lIns="95250" tIns="47625" rIns="95250" bIns="47625" numCol="1" spcCol="1270" anchor="ctr" anchorCtr="0">
+        <a:bodyPr spcFirstLastPara="0" vert="horz" wrap="square" lIns="68580" tIns="34290" rIns="68580" bIns="34290" numCol="1" spcCol="1270" anchor="ctr" anchorCtr="0">
           <a:noAutofit/>
         </a:bodyPr>
         <a:lstStyle/>
         <a:p>
-          <a:pPr lvl="0" algn="ctr" defTabSz="1111250">
+          <a:pPr lvl="0" algn="ctr" defTabSz="800100">
             <a:lnSpc>
               <a:spcPct val="90000"/>
             </a:lnSpc>
@@ -11607,10 +14270,10 @@
             </a:spcAft>
           </a:pPr>
           <a:r>
-            <a:rPr lang="de-DE" sz="2500" kern="1200" dirty="0" smtClean="0"/>
-            <a:t>Art des Datenaustausches</a:t>
+            <a:rPr lang="de-DE" sz="1800" kern="1200" dirty="0" smtClean="0"/>
+            <a:t>Änderungen mitteilen</a:t>
           </a:r>
-          <a:endParaRPr lang="de-DE" sz="2500" kern="1200" dirty="0"/>
+          <a:endParaRPr lang="de-DE" sz="1800" kern="1200" dirty="0"/>
         </a:p>
       </dsp:txBody>
       <dsp:txXfrm>
@@ -11618,7 +14281,7 @@
         <a:ext cx="2962656" cy="1089501"/>
       </dsp:txXfrm>
     </dsp:sp>
-    <dsp:sp modelId="{3ED8F56D-E669-4536-A256-ADE1091A3C0B}">
+    <dsp:sp modelId="{32B28F05-D75C-4354-BC9F-9390B1E62418}">
       <dsp:nvSpPr>
         <dsp:cNvPr id="0" name=""/>
         <dsp:cNvSpPr/>
@@ -11669,12 +14332,12 @@
         <a:fontRef idx="minor"/>
       </dsp:style>
       <dsp:txBody>
-        <a:bodyPr spcFirstLastPara="0" vert="horz" wrap="square" lIns="41910" tIns="20955" rIns="41910" bIns="20955" numCol="1" spcCol="1270" anchor="ctr" anchorCtr="0">
+        <a:bodyPr spcFirstLastPara="0" vert="horz" wrap="square" lIns="45720" tIns="22860" rIns="45720" bIns="22860" numCol="1" spcCol="1270" anchor="ctr" anchorCtr="0">
           <a:noAutofit/>
         </a:bodyPr>
         <a:lstStyle/>
         <a:p>
-          <a:pPr marL="57150" lvl="1" indent="-57150" algn="l" defTabSz="488950">
+          <a:pPr marL="114300" lvl="1" indent="-114300" algn="l" defTabSz="533400">
             <a:lnSpc>
               <a:spcPct val="90000"/>
             </a:lnSpc>
@@ -11687,26 +14350,18 @@
             <a:buChar char="••"/>
           </a:pPr>
           <a:r>
-            <a:rPr lang="de-DE" sz="1100" b="0" kern="1200" dirty="0" smtClean="0"/>
-            <a:t>Der Kontext einer </a:t>
+            <a:rPr lang="de-DE" sz="1200" kern="1200" dirty="0" smtClean="0"/>
+            <a:t>Entwickler  sind für die Konfiguration der Art der Kommunikation selbst verantwortlich. Hierzu kann die Remote Peer und </a:t>
           </a:r>
           <a:r>
-            <a:rPr lang="de-DE" sz="1100" b="0" kern="1200" dirty="0" err="1" smtClean="0"/>
-            <a:t>SubSpace</a:t>
+            <a:rPr lang="de-DE" sz="1200" kern="1200" dirty="0" err="1" smtClean="0"/>
+            <a:t>Direction</a:t>
           </a:r>
           <a:r>
-            <a:rPr lang="de-DE" sz="1100" b="0" kern="1200" dirty="0" smtClean="0"/>
-            <a:t> kann an ein anderen Peer Versand werden. Sollte diese </a:t>
+            <a:rPr lang="de-DE" sz="1200" kern="1200" dirty="0" smtClean="0"/>
+            <a:t> Dimension des Kontextes manipuliert werden.</a:t>
           </a:r>
-          <a:r>
-            <a:rPr lang="de-DE" sz="1100" b="0" kern="1200" dirty="0" err="1" smtClean="0"/>
-            <a:t>SubSpace</a:t>
-          </a:r>
-          <a:r>
-            <a:rPr lang="de-DE" sz="1100" b="0" kern="1200" dirty="0" smtClean="0"/>
-            <a:t> dort nicht existieren, so wird sie angelegt.</a:t>
-          </a:r>
-          <a:endParaRPr lang="de-DE" sz="1100" b="0" kern="1200" dirty="0"/>
+          <a:endParaRPr lang="de-DE" sz="1200" kern="1200" dirty="0"/>
         </a:p>
       </dsp:txBody>
       <dsp:txXfrm rot="5400000">
@@ -11714,7 +14369,7 @@
         <a:ext cx="871601" cy="5266944"/>
       </dsp:txXfrm>
     </dsp:sp>
-    <dsp:sp modelId="{2B0C8D2D-C244-4BF4-AE4F-D702E51423B1}">
+    <dsp:sp modelId="{D711412E-5C50-4D6E-9328-C412FFF402A9}">
       <dsp:nvSpPr>
         <dsp:cNvPr id="0" name=""/>
         <dsp:cNvSpPr/>
@@ -11763,12 +14418,12 @@
         </a:fontRef>
       </dsp:style>
       <dsp:txBody>
-        <a:bodyPr spcFirstLastPara="0" vert="horz" wrap="square" lIns="95250" tIns="47625" rIns="95250" bIns="47625" numCol="1" spcCol="1270" anchor="ctr" anchorCtr="0">
+        <a:bodyPr spcFirstLastPara="0" vert="horz" wrap="square" lIns="68580" tIns="34290" rIns="68580" bIns="34290" numCol="1" spcCol="1270" anchor="ctr" anchorCtr="0">
           <a:noAutofit/>
         </a:bodyPr>
         <a:lstStyle/>
         <a:p>
-          <a:pPr lvl="0" algn="ctr" defTabSz="1111250">
+          <a:pPr lvl="0" algn="ctr" defTabSz="800100">
             <a:lnSpc>
               <a:spcPct val="90000"/>
             </a:lnSpc>
@@ -11780,18 +14435,10 @@
             </a:spcAft>
           </a:pPr>
           <a:r>
-            <a:rPr lang="de-DE" sz="2500" b="0" kern="1200" dirty="0" smtClean="0"/>
-            <a:t>Versenden von </a:t>
+            <a:rPr lang="de-DE" sz="1800" kern="1200" dirty="0" smtClean="0"/>
+            <a:t>Entwickler sind für das Kommunikationsverhalten verantwortlich</a:t>
           </a:r>
-          <a:r>
-            <a:rPr lang="de-DE" sz="2500" b="0" kern="1200" dirty="0" err="1" smtClean="0"/>
-            <a:t>SubSpace</a:t>
-          </a:r>
-          <a:r>
-            <a:rPr lang="de-DE" sz="2500" b="0" kern="1200" dirty="0" smtClean="0"/>
-            <a:t> Kontexten</a:t>
-          </a:r>
-          <a:endParaRPr lang="de-DE" sz="2500" b="0" kern="1200" dirty="0"/>
+          <a:endParaRPr lang="de-DE" sz="1800" kern="1200" dirty="0"/>
         </a:p>
       </dsp:txBody>
       <dsp:txXfrm>
@@ -11803,7 +14450,7 @@
 </dsp:drawing>
 </file>
 
-<file path=ppt/diagrams/drawing3.xml><?xml version="1.0" encoding="utf-8"?>
+<file path=ppt/diagrams/drawing4.xml><?xml version="1.0" encoding="utf-8"?>
 <dsp:drawing xmlns:dgm="http://schemas.openxmlformats.org/drawingml/2006/diagram" xmlns:a="http://schemas.openxmlformats.org/drawingml/2006/main" xmlns:dsp="http://schemas.microsoft.com/office/drawing/2008/diagram">
   <dsp:spTree>
     <dsp:nvGrpSpPr>
@@ -11811,46 +14458,39 @@
       <dsp:cNvGrpSpPr/>
     </dsp:nvGrpSpPr>
     <dsp:grpSpPr/>
-    <dsp:sp modelId="{C9A02232-17ED-4E58-867E-E602F24C6574}">
+    <dsp:sp modelId="{CDA94C81-C000-47D0-9299-7BC37B2B8DF6}">
       <dsp:nvSpPr>
         <dsp:cNvPr id="0" name=""/>
         <dsp:cNvSpPr/>
       </dsp:nvSpPr>
       <dsp:spPr>
-        <a:xfrm rot="5400000">
-          <a:off x="5012703" y="-1901980"/>
-          <a:ext cx="1166849" cy="5266944"/>
+        <a:xfrm>
+          <a:off x="372784" y="696409"/>
+          <a:ext cx="3293031" cy="3293031"/>
         </a:xfrm>
-        <a:prstGeom prst="round2SameRect">
-          <a:avLst/>
+        <a:prstGeom prst="blockArc">
+          <a:avLst>
+            <a:gd name="adj1" fmla="val 13114286"/>
+            <a:gd name="adj2" fmla="val 16200000"/>
+            <a:gd name="adj3" fmla="val 3887"/>
+          </a:avLst>
         </a:prstGeom>
         <a:solidFill>
           <a:schemeClr val="accent1">
-            <a:alpha val="90000"/>
-            <a:tint val="40000"/>
+            <a:tint val="60000"/>
             <a:hueOff val="0"/>
             <a:satOff val="0"/>
             <a:lumOff val="0"/>
             <a:alphaOff val="0"/>
           </a:schemeClr>
         </a:solidFill>
-        <a:ln w="25400" cap="flat" cmpd="sng" algn="ctr">
-          <a:solidFill>
-            <a:schemeClr val="accent1">
-              <a:alpha val="90000"/>
-              <a:tint val="40000"/>
-              <a:hueOff val="0"/>
-              <a:satOff val="0"/>
-              <a:lumOff val="0"/>
-              <a:alphaOff val="0"/>
-            </a:schemeClr>
-          </a:solidFill>
-          <a:prstDash val="solid"/>
+        <a:ln>
+          <a:noFill/>
         </a:ln>
         <a:effectLst/>
       </dsp:spPr>
       <dsp:style>
-        <a:lnRef idx="2">
+        <a:lnRef idx="0">
           <a:scrgbClr r="0" g="0" b="0"/>
         </a:lnRef>
         <a:fillRef idx="1">
@@ -11859,69 +14499,298 @@
         <a:effectRef idx="0">
           <a:scrgbClr r="0" g="0" b="0"/>
         </a:effectRef>
-        <a:fontRef idx="minor"/>
+        <a:fontRef idx="minor">
+          <a:schemeClr val="lt1"/>
+        </a:fontRef>
       </dsp:style>
-      <dsp:txBody>
-        <a:bodyPr spcFirstLastPara="0" vert="horz" wrap="square" lIns="76200" tIns="38100" rIns="76200" bIns="38100" numCol="1" spcCol="1270" anchor="ctr" anchorCtr="0">
-          <a:noAutofit/>
-        </a:bodyPr>
-        <a:lstStyle/>
-        <a:p>
-          <a:pPr marL="228600" lvl="1" indent="-228600" algn="l" defTabSz="889000">
-            <a:lnSpc>
-              <a:spcPct val="90000"/>
-            </a:lnSpc>
-            <a:spcBef>
-              <a:spcPct val="0"/>
-            </a:spcBef>
-            <a:spcAft>
-              <a:spcPct val="15000"/>
-            </a:spcAft>
-            <a:buChar char="••"/>
-          </a:pPr>
-          <a:r>
-            <a:rPr lang="de-DE" sz="2000" kern="1200" dirty="0" smtClean="0"/>
-            <a:t>Die Teile einer </a:t>
-          </a:r>
-          <a:r>
-            <a:rPr lang="de-DE" sz="2000" kern="1200" dirty="0" err="1" smtClean="0"/>
-            <a:t>SubSpace</a:t>
-          </a:r>
-          <a:r>
-            <a:rPr lang="de-DE" sz="2000" kern="1200" dirty="0" smtClean="0"/>
-            <a:t> (Base, Kontext, Thema) müssen persistierbar sein, sodass die </a:t>
-          </a:r>
-          <a:r>
-            <a:rPr lang="de-DE" sz="2000" kern="1200" err="1" smtClean="0"/>
-            <a:t>SubSpace</a:t>
-          </a:r>
-          <a:r>
-            <a:rPr lang="de-DE" sz="2000" kern="1200" smtClean="0"/>
-            <a:t> wiederhersgestellt </a:t>
-          </a:r>
-          <a:r>
-            <a:rPr lang="de-DE" sz="2000" kern="1200" dirty="0" smtClean="0"/>
-            <a:t>werden kann.</a:t>
-          </a:r>
-          <a:endParaRPr lang="de-DE" sz="2000" kern="1200" dirty="0"/>
-        </a:p>
-      </dsp:txBody>
-      <dsp:txXfrm rot="5400000">
-        <a:off x="5012703" y="-1901980"/>
-        <a:ext cx="1166849" cy="5266944"/>
-      </dsp:txXfrm>
     </dsp:sp>
-    <dsp:sp modelId="{E8337213-36D2-4D42-AB27-8E2EF6AD57E2}">
+    <dsp:sp modelId="{7DB71D1F-48E1-446A-B909-98D53E0CDBCD}">
       <dsp:nvSpPr>
         <dsp:cNvPr id="0" name=""/>
         <dsp:cNvSpPr/>
       </dsp:nvSpPr>
       <dsp:spPr>
         <a:xfrm>
-          <a:off x="0" y="2209"/>
-          <a:ext cx="2962656" cy="1458562"/>
+          <a:off x="372784" y="696409"/>
+          <a:ext cx="3293031" cy="3293031"/>
         </a:xfrm>
-        <a:prstGeom prst="roundRect">
+        <a:prstGeom prst="blockArc">
+          <a:avLst>
+            <a:gd name="adj1" fmla="val 10028571"/>
+            <a:gd name="adj2" fmla="val 13114286"/>
+            <a:gd name="adj3" fmla="val 3887"/>
+          </a:avLst>
+        </a:prstGeom>
+        <a:solidFill>
+          <a:schemeClr val="accent1">
+            <a:tint val="60000"/>
+            <a:hueOff val="0"/>
+            <a:satOff val="0"/>
+            <a:lumOff val="0"/>
+            <a:alphaOff val="0"/>
+          </a:schemeClr>
+        </a:solidFill>
+        <a:ln>
+          <a:noFill/>
+        </a:ln>
+        <a:effectLst/>
+      </dsp:spPr>
+      <dsp:style>
+        <a:lnRef idx="0">
+          <a:scrgbClr r="0" g="0" b="0"/>
+        </a:lnRef>
+        <a:fillRef idx="1">
+          <a:scrgbClr r="0" g="0" b="0"/>
+        </a:fillRef>
+        <a:effectRef idx="0">
+          <a:scrgbClr r="0" g="0" b="0"/>
+        </a:effectRef>
+        <a:fontRef idx="minor">
+          <a:schemeClr val="lt1"/>
+        </a:fontRef>
+      </dsp:style>
+    </dsp:sp>
+    <dsp:sp modelId="{B6114DE1-B80B-4E1C-8CEE-333AD184E289}">
+      <dsp:nvSpPr>
+        <dsp:cNvPr id="0" name=""/>
+        <dsp:cNvSpPr/>
+      </dsp:nvSpPr>
+      <dsp:spPr>
+        <a:xfrm>
+          <a:off x="372784" y="696409"/>
+          <a:ext cx="3293031" cy="3293031"/>
+        </a:xfrm>
+        <a:prstGeom prst="blockArc">
+          <a:avLst>
+            <a:gd name="adj1" fmla="val 6942857"/>
+            <a:gd name="adj2" fmla="val 10028571"/>
+            <a:gd name="adj3" fmla="val 3887"/>
+          </a:avLst>
+        </a:prstGeom>
+        <a:solidFill>
+          <a:schemeClr val="accent1">
+            <a:tint val="60000"/>
+            <a:hueOff val="0"/>
+            <a:satOff val="0"/>
+            <a:lumOff val="0"/>
+            <a:alphaOff val="0"/>
+          </a:schemeClr>
+        </a:solidFill>
+        <a:ln>
+          <a:noFill/>
+        </a:ln>
+        <a:effectLst/>
+      </dsp:spPr>
+      <dsp:style>
+        <a:lnRef idx="0">
+          <a:scrgbClr r="0" g="0" b="0"/>
+        </a:lnRef>
+        <a:fillRef idx="1">
+          <a:scrgbClr r="0" g="0" b="0"/>
+        </a:fillRef>
+        <a:effectRef idx="0">
+          <a:scrgbClr r="0" g="0" b="0"/>
+        </a:effectRef>
+        <a:fontRef idx="minor">
+          <a:schemeClr val="lt1"/>
+        </a:fontRef>
+      </dsp:style>
+    </dsp:sp>
+    <dsp:sp modelId="{4AB3A6FF-3CD4-480F-A9C5-2529C6F42DA3}">
+      <dsp:nvSpPr>
+        <dsp:cNvPr id="0" name=""/>
+        <dsp:cNvSpPr/>
+      </dsp:nvSpPr>
+      <dsp:spPr>
+        <a:xfrm>
+          <a:off x="372784" y="696409"/>
+          <a:ext cx="3293031" cy="3293031"/>
+        </a:xfrm>
+        <a:prstGeom prst="blockArc">
+          <a:avLst>
+            <a:gd name="adj1" fmla="val 3857143"/>
+            <a:gd name="adj2" fmla="val 6942857"/>
+            <a:gd name="adj3" fmla="val 3887"/>
+          </a:avLst>
+        </a:prstGeom>
+        <a:solidFill>
+          <a:schemeClr val="accent1">
+            <a:tint val="60000"/>
+            <a:hueOff val="0"/>
+            <a:satOff val="0"/>
+            <a:lumOff val="0"/>
+            <a:alphaOff val="0"/>
+          </a:schemeClr>
+        </a:solidFill>
+        <a:ln>
+          <a:noFill/>
+        </a:ln>
+        <a:effectLst/>
+      </dsp:spPr>
+      <dsp:style>
+        <a:lnRef idx="0">
+          <a:scrgbClr r="0" g="0" b="0"/>
+        </a:lnRef>
+        <a:fillRef idx="1">
+          <a:scrgbClr r="0" g="0" b="0"/>
+        </a:fillRef>
+        <a:effectRef idx="0">
+          <a:scrgbClr r="0" g="0" b="0"/>
+        </a:effectRef>
+        <a:fontRef idx="minor">
+          <a:schemeClr val="lt1"/>
+        </a:fontRef>
+      </dsp:style>
+    </dsp:sp>
+    <dsp:sp modelId="{DFB401B8-DDCF-43AB-9E68-3F44047805B1}">
+      <dsp:nvSpPr>
+        <dsp:cNvPr id="0" name=""/>
+        <dsp:cNvSpPr/>
+      </dsp:nvSpPr>
+      <dsp:spPr>
+        <a:xfrm>
+          <a:off x="372784" y="696409"/>
+          <a:ext cx="3293031" cy="3293031"/>
+        </a:xfrm>
+        <a:prstGeom prst="blockArc">
+          <a:avLst>
+            <a:gd name="adj1" fmla="val 771429"/>
+            <a:gd name="adj2" fmla="val 3857143"/>
+            <a:gd name="adj3" fmla="val 3887"/>
+          </a:avLst>
+        </a:prstGeom>
+        <a:solidFill>
+          <a:schemeClr val="accent1">
+            <a:tint val="60000"/>
+            <a:hueOff val="0"/>
+            <a:satOff val="0"/>
+            <a:lumOff val="0"/>
+            <a:alphaOff val="0"/>
+          </a:schemeClr>
+        </a:solidFill>
+        <a:ln>
+          <a:noFill/>
+        </a:ln>
+        <a:effectLst/>
+      </dsp:spPr>
+      <dsp:style>
+        <a:lnRef idx="0">
+          <a:scrgbClr r="0" g="0" b="0"/>
+        </a:lnRef>
+        <a:fillRef idx="1">
+          <a:scrgbClr r="0" g="0" b="0"/>
+        </a:fillRef>
+        <a:effectRef idx="0">
+          <a:scrgbClr r="0" g="0" b="0"/>
+        </a:effectRef>
+        <a:fontRef idx="minor">
+          <a:schemeClr val="lt1"/>
+        </a:fontRef>
+      </dsp:style>
+    </dsp:sp>
+    <dsp:sp modelId="{7CD751AD-9D55-4251-B166-55439E031138}">
+      <dsp:nvSpPr>
+        <dsp:cNvPr id="0" name=""/>
+        <dsp:cNvSpPr/>
+      </dsp:nvSpPr>
+      <dsp:spPr>
+        <a:xfrm>
+          <a:off x="372784" y="696409"/>
+          <a:ext cx="3293031" cy="3293031"/>
+        </a:xfrm>
+        <a:prstGeom prst="blockArc">
+          <a:avLst>
+            <a:gd name="adj1" fmla="val 19285714"/>
+            <a:gd name="adj2" fmla="val 771429"/>
+            <a:gd name="adj3" fmla="val 3887"/>
+          </a:avLst>
+        </a:prstGeom>
+        <a:solidFill>
+          <a:schemeClr val="accent1">
+            <a:tint val="60000"/>
+            <a:hueOff val="0"/>
+            <a:satOff val="0"/>
+            <a:lumOff val="0"/>
+            <a:alphaOff val="0"/>
+          </a:schemeClr>
+        </a:solidFill>
+        <a:ln>
+          <a:noFill/>
+        </a:ln>
+        <a:effectLst/>
+      </dsp:spPr>
+      <dsp:style>
+        <a:lnRef idx="0">
+          <a:scrgbClr r="0" g="0" b="0"/>
+        </a:lnRef>
+        <a:fillRef idx="1">
+          <a:scrgbClr r="0" g="0" b="0"/>
+        </a:fillRef>
+        <a:effectRef idx="0">
+          <a:scrgbClr r="0" g="0" b="0"/>
+        </a:effectRef>
+        <a:fontRef idx="minor">
+          <a:schemeClr val="lt1"/>
+        </a:fontRef>
+      </dsp:style>
+    </dsp:sp>
+    <dsp:sp modelId="{A29F3CEB-48C1-4779-90F0-A060B807C94C}">
+      <dsp:nvSpPr>
+        <dsp:cNvPr id="0" name=""/>
+        <dsp:cNvSpPr/>
+      </dsp:nvSpPr>
+      <dsp:spPr>
+        <a:xfrm>
+          <a:off x="372784" y="696409"/>
+          <a:ext cx="3293031" cy="3293031"/>
+        </a:xfrm>
+        <a:prstGeom prst="blockArc">
+          <a:avLst>
+            <a:gd name="adj1" fmla="val 16200000"/>
+            <a:gd name="adj2" fmla="val 19285714"/>
+            <a:gd name="adj3" fmla="val 3887"/>
+          </a:avLst>
+        </a:prstGeom>
+        <a:solidFill>
+          <a:schemeClr val="accent1">
+            <a:tint val="60000"/>
+            <a:hueOff val="0"/>
+            <a:satOff val="0"/>
+            <a:lumOff val="0"/>
+            <a:alphaOff val="0"/>
+          </a:schemeClr>
+        </a:solidFill>
+        <a:ln>
+          <a:noFill/>
+        </a:ln>
+        <a:effectLst/>
+      </dsp:spPr>
+      <dsp:style>
+        <a:lnRef idx="0">
+          <a:scrgbClr r="0" g="0" b="0"/>
+        </a:lnRef>
+        <a:fillRef idx="1">
+          <a:scrgbClr r="0" g="0" b="0"/>
+        </a:fillRef>
+        <a:effectRef idx="0">
+          <a:scrgbClr r="0" g="0" b="0"/>
+        </a:effectRef>
+        <a:fontRef idx="minor">
+          <a:schemeClr val="lt1"/>
+        </a:fontRef>
+      </dsp:style>
+    </dsp:sp>
+    <dsp:sp modelId="{5C3A1BB4-37EC-400B-B1E1-B1DE824681EE}">
+      <dsp:nvSpPr>
+        <dsp:cNvPr id="0" name=""/>
+        <dsp:cNvSpPr/>
+      </dsp:nvSpPr>
+      <dsp:spPr>
+        <a:xfrm>
+          <a:off x="1384324" y="1707949"/>
+          <a:ext cx="1269950" cy="1269950"/>
+        </a:xfrm>
+        <a:prstGeom prst="ellipse">
           <a:avLst/>
         </a:prstGeom>
         <a:solidFill>
@@ -11960,12 +14829,12 @@
         </a:fontRef>
       </dsp:style>
       <dsp:txBody>
-        <a:bodyPr spcFirstLastPara="0" vert="horz" wrap="square" lIns="163830" tIns="81915" rIns="163830" bIns="81915" numCol="1" spcCol="1270" anchor="ctr" anchorCtr="0">
+        <a:bodyPr spcFirstLastPara="0" vert="horz" wrap="square" lIns="26670" tIns="26670" rIns="26670" bIns="26670" numCol="1" spcCol="1270" anchor="ctr" anchorCtr="0">
           <a:noAutofit/>
         </a:bodyPr>
         <a:lstStyle/>
         <a:p>
-          <a:pPr lvl="0" algn="ctr" defTabSz="1911350">
+          <a:pPr lvl="0" algn="ctr" defTabSz="933450">
             <a:lnSpc>
               <a:spcPct val="90000"/>
             </a:lnSpc>
@@ -11977,119 +14846,28 @@
             </a:spcAft>
           </a:pPr>
           <a:r>
-            <a:rPr lang="de-DE" sz="4300" b="0" i="0" kern="1200" dirty="0" smtClean="0"/>
-            <a:t>Persistenz </a:t>
+            <a:rPr lang="de-DE" sz="2100" kern="1200" dirty="0" smtClean="0"/>
+            <a:t>Kontext</a:t>
           </a:r>
-          <a:endParaRPr lang="de-DE" sz="4300" kern="1200" dirty="0"/>
+          <a:endParaRPr lang="de-DE" sz="2100" kern="1200" dirty="0"/>
         </a:p>
       </dsp:txBody>
       <dsp:txXfrm>
-        <a:off x="0" y="2209"/>
-        <a:ext cx="2962656" cy="1458562"/>
+        <a:off x="1384324" y="1707949"/>
+        <a:ext cx="1269950" cy="1269950"/>
       </dsp:txXfrm>
     </dsp:sp>
-    <dsp:sp modelId="{4114AA1A-BE2A-498E-B405-7409ECF76B68}">
-      <dsp:nvSpPr>
-        <dsp:cNvPr id="0" name=""/>
-        <dsp:cNvSpPr/>
-      </dsp:nvSpPr>
-      <dsp:spPr>
-        <a:xfrm rot="5400000">
-          <a:off x="5012703" y="-370490"/>
-          <a:ext cx="1166849" cy="5266944"/>
-        </a:xfrm>
-        <a:prstGeom prst="round2SameRect">
-          <a:avLst/>
-        </a:prstGeom>
-        <a:solidFill>
-          <a:schemeClr val="accent1">
-            <a:alpha val="90000"/>
-            <a:tint val="40000"/>
-            <a:hueOff val="0"/>
-            <a:satOff val="0"/>
-            <a:lumOff val="0"/>
-            <a:alphaOff val="0"/>
-          </a:schemeClr>
-        </a:solidFill>
-        <a:ln w="25400" cap="flat" cmpd="sng" algn="ctr">
-          <a:solidFill>
-            <a:schemeClr val="accent1">
-              <a:alpha val="90000"/>
-              <a:tint val="40000"/>
-              <a:hueOff val="0"/>
-              <a:satOff val="0"/>
-              <a:lumOff val="0"/>
-              <a:alphaOff val="0"/>
-            </a:schemeClr>
-          </a:solidFill>
-          <a:prstDash val="solid"/>
-        </a:ln>
-        <a:effectLst/>
-      </dsp:spPr>
-      <dsp:style>
-        <a:lnRef idx="2">
-          <a:scrgbClr r="0" g="0" b="0"/>
-        </a:lnRef>
-        <a:fillRef idx="1">
-          <a:scrgbClr r="0" g="0" b="0"/>
-        </a:fillRef>
-        <a:effectRef idx="0">
-          <a:scrgbClr r="0" g="0" b="0"/>
-        </a:effectRef>
-        <a:fontRef idx="minor"/>
-      </dsp:style>
-      <dsp:txBody>
-        <a:bodyPr spcFirstLastPara="0" vert="horz" wrap="square" lIns="76200" tIns="38100" rIns="76200" bIns="38100" numCol="1" spcCol="1270" anchor="ctr" anchorCtr="0">
-          <a:noAutofit/>
-        </a:bodyPr>
-        <a:lstStyle/>
-        <a:p>
-          <a:pPr marL="228600" lvl="1" indent="-228600" algn="l" defTabSz="889000">
-            <a:lnSpc>
-              <a:spcPct val="90000"/>
-            </a:lnSpc>
-            <a:spcBef>
-              <a:spcPct val="0"/>
-            </a:spcBef>
-            <a:spcAft>
-              <a:spcPct val="15000"/>
-            </a:spcAft>
-            <a:buChar char="••"/>
-          </a:pPr>
-          <a:endParaRPr lang="de-DE" sz="2000" kern="1200" dirty="0"/>
-        </a:p>
-        <a:p>
-          <a:pPr marL="228600" lvl="1" indent="-228600" algn="l" defTabSz="889000">
-            <a:lnSpc>
-              <a:spcPct val="90000"/>
-            </a:lnSpc>
-            <a:spcBef>
-              <a:spcPct val="0"/>
-            </a:spcBef>
-            <a:spcAft>
-              <a:spcPct val="15000"/>
-            </a:spcAft>
-            <a:buChar char="••"/>
-          </a:pPr>
-          <a:endParaRPr lang="de-DE" sz="2000" kern="1200" dirty="0"/>
-        </a:p>
-      </dsp:txBody>
-      <dsp:txXfrm rot="5400000">
-        <a:off x="5012703" y="-370490"/>
-        <a:ext cx="1166849" cy="5266944"/>
-      </dsp:txXfrm>
-    </dsp:sp>
-    <dsp:sp modelId="{3F58224D-C16A-4146-8E4F-BCCEF7FF872F}">
+    <dsp:sp modelId="{D7D8C3F4-5433-423D-A299-A2516399C3C6}">
       <dsp:nvSpPr>
         <dsp:cNvPr id="0" name=""/>
         <dsp:cNvSpPr/>
       </dsp:nvSpPr>
       <dsp:spPr>
         <a:xfrm>
-          <a:off x="0" y="1533700"/>
-          <a:ext cx="2962656" cy="1458562"/>
+          <a:off x="1574817" y="283929"/>
+          <a:ext cx="888965" cy="888965"/>
         </a:xfrm>
-        <a:prstGeom prst="roundRect">
+        <a:prstGeom prst="ellipse">
           <a:avLst/>
         </a:prstGeom>
         <a:solidFill>
@@ -12128,12 +14906,12 @@
         </a:fontRef>
       </dsp:style>
       <dsp:txBody>
-        <a:bodyPr spcFirstLastPara="0" vert="horz" wrap="square" lIns="163830" tIns="81915" rIns="163830" bIns="81915" numCol="1" spcCol="1270" anchor="ctr" anchorCtr="0">
+        <a:bodyPr spcFirstLastPara="0" vert="horz" wrap="square" lIns="13970" tIns="13970" rIns="13970" bIns="13970" numCol="1" spcCol="1270" anchor="ctr" anchorCtr="0">
           <a:noAutofit/>
         </a:bodyPr>
         <a:lstStyle/>
         <a:p>
-          <a:pPr lvl="0" algn="ctr" defTabSz="1911350">
+          <a:pPr lvl="0" algn="ctr" defTabSz="488950">
             <a:lnSpc>
               <a:spcPct val="90000"/>
             </a:lnSpc>
@@ -12144,116 +14922,29 @@
               <a:spcPct val="35000"/>
             </a:spcAft>
           </a:pPr>
-          <a:endParaRPr lang="de-DE" sz="4300" kern="1200" dirty="0"/>
+          <a:r>
+            <a:rPr lang="de-DE" sz="1100" kern="1200" dirty="0" smtClean="0"/>
+            <a:t>Topic</a:t>
+          </a:r>
+          <a:endParaRPr lang="de-DE" sz="1100" kern="1200" dirty="0" smtClean="0"/>
         </a:p>
       </dsp:txBody>
       <dsp:txXfrm>
-        <a:off x="0" y="1533700"/>
-        <a:ext cx="2962656" cy="1458562"/>
+        <a:off x="1574817" y="283929"/>
+        <a:ext cx="888965" cy="888965"/>
       </dsp:txXfrm>
     </dsp:sp>
-    <dsp:sp modelId="{87D9F5D9-852E-4419-94FF-3531CAE28CED}">
-      <dsp:nvSpPr>
-        <dsp:cNvPr id="0" name=""/>
-        <dsp:cNvSpPr/>
-      </dsp:nvSpPr>
-      <dsp:spPr>
-        <a:xfrm rot="5400000">
-          <a:off x="5012703" y="1160999"/>
-          <a:ext cx="1166849" cy="5266944"/>
-        </a:xfrm>
-        <a:prstGeom prst="round2SameRect">
-          <a:avLst/>
-        </a:prstGeom>
-        <a:solidFill>
-          <a:schemeClr val="accent1">
-            <a:alpha val="90000"/>
-            <a:tint val="40000"/>
-            <a:hueOff val="0"/>
-            <a:satOff val="0"/>
-            <a:lumOff val="0"/>
-            <a:alphaOff val="0"/>
-          </a:schemeClr>
-        </a:solidFill>
-        <a:ln w="25400" cap="flat" cmpd="sng" algn="ctr">
-          <a:solidFill>
-            <a:schemeClr val="accent1">
-              <a:alpha val="90000"/>
-              <a:tint val="40000"/>
-              <a:hueOff val="0"/>
-              <a:satOff val="0"/>
-              <a:lumOff val="0"/>
-              <a:alphaOff val="0"/>
-            </a:schemeClr>
-          </a:solidFill>
-          <a:prstDash val="solid"/>
-        </a:ln>
-        <a:effectLst/>
-      </dsp:spPr>
-      <dsp:style>
-        <a:lnRef idx="2">
-          <a:scrgbClr r="0" g="0" b="0"/>
-        </a:lnRef>
-        <a:fillRef idx="1">
-          <a:scrgbClr r="0" g="0" b="0"/>
-        </a:fillRef>
-        <a:effectRef idx="0">
-          <a:scrgbClr r="0" g="0" b="0"/>
-        </a:effectRef>
-        <a:fontRef idx="minor"/>
-      </dsp:style>
-      <dsp:txBody>
-        <a:bodyPr spcFirstLastPara="0" vert="horz" wrap="square" lIns="76200" tIns="38100" rIns="76200" bIns="38100" numCol="1" spcCol="1270" anchor="ctr" anchorCtr="0">
-          <a:noAutofit/>
-        </a:bodyPr>
-        <a:lstStyle/>
-        <a:p>
-          <a:pPr marL="228600" lvl="1" indent="-228600" algn="l" defTabSz="889000">
-            <a:lnSpc>
-              <a:spcPct val="90000"/>
-            </a:lnSpc>
-            <a:spcBef>
-              <a:spcPct val="0"/>
-            </a:spcBef>
-            <a:spcAft>
-              <a:spcPct val="15000"/>
-            </a:spcAft>
-            <a:buChar char="••"/>
-          </a:pPr>
-          <a:endParaRPr lang="de-DE" sz="2000" kern="1200" dirty="0"/>
-        </a:p>
-        <a:p>
-          <a:pPr marL="228600" lvl="1" indent="-228600" algn="l" defTabSz="889000">
-            <a:lnSpc>
-              <a:spcPct val="90000"/>
-            </a:lnSpc>
-            <a:spcBef>
-              <a:spcPct val="0"/>
-            </a:spcBef>
-            <a:spcAft>
-              <a:spcPct val="15000"/>
-            </a:spcAft>
-            <a:buChar char="••"/>
-          </a:pPr>
-          <a:endParaRPr lang="de-DE" sz="2000" kern="1200" dirty="0"/>
-        </a:p>
-      </dsp:txBody>
-      <dsp:txXfrm rot="5400000">
-        <a:off x="5012703" y="1160999"/>
-        <a:ext cx="1166849" cy="5266944"/>
-      </dsp:txXfrm>
-    </dsp:sp>
-    <dsp:sp modelId="{91649E2D-7906-4036-9293-32CD53B92D82}">
+    <dsp:sp modelId="{9236C6F4-3B33-45ED-8843-8FE284A4B412}">
       <dsp:nvSpPr>
         <dsp:cNvPr id="0" name=""/>
         <dsp:cNvSpPr/>
       </dsp:nvSpPr>
       <dsp:spPr>
         <a:xfrm>
-          <a:off x="0" y="3065190"/>
-          <a:ext cx="2962656" cy="1458562"/>
+          <a:off x="2837094" y="891810"/>
+          <a:ext cx="888965" cy="888965"/>
         </a:xfrm>
-        <a:prstGeom prst="roundRect">
+        <a:prstGeom prst="ellipse">
           <a:avLst/>
         </a:prstGeom>
         <a:solidFill>
@@ -12292,12 +14983,12 @@
         </a:fontRef>
       </dsp:style>
       <dsp:txBody>
-        <a:bodyPr spcFirstLastPara="0" vert="horz" wrap="square" lIns="163830" tIns="81915" rIns="163830" bIns="81915" numCol="1" spcCol="1270" anchor="ctr" anchorCtr="0">
+        <a:bodyPr spcFirstLastPara="0" vert="horz" wrap="square" lIns="13970" tIns="13970" rIns="13970" bIns="13970" numCol="1" spcCol="1270" anchor="ctr" anchorCtr="0">
           <a:noAutofit/>
         </a:bodyPr>
         <a:lstStyle/>
         <a:p>
-          <a:pPr lvl="0" algn="ctr" defTabSz="1911350">
+          <a:pPr lvl="0" algn="ctr" defTabSz="488950">
             <a:lnSpc>
               <a:spcPct val="90000"/>
             </a:lnSpc>
@@ -12308,19 +14999,407 @@
               <a:spcPct val="35000"/>
             </a:spcAft>
           </a:pPr>
-          <a:endParaRPr lang="de-DE" sz="4300" kern="1200" dirty="0"/>
+          <a:r>
+            <a:rPr lang="de-DE" sz="1100" kern="1200" smtClean="0"/>
+            <a:t>Originator</a:t>
+          </a:r>
+          <a:endParaRPr lang="de-DE" sz="1100" kern="1200" dirty="0" smtClean="0"/>
         </a:p>
       </dsp:txBody>
       <dsp:txXfrm>
-        <a:off x="0" y="3065190"/>
-        <a:ext cx="2962656" cy="1458562"/>
+        <a:off x="2837094" y="891810"/>
+        <a:ext cx="888965" cy="888965"/>
+      </dsp:txXfrm>
+    </dsp:sp>
+    <dsp:sp modelId="{E797E149-0758-4FB8-B3BC-6FEC26E52512}">
+      <dsp:nvSpPr>
+        <dsp:cNvPr id="0" name=""/>
+        <dsp:cNvSpPr/>
+      </dsp:nvSpPr>
+      <dsp:spPr>
+        <a:xfrm>
+          <a:off x="3148850" y="2257705"/>
+          <a:ext cx="888965" cy="888965"/>
+        </a:xfrm>
+        <a:prstGeom prst="ellipse">
+          <a:avLst/>
+        </a:prstGeom>
+        <a:solidFill>
+          <a:schemeClr val="accent1">
+            <a:hueOff val="0"/>
+            <a:satOff val="0"/>
+            <a:lumOff val="0"/>
+            <a:alphaOff val="0"/>
+          </a:schemeClr>
+        </a:solidFill>
+        <a:ln w="25400" cap="flat" cmpd="sng" algn="ctr">
+          <a:solidFill>
+            <a:schemeClr val="lt1">
+              <a:hueOff val="0"/>
+              <a:satOff val="0"/>
+              <a:lumOff val="0"/>
+              <a:alphaOff val="0"/>
+            </a:schemeClr>
+          </a:solidFill>
+          <a:prstDash val="solid"/>
+        </a:ln>
+        <a:effectLst/>
+      </dsp:spPr>
+      <dsp:style>
+        <a:lnRef idx="2">
+          <a:scrgbClr r="0" g="0" b="0"/>
+        </a:lnRef>
+        <a:fillRef idx="1">
+          <a:scrgbClr r="0" g="0" b="0"/>
+        </a:fillRef>
+        <a:effectRef idx="0">
+          <a:scrgbClr r="0" g="0" b="0"/>
+        </a:effectRef>
+        <a:fontRef idx="minor">
+          <a:schemeClr val="lt1"/>
+        </a:fontRef>
+      </dsp:style>
+      <dsp:txBody>
+        <a:bodyPr spcFirstLastPara="0" vert="horz" wrap="square" lIns="13970" tIns="13970" rIns="13970" bIns="13970" numCol="1" spcCol="1270" anchor="ctr" anchorCtr="0">
+          <a:noAutofit/>
+        </a:bodyPr>
+        <a:lstStyle/>
+        <a:p>
+          <a:pPr lvl="0" algn="ctr" defTabSz="488950">
+            <a:lnSpc>
+              <a:spcPct val="90000"/>
+            </a:lnSpc>
+            <a:spcBef>
+              <a:spcPct val="0"/>
+            </a:spcBef>
+            <a:spcAft>
+              <a:spcPct val="35000"/>
+            </a:spcAft>
+          </a:pPr>
+          <a:r>
+            <a:rPr lang="de-DE" sz="1100" kern="1200" dirty="0" smtClean="0"/>
+            <a:t>Peers</a:t>
+          </a:r>
+          <a:endParaRPr lang="de-DE" sz="1100" kern="1200" dirty="0" smtClean="0"/>
+        </a:p>
+      </dsp:txBody>
+      <dsp:txXfrm>
+        <a:off x="3148850" y="2257705"/>
+        <a:ext cx="888965" cy="888965"/>
+      </dsp:txXfrm>
+    </dsp:sp>
+    <dsp:sp modelId="{44C1E2AA-3D71-4C0B-8FE4-6D2FDBA01704}">
+      <dsp:nvSpPr>
+        <dsp:cNvPr id="0" name=""/>
+        <dsp:cNvSpPr/>
+      </dsp:nvSpPr>
+      <dsp:spPr>
+        <a:xfrm>
+          <a:off x="2275328" y="3353068"/>
+          <a:ext cx="888965" cy="888965"/>
+        </a:xfrm>
+        <a:prstGeom prst="ellipse">
+          <a:avLst/>
+        </a:prstGeom>
+        <a:solidFill>
+          <a:schemeClr val="accent1">
+            <a:hueOff val="0"/>
+            <a:satOff val="0"/>
+            <a:lumOff val="0"/>
+            <a:alphaOff val="0"/>
+          </a:schemeClr>
+        </a:solidFill>
+        <a:ln w="25400" cap="flat" cmpd="sng" algn="ctr">
+          <a:solidFill>
+            <a:schemeClr val="lt1">
+              <a:hueOff val="0"/>
+              <a:satOff val="0"/>
+              <a:lumOff val="0"/>
+              <a:alphaOff val="0"/>
+            </a:schemeClr>
+          </a:solidFill>
+          <a:prstDash val="solid"/>
+        </a:ln>
+        <a:effectLst/>
+      </dsp:spPr>
+      <dsp:style>
+        <a:lnRef idx="2">
+          <a:scrgbClr r="0" g="0" b="0"/>
+        </a:lnRef>
+        <a:fillRef idx="1">
+          <a:scrgbClr r="0" g="0" b="0"/>
+        </a:fillRef>
+        <a:effectRef idx="0">
+          <a:scrgbClr r="0" g="0" b="0"/>
+        </a:effectRef>
+        <a:fontRef idx="minor">
+          <a:schemeClr val="lt1"/>
+        </a:fontRef>
+      </dsp:style>
+      <dsp:txBody>
+        <a:bodyPr spcFirstLastPara="0" vert="horz" wrap="square" lIns="13970" tIns="13970" rIns="13970" bIns="13970" numCol="1" spcCol="1270" anchor="ctr" anchorCtr="0">
+          <a:noAutofit/>
+        </a:bodyPr>
+        <a:lstStyle/>
+        <a:p>
+          <a:pPr lvl="0" algn="ctr" defTabSz="488950">
+            <a:lnSpc>
+              <a:spcPct val="90000"/>
+            </a:lnSpc>
+            <a:spcBef>
+              <a:spcPct val="0"/>
+            </a:spcBef>
+            <a:spcAft>
+              <a:spcPct val="35000"/>
+            </a:spcAft>
+          </a:pPr>
+          <a:r>
+            <a:rPr lang="de-DE" sz="1100" kern="1200" dirty="0" smtClean="0"/>
+            <a:t>Remote Peers</a:t>
+          </a:r>
+          <a:endParaRPr lang="de-DE" sz="1100" kern="1200" dirty="0" smtClean="0"/>
+        </a:p>
+      </dsp:txBody>
+      <dsp:txXfrm>
+        <a:off x="2275328" y="3353068"/>
+        <a:ext cx="888965" cy="888965"/>
+      </dsp:txXfrm>
+    </dsp:sp>
+    <dsp:sp modelId="{C3D172B6-F632-4ED3-B374-17EB6CC19115}">
+      <dsp:nvSpPr>
+        <dsp:cNvPr id="0" name=""/>
+        <dsp:cNvSpPr/>
+      </dsp:nvSpPr>
+      <dsp:spPr>
+        <a:xfrm>
+          <a:off x="874306" y="3353068"/>
+          <a:ext cx="888965" cy="888965"/>
+        </a:xfrm>
+        <a:prstGeom prst="ellipse">
+          <a:avLst/>
+        </a:prstGeom>
+        <a:solidFill>
+          <a:schemeClr val="accent1">
+            <a:hueOff val="0"/>
+            <a:satOff val="0"/>
+            <a:lumOff val="0"/>
+            <a:alphaOff val="0"/>
+          </a:schemeClr>
+        </a:solidFill>
+        <a:ln w="25400" cap="flat" cmpd="sng" algn="ctr">
+          <a:solidFill>
+            <a:schemeClr val="lt1">
+              <a:hueOff val="0"/>
+              <a:satOff val="0"/>
+              <a:lumOff val="0"/>
+              <a:alphaOff val="0"/>
+            </a:schemeClr>
+          </a:solidFill>
+          <a:prstDash val="solid"/>
+        </a:ln>
+        <a:effectLst/>
+      </dsp:spPr>
+      <dsp:style>
+        <a:lnRef idx="2">
+          <a:scrgbClr r="0" g="0" b="0"/>
+        </a:lnRef>
+        <a:fillRef idx="1">
+          <a:scrgbClr r="0" g="0" b="0"/>
+        </a:fillRef>
+        <a:effectRef idx="0">
+          <a:scrgbClr r="0" g="0" b="0"/>
+        </a:effectRef>
+        <a:fontRef idx="minor">
+          <a:schemeClr val="lt1"/>
+        </a:fontRef>
+      </dsp:style>
+      <dsp:txBody>
+        <a:bodyPr spcFirstLastPara="0" vert="horz" wrap="square" lIns="13970" tIns="13970" rIns="13970" bIns="13970" numCol="1" spcCol="1270" anchor="ctr" anchorCtr="0">
+          <a:noAutofit/>
+        </a:bodyPr>
+        <a:lstStyle/>
+        <a:p>
+          <a:pPr lvl="0" algn="ctr" defTabSz="488950">
+            <a:lnSpc>
+              <a:spcPct val="90000"/>
+            </a:lnSpc>
+            <a:spcBef>
+              <a:spcPct val="0"/>
+            </a:spcBef>
+            <a:spcAft>
+              <a:spcPct val="35000"/>
+            </a:spcAft>
+          </a:pPr>
+          <a:r>
+            <a:rPr lang="de-DE" sz="1100" kern="1200" dirty="0" smtClean="0"/>
+            <a:t>Times</a:t>
+          </a:r>
+        </a:p>
+      </dsp:txBody>
+      <dsp:txXfrm>
+        <a:off x="874306" y="3353068"/>
+        <a:ext cx="888965" cy="888965"/>
+      </dsp:txXfrm>
+    </dsp:sp>
+    <dsp:sp modelId="{C273AA5A-61A7-4297-ACBB-AE362A712167}">
+      <dsp:nvSpPr>
+        <dsp:cNvPr id="0" name=""/>
+        <dsp:cNvSpPr/>
+      </dsp:nvSpPr>
+      <dsp:spPr>
+        <a:xfrm>
+          <a:off x="783" y="2257705"/>
+          <a:ext cx="888965" cy="888965"/>
+        </a:xfrm>
+        <a:prstGeom prst="ellipse">
+          <a:avLst/>
+        </a:prstGeom>
+        <a:solidFill>
+          <a:schemeClr val="accent1">
+            <a:hueOff val="0"/>
+            <a:satOff val="0"/>
+            <a:lumOff val="0"/>
+            <a:alphaOff val="0"/>
+          </a:schemeClr>
+        </a:solidFill>
+        <a:ln w="25400" cap="flat" cmpd="sng" algn="ctr">
+          <a:solidFill>
+            <a:schemeClr val="lt1">
+              <a:hueOff val="0"/>
+              <a:satOff val="0"/>
+              <a:lumOff val="0"/>
+              <a:alphaOff val="0"/>
+            </a:schemeClr>
+          </a:solidFill>
+          <a:prstDash val="solid"/>
+        </a:ln>
+        <a:effectLst/>
+      </dsp:spPr>
+      <dsp:style>
+        <a:lnRef idx="2">
+          <a:scrgbClr r="0" g="0" b="0"/>
+        </a:lnRef>
+        <a:fillRef idx="1">
+          <a:scrgbClr r="0" g="0" b="0"/>
+        </a:fillRef>
+        <a:effectRef idx="0">
+          <a:scrgbClr r="0" g="0" b="0"/>
+        </a:effectRef>
+        <a:fontRef idx="minor">
+          <a:schemeClr val="lt1"/>
+        </a:fontRef>
+      </dsp:style>
+      <dsp:txBody>
+        <a:bodyPr spcFirstLastPara="0" vert="horz" wrap="square" lIns="13970" tIns="13970" rIns="13970" bIns="13970" numCol="1" spcCol="1270" anchor="ctr" anchorCtr="0">
+          <a:noAutofit/>
+        </a:bodyPr>
+        <a:lstStyle/>
+        <a:p>
+          <a:pPr lvl="0" algn="ctr" defTabSz="488950">
+            <a:lnSpc>
+              <a:spcPct val="90000"/>
+            </a:lnSpc>
+            <a:spcBef>
+              <a:spcPct val="0"/>
+            </a:spcBef>
+            <a:spcAft>
+              <a:spcPct val="35000"/>
+            </a:spcAft>
+          </a:pPr>
+          <a:r>
+            <a:rPr lang="de-DE" sz="1100" kern="1200" dirty="0" err="1" smtClean="0"/>
+            <a:t>Locations</a:t>
+          </a:r>
+          <a:endParaRPr lang="de-DE" sz="1100" kern="1200" dirty="0" smtClean="0"/>
+        </a:p>
+      </dsp:txBody>
+      <dsp:txXfrm>
+        <a:off x="783" y="2257705"/>
+        <a:ext cx="888965" cy="888965"/>
+      </dsp:txXfrm>
+    </dsp:sp>
+    <dsp:sp modelId="{4E68CB80-BE5D-4321-8513-93A1566C3F5B}">
+      <dsp:nvSpPr>
+        <dsp:cNvPr id="0" name=""/>
+        <dsp:cNvSpPr/>
+      </dsp:nvSpPr>
+      <dsp:spPr>
+        <a:xfrm>
+          <a:off x="312540" y="891810"/>
+          <a:ext cx="888965" cy="888965"/>
+        </a:xfrm>
+        <a:prstGeom prst="ellipse">
+          <a:avLst/>
+        </a:prstGeom>
+        <a:solidFill>
+          <a:schemeClr val="accent1">
+            <a:hueOff val="0"/>
+            <a:satOff val="0"/>
+            <a:lumOff val="0"/>
+            <a:alphaOff val="0"/>
+          </a:schemeClr>
+        </a:solidFill>
+        <a:ln w="25400" cap="flat" cmpd="sng" algn="ctr">
+          <a:solidFill>
+            <a:schemeClr val="lt1">
+              <a:hueOff val="0"/>
+              <a:satOff val="0"/>
+              <a:lumOff val="0"/>
+              <a:alphaOff val="0"/>
+            </a:schemeClr>
+          </a:solidFill>
+          <a:prstDash val="solid"/>
+        </a:ln>
+        <a:effectLst/>
+      </dsp:spPr>
+      <dsp:style>
+        <a:lnRef idx="2">
+          <a:scrgbClr r="0" g="0" b="0"/>
+        </a:lnRef>
+        <a:fillRef idx="1">
+          <a:scrgbClr r="0" g="0" b="0"/>
+        </a:fillRef>
+        <a:effectRef idx="0">
+          <a:scrgbClr r="0" g="0" b="0"/>
+        </a:effectRef>
+        <a:fontRef idx="minor">
+          <a:schemeClr val="lt1"/>
+        </a:fontRef>
+      </dsp:style>
+      <dsp:txBody>
+        <a:bodyPr spcFirstLastPara="0" vert="horz" wrap="square" lIns="13970" tIns="13970" rIns="13970" bIns="13970" numCol="1" spcCol="1270" anchor="ctr" anchorCtr="0">
+          <a:noAutofit/>
+        </a:bodyPr>
+        <a:lstStyle/>
+        <a:p>
+          <a:pPr lvl="0" algn="ctr" defTabSz="488950">
+            <a:lnSpc>
+              <a:spcPct val="90000"/>
+            </a:lnSpc>
+            <a:spcBef>
+              <a:spcPct val="0"/>
+            </a:spcBef>
+            <a:spcAft>
+              <a:spcPct val="35000"/>
+            </a:spcAft>
+          </a:pPr>
+          <a:r>
+            <a:rPr lang="de-DE" sz="1100" kern="1200" dirty="0" err="1" smtClean="0"/>
+            <a:t>Direction</a:t>
+          </a:r>
+          <a:endParaRPr lang="de-DE" sz="1100" kern="1200" dirty="0" smtClean="0"/>
+        </a:p>
+      </dsp:txBody>
+      <dsp:txXfrm>
+        <a:off x="312540" y="891810"/>
+        <a:ext cx="888965" cy="888965"/>
       </dsp:txXfrm>
     </dsp:sp>
   </dsp:spTree>
 </dsp:drawing>
 </file>
 
-<file path=ppt/diagrams/drawing4.xml><?xml version="1.0" encoding="utf-8"?>
+<file path=ppt/diagrams/drawing5.xml><?xml version="1.0" encoding="utf-8"?>
 <dsp:drawing xmlns:dgm="http://schemas.openxmlformats.org/drawingml/2006/diagram" xmlns:a="http://schemas.openxmlformats.org/drawingml/2006/main" xmlns:dsp="http://schemas.microsoft.com/office/drawing/2008/diagram">
   <dsp:spTree>
     <dsp:nvGrpSpPr>
@@ -13333,7 +16412,7 @@
 </dsp:drawing>
 </file>
 
-<file path=ppt/diagrams/drawing5.xml><?xml version="1.0" encoding="utf-8"?>
+<file path=ppt/diagrams/drawing6.xml><?xml version="1.0" encoding="utf-8"?>
 <dsp:drawing xmlns:dgm="http://schemas.openxmlformats.org/drawingml/2006/diagram" xmlns:a="http://schemas.openxmlformats.org/drawingml/2006/main" xmlns:dsp="http://schemas.microsoft.com/office/drawing/2008/diagram">
   <dsp:spTree>
     <dsp:nvGrpSpPr>
@@ -15170,7 +18249,7 @@
 </dsp:drawing>
 </file>
 
-<file path=ppt/diagrams/drawing6.xml><?xml version="1.0" encoding="utf-8"?>
+<file path=ppt/diagrams/drawing7.xml><?xml version="1.0" encoding="utf-8"?>
 <dsp:drawing xmlns:dgm="http://schemas.openxmlformats.org/drawingml/2006/diagram" xmlns:a="http://schemas.openxmlformats.org/drawingml/2006/main" xmlns:dsp="http://schemas.microsoft.com/office/drawing/2008/diagram">
   <dsp:spTree>
     <dsp:nvGrpSpPr>
@@ -15595,7 +18674,7 @@
 </dsp:drawing>
 </file>
 
-<file path=ppt/diagrams/drawing7.xml><?xml version="1.0" encoding="utf-8"?>
+<file path=ppt/diagrams/drawing8.xml><?xml version="1.0" encoding="utf-8"?>
 <dsp:drawing xmlns:dgm="http://schemas.openxmlformats.org/drawingml/2006/diagram" xmlns:a="http://schemas.openxmlformats.org/drawingml/2006/main" xmlns:dsp="http://schemas.microsoft.com/office/drawing/2008/diagram">
   <dsp:spTree>
     <dsp:nvGrpSpPr>
@@ -15603,6 +18682,1045 @@
       <dsp:cNvGrpSpPr/>
     </dsp:nvGrpSpPr>
     <dsp:grpSpPr/>
+    <dsp:sp modelId="{53C09463-13BD-4384-96C4-C5395712BA82}">
+      <dsp:nvSpPr>
+        <dsp:cNvPr id="0" name=""/>
+        <dsp:cNvSpPr/>
+      </dsp:nvSpPr>
+      <dsp:spPr>
+        <a:xfrm>
+          <a:off x="2235006" y="474449"/>
+          <a:ext cx="3759587" cy="3759587"/>
+        </a:xfrm>
+        <a:prstGeom prst="blockArc">
+          <a:avLst>
+            <a:gd name="adj1" fmla="val 13114286"/>
+            <a:gd name="adj2" fmla="val 16200000"/>
+            <a:gd name="adj3" fmla="val 3906"/>
+          </a:avLst>
+        </a:prstGeom>
+        <a:solidFill>
+          <a:schemeClr val="accent1">
+            <a:tint val="60000"/>
+            <a:hueOff val="0"/>
+            <a:satOff val="0"/>
+            <a:lumOff val="0"/>
+            <a:alphaOff val="0"/>
+          </a:schemeClr>
+        </a:solidFill>
+        <a:ln>
+          <a:noFill/>
+        </a:ln>
+        <a:effectLst/>
+      </dsp:spPr>
+      <dsp:style>
+        <a:lnRef idx="0">
+          <a:scrgbClr r="0" g="0" b="0"/>
+        </a:lnRef>
+        <a:fillRef idx="1">
+          <a:scrgbClr r="0" g="0" b="0"/>
+        </a:fillRef>
+        <a:effectRef idx="0">
+          <a:scrgbClr r="0" g="0" b="0"/>
+        </a:effectRef>
+        <a:fontRef idx="minor">
+          <a:schemeClr val="lt1"/>
+        </a:fontRef>
+      </dsp:style>
+    </dsp:sp>
+    <dsp:sp modelId="{4248A1B0-5C16-4A8B-BE7A-40618120157D}">
+      <dsp:nvSpPr>
+        <dsp:cNvPr id="0" name=""/>
+        <dsp:cNvSpPr/>
+      </dsp:nvSpPr>
+      <dsp:spPr>
+        <a:xfrm>
+          <a:off x="2235006" y="474449"/>
+          <a:ext cx="3759587" cy="3759587"/>
+        </a:xfrm>
+        <a:prstGeom prst="blockArc">
+          <a:avLst>
+            <a:gd name="adj1" fmla="val 10028571"/>
+            <a:gd name="adj2" fmla="val 13114286"/>
+            <a:gd name="adj3" fmla="val 3906"/>
+          </a:avLst>
+        </a:prstGeom>
+        <a:solidFill>
+          <a:schemeClr val="accent1">
+            <a:tint val="60000"/>
+            <a:hueOff val="0"/>
+            <a:satOff val="0"/>
+            <a:lumOff val="0"/>
+            <a:alphaOff val="0"/>
+          </a:schemeClr>
+        </a:solidFill>
+        <a:ln>
+          <a:noFill/>
+        </a:ln>
+        <a:effectLst/>
+      </dsp:spPr>
+      <dsp:style>
+        <a:lnRef idx="0">
+          <a:scrgbClr r="0" g="0" b="0"/>
+        </a:lnRef>
+        <a:fillRef idx="1">
+          <a:scrgbClr r="0" g="0" b="0"/>
+        </a:fillRef>
+        <a:effectRef idx="0">
+          <a:scrgbClr r="0" g="0" b="0"/>
+        </a:effectRef>
+        <a:fontRef idx="minor">
+          <a:schemeClr val="lt1"/>
+        </a:fontRef>
+      </dsp:style>
+    </dsp:sp>
+    <dsp:sp modelId="{1035AB16-1B65-4F3D-91A9-E393E05C3C0F}">
+      <dsp:nvSpPr>
+        <dsp:cNvPr id="0" name=""/>
+        <dsp:cNvSpPr/>
+      </dsp:nvSpPr>
+      <dsp:spPr>
+        <a:xfrm>
+          <a:off x="2235006" y="474449"/>
+          <a:ext cx="3759587" cy="3759587"/>
+        </a:xfrm>
+        <a:prstGeom prst="blockArc">
+          <a:avLst>
+            <a:gd name="adj1" fmla="val 6942857"/>
+            <a:gd name="adj2" fmla="val 10028571"/>
+            <a:gd name="adj3" fmla="val 3906"/>
+          </a:avLst>
+        </a:prstGeom>
+        <a:solidFill>
+          <a:schemeClr val="accent1">
+            <a:tint val="60000"/>
+            <a:hueOff val="0"/>
+            <a:satOff val="0"/>
+            <a:lumOff val="0"/>
+            <a:alphaOff val="0"/>
+          </a:schemeClr>
+        </a:solidFill>
+        <a:ln>
+          <a:noFill/>
+        </a:ln>
+        <a:effectLst/>
+      </dsp:spPr>
+      <dsp:style>
+        <a:lnRef idx="0">
+          <a:scrgbClr r="0" g="0" b="0"/>
+        </a:lnRef>
+        <a:fillRef idx="1">
+          <a:scrgbClr r="0" g="0" b="0"/>
+        </a:fillRef>
+        <a:effectRef idx="0">
+          <a:scrgbClr r="0" g="0" b="0"/>
+        </a:effectRef>
+        <a:fontRef idx="minor">
+          <a:schemeClr val="lt1"/>
+        </a:fontRef>
+      </dsp:style>
+    </dsp:sp>
+    <dsp:sp modelId="{D2C586DD-C4D6-43EF-9FBC-99993E6F2B7C}">
+      <dsp:nvSpPr>
+        <dsp:cNvPr id="0" name=""/>
+        <dsp:cNvSpPr/>
+      </dsp:nvSpPr>
+      <dsp:spPr>
+        <a:xfrm>
+          <a:off x="2235006" y="474449"/>
+          <a:ext cx="3759587" cy="3759587"/>
+        </a:xfrm>
+        <a:prstGeom prst="blockArc">
+          <a:avLst>
+            <a:gd name="adj1" fmla="val 3857143"/>
+            <a:gd name="adj2" fmla="val 6942857"/>
+            <a:gd name="adj3" fmla="val 3906"/>
+          </a:avLst>
+        </a:prstGeom>
+        <a:solidFill>
+          <a:schemeClr val="accent1">
+            <a:tint val="60000"/>
+            <a:hueOff val="0"/>
+            <a:satOff val="0"/>
+            <a:lumOff val="0"/>
+            <a:alphaOff val="0"/>
+          </a:schemeClr>
+        </a:solidFill>
+        <a:ln>
+          <a:noFill/>
+        </a:ln>
+        <a:effectLst/>
+      </dsp:spPr>
+      <dsp:style>
+        <a:lnRef idx="0">
+          <a:scrgbClr r="0" g="0" b="0"/>
+        </a:lnRef>
+        <a:fillRef idx="1">
+          <a:scrgbClr r="0" g="0" b="0"/>
+        </a:fillRef>
+        <a:effectRef idx="0">
+          <a:scrgbClr r="0" g="0" b="0"/>
+        </a:effectRef>
+        <a:fontRef idx="minor">
+          <a:schemeClr val="lt1"/>
+        </a:fontRef>
+      </dsp:style>
+    </dsp:sp>
+    <dsp:sp modelId="{DFB401B8-DDCF-43AB-9E68-3F44047805B1}">
+      <dsp:nvSpPr>
+        <dsp:cNvPr id="0" name=""/>
+        <dsp:cNvSpPr/>
+      </dsp:nvSpPr>
+      <dsp:spPr>
+        <a:xfrm>
+          <a:off x="2235006" y="474449"/>
+          <a:ext cx="3759587" cy="3759587"/>
+        </a:xfrm>
+        <a:prstGeom prst="blockArc">
+          <a:avLst>
+            <a:gd name="adj1" fmla="val 771429"/>
+            <a:gd name="adj2" fmla="val 3857143"/>
+            <a:gd name="adj3" fmla="val 3906"/>
+          </a:avLst>
+        </a:prstGeom>
+        <a:solidFill>
+          <a:schemeClr val="accent1">
+            <a:tint val="60000"/>
+            <a:hueOff val="0"/>
+            <a:satOff val="0"/>
+            <a:lumOff val="0"/>
+            <a:alphaOff val="0"/>
+          </a:schemeClr>
+        </a:solidFill>
+        <a:ln>
+          <a:noFill/>
+        </a:ln>
+        <a:effectLst/>
+      </dsp:spPr>
+      <dsp:style>
+        <a:lnRef idx="0">
+          <a:scrgbClr r="0" g="0" b="0"/>
+        </a:lnRef>
+        <a:fillRef idx="1">
+          <a:scrgbClr r="0" g="0" b="0"/>
+        </a:fillRef>
+        <a:effectRef idx="0">
+          <a:scrgbClr r="0" g="0" b="0"/>
+        </a:effectRef>
+        <a:fontRef idx="minor">
+          <a:schemeClr val="lt1"/>
+        </a:fontRef>
+      </dsp:style>
+    </dsp:sp>
+    <dsp:sp modelId="{24D8591B-3162-4D1D-89AD-79C803E98548}">
+      <dsp:nvSpPr>
+        <dsp:cNvPr id="0" name=""/>
+        <dsp:cNvSpPr/>
+      </dsp:nvSpPr>
+      <dsp:spPr>
+        <a:xfrm>
+          <a:off x="2235006" y="474449"/>
+          <a:ext cx="3759587" cy="3759587"/>
+        </a:xfrm>
+        <a:prstGeom prst="blockArc">
+          <a:avLst>
+            <a:gd name="adj1" fmla="val 19285714"/>
+            <a:gd name="adj2" fmla="val 771429"/>
+            <a:gd name="adj3" fmla="val 3906"/>
+          </a:avLst>
+        </a:prstGeom>
+        <a:solidFill>
+          <a:schemeClr val="accent1">
+            <a:tint val="60000"/>
+            <a:hueOff val="0"/>
+            <a:satOff val="0"/>
+            <a:lumOff val="0"/>
+            <a:alphaOff val="0"/>
+          </a:schemeClr>
+        </a:solidFill>
+        <a:ln>
+          <a:noFill/>
+        </a:ln>
+        <a:effectLst/>
+      </dsp:spPr>
+      <dsp:style>
+        <a:lnRef idx="0">
+          <a:scrgbClr r="0" g="0" b="0"/>
+        </a:lnRef>
+        <a:fillRef idx="1">
+          <a:scrgbClr r="0" g="0" b="0"/>
+        </a:fillRef>
+        <a:effectRef idx="0">
+          <a:scrgbClr r="0" g="0" b="0"/>
+        </a:effectRef>
+        <a:fontRef idx="minor">
+          <a:schemeClr val="lt1"/>
+        </a:fontRef>
+      </dsp:style>
+    </dsp:sp>
+    <dsp:sp modelId="{A29F3CEB-48C1-4779-90F0-A060B807C94C}">
+      <dsp:nvSpPr>
+        <dsp:cNvPr id="0" name=""/>
+        <dsp:cNvSpPr/>
+      </dsp:nvSpPr>
+      <dsp:spPr>
+        <a:xfrm>
+          <a:off x="2235006" y="474449"/>
+          <a:ext cx="3759587" cy="3759587"/>
+        </a:xfrm>
+        <a:prstGeom prst="blockArc">
+          <a:avLst>
+            <a:gd name="adj1" fmla="val 16200000"/>
+            <a:gd name="adj2" fmla="val 19285714"/>
+            <a:gd name="adj3" fmla="val 3906"/>
+          </a:avLst>
+        </a:prstGeom>
+        <a:solidFill>
+          <a:schemeClr val="accent1">
+            <a:tint val="60000"/>
+            <a:hueOff val="0"/>
+            <a:satOff val="0"/>
+            <a:lumOff val="0"/>
+            <a:alphaOff val="0"/>
+          </a:schemeClr>
+        </a:solidFill>
+        <a:ln>
+          <a:noFill/>
+        </a:ln>
+        <a:effectLst/>
+      </dsp:spPr>
+      <dsp:style>
+        <a:lnRef idx="0">
+          <a:scrgbClr r="0" g="0" b="0"/>
+        </a:lnRef>
+        <a:fillRef idx="1">
+          <a:scrgbClr r="0" g="0" b="0"/>
+        </a:fillRef>
+        <a:effectRef idx="0">
+          <a:scrgbClr r="0" g="0" b="0"/>
+        </a:effectRef>
+        <a:fontRef idx="minor">
+          <a:schemeClr val="lt1"/>
+        </a:fontRef>
+      </dsp:style>
+    </dsp:sp>
+    <dsp:sp modelId="{5C3A1BB4-37EC-400B-B1E1-B1DE824681EE}">
+      <dsp:nvSpPr>
+        <dsp:cNvPr id="0" name=""/>
+        <dsp:cNvSpPr/>
+      </dsp:nvSpPr>
+      <dsp:spPr>
+        <a:xfrm>
+          <a:off x="3386472" y="1625915"/>
+          <a:ext cx="1456655" cy="1456655"/>
+        </a:xfrm>
+        <a:prstGeom prst="ellipse">
+          <a:avLst/>
+        </a:prstGeom>
+        <a:solidFill>
+          <a:schemeClr val="accent1">
+            <a:hueOff val="0"/>
+            <a:satOff val="0"/>
+            <a:lumOff val="0"/>
+            <a:alphaOff val="0"/>
+          </a:schemeClr>
+        </a:solidFill>
+        <a:ln w="25400" cap="flat" cmpd="sng" algn="ctr">
+          <a:solidFill>
+            <a:schemeClr val="lt1">
+              <a:hueOff val="0"/>
+              <a:satOff val="0"/>
+              <a:lumOff val="0"/>
+              <a:alphaOff val="0"/>
+            </a:schemeClr>
+          </a:solidFill>
+          <a:prstDash val="solid"/>
+        </a:ln>
+        <a:effectLst/>
+      </dsp:spPr>
+      <dsp:style>
+        <a:lnRef idx="2">
+          <a:scrgbClr r="0" g="0" b="0"/>
+        </a:lnRef>
+        <a:fillRef idx="1">
+          <a:scrgbClr r="0" g="0" b="0"/>
+        </a:fillRef>
+        <a:effectRef idx="0">
+          <a:scrgbClr r="0" g="0" b="0"/>
+        </a:effectRef>
+        <a:fontRef idx="minor">
+          <a:schemeClr val="lt1"/>
+        </a:fontRef>
+      </dsp:style>
+      <dsp:txBody>
+        <a:bodyPr spcFirstLastPara="0" vert="horz" wrap="square" lIns="25400" tIns="25400" rIns="25400" bIns="25400" numCol="1" spcCol="1270" anchor="ctr" anchorCtr="0">
+          <a:noAutofit/>
+        </a:bodyPr>
+        <a:lstStyle/>
+        <a:p>
+          <a:pPr lvl="0" algn="ctr" defTabSz="889000">
+            <a:lnSpc>
+              <a:spcPct val="90000"/>
+            </a:lnSpc>
+            <a:spcBef>
+              <a:spcPct val="0"/>
+            </a:spcBef>
+            <a:spcAft>
+              <a:spcPct val="35000"/>
+            </a:spcAft>
+          </a:pPr>
+          <a:r>
+            <a:rPr lang="de-DE" sz="2000" kern="1200" dirty="0" smtClean="0"/>
+            <a:t>Interesse</a:t>
+          </a:r>
+          <a:endParaRPr lang="de-DE" sz="2000" kern="1200" dirty="0"/>
+        </a:p>
+      </dsp:txBody>
+      <dsp:txXfrm>
+        <a:off x="3386472" y="1625915"/>
+        <a:ext cx="1456655" cy="1456655"/>
+      </dsp:txXfrm>
+    </dsp:sp>
+    <dsp:sp modelId="{D7D8C3F4-5433-423D-A299-A2516399C3C6}">
+      <dsp:nvSpPr>
+        <dsp:cNvPr id="0" name=""/>
+        <dsp:cNvSpPr/>
+      </dsp:nvSpPr>
+      <dsp:spPr>
+        <a:xfrm>
+          <a:off x="3604970" y="1327"/>
+          <a:ext cx="1019658" cy="1019658"/>
+        </a:xfrm>
+        <a:prstGeom prst="ellipse">
+          <a:avLst/>
+        </a:prstGeom>
+        <a:solidFill>
+          <a:schemeClr val="accent1">
+            <a:hueOff val="0"/>
+            <a:satOff val="0"/>
+            <a:lumOff val="0"/>
+            <a:alphaOff val="0"/>
+          </a:schemeClr>
+        </a:solidFill>
+        <a:ln w="25400" cap="flat" cmpd="sng" algn="ctr">
+          <a:solidFill>
+            <a:schemeClr val="lt1">
+              <a:hueOff val="0"/>
+              <a:satOff val="0"/>
+              <a:lumOff val="0"/>
+              <a:alphaOff val="0"/>
+            </a:schemeClr>
+          </a:solidFill>
+          <a:prstDash val="solid"/>
+        </a:ln>
+        <a:effectLst/>
+      </dsp:spPr>
+      <dsp:style>
+        <a:lnRef idx="2">
+          <a:scrgbClr r="0" g="0" b="0"/>
+        </a:lnRef>
+        <a:fillRef idx="1">
+          <a:scrgbClr r="0" g="0" b="0"/>
+        </a:fillRef>
+        <a:effectRef idx="0">
+          <a:scrgbClr r="0" g="0" b="0"/>
+        </a:effectRef>
+        <a:fontRef idx="minor">
+          <a:schemeClr val="lt1"/>
+        </a:fontRef>
+      </dsp:style>
+      <dsp:txBody>
+        <a:bodyPr spcFirstLastPara="0" vert="horz" wrap="square" lIns="11430" tIns="11430" rIns="11430" bIns="11430" numCol="1" spcCol="1270" anchor="ctr" anchorCtr="0">
+          <a:noAutofit/>
+        </a:bodyPr>
+        <a:lstStyle/>
+        <a:p>
+          <a:pPr lvl="0" algn="ctr" defTabSz="400050">
+            <a:lnSpc>
+              <a:spcPct val="90000"/>
+            </a:lnSpc>
+            <a:spcBef>
+              <a:spcPct val="0"/>
+            </a:spcBef>
+            <a:spcAft>
+              <a:spcPct val="35000"/>
+            </a:spcAft>
+          </a:pPr>
+          <a:r>
+            <a:rPr lang="de-DE" sz="900" kern="1200" dirty="0" smtClean="0"/>
+            <a:t>Topic: </a:t>
+          </a:r>
+        </a:p>
+        <a:p>
+          <a:pPr lvl="0" algn="ctr" defTabSz="400050">
+            <a:lnSpc>
+              <a:spcPct val="90000"/>
+            </a:lnSpc>
+            <a:spcBef>
+              <a:spcPct val="0"/>
+            </a:spcBef>
+            <a:spcAft>
+              <a:spcPct val="35000"/>
+            </a:spcAft>
+          </a:pPr>
+          <a:r>
+            <a:rPr lang="de-DE" sz="900" kern="1200" dirty="0" smtClean="0"/>
+            <a:t>Beschreibung der </a:t>
+          </a:r>
+          <a:r>
+            <a:rPr lang="de-DE" sz="900" kern="1200" dirty="0" err="1" smtClean="0"/>
+            <a:t>SubSpace</a:t>
+          </a:r>
+          <a:endParaRPr lang="de-DE" sz="900" kern="1200" dirty="0"/>
+        </a:p>
+      </dsp:txBody>
+      <dsp:txXfrm>
+        <a:off x="3604970" y="1327"/>
+        <a:ext cx="1019658" cy="1019658"/>
+      </dsp:txXfrm>
+    </dsp:sp>
+    <dsp:sp modelId="{B115BDDF-C454-4222-93EC-75B73ECE03F0}">
+      <dsp:nvSpPr>
+        <dsp:cNvPr id="0" name=""/>
+        <dsp:cNvSpPr/>
+      </dsp:nvSpPr>
+      <dsp:spPr>
+        <a:xfrm>
+          <a:off x="5045953" y="695268"/>
+          <a:ext cx="1019658" cy="1019658"/>
+        </a:xfrm>
+        <a:prstGeom prst="ellipse">
+          <a:avLst/>
+        </a:prstGeom>
+        <a:solidFill>
+          <a:schemeClr val="accent1">
+            <a:hueOff val="0"/>
+            <a:satOff val="0"/>
+            <a:lumOff val="0"/>
+            <a:alphaOff val="0"/>
+          </a:schemeClr>
+        </a:solidFill>
+        <a:ln w="25400" cap="flat" cmpd="sng" algn="ctr">
+          <a:solidFill>
+            <a:schemeClr val="lt1">
+              <a:hueOff val="0"/>
+              <a:satOff val="0"/>
+              <a:lumOff val="0"/>
+              <a:alphaOff val="0"/>
+            </a:schemeClr>
+          </a:solidFill>
+          <a:prstDash val="solid"/>
+        </a:ln>
+        <a:effectLst/>
+      </dsp:spPr>
+      <dsp:style>
+        <a:lnRef idx="2">
+          <a:scrgbClr r="0" g="0" b="0"/>
+        </a:lnRef>
+        <a:fillRef idx="1">
+          <a:scrgbClr r="0" g="0" b="0"/>
+        </a:fillRef>
+        <a:effectRef idx="0">
+          <a:scrgbClr r="0" g="0" b="0"/>
+        </a:effectRef>
+        <a:fontRef idx="minor">
+          <a:schemeClr val="lt1"/>
+        </a:fontRef>
+      </dsp:style>
+      <dsp:txBody>
+        <a:bodyPr spcFirstLastPara="0" vert="horz" wrap="square" lIns="11430" tIns="11430" rIns="11430" bIns="11430" numCol="1" spcCol="1270" anchor="ctr" anchorCtr="0">
+          <a:noAutofit/>
+        </a:bodyPr>
+        <a:lstStyle/>
+        <a:p>
+          <a:pPr lvl="0" algn="ctr" defTabSz="400050">
+            <a:lnSpc>
+              <a:spcPct val="90000"/>
+            </a:lnSpc>
+            <a:spcBef>
+              <a:spcPct val="0"/>
+            </a:spcBef>
+            <a:spcAft>
+              <a:spcPct val="35000"/>
+            </a:spcAft>
+          </a:pPr>
+          <a:r>
+            <a:rPr lang="de-DE" sz="900" kern="1200" dirty="0" err="1" smtClean="0"/>
+            <a:t>Originator</a:t>
+          </a:r>
+          <a:r>
+            <a:rPr lang="de-DE" sz="900" kern="1200" dirty="0" smtClean="0"/>
+            <a:t>: Ersteller</a:t>
+          </a:r>
+          <a:endParaRPr lang="de-DE" sz="900" kern="1200" dirty="0"/>
+        </a:p>
+      </dsp:txBody>
+      <dsp:txXfrm>
+        <a:off x="5045953" y="695268"/>
+        <a:ext cx="1019658" cy="1019658"/>
+      </dsp:txXfrm>
+    </dsp:sp>
+    <dsp:sp modelId="{E797E149-0758-4FB8-B3BC-6FEC26E52512}">
+      <dsp:nvSpPr>
+        <dsp:cNvPr id="0" name=""/>
+        <dsp:cNvSpPr/>
+      </dsp:nvSpPr>
+      <dsp:spPr>
+        <a:xfrm>
+          <a:off x="5401846" y="2254538"/>
+          <a:ext cx="1019658" cy="1019658"/>
+        </a:xfrm>
+        <a:prstGeom prst="ellipse">
+          <a:avLst/>
+        </a:prstGeom>
+        <a:solidFill>
+          <a:schemeClr val="accent1">
+            <a:hueOff val="0"/>
+            <a:satOff val="0"/>
+            <a:lumOff val="0"/>
+            <a:alphaOff val="0"/>
+          </a:schemeClr>
+        </a:solidFill>
+        <a:ln w="25400" cap="flat" cmpd="sng" algn="ctr">
+          <a:solidFill>
+            <a:schemeClr val="lt1">
+              <a:hueOff val="0"/>
+              <a:satOff val="0"/>
+              <a:lumOff val="0"/>
+              <a:alphaOff val="0"/>
+            </a:schemeClr>
+          </a:solidFill>
+          <a:prstDash val="solid"/>
+        </a:ln>
+        <a:effectLst/>
+      </dsp:spPr>
+      <dsp:style>
+        <a:lnRef idx="2">
+          <a:scrgbClr r="0" g="0" b="0"/>
+        </a:lnRef>
+        <a:fillRef idx="1">
+          <a:scrgbClr r="0" g="0" b="0"/>
+        </a:fillRef>
+        <a:effectRef idx="0">
+          <a:scrgbClr r="0" g="0" b="0"/>
+        </a:effectRef>
+        <a:fontRef idx="minor">
+          <a:schemeClr val="lt1"/>
+        </a:fontRef>
+      </dsp:style>
+      <dsp:txBody>
+        <a:bodyPr spcFirstLastPara="0" vert="horz" wrap="square" lIns="11430" tIns="11430" rIns="11430" bIns="11430" numCol="1" spcCol="1270" anchor="ctr" anchorCtr="0">
+          <a:noAutofit/>
+        </a:bodyPr>
+        <a:lstStyle/>
+        <a:p>
+          <a:pPr lvl="0" algn="ctr" defTabSz="400050">
+            <a:lnSpc>
+              <a:spcPct val="90000"/>
+            </a:lnSpc>
+            <a:spcBef>
+              <a:spcPct val="0"/>
+            </a:spcBef>
+            <a:spcAft>
+              <a:spcPct val="35000"/>
+            </a:spcAft>
+          </a:pPr>
+          <a:r>
+            <a:rPr lang="de-DE" sz="900" kern="1200" dirty="0" smtClean="0"/>
+            <a:t>Peers: </a:t>
+          </a:r>
+        </a:p>
+        <a:p>
+          <a:pPr lvl="0" algn="ctr" defTabSz="400050">
+            <a:lnSpc>
+              <a:spcPct val="90000"/>
+            </a:lnSpc>
+            <a:spcBef>
+              <a:spcPct val="0"/>
+            </a:spcBef>
+            <a:spcAft>
+              <a:spcPct val="35000"/>
+            </a:spcAft>
+          </a:pPr>
+          <a:r>
+            <a:rPr lang="de-DE" sz="900" kern="1200" dirty="0" smtClean="0"/>
+            <a:t>Sender</a:t>
+          </a:r>
+          <a:endParaRPr lang="de-DE" sz="900" kern="1200" dirty="0"/>
+        </a:p>
+      </dsp:txBody>
+      <dsp:txXfrm>
+        <a:off x="5401846" y="2254538"/>
+        <a:ext cx="1019658" cy="1019658"/>
+      </dsp:txXfrm>
+    </dsp:sp>
+    <dsp:sp modelId="{C8BC8EA8-C13E-4CFF-B5C8-7C7F532ABE0E}">
+      <dsp:nvSpPr>
+        <dsp:cNvPr id="0" name=""/>
+        <dsp:cNvSpPr/>
+      </dsp:nvSpPr>
+      <dsp:spPr>
+        <a:xfrm>
+          <a:off x="4404655" y="3504976"/>
+          <a:ext cx="1019658" cy="1019658"/>
+        </a:xfrm>
+        <a:prstGeom prst="ellipse">
+          <a:avLst/>
+        </a:prstGeom>
+        <a:solidFill>
+          <a:schemeClr val="accent1">
+            <a:hueOff val="0"/>
+            <a:satOff val="0"/>
+            <a:lumOff val="0"/>
+            <a:alphaOff val="0"/>
+          </a:schemeClr>
+        </a:solidFill>
+        <a:ln w="25400" cap="flat" cmpd="sng" algn="ctr">
+          <a:solidFill>
+            <a:schemeClr val="lt1">
+              <a:hueOff val="0"/>
+              <a:satOff val="0"/>
+              <a:lumOff val="0"/>
+              <a:alphaOff val="0"/>
+            </a:schemeClr>
+          </a:solidFill>
+          <a:prstDash val="solid"/>
+        </a:ln>
+        <a:effectLst/>
+      </dsp:spPr>
+      <dsp:style>
+        <a:lnRef idx="2">
+          <a:scrgbClr r="0" g="0" b="0"/>
+        </a:lnRef>
+        <a:fillRef idx="1">
+          <a:scrgbClr r="0" g="0" b="0"/>
+        </a:fillRef>
+        <a:effectRef idx="0">
+          <a:scrgbClr r="0" g="0" b="0"/>
+        </a:effectRef>
+        <a:fontRef idx="minor">
+          <a:schemeClr val="lt1"/>
+        </a:fontRef>
+      </dsp:style>
+      <dsp:txBody>
+        <a:bodyPr spcFirstLastPara="0" vert="horz" wrap="square" lIns="11430" tIns="11430" rIns="11430" bIns="11430" numCol="1" spcCol="1270" anchor="ctr" anchorCtr="0">
+          <a:noAutofit/>
+        </a:bodyPr>
+        <a:lstStyle/>
+        <a:p>
+          <a:pPr lvl="0" algn="ctr" defTabSz="400050">
+            <a:lnSpc>
+              <a:spcPct val="90000"/>
+            </a:lnSpc>
+            <a:spcBef>
+              <a:spcPct val="0"/>
+            </a:spcBef>
+            <a:spcAft>
+              <a:spcPct val="35000"/>
+            </a:spcAft>
+          </a:pPr>
+          <a:r>
+            <a:rPr lang="de-DE" sz="900" kern="1200" dirty="0" err="1" smtClean="0"/>
+            <a:t>RemotePeers</a:t>
+          </a:r>
+          <a:r>
+            <a:rPr lang="de-DE" sz="900" kern="1200" dirty="0" smtClean="0"/>
+            <a:t>: Empfänger</a:t>
+          </a:r>
+          <a:endParaRPr lang="de-DE" sz="900" kern="1200" dirty="0"/>
+        </a:p>
+      </dsp:txBody>
+      <dsp:txXfrm>
+        <a:off x="4404655" y="3504976"/>
+        <a:ext cx="1019658" cy="1019658"/>
+      </dsp:txXfrm>
+    </dsp:sp>
+    <dsp:sp modelId="{7DBA7B9B-977A-489F-93B1-34F7A714000E}">
+      <dsp:nvSpPr>
+        <dsp:cNvPr id="0" name=""/>
+        <dsp:cNvSpPr/>
+      </dsp:nvSpPr>
+      <dsp:spPr>
+        <a:xfrm>
+          <a:off x="2805285" y="3504976"/>
+          <a:ext cx="1019658" cy="1019658"/>
+        </a:xfrm>
+        <a:prstGeom prst="ellipse">
+          <a:avLst/>
+        </a:prstGeom>
+        <a:solidFill>
+          <a:schemeClr val="accent1">
+            <a:hueOff val="0"/>
+            <a:satOff val="0"/>
+            <a:lumOff val="0"/>
+            <a:alphaOff val="0"/>
+          </a:schemeClr>
+        </a:solidFill>
+        <a:ln w="25400" cap="flat" cmpd="sng" algn="ctr">
+          <a:solidFill>
+            <a:schemeClr val="lt1">
+              <a:hueOff val="0"/>
+              <a:satOff val="0"/>
+              <a:lumOff val="0"/>
+              <a:alphaOff val="0"/>
+            </a:schemeClr>
+          </a:solidFill>
+          <a:prstDash val="solid"/>
+        </a:ln>
+        <a:effectLst/>
+      </dsp:spPr>
+      <dsp:style>
+        <a:lnRef idx="2">
+          <a:scrgbClr r="0" g="0" b="0"/>
+        </a:lnRef>
+        <a:fillRef idx="1">
+          <a:scrgbClr r="0" g="0" b="0"/>
+        </a:fillRef>
+        <a:effectRef idx="0">
+          <a:scrgbClr r="0" g="0" b="0"/>
+        </a:effectRef>
+        <a:fontRef idx="minor">
+          <a:schemeClr val="lt1"/>
+        </a:fontRef>
+      </dsp:style>
+      <dsp:txBody>
+        <a:bodyPr spcFirstLastPara="0" vert="horz" wrap="square" lIns="11430" tIns="11430" rIns="11430" bIns="11430" numCol="1" spcCol="1270" anchor="ctr" anchorCtr="0">
+          <a:noAutofit/>
+        </a:bodyPr>
+        <a:lstStyle/>
+        <a:p>
+          <a:pPr lvl="0" algn="ctr" defTabSz="400050">
+            <a:lnSpc>
+              <a:spcPct val="90000"/>
+            </a:lnSpc>
+            <a:spcBef>
+              <a:spcPct val="0"/>
+            </a:spcBef>
+            <a:spcAft>
+              <a:spcPct val="35000"/>
+            </a:spcAft>
+          </a:pPr>
+          <a:r>
+            <a:rPr lang="de-DE" sz="900" kern="1200" dirty="0" smtClean="0"/>
+            <a:t>Times: </a:t>
+          </a:r>
+        </a:p>
+        <a:p>
+          <a:pPr lvl="0" algn="ctr" defTabSz="400050">
+            <a:lnSpc>
+              <a:spcPct val="90000"/>
+            </a:lnSpc>
+            <a:spcBef>
+              <a:spcPct val="0"/>
+            </a:spcBef>
+            <a:spcAft>
+              <a:spcPct val="35000"/>
+            </a:spcAft>
+          </a:pPr>
+          <a:r>
+            <a:rPr lang="de-DE" sz="900" kern="1200" smtClean="0"/>
+            <a:t>Zeit</a:t>
+          </a:r>
+          <a:endParaRPr lang="de-DE" sz="900" kern="1200" dirty="0"/>
+        </a:p>
+      </dsp:txBody>
+      <dsp:txXfrm>
+        <a:off x="2805285" y="3504976"/>
+        <a:ext cx="1019658" cy="1019658"/>
+      </dsp:txXfrm>
+    </dsp:sp>
+    <dsp:sp modelId="{CBAC4FB6-AB5D-478C-B9DB-3C4BBA99FAAF}">
+      <dsp:nvSpPr>
+        <dsp:cNvPr id="0" name=""/>
+        <dsp:cNvSpPr/>
+      </dsp:nvSpPr>
+      <dsp:spPr>
+        <a:xfrm>
+          <a:off x="1808094" y="2254538"/>
+          <a:ext cx="1019658" cy="1019658"/>
+        </a:xfrm>
+        <a:prstGeom prst="ellipse">
+          <a:avLst/>
+        </a:prstGeom>
+        <a:solidFill>
+          <a:schemeClr val="accent1">
+            <a:hueOff val="0"/>
+            <a:satOff val="0"/>
+            <a:lumOff val="0"/>
+            <a:alphaOff val="0"/>
+          </a:schemeClr>
+        </a:solidFill>
+        <a:ln w="25400" cap="flat" cmpd="sng" algn="ctr">
+          <a:solidFill>
+            <a:schemeClr val="lt1">
+              <a:hueOff val="0"/>
+              <a:satOff val="0"/>
+              <a:lumOff val="0"/>
+              <a:alphaOff val="0"/>
+            </a:schemeClr>
+          </a:solidFill>
+          <a:prstDash val="solid"/>
+        </a:ln>
+        <a:effectLst/>
+      </dsp:spPr>
+      <dsp:style>
+        <a:lnRef idx="2">
+          <a:scrgbClr r="0" g="0" b="0"/>
+        </a:lnRef>
+        <a:fillRef idx="1">
+          <a:scrgbClr r="0" g="0" b="0"/>
+        </a:fillRef>
+        <a:effectRef idx="0">
+          <a:scrgbClr r="0" g="0" b="0"/>
+        </a:effectRef>
+        <a:fontRef idx="minor">
+          <a:schemeClr val="lt1"/>
+        </a:fontRef>
+      </dsp:style>
+      <dsp:txBody>
+        <a:bodyPr spcFirstLastPara="0" vert="horz" wrap="square" lIns="11430" tIns="11430" rIns="11430" bIns="11430" numCol="1" spcCol="1270" anchor="ctr" anchorCtr="0">
+          <a:noAutofit/>
+        </a:bodyPr>
+        <a:lstStyle/>
+        <a:p>
+          <a:pPr lvl="0" algn="ctr" defTabSz="400050">
+            <a:lnSpc>
+              <a:spcPct val="90000"/>
+            </a:lnSpc>
+            <a:spcBef>
+              <a:spcPct val="0"/>
+            </a:spcBef>
+            <a:spcAft>
+              <a:spcPct val="35000"/>
+            </a:spcAft>
+          </a:pPr>
+          <a:r>
+            <a:rPr lang="de-DE" sz="900" kern="1200" dirty="0" smtClean="0"/>
+            <a:t>Locations: </a:t>
+          </a:r>
+        </a:p>
+        <a:p>
+          <a:pPr lvl="0" algn="ctr" defTabSz="400050">
+            <a:lnSpc>
+              <a:spcPct val="90000"/>
+            </a:lnSpc>
+            <a:spcBef>
+              <a:spcPct val="0"/>
+            </a:spcBef>
+            <a:spcAft>
+              <a:spcPct val="35000"/>
+            </a:spcAft>
+          </a:pPr>
+          <a:r>
+            <a:rPr lang="de-DE" sz="900" kern="1200" dirty="0" smtClean="0"/>
+            <a:t>Ort</a:t>
+          </a:r>
+          <a:endParaRPr lang="de-DE" sz="900" kern="1200" dirty="0"/>
+        </a:p>
+      </dsp:txBody>
+      <dsp:txXfrm>
+        <a:off x="1808094" y="2254538"/>
+        <a:ext cx="1019658" cy="1019658"/>
+      </dsp:txXfrm>
+    </dsp:sp>
+    <dsp:sp modelId="{D48DD17A-CAAC-4CEC-A104-B4EE28478FDA}">
+      <dsp:nvSpPr>
+        <dsp:cNvPr id="0" name=""/>
+        <dsp:cNvSpPr/>
+      </dsp:nvSpPr>
+      <dsp:spPr>
+        <a:xfrm>
+          <a:off x="2163988" y="695268"/>
+          <a:ext cx="1019658" cy="1019658"/>
+        </a:xfrm>
+        <a:prstGeom prst="ellipse">
+          <a:avLst/>
+        </a:prstGeom>
+        <a:solidFill>
+          <a:schemeClr val="accent1">
+            <a:hueOff val="0"/>
+            <a:satOff val="0"/>
+            <a:lumOff val="0"/>
+            <a:alphaOff val="0"/>
+          </a:schemeClr>
+        </a:solidFill>
+        <a:ln w="25400" cap="flat" cmpd="sng" algn="ctr">
+          <a:solidFill>
+            <a:schemeClr val="lt1">
+              <a:hueOff val="0"/>
+              <a:satOff val="0"/>
+              <a:lumOff val="0"/>
+              <a:alphaOff val="0"/>
+            </a:schemeClr>
+          </a:solidFill>
+          <a:prstDash val="solid"/>
+        </a:ln>
+        <a:effectLst/>
+      </dsp:spPr>
+      <dsp:style>
+        <a:lnRef idx="2">
+          <a:scrgbClr r="0" g="0" b="0"/>
+        </a:lnRef>
+        <a:fillRef idx="1">
+          <a:scrgbClr r="0" g="0" b="0"/>
+        </a:fillRef>
+        <a:effectRef idx="0">
+          <a:scrgbClr r="0" g="0" b="0"/>
+        </a:effectRef>
+        <a:fontRef idx="minor">
+          <a:schemeClr val="lt1"/>
+        </a:fontRef>
+      </dsp:style>
+      <dsp:txBody>
+        <a:bodyPr spcFirstLastPara="0" vert="horz" wrap="square" lIns="11430" tIns="11430" rIns="11430" bIns="11430" numCol="1" spcCol="1270" anchor="ctr" anchorCtr="0">
+          <a:noAutofit/>
+        </a:bodyPr>
+        <a:lstStyle/>
+        <a:p>
+          <a:pPr lvl="0" algn="ctr" defTabSz="400050">
+            <a:lnSpc>
+              <a:spcPct val="90000"/>
+            </a:lnSpc>
+            <a:spcBef>
+              <a:spcPct val="0"/>
+            </a:spcBef>
+            <a:spcAft>
+              <a:spcPct val="35000"/>
+            </a:spcAft>
+          </a:pPr>
+          <a:r>
+            <a:rPr lang="de-DE" sz="900" kern="1200" dirty="0" err="1" smtClean="0"/>
+            <a:t>Direction</a:t>
+          </a:r>
+          <a:r>
+            <a:rPr lang="de-DE" sz="900" kern="1200" dirty="0" smtClean="0"/>
+            <a:t>:</a:t>
+          </a:r>
+        </a:p>
+        <a:p>
+          <a:pPr lvl="0" algn="ctr" defTabSz="400050">
+            <a:lnSpc>
+              <a:spcPct val="90000"/>
+            </a:lnSpc>
+            <a:spcBef>
+              <a:spcPct val="0"/>
+            </a:spcBef>
+            <a:spcAft>
+              <a:spcPct val="35000"/>
+            </a:spcAft>
+          </a:pPr>
+          <a:r>
+            <a:rPr lang="de-DE" sz="900" kern="1200" dirty="0" smtClean="0"/>
+            <a:t> IN/ INOUT / NONE </a:t>
+          </a:r>
+          <a:endParaRPr lang="de-DE" sz="900" kern="1200" dirty="0"/>
+        </a:p>
+      </dsp:txBody>
+      <dsp:txXfrm>
+        <a:off x="2163988" y="695268"/>
+        <a:ext cx="1019658" cy="1019658"/>
+      </dsp:txXfrm>
+    </dsp:sp>
   </dsp:spTree>
 </dsp:drawing>
 </file>
@@ -16714,6 +20832,413 @@
 </file>
 
 <file path=ppt/diagrams/layout5.xml><?xml version="1.0" encoding="utf-8"?>
+<dgm:layoutDef xmlns:dgm="http://schemas.openxmlformats.org/drawingml/2006/diagram" xmlns:a="http://schemas.openxmlformats.org/drawingml/2006/main" uniqueId="urn:microsoft.com/office/officeart/2005/8/layout/radial6">
+  <dgm:title val=""/>
+  <dgm:desc val=""/>
+  <dgm:catLst>
+    <dgm:cat type="cycle" pri="9000"/>
+    <dgm:cat type="relationship" pri="21000"/>
+  </dgm:catLst>
+  <dgm:sampData>
+    <dgm:dataModel>
+      <dgm:ptLst>
+        <dgm:pt modelId="0" type="doc"/>
+        <dgm:pt modelId="1">
+          <dgm:prSet phldr="1"/>
+        </dgm:pt>
+        <dgm:pt modelId="11">
+          <dgm:prSet phldr="1"/>
+        </dgm:pt>
+        <dgm:pt modelId="12">
+          <dgm:prSet phldr="1"/>
+        </dgm:pt>
+        <dgm:pt modelId="13">
+          <dgm:prSet phldr="1"/>
+        </dgm:pt>
+        <dgm:pt modelId="14">
+          <dgm:prSet phldr="1"/>
+        </dgm:pt>
+      </dgm:ptLst>
+      <dgm:cxnLst>
+        <dgm:cxn modelId="2" srcId="0" destId="1" srcOrd="0" destOrd="0"/>
+        <dgm:cxn modelId="3" srcId="1" destId="11" srcOrd="0" destOrd="0"/>
+        <dgm:cxn modelId="4" srcId="1" destId="12" srcOrd="1" destOrd="0"/>
+        <dgm:cxn modelId="5" srcId="1" destId="13" srcOrd="2" destOrd="0"/>
+        <dgm:cxn modelId="6" srcId="1" destId="14" srcOrd="3" destOrd="0"/>
+      </dgm:cxnLst>
+      <dgm:bg/>
+      <dgm:whole/>
+    </dgm:dataModel>
+  </dgm:sampData>
+  <dgm:styleData>
+    <dgm:dataModel>
+      <dgm:ptLst>
+        <dgm:pt modelId="0" type="doc"/>
+        <dgm:pt modelId="1"/>
+        <dgm:pt modelId="11"/>
+        <dgm:pt modelId="12"/>
+        <dgm:pt modelId="13"/>
+      </dgm:ptLst>
+      <dgm:cxnLst>
+        <dgm:cxn modelId="2" srcId="0" destId="1" srcOrd="0" destOrd="0"/>
+        <dgm:cxn modelId="15" srcId="1" destId="11" srcOrd="0" destOrd="0"/>
+        <dgm:cxn modelId="16" srcId="1" destId="12" srcOrd="1" destOrd="0"/>
+        <dgm:cxn modelId="17" srcId="1" destId="13" srcOrd="2" destOrd="0"/>
+      </dgm:cxnLst>
+      <dgm:bg/>
+      <dgm:whole/>
+    </dgm:dataModel>
+  </dgm:styleData>
+  <dgm:clrData>
+    <dgm:dataModel>
+      <dgm:ptLst>
+        <dgm:pt modelId="0" type="doc"/>
+        <dgm:pt modelId="1"/>
+        <dgm:pt modelId="11"/>
+        <dgm:pt modelId="12"/>
+        <dgm:pt modelId="13"/>
+        <dgm:pt modelId="14"/>
+        <dgm:pt modelId="15"/>
+        <dgm:pt modelId="16"/>
+      </dgm:ptLst>
+      <dgm:cxnLst>
+        <dgm:cxn modelId="2" srcId="0" destId="1" srcOrd="0" destOrd="0"/>
+        <dgm:cxn modelId="16" srcId="1" destId="11" srcOrd="0" destOrd="0"/>
+        <dgm:cxn modelId="17" srcId="1" destId="12" srcOrd="1" destOrd="0"/>
+        <dgm:cxn modelId="18" srcId="1" destId="13" srcOrd="2" destOrd="0"/>
+        <dgm:cxn modelId="19" srcId="1" destId="14" srcOrd="3" destOrd="0"/>
+        <dgm:cxn modelId="20" srcId="1" destId="15" srcOrd="4" destOrd="0"/>
+        <dgm:cxn modelId="21" srcId="1" destId="16" srcOrd="5" destOrd="0"/>
+      </dgm:cxnLst>
+      <dgm:bg/>
+      <dgm:whole/>
+    </dgm:dataModel>
+  </dgm:clrData>
+  <dgm:layoutNode name="Name0">
+    <dgm:varLst>
+      <dgm:chMax val="1"/>
+      <dgm:dir/>
+      <dgm:animLvl val="ctr"/>
+      <dgm:resizeHandles val="exact"/>
+    </dgm:varLst>
+    <dgm:choose name="Name1">
+      <dgm:if name="Name2" func="var" arg="dir" op="equ" val="norm">
+        <dgm:choose name="Name3">
+          <dgm:if name="Name4" axis="ch ch" ptType="node node" st="1 1" cnt="1 0" func="cnt" op="lte" val="1">
+            <dgm:alg type="cycle">
+              <dgm:param type="stAng" val="90"/>
+              <dgm:param type="spanAng" val="360"/>
+              <dgm:param type="ctrShpMap" val="fNode"/>
+            </dgm:alg>
+          </dgm:if>
+          <dgm:else name="Name5">
+            <dgm:alg type="cycle">
+              <dgm:param type="stAng" val="0"/>
+              <dgm:param type="spanAng" val="360"/>
+              <dgm:param type="ctrShpMap" val="fNode"/>
+            </dgm:alg>
+          </dgm:else>
+        </dgm:choose>
+      </dgm:if>
+      <dgm:else name="Name6">
+        <dgm:choose name="Name7">
+          <dgm:if name="Name8" axis="ch ch" ptType="node node" st="1 1" cnt="1 0" func="cnt" op="lte" val="1">
+            <dgm:alg type="cycle">
+              <dgm:param type="stAng" val="-90"/>
+              <dgm:param type="spanAng" val="360"/>
+              <dgm:param type="ctrShpMap" val="fNode"/>
+            </dgm:alg>
+          </dgm:if>
+          <dgm:else name="Name9">
+            <dgm:alg type="cycle">
+              <dgm:param type="stAng" val="0"/>
+              <dgm:param type="spanAng" val="-360"/>
+              <dgm:param type="ctrShpMap" val="fNode"/>
+            </dgm:alg>
+          </dgm:else>
+        </dgm:choose>
+      </dgm:else>
+    </dgm:choose>
+    <dgm:shape xmlns:r="http://schemas.openxmlformats.org/officeDocument/2006/relationships" r:blip="">
+      <dgm:adjLst/>
+    </dgm:shape>
+    <dgm:presOf/>
+    <dgm:choose name="Name10">
+      <dgm:if name="Name11" func="var" arg="dir" op="equ" val="norm">
+        <dgm:choose name="Name12">
+          <dgm:if name="Name13" axis="ch ch" ptType="node node" st="1 1" cnt="1 0" func="cnt" op="equ" val="1">
+            <dgm:constrLst>
+              <dgm:constr type="diam" val="170"/>
+              <dgm:constr type="w" for="ch" forName="centerShape" refType="w"/>
+              <dgm:constr type="w" for="ch" forName="oneComp" refType="w" refFor="ch" refForName="centerShape" op="equ" fact="0.7"/>
+              <dgm:constr type="sp" refType="w" refFor="ch" refForName="oneComp" fact="0.3"/>
+              <dgm:constr type="sibSp" refType="w" refFor="ch" refForName="oneComp" fact="0.3"/>
+              <dgm:constr type="primFontSz" for="ch" forName="centerShape" val="65"/>
+              <dgm:constr type="primFontSz" for="des" forName="oneNode" refType="primFontSz" refFor="ch" refForName="centerShape" fact="0.95"/>
+              <dgm:constr type="primFontSz" for="des" forName="oneNode" refType="primFontSz" refFor="ch" refForName="centerShape" op="lte" fact="0.95"/>
+              <dgm:constr type="diam" for="ch" forName="singleconn" refType="diam" op="equ" fact="-1"/>
+              <dgm:constr type="h" for="ch" forName="singleconn" refType="w" refFor="ch" refForName="oneComp" fact="0.24"/>
+              <dgm:constr type="w" for="ch" forName="dummya" refType="w" refFor="ch" refForName="oneComp" op="equ"/>
+              <dgm:constr type="w" for="ch" forName="dummyb" refType="w" refFor="ch" refForName="oneComp" op="equ"/>
+              <dgm:constr type="w" for="ch" forName="dummyc" refType="w" refFor="ch" refForName="oneComp" op="equ"/>
+            </dgm:constrLst>
+          </dgm:if>
+          <dgm:else name="Name14">
+            <dgm:constrLst>
+              <dgm:constr type="diam" val="170"/>
+              <dgm:constr type="w" for="ch" forName="centerShape" refType="w"/>
+              <dgm:constr type="w" for="ch" forName="node" refType="w" refFor="ch" refForName="centerShape" op="equ" fact="0.7"/>
+              <dgm:constr type="sp" refType="w" refFor="ch" refForName="node" fact="0.3"/>
+              <dgm:constr type="sibSp" refType="w" refFor="ch" refForName="node" fact="0.3"/>
+              <dgm:constr type="primFontSz" for="ch" forName="centerShape" val="65"/>
+              <dgm:constr type="primFontSz" for="des" forName="node" refType="primFontSz" refFor="ch" refForName="centerShape" fact="0.78"/>
+              <dgm:constr type="primFontSz" for="ch" forName="node" refType="primFontSz" refFor="ch" refForName="centerShape" op="lte" fact="0.95"/>
+              <dgm:constr type="diam" for="ch" forName="sibTrans" refType="diam" op="equ"/>
+              <dgm:constr type="h" for="ch" forName="sibTrans" refType="w" refFor="ch" refForName="node" fact="0.24"/>
+              <dgm:constr type="w" for="ch" forName="dummy" val="1"/>
+            </dgm:constrLst>
+          </dgm:else>
+        </dgm:choose>
+      </dgm:if>
+      <dgm:else name="Name15">
+        <dgm:choose name="Name16">
+          <dgm:if name="Name17" axis="ch ch" ptType="node node" st="1 1" cnt="1 0" func="cnt" op="equ" val="1">
+            <dgm:constrLst>
+              <dgm:constr type="diam" val="170"/>
+              <dgm:constr type="w" for="ch" forName="centerShape" refType="w"/>
+              <dgm:constr type="w" for="ch" forName="oneComp" refType="w" refFor="ch" refForName="centerShape" op="equ" fact="0.7"/>
+              <dgm:constr type="sp" refType="w" refFor="ch" refForName="oneComp" fact="0.3"/>
+              <dgm:constr type="sibSp" refType="w" refFor="ch" refForName="oneComp" fact="0.3"/>
+              <dgm:constr type="primFontSz" for="ch" forName="centerShape" val="65"/>
+              <dgm:constr type="primFontSz" for="des" forName="oneNode" refType="primFontSz" refFor="ch" refForName="centerShape" fact="0.95"/>
+              <dgm:constr type="primFontSz" for="ch" forName="oneNode" refType="primFontSz" refFor="ch" refForName="centerShape" op="lte" fact="0.95"/>
+              <dgm:constr type="diam" for="ch" forName="singleconn" refType="diam"/>
+              <dgm:constr type="h" for="ch" forName="singleconn" refType="w" refFor="ch" refForName="oneComp" fact="0.24"/>
+              <dgm:constr type="diam" for="ch" refType="diam" op="equ"/>
+              <dgm:constr type="w" for="ch" forName="dummya" refType="w" refFor="ch" refForName="oneComp" op="equ"/>
+              <dgm:constr type="w" for="ch" forName="dummyb" refType="w" refFor="ch" refForName="oneComp" op="equ"/>
+              <dgm:constr type="w" for="ch" forName="dummyc" refType="w" refFor="ch" refForName="oneComp" op="equ"/>
+            </dgm:constrLst>
+          </dgm:if>
+          <dgm:else name="Name18">
+            <dgm:constrLst>
+              <dgm:constr type="diam" val="170"/>
+              <dgm:constr type="w" for="ch" forName="centerShape" refType="w"/>
+              <dgm:constr type="w" for="ch" forName="node" refType="w" refFor="ch" refForName="centerShape" op="equ" fact="0.7"/>
+              <dgm:constr type="sp" refType="w" refFor="ch" refForName="node" fact="0.3"/>
+              <dgm:constr type="sibSp" refType="w" refFor="ch" refForName="node" fact="0.3"/>
+              <dgm:constr type="primFontSz" for="ch" forName="centerShape" val="65"/>
+              <dgm:constr type="primFontSz" for="des" forName="node" refType="primFontSz" refFor="ch" refForName="centerShape" fact="0.78"/>
+              <dgm:constr type="primFontSz" for="ch" forName="node" refType="primFontSz" refFor="ch" refForName="centerShape" op="lte" fact="0.95"/>
+              <dgm:constr type="diam" for="ch" ptType="sibTrans" refType="diam" fact="-1"/>
+              <dgm:constr type="h" for="ch" forName="sibTrans" refType="w" refFor="ch" refForName="node" fact="0.24"/>
+              <dgm:constr type="diam" for="ch" refType="diam" op="equ" fact="-1"/>
+              <dgm:constr type="w" for="ch" forName="dummy" val="1"/>
+            </dgm:constrLst>
+          </dgm:else>
+        </dgm:choose>
+      </dgm:else>
+    </dgm:choose>
+    <dgm:ruleLst>
+      <dgm:rule type="diam" val="INF" fact="NaN" max="NaN"/>
+    </dgm:ruleLst>
+    <dgm:forEach name="Name19" axis="ch" ptType="node" cnt="1">
+      <dgm:layoutNode name="centerShape" styleLbl="node0">
+        <dgm:alg type="tx"/>
+        <dgm:shape xmlns:r="http://schemas.openxmlformats.org/officeDocument/2006/relationships" type="ellipse" r:blip="">
+          <dgm:adjLst/>
+        </dgm:shape>
+        <dgm:presOf axis="self"/>
+        <dgm:constrLst>
+          <dgm:constr type="h" refType="w"/>
+          <dgm:constr type="tMarg" refType="primFontSz" fact="0.1"/>
+          <dgm:constr type="bMarg" refType="primFontSz" fact="0.1"/>
+          <dgm:constr type="lMarg" refType="primFontSz" fact="0.1"/>
+          <dgm:constr type="rMarg" refType="primFontSz" fact="0.1"/>
+        </dgm:constrLst>
+        <dgm:ruleLst>
+          <dgm:rule type="primFontSz" val="5" fact="NaN" max="NaN"/>
+        </dgm:ruleLst>
+      </dgm:layoutNode>
+      <dgm:forEach name="Name20" axis="ch">
+        <dgm:forEach name="Name21" axis="self" ptType="node">
+          <dgm:choose name="Name22">
+            <dgm:if name="Name23" axis="par ch" ptType="node node" func="cnt" op="gt" val="1">
+              <dgm:layoutNode name="node" styleLbl="node1">
+                <dgm:varLst>
+                  <dgm:bulletEnabled val="1"/>
+                </dgm:varLst>
+                <dgm:alg type="tx">
+                  <dgm:param type="txAnchorVertCh" val="mid"/>
+                </dgm:alg>
+                <dgm:shape xmlns:r="http://schemas.openxmlformats.org/officeDocument/2006/relationships" type="ellipse" r:blip="">
+                  <dgm:adjLst/>
+                </dgm:shape>
+                <dgm:presOf axis="desOrSelf" ptType="node"/>
+                <dgm:constrLst>
+                  <dgm:constr type="h" refType="w"/>
+                  <dgm:constr type="tMarg" refType="primFontSz" fact="0.1"/>
+                  <dgm:constr type="bMarg" refType="primFontSz" fact="0.1"/>
+                  <dgm:constr type="lMarg" refType="primFontSz" fact="0.1"/>
+                  <dgm:constr type="rMarg" refType="primFontSz" fact="0.1"/>
+                </dgm:constrLst>
+                <dgm:ruleLst>
+                  <dgm:rule type="primFontSz" val="5" fact="NaN" max="NaN"/>
+                </dgm:ruleLst>
+              </dgm:layoutNode>
+              <dgm:layoutNode name="dummy">
+                <dgm:alg type="sp"/>
+                <dgm:shape xmlns:r="http://schemas.openxmlformats.org/officeDocument/2006/relationships" r:blip="">
+                  <dgm:adjLst/>
+                </dgm:shape>
+                <dgm:presOf/>
+                <dgm:constrLst>
+                  <dgm:constr type="h" refType="w"/>
+                </dgm:constrLst>
+                <dgm:ruleLst/>
+              </dgm:layoutNode>
+              <dgm:forEach name="sibTransForEach" axis="followSib" ptType="sibTrans" hideLastTrans="0" cnt="1">
+                <dgm:layoutNode name="sibTrans" styleLbl="sibTrans2D1">
+                  <dgm:alg type="conn">
+                    <dgm:param type="connRout" val="curve"/>
+                    <dgm:param type="begPts" val="ctr"/>
+                    <dgm:param type="endPts" val="ctr"/>
+                    <dgm:param type="begSty" val="noArr"/>
+                    <dgm:param type="endSty" val="noArr"/>
+                    <dgm:param type="dstNode" val="node"/>
+                  </dgm:alg>
+                  <dgm:shape xmlns:r="http://schemas.openxmlformats.org/officeDocument/2006/relationships" type="conn" r:blip="" zOrderOff="-999">
+                    <dgm:adjLst/>
+                  </dgm:shape>
+                  <dgm:presOf axis="self"/>
+                  <dgm:constrLst>
+                    <dgm:constr type="begPad"/>
+                    <dgm:constr type="endPad"/>
+                  </dgm:constrLst>
+                  <dgm:ruleLst/>
+                </dgm:layoutNode>
+              </dgm:forEach>
+            </dgm:if>
+            <dgm:if name="Name24" axis="par ch" ptType="node node" func="cnt" op="equ" val="1">
+              <dgm:layoutNode name="oneComp">
+                <dgm:alg type="composite">
+                  <dgm:param type="ar" val="1"/>
+                </dgm:alg>
+                <dgm:shape xmlns:r="http://schemas.openxmlformats.org/officeDocument/2006/relationships" r:blip="">
+                  <dgm:adjLst/>
+                </dgm:shape>
+                <dgm:presOf/>
+                <dgm:constrLst>
+                  <dgm:constr type="h" refType="w"/>
+                  <dgm:constr type="l" for="ch" forName="dummyConnPt" refType="w" fact="0.5"/>
+                  <dgm:constr type="t" for="ch" forName="dummyConnPt" refType="w" fact="0.5"/>
+                  <dgm:constr type="l" for="ch" forName="oneNode"/>
+                  <dgm:constr type="t" for="ch" forName="oneNode"/>
+                  <dgm:constr type="h" for="ch" forName="oneNode" refType="h"/>
+                  <dgm:constr type="w" for="ch" forName="oneNode" refType="w"/>
+                </dgm:constrLst>
+                <dgm:ruleLst/>
+                <dgm:layoutNode name="dummyConnPt" styleLbl="node1">
+                  <dgm:alg type="sp"/>
+                  <dgm:shape xmlns:r="http://schemas.openxmlformats.org/officeDocument/2006/relationships" r:blip="">
+                    <dgm:adjLst/>
+                  </dgm:shape>
+                  <dgm:presOf/>
+                  <dgm:constrLst>
+                    <dgm:constr type="w" val="1"/>
+                    <dgm:constr type="h" val="1"/>
+                  </dgm:constrLst>
+                  <dgm:ruleLst/>
+                </dgm:layoutNode>
+                <dgm:layoutNode name="oneNode" styleLbl="node1">
+                  <dgm:varLst>
+                    <dgm:bulletEnabled val="1"/>
+                  </dgm:varLst>
+                  <dgm:alg type="tx">
+                    <dgm:param type="txAnchorVertCh" val="mid"/>
+                  </dgm:alg>
+                  <dgm:shape xmlns:r="http://schemas.openxmlformats.org/officeDocument/2006/relationships" type="ellipse" r:blip="">
+                    <dgm:adjLst/>
+                  </dgm:shape>
+                  <dgm:presOf axis="desOrSelf" ptType="node"/>
+                  <dgm:constrLst>
+                    <dgm:constr type="h" refType="w"/>
+                    <dgm:constr type="tMarg" refType="primFontSz" fact="0.1"/>
+                    <dgm:constr type="bMarg" refType="primFontSz" fact="0.1"/>
+                    <dgm:constr type="lMarg" refType="primFontSz" fact="0.1"/>
+                    <dgm:constr type="rMarg" refType="primFontSz" fact="0.1"/>
+                  </dgm:constrLst>
+                  <dgm:ruleLst>
+                    <dgm:rule type="primFontSz" val="5" fact="NaN" max="NaN"/>
+                  </dgm:ruleLst>
+                </dgm:layoutNode>
+              </dgm:layoutNode>
+              <dgm:layoutNode name="dummya">
+                <dgm:alg type="sp"/>
+                <dgm:shape xmlns:r="http://schemas.openxmlformats.org/officeDocument/2006/relationships" r:blip="">
+                  <dgm:adjLst/>
+                </dgm:shape>
+                <dgm:presOf/>
+                <dgm:constrLst>
+                  <dgm:constr type="h" refType="w"/>
+                </dgm:constrLst>
+                <dgm:ruleLst/>
+              </dgm:layoutNode>
+              <dgm:layoutNode name="dummyb">
+                <dgm:alg type="sp"/>
+                <dgm:shape xmlns:r="http://schemas.openxmlformats.org/officeDocument/2006/relationships" r:blip="">
+                  <dgm:adjLst/>
+                </dgm:shape>
+                <dgm:presOf/>
+                <dgm:constrLst>
+                  <dgm:constr type="h" refType="w"/>
+                </dgm:constrLst>
+                <dgm:ruleLst/>
+              </dgm:layoutNode>
+              <dgm:layoutNode name="dummyc">
+                <dgm:alg type="sp"/>
+                <dgm:shape xmlns:r="http://schemas.openxmlformats.org/officeDocument/2006/relationships" r:blip="">
+                  <dgm:adjLst/>
+                </dgm:shape>
+                <dgm:presOf/>
+                <dgm:constrLst>
+                  <dgm:constr type="h" refType="w"/>
+                </dgm:constrLst>
+                <dgm:ruleLst/>
+              </dgm:layoutNode>
+              <dgm:forEach name="sibTransForEach1" axis="followSib" ptType="sibTrans" hideLastTrans="0" cnt="1">
+                <dgm:layoutNode name="singleconn" styleLbl="sibTrans2D1">
+                  <dgm:alg type="conn">
+                    <dgm:param type="connRout" val="longCurve"/>
+                    <dgm:param type="begPts" val="bCtr"/>
+                    <dgm:param type="endPts" val="tCtr"/>
+                    <dgm:param type="begSty" val="noArr"/>
+                    <dgm:param type="endSty" val="noArr"/>
+                    <dgm:param type="srcNode" val="dummyConnPt"/>
+                    <dgm:param type="dstNode" val="dummyConnPt"/>
+                  </dgm:alg>
+                  <dgm:shape xmlns:r="http://schemas.openxmlformats.org/officeDocument/2006/relationships" type="conn" r:blip="" zOrderOff="-999">
+                    <dgm:adjLst/>
+                  </dgm:shape>
+                  <dgm:presOf axis="self"/>
+                  <dgm:constrLst>
+                    <dgm:constr type="begPad"/>
+                    <dgm:constr type="endPad"/>
+                  </dgm:constrLst>
+                  <dgm:ruleLst/>
+                </dgm:layoutNode>
+              </dgm:forEach>
+            </dgm:if>
+            <dgm:else name="Name25"/>
+          </dgm:choose>
+        </dgm:forEach>
+      </dgm:forEach>
+    </dgm:forEach>
+  </dgm:layoutNode>
+</dgm:layoutDef>
+</file>
+
+<file path=ppt/diagrams/layout6.xml><?xml version="1.0" encoding="utf-8"?>
 <dgm:layoutDef xmlns:dgm="http://schemas.openxmlformats.org/drawingml/2006/diagram" xmlns:a="http://schemas.openxmlformats.org/drawingml/2006/main" uniqueId="urn:microsoft.com/office/officeart/2005/8/layout/hierarchy5">
   <dgm:title val=""/>
   <dgm:desc val=""/>
@@ -17287,7 +21812,7 @@
 </dgm:layoutDef>
 </file>
 
-<file path=ppt/diagrams/layout6.xml><?xml version="1.0" encoding="utf-8"?>
+<file path=ppt/diagrams/layout7.xml><?xml version="1.0" encoding="utf-8"?>
 <dgm:layoutDef xmlns:dgm="http://schemas.openxmlformats.org/drawingml/2006/diagram" xmlns:a="http://schemas.openxmlformats.org/drawingml/2006/main" uniqueId="urn:microsoft.com/office/officeart/2005/8/layout/vProcess5">
   <dgm:title val=""/>
   <dgm:desc val=""/>
@@ -18513,7 +23038,7 @@
 </dgm:layoutDef>
 </file>
 
-<file path=ppt/diagrams/layout7.xml><?xml version="1.0" encoding="utf-8"?>
+<file path=ppt/diagrams/layout8.xml><?xml version="1.0" encoding="utf-8"?>
 <dgm:layoutDef xmlns:dgm="http://schemas.openxmlformats.org/drawingml/2006/diagram" xmlns:a="http://schemas.openxmlformats.org/drawingml/2006/main" uniqueId="urn:microsoft.com/office/officeart/2005/8/layout/radial6">
   <dgm:title val=""/>
   <dgm:desc val=""/>
@@ -26158,6 +30683,1040 @@
 </dgm:styleDef>
 </file>
 
+<file path=ppt/diagrams/quickStyle8.xml><?xml version="1.0" encoding="utf-8"?>
+<dgm:styleDef xmlns:dgm="http://schemas.openxmlformats.org/drawingml/2006/diagram" xmlns:a="http://schemas.openxmlformats.org/drawingml/2006/main" uniqueId="urn:microsoft.com/office/officeart/2005/8/quickstyle/simple1">
+  <dgm:title val=""/>
+  <dgm:desc val=""/>
+  <dgm:catLst>
+    <dgm:cat type="simple" pri="10100"/>
+  </dgm:catLst>
+  <dgm:scene3d>
+    <a:camera prst="orthographicFront"/>
+    <a:lightRig rig="threePt" dir="t"/>
+  </dgm:scene3d>
+  <dgm:styleLbl name="node0">
+    <dgm:scene3d>
+      <a:camera prst="orthographicFront"/>
+      <a:lightRig rig="threePt" dir="t"/>
+    </dgm:scene3d>
+    <dgm:sp3d/>
+    <dgm:txPr/>
+    <dgm:style>
+      <a:lnRef idx="2">
+        <a:scrgbClr r="0" g="0" b="0"/>
+      </a:lnRef>
+      <a:fillRef idx="1">
+        <a:scrgbClr r="0" g="0" b="0"/>
+      </a:fillRef>
+      <a:effectRef idx="0">
+        <a:scrgbClr r="0" g="0" b="0"/>
+      </a:effectRef>
+      <a:fontRef idx="minor">
+        <a:schemeClr val="lt1"/>
+      </a:fontRef>
+    </dgm:style>
+  </dgm:styleLbl>
+  <dgm:styleLbl name="lnNode1">
+    <dgm:scene3d>
+      <a:camera prst="orthographicFront"/>
+      <a:lightRig rig="threePt" dir="t"/>
+    </dgm:scene3d>
+    <dgm:sp3d/>
+    <dgm:txPr/>
+    <dgm:style>
+      <a:lnRef idx="2">
+        <a:scrgbClr r="0" g="0" b="0"/>
+      </a:lnRef>
+      <a:fillRef idx="1">
+        <a:scrgbClr r="0" g="0" b="0"/>
+      </a:fillRef>
+      <a:effectRef idx="0">
+        <a:scrgbClr r="0" g="0" b="0"/>
+      </a:effectRef>
+      <a:fontRef idx="minor">
+        <a:schemeClr val="lt1"/>
+      </a:fontRef>
+    </dgm:style>
+  </dgm:styleLbl>
+  <dgm:styleLbl name="vennNode1">
+    <dgm:scene3d>
+      <a:camera prst="orthographicFront"/>
+      <a:lightRig rig="threePt" dir="t"/>
+    </dgm:scene3d>
+    <dgm:sp3d/>
+    <dgm:txPr/>
+    <dgm:style>
+      <a:lnRef idx="2">
+        <a:scrgbClr r="0" g="0" b="0"/>
+      </a:lnRef>
+      <a:fillRef idx="1">
+        <a:scrgbClr r="0" g="0" b="0"/>
+      </a:fillRef>
+      <a:effectRef idx="0">
+        <a:scrgbClr r="0" g="0" b="0"/>
+      </a:effectRef>
+      <a:fontRef idx="minor">
+        <a:schemeClr val="tx1"/>
+      </a:fontRef>
+    </dgm:style>
+  </dgm:styleLbl>
+  <dgm:styleLbl name="alignNode1">
+    <dgm:scene3d>
+      <a:camera prst="orthographicFront"/>
+      <a:lightRig rig="threePt" dir="t"/>
+    </dgm:scene3d>
+    <dgm:sp3d/>
+    <dgm:txPr/>
+    <dgm:style>
+      <a:lnRef idx="2">
+        <a:scrgbClr r="0" g="0" b="0"/>
+      </a:lnRef>
+      <a:fillRef idx="1">
+        <a:scrgbClr r="0" g="0" b="0"/>
+      </a:fillRef>
+      <a:effectRef idx="0">
+        <a:scrgbClr r="0" g="0" b="0"/>
+      </a:effectRef>
+      <a:fontRef idx="minor">
+        <a:schemeClr val="lt1"/>
+      </a:fontRef>
+    </dgm:style>
+  </dgm:styleLbl>
+  <dgm:styleLbl name="node1">
+    <dgm:scene3d>
+      <a:camera prst="orthographicFront"/>
+      <a:lightRig rig="threePt" dir="t"/>
+    </dgm:scene3d>
+    <dgm:sp3d/>
+    <dgm:txPr/>
+    <dgm:style>
+      <a:lnRef idx="2">
+        <a:scrgbClr r="0" g="0" b="0"/>
+      </a:lnRef>
+      <a:fillRef idx="1">
+        <a:scrgbClr r="0" g="0" b="0"/>
+      </a:fillRef>
+      <a:effectRef idx="0">
+        <a:scrgbClr r="0" g="0" b="0"/>
+      </a:effectRef>
+      <a:fontRef idx="minor">
+        <a:schemeClr val="lt1"/>
+      </a:fontRef>
+    </dgm:style>
+  </dgm:styleLbl>
+  <dgm:styleLbl name="node2">
+    <dgm:scene3d>
+      <a:camera prst="orthographicFront"/>
+      <a:lightRig rig="threePt" dir="t"/>
+    </dgm:scene3d>
+    <dgm:sp3d/>
+    <dgm:txPr/>
+    <dgm:style>
+      <a:lnRef idx="2">
+        <a:scrgbClr r="0" g="0" b="0"/>
+      </a:lnRef>
+      <a:fillRef idx="1">
+        <a:scrgbClr r="0" g="0" b="0"/>
+      </a:fillRef>
+      <a:effectRef idx="0">
+        <a:scrgbClr r="0" g="0" b="0"/>
+      </a:effectRef>
+      <a:fontRef idx="minor">
+        <a:schemeClr val="lt1"/>
+      </a:fontRef>
+    </dgm:style>
+  </dgm:styleLbl>
+  <dgm:styleLbl name="node3">
+    <dgm:scene3d>
+      <a:camera prst="orthographicFront"/>
+      <a:lightRig rig="threePt" dir="t"/>
+    </dgm:scene3d>
+    <dgm:sp3d/>
+    <dgm:txPr/>
+    <dgm:style>
+      <a:lnRef idx="2">
+        <a:scrgbClr r="0" g="0" b="0"/>
+      </a:lnRef>
+      <a:fillRef idx="1">
+        <a:scrgbClr r="0" g="0" b="0"/>
+      </a:fillRef>
+      <a:effectRef idx="0">
+        <a:scrgbClr r="0" g="0" b="0"/>
+      </a:effectRef>
+      <a:fontRef idx="minor">
+        <a:schemeClr val="lt1"/>
+      </a:fontRef>
+    </dgm:style>
+  </dgm:styleLbl>
+  <dgm:styleLbl name="node4">
+    <dgm:scene3d>
+      <a:camera prst="orthographicFront"/>
+      <a:lightRig rig="threePt" dir="t"/>
+    </dgm:scene3d>
+    <dgm:sp3d/>
+    <dgm:txPr/>
+    <dgm:style>
+      <a:lnRef idx="2">
+        <a:scrgbClr r="0" g="0" b="0"/>
+      </a:lnRef>
+      <a:fillRef idx="1">
+        <a:scrgbClr r="0" g="0" b="0"/>
+      </a:fillRef>
+      <a:effectRef idx="0">
+        <a:scrgbClr r="0" g="0" b="0"/>
+      </a:effectRef>
+      <a:fontRef idx="minor">
+        <a:schemeClr val="lt1"/>
+      </a:fontRef>
+    </dgm:style>
+  </dgm:styleLbl>
+  <dgm:styleLbl name="fgImgPlace1">
+    <dgm:scene3d>
+      <a:camera prst="orthographicFront"/>
+      <a:lightRig rig="threePt" dir="t"/>
+    </dgm:scene3d>
+    <dgm:sp3d/>
+    <dgm:txPr/>
+    <dgm:style>
+      <a:lnRef idx="2">
+        <a:scrgbClr r="0" g="0" b="0"/>
+      </a:lnRef>
+      <a:fillRef idx="1">
+        <a:scrgbClr r="0" g="0" b="0"/>
+      </a:fillRef>
+      <a:effectRef idx="0">
+        <a:scrgbClr r="0" g="0" b="0"/>
+      </a:effectRef>
+      <a:fontRef idx="minor"/>
+    </dgm:style>
+  </dgm:styleLbl>
+  <dgm:styleLbl name="alignImgPlace1">
+    <dgm:scene3d>
+      <a:camera prst="orthographicFront"/>
+      <a:lightRig rig="threePt" dir="t"/>
+    </dgm:scene3d>
+    <dgm:sp3d/>
+    <dgm:txPr/>
+    <dgm:style>
+      <a:lnRef idx="2">
+        <a:scrgbClr r="0" g="0" b="0"/>
+      </a:lnRef>
+      <a:fillRef idx="1">
+        <a:scrgbClr r="0" g="0" b="0"/>
+      </a:fillRef>
+      <a:effectRef idx="0">
+        <a:scrgbClr r="0" g="0" b="0"/>
+      </a:effectRef>
+      <a:fontRef idx="minor"/>
+    </dgm:style>
+  </dgm:styleLbl>
+  <dgm:styleLbl name="bgImgPlace1">
+    <dgm:scene3d>
+      <a:camera prst="orthographicFront"/>
+      <a:lightRig rig="threePt" dir="t"/>
+    </dgm:scene3d>
+    <dgm:sp3d/>
+    <dgm:txPr/>
+    <dgm:style>
+      <a:lnRef idx="2">
+        <a:scrgbClr r="0" g="0" b="0"/>
+      </a:lnRef>
+      <a:fillRef idx="1">
+        <a:scrgbClr r="0" g="0" b="0"/>
+      </a:fillRef>
+      <a:effectRef idx="0">
+        <a:scrgbClr r="0" g="0" b="0"/>
+      </a:effectRef>
+      <a:fontRef idx="minor"/>
+    </dgm:style>
+  </dgm:styleLbl>
+  <dgm:styleLbl name="sibTrans2D1">
+    <dgm:scene3d>
+      <a:camera prst="orthographicFront"/>
+      <a:lightRig rig="threePt" dir="t"/>
+    </dgm:scene3d>
+    <dgm:sp3d/>
+    <dgm:txPr/>
+    <dgm:style>
+      <a:lnRef idx="0">
+        <a:scrgbClr r="0" g="0" b="0"/>
+      </a:lnRef>
+      <a:fillRef idx="1">
+        <a:scrgbClr r="0" g="0" b="0"/>
+      </a:fillRef>
+      <a:effectRef idx="0">
+        <a:scrgbClr r="0" g="0" b="0"/>
+      </a:effectRef>
+      <a:fontRef idx="minor">
+        <a:schemeClr val="lt1"/>
+      </a:fontRef>
+    </dgm:style>
+  </dgm:styleLbl>
+  <dgm:styleLbl name="fgSibTrans2D1">
+    <dgm:scene3d>
+      <a:camera prst="orthographicFront"/>
+      <a:lightRig rig="threePt" dir="t"/>
+    </dgm:scene3d>
+    <dgm:sp3d/>
+    <dgm:txPr/>
+    <dgm:style>
+      <a:lnRef idx="0">
+        <a:scrgbClr r="0" g="0" b="0"/>
+      </a:lnRef>
+      <a:fillRef idx="1">
+        <a:scrgbClr r="0" g="0" b="0"/>
+      </a:fillRef>
+      <a:effectRef idx="0">
+        <a:scrgbClr r="0" g="0" b="0"/>
+      </a:effectRef>
+      <a:fontRef idx="minor">
+        <a:schemeClr val="lt1"/>
+      </a:fontRef>
+    </dgm:style>
+  </dgm:styleLbl>
+  <dgm:styleLbl name="bgSibTrans2D1">
+    <dgm:scene3d>
+      <a:camera prst="orthographicFront"/>
+      <a:lightRig rig="threePt" dir="t"/>
+    </dgm:scene3d>
+    <dgm:sp3d/>
+    <dgm:txPr/>
+    <dgm:style>
+      <a:lnRef idx="0">
+        <a:scrgbClr r="0" g="0" b="0"/>
+      </a:lnRef>
+      <a:fillRef idx="1">
+        <a:scrgbClr r="0" g="0" b="0"/>
+      </a:fillRef>
+      <a:effectRef idx="0">
+        <a:scrgbClr r="0" g="0" b="0"/>
+      </a:effectRef>
+      <a:fontRef idx="minor">
+        <a:schemeClr val="lt1"/>
+      </a:fontRef>
+    </dgm:style>
+  </dgm:styleLbl>
+  <dgm:styleLbl name="sibTrans1D1">
+    <dgm:scene3d>
+      <a:camera prst="orthographicFront"/>
+      <a:lightRig rig="threePt" dir="t"/>
+    </dgm:scene3d>
+    <dgm:sp3d/>
+    <dgm:txPr/>
+    <dgm:style>
+      <a:lnRef idx="1">
+        <a:scrgbClr r="0" g="0" b="0"/>
+      </a:lnRef>
+      <a:fillRef idx="0">
+        <a:scrgbClr r="0" g="0" b="0"/>
+      </a:fillRef>
+      <a:effectRef idx="0">
+        <a:scrgbClr r="0" g="0" b="0"/>
+      </a:effectRef>
+      <a:fontRef idx="minor"/>
+    </dgm:style>
+  </dgm:styleLbl>
+  <dgm:styleLbl name="callout">
+    <dgm:scene3d>
+      <a:camera prst="orthographicFront"/>
+      <a:lightRig rig="threePt" dir="t"/>
+    </dgm:scene3d>
+    <dgm:sp3d/>
+    <dgm:txPr/>
+    <dgm:style>
+      <a:lnRef idx="2">
+        <a:scrgbClr r="0" g="0" b="0"/>
+      </a:lnRef>
+      <a:fillRef idx="1">
+        <a:scrgbClr r="0" g="0" b="0"/>
+      </a:fillRef>
+      <a:effectRef idx="0">
+        <a:scrgbClr r="0" g="0" b="0"/>
+      </a:effectRef>
+      <a:fontRef idx="minor"/>
+    </dgm:style>
+  </dgm:styleLbl>
+  <dgm:styleLbl name="asst0">
+    <dgm:scene3d>
+      <a:camera prst="orthographicFront"/>
+      <a:lightRig rig="threePt" dir="t"/>
+    </dgm:scene3d>
+    <dgm:sp3d/>
+    <dgm:txPr/>
+    <dgm:style>
+      <a:lnRef idx="2">
+        <a:scrgbClr r="0" g="0" b="0"/>
+      </a:lnRef>
+      <a:fillRef idx="1">
+        <a:scrgbClr r="0" g="0" b="0"/>
+      </a:fillRef>
+      <a:effectRef idx="0">
+        <a:scrgbClr r="0" g="0" b="0"/>
+      </a:effectRef>
+      <a:fontRef idx="minor">
+        <a:schemeClr val="lt1"/>
+      </a:fontRef>
+    </dgm:style>
+  </dgm:styleLbl>
+  <dgm:styleLbl name="asst1">
+    <dgm:scene3d>
+      <a:camera prst="orthographicFront"/>
+      <a:lightRig rig="threePt" dir="t"/>
+    </dgm:scene3d>
+    <dgm:sp3d/>
+    <dgm:txPr/>
+    <dgm:style>
+      <a:lnRef idx="2">
+        <a:scrgbClr r="0" g="0" b="0"/>
+      </a:lnRef>
+      <a:fillRef idx="1">
+        <a:scrgbClr r="0" g="0" b="0"/>
+      </a:fillRef>
+      <a:effectRef idx="0">
+        <a:scrgbClr r="0" g="0" b="0"/>
+      </a:effectRef>
+      <a:fontRef idx="minor">
+        <a:schemeClr val="lt1"/>
+      </a:fontRef>
+    </dgm:style>
+  </dgm:styleLbl>
+  <dgm:styleLbl name="asst2">
+    <dgm:scene3d>
+      <a:camera prst="orthographicFront"/>
+      <a:lightRig rig="threePt" dir="t"/>
+    </dgm:scene3d>
+    <dgm:sp3d/>
+    <dgm:txPr/>
+    <dgm:style>
+      <a:lnRef idx="2">
+        <a:scrgbClr r="0" g="0" b="0"/>
+      </a:lnRef>
+      <a:fillRef idx="1">
+        <a:scrgbClr r="0" g="0" b="0"/>
+      </a:fillRef>
+      <a:effectRef idx="0">
+        <a:scrgbClr r="0" g="0" b="0"/>
+      </a:effectRef>
+      <a:fontRef idx="minor">
+        <a:schemeClr val="lt1"/>
+      </a:fontRef>
+    </dgm:style>
+  </dgm:styleLbl>
+  <dgm:styleLbl name="asst3">
+    <dgm:scene3d>
+      <a:camera prst="orthographicFront"/>
+      <a:lightRig rig="threePt" dir="t"/>
+    </dgm:scene3d>
+    <dgm:sp3d/>
+    <dgm:txPr/>
+    <dgm:style>
+      <a:lnRef idx="2">
+        <a:scrgbClr r="0" g="0" b="0"/>
+      </a:lnRef>
+      <a:fillRef idx="1">
+        <a:scrgbClr r="0" g="0" b="0"/>
+      </a:fillRef>
+      <a:effectRef idx="0">
+        <a:scrgbClr r="0" g="0" b="0"/>
+      </a:effectRef>
+      <a:fontRef idx="minor">
+        <a:schemeClr val="lt1"/>
+      </a:fontRef>
+    </dgm:style>
+  </dgm:styleLbl>
+  <dgm:styleLbl name="asst4">
+    <dgm:scene3d>
+      <a:camera prst="orthographicFront"/>
+      <a:lightRig rig="threePt" dir="t"/>
+    </dgm:scene3d>
+    <dgm:sp3d/>
+    <dgm:txPr/>
+    <dgm:style>
+      <a:lnRef idx="2">
+        <a:scrgbClr r="0" g="0" b="0"/>
+      </a:lnRef>
+      <a:fillRef idx="1">
+        <a:scrgbClr r="0" g="0" b="0"/>
+      </a:fillRef>
+      <a:effectRef idx="0">
+        <a:scrgbClr r="0" g="0" b="0"/>
+      </a:effectRef>
+      <a:fontRef idx="minor">
+        <a:schemeClr val="lt1"/>
+      </a:fontRef>
+    </dgm:style>
+  </dgm:styleLbl>
+  <dgm:styleLbl name="parChTrans2D1">
+    <dgm:scene3d>
+      <a:camera prst="orthographicFront"/>
+      <a:lightRig rig="threePt" dir="t"/>
+    </dgm:scene3d>
+    <dgm:sp3d/>
+    <dgm:txPr/>
+    <dgm:style>
+      <a:lnRef idx="2">
+        <a:scrgbClr r="0" g="0" b="0"/>
+      </a:lnRef>
+      <a:fillRef idx="1">
+        <a:scrgbClr r="0" g="0" b="0"/>
+      </a:fillRef>
+      <a:effectRef idx="0">
+        <a:scrgbClr r="0" g="0" b="0"/>
+      </a:effectRef>
+      <a:fontRef idx="minor">
+        <a:schemeClr val="lt1"/>
+      </a:fontRef>
+    </dgm:style>
+  </dgm:styleLbl>
+  <dgm:styleLbl name="parChTrans2D2">
+    <dgm:scene3d>
+      <a:camera prst="orthographicFront"/>
+      <a:lightRig rig="threePt" dir="t"/>
+    </dgm:scene3d>
+    <dgm:sp3d/>
+    <dgm:txPr/>
+    <dgm:style>
+      <a:lnRef idx="2">
+        <a:scrgbClr r="0" g="0" b="0"/>
+      </a:lnRef>
+      <a:fillRef idx="1">
+        <a:scrgbClr r="0" g="0" b="0"/>
+      </a:fillRef>
+      <a:effectRef idx="0">
+        <a:scrgbClr r="0" g="0" b="0"/>
+      </a:effectRef>
+      <a:fontRef idx="minor">
+        <a:schemeClr val="lt1"/>
+      </a:fontRef>
+    </dgm:style>
+  </dgm:styleLbl>
+  <dgm:styleLbl name="parChTrans2D3">
+    <dgm:scene3d>
+      <a:camera prst="orthographicFront"/>
+      <a:lightRig rig="threePt" dir="t"/>
+    </dgm:scene3d>
+    <dgm:sp3d/>
+    <dgm:txPr/>
+    <dgm:style>
+      <a:lnRef idx="2">
+        <a:scrgbClr r="0" g="0" b="0"/>
+      </a:lnRef>
+      <a:fillRef idx="1">
+        <a:scrgbClr r="0" g="0" b="0"/>
+      </a:fillRef>
+      <a:effectRef idx="0">
+        <a:scrgbClr r="0" g="0" b="0"/>
+      </a:effectRef>
+      <a:fontRef idx="minor">
+        <a:schemeClr val="lt1"/>
+      </a:fontRef>
+    </dgm:style>
+  </dgm:styleLbl>
+  <dgm:styleLbl name="parChTrans2D4">
+    <dgm:scene3d>
+      <a:camera prst="orthographicFront"/>
+      <a:lightRig rig="threePt" dir="t"/>
+    </dgm:scene3d>
+    <dgm:sp3d/>
+    <dgm:txPr/>
+    <dgm:style>
+      <a:lnRef idx="2">
+        <a:scrgbClr r="0" g="0" b="0"/>
+      </a:lnRef>
+      <a:fillRef idx="1">
+        <a:scrgbClr r="0" g="0" b="0"/>
+      </a:fillRef>
+      <a:effectRef idx="0">
+        <a:scrgbClr r="0" g="0" b="0"/>
+      </a:effectRef>
+      <a:fontRef idx="minor">
+        <a:schemeClr val="lt1"/>
+      </a:fontRef>
+    </dgm:style>
+  </dgm:styleLbl>
+  <dgm:styleLbl name="parChTrans1D1">
+    <dgm:scene3d>
+      <a:camera prst="orthographicFront"/>
+      <a:lightRig rig="threePt" dir="t"/>
+    </dgm:scene3d>
+    <dgm:sp3d/>
+    <dgm:txPr/>
+    <dgm:style>
+      <a:lnRef idx="2">
+        <a:scrgbClr r="0" g="0" b="0"/>
+      </a:lnRef>
+      <a:fillRef idx="0">
+        <a:scrgbClr r="0" g="0" b="0"/>
+      </a:fillRef>
+      <a:effectRef idx="0">
+        <a:scrgbClr r="0" g="0" b="0"/>
+      </a:effectRef>
+      <a:fontRef idx="minor"/>
+    </dgm:style>
+  </dgm:styleLbl>
+  <dgm:styleLbl name="parChTrans1D2">
+    <dgm:scene3d>
+      <a:camera prst="orthographicFront"/>
+      <a:lightRig rig="threePt" dir="t"/>
+    </dgm:scene3d>
+    <dgm:sp3d/>
+    <dgm:txPr/>
+    <dgm:style>
+      <a:lnRef idx="2">
+        <a:scrgbClr r="0" g="0" b="0"/>
+      </a:lnRef>
+      <a:fillRef idx="0">
+        <a:scrgbClr r="0" g="0" b="0"/>
+      </a:fillRef>
+      <a:effectRef idx="0">
+        <a:scrgbClr r="0" g="0" b="0"/>
+      </a:effectRef>
+      <a:fontRef idx="minor"/>
+    </dgm:style>
+  </dgm:styleLbl>
+  <dgm:styleLbl name="parChTrans1D3">
+    <dgm:scene3d>
+      <a:camera prst="orthographicFront"/>
+      <a:lightRig rig="threePt" dir="t"/>
+    </dgm:scene3d>
+    <dgm:sp3d/>
+    <dgm:txPr/>
+    <dgm:style>
+      <a:lnRef idx="2">
+        <a:scrgbClr r="0" g="0" b="0"/>
+      </a:lnRef>
+      <a:fillRef idx="0">
+        <a:scrgbClr r="0" g="0" b="0"/>
+      </a:fillRef>
+      <a:effectRef idx="0">
+        <a:scrgbClr r="0" g="0" b="0"/>
+      </a:effectRef>
+      <a:fontRef idx="minor"/>
+    </dgm:style>
+  </dgm:styleLbl>
+  <dgm:styleLbl name="parChTrans1D4">
+    <dgm:scene3d>
+      <a:camera prst="orthographicFront"/>
+      <a:lightRig rig="threePt" dir="t"/>
+    </dgm:scene3d>
+    <dgm:sp3d/>
+    <dgm:txPr/>
+    <dgm:style>
+      <a:lnRef idx="2">
+        <a:scrgbClr r="0" g="0" b="0"/>
+      </a:lnRef>
+      <a:fillRef idx="0">
+        <a:scrgbClr r="0" g="0" b="0"/>
+      </a:fillRef>
+      <a:effectRef idx="0">
+        <a:scrgbClr r="0" g="0" b="0"/>
+      </a:effectRef>
+      <a:fontRef idx="minor"/>
+    </dgm:style>
+  </dgm:styleLbl>
+  <dgm:styleLbl name="fgAcc1">
+    <dgm:scene3d>
+      <a:camera prst="orthographicFront"/>
+      <a:lightRig rig="threePt" dir="t"/>
+    </dgm:scene3d>
+    <dgm:sp3d/>
+    <dgm:txPr/>
+    <dgm:style>
+      <a:lnRef idx="2">
+        <a:scrgbClr r="0" g="0" b="0"/>
+      </a:lnRef>
+      <a:fillRef idx="1">
+        <a:scrgbClr r="0" g="0" b="0"/>
+      </a:fillRef>
+      <a:effectRef idx="0">
+        <a:scrgbClr r="0" g="0" b="0"/>
+      </a:effectRef>
+      <a:fontRef idx="minor"/>
+    </dgm:style>
+  </dgm:styleLbl>
+  <dgm:styleLbl name="conFgAcc1">
+    <dgm:scene3d>
+      <a:camera prst="orthographicFront"/>
+      <a:lightRig rig="threePt" dir="t"/>
+    </dgm:scene3d>
+    <dgm:sp3d/>
+    <dgm:txPr/>
+    <dgm:style>
+      <a:lnRef idx="2">
+        <a:scrgbClr r="0" g="0" b="0"/>
+      </a:lnRef>
+      <a:fillRef idx="1">
+        <a:scrgbClr r="0" g="0" b="0"/>
+      </a:fillRef>
+      <a:effectRef idx="0">
+        <a:scrgbClr r="0" g="0" b="0"/>
+      </a:effectRef>
+      <a:fontRef idx="minor"/>
+    </dgm:style>
+  </dgm:styleLbl>
+  <dgm:styleLbl name="alignAcc1">
+    <dgm:scene3d>
+      <a:camera prst="orthographicFront"/>
+      <a:lightRig rig="threePt" dir="t"/>
+    </dgm:scene3d>
+    <dgm:sp3d/>
+    <dgm:txPr/>
+    <dgm:style>
+      <a:lnRef idx="2">
+        <a:scrgbClr r="0" g="0" b="0"/>
+      </a:lnRef>
+      <a:fillRef idx="1">
+        <a:scrgbClr r="0" g="0" b="0"/>
+      </a:fillRef>
+      <a:effectRef idx="0">
+        <a:scrgbClr r="0" g="0" b="0"/>
+      </a:effectRef>
+      <a:fontRef idx="minor"/>
+    </dgm:style>
+  </dgm:styleLbl>
+  <dgm:styleLbl name="trAlignAcc1">
+    <dgm:scene3d>
+      <a:camera prst="orthographicFront"/>
+      <a:lightRig rig="threePt" dir="t"/>
+    </dgm:scene3d>
+    <dgm:sp3d/>
+    <dgm:txPr/>
+    <dgm:style>
+      <a:lnRef idx="1">
+        <a:scrgbClr r="0" g="0" b="0"/>
+      </a:lnRef>
+      <a:fillRef idx="1">
+        <a:scrgbClr r="0" g="0" b="0"/>
+      </a:fillRef>
+      <a:effectRef idx="0">
+        <a:scrgbClr r="0" g="0" b="0"/>
+      </a:effectRef>
+      <a:fontRef idx="minor"/>
+    </dgm:style>
+  </dgm:styleLbl>
+  <dgm:styleLbl name="bgAcc1">
+    <dgm:scene3d>
+      <a:camera prst="orthographicFront"/>
+      <a:lightRig rig="threePt" dir="t"/>
+    </dgm:scene3d>
+    <dgm:sp3d/>
+    <dgm:txPr/>
+    <dgm:style>
+      <a:lnRef idx="2">
+        <a:scrgbClr r="0" g="0" b="0"/>
+      </a:lnRef>
+      <a:fillRef idx="1">
+        <a:scrgbClr r="0" g="0" b="0"/>
+      </a:fillRef>
+      <a:effectRef idx="0">
+        <a:scrgbClr r="0" g="0" b="0"/>
+      </a:effectRef>
+      <a:fontRef idx="minor"/>
+    </dgm:style>
+  </dgm:styleLbl>
+  <dgm:styleLbl name="solidFgAcc1">
+    <dgm:scene3d>
+      <a:camera prst="orthographicFront"/>
+      <a:lightRig rig="threePt" dir="t"/>
+    </dgm:scene3d>
+    <dgm:sp3d/>
+    <dgm:txPr/>
+    <dgm:style>
+      <a:lnRef idx="2">
+        <a:scrgbClr r="0" g="0" b="0"/>
+      </a:lnRef>
+      <a:fillRef idx="1">
+        <a:scrgbClr r="0" g="0" b="0"/>
+      </a:fillRef>
+      <a:effectRef idx="0">
+        <a:scrgbClr r="0" g="0" b="0"/>
+      </a:effectRef>
+      <a:fontRef idx="minor"/>
+    </dgm:style>
+  </dgm:styleLbl>
+  <dgm:styleLbl name="solidAlignAcc1">
+    <dgm:scene3d>
+      <a:camera prst="orthographicFront"/>
+      <a:lightRig rig="threePt" dir="t"/>
+    </dgm:scene3d>
+    <dgm:sp3d/>
+    <dgm:txPr/>
+    <dgm:style>
+      <a:lnRef idx="2">
+        <a:scrgbClr r="0" g="0" b="0"/>
+      </a:lnRef>
+      <a:fillRef idx="1">
+        <a:scrgbClr r="0" g="0" b="0"/>
+      </a:fillRef>
+      <a:effectRef idx="0">
+        <a:scrgbClr r="0" g="0" b="0"/>
+      </a:effectRef>
+      <a:fontRef idx="minor"/>
+    </dgm:style>
+  </dgm:styleLbl>
+  <dgm:styleLbl name="solidBgAcc1">
+    <dgm:scene3d>
+      <a:camera prst="orthographicFront"/>
+      <a:lightRig rig="threePt" dir="t"/>
+    </dgm:scene3d>
+    <dgm:sp3d/>
+    <dgm:txPr/>
+    <dgm:style>
+      <a:lnRef idx="2">
+        <a:scrgbClr r="0" g="0" b="0"/>
+      </a:lnRef>
+      <a:fillRef idx="1">
+        <a:scrgbClr r="0" g="0" b="0"/>
+      </a:fillRef>
+      <a:effectRef idx="0">
+        <a:scrgbClr r="0" g="0" b="0"/>
+      </a:effectRef>
+      <a:fontRef idx="minor"/>
+    </dgm:style>
+  </dgm:styleLbl>
+  <dgm:styleLbl name="fgAccFollowNode1">
+    <dgm:scene3d>
+      <a:camera prst="orthographicFront"/>
+      <a:lightRig rig="threePt" dir="t"/>
+    </dgm:scene3d>
+    <dgm:sp3d/>
+    <dgm:txPr/>
+    <dgm:style>
+      <a:lnRef idx="2">
+        <a:scrgbClr r="0" g="0" b="0"/>
+      </a:lnRef>
+      <a:fillRef idx="1">
+        <a:scrgbClr r="0" g="0" b="0"/>
+      </a:fillRef>
+      <a:effectRef idx="0">
+        <a:scrgbClr r="0" g="0" b="0"/>
+      </a:effectRef>
+      <a:fontRef idx="minor"/>
+    </dgm:style>
+  </dgm:styleLbl>
+  <dgm:styleLbl name="alignAccFollowNode1">
+    <dgm:scene3d>
+      <a:camera prst="orthographicFront"/>
+      <a:lightRig rig="threePt" dir="t"/>
+    </dgm:scene3d>
+    <dgm:sp3d/>
+    <dgm:txPr/>
+    <dgm:style>
+      <a:lnRef idx="2">
+        <a:scrgbClr r="0" g="0" b="0"/>
+      </a:lnRef>
+      <a:fillRef idx="1">
+        <a:scrgbClr r="0" g="0" b="0"/>
+      </a:fillRef>
+      <a:effectRef idx="0">
+        <a:scrgbClr r="0" g="0" b="0"/>
+      </a:effectRef>
+      <a:fontRef idx="minor"/>
+    </dgm:style>
+  </dgm:styleLbl>
+  <dgm:styleLbl name="bgAccFollowNode1">
+    <dgm:scene3d>
+      <a:camera prst="orthographicFront"/>
+      <a:lightRig rig="threePt" dir="t"/>
+    </dgm:scene3d>
+    <dgm:sp3d/>
+    <dgm:txPr/>
+    <dgm:style>
+      <a:lnRef idx="2">
+        <a:scrgbClr r="0" g="0" b="0"/>
+      </a:lnRef>
+      <a:fillRef idx="1">
+        <a:scrgbClr r="0" g="0" b="0"/>
+      </a:fillRef>
+      <a:effectRef idx="0">
+        <a:scrgbClr r="0" g="0" b="0"/>
+      </a:effectRef>
+      <a:fontRef idx="minor"/>
+    </dgm:style>
+  </dgm:styleLbl>
+  <dgm:styleLbl name="fgAcc0">
+    <dgm:scene3d>
+      <a:camera prst="orthographicFront"/>
+      <a:lightRig rig="threePt" dir="t"/>
+    </dgm:scene3d>
+    <dgm:sp3d/>
+    <dgm:txPr/>
+    <dgm:style>
+      <a:lnRef idx="2">
+        <a:scrgbClr r="0" g="0" b="0"/>
+      </a:lnRef>
+      <a:fillRef idx="1">
+        <a:scrgbClr r="0" g="0" b="0"/>
+      </a:fillRef>
+      <a:effectRef idx="0">
+        <a:scrgbClr r="0" g="0" b="0"/>
+      </a:effectRef>
+      <a:fontRef idx="minor"/>
+    </dgm:style>
+  </dgm:styleLbl>
+  <dgm:styleLbl name="fgAcc2">
+    <dgm:scene3d>
+      <a:camera prst="orthographicFront"/>
+      <a:lightRig rig="threePt" dir="t"/>
+    </dgm:scene3d>
+    <dgm:sp3d/>
+    <dgm:txPr/>
+    <dgm:style>
+      <a:lnRef idx="2">
+        <a:scrgbClr r="0" g="0" b="0"/>
+      </a:lnRef>
+      <a:fillRef idx="1">
+        <a:scrgbClr r="0" g="0" b="0"/>
+      </a:fillRef>
+      <a:effectRef idx="0">
+        <a:scrgbClr r="0" g="0" b="0"/>
+      </a:effectRef>
+      <a:fontRef idx="minor"/>
+    </dgm:style>
+  </dgm:styleLbl>
+  <dgm:styleLbl name="fgAcc3">
+    <dgm:scene3d>
+      <a:camera prst="orthographicFront"/>
+      <a:lightRig rig="threePt" dir="t"/>
+    </dgm:scene3d>
+    <dgm:sp3d/>
+    <dgm:txPr/>
+    <dgm:style>
+      <a:lnRef idx="2">
+        <a:scrgbClr r="0" g="0" b="0"/>
+      </a:lnRef>
+      <a:fillRef idx="1">
+        <a:scrgbClr r="0" g="0" b="0"/>
+      </a:fillRef>
+      <a:effectRef idx="0">
+        <a:scrgbClr r="0" g="0" b="0"/>
+      </a:effectRef>
+      <a:fontRef idx="minor"/>
+    </dgm:style>
+  </dgm:styleLbl>
+  <dgm:styleLbl name="fgAcc4">
+    <dgm:scene3d>
+      <a:camera prst="orthographicFront"/>
+      <a:lightRig rig="threePt" dir="t"/>
+    </dgm:scene3d>
+    <dgm:sp3d/>
+    <dgm:txPr/>
+    <dgm:style>
+      <a:lnRef idx="2">
+        <a:scrgbClr r="0" g="0" b="0"/>
+      </a:lnRef>
+      <a:fillRef idx="1">
+        <a:scrgbClr r="0" g="0" b="0"/>
+      </a:fillRef>
+      <a:effectRef idx="0">
+        <a:scrgbClr r="0" g="0" b="0"/>
+      </a:effectRef>
+      <a:fontRef idx="minor"/>
+    </dgm:style>
+  </dgm:styleLbl>
+  <dgm:styleLbl name="bgShp">
+    <dgm:scene3d>
+      <a:camera prst="orthographicFront"/>
+      <a:lightRig rig="threePt" dir="t"/>
+    </dgm:scene3d>
+    <dgm:sp3d/>
+    <dgm:txPr/>
+    <dgm:style>
+      <a:lnRef idx="0">
+        <a:scrgbClr r="0" g="0" b="0"/>
+      </a:lnRef>
+      <a:fillRef idx="1">
+        <a:scrgbClr r="0" g="0" b="0"/>
+      </a:fillRef>
+      <a:effectRef idx="0">
+        <a:scrgbClr r="0" g="0" b="0"/>
+      </a:effectRef>
+      <a:fontRef idx="minor"/>
+    </dgm:style>
+  </dgm:styleLbl>
+  <dgm:styleLbl name="dkBgShp">
+    <dgm:scene3d>
+      <a:camera prst="orthographicFront"/>
+      <a:lightRig rig="threePt" dir="t"/>
+    </dgm:scene3d>
+    <dgm:sp3d/>
+    <dgm:txPr/>
+    <dgm:style>
+      <a:lnRef idx="0">
+        <a:scrgbClr r="0" g="0" b="0"/>
+      </a:lnRef>
+      <a:fillRef idx="1">
+        <a:scrgbClr r="0" g="0" b="0"/>
+      </a:fillRef>
+      <a:effectRef idx="0">
+        <a:scrgbClr r="0" g="0" b="0"/>
+      </a:effectRef>
+      <a:fontRef idx="minor"/>
+    </dgm:style>
+  </dgm:styleLbl>
+  <dgm:styleLbl name="trBgShp">
+    <dgm:scene3d>
+      <a:camera prst="orthographicFront"/>
+      <a:lightRig rig="threePt" dir="t"/>
+    </dgm:scene3d>
+    <dgm:sp3d/>
+    <dgm:txPr/>
+    <dgm:style>
+      <a:lnRef idx="0">
+        <a:scrgbClr r="0" g="0" b="0"/>
+      </a:lnRef>
+      <a:fillRef idx="1">
+        <a:scrgbClr r="0" g="0" b="0"/>
+      </a:fillRef>
+      <a:effectRef idx="0">
+        <a:scrgbClr r="0" g="0" b="0"/>
+      </a:effectRef>
+      <a:fontRef idx="minor"/>
+    </dgm:style>
+  </dgm:styleLbl>
+  <dgm:styleLbl name="fgShp">
+    <dgm:scene3d>
+      <a:camera prst="orthographicFront"/>
+      <a:lightRig rig="threePt" dir="t"/>
+    </dgm:scene3d>
+    <dgm:sp3d/>
+    <dgm:txPr/>
+    <dgm:style>
+      <a:lnRef idx="2">
+        <a:scrgbClr r="0" g="0" b="0"/>
+      </a:lnRef>
+      <a:fillRef idx="1">
+        <a:scrgbClr r="0" g="0" b="0"/>
+      </a:fillRef>
+      <a:effectRef idx="0">
+        <a:scrgbClr r="0" g="0" b="0"/>
+      </a:effectRef>
+      <a:fontRef idx="minor"/>
+    </dgm:style>
+  </dgm:styleLbl>
+  <dgm:styleLbl name="revTx">
+    <dgm:scene3d>
+      <a:camera prst="orthographicFront"/>
+      <a:lightRig rig="threePt" dir="t"/>
+    </dgm:scene3d>
+    <dgm:sp3d/>
+    <dgm:txPr/>
+    <dgm:style>
+      <a:lnRef idx="0">
+        <a:scrgbClr r="0" g="0" b="0"/>
+      </a:lnRef>
+      <a:fillRef idx="0">
+        <a:scrgbClr r="0" g="0" b="0"/>
+      </a:fillRef>
+      <a:effectRef idx="0">
+        <a:scrgbClr r="0" g="0" b="0"/>
+      </a:effectRef>
+      <a:fontRef idx="minor"/>
+    </dgm:style>
+  </dgm:styleLbl>
+</dgm:styleDef>
+</file>
+
 <file path=ppt/slideLayouts/slideLayout1.xml><?xml version="1.0" encoding="utf-8"?>
 <p:sldLayout xmlns:a="http://schemas.openxmlformats.org/drawingml/2006/main" xmlns:r="http://schemas.openxmlformats.org/officeDocument/2006/relationships" xmlns:p="http://schemas.openxmlformats.org/presentationml/2006/main" type="title" preserve="1">
   <p:cSld name="Titelfolie">
@@ -26340,7 +31899,7 @@
             <a:fld id="{885CCBED-C31E-47D3-A9A7-1D079F435B68}" type="datetimeFigureOut">
               <a:rPr lang="de-DE" smtClean="0"/>
               <a:pPr/>
-              <a:t>01.07.2015</a:t>
+              <a:t>02.07.2015</a:t>
             </a:fld>
             <a:endParaRPr lang="de-DE"/>
           </a:p>
@@ -26392,7 +31951,7 @@
     </p:spTree>
     <p:extLst>
       <p:ext uri="{BB962C8B-B14F-4D97-AF65-F5344CB8AC3E}">
-        <p14:creationId xmlns:p14="http://schemas.microsoft.com/office/powerpoint/2010/main" xmlns="" val="2733793686"/>
+        <p14:creationId xmlns="" xmlns:p14="http://schemas.microsoft.com/office/powerpoint/2010/main" val="2733793686"/>
       </p:ext>
     </p:extLst>
   </p:cSld>
@@ -26512,7 +32071,7 @@
             <a:fld id="{885CCBED-C31E-47D3-A9A7-1D079F435B68}" type="datetimeFigureOut">
               <a:rPr lang="de-DE" smtClean="0"/>
               <a:pPr/>
-              <a:t>01.07.2015</a:t>
+              <a:t>02.07.2015</a:t>
             </a:fld>
             <a:endParaRPr lang="de-DE"/>
           </a:p>
@@ -26564,7 +32123,7 @@
     </p:spTree>
     <p:extLst>
       <p:ext uri="{BB962C8B-B14F-4D97-AF65-F5344CB8AC3E}">
-        <p14:creationId xmlns:p14="http://schemas.microsoft.com/office/powerpoint/2010/main" xmlns="" val="3880352075"/>
+        <p14:creationId xmlns="" xmlns:p14="http://schemas.microsoft.com/office/powerpoint/2010/main" val="3880352075"/>
       </p:ext>
     </p:extLst>
   </p:cSld>
@@ -26694,7 +32253,7 @@
             <a:fld id="{885CCBED-C31E-47D3-A9A7-1D079F435B68}" type="datetimeFigureOut">
               <a:rPr lang="de-DE" smtClean="0"/>
               <a:pPr/>
-              <a:t>01.07.2015</a:t>
+              <a:t>02.07.2015</a:t>
             </a:fld>
             <a:endParaRPr lang="de-DE"/>
           </a:p>
@@ -26746,7 +32305,7 @@
     </p:spTree>
     <p:extLst>
       <p:ext uri="{BB962C8B-B14F-4D97-AF65-F5344CB8AC3E}">
-        <p14:creationId xmlns:p14="http://schemas.microsoft.com/office/powerpoint/2010/main" xmlns="" val="3117815539"/>
+        <p14:creationId xmlns="" xmlns:p14="http://schemas.microsoft.com/office/powerpoint/2010/main" val="3117815539"/>
       </p:ext>
     </p:extLst>
   </p:cSld>
@@ -26866,7 +32425,7 @@
             <a:fld id="{885CCBED-C31E-47D3-A9A7-1D079F435B68}" type="datetimeFigureOut">
               <a:rPr lang="de-DE" smtClean="0"/>
               <a:pPr/>
-              <a:t>01.07.2015</a:t>
+              <a:t>02.07.2015</a:t>
             </a:fld>
             <a:endParaRPr lang="de-DE"/>
           </a:p>
@@ -26918,7 +32477,7 @@
     </p:spTree>
     <p:extLst>
       <p:ext uri="{BB962C8B-B14F-4D97-AF65-F5344CB8AC3E}">
-        <p14:creationId xmlns:p14="http://schemas.microsoft.com/office/powerpoint/2010/main" xmlns="" val="1561288167"/>
+        <p14:creationId xmlns="" xmlns:p14="http://schemas.microsoft.com/office/powerpoint/2010/main" val="1561288167"/>
       </p:ext>
     </p:extLst>
   </p:cSld>
@@ -27114,7 +32673,7 @@
             <a:fld id="{885CCBED-C31E-47D3-A9A7-1D079F435B68}" type="datetimeFigureOut">
               <a:rPr lang="de-DE" smtClean="0"/>
               <a:pPr/>
-              <a:t>01.07.2015</a:t>
+              <a:t>02.07.2015</a:t>
             </a:fld>
             <a:endParaRPr lang="de-DE"/>
           </a:p>
@@ -27166,7 +32725,7 @@
     </p:spTree>
     <p:extLst>
       <p:ext uri="{BB962C8B-B14F-4D97-AF65-F5344CB8AC3E}">
-        <p14:creationId xmlns:p14="http://schemas.microsoft.com/office/powerpoint/2010/main" xmlns="" val="3327050058"/>
+        <p14:creationId xmlns="" xmlns:p14="http://schemas.microsoft.com/office/powerpoint/2010/main" val="3327050058"/>
       </p:ext>
     </p:extLst>
   </p:cSld>
@@ -27404,7 +32963,7 @@
             <a:fld id="{885CCBED-C31E-47D3-A9A7-1D079F435B68}" type="datetimeFigureOut">
               <a:rPr lang="de-DE" smtClean="0"/>
               <a:pPr/>
-              <a:t>01.07.2015</a:t>
+              <a:t>02.07.2015</a:t>
             </a:fld>
             <a:endParaRPr lang="de-DE"/>
           </a:p>
@@ -27456,7 +33015,7 @@
     </p:spTree>
     <p:extLst>
       <p:ext uri="{BB962C8B-B14F-4D97-AF65-F5344CB8AC3E}">
-        <p14:creationId xmlns:p14="http://schemas.microsoft.com/office/powerpoint/2010/main" xmlns="" val="4077960206"/>
+        <p14:creationId xmlns="" xmlns:p14="http://schemas.microsoft.com/office/powerpoint/2010/main" val="4077960206"/>
       </p:ext>
     </p:extLst>
   </p:cSld>
@@ -27828,7 +33387,7 @@
             <a:fld id="{885CCBED-C31E-47D3-A9A7-1D079F435B68}" type="datetimeFigureOut">
               <a:rPr lang="de-DE" smtClean="0"/>
               <a:pPr/>
-              <a:t>01.07.2015</a:t>
+              <a:t>02.07.2015</a:t>
             </a:fld>
             <a:endParaRPr lang="de-DE"/>
           </a:p>
@@ -27880,7 +33439,7 @@
     </p:spTree>
     <p:extLst>
       <p:ext uri="{BB962C8B-B14F-4D97-AF65-F5344CB8AC3E}">
-        <p14:creationId xmlns:p14="http://schemas.microsoft.com/office/powerpoint/2010/main" xmlns="" val="505858674"/>
+        <p14:creationId xmlns="" xmlns:p14="http://schemas.microsoft.com/office/powerpoint/2010/main" val="505858674"/>
       </p:ext>
     </p:extLst>
   </p:cSld>
@@ -27948,7 +33507,7 @@
             <a:fld id="{885CCBED-C31E-47D3-A9A7-1D079F435B68}" type="datetimeFigureOut">
               <a:rPr lang="de-DE" smtClean="0"/>
               <a:pPr/>
-              <a:t>01.07.2015</a:t>
+              <a:t>02.07.2015</a:t>
             </a:fld>
             <a:endParaRPr lang="de-DE"/>
           </a:p>
@@ -28000,7 +33559,7 @@
     </p:spTree>
     <p:extLst>
       <p:ext uri="{BB962C8B-B14F-4D97-AF65-F5344CB8AC3E}">
-        <p14:creationId xmlns:p14="http://schemas.microsoft.com/office/powerpoint/2010/main" xmlns="" val="1529272143"/>
+        <p14:creationId xmlns="" xmlns:p14="http://schemas.microsoft.com/office/powerpoint/2010/main" val="1529272143"/>
       </p:ext>
     </p:extLst>
   </p:cSld>
@@ -28045,7 +33604,7 @@
             <a:fld id="{885CCBED-C31E-47D3-A9A7-1D079F435B68}" type="datetimeFigureOut">
               <a:rPr lang="de-DE" smtClean="0"/>
               <a:pPr/>
-              <a:t>01.07.2015</a:t>
+              <a:t>02.07.2015</a:t>
             </a:fld>
             <a:endParaRPr lang="de-DE"/>
           </a:p>
@@ -28097,7 +33656,7 @@
     </p:spTree>
     <p:extLst>
       <p:ext uri="{BB962C8B-B14F-4D97-AF65-F5344CB8AC3E}">
-        <p14:creationId xmlns:p14="http://schemas.microsoft.com/office/powerpoint/2010/main" xmlns="" val="2436495648"/>
+        <p14:creationId xmlns="" xmlns:p14="http://schemas.microsoft.com/office/powerpoint/2010/main" val="2436495648"/>
       </p:ext>
     </p:extLst>
   </p:cSld>
@@ -28324,7 +33883,7 @@
             <a:fld id="{885CCBED-C31E-47D3-A9A7-1D079F435B68}" type="datetimeFigureOut">
               <a:rPr lang="de-DE" smtClean="0"/>
               <a:pPr/>
-              <a:t>01.07.2015</a:t>
+              <a:t>02.07.2015</a:t>
             </a:fld>
             <a:endParaRPr lang="de-DE"/>
           </a:p>
@@ -28376,7 +33935,7 @@
     </p:spTree>
     <p:extLst>
       <p:ext uri="{BB962C8B-B14F-4D97-AF65-F5344CB8AC3E}">
-        <p14:creationId xmlns:p14="http://schemas.microsoft.com/office/powerpoint/2010/main" xmlns="" val="606203404"/>
+        <p14:creationId xmlns="" xmlns:p14="http://schemas.microsoft.com/office/powerpoint/2010/main" val="606203404"/>
       </p:ext>
     </p:extLst>
   </p:cSld>
@@ -28579,7 +34138,7 @@
             <a:fld id="{885CCBED-C31E-47D3-A9A7-1D079F435B68}" type="datetimeFigureOut">
               <a:rPr lang="de-DE" smtClean="0"/>
               <a:pPr/>
-              <a:t>01.07.2015</a:t>
+              <a:t>02.07.2015</a:t>
             </a:fld>
             <a:endParaRPr lang="de-DE"/>
           </a:p>
@@ -28631,7 +34190,7 @@
     </p:spTree>
     <p:extLst>
       <p:ext uri="{BB962C8B-B14F-4D97-AF65-F5344CB8AC3E}">
-        <p14:creationId xmlns:p14="http://schemas.microsoft.com/office/powerpoint/2010/main" xmlns="" val="925235859"/>
+        <p14:creationId xmlns="" xmlns:p14="http://schemas.microsoft.com/office/powerpoint/2010/main" val="925235859"/>
       </p:ext>
     </p:extLst>
   </p:cSld>
@@ -28794,7 +34353,7 @@
             <a:fld id="{885CCBED-C31E-47D3-A9A7-1D079F435B68}" type="datetimeFigureOut">
               <a:rPr lang="de-DE" smtClean="0"/>
               <a:pPr/>
-              <a:t>01.07.2015</a:t>
+              <a:t>02.07.2015</a:t>
             </a:fld>
             <a:endParaRPr lang="de-DE"/>
           </a:p>
@@ -28882,7 +34441,7 @@
     </p:spTree>
     <p:extLst>
       <p:ext uri="{BB962C8B-B14F-4D97-AF65-F5344CB8AC3E}">
-        <p14:creationId xmlns:p14="http://schemas.microsoft.com/office/powerpoint/2010/main" xmlns="" val="3018760835"/>
+        <p14:creationId xmlns="" xmlns:p14="http://schemas.microsoft.com/office/powerpoint/2010/main" val="3018760835"/>
       </p:ext>
     </p:extLst>
   </p:cSld>
@@ -29189,11 +34748,7 @@
           <a:p>
             <a:r>
               <a:rPr lang="de-DE" dirty="0" smtClean="0"/>
-              <a:t>Funktionale </a:t>
-            </a:r>
-            <a:r>
-              <a:rPr lang="de-DE" dirty="0" smtClean="0"/>
-              <a:t>Anforderung Datenhaltung</a:t>
+              <a:t>Funktionale Anforderung Datenhaltung</a:t>
             </a:r>
             <a:endParaRPr lang="de-DE" dirty="0"/>
           </a:p>
@@ -29267,6 +34822,327 @@
           <a:lstStyle/>
           <a:p>
             <a:r>
+              <a:rPr lang="de-DE" dirty="0" err="1"/>
+              <a:t>SyncKP</a:t>
+            </a:r>
+            <a:r>
+              <a:rPr lang="de-DE" dirty="0"/>
+              <a:t> - </a:t>
+            </a:r>
+            <a:r>
+              <a:rPr lang="de-DE" dirty="0" smtClean="0"/>
+              <a:t>Beschreibung</a:t>
+            </a:r>
+            <a:endParaRPr lang="de-DE" dirty="0"/>
+          </a:p>
+        </p:txBody>
+      </p:sp>
+      <p:sp>
+        <p:nvSpPr>
+          <p:cNvPr id="3" name="Inhaltsplatzhalter 2"/>
+          <p:cNvSpPr>
+            <a:spLocks noGrp="1"/>
+          </p:cNvSpPr>
+          <p:nvPr>
+            <p:ph idx="1"/>
+          </p:nvPr>
+        </p:nvSpPr>
+        <p:spPr/>
+        <p:txBody>
+          <a:bodyPr>
+            <a:normAutofit fontScale="92500" lnSpcReduction="10000"/>
+          </a:bodyPr>
+          <a:lstStyle/>
+          <a:p>
+            <a:pPr marL="0" indent="0">
+              <a:buNone/>
+            </a:pPr>
+            <a:r>
+              <a:rPr lang="en-US" sz="2800" i="1" dirty="0" smtClean="0"/>
+              <a:t>“The </a:t>
+            </a:r>
+            <a:r>
+              <a:rPr lang="en-US" sz="2800" i="1" dirty="0"/>
+              <a:t>identification of context points that need to be sent to other peers uses the time when a peer was last met and retrieves all context points from the knowledge base that were updated since</a:t>
+            </a:r>
+            <a:r>
+              <a:rPr lang="en-US" sz="2800" i="1" dirty="0" smtClean="0"/>
+              <a:t>.” </a:t>
+            </a:r>
+            <a:r>
+              <a:rPr lang="en-US" sz="2800" dirty="0" smtClean="0"/>
+              <a:t>– </a:t>
+            </a:r>
+            <a:r>
+              <a:rPr lang="en-US" sz="2800" dirty="0" err="1" smtClean="0"/>
+              <a:t>JavaDoc</a:t>
+            </a:r>
+            <a:r>
+              <a:rPr lang="en-US" sz="2800" dirty="0" smtClean="0"/>
+              <a:t> </a:t>
+            </a:r>
+            <a:r>
+              <a:rPr lang="de-DE" sz="2800" dirty="0" err="1"/>
+              <a:t>SyncKP</a:t>
+            </a:r>
+            <a:r>
+              <a:rPr lang="de-DE" sz="2800" dirty="0"/>
+              <a:t> </a:t>
+            </a:r>
+          </a:p>
+          <a:p>
+            <a:pPr marL="0" indent="0">
+              <a:buNone/>
+            </a:pPr>
+            <a:endParaRPr lang="de-DE" sz="2800" dirty="0" smtClean="0"/>
+          </a:p>
+          <a:p>
+            <a:r>
+              <a:rPr lang="de-DE" dirty="0" smtClean="0"/>
+              <a:t>Synchronisation über Zeitstempel</a:t>
+            </a:r>
+          </a:p>
+          <a:p>
+            <a:r>
+              <a:rPr lang="de-DE" dirty="0" smtClean="0"/>
+              <a:t>Hält Zeitstempel für </a:t>
+            </a:r>
+            <a:r>
+              <a:rPr lang="de-DE" u="sng" dirty="0" smtClean="0"/>
+              <a:t>jeden</a:t>
+            </a:r>
+            <a:r>
+              <a:rPr lang="de-DE" dirty="0" smtClean="0"/>
+              <a:t> Peer in der KB.</a:t>
+            </a:r>
+          </a:p>
+          <a:p>
+            <a:r>
+              <a:rPr lang="de-DE" dirty="0" smtClean="0"/>
+              <a:t>Die </a:t>
+            </a:r>
+            <a:r>
+              <a:rPr lang="de-DE" dirty="0" err="1" smtClean="0"/>
+              <a:t>retrieve</a:t>
+            </a:r>
+            <a:r>
+              <a:rPr lang="de-DE" dirty="0" smtClean="0"/>
+              <a:t>(Date) Methode </a:t>
+            </a:r>
+            <a:r>
+              <a:rPr lang="de-DE" dirty="0"/>
+              <a:t>sammelt alle </a:t>
+            </a:r>
+            <a:r>
+              <a:rPr lang="de-DE" dirty="0" err="1" smtClean="0"/>
+              <a:t>ContextPoint</a:t>
+            </a:r>
+            <a:r>
+              <a:rPr lang="de-DE" dirty="0" smtClean="0"/>
+              <a:t> die nach einem bestimmten Datum erstellt wurden.</a:t>
+            </a:r>
+            <a:endParaRPr lang="de-DE" dirty="0"/>
+          </a:p>
+          <a:p>
+            <a:pPr marL="0" indent="0">
+              <a:buNone/>
+            </a:pPr>
+            <a:endParaRPr lang="de-DE" dirty="0"/>
+          </a:p>
+        </p:txBody>
+      </p:sp>
+    </p:spTree>
+    <p:extLst>
+      <p:ext uri="{BB962C8B-B14F-4D97-AF65-F5344CB8AC3E}">
+        <p14:creationId xmlns="" xmlns:p14="http://schemas.microsoft.com/office/powerpoint/2010/main" val="2033118201"/>
+      </p:ext>
+    </p:extLst>
+  </p:cSld>
+  <p:clrMapOvr>
+    <a:masterClrMapping/>
+  </p:clrMapOvr>
+  <p:timing>
+    <p:tnLst>
+      <p:par>
+        <p:cTn id="1" dur="indefinite" restart="never" nodeType="tmRoot"/>
+      </p:par>
+    </p:tnLst>
+  </p:timing>
+</p:sld>
+</file>
+
+<file path=ppt/slides/slide11.xml><?xml version="1.0" encoding="utf-8"?>
+<p:sld xmlns:a="http://schemas.openxmlformats.org/drawingml/2006/main" xmlns:r="http://schemas.openxmlformats.org/officeDocument/2006/relationships" xmlns:p="http://schemas.openxmlformats.org/presentationml/2006/main">
+  <p:cSld>
+    <p:spTree>
+      <p:nvGrpSpPr>
+        <p:cNvPr id="1" name=""/>
+        <p:cNvGrpSpPr/>
+        <p:nvPr/>
+      </p:nvGrpSpPr>
+      <p:grpSpPr>
+        <a:xfrm>
+          <a:off x="0" y="0"/>
+          <a:ext cx="0" cy="0"/>
+          <a:chOff x="0" y="0"/>
+          <a:chExt cx="0" cy="0"/>
+        </a:xfrm>
+      </p:grpSpPr>
+      <p:sp>
+        <p:nvSpPr>
+          <p:cNvPr id="2" name="Titel 1"/>
+          <p:cNvSpPr>
+            <a:spLocks noGrp="1"/>
+          </p:cNvSpPr>
+          <p:nvPr>
+            <p:ph type="title"/>
+          </p:nvPr>
+        </p:nvSpPr>
+        <p:spPr/>
+        <p:txBody>
+          <a:bodyPr/>
+          <a:lstStyle/>
+          <a:p>
+            <a:r>
+              <a:rPr lang="de-DE" dirty="0" err="1"/>
+              <a:t>SyncKP</a:t>
+            </a:r>
+            <a:r>
+              <a:rPr lang="de-DE" dirty="0"/>
+              <a:t> </a:t>
+            </a:r>
+            <a:r>
+              <a:rPr lang="de-DE" dirty="0" smtClean="0"/>
+              <a:t>- </a:t>
+            </a:r>
+            <a:r>
+              <a:rPr lang="de-DE" dirty="0" err="1" smtClean="0"/>
+              <a:t>TimestampList</a:t>
+            </a:r>
+            <a:endParaRPr lang="de-DE" dirty="0"/>
+          </a:p>
+        </p:txBody>
+      </p:sp>
+      <p:sp>
+        <p:nvSpPr>
+          <p:cNvPr id="3" name="Inhaltsplatzhalter 2"/>
+          <p:cNvSpPr>
+            <a:spLocks noGrp="1"/>
+          </p:cNvSpPr>
+          <p:nvPr>
+            <p:ph idx="1"/>
+          </p:nvPr>
+        </p:nvSpPr>
+        <p:spPr/>
+        <p:txBody>
+          <a:bodyPr/>
+          <a:lstStyle/>
+          <a:p>
+            <a:r>
+              <a:rPr lang="de-DE" dirty="0"/>
+              <a:t>Liste von </a:t>
+            </a:r>
+            <a:r>
+              <a:rPr lang="de-DE" dirty="0" err="1" smtClean="0"/>
+              <a:t>PeerTimestamp</a:t>
+            </a:r>
+            <a:r>
+              <a:rPr lang="de-DE" dirty="0"/>
+              <a:t> zugeordnet zu einer </a:t>
+            </a:r>
+            <a:r>
+              <a:rPr lang="de-DE" dirty="0" err="1" smtClean="0"/>
+              <a:t>SyncKB</a:t>
+            </a:r>
+            <a:r>
+              <a:rPr lang="de-DE" dirty="0" smtClean="0"/>
+              <a:t>.</a:t>
+            </a:r>
+          </a:p>
+          <a:p>
+            <a:r>
+              <a:rPr lang="de-DE" dirty="0" err="1" smtClean="0"/>
+              <a:t>PeerTimestamp</a:t>
+            </a:r>
+            <a:r>
+              <a:rPr lang="de-DE" dirty="0" smtClean="0"/>
+              <a:t> ordnet Peer ein Datum zu.</a:t>
+            </a:r>
+          </a:p>
+          <a:p>
+            <a:r>
+              <a:rPr lang="de-DE" dirty="0" smtClean="0"/>
+              <a:t>Liste wird als XML (nicht wohlgeformt) an der </a:t>
+            </a:r>
+            <a:r>
+              <a:rPr lang="de-DE" dirty="0" err="1" smtClean="0"/>
+              <a:t>SyncKB</a:t>
+            </a:r>
+            <a:r>
+              <a:rPr lang="de-DE" dirty="0"/>
+              <a:t> gespeichert (als </a:t>
+            </a:r>
+            <a:r>
+              <a:rPr lang="de-DE" dirty="0" smtClean="0"/>
+              <a:t>Property).</a:t>
+            </a:r>
+            <a:endParaRPr lang="de-DE" dirty="0"/>
+          </a:p>
+        </p:txBody>
+      </p:sp>
+    </p:spTree>
+    <p:extLst>
+      <p:ext uri="{BB962C8B-B14F-4D97-AF65-F5344CB8AC3E}">
+        <p14:creationId xmlns="" xmlns:p14="http://schemas.microsoft.com/office/powerpoint/2010/main" val="259545915"/>
+      </p:ext>
+    </p:extLst>
+  </p:cSld>
+  <p:clrMapOvr>
+    <a:masterClrMapping/>
+  </p:clrMapOvr>
+  <p:timing>
+    <p:tnLst>
+      <p:par>
+        <p:cTn id="1" dur="indefinite" restart="never" nodeType="tmRoot"/>
+      </p:par>
+    </p:tnLst>
+  </p:timing>
+</p:sld>
+</file>
+
+<file path=ppt/slides/slide12.xml><?xml version="1.0" encoding="utf-8"?>
+<p:sld xmlns:a="http://schemas.openxmlformats.org/drawingml/2006/main" xmlns:r="http://schemas.openxmlformats.org/officeDocument/2006/relationships" xmlns:p="http://schemas.openxmlformats.org/presentationml/2006/main">
+  <p:cSld>
+    <p:spTree>
+      <p:nvGrpSpPr>
+        <p:cNvPr id="1" name=""/>
+        <p:cNvGrpSpPr/>
+        <p:nvPr/>
+      </p:nvGrpSpPr>
+      <p:grpSpPr>
+        <a:xfrm>
+          <a:off x="0" y="0"/>
+          <a:ext cx="0" cy="0"/>
+          <a:chOff x="0" y="0"/>
+          <a:chExt cx="0" cy="0"/>
+        </a:xfrm>
+      </p:grpSpPr>
+      <p:sp>
+        <p:nvSpPr>
+          <p:cNvPr id="2" name="Titel 1"/>
+          <p:cNvSpPr>
+            <a:spLocks noGrp="1"/>
+          </p:cNvSpPr>
+          <p:nvPr>
+            <p:ph type="title"/>
+          </p:nvPr>
+        </p:nvSpPr>
+        <p:spPr/>
+        <p:txBody>
+          <a:bodyPr/>
+          <a:lstStyle/>
+          <a:p>
+            <a:r>
               <a:rPr lang="de-DE" dirty="0" err="1" smtClean="0"/>
               <a:t>SyncKP</a:t>
             </a:r>
@@ -29288,7 +35164,7 @@
             <p:ph idx="1"/>
             <p:extLst>
               <p:ext uri="{D42A27DB-BD31-4B8C-83A1-F6EECF244321}">
-                <p14:modId xmlns:p14="http://schemas.microsoft.com/office/powerpoint/2010/main" xmlns="" val="3114557960"/>
+                <p14:modId xmlns="" xmlns:p14="http://schemas.microsoft.com/office/powerpoint/2010/main" val="3114557960"/>
               </p:ext>
             </p:extLst>
           </p:nvPr>
@@ -29352,7 +35228,7 @@
     </p:spTree>
     <p:extLst>
       <p:ext uri="{BB962C8B-B14F-4D97-AF65-F5344CB8AC3E}">
-        <p14:creationId xmlns:p14="http://schemas.microsoft.com/office/powerpoint/2010/main" xmlns="" val="2063753429"/>
+        <p14:creationId xmlns="" xmlns:p14="http://schemas.microsoft.com/office/powerpoint/2010/main" val="2063753429"/>
       </p:ext>
     </p:extLst>
   </p:cSld>
@@ -29369,7 +35245,7 @@
 </p:sld>
 </file>
 
-<file path=ppt/slides/slide11.xml><?xml version="1.0" encoding="utf-8"?>
+<file path=ppt/slides/slide13.xml><?xml version="1.0" encoding="utf-8"?>
 <p:sld xmlns:a="http://schemas.openxmlformats.org/drawingml/2006/main" xmlns:r="http://schemas.openxmlformats.org/officeDocument/2006/relationships" xmlns:p="http://schemas.openxmlformats.org/presentationml/2006/main">
   <p:cSld>
     <p:spTree>
@@ -29431,7 +35307,7 @@
             <p:ph idx="1"/>
             <p:extLst>
               <p:ext uri="{D42A27DB-BD31-4B8C-83A1-F6EECF244321}">
-                <p14:modId xmlns:p14="http://schemas.microsoft.com/office/powerpoint/2010/main" xmlns="" val="2848394819"/>
+                <p14:modId xmlns="" xmlns:p14="http://schemas.microsoft.com/office/powerpoint/2010/main" val="2848394819"/>
               </p:ext>
             </p:extLst>
           </p:nvPr>
@@ -29449,7 +35325,7 @@
     </p:spTree>
     <p:extLst>
       <p:ext uri="{BB962C8B-B14F-4D97-AF65-F5344CB8AC3E}">
-        <p14:creationId xmlns:p14="http://schemas.microsoft.com/office/powerpoint/2010/main" xmlns="" val="3003817873"/>
+        <p14:creationId xmlns="" xmlns:p14="http://schemas.microsoft.com/office/powerpoint/2010/main" val="3003817873"/>
       </p:ext>
     </p:extLst>
   </p:cSld>
@@ -29466,7 +35342,7 @@
 </p:sld>
 </file>
 
-<file path=ppt/slides/slide12.xml><?xml version="1.0" encoding="utf-8"?>
+<file path=ppt/slides/slide14.xml><?xml version="1.0" encoding="utf-8"?>
 <p:sld xmlns:a="http://schemas.openxmlformats.org/drawingml/2006/main" xmlns:r="http://schemas.openxmlformats.org/officeDocument/2006/relationships" xmlns:p="http://schemas.openxmlformats.org/presentationml/2006/main">
   <p:cSld>
     <p:spTree>
@@ -29531,7 +35407,7 @@
             <p:ph idx="1"/>
             <p:extLst>
               <p:ext uri="{D42A27DB-BD31-4B8C-83A1-F6EECF244321}">
-                <p14:modId xmlns:p14="http://schemas.microsoft.com/office/powerpoint/2010/main" xmlns="" val="2609194652"/>
+                <p14:modId xmlns="" xmlns:p14="http://schemas.microsoft.com/office/powerpoint/2010/main" val="2609194652"/>
               </p:ext>
             </p:extLst>
           </p:nvPr>
@@ -29606,7 +35482,7 @@
     </p:spTree>
     <p:extLst>
       <p:ext uri="{BB962C8B-B14F-4D97-AF65-F5344CB8AC3E}">
-        <p14:creationId xmlns:p14="http://schemas.microsoft.com/office/powerpoint/2010/main" xmlns="" val="2348694249"/>
+        <p14:creationId xmlns="" xmlns:p14="http://schemas.microsoft.com/office/powerpoint/2010/main" val="2348694249"/>
       </p:ext>
     </p:extLst>
   </p:cSld>
@@ -29623,7 +35499,7 @@
 </p:sld>
 </file>
 
-<file path=ppt/slides/slide13.xml><?xml version="1.0" encoding="utf-8"?>
+<file path=ppt/slides/slide15.xml><?xml version="1.0" encoding="utf-8"?>
 <p:sld xmlns:a="http://schemas.openxmlformats.org/drawingml/2006/main" xmlns:r="http://schemas.openxmlformats.org/officeDocument/2006/relationships" xmlns:p="http://schemas.openxmlformats.org/presentationml/2006/main">
   <p:cSld>
     <p:spTree>
@@ -29708,7 +35584,7 @@
     </p:spTree>
     <p:extLst>
       <p:ext uri="{BB962C8B-B14F-4D97-AF65-F5344CB8AC3E}">
-        <p14:creationId xmlns:p14="http://schemas.microsoft.com/office/powerpoint/2010/main" xmlns="" val="3385652958"/>
+        <p14:creationId xmlns="" xmlns:p14="http://schemas.microsoft.com/office/powerpoint/2010/main" val="3385652958"/>
       </p:ext>
     </p:extLst>
   </p:cSld>
@@ -29725,7 +35601,7 @@
 </p:sld>
 </file>
 
-<file path=ppt/slides/slide14.xml><?xml version="1.0" encoding="utf-8"?>
+<file path=ppt/slides/slide16.xml><?xml version="1.0" encoding="utf-8"?>
 <p:sld xmlns:a="http://schemas.openxmlformats.org/drawingml/2006/main" xmlns:r="http://schemas.openxmlformats.org/officeDocument/2006/relationships" xmlns:p="http://schemas.openxmlformats.org/presentationml/2006/main">
   <p:cSld>
     <p:spTree>
@@ -29909,7 +35785,7 @@
     </p:spTree>
     <p:extLst>
       <p:ext uri="{BB962C8B-B14F-4D97-AF65-F5344CB8AC3E}">
-        <p14:creationId xmlns:p14="http://schemas.microsoft.com/office/powerpoint/2010/main" xmlns="" val="1411909037"/>
+        <p14:creationId xmlns="" xmlns:p14="http://schemas.microsoft.com/office/powerpoint/2010/main" val="1411909037"/>
       </p:ext>
     </p:extLst>
   </p:cSld>
@@ -29926,7 +35802,7 @@
 </p:sld>
 </file>
 
-<file path=ppt/slides/slide15.xml><?xml version="1.0" encoding="utf-8"?>
+<file path=ppt/slides/slide17.xml><?xml version="1.0" encoding="utf-8"?>
 <p:sld xmlns:a="http://schemas.openxmlformats.org/drawingml/2006/main" xmlns:r="http://schemas.openxmlformats.org/officeDocument/2006/relationships" xmlns:p="http://schemas.openxmlformats.org/presentationml/2006/main">
   <p:cSld>
     <p:spTree>
@@ -29989,7 +35865,7 @@
             <p:ph idx="1"/>
             <p:extLst>
               <p:ext uri="{D42A27DB-BD31-4B8C-83A1-F6EECF244321}">
-                <p14:modId xmlns:p14="http://schemas.microsoft.com/office/powerpoint/2010/main" xmlns="" val="354047179"/>
+                <p14:modId xmlns="" xmlns:p14="http://schemas.microsoft.com/office/powerpoint/2010/main" val="354047179"/>
               </p:ext>
             </p:extLst>
           </p:nvPr>
@@ -30383,7 +36259,7 @@
     </p:spTree>
     <p:extLst>
       <p:ext uri="{BB962C8B-B14F-4D97-AF65-F5344CB8AC3E}">
-        <p14:creationId xmlns:p14="http://schemas.microsoft.com/office/powerpoint/2010/main" xmlns="" val="3239744563"/>
+        <p14:creationId xmlns="" xmlns:p14="http://schemas.microsoft.com/office/powerpoint/2010/main" val="3239744563"/>
       </p:ext>
     </p:extLst>
   </p:cSld>
@@ -30400,7 +36276,7 @@
 </p:sld>
 </file>
 
-<file path=ppt/slides/slide16.xml><?xml version="1.0" encoding="utf-8"?>
+<file path=ppt/slides/slide18.xml><?xml version="1.0" encoding="utf-8"?>
 <p:sld xmlns:a="http://schemas.openxmlformats.org/drawingml/2006/main" xmlns:r="http://schemas.openxmlformats.org/officeDocument/2006/relationships" xmlns:p="http://schemas.openxmlformats.org/presentationml/2006/main">
   <p:cSld>
     <p:spTree>
@@ -30450,7 +36326,7 @@
             <p:ph idx="1"/>
             <p:extLst>
               <p:ext uri="{D42A27DB-BD31-4B8C-83A1-F6EECF244321}">
-                <p14:modId xmlns:p14="http://schemas.microsoft.com/office/powerpoint/2010/main" xmlns="" val="1215541994"/>
+                <p14:modId xmlns="" xmlns:p14="http://schemas.microsoft.com/office/powerpoint/2010/main" val="1215541994"/>
               </p:ext>
             </p:extLst>
           </p:nvPr>
@@ -30468,7 +36344,7 @@
     </p:spTree>
     <p:extLst>
       <p:ext uri="{BB962C8B-B14F-4D97-AF65-F5344CB8AC3E}">
-        <p14:creationId xmlns:p14="http://schemas.microsoft.com/office/powerpoint/2010/main" xmlns="" val="1250649218"/>
+        <p14:creationId xmlns="" xmlns:p14="http://schemas.microsoft.com/office/powerpoint/2010/main" val="1250649218"/>
       </p:ext>
     </p:extLst>
   </p:cSld>
@@ -30485,7 +36361,7 @@
 </p:sld>
 </file>
 
-<file path=ppt/slides/slide17.xml><?xml version="1.0" encoding="utf-8"?>
+<file path=ppt/slides/slide19.xml><?xml version="1.0" encoding="utf-8"?>
 <p:sld xmlns:a="http://schemas.openxmlformats.org/drawingml/2006/main" xmlns:r="http://schemas.openxmlformats.org/officeDocument/2006/relationships" xmlns:p="http://schemas.openxmlformats.org/presentationml/2006/main">
   <p:cSld>
     <p:spTree>
@@ -30603,7 +36479,7 @@
     </p:spTree>
     <p:extLst>
       <p:ext uri="{BB962C8B-B14F-4D97-AF65-F5344CB8AC3E}">
-        <p14:creationId xmlns:p14="http://schemas.microsoft.com/office/powerpoint/2010/main" xmlns="" val="4109760647"/>
+        <p14:creationId xmlns="" xmlns:p14="http://schemas.microsoft.com/office/powerpoint/2010/main" val="4109760647"/>
       </p:ext>
     </p:extLst>
   </p:cSld>
@@ -30656,11 +36532,7 @@
           <a:p>
             <a:r>
               <a:rPr lang="de-DE" dirty="0" smtClean="0"/>
-              <a:t>Funktionale Anforderung </a:t>
-            </a:r>
-            <a:r>
-              <a:rPr lang="de-DE" dirty="0" smtClean="0"/>
-              <a:t>Kommunikation</a:t>
+              <a:t>Funktionale Anforderung Kommunikation</a:t>
             </a:r>
             <a:endParaRPr lang="de-DE" dirty="0"/>
           </a:p>
@@ -30678,7 +36550,7 @@
         </p:nvGraphicFramePr>
         <p:xfrm>
           <a:off x="457200" y="1600200"/>
-          <a:ext cx="8229600" cy="4525963"/>
+          <a:ext cx="8229600" cy="4925144"/>
         </p:xfrm>
         <a:graphic>
           <a:graphicData uri="http://schemas.openxmlformats.org/drawingml/2006/diagram">
@@ -30738,10 +36610,6 @@
             <a:r>
               <a:rPr lang="de-DE" dirty="0" smtClean="0"/>
               <a:t>Funktionale Anforderung </a:t>
-            </a:r>
-            <a:r>
-              <a:rPr lang="de-DE" dirty="0" smtClean="0"/>
-              <a:t/>
             </a:r>
             <a:br>
               <a:rPr lang="de-DE" dirty="0" smtClean="0"/>
@@ -30808,6 +36676,271 @@
       </p:grpSpPr>
       <p:sp>
         <p:nvSpPr>
+          <p:cNvPr id="4" name="Titel 3"/>
+          <p:cNvSpPr>
+            <a:spLocks noGrp="1"/>
+          </p:cNvSpPr>
+          <p:nvPr>
+            <p:ph type="title"/>
+          </p:nvPr>
+        </p:nvSpPr>
+        <p:spPr/>
+        <p:txBody>
+          <a:bodyPr/>
+          <a:lstStyle/>
+          <a:p>
+            <a:r>
+              <a:rPr lang="de-DE" dirty="0" smtClean="0"/>
+              <a:t>Kontext einer </a:t>
+            </a:r>
+            <a:r>
+              <a:rPr lang="de-DE" dirty="0" err="1" smtClean="0"/>
+              <a:t>SubSpace</a:t>
+            </a:r>
+            <a:endParaRPr lang="de-DE" dirty="0"/>
+          </a:p>
+        </p:txBody>
+      </p:sp>
+      <p:sp>
+        <p:nvSpPr>
+          <p:cNvPr id="6" name="Inhaltsplatzhalter 5"/>
+          <p:cNvSpPr>
+            <a:spLocks noGrp="1"/>
+          </p:cNvSpPr>
+          <p:nvPr>
+            <p:ph sz="half" idx="2"/>
+          </p:nvPr>
+        </p:nvSpPr>
+        <p:spPr>
+          <a:xfrm>
+            <a:off x="4648200" y="1600200"/>
+            <a:ext cx="4038600" cy="4781128"/>
+          </a:xfrm>
+        </p:spPr>
+        <p:txBody>
+          <a:bodyPr>
+            <a:normAutofit fontScale="62500" lnSpcReduction="20000"/>
+          </a:bodyPr>
+          <a:lstStyle/>
+          <a:p>
+            <a:pPr>
+              <a:buFont typeface="Wingdings" pitchFamily="2" charset="2"/>
+              <a:buChar char="Ø"/>
+            </a:pPr>
+            <a:r>
+              <a:rPr lang="de-DE" b="1" dirty="0" smtClean="0"/>
+              <a:t>Topic: </a:t>
+            </a:r>
+            <a:r>
+              <a:rPr lang="de-DE" dirty="0" smtClean="0"/>
+              <a:t>Enthält Beschreibung der </a:t>
+            </a:r>
+            <a:r>
+              <a:rPr lang="de-DE" dirty="0" err="1" smtClean="0"/>
+              <a:t>SubSpace</a:t>
+            </a:r>
+            <a:r>
+              <a:rPr lang="de-DE" dirty="0" smtClean="0"/>
+              <a:t>. Zusätzliche Themen möglich.</a:t>
+            </a:r>
+          </a:p>
+          <a:p>
+            <a:pPr lvl="0">
+              <a:buFont typeface="Wingdings" pitchFamily="2" charset="2"/>
+              <a:buChar char="Ø"/>
+            </a:pPr>
+            <a:r>
+              <a:rPr lang="de-DE" b="1" dirty="0" err="1" smtClean="0"/>
+              <a:t>Originator</a:t>
+            </a:r>
+            <a:r>
+              <a:rPr lang="de-DE" b="1" dirty="0" smtClean="0"/>
+              <a:t>: </a:t>
+            </a:r>
+            <a:r>
+              <a:rPr lang="de-DE" dirty="0" smtClean="0"/>
+              <a:t>Ersteller der </a:t>
+            </a:r>
+            <a:r>
+              <a:rPr lang="de-DE" dirty="0" err="1" smtClean="0"/>
+              <a:t>Subspace</a:t>
+            </a:r>
+            <a:r>
+              <a:rPr lang="de-DE" dirty="0" smtClean="0"/>
+              <a:t>.</a:t>
+            </a:r>
+          </a:p>
+          <a:p>
+            <a:pPr>
+              <a:buFont typeface="Wingdings" pitchFamily="2" charset="2"/>
+              <a:buChar char="Ø"/>
+            </a:pPr>
+            <a:r>
+              <a:rPr lang="de-DE" dirty="0" smtClean="0"/>
+              <a:t>Peers: Mitglieder dieser </a:t>
+            </a:r>
+            <a:r>
+              <a:rPr lang="de-DE" dirty="0" err="1" smtClean="0"/>
+              <a:t>SubSpace</a:t>
+            </a:r>
+            <a:r>
+              <a:rPr lang="de-DE" dirty="0" smtClean="0"/>
+              <a:t>. Mitglieder sind </a:t>
+            </a:r>
+            <a:r>
+              <a:rPr lang="de-DE" u="sng" dirty="0" smtClean="0"/>
+              <a:t>nicht</a:t>
+            </a:r>
+            <a:r>
+              <a:rPr lang="de-DE" dirty="0" smtClean="0"/>
+              <a:t> Adressaten</a:t>
+            </a:r>
+            <a:r>
+              <a:rPr lang="de-DE" dirty="0" smtClean="0"/>
+              <a:t>!</a:t>
+            </a:r>
+          </a:p>
+          <a:p>
+            <a:pPr>
+              <a:buFont typeface="Wingdings" pitchFamily="2" charset="2"/>
+              <a:buChar char="Ø"/>
+            </a:pPr>
+            <a:r>
+              <a:rPr lang="de-DE" b="1" dirty="0" smtClean="0"/>
+              <a:t>Remote Peers: </a:t>
+            </a:r>
+            <a:r>
+              <a:rPr lang="de-DE" dirty="0" smtClean="0"/>
+              <a:t>Adressaten. Dies können auch Peers sein, die nicht Mitglieder der </a:t>
+            </a:r>
+            <a:r>
+              <a:rPr lang="de-DE" dirty="0" err="1" smtClean="0"/>
+              <a:t>SubSpace</a:t>
+            </a:r>
+            <a:r>
+              <a:rPr lang="de-DE" dirty="0" smtClean="0"/>
+              <a:t> sind. An diese Personen werden die Daten tatsächlich gesendet.</a:t>
+            </a:r>
+          </a:p>
+          <a:p>
+            <a:pPr>
+              <a:buFont typeface="Wingdings" pitchFamily="2" charset="2"/>
+              <a:buChar char="Ø"/>
+            </a:pPr>
+            <a:r>
+              <a:rPr lang="de-DE" b="1" dirty="0" smtClean="0"/>
+              <a:t>Times: </a:t>
+            </a:r>
+            <a:r>
+              <a:rPr lang="de-DE" dirty="0" smtClean="0"/>
+              <a:t>Zeiten, in denen der Datenaustausch stadtfindet.</a:t>
+            </a:r>
+          </a:p>
+          <a:p>
+            <a:pPr>
+              <a:buFont typeface="Wingdings" pitchFamily="2" charset="2"/>
+              <a:buChar char="Ø"/>
+            </a:pPr>
+            <a:r>
+              <a:rPr lang="de-DE" b="1" dirty="0" err="1" smtClean="0"/>
+              <a:t>Locations</a:t>
+            </a:r>
+            <a:r>
+              <a:rPr lang="de-DE" b="1" dirty="0" smtClean="0"/>
+              <a:t>: </a:t>
+            </a:r>
+            <a:r>
+              <a:rPr lang="de-DE" dirty="0" smtClean="0"/>
+              <a:t>Orte, an denen der Datenaustauch stadtfindet.</a:t>
+            </a:r>
+          </a:p>
+          <a:p>
+            <a:pPr lvl="0">
+              <a:buFont typeface="Wingdings" pitchFamily="2" charset="2"/>
+              <a:buChar char="Ø"/>
+            </a:pPr>
+            <a:r>
+              <a:rPr lang="de-DE" b="1" dirty="0" err="1" smtClean="0"/>
+              <a:t>Direction</a:t>
+            </a:r>
+            <a:r>
+              <a:rPr lang="de-DE" b="1" dirty="0" smtClean="0"/>
+              <a:t>: </a:t>
+            </a:r>
+            <a:r>
+              <a:rPr lang="de-DE" dirty="0" smtClean="0"/>
+              <a:t>Beschreibt das Kommunikationsverhalten. Z.B. könnten Daten nur einfügt werden, aber nicht selbst versendet.</a:t>
+            </a:r>
+            <a:endParaRPr lang="de-DE" dirty="0" smtClean="0"/>
+          </a:p>
+          <a:p>
+            <a:pPr>
+              <a:buFont typeface="Wingdings" pitchFamily="2" charset="2"/>
+              <a:buChar char="Ø"/>
+            </a:pPr>
+            <a:endParaRPr lang="de-DE" dirty="0"/>
+          </a:p>
+        </p:txBody>
+      </p:sp>
+      <p:graphicFrame>
+        <p:nvGraphicFramePr>
+          <p:cNvPr id="7" name="Inhaltsplatzhalter 4"/>
+          <p:cNvGraphicFramePr>
+            <a:graphicFrameLocks noGrp="1"/>
+          </p:cNvGraphicFramePr>
+          <p:nvPr>
+            <p:ph sz="half" idx="1"/>
+            <p:extLst>
+              <p:ext uri="{D42A27DB-BD31-4B8C-83A1-F6EECF244321}">
+                <p14:modId xmlns="" xmlns:p14="http://schemas.microsoft.com/office/powerpoint/2010/main" val="1215541994"/>
+              </p:ext>
+            </p:extLst>
+          </p:nvPr>
+        </p:nvGraphicFramePr>
+        <p:xfrm>
+          <a:off x="457200" y="1700808"/>
+          <a:ext cx="4038600" cy="4525963"/>
+        </p:xfrm>
+        <a:graphic>
+          <a:graphicData uri="http://schemas.openxmlformats.org/drawingml/2006/diagram">
+            <dgm:relIds xmlns:dgm="http://schemas.openxmlformats.org/drawingml/2006/diagram" xmlns:r="http://schemas.openxmlformats.org/officeDocument/2006/relationships" r:dm="rId2" r:lo="rId3" r:qs="rId4" r:cs="rId5"/>
+          </a:graphicData>
+        </a:graphic>
+      </p:graphicFrame>
+    </p:spTree>
+  </p:cSld>
+  <p:clrMapOvr>
+    <a:masterClrMapping/>
+  </p:clrMapOvr>
+  <p:timing>
+    <p:tnLst>
+      <p:par>
+        <p:cTn id="1" dur="indefinite" restart="never" nodeType="tmRoot"/>
+      </p:par>
+    </p:tnLst>
+  </p:timing>
+</p:sld>
+</file>
+
+<file path=ppt/slides/slide5.xml><?xml version="1.0" encoding="utf-8"?>
+<p:sld xmlns:a="http://schemas.openxmlformats.org/drawingml/2006/main" xmlns:r="http://schemas.openxmlformats.org/officeDocument/2006/relationships" xmlns:p="http://schemas.openxmlformats.org/presentationml/2006/main">
+  <p:cSld>
+    <p:spTree>
+      <p:nvGrpSpPr>
+        <p:cNvPr id="1" name=""/>
+        <p:cNvGrpSpPr/>
+        <p:nvPr/>
+      </p:nvGrpSpPr>
+      <p:grpSpPr>
+        <a:xfrm>
+          <a:off x="0" y="0"/>
+          <a:ext cx="0" cy="0"/>
+          <a:chOff x="0" y="0"/>
+          <a:chExt cx="0" cy="0"/>
+        </a:xfrm>
+      </p:grpSpPr>
+      <p:sp>
+        <p:nvSpPr>
           <p:cNvPr id="2" name="Titel 1"/>
           <p:cNvSpPr>
             <a:spLocks noGrp="1"/>
@@ -30831,7 +36964,7 @@
       </p:sp>
       <p:pic>
         <p:nvPicPr>
-          <p:cNvPr id="4" name="Inhaltsplatzhalter 3" descr="subspace_entwurf.png"/>
+          <p:cNvPr id="10" name="Inhaltsplatzhalter 9" descr="subspace_entwurf.png"/>
           <p:cNvPicPr>
             <a:picLocks noGrp="1" noChangeAspect="1"/>
           </p:cNvPicPr>
@@ -30847,8 +36980,8 @@
         </p:blipFill>
         <p:spPr>
           <a:xfrm>
-            <a:off x="457200" y="1933559"/>
-            <a:ext cx="8229600" cy="3859245"/>
+            <a:off x="457200" y="1725064"/>
+            <a:ext cx="8229600" cy="4276235"/>
           </a:xfrm>
         </p:spPr>
       </p:pic>
@@ -30867,7 +37000,89 @@
 </p:sld>
 </file>
 
-<file path=ppt/slides/slide5.xml><?xml version="1.0" encoding="utf-8"?>
+<file path=ppt/slides/slide6.xml><?xml version="1.0" encoding="utf-8"?>
+<p:sld xmlns:a="http://schemas.openxmlformats.org/drawingml/2006/main" xmlns:r="http://schemas.openxmlformats.org/officeDocument/2006/relationships" xmlns:p="http://schemas.openxmlformats.org/presentationml/2006/main">
+  <p:cSld>
+    <p:spTree>
+      <p:nvGrpSpPr>
+        <p:cNvPr id="1" name=""/>
+        <p:cNvGrpSpPr/>
+        <p:nvPr/>
+      </p:nvGrpSpPr>
+      <p:grpSpPr>
+        <a:xfrm>
+          <a:off x="0" y="0"/>
+          <a:ext cx="0" cy="0"/>
+          <a:chOff x="0" y="0"/>
+          <a:chExt cx="0" cy="0"/>
+        </a:xfrm>
+      </p:grpSpPr>
+      <p:sp>
+        <p:nvSpPr>
+          <p:cNvPr id="2" name="Titel 1"/>
+          <p:cNvSpPr>
+            <a:spLocks noGrp="1"/>
+          </p:cNvSpPr>
+          <p:nvPr>
+            <p:ph type="title"/>
+          </p:nvPr>
+        </p:nvSpPr>
+        <p:spPr/>
+        <p:txBody>
+          <a:bodyPr/>
+          <a:lstStyle/>
+          <a:p>
+            <a:endParaRPr lang="de-DE"/>
+          </a:p>
+        </p:txBody>
+      </p:sp>
+      <p:sp>
+        <p:nvSpPr>
+          <p:cNvPr id="3" name="Inhaltsplatzhalter 2"/>
+          <p:cNvSpPr>
+            <a:spLocks noGrp="1"/>
+          </p:cNvSpPr>
+          <p:nvPr>
+            <p:ph sz="half" idx="1"/>
+          </p:nvPr>
+        </p:nvSpPr>
+        <p:spPr/>
+        <p:txBody>
+          <a:bodyPr/>
+          <a:lstStyle/>
+          <a:p>
+            <a:endParaRPr lang="de-DE"/>
+          </a:p>
+        </p:txBody>
+      </p:sp>
+      <p:sp>
+        <p:nvSpPr>
+          <p:cNvPr id="4" name="Inhaltsplatzhalter 3"/>
+          <p:cNvSpPr>
+            <a:spLocks noGrp="1"/>
+          </p:cNvSpPr>
+          <p:nvPr>
+            <p:ph sz="half" idx="2"/>
+          </p:nvPr>
+        </p:nvSpPr>
+        <p:spPr/>
+        <p:txBody>
+          <a:bodyPr/>
+          <a:lstStyle/>
+          <a:p>
+            <a:endParaRPr lang="de-DE"/>
+          </a:p>
+        </p:txBody>
+      </p:sp>
+    </p:spTree>
+  </p:cSld>
+  <p:clrMapOvr>
+    <a:masterClrMapping/>
+  </p:clrMapOvr>
+</p:sld>
+</file>
+
+<file path=ppt/slides/slide7.xml><?xml version="1.0" encoding="utf-8"?>
 <p:sld xmlns:a="http://schemas.openxmlformats.org/drawingml/2006/main" xmlns:r="http://schemas.openxmlformats.org/officeDocument/2006/relationships" xmlns:p="http://schemas.openxmlformats.org/presentationml/2006/main">
   <p:cSld>
     <p:spTree>
@@ -30917,7 +37132,7 @@
             <p:ph idx="1"/>
             <p:extLst>
               <p:ext uri="{D42A27DB-BD31-4B8C-83A1-F6EECF244321}">
-                <p14:modId xmlns:p14="http://schemas.microsoft.com/office/powerpoint/2010/main" xmlns="" val="2479653521"/>
+                <p14:modId xmlns="" xmlns:p14="http://schemas.microsoft.com/office/powerpoint/2010/main" val="2479653521"/>
               </p:ext>
             </p:extLst>
           </p:nvPr>
@@ -31389,7 +37604,7 @@
     </p:spTree>
     <p:extLst>
       <p:ext uri="{BB962C8B-B14F-4D97-AF65-F5344CB8AC3E}">
-        <p14:creationId xmlns:p14="http://schemas.microsoft.com/office/powerpoint/2010/main" xmlns="" val="1491428122"/>
+        <p14:creationId xmlns="" xmlns:p14="http://schemas.microsoft.com/office/powerpoint/2010/main" val="1491428122"/>
       </p:ext>
     </p:extLst>
   </p:cSld>
@@ -31406,7 +37621,7 @@
 </p:sld>
 </file>
 
-<file path=ppt/slides/slide6.xml><?xml version="1.0" encoding="utf-8"?>
+<file path=ppt/slides/slide8.xml><?xml version="1.0" encoding="utf-8"?>
 <p:sld xmlns:a="http://schemas.openxmlformats.org/drawingml/2006/main" xmlns:r="http://schemas.openxmlformats.org/officeDocument/2006/relationships" xmlns:p="http://schemas.openxmlformats.org/presentationml/2006/main">
   <p:cSld>
     <p:spTree>
@@ -31456,7 +37671,7 @@
             <p:ph idx="1"/>
             <p:extLst>
               <p:ext uri="{D42A27DB-BD31-4B8C-83A1-F6EECF244321}">
-                <p14:modId xmlns:p14="http://schemas.microsoft.com/office/powerpoint/2010/main" xmlns="" val="1703172132"/>
+                <p14:modId xmlns="" xmlns:p14="http://schemas.microsoft.com/office/powerpoint/2010/main" val="1703172132"/>
               </p:ext>
             </p:extLst>
           </p:nvPr>
@@ -31879,7 +38094,7 @@
     </p:spTree>
     <p:extLst>
       <p:ext uri="{BB962C8B-B14F-4D97-AF65-F5344CB8AC3E}">
-        <p14:creationId xmlns:p14="http://schemas.microsoft.com/office/powerpoint/2010/main" xmlns="" val="2916024982"/>
+        <p14:creationId xmlns="" xmlns:p14="http://schemas.microsoft.com/office/powerpoint/2010/main" val="2916024982"/>
       </p:ext>
     </p:extLst>
   </p:cSld>
@@ -31896,7 +38111,7 @@
 </p:sld>
 </file>
 
-<file path=ppt/slides/slide7.xml><?xml version="1.0" encoding="utf-8"?>
+<file path=ppt/slides/slide9.xml><?xml version="1.0" encoding="utf-8"?>
 <p:sld xmlns:a="http://schemas.openxmlformats.org/drawingml/2006/main" xmlns:r="http://schemas.openxmlformats.org/officeDocument/2006/relationships" xmlns:p="http://schemas.openxmlformats.org/presentationml/2006/main">
   <p:cSld>
     <p:spTree>
@@ -31946,7 +38161,7 @@
             <p:ph idx="1"/>
             <p:extLst>
               <p:ext uri="{D42A27DB-BD31-4B8C-83A1-F6EECF244321}">
-                <p14:modId xmlns:p14="http://schemas.microsoft.com/office/powerpoint/2010/main" xmlns="" val="2741657155"/>
+                <p14:modId xmlns="" xmlns:p14="http://schemas.microsoft.com/office/powerpoint/2010/main" val="2741657155"/>
               </p:ext>
             </p:extLst>
           </p:nvPr>
@@ -32176,328 +38391,7 @@
     </p:spTree>
     <p:extLst>
       <p:ext uri="{BB962C8B-B14F-4D97-AF65-F5344CB8AC3E}">
-        <p14:creationId xmlns:p14="http://schemas.microsoft.com/office/powerpoint/2010/main" xmlns="" val="1559140872"/>
-      </p:ext>
-    </p:extLst>
-  </p:cSld>
-  <p:clrMapOvr>
-    <a:masterClrMapping/>
-  </p:clrMapOvr>
-  <p:timing>
-    <p:tnLst>
-      <p:par>
-        <p:cTn id="1" dur="indefinite" restart="never" nodeType="tmRoot"/>
-      </p:par>
-    </p:tnLst>
-  </p:timing>
-</p:sld>
-</file>
-
-<file path=ppt/slides/slide8.xml><?xml version="1.0" encoding="utf-8"?>
-<p:sld xmlns:a="http://schemas.openxmlformats.org/drawingml/2006/main" xmlns:r="http://schemas.openxmlformats.org/officeDocument/2006/relationships" xmlns:p="http://schemas.openxmlformats.org/presentationml/2006/main">
-  <p:cSld>
-    <p:spTree>
-      <p:nvGrpSpPr>
-        <p:cNvPr id="1" name=""/>
-        <p:cNvGrpSpPr/>
-        <p:nvPr/>
-      </p:nvGrpSpPr>
-      <p:grpSpPr>
-        <a:xfrm>
-          <a:off x="0" y="0"/>
-          <a:ext cx="0" cy="0"/>
-          <a:chOff x="0" y="0"/>
-          <a:chExt cx="0" cy="0"/>
-        </a:xfrm>
-      </p:grpSpPr>
-      <p:sp>
-        <p:nvSpPr>
-          <p:cNvPr id="2" name="Titel 1"/>
-          <p:cNvSpPr>
-            <a:spLocks noGrp="1"/>
-          </p:cNvSpPr>
-          <p:nvPr>
-            <p:ph type="title"/>
-          </p:nvPr>
-        </p:nvSpPr>
-        <p:spPr/>
-        <p:txBody>
-          <a:bodyPr/>
-          <a:lstStyle/>
-          <a:p>
-            <a:r>
-              <a:rPr lang="de-DE" dirty="0" err="1"/>
-              <a:t>SyncKP</a:t>
-            </a:r>
-            <a:r>
-              <a:rPr lang="de-DE" dirty="0"/>
-              <a:t> - </a:t>
-            </a:r>
-            <a:r>
-              <a:rPr lang="de-DE" dirty="0" smtClean="0"/>
-              <a:t>Beschreibung</a:t>
-            </a:r>
-            <a:endParaRPr lang="de-DE" dirty="0"/>
-          </a:p>
-        </p:txBody>
-      </p:sp>
-      <p:sp>
-        <p:nvSpPr>
-          <p:cNvPr id="3" name="Inhaltsplatzhalter 2"/>
-          <p:cNvSpPr>
-            <a:spLocks noGrp="1"/>
-          </p:cNvSpPr>
-          <p:nvPr>
-            <p:ph idx="1"/>
-          </p:nvPr>
-        </p:nvSpPr>
-        <p:spPr/>
-        <p:txBody>
-          <a:bodyPr>
-            <a:normAutofit fontScale="92500" lnSpcReduction="10000"/>
-          </a:bodyPr>
-          <a:lstStyle/>
-          <a:p>
-            <a:pPr marL="0" indent="0">
-              <a:buNone/>
-            </a:pPr>
-            <a:r>
-              <a:rPr lang="en-US" sz="2800" i="1" dirty="0" smtClean="0"/>
-              <a:t>“The </a:t>
-            </a:r>
-            <a:r>
-              <a:rPr lang="en-US" sz="2800" i="1" dirty="0"/>
-              <a:t>identification of context points that need to be sent to other peers uses the time when a peer was last met and retrieves all context points from the knowledge base that were updated since</a:t>
-            </a:r>
-            <a:r>
-              <a:rPr lang="en-US" sz="2800" i="1" dirty="0" smtClean="0"/>
-              <a:t>.” </a:t>
-            </a:r>
-            <a:r>
-              <a:rPr lang="en-US" sz="2800" dirty="0" smtClean="0"/>
-              <a:t>– </a:t>
-            </a:r>
-            <a:r>
-              <a:rPr lang="en-US" sz="2800" dirty="0" err="1" smtClean="0"/>
-              <a:t>JavaDoc</a:t>
-            </a:r>
-            <a:r>
-              <a:rPr lang="en-US" sz="2800" dirty="0" smtClean="0"/>
-              <a:t> </a:t>
-            </a:r>
-            <a:r>
-              <a:rPr lang="de-DE" sz="2800" dirty="0" err="1"/>
-              <a:t>SyncKP</a:t>
-            </a:r>
-            <a:r>
-              <a:rPr lang="de-DE" sz="2800" dirty="0"/>
-              <a:t> </a:t>
-            </a:r>
-          </a:p>
-          <a:p>
-            <a:pPr marL="0" indent="0">
-              <a:buNone/>
-            </a:pPr>
-            <a:endParaRPr lang="de-DE" sz="2800" dirty="0" smtClean="0"/>
-          </a:p>
-          <a:p>
-            <a:r>
-              <a:rPr lang="de-DE" dirty="0" smtClean="0"/>
-              <a:t>Synchronisation über Zeitstempel</a:t>
-            </a:r>
-          </a:p>
-          <a:p>
-            <a:r>
-              <a:rPr lang="de-DE" dirty="0" smtClean="0"/>
-              <a:t>Hält Zeitstempel für </a:t>
-            </a:r>
-            <a:r>
-              <a:rPr lang="de-DE" u="sng" dirty="0" smtClean="0"/>
-              <a:t>jeden</a:t>
-            </a:r>
-            <a:r>
-              <a:rPr lang="de-DE" dirty="0" smtClean="0"/>
-              <a:t> Peer in der KB.</a:t>
-            </a:r>
-          </a:p>
-          <a:p>
-            <a:r>
-              <a:rPr lang="de-DE" dirty="0" smtClean="0"/>
-              <a:t>Die </a:t>
-            </a:r>
-            <a:r>
-              <a:rPr lang="de-DE" dirty="0" err="1" smtClean="0"/>
-              <a:t>retrieve</a:t>
-            </a:r>
-            <a:r>
-              <a:rPr lang="de-DE" dirty="0" smtClean="0"/>
-              <a:t>(Date) Methode </a:t>
-            </a:r>
-            <a:r>
-              <a:rPr lang="de-DE" dirty="0"/>
-              <a:t>sammelt alle </a:t>
-            </a:r>
-            <a:r>
-              <a:rPr lang="de-DE" dirty="0" err="1" smtClean="0"/>
-              <a:t>ContextPoint</a:t>
-            </a:r>
-            <a:r>
-              <a:rPr lang="de-DE" dirty="0" smtClean="0"/>
-              <a:t> die nach einem bestimmten Datum erstellt wurden.</a:t>
-            </a:r>
-            <a:endParaRPr lang="de-DE" dirty="0"/>
-          </a:p>
-          <a:p>
-            <a:pPr marL="0" indent="0">
-              <a:buNone/>
-            </a:pPr>
-            <a:endParaRPr lang="de-DE" dirty="0"/>
-          </a:p>
-        </p:txBody>
-      </p:sp>
-    </p:spTree>
-    <p:extLst>
-      <p:ext uri="{BB962C8B-B14F-4D97-AF65-F5344CB8AC3E}">
-        <p14:creationId xmlns:p14="http://schemas.microsoft.com/office/powerpoint/2010/main" xmlns="" val="2033118201"/>
-      </p:ext>
-    </p:extLst>
-  </p:cSld>
-  <p:clrMapOvr>
-    <a:masterClrMapping/>
-  </p:clrMapOvr>
-  <p:timing>
-    <p:tnLst>
-      <p:par>
-        <p:cTn id="1" dur="indefinite" restart="never" nodeType="tmRoot"/>
-      </p:par>
-    </p:tnLst>
-  </p:timing>
-</p:sld>
-</file>
-
-<file path=ppt/slides/slide9.xml><?xml version="1.0" encoding="utf-8"?>
-<p:sld xmlns:a="http://schemas.openxmlformats.org/drawingml/2006/main" xmlns:r="http://schemas.openxmlformats.org/officeDocument/2006/relationships" xmlns:p="http://schemas.openxmlformats.org/presentationml/2006/main">
-  <p:cSld>
-    <p:spTree>
-      <p:nvGrpSpPr>
-        <p:cNvPr id="1" name=""/>
-        <p:cNvGrpSpPr/>
-        <p:nvPr/>
-      </p:nvGrpSpPr>
-      <p:grpSpPr>
-        <a:xfrm>
-          <a:off x="0" y="0"/>
-          <a:ext cx="0" cy="0"/>
-          <a:chOff x="0" y="0"/>
-          <a:chExt cx="0" cy="0"/>
-        </a:xfrm>
-      </p:grpSpPr>
-      <p:sp>
-        <p:nvSpPr>
-          <p:cNvPr id="2" name="Titel 1"/>
-          <p:cNvSpPr>
-            <a:spLocks noGrp="1"/>
-          </p:cNvSpPr>
-          <p:nvPr>
-            <p:ph type="title"/>
-          </p:nvPr>
-        </p:nvSpPr>
-        <p:spPr/>
-        <p:txBody>
-          <a:bodyPr/>
-          <a:lstStyle/>
-          <a:p>
-            <a:r>
-              <a:rPr lang="de-DE" dirty="0" err="1"/>
-              <a:t>SyncKP</a:t>
-            </a:r>
-            <a:r>
-              <a:rPr lang="de-DE" dirty="0"/>
-              <a:t> </a:t>
-            </a:r>
-            <a:r>
-              <a:rPr lang="de-DE" dirty="0" smtClean="0"/>
-              <a:t>- </a:t>
-            </a:r>
-            <a:r>
-              <a:rPr lang="de-DE" dirty="0" err="1" smtClean="0"/>
-              <a:t>TimestampList</a:t>
-            </a:r>
-            <a:endParaRPr lang="de-DE" dirty="0"/>
-          </a:p>
-        </p:txBody>
-      </p:sp>
-      <p:sp>
-        <p:nvSpPr>
-          <p:cNvPr id="3" name="Inhaltsplatzhalter 2"/>
-          <p:cNvSpPr>
-            <a:spLocks noGrp="1"/>
-          </p:cNvSpPr>
-          <p:nvPr>
-            <p:ph idx="1"/>
-          </p:nvPr>
-        </p:nvSpPr>
-        <p:spPr/>
-        <p:txBody>
-          <a:bodyPr/>
-          <a:lstStyle/>
-          <a:p>
-            <a:r>
-              <a:rPr lang="de-DE" dirty="0"/>
-              <a:t>Liste von </a:t>
-            </a:r>
-            <a:r>
-              <a:rPr lang="de-DE" dirty="0" err="1" smtClean="0"/>
-              <a:t>PeerTimestamp</a:t>
-            </a:r>
-            <a:r>
-              <a:rPr lang="de-DE" dirty="0"/>
-              <a:t> zugeordnet zu einer </a:t>
-            </a:r>
-            <a:r>
-              <a:rPr lang="de-DE" dirty="0" err="1" smtClean="0"/>
-              <a:t>SyncKB</a:t>
-            </a:r>
-            <a:r>
-              <a:rPr lang="de-DE" dirty="0" smtClean="0"/>
-              <a:t>.</a:t>
-            </a:r>
-          </a:p>
-          <a:p>
-            <a:r>
-              <a:rPr lang="de-DE" dirty="0" err="1" smtClean="0"/>
-              <a:t>PeerTimestamp</a:t>
-            </a:r>
-            <a:r>
-              <a:rPr lang="de-DE" dirty="0" smtClean="0"/>
-              <a:t> ordnet Peer ein Datum zu.</a:t>
-            </a:r>
-          </a:p>
-          <a:p>
-            <a:r>
-              <a:rPr lang="de-DE" dirty="0" smtClean="0"/>
-              <a:t>Liste wird als XML (nicht wohlgeformt) an der </a:t>
-            </a:r>
-            <a:r>
-              <a:rPr lang="de-DE" dirty="0" err="1" smtClean="0"/>
-              <a:t>SyncKB</a:t>
-            </a:r>
-            <a:r>
-              <a:rPr lang="de-DE" dirty="0"/>
-              <a:t> gespeichert (als </a:t>
-            </a:r>
-            <a:r>
-              <a:rPr lang="de-DE" dirty="0" smtClean="0"/>
-              <a:t>Property).</a:t>
-            </a:r>
-            <a:endParaRPr lang="de-DE" dirty="0"/>
-          </a:p>
-        </p:txBody>
-      </p:sp>
-    </p:spTree>
-    <p:extLst>
-      <p:ext uri="{BB962C8B-B14F-4D97-AF65-F5344CB8AC3E}">
-        <p14:creationId xmlns:p14="http://schemas.microsoft.com/office/powerpoint/2010/main" xmlns="" val="259545915"/>
+        <p14:creationId xmlns="" xmlns:p14="http://schemas.microsoft.com/office/powerpoint/2010/main" val="1559140872"/>
       </p:ext>
     </p:extLst>
   </p:cSld>

--- a/Text/Master.pptx
+++ b/Text/Master.pptx
@@ -6373,19 +6373,11 @@
           </a:r>
           <a:r>
             <a:rPr lang="de-DE" dirty="0" smtClean="0"/>
-            <a:t> ab</a:t>
-          </a:r>
-          <a:r>
-            <a:rPr lang="de-DE" dirty="0" smtClean="0"/>
-            <a:t>. Es dient zur (technischen) Identifikation und ist</a:t>
+            <a:t> ab. Es dient zur (technischen) Identifikation und ist</a:t>
           </a:r>
           <a:r>
             <a:rPr lang="de-DE" baseline="0" dirty="0" smtClean="0"/>
-            <a:t> </a:t>
-          </a:r>
-          <a:r>
-            <a:rPr lang="de-DE" baseline="0" dirty="0" smtClean="0"/>
-            <a:t>Teil des </a:t>
+            <a:t> Teil des </a:t>
           </a:r>
           <a:r>
             <a:rPr lang="de-DE" dirty="0" smtClean="0"/>
@@ -7137,15 +7129,7 @@
           </a:r>
           <a:r>
             <a:rPr lang="de-DE" sz="1200" b="0" dirty="0" smtClean="0"/>
-            <a:t>Daten aller Peers werden synchronisiert </a:t>
-          </a:r>
-          <a:r>
-            <a:rPr lang="de-DE" sz="1200" b="0" dirty="0" smtClean="0"/>
-            <a:t> (</a:t>
-          </a:r>
-          <a:r>
-            <a:rPr lang="de-DE" sz="1200" b="0" dirty="0" smtClean="0"/>
-            <a:t>Push + Pull).</a:t>
+            <a:t>Daten aller Peers werden synchronisiert  (Push + Pull).</a:t>
           </a:r>
           <a:endParaRPr lang="de-DE" sz="1200" b="1" dirty="0"/>
         </a:p>
@@ -8090,45 +8074,6 @@
         </a:p>
       </dgm:t>
     </dgm:pt>
-    <dgm:pt modelId="{E783241C-AAC4-4046-B6B3-9A8C393CF1F4}">
-      <dgm:prSet phldrT="[Text]"/>
-      <dgm:spPr/>
-      <dgm:t>
-        <a:bodyPr/>
-        <a:lstStyle/>
-        <a:p>
-          <a:r>
-            <a:rPr lang="de-DE" dirty="0" smtClean="0"/>
-            <a:t>Gelöschte </a:t>
-          </a:r>
-          <a:r>
-            <a:rPr lang="de-DE" dirty="0" err="1" smtClean="0"/>
-            <a:t>ContextPoint</a:t>
-          </a:r>
-          <a:r>
-            <a:rPr lang="de-DE" dirty="0" smtClean="0"/>
-            <a:t> werden (vorerst) ignoriert. Hier kann ein </a:t>
-          </a:r>
-          <a:r>
-            <a:rPr lang="de-DE" dirty="0" err="1" smtClean="0"/>
-            <a:t>Flag</a:t>
-          </a:r>
-          <a:r>
-            <a:rPr lang="de-DE" dirty="0" smtClean="0"/>
-            <a:t> zum löschen oder unberührt lassen diskutiert werden. Weitere Prüfung nötig.</a:t>
-          </a:r>
-          <a:endParaRPr lang="de-DE" dirty="0"/>
-        </a:p>
-      </dgm:t>
-    </dgm:pt>
-    <dgm:pt modelId="{8D311BC1-DC7B-4BEE-ADEA-5C0BE75746BB}" type="parTrans" cxnId="{94C09867-1BE1-45FB-8617-B28E5CC6CD60}">
-      <dgm:prSet/>
-      <dgm:spPr/>
-    </dgm:pt>
-    <dgm:pt modelId="{55799E59-D4FF-4860-AA69-ED37F612B328}" type="sibTrans" cxnId="{94C09867-1BE1-45FB-8617-B28E5CC6CD60}">
-      <dgm:prSet/>
-      <dgm:spPr/>
-    </dgm:pt>
     <dgm:pt modelId="{B94D1488-C336-4461-A411-5DF1FC7FF055}">
       <dgm:prSet phldrT="[Text]"/>
       <dgm:spPr/>
@@ -8354,28 +8299,26 @@
     </dgm:pt>
   </dgm:ptLst>
   <dgm:cxnLst>
-    <dgm:cxn modelId="{427906E6-A2DD-43D4-9504-659F3E55FA09}" type="presOf" srcId="{432AC71E-A566-4999-B5C2-A5DEB192AF9E}" destId="{C9A02232-17ED-4E58-867E-E602F24C6574}" srcOrd="0" destOrd="0" presId="urn:microsoft.com/office/officeart/2005/8/layout/vList5"/>
+    <dgm:cxn modelId="{A86225B4-0EA2-4D79-B93D-4B8B38B86E53}" type="presOf" srcId="{3BEC3D44-1F56-4822-8FDD-D9840E98226E}" destId="{4A96E56F-C9A8-46C1-AA70-DF94F9389CD3}" srcOrd="0" destOrd="0" presId="urn:microsoft.com/office/officeart/2005/8/layout/vList5"/>
+    <dgm:cxn modelId="{2819E6DB-A0A9-4B9D-B06C-FCD2AEB0E8E1}" type="presOf" srcId="{A9F02769-D823-44BF-9A8B-51C760821503}" destId="{87D9F5D9-852E-4419-94FF-3531CAE28CED}" srcOrd="0" destOrd="1" presId="urn:microsoft.com/office/officeart/2005/8/layout/vList5"/>
+    <dgm:cxn modelId="{39311CDF-4823-4B5A-8D23-E93C02BFE606}" type="presOf" srcId="{884FD704-A1A0-496E-85A9-7797B898EFE7}" destId="{E8337213-36D2-4D42-AB27-8E2EF6AD57E2}" srcOrd="0" destOrd="0" presId="urn:microsoft.com/office/officeart/2005/8/layout/vList5"/>
+    <dgm:cxn modelId="{E06F44DC-38DC-444A-8699-FE7C03296C63}" type="presOf" srcId="{197D75D5-E967-4CC3-B3B4-C9DE053E3D89}" destId="{3F58224D-C16A-4146-8E4F-BCCEF7FF872F}" srcOrd="0" destOrd="0" presId="urn:microsoft.com/office/officeart/2005/8/layout/vList5"/>
     <dgm:cxn modelId="{EA82EAC0-9CD6-4538-89AF-DB07950DF9EC}" srcId="{C9E0C07F-6C52-4228-B17F-13BADECC2C91}" destId="{DE1E5293-1BC5-40CF-96F1-C2209F1AE674}" srcOrd="0" destOrd="0" parTransId="{C9BDF949-FDE7-47BE-A2CC-F24462B94202}" sibTransId="{DBEC5669-7ED7-4B96-88BD-D2590FFAF0FC}"/>
-    <dgm:cxn modelId="{39311CDF-4823-4B5A-8D23-E93C02BFE606}" type="presOf" srcId="{884FD704-A1A0-496E-85A9-7797B898EFE7}" destId="{E8337213-36D2-4D42-AB27-8E2EF6AD57E2}" srcOrd="0" destOrd="0" presId="urn:microsoft.com/office/officeart/2005/8/layout/vList5"/>
-    <dgm:cxn modelId="{A86225B4-0EA2-4D79-B93D-4B8B38B86E53}" type="presOf" srcId="{3BEC3D44-1F56-4822-8FDD-D9840E98226E}" destId="{4A96E56F-C9A8-46C1-AA70-DF94F9389CD3}" srcOrd="0" destOrd="0" presId="urn:microsoft.com/office/officeart/2005/8/layout/vList5"/>
-    <dgm:cxn modelId="{D715CE17-C3E4-4AFE-A755-C3E343A483D8}" type="presOf" srcId="{B94D1488-C336-4461-A411-5DF1FC7FF055}" destId="{D711412E-5C50-4D6E-9328-C412FFF402A9}" srcOrd="0" destOrd="0" presId="urn:microsoft.com/office/officeart/2005/8/layout/vList5"/>
-    <dgm:cxn modelId="{94C09867-1BE1-45FB-8617-B28E5CC6CD60}" srcId="{197D75D5-E967-4CC3-B3B4-C9DE053E3D89}" destId="{E783241C-AAC4-4046-B6B3-9A8C393CF1F4}" srcOrd="2" destOrd="0" parTransId="{8D311BC1-DC7B-4BEE-ADEA-5C0BE75746BB}" sibTransId="{55799E59-D4FF-4860-AA69-ED37F612B328}"/>
-    <dgm:cxn modelId="{2819E6DB-A0A9-4B9D-B06C-FCD2AEB0E8E1}" type="presOf" srcId="{A9F02769-D823-44BF-9A8B-51C760821503}" destId="{87D9F5D9-852E-4419-94FF-3531CAE28CED}" srcOrd="0" destOrd="1" presId="urn:microsoft.com/office/officeart/2005/8/layout/vList5"/>
-    <dgm:cxn modelId="{743807D6-4C78-4967-8D3E-D7F681B3EC1F}" type="presOf" srcId="{DE1E5293-1BC5-40CF-96F1-C2209F1AE674}" destId="{87D9F5D9-852E-4419-94FF-3531CAE28CED}" srcOrd="0" destOrd="0" presId="urn:microsoft.com/office/officeart/2005/8/layout/vList5"/>
+    <dgm:cxn modelId="{91AE0DA5-D5A1-4450-BC67-AB0E88FA378D}" srcId="{C9E0C07F-6C52-4228-B17F-13BADECC2C91}" destId="{A9F02769-D823-44BF-9A8B-51C760821503}" srcOrd="1" destOrd="0" parTransId="{25A5C0F0-8F75-46A3-84E4-4D2829E4FC4B}" sibTransId="{38BFF325-5D77-4718-9666-235E9E87A63B}"/>
     <dgm:cxn modelId="{BAF58EB4-5DCA-4FB2-B988-E2863CA4DD4E}" srcId="{884FD704-A1A0-496E-85A9-7797B898EFE7}" destId="{432AC71E-A566-4999-B5C2-A5DEB192AF9E}" srcOrd="0" destOrd="0" parTransId="{7588F8EB-1DB1-4704-9AEF-1C71EC9EF380}" sibTransId="{D72D1184-467E-4AAC-8FE4-2DD036083A2C}"/>
-    <dgm:cxn modelId="{EDB8AEAA-14BE-47C1-B619-F2AC114A4BE7}" type="presOf" srcId="{5F71CC2A-2C11-4605-BFEB-D7FB5C2650FF}" destId="{4114AA1A-BE2A-498E-B405-7409ECF76B68}" srcOrd="0" destOrd="1" presId="urn:microsoft.com/office/officeart/2005/8/layout/vList5"/>
-    <dgm:cxn modelId="{1B935404-5F4C-4E25-84BA-8B448AA3D2C6}" type="presOf" srcId="{C9E0C07F-6C52-4228-B17F-13BADECC2C91}" destId="{91649E2D-7906-4036-9293-32CD53B92D82}" srcOrd="0" destOrd="0" presId="urn:microsoft.com/office/officeart/2005/8/layout/vList5"/>
-    <dgm:cxn modelId="{E437B527-AF92-4979-8A75-C28D55DCA895}" type="presOf" srcId="{E783241C-AAC4-4046-B6B3-9A8C393CF1F4}" destId="{4114AA1A-BE2A-498E-B405-7409ECF76B68}" srcOrd="0" destOrd="2" presId="urn:microsoft.com/office/officeart/2005/8/layout/vList5"/>
-    <dgm:cxn modelId="{D5DB2D0F-5CD8-4A07-8CC2-4EC9D10025CC}" srcId="{3BEC3D44-1F56-4822-8FDD-D9840E98226E}" destId="{B94D1488-C336-4461-A411-5DF1FC7FF055}" srcOrd="3" destOrd="0" parTransId="{08D17CE4-E5F1-4C94-8DB4-A342E49B7326}" sibTransId="{981C80FF-3382-44FD-A300-57B46F649F03}"/>
+    <dgm:cxn modelId="{AFDA3EAB-C84E-493B-A88A-AEA8A68EE79D}" srcId="{3BEC3D44-1F56-4822-8FDD-D9840E98226E}" destId="{884FD704-A1A0-496E-85A9-7797B898EFE7}" srcOrd="0" destOrd="0" parTransId="{3E08D63C-4DE9-4522-8FD1-D3BBDA87CBDB}" sibTransId="{098E7D41-3FB2-4B2E-AA14-224ECE149049}"/>
     <dgm:cxn modelId="{79824626-6444-446B-8307-3B6C1E245777}" srcId="{197D75D5-E967-4CC3-B3B4-C9DE053E3D89}" destId="{98A61C1D-BC6B-4D3C-ADFC-A8F425E674BA}" srcOrd="0" destOrd="0" parTransId="{B275FAEF-747B-442D-9858-9A77C7626BC4}" sibTransId="{84717F55-57E5-4035-94CE-069DAA38C47F}"/>
     <dgm:cxn modelId="{54B565E4-5205-4E84-A506-B7ACC2C47E28}" srcId="{3BEC3D44-1F56-4822-8FDD-D9840E98226E}" destId="{C9E0C07F-6C52-4228-B17F-13BADECC2C91}" srcOrd="2" destOrd="0" parTransId="{F237CD80-3D90-42B7-AA87-CFBB6D8CFA7E}" sibTransId="{5E1342A0-AA21-475D-A9ED-8F088F5DFE7B}"/>
+    <dgm:cxn modelId="{D5DB2D0F-5CD8-4A07-8CC2-4EC9D10025CC}" srcId="{3BEC3D44-1F56-4822-8FDD-D9840E98226E}" destId="{B94D1488-C336-4461-A411-5DF1FC7FF055}" srcOrd="3" destOrd="0" parTransId="{08D17CE4-E5F1-4C94-8DB4-A342E49B7326}" sibTransId="{981C80FF-3382-44FD-A300-57B46F649F03}"/>
+    <dgm:cxn modelId="{1B935404-5F4C-4E25-84BA-8B448AA3D2C6}" type="presOf" srcId="{C9E0C07F-6C52-4228-B17F-13BADECC2C91}" destId="{91649E2D-7906-4036-9293-32CD53B92D82}" srcOrd="0" destOrd="0" presId="urn:microsoft.com/office/officeart/2005/8/layout/vList5"/>
+    <dgm:cxn modelId="{743807D6-4C78-4967-8D3E-D7F681B3EC1F}" type="presOf" srcId="{DE1E5293-1BC5-40CF-96F1-C2209F1AE674}" destId="{87D9F5D9-852E-4419-94FF-3531CAE28CED}" srcOrd="0" destOrd="0" presId="urn:microsoft.com/office/officeart/2005/8/layout/vList5"/>
     <dgm:cxn modelId="{6DEC3A14-0BC3-4980-ABA8-B950A198C0CD}" srcId="{B94D1488-C336-4461-A411-5DF1FC7FF055}" destId="{F8AAE27A-8300-4B72-8051-7D5A07507AC6}" srcOrd="0" destOrd="0" parTransId="{99A955EE-8D74-43CA-9DB7-E5D256DA38D3}" sibTransId="{F97CD177-2C4F-4C69-97AC-F4BA74907DB1}"/>
+    <dgm:cxn modelId="{EDB8AEAA-14BE-47C1-B619-F2AC114A4BE7}" type="presOf" srcId="{5F71CC2A-2C11-4605-BFEB-D7FB5C2650FF}" destId="{4114AA1A-BE2A-498E-B405-7409ECF76B68}" srcOrd="0" destOrd="1" presId="urn:microsoft.com/office/officeart/2005/8/layout/vList5"/>
+    <dgm:cxn modelId="{89B0CDD4-8F78-4856-AE13-53A6CDDC3A03}" srcId="{197D75D5-E967-4CC3-B3B4-C9DE053E3D89}" destId="{5F71CC2A-2C11-4605-BFEB-D7FB5C2650FF}" srcOrd="1" destOrd="0" parTransId="{3A98C82D-801D-4EFE-91B9-5C965FAAE12C}" sibTransId="{02AC2407-9561-46AF-AC88-CC4BCBD3A209}"/>
     <dgm:cxn modelId="{BE1D4628-9CD4-41D3-9404-F5947C2435B9}" type="presOf" srcId="{F8AAE27A-8300-4B72-8051-7D5A07507AC6}" destId="{32B28F05-D75C-4354-BC9F-9390B1E62418}" srcOrd="0" destOrd="0" presId="urn:microsoft.com/office/officeart/2005/8/layout/vList5"/>
-    <dgm:cxn modelId="{AFDA3EAB-C84E-493B-A88A-AEA8A68EE79D}" srcId="{3BEC3D44-1F56-4822-8FDD-D9840E98226E}" destId="{884FD704-A1A0-496E-85A9-7797B898EFE7}" srcOrd="0" destOrd="0" parTransId="{3E08D63C-4DE9-4522-8FD1-D3BBDA87CBDB}" sibTransId="{098E7D41-3FB2-4B2E-AA14-224ECE149049}"/>
-    <dgm:cxn modelId="{91AE0DA5-D5A1-4450-BC67-AB0E88FA378D}" srcId="{C9E0C07F-6C52-4228-B17F-13BADECC2C91}" destId="{A9F02769-D823-44BF-9A8B-51C760821503}" srcOrd="1" destOrd="0" parTransId="{25A5C0F0-8F75-46A3-84E4-4D2829E4FC4B}" sibTransId="{38BFF325-5D77-4718-9666-235E9E87A63B}"/>
-    <dgm:cxn modelId="{89B0CDD4-8F78-4856-AE13-53A6CDDC3A03}" srcId="{197D75D5-E967-4CC3-B3B4-C9DE053E3D89}" destId="{5F71CC2A-2C11-4605-BFEB-D7FB5C2650FF}" srcOrd="1" destOrd="0" parTransId="{3A98C82D-801D-4EFE-91B9-5C965FAAE12C}" sibTransId="{02AC2407-9561-46AF-AC88-CC4BCBD3A209}"/>
-    <dgm:cxn modelId="{E06F44DC-38DC-444A-8699-FE7C03296C63}" type="presOf" srcId="{197D75D5-E967-4CC3-B3B4-C9DE053E3D89}" destId="{3F58224D-C16A-4146-8E4F-BCCEF7FF872F}" srcOrd="0" destOrd="0" presId="urn:microsoft.com/office/officeart/2005/8/layout/vList5"/>
+    <dgm:cxn modelId="{D715CE17-C3E4-4AFE-A755-C3E343A483D8}" type="presOf" srcId="{B94D1488-C336-4461-A411-5DF1FC7FF055}" destId="{D711412E-5C50-4D6E-9328-C412FFF402A9}" srcOrd="0" destOrd="0" presId="urn:microsoft.com/office/officeart/2005/8/layout/vList5"/>
     <dgm:cxn modelId="{20F37B9B-5D05-4770-A13D-83298A40197A}" srcId="{3BEC3D44-1F56-4822-8FDD-D9840E98226E}" destId="{197D75D5-E967-4CC3-B3B4-C9DE053E3D89}" srcOrd="1" destOrd="0" parTransId="{64C1D4D3-E5A7-4426-9BCB-0A9DFE4C9796}" sibTransId="{C86E94B6-2F35-4FC4-A91F-C7D3BDE47CE6}"/>
+    <dgm:cxn modelId="{427906E6-A2DD-43D4-9504-659F3E55FA09}" type="presOf" srcId="{432AC71E-A566-4999-B5C2-A5DEB192AF9E}" destId="{C9A02232-17ED-4E58-867E-E602F24C6574}" srcOrd="0" destOrd="0" presId="urn:microsoft.com/office/officeart/2005/8/layout/vList5"/>
     <dgm:cxn modelId="{4C450E42-B2DC-4489-A60D-C9DF069941EF}" type="presOf" srcId="{98A61C1D-BC6B-4D3C-ADFC-A8F425E674BA}" destId="{4114AA1A-BE2A-498E-B405-7409ECF76B68}" srcOrd="0" destOrd="0" presId="urn:microsoft.com/office/officeart/2005/8/layout/vList5"/>
     <dgm:cxn modelId="{340FC79D-C34C-497F-8B45-3B8279007E3E}" type="presParOf" srcId="{4A96E56F-C9A8-46C1-AA70-DF94F9389CD3}" destId="{C3313543-6FDD-4E7F-A367-9E19835B30EB}" srcOrd="0" destOrd="0" presId="urn:microsoft.com/office/officeart/2005/8/layout/vList5"/>
     <dgm:cxn modelId="{FCA07745-799C-48FF-9B05-4F47DF833E44}" type="presParOf" srcId="{C3313543-6FDD-4E7F-A367-9E19835B30EB}" destId="{E8337213-36D2-4D42-AB27-8E2EF6AD57E2}" srcOrd="0" destOrd="0" presId="urn:microsoft.com/office/officeart/2005/8/layout/vList5"/>
@@ -8465,7 +8408,6 @@
             <a:rPr lang="de-DE" dirty="0" smtClean="0"/>
             <a:t>Topic</a:t>
           </a:r>
-          <a:endParaRPr lang="de-DE" dirty="0" smtClean="0"/>
         </a:p>
       </dgm:t>
     </dgm:pt>
@@ -8502,7 +8444,6 @@
             <a:rPr lang="de-DE" dirty="0" smtClean="0"/>
             <a:t>Peers</a:t>
           </a:r>
-          <a:endParaRPr lang="de-DE" dirty="0" smtClean="0"/>
         </a:p>
       </dgm:t>
     </dgm:pt>
@@ -8539,7 +8480,6 @@
             <a:rPr lang="de-DE" dirty="0" smtClean="0"/>
             <a:t>Remote Peers</a:t>
           </a:r>
-          <a:endParaRPr lang="de-DE" dirty="0" smtClean="0"/>
         </a:p>
       </dgm:t>
     </dgm:pt>
@@ -8793,6 +8733,13 @@
     <dgm:pt modelId="{7CD751AD-9D55-4251-B166-55439E031138}" type="pres">
       <dgm:prSet presAssocID="{404FE39A-DBBA-4D9D-A24D-A1333B80C288}" presName="sibTrans" presStyleLbl="sibTrans2D1" presStyleIdx="1" presStyleCnt="7"/>
       <dgm:spPr/>
+      <dgm:t>
+        <a:bodyPr/>
+        <a:lstStyle/>
+        <a:p>
+          <a:endParaRPr lang="de-DE"/>
+        </a:p>
+      </dgm:t>
     </dgm:pt>
     <dgm:pt modelId="{E797E149-0758-4FB8-B3BC-6FEC26E52512}" type="pres">
       <dgm:prSet presAssocID="{779A7FD8-9E84-4B43-BEC0-9E407190F5BE}" presName="node" presStyleLbl="node1" presStyleIdx="2" presStyleCnt="7">
@@ -8846,6 +8793,13 @@
     <dgm:pt modelId="{4AB3A6FF-3CD4-480F-A9C5-2529C6F42DA3}" type="pres">
       <dgm:prSet presAssocID="{E6631018-DAF6-490B-A33B-6CA20B9B234E}" presName="sibTrans" presStyleLbl="sibTrans2D1" presStyleIdx="3" presStyleCnt="7"/>
       <dgm:spPr/>
+      <dgm:t>
+        <a:bodyPr/>
+        <a:lstStyle/>
+        <a:p>
+          <a:endParaRPr lang="de-DE"/>
+        </a:p>
+      </dgm:t>
     </dgm:pt>
     <dgm:pt modelId="{C3D172B6-F632-4ED3-B374-17EB6CC19115}" type="pres">
       <dgm:prSet presAssocID="{9F306149-0EE9-4CCA-AC77-423CA80FB0A6}" presName="node" presStyleLbl="node1" presStyleIdx="4" presStyleCnt="7">
@@ -8869,6 +8823,13 @@
     <dgm:pt modelId="{B6114DE1-B80B-4E1C-8CEE-333AD184E289}" type="pres">
       <dgm:prSet presAssocID="{C1AA45F5-054D-4130-88C5-66C66C1E6BAB}" presName="sibTrans" presStyleLbl="sibTrans2D1" presStyleIdx="4" presStyleCnt="7"/>
       <dgm:spPr/>
+      <dgm:t>
+        <a:bodyPr/>
+        <a:lstStyle/>
+        <a:p>
+          <a:endParaRPr lang="de-DE"/>
+        </a:p>
+      </dgm:t>
     </dgm:pt>
     <dgm:pt modelId="{C273AA5A-61A7-4297-ACBB-AE362A712167}" type="pres">
       <dgm:prSet presAssocID="{0E6C83E2-9CA9-46AB-9E20-FBE3B6487D69}" presName="node" presStyleLbl="node1" presStyleIdx="5" presStyleCnt="7">
@@ -8892,6 +8853,13 @@
     <dgm:pt modelId="{7DB71D1F-48E1-446A-B909-98D53E0CDBCD}" type="pres">
       <dgm:prSet presAssocID="{B5D59F3C-9F22-4EF4-9126-30535E819F66}" presName="sibTrans" presStyleLbl="sibTrans2D1" presStyleIdx="5" presStyleCnt="7"/>
       <dgm:spPr/>
+      <dgm:t>
+        <a:bodyPr/>
+        <a:lstStyle/>
+        <a:p>
+          <a:endParaRPr lang="de-DE"/>
+        </a:p>
+      </dgm:t>
     </dgm:pt>
     <dgm:pt modelId="{4E68CB80-BE5D-4321-8513-93A1566C3F5B}" type="pres">
       <dgm:prSet presAssocID="{18F31AAF-5241-4CE4-91E2-CC7C8CECDEBD}" presName="node" presStyleLbl="node1" presStyleIdx="6" presStyleCnt="7">
@@ -8915,6 +8883,13 @@
     <dgm:pt modelId="{CDA94C81-C000-47D0-9299-7BC37B2B8DF6}" type="pres">
       <dgm:prSet presAssocID="{3FE90F1C-A743-4803-9A90-593A06064647}" presName="sibTrans" presStyleLbl="sibTrans2D1" presStyleIdx="6" presStyleCnt="7"/>
       <dgm:spPr/>
+      <dgm:t>
+        <a:bodyPr/>
+        <a:lstStyle/>
+        <a:p>
+          <a:endParaRPr lang="de-DE"/>
+        </a:p>
+      </dgm:t>
     </dgm:pt>
   </dgm:ptLst>
   <dgm:cxnLst>
@@ -11200,8 +11175,8 @@
     <dgm:cxn modelId="{0FEDA204-715D-47C2-B1FA-E3EAC170AD7D}" type="presOf" srcId="{4EE6A675-2495-4F6C-B694-431F449E086D}" destId="{AB451D81-01B3-4452-BE0E-B359AE52E6E7}" srcOrd="0" destOrd="0" presId="urn:microsoft.com/office/officeart/2005/8/layout/vProcess5"/>
     <dgm:cxn modelId="{6BD5B7CD-86C6-4CD5-B038-D51DB22E06A3}" type="presOf" srcId="{C69F8324-445F-46E5-9500-2AE941300F12}" destId="{CD45CFE8-7031-4770-A69C-2A76554DE6B6}" srcOrd="0" destOrd="0" presId="urn:microsoft.com/office/officeart/2005/8/layout/vProcess5"/>
     <dgm:cxn modelId="{815CAD40-E2EC-4FD1-AE5C-7DB8EF851E81}" type="presOf" srcId="{102FC8F2-1E62-45E8-B6C7-C271B4FB902C}" destId="{5B2491AB-0C85-4826-B929-9197826565A2}" srcOrd="1" destOrd="0" presId="urn:microsoft.com/office/officeart/2005/8/layout/vProcess5"/>
+    <dgm:cxn modelId="{F0D6831C-29AC-4114-BECF-654D95162402}" srcId="{4EE6A675-2495-4F6C-B694-431F449E086D}" destId="{74985E54-1E46-40D0-9B33-2E8CB9FCAA6A}" srcOrd="2" destOrd="0" parTransId="{7A7D3450-5608-46C2-81DC-A4ABF29DAE09}" sibTransId="{5313A4DD-32A7-48D4-8C3D-6C5FAE5B2AD6}"/>
     <dgm:cxn modelId="{A2019A76-78CD-4CBB-A8F4-08EBC5F81A0D}" srcId="{4EE6A675-2495-4F6C-B694-431F449E086D}" destId="{102FC8F2-1E62-45E8-B6C7-C271B4FB902C}" srcOrd="0" destOrd="0" parTransId="{70F71977-E03E-4020-84EC-758F5CD22681}" sibTransId="{94ED96F0-A775-48DF-837F-F7425D7839E1}"/>
-    <dgm:cxn modelId="{F0D6831C-29AC-4114-BECF-654D95162402}" srcId="{4EE6A675-2495-4F6C-B694-431F449E086D}" destId="{74985E54-1E46-40D0-9B33-2E8CB9FCAA6A}" srcOrd="2" destOrd="0" parTransId="{7A7D3450-5608-46C2-81DC-A4ABF29DAE09}" sibTransId="{5313A4DD-32A7-48D4-8C3D-6C5FAE5B2AD6}"/>
     <dgm:cxn modelId="{DD6B9C49-C8B8-40BE-9419-42BDD5F187A9}" type="presParOf" srcId="{AB451D81-01B3-4452-BE0E-B359AE52E6E7}" destId="{E7C22241-5BB5-4E55-892B-6CE3A6753760}" srcOrd="0" destOrd="0" presId="urn:microsoft.com/office/officeart/2005/8/layout/vProcess5"/>
     <dgm:cxn modelId="{86C846A5-7E17-40B6-8AF0-F723E6148CD5}" type="presParOf" srcId="{AB451D81-01B3-4452-BE0E-B359AE52E6E7}" destId="{8BE5D2FE-139F-44D7-A759-F4FA367FBF41}" srcOrd="1" destOrd="0" presId="urn:microsoft.com/office/officeart/2005/8/layout/vProcess5"/>
     <dgm:cxn modelId="{A095474D-1429-4B29-971E-C78957D1368B}" type="presParOf" srcId="{AB451D81-01B3-4452-BE0E-B359AE52E6E7}" destId="{CD45CFE8-7031-4770-A69C-2A76554DE6B6}" srcOrd="2" destOrd="0" presId="urn:microsoft.com/office/officeart/2005/8/layout/vProcess5"/>
@@ -12040,19 +12015,11 @@
           </a:r>
           <a:r>
             <a:rPr lang="de-DE" sz="1200" kern="1200" dirty="0" smtClean="0"/>
-            <a:t> ab</a:t>
-          </a:r>
-          <a:r>
-            <a:rPr lang="de-DE" sz="1200" kern="1200" dirty="0" smtClean="0"/>
-            <a:t>. Es dient zur (technischen) Identifikation und ist</a:t>
+            <a:t> ab. Es dient zur (technischen) Identifikation und ist</a:t>
           </a:r>
           <a:r>
             <a:rPr lang="de-DE" sz="1200" kern="1200" baseline="0" dirty="0" smtClean="0"/>
-            <a:t> </a:t>
-          </a:r>
-          <a:r>
-            <a:rPr lang="de-DE" sz="1200" kern="1200" baseline="0" dirty="0" smtClean="0"/>
-            <a:t>Teil des </a:t>
+            <a:t> Teil des </a:t>
           </a:r>
           <a:r>
             <a:rPr lang="de-DE" sz="1200" kern="1200" dirty="0" smtClean="0"/>
@@ -12778,15 +12745,7 @@
           </a:r>
           <a:r>
             <a:rPr lang="de-DE" sz="1200" b="0" kern="1200" dirty="0" smtClean="0"/>
-            <a:t>Daten aller Peers werden synchronisiert </a:t>
-          </a:r>
-          <a:r>
-            <a:rPr lang="de-DE" sz="1200" b="0" kern="1200" dirty="0" smtClean="0"/>
-            <a:t> (</a:t>
-          </a:r>
-          <a:r>
-            <a:rPr lang="de-DE" sz="1200" b="0" kern="1200" dirty="0" smtClean="0"/>
-            <a:t>Push + Pull).</a:t>
+            <a:t>Daten aller Peers werden synchronisiert  (Push + Pull).</a:t>
           </a:r>
           <a:endParaRPr lang="de-DE" sz="1200" b="1" kern="1200" dirty="0"/>
         </a:p>
@@ -13960,41 +13919,6 @@
           <a:r>
             <a:rPr lang="de-DE" sz="1200" kern="1200" dirty="0" smtClean="0"/>
             <a:t>  werden durch die aktuelleren ersetzt.</a:t>
-          </a:r>
-          <a:endParaRPr lang="de-DE" sz="1200" kern="1200" dirty="0"/>
-        </a:p>
-        <a:p>
-          <a:pPr marL="114300" lvl="1" indent="-114300" algn="l" defTabSz="533400">
-            <a:lnSpc>
-              <a:spcPct val="90000"/>
-            </a:lnSpc>
-            <a:spcBef>
-              <a:spcPct val="0"/>
-            </a:spcBef>
-            <a:spcAft>
-              <a:spcPct val="15000"/>
-            </a:spcAft>
-            <a:buChar char="••"/>
-          </a:pPr>
-          <a:r>
-            <a:rPr lang="de-DE" sz="1200" kern="1200" dirty="0" smtClean="0"/>
-            <a:t>Gelöschte </a:t>
-          </a:r>
-          <a:r>
-            <a:rPr lang="de-DE" sz="1200" kern="1200" dirty="0" err="1" smtClean="0"/>
-            <a:t>ContextPoint</a:t>
-          </a:r>
-          <a:r>
-            <a:rPr lang="de-DE" sz="1200" kern="1200" dirty="0" smtClean="0"/>
-            <a:t> werden (vorerst) ignoriert. Hier kann ein </a:t>
-          </a:r>
-          <a:r>
-            <a:rPr lang="de-DE" sz="1200" kern="1200" dirty="0" err="1" smtClean="0"/>
-            <a:t>Flag</a:t>
-          </a:r>
-          <a:r>
-            <a:rPr lang="de-DE" sz="1200" kern="1200" dirty="0" smtClean="0"/>
-            <a:t> zum löschen oder unberührt lassen diskutiert werden. Weitere Prüfung nötig.</a:t>
           </a:r>
           <a:endParaRPr lang="de-DE" sz="1200" kern="1200" dirty="0"/>
         </a:p>
@@ -14926,7 +14850,6 @@
             <a:rPr lang="de-DE" sz="1100" kern="1200" dirty="0" smtClean="0"/>
             <a:t>Topic</a:t>
           </a:r>
-          <a:endParaRPr lang="de-DE" sz="1100" kern="1200" dirty="0" smtClean="0"/>
         </a:p>
       </dsp:txBody>
       <dsp:txXfrm>
@@ -15080,7 +15003,6 @@
             <a:rPr lang="de-DE" sz="1100" kern="1200" dirty="0" smtClean="0"/>
             <a:t>Peers</a:t>
           </a:r>
-          <a:endParaRPr lang="de-DE" sz="1100" kern="1200" dirty="0" smtClean="0"/>
         </a:p>
       </dsp:txBody>
       <dsp:txXfrm>
@@ -15157,7 +15079,6 @@
             <a:rPr lang="de-DE" sz="1100" kern="1200" dirty="0" smtClean="0"/>
             <a:t>Remote Peers</a:t>
           </a:r>
-          <a:endParaRPr lang="de-DE" sz="1100" kern="1200" dirty="0" smtClean="0"/>
         </a:p>
       </dsp:txBody>
       <dsp:txXfrm>
@@ -15407,1007 +15328,6 @@
       <dsp:cNvGrpSpPr/>
     </dsp:nvGrpSpPr>
     <dsp:grpSpPr/>
-    <dsp:sp modelId="{53C09463-13BD-4384-96C4-C5395712BA82}">
-      <dsp:nvSpPr>
-        <dsp:cNvPr id="0" name=""/>
-        <dsp:cNvSpPr/>
-      </dsp:nvSpPr>
-      <dsp:spPr>
-        <a:xfrm>
-          <a:off x="2235006" y="474449"/>
-          <a:ext cx="3759587" cy="3759587"/>
-        </a:xfrm>
-        <a:prstGeom prst="blockArc">
-          <a:avLst>
-            <a:gd name="adj1" fmla="val 13114286"/>
-            <a:gd name="adj2" fmla="val 16200000"/>
-            <a:gd name="adj3" fmla="val 3906"/>
-          </a:avLst>
-        </a:prstGeom>
-        <a:solidFill>
-          <a:schemeClr val="accent1">
-            <a:tint val="60000"/>
-            <a:hueOff val="0"/>
-            <a:satOff val="0"/>
-            <a:lumOff val="0"/>
-            <a:alphaOff val="0"/>
-          </a:schemeClr>
-        </a:solidFill>
-        <a:ln>
-          <a:noFill/>
-        </a:ln>
-        <a:effectLst/>
-      </dsp:spPr>
-      <dsp:style>
-        <a:lnRef idx="0">
-          <a:scrgbClr r="0" g="0" b="0"/>
-        </a:lnRef>
-        <a:fillRef idx="1">
-          <a:scrgbClr r="0" g="0" b="0"/>
-        </a:fillRef>
-        <a:effectRef idx="0">
-          <a:scrgbClr r="0" g="0" b="0"/>
-        </a:effectRef>
-        <a:fontRef idx="minor">
-          <a:schemeClr val="lt1"/>
-        </a:fontRef>
-      </dsp:style>
-    </dsp:sp>
-    <dsp:sp modelId="{4248A1B0-5C16-4A8B-BE7A-40618120157D}">
-      <dsp:nvSpPr>
-        <dsp:cNvPr id="0" name=""/>
-        <dsp:cNvSpPr/>
-      </dsp:nvSpPr>
-      <dsp:spPr>
-        <a:xfrm>
-          <a:off x="2235006" y="474449"/>
-          <a:ext cx="3759587" cy="3759587"/>
-        </a:xfrm>
-        <a:prstGeom prst="blockArc">
-          <a:avLst>
-            <a:gd name="adj1" fmla="val 10028571"/>
-            <a:gd name="adj2" fmla="val 13114286"/>
-            <a:gd name="adj3" fmla="val 3906"/>
-          </a:avLst>
-        </a:prstGeom>
-        <a:solidFill>
-          <a:schemeClr val="accent1">
-            <a:tint val="60000"/>
-            <a:hueOff val="0"/>
-            <a:satOff val="0"/>
-            <a:lumOff val="0"/>
-            <a:alphaOff val="0"/>
-          </a:schemeClr>
-        </a:solidFill>
-        <a:ln>
-          <a:noFill/>
-        </a:ln>
-        <a:effectLst/>
-      </dsp:spPr>
-      <dsp:style>
-        <a:lnRef idx="0">
-          <a:scrgbClr r="0" g="0" b="0"/>
-        </a:lnRef>
-        <a:fillRef idx="1">
-          <a:scrgbClr r="0" g="0" b="0"/>
-        </a:fillRef>
-        <a:effectRef idx="0">
-          <a:scrgbClr r="0" g="0" b="0"/>
-        </a:effectRef>
-        <a:fontRef idx="minor">
-          <a:schemeClr val="lt1"/>
-        </a:fontRef>
-      </dsp:style>
-    </dsp:sp>
-    <dsp:sp modelId="{1035AB16-1B65-4F3D-91A9-E393E05C3C0F}">
-      <dsp:nvSpPr>
-        <dsp:cNvPr id="0" name=""/>
-        <dsp:cNvSpPr/>
-      </dsp:nvSpPr>
-      <dsp:spPr>
-        <a:xfrm>
-          <a:off x="2235006" y="474449"/>
-          <a:ext cx="3759587" cy="3759587"/>
-        </a:xfrm>
-        <a:prstGeom prst="blockArc">
-          <a:avLst>
-            <a:gd name="adj1" fmla="val 6942857"/>
-            <a:gd name="adj2" fmla="val 10028571"/>
-            <a:gd name="adj3" fmla="val 3906"/>
-          </a:avLst>
-        </a:prstGeom>
-        <a:solidFill>
-          <a:schemeClr val="accent1">
-            <a:tint val="60000"/>
-            <a:hueOff val="0"/>
-            <a:satOff val="0"/>
-            <a:lumOff val="0"/>
-            <a:alphaOff val="0"/>
-          </a:schemeClr>
-        </a:solidFill>
-        <a:ln>
-          <a:noFill/>
-        </a:ln>
-        <a:effectLst/>
-      </dsp:spPr>
-      <dsp:style>
-        <a:lnRef idx="0">
-          <a:scrgbClr r="0" g="0" b="0"/>
-        </a:lnRef>
-        <a:fillRef idx="1">
-          <a:scrgbClr r="0" g="0" b="0"/>
-        </a:fillRef>
-        <a:effectRef idx="0">
-          <a:scrgbClr r="0" g="0" b="0"/>
-        </a:effectRef>
-        <a:fontRef idx="minor">
-          <a:schemeClr val="lt1"/>
-        </a:fontRef>
-      </dsp:style>
-    </dsp:sp>
-    <dsp:sp modelId="{D2C586DD-C4D6-43EF-9FBC-99993E6F2B7C}">
-      <dsp:nvSpPr>
-        <dsp:cNvPr id="0" name=""/>
-        <dsp:cNvSpPr/>
-      </dsp:nvSpPr>
-      <dsp:spPr>
-        <a:xfrm>
-          <a:off x="2235006" y="474449"/>
-          <a:ext cx="3759587" cy="3759587"/>
-        </a:xfrm>
-        <a:prstGeom prst="blockArc">
-          <a:avLst>
-            <a:gd name="adj1" fmla="val 3857143"/>
-            <a:gd name="adj2" fmla="val 6942857"/>
-            <a:gd name="adj3" fmla="val 3906"/>
-          </a:avLst>
-        </a:prstGeom>
-        <a:solidFill>
-          <a:schemeClr val="accent1">
-            <a:tint val="60000"/>
-            <a:hueOff val="0"/>
-            <a:satOff val="0"/>
-            <a:lumOff val="0"/>
-            <a:alphaOff val="0"/>
-          </a:schemeClr>
-        </a:solidFill>
-        <a:ln>
-          <a:noFill/>
-        </a:ln>
-        <a:effectLst/>
-      </dsp:spPr>
-      <dsp:style>
-        <a:lnRef idx="0">
-          <a:scrgbClr r="0" g="0" b="0"/>
-        </a:lnRef>
-        <a:fillRef idx="1">
-          <a:scrgbClr r="0" g="0" b="0"/>
-        </a:fillRef>
-        <a:effectRef idx="0">
-          <a:scrgbClr r="0" g="0" b="0"/>
-        </a:effectRef>
-        <a:fontRef idx="minor">
-          <a:schemeClr val="lt1"/>
-        </a:fontRef>
-      </dsp:style>
-    </dsp:sp>
-    <dsp:sp modelId="{DFB401B8-DDCF-43AB-9E68-3F44047805B1}">
-      <dsp:nvSpPr>
-        <dsp:cNvPr id="0" name=""/>
-        <dsp:cNvSpPr/>
-      </dsp:nvSpPr>
-      <dsp:spPr>
-        <a:xfrm>
-          <a:off x="2235006" y="474449"/>
-          <a:ext cx="3759587" cy="3759587"/>
-        </a:xfrm>
-        <a:prstGeom prst="blockArc">
-          <a:avLst>
-            <a:gd name="adj1" fmla="val 771429"/>
-            <a:gd name="adj2" fmla="val 3857143"/>
-            <a:gd name="adj3" fmla="val 3906"/>
-          </a:avLst>
-        </a:prstGeom>
-        <a:solidFill>
-          <a:schemeClr val="accent1">
-            <a:tint val="60000"/>
-            <a:hueOff val="0"/>
-            <a:satOff val="0"/>
-            <a:lumOff val="0"/>
-            <a:alphaOff val="0"/>
-          </a:schemeClr>
-        </a:solidFill>
-        <a:ln>
-          <a:noFill/>
-        </a:ln>
-        <a:effectLst/>
-      </dsp:spPr>
-      <dsp:style>
-        <a:lnRef idx="0">
-          <a:scrgbClr r="0" g="0" b="0"/>
-        </a:lnRef>
-        <a:fillRef idx="1">
-          <a:scrgbClr r="0" g="0" b="0"/>
-        </a:fillRef>
-        <a:effectRef idx="0">
-          <a:scrgbClr r="0" g="0" b="0"/>
-        </a:effectRef>
-        <a:fontRef idx="minor">
-          <a:schemeClr val="lt1"/>
-        </a:fontRef>
-      </dsp:style>
-    </dsp:sp>
-    <dsp:sp modelId="{24D8591B-3162-4D1D-89AD-79C803E98548}">
-      <dsp:nvSpPr>
-        <dsp:cNvPr id="0" name=""/>
-        <dsp:cNvSpPr/>
-      </dsp:nvSpPr>
-      <dsp:spPr>
-        <a:xfrm>
-          <a:off x="2235006" y="474449"/>
-          <a:ext cx="3759587" cy="3759587"/>
-        </a:xfrm>
-        <a:prstGeom prst="blockArc">
-          <a:avLst>
-            <a:gd name="adj1" fmla="val 19285714"/>
-            <a:gd name="adj2" fmla="val 771429"/>
-            <a:gd name="adj3" fmla="val 3906"/>
-          </a:avLst>
-        </a:prstGeom>
-        <a:solidFill>
-          <a:schemeClr val="accent1">
-            <a:tint val="60000"/>
-            <a:hueOff val="0"/>
-            <a:satOff val="0"/>
-            <a:lumOff val="0"/>
-            <a:alphaOff val="0"/>
-          </a:schemeClr>
-        </a:solidFill>
-        <a:ln>
-          <a:noFill/>
-        </a:ln>
-        <a:effectLst/>
-      </dsp:spPr>
-      <dsp:style>
-        <a:lnRef idx="0">
-          <a:scrgbClr r="0" g="0" b="0"/>
-        </a:lnRef>
-        <a:fillRef idx="1">
-          <a:scrgbClr r="0" g="0" b="0"/>
-        </a:fillRef>
-        <a:effectRef idx="0">
-          <a:scrgbClr r="0" g="0" b="0"/>
-        </a:effectRef>
-        <a:fontRef idx="minor">
-          <a:schemeClr val="lt1"/>
-        </a:fontRef>
-      </dsp:style>
-    </dsp:sp>
-    <dsp:sp modelId="{A29F3CEB-48C1-4779-90F0-A060B807C94C}">
-      <dsp:nvSpPr>
-        <dsp:cNvPr id="0" name=""/>
-        <dsp:cNvSpPr/>
-      </dsp:nvSpPr>
-      <dsp:spPr>
-        <a:xfrm>
-          <a:off x="2235006" y="474449"/>
-          <a:ext cx="3759587" cy="3759587"/>
-        </a:xfrm>
-        <a:prstGeom prst="blockArc">
-          <a:avLst>
-            <a:gd name="adj1" fmla="val 16200000"/>
-            <a:gd name="adj2" fmla="val 19285714"/>
-            <a:gd name="adj3" fmla="val 3906"/>
-          </a:avLst>
-        </a:prstGeom>
-        <a:solidFill>
-          <a:schemeClr val="accent1">
-            <a:tint val="60000"/>
-            <a:hueOff val="0"/>
-            <a:satOff val="0"/>
-            <a:lumOff val="0"/>
-            <a:alphaOff val="0"/>
-          </a:schemeClr>
-        </a:solidFill>
-        <a:ln>
-          <a:noFill/>
-        </a:ln>
-        <a:effectLst/>
-      </dsp:spPr>
-      <dsp:style>
-        <a:lnRef idx="0">
-          <a:scrgbClr r="0" g="0" b="0"/>
-        </a:lnRef>
-        <a:fillRef idx="1">
-          <a:scrgbClr r="0" g="0" b="0"/>
-        </a:fillRef>
-        <a:effectRef idx="0">
-          <a:scrgbClr r="0" g="0" b="0"/>
-        </a:effectRef>
-        <a:fontRef idx="minor">
-          <a:schemeClr val="lt1"/>
-        </a:fontRef>
-      </dsp:style>
-    </dsp:sp>
-    <dsp:sp modelId="{5C3A1BB4-37EC-400B-B1E1-B1DE824681EE}">
-      <dsp:nvSpPr>
-        <dsp:cNvPr id="0" name=""/>
-        <dsp:cNvSpPr/>
-      </dsp:nvSpPr>
-      <dsp:spPr>
-        <a:xfrm>
-          <a:off x="3386472" y="1625915"/>
-          <a:ext cx="1456655" cy="1456655"/>
-        </a:xfrm>
-        <a:prstGeom prst="ellipse">
-          <a:avLst/>
-        </a:prstGeom>
-        <a:solidFill>
-          <a:schemeClr val="accent1">
-            <a:hueOff val="0"/>
-            <a:satOff val="0"/>
-            <a:lumOff val="0"/>
-            <a:alphaOff val="0"/>
-          </a:schemeClr>
-        </a:solidFill>
-        <a:ln w="25400" cap="flat" cmpd="sng" algn="ctr">
-          <a:solidFill>
-            <a:schemeClr val="lt1">
-              <a:hueOff val="0"/>
-              <a:satOff val="0"/>
-              <a:lumOff val="0"/>
-              <a:alphaOff val="0"/>
-            </a:schemeClr>
-          </a:solidFill>
-          <a:prstDash val="solid"/>
-        </a:ln>
-        <a:effectLst/>
-      </dsp:spPr>
-      <dsp:style>
-        <a:lnRef idx="2">
-          <a:scrgbClr r="0" g="0" b="0"/>
-        </a:lnRef>
-        <a:fillRef idx="1">
-          <a:scrgbClr r="0" g="0" b="0"/>
-        </a:fillRef>
-        <a:effectRef idx="0">
-          <a:scrgbClr r="0" g="0" b="0"/>
-        </a:effectRef>
-        <a:fontRef idx="minor">
-          <a:schemeClr val="lt1"/>
-        </a:fontRef>
-      </dsp:style>
-      <dsp:txBody>
-        <a:bodyPr spcFirstLastPara="0" vert="horz" wrap="square" lIns="25400" tIns="25400" rIns="25400" bIns="25400" numCol="1" spcCol="1270" anchor="ctr" anchorCtr="0">
-          <a:noAutofit/>
-        </a:bodyPr>
-        <a:lstStyle/>
-        <a:p>
-          <a:pPr lvl="0" algn="ctr" defTabSz="889000">
-            <a:lnSpc>
-              <a:spcPct val="90000"/>
-            </a:lnSpc>
-            <a:spcBef>
-              <a:spcPct val="0"/>
-            </a:spcBef>
-            <a:spcAft>
-              <a:spcPct val="35000"/>
-            </a:spcAft>
-          </a:pPr>
-          <a:r>
-            <a:rPr lang="de-DE" sz="2000" kern="1200" dirty="0" smtClean="0"/>
-            <a:t>Interesse</a:t>
-          </a:r>
-          <a:endParaRPr lang="de-DE" sz="2000" kern="1200" dirty="0"/>
-        </a:p>
-      </dsp:txBody>
-      <dsp:txXfrm>
-        <a:off x="3386472" y="1625915"/>
-        <a:ext cx="1456655" cy="1456655"/>
-      </dsp:txXfrm>
-    </dsp:sp>
-    <dsp:sp modelId="{D7D8C3F4-5433-423D-A299-A2516399C3C6}">
-      <dsp:nvSpPr>
-        <dsp:cNvPr id="0" name=""/>
-        <dsp:cNvSpPr/>
-      </dsp:nvSpPr>
-      <dsp:spPr>
-        <a:xfrm>
-          <a:off x="3604970" y="1327"/>
-          <a:ext cx="1019658" cy="1019658"/>
-        </a:xfrm>
-        <a:prstGeom prst="ellipse">
-          <a:avLst/>
-        </a:prstGeom>
-        <a:solidFill>
-          <a:schemeClr val="accent1">
-            <a:hueOff val="0"/>
-            <a:satOff val="0"/>
-            <a:lumOff val="0"/>
-            <a:alphaOff val="0"/>
-          </a:schemeClr>
-        </a:solidFill>
-        <a:ln w="25400" cap="flat" cmpd="sng" algn="ctr">
-          <a:solidFill>
-            <a:schemeClr val="lt1">
-              <a:hueOff val="0"/>
-              <a:satOff val="0"/>
-              <a:lumOff val="0"/>
-              <a:alphaOff val="0"/>
-            </a:schemeClr>
-          </a:solidFill>
-          <a:prstDash val="solid"/>
-        </a:ln>
-        <a:effectLst/>
-      </dsp:spPr>
-      <dsp:style>
-        <a:lnRef idx="2">
-          <a:scrgbClr r="0" g="0" b="0"/>
-        </a:lnRef>
-        <a:fillRef idx="1">
-          <a:scrgbClr r="0" g="0" b="0"/>
-        </a:fillRef>
-        <a:effectRef idx="0">
-          <a:scrgbClr r="0" g="0" b="0"/>
-        </a:effectRef>
-        <a:fontRef idx="minor">
-          <a:schemeClr val="lt1"/>
-        </a:fontRef>
-      </dsp:style>
-      <dsp:txBody>
-        <a:bodyPr spcFirstLastPara="0" vert="horz" wrap="square" lIns="11430" tIns="11430" rIns="11430" bIns="11430" numCol="1" spcCol="1270" anchor="ctr" anchorCtr="0">
-          <a:noAutofit/>
-        </a:bodyPr>
-        <a:lstStyle/>
-        <a:p>
-          <a:pPr lvl="0" algn="ctr" defTabSz="400050">
-            <a:lnSpc>
-              <a:spcPct val="90000"/>
-            </a:lnSpc>
-            <a:spcBef>
-              <a:spcPct val="0"/>
-            </a:spcBef>
-            <a:spcAft>
-              <a:spcPct val="35000"/>
-            </a:spcAft>
-          </a:pPr>
-          <a:r>
-            <a:rPr lang="de-DE" sz="900" kern="1200" dirty="0" smtClean="0"/>
-            <a:t>Topic: Konstante</a:t>
-          </a:r>
-          <a:endParaRPr lang="de-DE" sz="900" kern="1200" dirty="0"/>
-        </a:p>
-      </dsp:txBody>
-      <dsp:txXfrm>
-        <a:off x="3604970" y="1327"/>
-        <a:ext cx="1019658" cy="1019658"/>
-      </dsp:txXfrm>
-    </dsp:sp>
-    <dsp:sp modelId="{B115BDDF-C454-4222-93EC-75B73ECE03F0}">
-      <dsp:nvSpPr>
-        <dsp:cNvPr id="0" name=""/>
-        <dsp:cNvSpPr/>
-      </dsp:nvSpPr>
-      <dsp:spPr>
-        <a:xfrm>
-          <a:off x="5045953" y="695268"/>
-          <a:ext cx="1019658" cy="1019658"/>
-        </a:xfrm>
-        <a:prstGeom prst="ellipse">
-          <a:avLst/>
-        </a:prstGeom>
-        <a:solidFill>
-          <a:schemeClr val="accent1">
-            <a:hueOff val="0"/>
-            <a:satOff val="0"/>
-            <a:lumOff val="0"/>
-            <a:alphaOff val="0"/>
-          </a:schemeClr>
-        </a:solidFill>
-        <a:ln w="25400" cap="flat" cmpd="sng" algn="ctr">
-          <a:solidFill>
-            <a:schemeClr val="lt1">
-              <a:hueOff val="0"/>
-              <a:satOff val="0"/>
-              <a:lumOff val="0"/>
-              <a:alphaOff val="0"/>
-            </a:schemeClr>
-          </a:solidFill>
-          <a:prstDash val="solid"/>
-        </a:ln>
-        <a:effectLst/>
-      </dsp:spPr>
-      <dsp:style>
-        <a:lnRef idx="2">
-          <a:scrgbClr r="0" g="0" b="0"/>
-        </a:lnRef>
-        <a:fillRef idx="1">
-          <a:scrgbClr r="0" g="0" b="0"/>
-        </a:fillRef>
-        <a:effectRef idx="0">
-          <a:scrgbClr r="0" g="0" b="0"/>
-        </a:effectRef>
-        <a:fontRef idx="minor">
-          <a:schemeClr val="lt1"/>
-        </a:fontRef>
-      </dsp:style>
-      <dsp:txBody>
-        <a:bodyPr spcFirstLastPara="0" vert="horz" wrap="square" lIns="11430" tIns="11430" rIns="11430" bIns="11430" numCol="1" spcCol="1270" anchor="ctr" anchorCtr="0">
-          <a:noAutofit/>
-        </a:bodyPr>
-        <a:lstStyle/>
-        <a:p>
-          <a:pPr lvl="0" algn="ctr" defTabSz="400050">
-            <a:lnSpc>
-              <a:spcPct val="90000"/>
-            </a:lnSpc>
-            <a:spcBef>
-              <a:spcPct val="0"/>
-            </a:spcBef>
-            <a:spcAft>
-              <a:spcPct val="35000"/>
-            </a:spcAft>
-          </a:pPr>
-          <a:r>
-            <a:rPr lang="de-DE" sz="900" kern="1200" dirty="0" err="1" smtClean="0"/>
-            <a:t>Originator</a:t>
-          </a:r>
-          <a:r>
-            <a:rPr lang="de-DE" sz="900" kern="1200" dirty="0" smtClean="0"/>
-            <a:t>: leer</a:t>
-          </a:r>
-          <a:endParaRPr lang="de-DE" sz="900" kern="1200" dirty="0"/>
-        </a:p>
-      </dsp:txBody>
-      <dsp:txXfrm>
-        <a:off x="5045953" y="695268"/>
-        <a:ext cx="1019658" cy="1019658"/>
-      </dsp:txXfrm>
-    </dsp:sp>
-    <dsp:sp modelId="{E797E149-0758-4FB8-B3BC-6FEC26E52512}">
-      <dsp:nvSpPr>
-        <dsp:cNvPr id="0" name=""/>
-        <dsp:cNvSpPr/>
-      </dsp:nvSpPr>
-      <dsp:spPr>
-        <a:xfrm>
-          <a:off x="5401846" y="2254538"/>
-          <a:ext cx="1019658" cy="1019658"/>
-        </a:xfrm>
-        <a:prstGeom prst="ellipse">
-          <a:avLst/>
-        </a:prstGeom>
-        <a:solidFill>
-          <a:schemeClr val="accent1">
-            <a:hueOff val="0"/>
-            <a:satOff val="0"/>
-            <a:lumOff val="0"/>
-            <a:alphaOff val="0"/>
-          </a:schemeClr>
-        </a:solidFill>
-        <a:ln w="25400" cap="flat" cmpd="sng" algn="ctr">
-          <a:solidFill>
-            <a:schemeClr val="lt1">
-              <a:hueOff val="0"/>
-              <a:satOff val="0"/>
-              <a:lumOff val="0"/>
-              <a:alphaOff val="0"/>
-            </a:schemeClr>
-          </a:solidFill>
-          <a:prstDash val="solid"/>
-        </a:ln>
-        <a:effectLst/>
-      </dsp:spPr>
-      <dsp:style>
-        <a:lnRef idx="2">
-          <a:scrgbClr r="0" g="0" b="0"/>
-        </a:lnRef>
-        <a:fillRef idx="1">
-          <a:scrgbClr r="0" g="0" b="0"/>
-        </a:fillRef>
-        <a:effectRef idx="0">
-          <a:scrgbClr r="0" g="0" b="0"/>
-        </a:effectRef>
-        <a:fontRef idx="minor">
-          <a:schemeClr val="lt1"/>
-        </a:fontRef>
-      </dsp:style>
-      <dsp:txBody>
-        <a:bodyPr spcFirstLastPara="0" vert="horz" wrap="square" lIns="11430" tIns="11430" rIns="11430" bIns="11430" numCol="1" spcCol="1270" anchor="ctr" anchorCtr="0">
-          <a:noAutofit/>
-        </a:bodyPr>
-        <a:lstStyle/>
-        <a:p>
-          <a:pPr lvl="0" algn="ctr" defTabSz="400050">
-            <a:lnSpc>
-              <a:spcPct val="90000"/>
-            </a:lnSpc>
-            <a:spcBef>
-              <a:spcPct val="0"/>
-            </a:spcBef>
-            <a:spcAft>
-              <a:spcPct val="35000"/>
-            </a:spcAft>
-          </a:pPr>
-          <a:r>
-            <a:rPr lang="de-DE" sz="900" kern="1200" dirty="0" smtClean="0"/>
-            <a:t>Peers: KB Eigentümer</a:t>
-          </a:r>
-          <a:endParaRPr lang="de-DE" sz="900" kern="1200" dirty="0"/>
-        </a:p>
-      </dsp:txBody>
-      <dsp:txXfrm>
-        <a:off x="5401846" y="2254538"/>
-        <a:ext cx="1019658" cy="1019658"/>
-      </dsp:txXfrm>
-    </dsp:sp>
-    <dsp:sp modelId="{C8BC8EA8-C13E-4CFF-B5C8-7C7F532ABE0E}">
-      <dsp:nvSpPr>
-        <dsp:cNvPr id="0" name=""/>
-        <dsp:cNvSpPr/>
-      </dsp:nvSpPr>
-      <dsp:spPr>
-        <a:xfrm>
-          <a:off x="4404655" y="3504976"/>
-          <a:ext cx="1019658" cy="1019658"/>
-        </a:xfrm>
-        <a:prstGeom prst="ellipse">
-          <a:avLst/>
-        </a:prstGeom>
-        <a:solidFill>
-          <a:schemeClr val="accent1">
-            <a:hueOff val="0"/>
-            <a:satOff val="0"/>
-            <a:lumOff val="0"/>
-            <a:alphaOff val="0"/>
-          </a:schemeClr>
-        </a:solidFill>
-        <a:ln w="25400" cap="flat" cmpd="sng" algn="ctr">
-          <a:solidFill>
-            <a:schemeClr val="lt1">
-              <a:hueOff val="0"/>
-              <a:satOff val="0"/>
-              <a:lumOff val="0"/>
-              <a:alphaOff val="0"/>
-            </a:schemeClr>
-          </a:solidFill>
-          <a:prstDash val="solid"/>
-        </a:ln>
-        <a:effectLst/>
-      </dsp:spPr>
-      <dsp:style>
-        <a:lnRef idx="2">
-          <a:scrgbClr r="0" g="0" b="0"/>
-        </a:lnRef>
-        <a:fillRef idx="1">
-          <a:scrgbClr r="0" g="0" b="0"/>
-        </a:fillRef>
-        <a:effectRef idx="0">
-          <a:scrgbClr r="0" g="0" b="0"/>
-        </a:effectRef>
-        <a:fontRef idx="minor">
-          <a:schemeClr val="lt1"/>
-        </a:fontRef>
-      </dsp:style>
-      <dsp:txBody>
-        <a:bodyPr spcFirstLastPara="0" vert="horz" wrap="square" lIns="11430" tIns="11430" rIns="11430" bIns="11430" numCol="1" spcCol="1270" anchor="ctr" anchorCtr="0">
-          <a:noAutofit/>
-        </a:bodyPr>
-        <a:lstStyle/>
-        <a:p>
-          <a:pPr lvl="0" algn="ctr" defTabSz="400050">
-            <a:lnSpc>
-              <a:spcPct val="90000"/>
-            </a:lnSpc>
-            <a:spcBef>
-              <a:spcPct val="0"/>
-            </a:spcBef>
-            <a:spcAft>
-              <a:spcPct val="35000"/>
-            </a:spcAft>
-          </a:pPr>
-          <a:r>
-            <a:rPr lang="de-DE" sz="900" kern="1200" dirty="0" err="1" smtClean="0"/>
-            <a:t>RemotePeers</a:t>
-          </a:r>
-          <a:r>
-            <a:rPr lang="de-DE" sz="900" kern="1200" dirty="0" smtClean="0"/>
-            <a:t>: leer</a:t>
-          </a:r>
-          <a:endParaRPr lang="de-DE" sz="900" kern="1200" dirty="0"/>
-        </a:p>
-      </dsp:txBody>
-      <dsp:txXfrm>
-        <a:off x="4404655" y="3504976"/>
-        <a:ext cx="1019658" cy="1019658"/>
-      </dsp:txXfrm>
-    </dsp:sp>
-    <dsp:sp modelId="{7DBA7B9B-977A-489F-93B1-34F7A714000E}">
-      <dsp:nvSpPr>
-        <dsp:cNvPr id="0" name=""/>
-        <dsp:cNvSpPr/>
-      </dsp:nvSpPr>
-      <dsp:spPr>
-        <a:xfrm>
-          <a:off x="2805285" y="3504976"/>
-          <a:ext cx="1019658" cy="1019658"/>
-        </a:xfrm>
-        <a:prstGeom prst="ellipse">
-          <a:avLst/>
-        </a:prstGeom>
-        <a:solidFill>
-          <a:schemeClr val="accent1">
-            <a:hueOff val="0"/>
-            <a:satOff val="0"/>
-            <a:lumOff val="0"/>
-            <a:alphaOff val="0"/>
-          </a:schemeClr>
-        </a:solidFill>
-        <a:ln w="25400" cap="flat" cmpd="sng" algn="ctr">
-          <a:solidFill>
-            <a:schemeClr val="lt1">
-              <a:hueOff val="0"/>
-              <a:satOff val="0"/>
-              <a:lumOff val="0"/>
-              <a:alphaOff val="0"/>
-            </a:schemeClr>
-          </a:solidFill>
-          <a:prstDash val="solid"/>
-        </a:ln>
-        <a:effectLst/>
-      </dsp:spPr>
-      <dsp:style>
-        <a:lnRef idx="2">
-          <a:scrgbClr r="0" g="0" b="0"/>
-        </a:lnRef>
-        <a:fillRef idx="1">
-          <a:scrgbClr r="0" g="0" b="0"/>
-        </a:fillRef>
-        <a:effectRef idx="0">
-          <a:scrgbClr r="0" g="0" b="0"/>
-        </a:effectRef>
-        <a:fontRef idx="minor">
-          <a:schemeClr val="lt1"/>
-        </a:fontRef>
-      </dsp:style>
-      <dsp:txBody>
-        <a:bodyPr spcFirstLastPara="0" vert="horz" wrap="square" lIns="11430" tIns="11430" rIns="11430" bIns="11430" numCol="1" spcCol="1270" anchor="ctr" anchorCtr="0">
-          <a:noAutofit/>
-        </a:bodyPr>
-        <a:lstStyle/>
-        <a:p>
-          <a:pPr lvl="0" algn="ctr" defTabSz="400050">
-            <a:lnSpc>
-              <a:spcPct val="90000"/>
-            </a:lnSpc>
-            <a:spcBef>
-              <a:spcPct val="0"/>
-            </a:spcBef>
-            <a:spcAft>
-              <a:spcPct val="35000"/>
-            </a:spcAft>
-          </a:pPr>
-          <a:r>
-            <a:rPr lang="de-DE" sz="900" kern="1200" dirty="0" smtClean="0"/>
-            <a:t>Times: </a:t>
-          </a:r>
-        </a:p>
-        <a:p>
-          <a:pPr lvl="0" algn="ctr" defTabSz="400050">
-            <a:lnSpc>
-              <a:spcPct val="90000"/>
-            </a:lnSpc>
-            <a:spcBef>
-              <a:spcPct val="0"/>
-            </a:spcBef>
-            <a:spcAft>
-              <a:spcPct val="35000"/>
-            </a:spcAft>
-          </a:pPr>
-          <a:r>
-            <a:rPr lang="de-DE" sz="900" kern="1200" dirty="0" smtClean="0"/>
-            <a:t>leer</a:t>
-          </a:r>
-          <a:endParaRPr lang="de-DE" sz="900" kern="1200" dirty="0"/>
-        </a:p>
-      </dsp:txBody>
-      <dsp:txXfrm>
-        <a:off x="2805285" y="3504976"/>
-        <a:ext cx="1019658" cy="1019658"/>
-      </dsp:txXfrm>
-    </dsp:sp>
-    <dsp:sp modelId="{CBAC4FB6-AB5D-478C-B9DB-3C4BBA99FAAF}">
-      <dsp:nvSpPr>
-        <dsp:cNvPr id="0" name=""/>
-        <dsp:cNvSpPr/>
-      </dsp:nvSpPr>
-      <dsp:spPr>
-        <a:xfrm>
-          <a:off x="1808094" y="2254538"/>
-          <a:ext cx="1019658" cy="1019658"/>
-        </a:xfrm>
-        <a:prstGeom prst="ellipse">
-          <a:avLst/>
-        </a:prstGeom>
-        <a:solidFill>
-          <a:schemeClr val="accent1">
-            <a:hueOff val="0"/>
-            <a:satOff val="0"/>
-            <a:lumOff val="0"/>
-            <a:alphaOff val="0"/>
-          </a:schemeClr>
-        </a:solidFill>
-        <a:ln w="25400" cap="flat" cmpd="sng" algn="ctr">
-          <a:solidFill>
-            <a:schemeClr val="lt1">
-              <a:hueOff val="0"/>
-              <a:satOff val="0"/>
-              <a:lumOff val="0"/>
-              <a:alphaOff val="0"/>
-            </a:schemeClr>
-          </a:solidFill>
-          <a:prstDash val="solid"/>
-        </a:ln>
-        <a:effectLst/>
-      </dsp:spPr>
-      <dsp:style>
-        <a:lnRef idx="2">
-          <a:scrgbClr r="0" g="0" b="0"/>
-        </a:lnRef>
-        <a:fillRef idx="1">
-          <a:scrgbClr r="0" g="0" b="0"/>
-        </a:fillRef>
-        <a:effectRef idx="0">
-          <a:scrgbClr r="0" g="0" b="0"/>
-        </a:effectRef>
-        <a:fontRef idx="minor">
-          <a:schemeClr val="lt1"/>
-        </a:fontRef>
-      </dsp:style>
-      <dsp:txBody>
-        <a:bodyPr spcFirstLastPara="0" vert="horz" wrap="square" lIns="11430" tIns="11430" rIns="11430" bIns="11430" numCol="1" spcCol="1270" anchor="ctr" anchorCtr="0">
-          <a:noAutofit/>
-        </a:bodyPr>
-        <a:lstStyle/>
-        <a:p>
-          <a:pPr lvl="0" algn="ctr" defTabSz="400050">
-            <a:lnSpc>
-              <a:spcPct val="90000"/>
-            </a:lnSpc>
-            <a:spcBef>
-              <a:spcPct val="0"/>
-            </a:spcBef>
-            <a:spcAft>
-              <a:spcPct val="35000"/>
-            </a:spcAft>
-          </a:pPr>
-          <a:r>
-            <a:rPr lang="de-DE" sz="900" kern="1200" dirty="0" smtClean="0"/>
-            <a:t>Locations: </a:t>
-          </a:r>
-        </a:p>
-        <a:p>
-          <a:pPr lvl="0" algn="ctr" defTabSz="400050">
-            <a:lnSpc>
-              <a:spcPct val="90000"/>
-            </a:lnSpc>
-            <a:spcBef>
-              <a:spcPct val="0"/>
-            </a:spcBef>
-            <a:spcAft>
-              <a:spcPct val="35000"/>
-            </a:spcAft>
-          </a:pPr>
-          <a:r>
-            <a:rPr lang="de-DE" sz="900" kern="1200" dirty="0" smtClean="0"/>
-            <a:t>leer</a:t>
-          </a:r>
-          <a:endParaRPr lang="de-DE" sz="900" kern="1200" dirty="0"/>
-        </a:p>
-      </dsp:txBody>
-      <dsp:txXfrm>
-        <a:off x="1808094" y="2254538"/>
-        <a:ext cx="1019658" cy="1019658"/>
-      </dsp:txXfrm>
-    </dsp:sp>
-    <dsp:sp modelId="{D48DD17A-CAAC-4CEC-A104-B4EE28478FDA}">
-      <dsp:nvSpPr>
-        <dsp:cNvPr id="0" name=""/>
-        <dsp:cNvSpPr/>
-      </dsp:nvSpPr>
-      <dsp:spPr>
-        <a:xfrm>
-          <a:off x="2163988" y="695268"/>
-          <a:ext cx="1019658" cy="1019658"/>
-        </a:xfrm>
-        <a:prstGeom prst="ellipse">
-          <a:avLst/>
-        </a:prstGeom>
-        <a:solidFill>
-          <a:schemeClr val="accent1">
-            <a:hueOff val="0"/>
-            <a:satOff val="0"/>
-            <a:lumOff val="0"/>
-            <a:alphaOff val="0"/>
-          </a:schemeClr>
-        </a:solidFill>
-        <a:ln w="25400" cap="flat" cmpd="sng" algn="ctr">
-          <a:solidFill>
-            <a:schemeClr val="lt1">
-              <a:hueOff val="0"/>
-              <a:satOff val="0"/>
-              <a:lumOff val="0"/>
-              <a:alphaOff val="0"/>
-            </a:schemeClr>
-          </a:solidFill>
-          <a:prstDash val="solid"/>
-        </a:ln>
-        <a:effectLst/>
-      </dsp:spPr>
-      <dsp:style>
-        <a:lnRef idx="2">
-          <a:scrgbClr r="0" g="0" b="0"/>
-        </a:lnRef>
-        <a:fillRef idx="1">
-          <a:scrgbClr r="0" g="0" b="0"/>
-        </a:fillRef>
-        <a:effectRef idx="0">
-          <a:scrgbClr r="0" g="0" b="0"/>
-        </a:effectRef>
-        <a:fontRef idx="minor">
-          <a:schemeClr val="lt1"/>
-        </a:fontRef>
-      </dsp:style>
-      <dsp:txBody>
-        <a:bodyPr spcFirstLastPara="0" vert="horz" wrap="square" lIns="11430" tIns="11430" rIns="11430" bIns="11430" numCol="1" spcCol="1270" anchor="ctr" anchorCtr="0">
-          <a:noAutofit/>
-        </a:bodyPr>
-        <a:lstStyle/>
-        <a:p>
-          <a:pPr lvl="0" algn="ctr" defTabSz="400050">
-            <a:lnSpc>
-              <a:spcPct val="90000"/>
-            </a:lnSpc>
-            <a:spcBef>
-              <a:spcPct val="0"/>
-            </a:spcBef>
-            <a:spcAft>
-              <a:spcPct val="35000"/>
-            </a:spcAft>
-          </a:pPr>
-          <a:r>
-            <a:rPr lang="de-DE" sz="900" kern="1200" dirty="0" err="1" smtClean="0"/>
-            <a:t>Direction</a:t>
-          </a:r>
-          <a:r>
-            <a:rPr lang="de-DE" sz="900" kern="1200" dirty="0" smtClean="0"/>
-            <a:t>: </a:t>
-          </a:r>
-        </a:p>
-        <a:p>
-          <a:pPr lvl="0" algn="ctr" defTabSz="400050">
-            <a:lnSpc>
-              <a:spcPct val="90000"/>
-            </a:lnSpc>
-            <a:spcBef>
-              <a:spcPct val="0"/>
-            </a:spcBef>
-            <a:spcAft>
-              <a:spcPct val="35000"/>
-            </a:spcAft>
-          </a:pPr>
-          <a:r>
-            <a:rPr lang="de-DE" sz="900" kern="1200" dirty="0" smtClean="0"/>
-            <a:t>Out</a:t>
-          </a:r>
-          <a:endParaRPr lang="de-DE" sz="900" kern="1200" dirty="0"/>
-        </a:p>
-      </dsp:txBody>
-      <dsp:txXfrm>
-        <a:off x="2163988" y="695268"/>
-        <a:ext cx="1019658" cy="1019658"/>
-      </dsp:txXfrm>
-    </dsp:sp>
   </dsp:spTree>
 </dsp:drawing>
 </file>
@@ -16420,1831 +15340,6 @@
       <dsp:cNvGrpSpPr/>
     </dsp:nvGrpSpPr>
     <dsp:grpSpPr/>
-    <dsp:sp modelId="{688FF277-48CD-406A-9FB2-59857081459B}">
-      <dsp:nvSpPr>
-        <dsp:cNvPr id="0" name=""/>
-        <dsp:cNvSpPr/>
-      </dsp:nvSpPr>
-      <dsp:spPr>
-        <a:xfrm>
-          <a:off x="6716257" y="0"/>
-          <a:ext cx="1916622" cy="4824536"/>
-        </a:xfrm>
-        <a:prstGeom prst="roundRect">
-          <a:avLst>
-            <a:gd name="adj" fmla="val 10000"/>
-          </a:avLst>
-        </a:prstGeom>
-        <a:solidFill>
-          <a:schemeClr val="accent1">
-            <a:tint val="40000"/>
-            <a:hueOff val="0"/>
-            <a:satOff val="0"/>
-            <a:lumOff val="0"/>
-            <a:alphaOff val="0"/>
-          </a:schemeClr>
-        </a:solidFill>
-        <a:ln>
-          <a:noFill/>
-        </a:ln>
-        <a:effectLst/>
-      </dsp:spPr>
-      <dsp:style>
-        <a:lnRef idx="0">
-          <a:scrgbClr r="0" g="0" b="0"/>
-        </a:lnRef>
-        <a:fillRef idx="1">
-          <a:scrgbClr r="0" g="0" b="0"/>
-        </a:fillRef>
-        <a:effectRef idx="0">
-          <a:scrgbClr r="0" g="0" b="0"/>
-        </a:effectRef>
-        <a:fontRef idx="minor"/>
-      </dsp:style>
-      <dsp:txBody>
-        <a:bodyPr spcFirstLastPara="0" vert="horz" wrap="square" lIns="177800" tIns="177800" rIns="177800" bIns="177800" numCol="1" spcCol="1270" anchor="ctr" anchorCtr="0">
-          <a:noAutofit/>
-        </a:bodyPr>
-        <a:lstStyle/>
-        <a:p>
-          <a:pPr lvl="0" algn="ctr" defTabSz="1111250">
-            <a:lnSpc>
-              <a:spcPct val="90000"/>
-            </a:lnSpc>
-            <a:spcBef>
-              <a:spcPct val="0"/>
-            </a:spcBef>
-            <a:spcAft>
-              <a:spcPct val="35000"/>
-            </a:spcAft>
-          </a:pPr>
-          <a:r>
-            <a:rPr lang="de-DE" sz="2500" kern="1200" dirty="0" smtClean="0"/>
-            <a:t>Aktion und neuer Zustand</a:t>
-          </a:r>
-          <a:endParaRPr lang="de-DE" sz="2500" kern="1200" dirty="0"/>
-        </a:p>
-      </dsp:txBody>
-      <dsp:txXfrm>
-        <a:off x="6716257" y="0"/>
-        <a:ext cx="1916622" cy="1447360"/>
-      </dsp:txXfrm>
-    </dsp:sp>
-    <dsp:sp modelId="{4DA95782-C7D8-4007-B7C1-3F82B830ED26}">
-      <dsp:nvSpPr>
-        <dsp:cNvPr id="0" name=""/>
-        <dsp:cNvSpPr/>
-      </dsp:nvSpPr>
-      <dsp:spPr>
-        <a:xfrm>
-          <a:off x="4480198" y="0"/>
-          <a:ext cx="1916622" cy="4824536"/>
-        </a:xfrm>
-        <a:prstGeom prst="roundRect">
-          <a:avLst>
-            <a:gd name="adj" fmla="val 10000"/>
-          </a:avLst>
-        </a:prstGeom>
-        <a:solidFill>
-          <a:schemeClr val="accent1">
-            <a:tint val="40000"/>
-            <a:hueOff val="0"/>
-            <a:satOff val="0"/>
-            <a:lumOff val="0"/>
-            <a:alphaOff val="0"/>
-          </a:schemeClr>
-        </a:solidFill>
-        <a:ln>
-          <a:noFill/>
-        </a:ln>
-        <a:effectLst/>
-      </dsp:spPr>
-      <dsp:style>
-        <a:lnRef idx="0">
-          <a:scrgbClr r="0" g="0" b="0"/>
-        </a:lnRef>
-        <a:fillRef idx="1">
-          <a:scrgbClr r="0" g="0" b="0"/>
-        </a:fillRef>
-        <a:effectRef idx="0">
-          <a:scrgbClr r="0" g="0" b="0"/>
-        </a:effectRef>
-        <a:fontRef idx="minor"/>
-      </dsp:style>
-      <dsp:txBody>
-        <a:bodyPr spcFirstLastPara="0" vert="horz" wrap="square" lIns="177800" tIns="177800" rIns="177800" bIns="177800" numCol="1" spcCol="1270" anchor="ctr" anchorCtr="0">
-          <a:noAutofit/>
-        </a:bodyPr>
-        <a:lstStyle/>
-        <a:p>
-          <a:pPr lvl="0" algn="ctr" defTabSz="1111250">
-            <a:lnSpc>
-              <a:spcPct val="90000"/>
-            </a:lnSpc>
-            <a:spcBef>
-              <a:spcPct val="0"/>
-            </a:spcBef>
-            <a:spcAft>
-              <a:spcPct val="35000"/>
-            </a:spcAft>
-          </a:pPr>
-          <a:r>
-            <a:rPr lang="de-DE" sz="2500" kern="1200" dirty="0" smtClean="0"/>
-            <a:t>Action</a:t>
-          </a:r>
-          <a:endParaRPr lang="de-DE" sz="2500" kern="1200" dirty="0"/>
-        </a:p>
-      </dsp:txBody>
-      <dsp:txXfrm>
-        <a:off x="4480198" y="0"/>
-        <a:ext cx="1916622" cy="1447360"/>
-      </dsp:txXfrm>
-    </dsp:sp>
-    <dsp:sp modelId="{7D01AB83-59A1-459A-AE5E-34AA765B66E4}">
-      <dsp:nvSpPr>
-        <dsp:cNvPr id="0" name=""/>
-        <dsp:cNvSpPr/>
-      </dsp:nvSpPr>
-      <dsp:spPr>
-        <a:xfrm>
-          <a:off x="2244139" y="0"/>
-          <a:ext cx="1916622" cy="4824536"/>
-        </a:xfrm>
-        <a:prstGeom prst="roundRect">
-          <a:avLst>
-            <a:gd name="adj" fmla="val 10000"/>
-          </a:avLst>
-        </a:prstGeom>
-        <a:solidFill>
-          <a:schemeClr val="accent1">
-            <a:tint val="40000"/>
-            <a:hueOff val="0"/>
-            <a:satOff val="0"/>
-            <a:lumOff val="0"/>
-            <a:alphaOff val="0"/>
-          </a:schemeClr>
-        </a:solidFill>
-        <a:ln>
-          <a:noFill/>
-        </a:ln>
-        <a:effectLst/>
-      </dsp:spPr>
-      <dsp:style>
-        <a:lnRef idx="0">
-          <a:scrgbClr r="0" g="0" b="0"/>
-        </a:lnRef>
-        <a:fillRef idx="1">
-          <a:scrgbClr r="0" g="0" b="0"/>
-        </a:fillRef>
-        <a:effectRef idx="0">
-          <a:scrgbClr r="0" g="0" b="0"/>
-        </a:effectRef>
-        <a:fontRef idx="minor"/>
-      </dsp:style>
-      <dsp:txBody>
-        <a:bodyPr spcFirstLastPara="0" vert="horz" wrap="square" lIns="177800" tIns="177800" rIns="177800" bIns="177800" numCol="1" spcCol="1270" anchor="ctr" anchorCtr="0">
-          <a:noAutofit/>
-        </a:bodyPr>
-        <a:lstStyle/>
-        <a:p>
-          <a:pPr lvl="0" algn="ctr" defTabSz="1111250">
-            <a:lnSpc>
-              <a:spcPct val="90000"/>
-            </a:lnSpc>
-            <a:spcBef>
-              <a:spcPct val="0"/>
-            </a:spcBef>
-            <a:spcAft>
-              <a:spcPct val="35000"/>
-            </a:spcAft>
-          </a:pPr>
-          <a:r>
-            <a:rPr lang="de-DE" sz="2500" kern="1200" dirty="0" smtClean="0"/>
-            <a:t>Zustand</a:t>
-          </a:r>
-          <a:endParaRPr lang="de-DE" sz="2500" kern="1200" dirty="0"/>
-        </a:p>
-      </dsp:txBody>
-      <dsp:txXfrm>
-        <a:off x="2244139" y="0"/>
-        <a:ext cx="1916622" cy="1447360"/>
-      </dsp:txXfrm>
-    </dsp:sp>
-    <dsp:sp modelId="{91015EBC-D7CF-4393-98E0-D6CF6B46392F}">
-      <dsp:nvSpPr>
-        <dsp:cNvPr id="0" name=""/>
-        <dsp:cNvSpPr/>
-      </dsp:nvSpPr>
-      <dsp:spPr>
-        <a:xfrm>
-          <a:off x="8079" y="0"/>
-          <a:ext cx="1916622" cy="4824536"/>
-        </a:xfrm>
-        <a:prstGeom prst="roundRect">
-          <a:avLst>
-            <a:gd name="adj" fmla="val 10000"/>
-          </a:avLst>
-        </a:prstGeom>
-        <a:solidFill>
-          <a:schemeClr val="accent1">
-            <a:tint val="40000"/>
-            <a:hueOff val="0"/>
-            <a:satOff val="0"/>
-            <a:lumOff val="0"/>
-            <a:alphaOff val="0"/>
-          </a:schemeClr>
-        </a:solidFill>
-        <a:ln>
-          <a:noFill/>
-        </a:ln>
-        <a:effectLst/>
-      </dsp:spPr>
-      <dsp:style>
-        <a:lnRef idx="0">
-          <a:scrgbClr r="0" g="0" b="0"/>
-        </a:lnRef>
-        <a:fillRef idx="1">
-          <a:scrgbClr r="0" g="0" b="0"/>
-        </a:fillRef>
-        <a:effectRef idx="0">
-          <a:scrgbClr r="0" g="0" b="0"/>
-        </a:effectRef>
-        <a:fontRef idx="minor"/>
-      </dsp:style>
-      <dsp:txBody>
-        <a:bodyPr spcFirstLastPara="0" vert="horz" wrap="square" lIns="177800" tIns="177800" rIns="177800" bIns="177800" numCol="1" spcCol="1270" anchor="ctr" anchorCtr="0">
-          <a:noAutofit/>
-        </a:bodyPr>
-        <a:lstStyle/>
-        <a:p>
-          <a:pPr lvl="0" algn="ctr" defTabSz="1111250">
-            <a:lnSpc>
-              <a:spcPct val="90000"/>
-            </a:lnSpc>
-            <a:spcBef>
-              <a:spcPct val="0"/>
-            </a:spcBef>
-            <a:spcAft>
-              <a:spcPct val="35000"/>
-            </a:spcAft>
-          </a:pPr>
-          <a:r>
-            <a:rPr lang="de-DE" sz="2500" kern="1200" dirty="0" smtClean="0"/>
-            <a:t>Prüfung</a:t>
-          </a:r>
-          <a:endParaRPr lang="de-DE" sz="2500" kern="1200" dirty="0"/>
-        </a:p>
-      </dsp:txBody>
-      <dsp:txXfrm>
-        <a:off x="8079" y="0"/>
-        <a:ext cx="1916622" cy="1447360"/>
-      </dsp:txXfrm>
-    </dsp:sp>
-    <dsp:sp modelId="{DC60E126-9BB4-4941-8BB4-B5C345813139}">
-      <dsp:nvSpPr>
-        <dsp:cNvPr id="0" name=""/>
-        <dsp:cNvSpPr/>
-      </dsp:nvSpPr>
-      <dsp:spPr>
-        <a:xfrm>
-          <a:off x="167798" y="2640161"/>
-          <a:ext cx="1597185" cy="798592"/>
-        </a:xfrm>
-        <a:prstGeom prst="roundRect">
-          <a:avLst>
-            <a:gd name="adj" fmla="val 10000"/>
-          </a:avLst>
-        </a:prstGeom>
-        <a:solidFill>
-          <a:schemeClr val="accent1">
-            <a:hueOff val="0"/>
-            <a:satOff val="0"/>
-            <a:lumOff val="0"/>
-            <a:alphaOff val="0"/>
-          </a:schemeClr>
-        </a:solidFill>
-        <a:ln w="25400" cap="flat" cmpd="sng" algn="ctr">
-          <a:solidFill>
-            <a:schemeClr val="lt1">
-              <a:hueOff val="0"/>
-              <a:satOff val="0"/>
-              <a:lumOff val="0"/>
-              <a:alphaOff val="0"/>
-            </a:schemeClr>
-          </a:solidFill>
-          <a:prstDash val="solid"/>
-        </a:ln>
-        <a:effectLst/>
-      </dsp:spPr>
-      <dsp:style>
-        <a:lnRef idx="2">
-          <a:scrgbClr r="0" g="0" b="0"/>
-        </a:lnRef>
-        <a:fillRef idx="1">
-          <a:scrgbClr r="0" g="0" b="0"/>
-        </a:fillRef>
-        <a:effectRef idx="0">
-          <a:scrgbClr r="0" g="0" b="0"/>
-        </a:effectRef>
-        <a:fontRef idx="minor">
-          <a:schemeClr val="lt1"/>
-        </a:fontRef>
-      </dsp:style>
-      <dsp:txBody>
-        <a:bodyPr spcFirstLastPara="0" vert="horz" wrap="square" lIns="10160" tIns="10160" rIns="10160" bIns="10160" numCol="1" spcCol="1270" anchor="ctr" anchorCtr="0">
-          <a:noAutofit/>
-        </a:bodyPr>
-        <a:lstStyle/>
-        <a:p>
-          <a:pPr lvl="0" algn="ctr" defTabSz="711200">
-            <a:lnSpc>
-              <a:spcPct val="90000"/>
-            </a:lnSpc>
-            <a:spcBef>
-              <a:spcPct val="0"/>
-            </a:spcBef>
-            <a:spcAft>
-              <a:spcPct val="35000"/>
-            </a:spcAft>
-          </a:pPr>
-          <a:r>
-            <a:rPr lang="de-DE" sz="1600" kern="1200" smtClean="0"/>
-            <a:t>SyncKP Interesse?</a:t>
-          </a:r>
-          <a:endParaRPr lang="de-DE" sz="1600" kern="1200" dirty="0"/>
-        </a:p>
-      </dsp:txBody>
-      <dsp:txXfrm>
-        <a:off x="167798" y="2640161"/>
-        <a:ext cx="1597185" cy="798592"/>
-      </dsp:txXfrm>
-    </dsp:sp>
-    <dsp:sp modelId="{E7F7931E-C13B-4AE4-8534-6EBFBBE432DF}">
-      <dsp:nvSpPr>
-        <dsp:cNvPr id="0" name=""/>
-        <dsp:cNvSpPr/>
-      </dsp:nvSpPr>
-      <dsp:spPr>
-        <a:xfrm rot="18289469">
-          <a:off x="1525049" y="2565369"/>
-          <a:ext cx="1118742" cy="29794"/>
-        </a:xfrm>
-        <a:custGeom>
-          <a:avLst/>
-          <a:gdLst/>
-          <a:ahLst/>
-          <a:cxnLst/>
-          <a:rect l="0" t="0" r="0" b="0"/>
-          <a:pathLst>
-            <a:path>
-              <a:moveTo>
-                <a:pt x="0" y="14897"/>
-              </a:moveTo>
-              <a:lnTo>
-                <a:pt x="1118742" y="14897"/>
-              </a:lnTo>
-            </a:path>
-          </a:pathLst>
-        </a:custGeom>
-        <a:noFill/>
-        <a:ln w="25400" cap="flat" cmpd="sng" algn="ctr">
-          <a:solidFill>
-            <a:schemeClr val="accent1">
-              <a:shade val="60000"/>
-              <a:hueOff val="0"/>
-              <a:satOff val="0"/>
-              <a:lumOff val="0"/>
-              <a:alphaOff val="0"/>
-            </a:schemeClr>
-          </a:solidFill>
-          <a:prstDash val="solid"/>
-        </a:ln>
-        <a:effectLst/>
-      </dsp:spPr>
-      <dsp:style>
-        <a:lnRef idx="2">
-          <a:scrgbClr r="0" g="0" b="0"/>
-        </a:lnRef>
-        <a:fillRef idx="0">
-          <a:scrgbClr r="0" g="0" b="0"/>
-        </a:fillRef>
-        <a:effectRef idx="0">
-          <a:scrgbClr r="0" g="0" b="0"/>
-        </a:effectRef>
-        <a:fontRef idx="minor"/>
-      </dsp:style>
-      <dsp:txBody>
-        <a:bodyPr spcFirstLastPara="0" vert="horz" wrap="square" lIns="12700" tIns="0" rIns="12700" bIns="0" numCol="1" spcCol="1270" anchor="ctr" anchorCtr="0">
-          <a:noAutofit/>
-        </a:bodyPr>
-        <a:lstStyle/>
-        <a:p>
-          <a:pPr lvl="0" algn="ctr" defTabSz="222250">
-            <a:lnSpc>
-              <a:spcPct val="90000"/>
-            </a:lnSpc>
-            <a:spcBef>
-              <a:spcPct val="0"/>
-            </a:spcBef>
-            <a:spcAft>
-              <a:spcPct val="35000"/>
-            </a:spcAft>
-          </a:pPr>
-          <a:endParaRPr lang="de-DE" sz="500" kern="1200"/>
-        </a:p>
-      </dsp:txBody>
-      <dsp:txXfrm rot="18289469">
-        <a:off x="2056452" y="2552298"/>
-        <a:ext cx="55937" cy="55937"/>
-      </dsp:txXfrm>
-    </dsp:sp>
-    <dsp:sp modelId="{6B9353A7-187D-4EEF-AEC6-F4C9A173F7C3}">
-      <dsp:nvSpPr>
-        <dsp:cNvPr id="0" name=""/>
-        <dsp:cNvSpPr/>
-      </dsp:nvSpPr>
-      <dsp:spPr>
-        <a:xfrm>
-          <a:off x="2403857" y="1721779"/>
-          <a:ext cx="1597185" cy="798592"/>
-        </a:xfrm>
-        <a:prstGeom prst="roundRect">
-          <a:avLst>
-            <a:gd name="adj" fmla="val 10000"/>
-          </a:avLst>
-        </a:prstGeom>
-        <a:solidFill>
-          <a:schemeClr val="accent1">
-            <a:hueOff val="0"/>
-            <a:satOff val="0"/>
-            <a:lumOff val="0"/>
-            <a:alphaOff val="0"/>
-          </a:schemeClr>
-        </a:solidFill>
-        <a:ln w="25400" cap="flat" cmpd="sng" algn="ctr">
-          <a:solidFill>
-            <a:schemeClr val="lt1">
-              <a:hueOff val="0"/>
-              <a:satOff val="0"/>
-              <a:lumOff val="0"/>
-              <a:alphaOff val="0"/>
-            </a:schemeClr>
-          </a:solidFill>
-          <a:prstDash val="solid"/>
-        </a:ln>
-        <a:effectLst/>
-      </dsp:spPr>
-      <dsp:style>
-        <a:lnRef idx="2">
-          <a:scrgbClr r="0" g="0" b="0"/>
-        </a:lnRef>
-        <a:fillRef idx="1">
-          <a:scrgbClr r="0" g="0" b="0"/>
-        </a:fillRef>
-        <a:effectRef idx="0">
-          <a:scrgbClr r="0" g="0" b="0"/>
-        </a:effectRef>
-        <a:fontRef idx="minor">
-          <a:schemeClr val="lt1"/>
-        </a:fontRef>
-      </dsp:style>
-      <dsp:txBody>
-        <a:bodyPr spcFirstLastPara="0" vert="horz" wrap="square" lIns="10160" tIns="10160" rIns="10160" bIns="10160" numCol="1" spcCol="1270" anchor="ctr" anchorCtr="0">
-          <a:noAutofit/>
-        </a:bodyPr>
-        <a:lstStyle/>
-        <a:p>
-          <a:pPr lvl="0" algn="ctr" defTabSz="711200">
-            <a:lnSpc>
-              <a:spcPct val="90000"/>
-            </a:lnSpc>
-            <a:spcBef>
-              <a:spcPct val="0"/>
-            </a:spcBef>
-            <a:spcAft>
-              <a:spcPct val="35000"/>
-            </a:spcAft>
-          </a:pPr>
-          <a:r>
-            <a:rPr lang="de-DE" sz="1600" kern="1200" dirty="0" smtClean="0"/>
-            <a:t>Default</a:t>
-          </a:r>
-          <a:endParaRPr lang="de-DE" sz="1600" kern="1200" dirty="0"/>
-        </a:p>
-      </dsp:txBody>
-      <dsp:txXfrm>
-        <a:off x="2403857" y="1721779"/>
-        <a:ext cx="1597185" cy="798592"/>
-      </dsp:txXfrm>
-    </dsp:sp>
-    <dsp:sp modelId="{34C3F496-3EC4-4896-B1A5-6352FC54A624}">
-      <dsp:nvSpPr>
-        <dsp:cNvPr id="0" name=""/>
-        <dsp:cNvSpPr/>
-      </dsp:nvSpPr>
-      <dsp:spPr>
-        <a:xfrm>
-          <a:off x="4001042" y="2106178"/>
-          <a:ext cx="638874" cy="29794"/>
-        </a:xfrm>
-        <a:custGeom>
-          <a:avLst/>
-          <a:gdLst/>
-          <a:ahLst/>
-          <a:cxnLst/>
-          <a:rect l="0" t="0" r="0" b="0"/>
-          <a:pathLst>
-            <a:path>
-              <a:moveTo>
-                <a:pt x="0" y="14897"/>
-              </a:moveTo>
-              <a:lnTo>
-                <a:pt x="638874" y="14897"/>
-              </a:lnTo>
-            </a:path>
-          </a:pathLst>
-        </a:custGeom>
-        <a:noFill/>
-        <a:ln w="25400" cap="flat" cmpd="sng" algn="ctr">
-          <a:solidFill>
-            <a:schemeClr val="accent1">
-              <a:shade val="80000"/>
-              <a:hueOff val="0"/>
-              <a:satOff val="0"/>
-              <a:lumOff val="0"/>
-              <a:alphaOff val="0"/>
-            </a:schemeClr>
-          </a:solidFill>
-          <a:prstDash val="solid"/>
-        </a:ln>
-        <a:effectLst/>
-      </dsp:spPr>
-      <dsp:style>
-        <a:lnRef idx="2">
-          <a:scrgbClr r="0" g="0" b="0"/>
-        </a:lnRef>
-        <a:fillRef idx="0">
-          <a:scrgbClr r="0" g="0" b="0"/>
-        </a:fillRef>
-        <a:effectRef idx="0">
-          <a:scrgbClr r="0" g="0" b="0"/>
-        </a:effectRef>
-        <a:fontRef idx="minor"/>
-      </dsp:style>
-      <dsp:txBody>
-        <a:bodyPr spcFirstLastPara="0" vert="horz" wrap="square" lIns="12700" tIns="0" rIns="12700" bIns="0" numCol="1" spcCol="1270" anchor="ctr" anchorCtr="0">
-          <a:noAutofit/>
-        </a:bodyPr>
-        <a:lstStyle/>
-        <a:p>
-          <a:pPr lvl="0" algn="ctr" defTabSz="222250">
-            <a:lnSpc>
-              <a:spcPct val="90000"/>
-            </a:lnSpc>
-            <a:spcBef>
-              <a:spcPct val="0"/>
-            </a:spcBef>
-            <a:spcAft>
-              <a:spcPct val="35000"/>
-            </a:spcAft>
-          </a:pPr>
-          <a:endParaRPr lang="de-DE" sz="500" kern="1200"/>
-        </a:p>
-      </dsp:txBody>
-      <dsp:txXfrm>
-        <a:off x="4304508" y="2105104"/>
-        <a:ext cx="31943" cy="31943"/>
-      </dsp:txXfrm>
-    </dsp:sp>
-    <dsp:sp modelId="{9B3EA50A-F29D-43D1-A914-4FD36A94D2EA}">
-      <dsp:nvSpPr>
-        <dsp:cNvPr id="0" name=""/>
-        <dsp:cNvSpPr/>
-      </dsp:nvSpPr>
-      <dsp:spPr>
-        <a:xfrm>
-          <a:off x="4639917" y="1721779"/>
-          <a:ext cx="1597185" cy="798592"/>
-        </a:xfrm>
-        <a:prstGeom prst="roundRect">
-          <a:avLst>
-            <a:gd name="adj" fmla="val 10000"/>
-          </a:avLst>
-        </a:prstGeom>
-        <a:solidFill>
-          <a:schemeClr val="accent1">
-            <a:hueOff val="0"/>
-            <a:satOff val="0"/>
-            <a:lumOff val="0"/>
-            <a:alphaOff val="0"/>
-          </a:schemeClr>
-        </a:solidFill>
-        <a:ln w="25400" cap="flat" cmpd="sng" algn="ctr">
-          <a:solidFill>
-            <a:schemeClr val="lt1">
-              <a:hueOff val="0"/>
-              <a:satOff val="0"/>
-              <a:lumOff val="0"/>
-              <a:alphaOff val="0"/>
-            </a:schemeClr>
-          </a:solidFill>
-          <a:prstDash val="solid"/>
-        </a:ln>
-        <a:effectLst/>
-      </dsp:spPr>
-      <dsp:style>
-        <a:lnRef idx="2">
-          <a:scrgbClr r="0" g="0" b="0"/>
-        </a:lnRef>
-        <a:fillRef idx="1">
-          <a:scrgbClr r="0" g="0" b="0"/>
-        </a:fillRef>
-        <a:effectRef idx="0">
-          <a:scrgbClr r="0" g="0" b="0"/>
-        </a:effectRef>
-        <a:fontRef idx="minor">
-          <a:schemeClr val="lt1"/>
-        </a:fontRef>
-      </dsp:style>
-      <dsp:txBody>
-        <a:bodyPr spcFirstLastPara="0" vert="horz" wrap="square" lIns="10160" tIns="10160" rIns="10160" bIns="10160" numCol="1" spcCol="1270" anchor="ctr" anchorCtr="0">
-          <a:noAutofit/>
-        </a:bodyPr>
-        <a:lstStyle/>
-        <a:p>
-          <a:pPr lvl="0" algn="ctr" defTabSz="711200">
-            <a:lnSpc>
-              <a:spcPct val="90000"/>
-            </a:lnSpc>
-            <a:spcBef>
-              <a:spcPct val="0"/>
-            </a:spcBef>
-            <a:spcAft>
-              <a:spcPct val="35000"/>
-            </a:spcAft>
-          </a:pPr>
-          <a:r>
-            <a:rPr lang="de-DE" sz="1600" kern="1200" dirty="0" smtClean="0"/>
-            <a:t>Liste von </a:t>
-          </a:r>
-          <a:r>
-            <a:rPr lang="de-DE" sz="1600" kern="1200" dirty="0" err="1" smtClean="0"/>
-            <a:t>ContextPoint</a:t>
-          </a:r>
-          <a:r>
-            <a:rPr lang="de-DE" sz="1600" kern="1200" dirty="0" smtClean="0"/>
-            <a:t> anbieten</a:t>
-          </a:r>
-          <a:endParaRPr lang="de-DE" sz="1600" kern="1200" dirty="0"/>
-        </a:p>
-      </dsp:txBody>
-      <dsp:txXfrm>
-        <a:off x="4639917" y="1721779"/>
-        <a:ext cx="1597185" cy="798592"/>
-      </dsp:txXfrm>
-    </dsp:sp>
-    <dsp:sp modelId="{B2A86A3E-28C6-4C72-BC29-758440255986}">
-      <dsp:nvSpPr>
-        <dsp:cNvPr id="0" name=""/>
-        <dsp:cNvSpPr/>
-      </dsp:nvSpPr>
-      <dsp:spPr>
-        <a:xfrm>
-          <a:off x="6237102" y="2106178"/>
-          <a:ext cx="638874" cy="29794"/>
-        </a:xfrm>
-        <a:custGeom>
-          <a:avLst/>
-          <a:gdLst/>
-          <a:ahLst/>
-          <a:cxnLst/>
-          <a:rect l="0" t="0" r="0" b="0"/>
-          <a:pathLst>
-            <a:path>
-              <a:moveTo>
-                <a:pt x="0" y="14897"/>
-              </a:moveTo>
-              <a:lnTo>
-                <a:pt x="638874" y="14897"/>
-              </a:lnTo>
-            </a:path>
-          </a:pathLst>
-        </a:custGeom>
-        <a:noFill/>
-        <a:ln w="25400" cap="flat" cmpd="sng" algn="ctr">
-          <a:solidFill>
-            <a:schemeClr val="accent1">
-              <a:shade val="80000"/>
-              <a:hueOff val="0"/>
-              <a:satOff val="0"/>
-              <a:lumOff val="0"/>
-              <a:alphaOff val="0"/>
-            </a:schemeClr>
-          </a:solidFill>
-          <a:prstDash val="solid"/>
-        </a:ln>
-        <a:effectLst/>
-      </dsp:spPr>
-      <dsp:style>
-        <a:lnRef idx="2">
-          <a:scrgbClr r="0" g="0" b="0"/>
-        </a:lnRef>
-        <a:fillRef idx="0">
-          <a:scrgbClr r="0" g="0" b="0"/>
-        </a:fillRef>
-        <a:effectRef idx="0">
-          <a:scrgbClr r="0" g="0" b="0"/>
-        </a:effectRef>
-        <a:fontRef idx="minor"/>
-      </dsp:style>
-      <dsp:txBody>
-        <a:bodyPr spcFirstLastPara="0" vert="horz" wrap="square" lIns="12700" tIns="0" rIns="12700" bIns="0" numCol="1" spcCol="1270" anchor="ctr" anchorCtr="0">
-          <a:noAutofit/>
-        </a:bodyPr>
-        <a:lstStyle/>
-        <a:p>
-          <a:pPr lvl="0" algn="ctr" defTabSz="222250">
-            <a:lnSpc>
-              <a:spcPct val="90000"/>
-            </a:lnSpc>
-            <a:spcBef>
-              <a:spcPct val="0"/>
-            </a:spcBef>
-            <a:spcAft>
-              <a:spcPct val="35000"/>
-            </a:spcAft>
-          </a:pPr>
-          <a:endParaRPr lang="de-DE" sz="500" kern="1200"/>
-        </a:p>
-      </dsp:txBody>
-      <dsp:txXfrm>
-        <a:off x="6540567" y="2105104"/>
-        <a:ext cx="31943" cy="31943"/>
-      </dsp:txXfrm>
-    </dsp:sp>
-    <dsp:sp modelId="{0C0360A7-0836-42E1-A874-127D4681C459}">
-      <dsp:nvSpPr>
-        <dsp:cNvPr id="0" name=""/>
-        <dsp:cNvSpPr/>
-      </dsp:nvSpPr>
-      <dsp:spPr>
-        <a:xfrm>
-          <a:off x="6875976" y="1721779"/>
-          <a:ext cx="1597185" cy="798592"/>
-        </a:xfrm>
-        <a:prstGeom prst="roundRect">
-          <a:avLst>
-            <a:gd name="adj" fmla="val 10000"/>
-          </a:avLst>
-        </a:prstGeom>
-        <a:solidFill>
-          <a:schemeClr val="accent1">
-            <a:hueOff val="0"/>
-            <a:satOff val="0"/>
-            <a:lumOff val="0"/>
-            <a:alphaOff val="0"/>
-          </a:schemeClr>
-        </a:solidFill>
-        <a:ln w="25400" cap="flat" cmpd="sng" algn="ctr">
-          <a:solidFill>
-            <a:schemeClr val="lt1">
-              <a:hueOff val="0"/>
-              <a:satOff val="0"/>
-              <a:lumOff val="0"/>
-              <a:alphaOff val="0"/>
-            </a:schemeClr>
-          </a:solidFill>
-          <a:prstDash val="solid"/>
-        </a:ln>
-        <a:effectLst/>
-      </dsp:spPr>
-      <dsp:style>
-        <a:lnRef idx="2">
-          <a:scrgbClr r="0" g="0" b="0"/>
-        </a:lnRef>
-        <a:fillRef idx="1">
-          <a:scrgbClr r="0" g="0" b="0"/>
-        </a:fillRef>
-        <a:effectRef idx="0">
-          <a:scrgbClr r="0" g="0" b="0"/>
-        </a:effectRef>
-        <a:fontRef idx="minor">
-          <a:schemeClr val="lt1"/>
-        </a:fontRef>
-      </dsp:style>
-      <dsp:txBody>
-        <a:bodyPr spcFirstLastPara="0" vert="horz" wrap="square" lIns="10160" tIns="10160" rIns="10160" bIns="10160" numCol="1" spcCol="1270" anchor="ctr" anchorCtr="0">
-          <a:noAutofit/>
-        </a:bodyPr>
-        <a:lstStyle/>
-        <a:p>
-          <a:pPr lvl="0" algn="ctr" defTabSz="711200">
-            <a:lnSpc>
-              <a:spcPct val="90000"/>
-            </a:lnSpc>
-            <a:spcBef>
-              <a:spcPct val="0"/>
-            </a:spcBef>
-            <a:spcAft>
-              <a:spcPct val="35000"/>
-            </a:spcAft>
-          </a:pPr>
-          <a:r>
-            <a:rPr lang="de-DE" sz="1600" kern="1200" dirty="0" err="1" smtClean="0"/>
-            <a:t>Expose</a:t>
-          </a:r>
-          <a:r>
-            <a:rPr lang="de-DE" sz="1600" kern="1200" dirty="0" smtClean="0"/>
-            <a:t> </a:t>
-          </a:r>
-          <a:r>
-            <a:rPr lang="de-DE" sz="1600" kern="1200" dirty="0" smtClean="0">
-              <a:sym typeface="Wingdings" panose="05000000000000000000" pitchFamily="2" charset="2"/>
-            </a:rPr>
-            <a:t></a:t>
-          </a:r>
-          <a:r>
-            <a:rPr lang="de-DE" sz="1600" kern="1200" dirty="0" err="1" smtClean="0"/>
-            <a:t>Offer</a:t>
-          </a:r>
-          <a:endParaRPr lang="de-DE" sz="1600" kern="1200" dirty="0"/>
-        </a:p>
-      </dsp:txBody>
-      <dsp:txXfrm>
-        <a:off x="6875976" y="1721779"/>
-        <a:ext cx="1597185" cy="798592"/>
-      </dsp:txXfrm>
-    </dsp:sp>
-    <dsp:sp modelId="{FD5E4862-4318-4F3E-8E22-18B93A26F20C}">
-      <dsp:nvSpPr>
-        <dsp:cNvPr id="0" name=""/>
-        <dsp:cNvSpPr/>
-      </dsp:nvSpPr>
-      <dsp:spPr>
-        <a:xfrm>
-          <a:off x="1764983" y="3024560"/>
-          <a:ext cx="638874" cy="29794"/>
-        </a:xfrm>
-        <a:custGeom>
-          <a:avLst/>
-          <a:gdLst/>
-          <a:ahLst/>
-          <a:cxnLst/>
-          <a:rect l="0" t="0" r="0" b="0"/>
-          <a:pathLst>
-            <a:path>
-              <a:moveTo>
-                <a:pt x="0" y="14897"/>
-              </a:moveTo>
-              <a:lnTo>
-                <a:pt x="638874" y="14897"/>
-              </a:lnTo>
-            </a:path>
-          </a:pathLst>
-        </a:custGeom>
-        <a:noFill/>
-        <a:ln w="25400" cap="flat" cmpd="sng" algn="ctr">
-          <a:solidFill>
-            <a:schemeClr val="accent1">
-              <a:shade val="60000"/>
-              <a:hueOff val="0"/>
-              <a:satOff val="0"/>
-              <a:lumOff val="0"/>
-              <a:alphaOff val="0"/>
-            </a:schemeClr>
-          </a:solidFill>
-          <a:prstDash val="solid"/>
-        </a:ln>
-        <a:effectLst/>
-      </dsp:spPr>
-      <dsp:style>
-        <a:lnRef idx="2">
-          <a:scrgbClr r="0" g="0" b="0"/>
-        </a:lnRef>
-        <a:fillRef idx="0">
-          <a:scrgbClr r="0" g="0" b="0"/>
-        </a:fillRef>
-        <a:effectRef idx="0">
-          <a:scrgbClr r="0" g="0" b="0"/>
-        </a:effectRef>
-        <a:fontRef idx="minor"/>
-      </dsp:style>
-      <dsp:txBody>
-        <a:bodyPr spcFirstLastPara="0" vert="horz" wrap="square" lIns="12700" tIns="0" rIns="12700" bIns="0" numCol="1" spcCol="1270" anchor="ctr" anchorCtr="0">
-          <a:noAutofit/>
-        </a:bodyPr>
-        <a:lstStyle/>
-        <a:p>
-          <a:pPr lvl="0" algn="ctr" defTabSz="222250">
-            <a:lnSpc>
-              <a:spcPct val="90000"/>
-            </a:lnSpc>
-            <a:spcBef>
-              <a:spcPct val="0"/>
-            </a:spcBef>
-            <a:spcAft>
-              <a:spcPct val="35000"/>
-            </a:spcAft>
-          </a:pPr>
-          <a:endParaRPr lang="de-DE" sz="500" kern="1200"/>
-        </a:p>
-      </dsp:txBody>
-      <dsp:txXfrm>
-        <a:off x="2068448" y="3023485"/>
-        <a:ext cx="31943" cy="31943"/>
-      </dsp:txXfrm>
-    </dsp:sp>
-    <dsp:sp modelId="{C789B13C-A4AA-498D-82A0-498D2AE5F347}">
-      <dsp:nvSpPr>
-        <dsp:cNvPr id="0" name=""/>
-        <dsp:cNvSpPr/>
-      </dsp:nvSpPr>
-      <dsp:spPr>
-        <a:xfrm>
-          <a:off x="2403857" y="2640161"/>
-          <a:ext cx="1597185" cy="798592"/>
-        </a:xfrm>
-        <a:prstGeom prst="roundRect">
-          <a:avLst>
-            <a:gd name="adj" fmla="val 10000"/>
-          </a:avLst>
-        </a:prstGeom>
-        <a:solidFill>
-          <a:schemeClr val="accent1">
-            <a:hueOff val="0"/>
-            <a:satOff val="0"/>
-            <a:lumOff val="0"/>
-            <a:alphaOff val="0"/>
-          </a:schemeClr>
-        </a:solidFill>
-        <a:ln w="25400" cap="flat" cmpd="sng" algn="ctr">
-          <a:solidFill>
-            <a:schemeClr val="lt1">
-              <a:hueOff val="0"/>
-              <a:satOff val="0"/>
-              <a:lumOff val="0"/>
-              <a:alphaOff val="0"/>
-            </a:schemeClr>
-          </a:solidFill>
-          <a:prstDash val="solid"/>
-        </a:ln>
-        <a:effectLst/>
-      </dsp:spPr>
-      <dsp:style>
-        <a:lnRef idx="2">
-          <a:scrgbClr r="0" g="0" b="0"/>
-        </a:lnRef>
-        <a:fillRef idx="1">
-          <a:scrgbClr r="0" g="0" b="0"/>
-        </a:fillRef>
-        <a:effectRef idx="0">
-          <a:scrgbClr r="0" g="0" b="0"/>
-        </a:effectRef>
-        <a:fontRef idx="minor">
-          <a:schemeClr val="lt1"/>
-        </a:fontRef>
-      </dsp:style>
-      <dsp:txBody>
-        <a:bodyPr spcFirstLastPara="0" vert="horz" wrap="square" lIns="10160" tIns="10160" rIns="10160" bIns="10160" numCol="1" spcCol="1270" anchor="ctr" anchorCtr="0">
-          <a:noAutofit/>
-        </a:bodyPr>
-        <a:lstStyle/>
-        <a:p>
-          <a:pPr lvl="0" algn="ctr" defTabSz="711200">
-            <a:lnSpc>
-              <a:spcPct val="90000"/>
-            </a:lnSpc>
-            <a:spcBef>
-              <a:spcPct val="0"/>
-            </a:spcBef>
-            <a:spcAft>
-              <a:spcPct val="35000"/>
-            </a:spcAft>
-          </a:pPr>
-          <a:r>
-            <a:rPr lang="de-DE" sz="1600" kern="1200" dirty="0" err="1" smtClean="0"/>
-            <a:t>Offer</a:t>
-          </a:r>
-          <a:endParaRPr lang="de-DE" sz="1600" kern="1200" dirty="0"/>
-        </a:p>
-      </dsp:txBody>
-      <dsp:txXfrm>
-        <a:off x="2403857" y="2640161"/>
-        <a:ext cx="1597185" cy="798592"/>
-      </dsp:txXfrm>
-    </dsp:sp>
-    <dsp:sp modelId="{5786C5E5-4A3B-48F4-99E3-76237C99C402}">
-      <dsp:nvSpPr>
-        <dsp:cNvPr id="0" name=""/>
-        <dsp:cNvSpPr/>
-      </dsp:nvSpPr>
-      <dsp:spPr>
-        <a:xfrm>
-          <a:off x="4001042" y="3024560"/>
-          <a:ext cx="638874" cy="29794"/>
-        </a:xfrm>
-        <a:custGeom>
-          <a:avLst/>
-          <a:gdLst/>
-          <a:ahLst/>
-          <a:cxnLst/>
-          <a:rect l="0" t="0" r="0" b="0"/>
-          <a:pathLst>
-            <a:path>
-              <a:moveTo>
-                <a:pt x="0" y="14897"/>
-              </a:moveTo>
-              <a:lnTo>
-                <a:pt x="638874" y="14897"/>
-              </a:lnTo>
-            </a:path>
-          </a:pathLst>
-        </a:custGeom>
-        <a:noFill/>
-        <a:ln w="25400" cap="flat" cmpd="sng" algn="ctr">
-          <a:solidFill>
-            <a:schemeClr val="accent1">
-              <a:shade val="80000"/>
-              <a:hueOff val="0"/>
-              <a:satOff val="0"/>
-              <a:lumOff val="0"/>
-              <a:alphaOff val="0"/>
-            </a:schemeClr>
-          </a:solidFill>
-          <a:prstDash val="solid"/>
-        </a:ln>
-        <a:effectLst/>
-      </dsp:spPr>
-      <dsp:style>
-        <a:lnRef idx="2">
-          <a:scrgbClr r="0" g="0" b="0"/>
-        </a:lnRef>
-        <a:fillRef idx="0">
-          <a:scrgbClr r="0" g="0" b="0"/>
-        </a:fillRef>
-        <a:effectRef idx="0">
-          <a:scrgbClr r="0" g="0" b="0"/>
-        </a:effectRef>
-        <a:fontRef idx="minor"/>
-      </dsp:style>
-      <dsp:txBody>
-        <a:bodyPr spcFirstLastPara="0" vert="horz" wrap="square" lIns="12700" tIns="0" rIns="12700" bIns="0" numCol="1" spcCol="1270" anchor="ctr" anchorCtr="0">
-          <a:noAutofit/>
-        </a:bodyPr>
-        <a:lstStyle/>
-        <a:p>
-          <a:pPr lvl="0" algn="ctr" defTabSz="222250">
-            <a:lnSpc>
-              <a:spcPct val="90000"/>
-            </a:lnSpc>
-            <a:spcBef>
-              <a:spcPct val="0"/>
-            </a:spcBef>
-            <a:spcAft>
-              <a:spcPct val="35000"/>
-            </a:spcAft>
-          </a:pPr>
-          <a:endParaRPr lang="de-DE" sz="500" kern="1200"/>
-        </a:p>
-      </dsp:txBody>
-      <dsp:txXfrm>
-        <a:off x="4304508" y="3023485"/>
-        <a:ext cx="31943" cy="31943"/>
-      </dsp:txXfrm>
-    </dsp:sp>
-    <dsp:sp modelId="{7FA45F4D-05C9-49CF-BB08-E541C4AF73F5}">
-      <dsp:nvSpPr>
-        <dsp:cNvPr id="0" name=""/>
-        <dsp:cNvSpPr/>
-      </dsp:nvSpPr>
-      <dsp:spPr>
-        <a:xfrm>
-          <a:off x="4639917" y="2640161"/>
-          <a:ext cx="1597185" cy="798592"/>
-        </a:xfrm>
-        <a:prstGeom prst="roundRect">
-          <a:avLst>
-            <a:gd name="adj" fmla="val 10000"/>
-          </a:avLst>
-        </a:prstGeom>
-        <a:solidFill>
-          <a:schemeClr val="accent1">
-            <a:hueOff val="0"/>
-            <a:satOff val="0"/>
-            <a:lumOff val="0"/>
-            <a:alphaOff val="0"/>
-          </a:schemeClr>
-        </a:solidFill>
-        <a:ln w="25400" cap="flat" cmpd="sng" algn="ctr">
-          <a:solidFill>
-            <a:schemeClr val="lt1">
-              <a:hueOff val="0"/>
-              <a:satOff val="0"/>
-              <a:lumOff val="0"/>
-              <a:alphaOff val="0"/>
-            </a:schemeClr>
-          </a:solidFill>
-          <a:prstDash val="solid"/>
-        </a:ln>
-        <a:effectLst/>
-      </dsp:spPr>
-      <dsp:style>
-        <a:lnRef idx="2">
-          <a:scrgbClr r="0" g="0" b="0"/>
-        </a:lnRef>
-        <a:fillRef idx="1">
-          <a:scrgbClr r="0" g="0" b="0"/>
-        </a:fillRef>
-        <a:effectRef idx="0">
-          <a:scrgbClr r="0" g="0" b="0"/>
-        </a:effectRef>
-        <a:fontRef idx="minor">
-          <a:schemeClr val="lt1"/>
-        </a:fontRef>
-      </dsp:style>
-      <dsp:txBody>
-        <a:bodyPr spcFirstLastPara="0" vert="horz" wrap="square" lIns="10160" tIns="10160" rIns="10160" bIns="10160" numCol="1" spcCol="1270" anchor="ctr" anchorCtr="0">
-          <a:noAutofit/>
-        </a:bodyPr>
-        <a:lstStyle/>
-        <a:p>
-          <a:pPr lvl="0" algn="ctr" defTabSz="711200">
-            <a:lnSpc>
-              <a:spcPct val="90000"/>
-            </a:lnSpc>
-            <a:spcBef>
-              <a:spcPct val="0"/>
-            </a:spcBef>
-            <a:spcAft>
-              <a:spcPct val="35000"/>
-            </a:spcAft>
-          </a:pPr>
-          <a:r>
-            <a:rPr lang="de-DE" sz="1600" kern="1200" dirty="0" smtClean="0"/>
-            <a:t>Analysiert welche </a:t>
-          </a:r>
-          <a:r>
-            <a:rPr lang="de-DE" sz="1600" kern="1200" dirty="0" err="1" smtClean="0"/>
-            <a:t>ContextPoint</a:t>
-          </a:r>
-          <a:r>
-            <a:rPr lang="de-DE" sz="1600" kern="1200" dirty="0" smtClean="0"/>
-            <a:t> benötigt werden</a:t>
-          </a:r>
-          <a:endParaRPr lang="de-DE" sz="1600" kern="1200" dirty="0"/>
-        </a:p>
-      </dsp:txBody>
-      <dsp:txXfrm>
-        <a:off x="4639917" y="2640161"/>
-        <a:ext cx="1597185" cy="798592"/>
-      </dsp:txXfrm>
-    </dsp:sp>
-    <dsp:sp modelId="{2AA13E76-5B1F-4A6B-A082-EB2575A79F1D}">
-      <dsp:nvSpPr>
-        <dsp:cNvPr id="0" name=""/>
-        <dsp:cNvSpPr/>
-      </dsp:nvSpPr>
-      <dsp:spPr>
-        <a:xfrm rot="21502480">
-          <a:off x="6236973" y="3015496"/>
-          <a:ext cx="639131" cy="29794"/>
-        </a:xfrm>
-        <a:custGeom>
-          <a:avLst/>
-          <a:gdLst/>
-          <a:ahLst/>
-          <a:cxnLst/>
-          <a:rect l="0" t="0" r="0" b="0"/>
-          <a:pathLst>
-            <a:path>
-              <a:moveTo>
-                <a:pt x="0" y="14897"/>
-              </a:moveTo>
-              <a:lnTo>
-                <a:pt x="639131" y="14897"/>
-              </a:lnTo>
-            </a:path>
-          </a:pathLst>
-        </a:custGeom>
-        <a:noFill/>
-        <a:ln w="25400" cap="flat" cmpd="sng" algn="ctr">
-          <a:solidFill>
-            <a:schemeClr val="accent1">
-              <a:shade val="80000"/>
-              <a:hueOff val="0"/>
-              <a:satOff val="0"/>
-              <a:lumOff val="0"/>
-              <a:alphaOff val="0"/>
-            </a:schemeClr>
-          </a:solidFill>
-          <a:prstDash val="solid"/>
-        </a:ln>
-        <a:effectLst/>
-      </dsp:spPr>
-      <dsp:style>
-        <a:lnRef idx="2">
-          <a:scrgbClr r="0" g="0" b="0"/>
-        </a:lnRef>
-        <a:fillRef idx="0">
-          <a:scrgbClr r="0" g="0" b="0"/>
-        </a:fillRef>
-        <a:effectRef idx="0">
-          <a:scrgbClr r="0" g="0" b="0"/>
-        </a:effectRef>
-        <a:fontRef idx="minor"/>
-      </dsp:style>
-      <dsp:txBody>
-        <a:bodyPr spcFirstLastPara="0" vert="horz" wrap="square" lIns="12700" tIns="0" rIns="12700" bIns="0" numCol="1" spcCol="1270" anchor="ctr" anchorCtr="0">
-          <a:noAutofit/>
-        </a:bodyPr>
-        <a:lstStyle/>
-        <a:p>
-          <a:pPr lvl="0" algn="ctr" defTabSz="222250">
-            <a:lnSpc>
-              <a:spcPct val="90000"/>
-            </a:lnSpc>
-            <a:spcBef>
-              <a:spcPct val="0"/>
-            </a:spcBef>
-            <a:spcAft>
-              <a:spcPct val="35000"/>
-            </a:spcAft>
-          </a:pPr>
-          <a:endParaRPr lang="de-DE" sz="500" kern="1200"/>
-        </a:p>
-      </dsp:txBody>
-      <dsp:txXfrm rot="21502480">
-        <a:off x="6540561" y="3014415"/>
-        <a:ext cx="31956" cy="31956"/>
-      </dsp:txXfrm>
-    </dsp:sp>
-    <dsp:sp modelId="{2E637F78-82E4-4FCC-96CB-4EBAE7B9F413}">
-      <dsp:nvSpPr>
-        <dsp:cNvPr id="0" name=""/>
-        <dsp:cNvSpPr/>
-      </dsp:nvSpPr>
-      <dsp:spPr>
-        <a:xfrm>
-          <a:off x="6875976" y="2622033"/>
-          <a:ext cx="1597185" cy="798592"/>
-        </a:xfrm>
-        <a:prstGeom prst="roundRect">
-          <a:avLst>
-            <a:gd name="adj" fmla="val 10000"/>
-          </a:avLst>
-        </a:prstGeom>
-        <a:solidFill>
-          <a:schemeClr val="accent1">
-            <a:hueOff val="0"/>
-            <a:satOff val="0"/>
-            <a:lumOff val="0"/>
-            <a:alphaOff val="0"/>
-          </a:schemeClr>
-        </a:solidFill>
-        <a:ln w="25400" cap="flat" cmpd="sng" algn="ctr">
-          <a:solidFill>
-            <a:schemeClr val="lt1">
-              <a:hueOff val="0"/>
-              <a:satOff val="0"/>
-              <a:lumOff val="0"/>
-              <a:alphaOff val="0"/>
-            </a:schemeClr>
-          </a:solidFill>
-          <a:prstDash val="solid"/>
-        </a:ln>
-        <a:effectLst/>
-      </dsp:spPr>
-      <dsp:style>
-        <a:lnRef idx="2">
-          <a:scrgbClr r="0" g="0" b="0"/>
-        </a:lnRef>
-        <a:fillRef idx="1">
-          <a:scrgbClr r="0" g="0" b="0"/>
-        </a:fillRef>
-        <a:effectRef idx="0">
-          <a:scrgbClr r="0" g="0" b="0"/>
-        </a:effectRef>
-        <a:fontRef idx="minor">
-          <a:schemeClr val="lt1"/>
-        </a:fontRef>
-      </dsp:style>
-      <dsp:txBody>
-        <a:bodyPr spcFirstLastPara="0" vert="horz" wrap="square" lIns="10160" tIns="10160" rIns="10160" bIns="10160" numCol="1" spcCol="1270" anchor="ctr" anchorCtr="0">
-          <a:noAutofit/>
-        </a:bodyPr>
-        <a:lstStyle/>
-        <a:p>
-          <a:pPr lvl="0" algn="ctr" defTabSz="711200">
-            <a:lnSpc>
-              <a:spcPct val="90000"/>
-            </a:lnSpc>
-            <a:spcBef>
-              <a:spcPct val="0"/>
-            </a:spcBef>
-            <a:spcAft>
-              <a:spcPct val="35000"/>
-            </a:spcAft>
-          </a:pPr>
-          <a:r>
-            <a:rPr lang="de-DE" sz="1600" kern="1200" dirty="0" err="1" smtClean="0"/>
-            <a:t>Expose</a:t>
-          </a:r>
-          <a:r>
-            <a:rPr lang="de-DE" sz="1600" kern="1200" dirty="0" smtClean="0"/>
-            <a:t> </a:t>
-          </a:r>
-          <a:r>
-            <a:rPr lang="de-DE" sz="1600" kern="1200" dirty="0" smtClean="0">
-              <a:sym typeface="Wingdings" panose="05000000000000000000" pitchFamily="2" charset="2"/>
-            </a:rPr>
-            <a:t></a:t>
-          </a:r>
-          <a:r>
-            <a:rPr lang="de-DE" sz="1600" kern="1200" dirty="0" smtClean="0"/>
-            <a:t>Request</a:t>
-          </a:r>
-          <a:endParaRPr lang="de-DE" sz="1600" kern="1200" dirty="0"/>
-        </a:p>
-      </dsp:txBody>
-      <dsp:txXfrm>
-        <a:off x="6875976" y="2622033"/>
-        <a:ext cx="1597185" cy="798592"/>
-      </dsp:txXfrm>
-    </dsp:sp>
-    <dsp:sp modelId="{913092AC-73C5-4678-B05D-AC4042BBE839}">
-      <dsp:nvSpPr>
-        <dsp:cNvPr id="0" name=""/>
-        <dsp:cNvSpPr/>
-      </dsp:nvSpPr>
-      <dsp:spPr>
-        <a:xfrm rot="3310531">
-          <a:off x="1525049" y="3483750"/>
-          <a:ext cx="1118742" cy="29794"/>
-        </a:xfrm>
-        <a:custGeom>
-          <a:avLst/>
-          <a:gdLst/>
-          <a:ahLst/>
-          <a:cxnLst/>
-          <a:rect l="0" t="0" r="0" b="0"/>
-          <a:pathLst>
-            <a:path>
-              <a:moveTo>
-                <a:pt x="0" y="14897"/>
-              </a:moveTo>
-              <a:lnTo>
-                <a:pt x="1118742" y="14897"/>
-              </a:lnTo>
-            </a:path>
-          </a:pathLst>
-        </a:custGeom>
-        <a:noFill/>
-        <a:ln w="25400" cap="flat" cmpd="sng" algn="ctr">
-          <a:solidFill>
-            <a:schemeClr val="accent1">
-              <a:shade val="60000"/>
-              <a:hueOff val="0"/>
-              <a:satOff val="0"/>
-              <a:lumOff val="0"/>
-              <a:alphaOff val="0"/>
-            </a:schemeClr>
-          </a:solidFill>
-          <a:prstDash val="solid"/>
-        </a:ln>
-        <a:effectLst/>
-      </dsp:spPr>
-      <dsp:style>
-        <a:lnRef idx="2">
-          <a:scrgbClr r="0" g="0" b="0"/>
-        </a:lnRef>
-        <a:fillRef idx="0">
-          <a:scrgbClr r="0" g="0" b="0"/>
-        </a:fillRef>
-        <a:effectRef idx="0">
-          <a:scrgbClr r="0" g="0" b="0"/>
-        </a:effectRef>
-        <a:fontRef idx="minor"/>
-      </dsp:style>
-      <dsp:txBody>
-        <a:bodyPr spcFirstLastPara="0" vert="horz" wrap="square" lIns="12700" tIns="0" rIns="12700" bIns="0" numCol="1" spcCol="1270" anchor="ctr" anchorCtr="0">
-          <a:noAutofit/>
-        </a:bodyPr>
-        <a:lstStyle/>
-        <a:p>
-          <a:pPr lvl="0" algn="ctr" defTabSz="222250">
-            <a:lnSpc>
-              <a:spcPct val="90000"/>
-            </a:lnSpc>
-            <a:spcBef>
-              <a:spcPct val="0"/>
-            </a:spcBef>
-            <a:spcAft>
-              <a:spcPct val="35000"/>
-            </a:spcAft>
-          </a:pPr>
-          <a:endParaRPr lang="de-DE" sz="500" kern="1200"/>
-        </a:p>
-      </dsp:txBody>
-      <dsp:txXfrm rot="3310531">
-        <a:off x="2056452" y="3470679"/>
-        <a:ext cx="55937" cy="55937"/>
-      </dsp:txXfrm>
-    </dsp:sp>
-    <dsp:sp modelId="{E5CC8D64-04F4-48DB-8ABE-24F74BEE40F6}">
-      <dsp:nvSpPr>
-        <dsp:cNvPr id="0" name=""/>
-        <dsp:cNvSpPr/>
-      </dsp:nvSpPr>
-      <dsp:spPr>
-        <a:xfrm>
-          <a:off x="2403857" y="3558542"/>
-          <a:ext cx="1597185" cy="798592"/>
-        </a:xfrm>
-        <a:prstGeom prst="roundRect">
-          <a:avLst>
-            <a:gd name="adj" fmla="val 10000"/>
-          </a:avLst>
-        </a:prstGeom>
-        <a:solidFill>
-          <a:schemeClr val="accent1">
-            <a:hueOff val="0"/>
-            <a:satOff val="0"/>
-            <a:lumOff val="0"/>
-            <a:alphaOff val="0"/>
-          </a:schemeClr>
-        </a:solidFill>
-        <a:ln w="25400" cap="flat" cmpd="sng" algn="ctr">
-          <a:solidFill>
-            <a:schemeClr val="lt1">
-              <a:hueOff val="0"/>
-              <a:satOff val="0"/>
-              <a:lumOff val="0"/>
-              <a:alphaOff val="0"/>
-            </a:schemeClr>
-          </a:solidFill>
-          <a:prstDash val="solid"/>
-        </a:ln>
-        <a:effectLst/>
-      </dsp:spPr>
-      <dsp:style>
-        <a:lnRef idx="2">
-          <a:scrgbClr r="0" g="0" b="0"/>
-        </a:lnRef>
-        <a:fillRef idx="1">
-          <a:scrgbClr r="0" g="0" b="0"/>
-        </a:fillRef>
-        <a:effectRef idx="0">
-          <a:scrgbClr r="0" g="0" b="0"/>
-        </a:effectRef>
-        <a:fontRef idx="minor">
-          <a:schemeClr val="lt1"/>
-        </a:fontRef>
-      </dsp:style>
-      <dsp:txBody>
-        <a:bodyPr spcFirstLastPara="0" vert="horz" wrap="square" lIns="10160" tIns="10160" rIns="10160" bIns="10160" numCol="1" spcCol="1270" anchor="ctr" anchorCtr="0">
-          <a:noAutofit/>
-        </a:bodyPr>
-        <a:lstStyle/>
-        <a:p>
-          <a:pPr lvl="0" algn="ctr" defTabSz="711200">
-            <a:lnSpc>
-              <a:spcPct val="90000"/>
-            </a:lnSpc>
-            <a:spcBef>
-              <a:spcPct val="0"/>
-            </a:spcBef>
-            <a:spcAft>
-              <a:spcPct val="35000"/>
-            </a:spcAft>
-          </a:pPr>
-          <a:r>
-            <a:rPr lang="de-DE" sz="1600" kern="1200" dirty="0" smtClean="0"/>
-            <a:t>Request</a:t>
-          </a:r>
-          <a:endParaRPr lang="de-DE" sz="1600" kern="1200" dirty="0"/>
-        </a:p>
-      </dsp:txBody>
-      <dsp:txXfrm>
-        <a:off x="2403857" y="3558542"/>
-        <a:ext cx="1597185" cy="798592"/>
-      </dsp:txXfrm>
-    </dsp:sp>
-    <dsp:sp modelId="{AFCF01FF-932A-4FBA-8D3C-BB0CDB426205}">
-      <dsp:nvSpPr>
-        <dsp:cNvPr id="0" name=""/>
-        <dsp:cNvSpPr/>
-      </dsp:nvSpPr>
-      <dsp:spPr>
-        <a:xfrm>
-          <a:off x="4001042" y="3942941"/>
-          <a:ext cx="638874" cy="29794"/>
-        </a:xfrm>
-        <a:custGeom>
-          <a:avLst/>
-          <a:gdLst/>
-          <a:ahLst/>
-          <a:cxnLst/>
-          <a:rect l="0" t="0" r="0" b="0"/>
-          <a:pathLst>
-            <a:path>
-              <a:moveTo>
-                <a:pt x="0" y="14897"/>
-              </a:moveTo>
-              <a:lnTo>
-                <a:pt x="638874" y="14897"/>
-              </a:lnTo>
-            </a:path>
-          </a:pathLst>
-        </a:custGeom>
-        <a:noFill/>
-        <a:ln w="25400" cap="flat" cmpd="sng" algn="ctr">
-          <a:solidFill>
-            <a:schemeClr val="accent1">
-              <a:shade val="80000"/>
-              <a:hueOff val="0"/>
-              <a:satOff val="0"/>
-              <a:lumOff val="0"/>
-              <a:alphaOff val="0"/>
-            </a:schemeClr>
-          </a:solidFill>
-          <a:prstDash val="solid"/>
-        </a:ln>
-        <a:effectLst/>
-      </dsp:spPr>
-      <dsp:style>
-        <a:lnRef idx="2">
-          <a:scrgbClr r="0" g="0" b="0"/>
-        </a:lnRef>
-        <a:fillRef idx="0">
-          <a:scrgbClr r="0" g="0" b="0"/>
-        </a:fillRef>
-        <a:effectRef idx="0">
-          <a:scrgbClr r="0" g="0" b="0"/>
-        </a:effectRef>
-        <a:fontRef idx="minor"/>
-      </dsp:style>
-      <dsp:txBody>
-        <a:bodyPr spcFirstLastPara="0" vert="horz" wrap="square" lIns="12700" tIns="0" rIns="12700" bIns="0" numCol="1" spcCol="1270" anchor="ctr" anchorCtr="0">
-          <a:noAutofit/>
-        </a:bodyPr>
-        <a:lstStyle/>
-        <a:p>
-          <a:pPr lvl="0" algn="ctr" defTabSz="222250">
-            <a:lnSpc>
-              <a:spcPct val="90000"/>
-            </a:lnSpc>
-            <a:spcBef>
-              <a:spcPct val="0"/>
-            </a:spcBef>
-            <a:spcAft>
-              <a:spcPct val="35000"/>
-            </a:spcAft>
-          </a:pPr>
-          <a:endParaRPr lang="de-DE" sz="500" kern="1200"/>
-        </a:p>
-      </dsp:txBody>
-      <dsp:txXfrm>
-        <a:off x="4304508" y="3941867"/>
-        <a:ext cx="31943" cy="31943"/>
-      </dsp:txXfrm>
-    </dsp:sp>
-    <dsp:sp modelId="{1250D66C-D9ED-46C7-BB6C-830DC032BA14}">
-      <dsp:nvSpPr>
-        <dsp:cNvPr id="0" name=""/>
-        <dsp:cNvSpPr/>
-      </dsp:nvSpPr>
-      <dsp:spPr>
-        <a:xfrm>
-          <a:off x="4639917" y="3558542"/>
-          <a:ext cx="1597185" cy="798592"/>
-        </a:xfrm>
-        <a:prstGeom prst="roundRect">
-          <a:avLst>
-            <a:gd name="adj" fmla="val 10000"/>
-          </a:avLst>
-        </a:prstGeom>
-        <a:solidFill>
-          <a:schemeClr val="accent1">
-            <a:hueOff val="0"/>
-            <a:satOff val="0"/>
-            <a:lumOff val="0"/>
-            <a:alphaOff val="0"/>
-          </a:schemeClr>
-        </a:solidFill>
-        <a:ln w="25400" cap="flat" cmpd="sng" algn="ctr">
-          <a:solidFill>
-            <a:schemeClr val="lt1">
-              <a:hueOff val="0"/>
-              <a:satOff val="0"/>
-              <a:lumOff val="0"/>
-              <a:alphaOff val="0"/>
-            </a:schemeClr>
-          </a:solidFill>
-          <a:prstDash val="solid"/>
-        </a:ln>
-        <a:effectLst/>
-      </dsp:spPr>
-      <dsp:style>
-        <a:lnRef idx="2">
-          <a:scrgbClr r="0" g="0" b="0"/>
-        </a:lnRef>
-        <a:fillRef idx="1">
-          <a:scrgbClr r="0" g="0" b="0"/>
-        </a:fillRef>
-        <a:effectRef idx="0">
-          <a:scrgbClr r="0" g="0" b="0"/>
-        </a:effectRef>
-        <a:fontRef idx="minor">
-          <a:schemeClr val="lt1"/>
-        </a:fontRef>
-      </dsp:style>
-      <dsp:txBody>
-        <a:bodyPr spcFirstLastPara="0" vert="horz" wrap="square" lIns="10160" tIns="10160" rIns="10160" bIns="10160" numCol="1" spcCol="1270" anchor="ctr" anchorCtr="0">
-          <a:noAutofit/>
-        </a:bodyPr>
-        <a:lstStyle/>
-        <a:p>
-          <a:pPr lvl="0" algn="ctr" defTabSz="711200">
-            <a:lnSpc>
-              <a:spcPct val="90000"/>
-            </a:lnSpc>
-            <a:spcBef>
-              <a:spcPct val="0"/>
-            </a:spcBef>
-            <a:spcAft>
-              <a:spcPct val="35000"/>
-            </a:spcAft>
-          </a:pPr>
-          <a:r>
-            <a:rPr lang="de-DE" sz="1600" kern="1200" dirty="0" smtClean="0"/>
-            <a:t>Erstellt Knowledge</a:t>
-          </a:r>
-          <a:endParaRPr lang="de-DE" sz="1600" kern="1200" dirty="0"/>
-        </a:p>
-      </dsp:txBody>
-      <dsp:txXfrm>
-        <a:off x="4639917" y="3558542"/>
-        <a:ext cx="1597185" cy="798592"/>
-      </dsp:txXfrm>
-    </dsp:sp>
-    <dsp:sp modelId="{9D461F9D-B2A2-4D21-9FFB-C37CDBA0B39D}">
-      <dsp:nvSpPr>
-        <dsp:cNvPr id="0" name=""/>
-        <dsp:cNvSpPr/>
-      </dsp:nvSpPr>
-      <dsp:spPr>
-        <a:xfrm>
-          <a:off x="6237102" y="3942941"/>
-          <a:ext cx="638874" cy="29794"/>
-        </a:xfrm>
-        <a:custGeom>
-          <a:avLst/>
-          <a:gdLst/>
-          <a:ahLst/>
-          <a:cxnLst/>
-          <a:rect l="0" t="0" r="0" b="0"/>
-          <a:pathLst>
-            <a:path>
-              <a:moveTo>
-                <a:pt x="0" y="14897"/>
-              </a:moveTo>
-              <a:lnTo>
-                <a:pt x="638874" y="14897"/>
-              </a:lnTo>
-            </a:path>
-          </a:pathLst>
-        </a:custGeom>
-        <a:noFill/>
-        <a:ln w="25400" cap="flat" cmpd="sng" algn="ctr">
-          <a:solidFill>
-            <a:schemeClr val="accent1">
-              <a:shade val="80000"/>
-              <a:hueOff val="0"/>
-              <a:satOff val="0"/>
-              <a:lumOff val="0"/>
-              <a:alphaOff val="0"/>
-            </a:schemeClr>
-          </a:solidFill>
-          <a:prstDash val="solid"/>
-        </a:ln>
-        <a:effectLst/>
-      </dsp:spPr>
-      <dsp:style>
-        <a:lnRef idx="2">
-          <a:scrgbClr r="0" g="0" b="0"/>
-        </a:lnRef>
-        <a:fillRef idx="0">
-          <a:scrgbClr r="0" g="0" b="0"/>
-        </a:fillRef>
-        <a:effectRef idx="0">
-          <a:scrgbClr r="0" g="0" b="0"/>
-        </a:effectRef>
-        <a:fontRef idx="minor"/>
-      </dsp:style>
-      <dsp:txBody>
-        <a:bodyPr spcFirstLastPara="0" vert="horz" wrap="square" lIns="12700" tIns="0" rIns="12700" bIns="0" numCol="1" spcCol="1270" anchor="ctr" anchorCtr="0">
-          <a:noAutofit/>
-        </a:bodyPr>
-        <a:lstStyle/>
-        <a:p>
-          <a:pPr lvl="0" algn="ctr" defTabSz="222250">
-            <a:lnSpc>
-              <a:spcPct val="90000"/>
-            </a:lnSpc>
-            <a:spcBef>
-              <a:spcPct val="0"/>
-            </a:spcBef>
-            <a:spcAft>
-              <a:spcPct val="35000"/>
-            </a:spcAft>
-          </a:pPr>
-          <a:endParaRPr lang="de-DE" sz="500" kern="1200"/>
-        </a:p>
-      </dsp:txBody>
-      <dsp:txXfrm>
-        <a:off x="6540567" y="3941867"/>
-        <a:ext cx="31943" cy="31943"/>
-      </dsp:txXfrm>
-    </dsp:sp>
-    <dsp:sp modelId="{7F57A866-BE38-432F-A490-3372EE7A9232}">
-      <dsp:nvSpPr>
-        <dsp:cNvPr id="0" name=""/>
-        <dsp:cNvSpPr/>
-      </dsp:nvSpPr>
-      <dsp:spPr>
-        <a:xfrm>
-          <a:off x="6875976" y="3558542"/>
-          <a:ext cx="1597185" cy="798592"/>
-        </a:xfrm>
-        <a:prstGeom prst="roundRect">
-          <a:avLst>
-            <a:gd name="adj" fmla="val 10000"/>
-          </a:avLst>
-        </a:prstGeom>
-        <a:solidFill>
-          <a:schemeClr val="accent1">
-            <a:hueOff val="0"/>
-            <a:satOff val="0"/>
-            <a:lumOff val="0"/>
-            <a:alphaOff val="0"/>
-          </a:schemeClr>
-        </a:solidFill>
-        <a:ln w="25400" cap="flat" cmpd="sng" algn="ctr">
-          <a:solidFill>
-            <a:schemeClr val="lt1">
-              <a:hueOff val="0"/>
-              <a:satOff val="0"/>
-              <a:lumOff val="0"/>
-              <a:alphaOff val="0"/>
-            </a:schemeClr>
-          </a:solidFill>
-          <a:prstDash val="solid"/>
-        </a:ln>
-        <a:effectLst/>
-      </dsp:spPr>
-      <dsp:style>
-        <a:lnRef idx="2">
-          <a:scrgbClr r="0" g="0" b="0"/>
-        </a:lnRef>
-        <a:fillRef idx="1">
-          <a:scrgbClr r="0" g="0" b="0"/>
-        </a:fillRef>
-        <a:effectRef idx="0">
-          <a:scrgbClr r="0" g="0" b="0"/>
-        </a:effectRef>
-        <a:fontRef idx="minor">
-          <a:schemeClr val="lt1"/>
-        </a:fontRef>
-      </dsp:style>
-      <dsp:txBody>
-        <a:bodyPr spcFirstLastPara="0" vert="horz" wrap="square" lIns="10160" tIns="10160" rIns="10160" bIns="10160" numCol="1" spcCol="1270" anchor="ctr" anchorCtr="0">
-          <a:noAutofit/>
-        </a:bodyPr>
-        <a:lstStyle/>
-        <a:p>
-          <a:pPr lvl="0" algn="ctr" defTabSz="711200">
-            <a:lnSpc>
-              <a:spcPct val="90000"/>
-            </a:lnSpc>
-            <a:spcBef>
-              <a:spcPct val="0"/>
-            </a:spcBef>
-            <a:spcAft>
-              <a:spcPct val="35000"/>
-            </a:spcAft>
-          </a:pPr>
-          <a:r>
-            <a:rPr lang="de-DE" sz="1600" kern="1200" dirty="0" smtClean="0"/>
-            <a:t>Insert</a:t>
-          </a:r>
-          <a:endParaRPr lang="de-DE" sz="1600" kern="1200" dirty="0"/>
-        </a:p>
-      </dsp:txBody>
-      <dsp:txXfrm>
-        <a:off x="6875976" y="3558542"/>
-        <a:ext cx="1597185" cy="798592"/>
-      </dsp:txXfrm>
-    </dsp:sp>
   </dsp:spTree>
 </dsp:drawing>
 </file>
@@ -18257,419 +15352,6 @@
       <dsp:cNvGrpSpPr/>
     </dsp:nvGrpSpPr>
     <dsp:grpSpPr/>
-    <dsp:sp modelId="{8BE5D2FE-139F-44D7-A759-F4FA367FBF41}">
-      <dsp:nvSpPr>
-        <dsp:cNvPr id="0" name=""/>
-        <dsp:cNvSpPr/>
-      </dsp:nvSpPr>
-      <dsp:spPr>
-        <a:xfrm>
-          <a:off x="0" y="0"/>
-          <a:ext cx="6995160" cy="1357788"/>
-        </a:xfrm>
-        <a:prstGeom prst="roundRect">
-          <a:avLst>
-            <a:gd name="adj" fmla="val 10000"/>
-          </a:avLst>
-        </a:prstGeom>
-        <a:solidFill>
-          <a:schemeClr val="accent1">
-            <a:hueOff val="0"/>
-            <a:satOff val="0"/>
-            <a:lumOff val="0"/>
-            <a:alphaOff val="0"/>
-          </a:schemeClr>
-        </a:solidFill>
-        <a:ln w="25400" cap="flat" cmpd="sng" algn="ctr">
-          <a:solidFill>
-            <a:schemeClr val="lt1">
-              <a:hueOff val="0"/>
-              <a:satOff val="0"/>
-              <a:lumOff val="0"/>
-              <a:alphaOff val="0"/>
-            </a:schemeClr>
-          </a:solidFill>
-          <a:prstDash val="solid"/>
-        </a:ln>
-        <a:effectLst/>
-      </dsp:spPr>
-      <dsp:style>
-        <a:lnRef idx="2">
-          <a:scrgbClr r="0" g="0" b="0"/>
-        </a:lnRef>
-        <a:fillRef idx="1">
-          <a:scrgbClr r="0" g="0" b="0"/>
-        </a:fillRef>
-        <a:effectRef idx="0">
-          <a:scrgbClr r="0" g="0" b="0"/>
-        </a:effectRef>
-        <a:fontRef idx="minor">
-          <a:schemeClr val="lt1"/>
-        </a:fontRef>
-      </dsp:style>
-      <dsp:txBody>
-        <a:bodyPr spcFirstLastPara="0" vert="horz" wrap="square" lIns="99060" tIns="99060" rIns="99060" bIns="99060" numCol="1" spcCol="1270" anchor="ctr" anchorCtr="0">
-          <a:noAutofit/>
-        </a:bodyPr>
-        <a:lstStyle/>
-        <a:p>
-          <a:pPr lvl="0" algn="l" defTabSz="1155700">
-            <a:lnSpc>
-              <a:spcPct val="90000"/>
-            </a:lnSpc>
-            <a:spcBef>
-              <a:spcPct val="0"/>
-            </a:spcBef>
-            <a:spcAft>
-              <a:spcPct val="35000"/>
-            </a:spcAft>
-          </a:pPr>
-          <a:r>
-            <a:rPr lang="de-DE" sz="2600" kern="1200" dirty="0" smtClean="0"/>
-            <a:t>Über die </a:t>
-          </a:r>
-          <a:r>
-            <a:rPr lang="de-DE" sz="2600" kern="1200" dirty="0" err="1" smtClean="0"/>
-            <a:t>ContextPoint</a:t>
-          </a:r>
-          <a:r>
-            <a:rPr lang="de-DE" sz="2600" kern="1200" dirty="0" smtClean="0"/>
-            <a:t> von Knowledge iterieren</a:t>
-          </a:r>
-          <a:endParaRPr lang="de-DE" sz="2600" kern="1200" dirty="0"/>
-        </a:p>
-      </dsp:txBody>
-      <dsp:txXfrm>
-        <a:off x="0" y="0"/>
-        <a:ext cx="5609536" cy="1357788"/>
-      </dsp:txXfrm>
-    </dsp:sp>
-    <dsp:sp modelId="{CD45CFE8-7031-4770-A69C-2A76554DE6B6}">
-      <dsp:nvSpPr>
-        <dsp:cNvPr id="0" name=""/>
-        <dsp:cNvSpPr/>
-      </dsp:nvSpPr>
-      <dsp:spPr>
-        <a:xfrm>
-          <a:off x="617219" y="1584087"/>
-          <a:ext cx="6995160" cy="1357788"/>
-        </a:xfrm>
-        <a:prstGeom prst="roundRect">
-          <a:avLst>
-            <a:gd name="adj" fmla="val 10000"/>
-          </a:avLst>
-        </a:prstGeom>
-        <a:solidFill>
-          <a:schemeClr val="accent1">
-            <a:hueOff val="0"/>
-            <a:satOff val="0"/>
-            <a:lumOff val="0"/>
-            <a:alphaOff val="0"/>
-          </a:schemeClr>
-        </a:solidFill>
-        <a:ln w="25400" cap="flat" cmpd="sng" algn="ctr">
-          <a:solidFill>
-            <a:schemeClr val="lt1">
-              <a:hueOff val="0"/>
-              <a:satOff val="0"/>
-              <a:lumOff val="0"/>
-              <a:alphaOff val="0"/>
-            </a:schemeClr>
-          </a:solidFill>
-          <a:prstDash val="solid"/>
-        </a:ln>
-        <a:effectLst/>
-      </dsp:spPr>
-      <dsp:style>
-        <a:lnRef idx="2">
-          <a:scrgbClr r="0" g="0" b="0"/>
-        </a:lnRef>
-        <a:fillRef idx="1">
-          <a:scrgbClr r="0" g="0" b="0"/>
-        </a:fillRef>
-        <a:effectRef idx="0">
-          <a:scrgbClr r="0" g="0" b="0"/>
-        </a:effectRef>
-        <a:fontRef idx="minor">
-          <a:schemeClr val="lt1"/>
-        </a:fontRef>
-      </dsp:style>
-      <dsp:txBody>
-        <a:bodyPr spcFirstLastPara="0" vert="horz" wrap="square" lIns="99060" tIns="99060" rIns="99060" bIns="99060" numCol="1" spcCol="1270" anchor="ctr" anchorCtr="0">
-          <a:noAutofit/>
-        </a:bodyPr>
-        <a:lstStyle/>
-        <a:p>
-          <a:pPr lvl="0" algn="l" defTabSz="1155700">
-            <a:lnSpc>
-              <a:spcPct val="90000"/>
-            </a:lnSpc>
-            <a:spcBef>
-              <a:spcPct val="0"/>
-            </a:spcBef>
-            <a:spcAft>
-              <a:spcPct val="35000"/>
-            </a:spcAft>
-          </a:pPr>
-          <a:r>
-            <a:rPr lang="de-DE" sz="2600" kern="1200" dirty="0" smtClean="0"/>
-            <a:t>Prüfen ob empfangende Version des </a:t>
-          </a:r>
-          <a:r>
-            <a:rPr lang="de-DE" sz="2600" kern="1200" dirty="0" err="1" smtClean="0"/>
-            <a:t>ContextPoint</a:t>
-          </a:r>
-          <a:r>
-            <a:rPr lang="de-DE" sz="2600" kern="1200" dirty="0" smtClean="0"/>
-            <a:t> größer ist als die Eigene. </a:t>
-          </a:r>
-          <a:endParaRPr lang="de-DE" sz="2600" kern="1200" dirty="0"/>
-        </a:p>
-      </dsp:txBody>
-      <dsp:txXfrm>
-        <a:off x="617219" y="1584087"/>
-        <a:ext cx="5495377" cy="1357788"/>
-      </dsp:txXfrm>
-    </dsp:sp>
-    <dsp:sp modelId="{F68C5CEB-85EF-4721-B940-3F7AB9517E3C}">
-      <dsp:nvSpPr>
-        <dsp:cNvPr id="0" name=""/>
-        <dsp:cNvSpPr/>
-      </dsp:nvSpPr>
-      <dsp:spPr>
-        <a:xfrm>
-          <a:off x="1234439" y="3168174"/>
-          <a:ext cx="6995160" cy="1357788"/>
-        </a:xfrm>
-        <a:prstGeom prst="roundRect">
-          <a:avLst>
-            <a:gd name="adj" fmla="val 10000"/>
-          </a:avLst>
-        </a:prstGeom>
-        <a:solidFill>
-          <a:schemeClr val="accent1">
-            <a:hueOff val="0"/>
-            <a:satOff val="0"/>
-            <a:lumOff val="0"/>
-            <a:alphaOff val="0"/>
-          </a:schemeClr>
-        </a:solidFill>
-        <a:ln w="25400" cap="flat" cmpd="sng" algn="ctr">
-          <a:solidFill>
-            <a:schemeClr val="lt1">
-              <a:hueOff val="0"/>
-              <a:satOff val="0"/>
-              <a:lumOff val="0"/>
-              <a:alphaOff val="0"/>
-            </a:schemeClr>
-          </a:solidFill>
-          <a:prstDash val="solid"/>
-        </a:ln>
-        <a:effectLst/>
-      </dsp:spPr>
-      <dsp:style>
-        <a:lnRef idx="2">
-          <a:scrgbClr r="0" g="0" b="0"/>
-        </a:lnRef>
-        <a:fillRef idx="1">
-          <a:scrgbClr r="0" g="0" b="0"/>
-        </a:fillRef>
-        <a:effectRef idx="0">
-          <a:scrgbClr r="0" g="0" b="0"/>
-        </a:effectRef>
-        <a:fontRef idx="minor">
-          <a:schemeClr val="lt1"/>
-        </a:fontRef>
-      </dsp:style>
-      <dsp:txBody>
-        <a:bodyPr spcFirstLastPara="0" vert="horz" wrap="square" lIns="99060" tIns="99060" rIns="99060" bIns="99060" numCol="1" spcCol="1270" anchor="ctr" anchorCtr="0">
-          <a:noAutofit/>
-        </a:bodyPr>
-        <a:lstStyle/>
-        <a:p>
-          <a:pPr lvl="0" algn="l" defTabSz="1155700">
-            <a:lnSpc>
-              <a:spcPct val="90000"/>
-            </a:lnSpc>
-            <a:spcBef>
-              <a:spcPct val="0"/>
-            </a:spcBef>
-            <a:spcAft>
-              <a:spcPct val="35000"/>
-            </a:spcAft>
-          </a:pPr>
-          <a:r>
-            <a:rPr lang="de-DE" sz="2600" kern="1200" dirty="0" err="1" smtClean="0"/>
-            <a:t>ContextPoint</a:t>
-          </a:r>
-          <a:r>
-            <a:rPr lang="de-DE" sz="2600" kern="1200" dirty="0" smtClean="0"/>
-            <a:t> austauschen, wenn dies der Fall ist.</a:t>
-          </a:r>
-          <a:endParaRPr lang="de-DE" sz="2600" kern="1200" dirty="0"/>
-        </a:p>
-      </dsp:txBody>
-      <dsp:txXfrm>
-        <a:off x="1234439" y="3168174"/>
-        <a:ext cx="5495377" cy="1357788"/>
-      </dsp:txXfrm>
-    </dsp:sp>
-    <dsp:sp modelId="{8B4C9502-D4E7-403C-89F9-3696D0108D1E}">
-      <dsp:nvSpPr>
-        <dsp:cNvPr id="0" name=""/>
-        <dsp:cNvSpPr/>
-      </dsp:nvSpPr>
-      <dsp:spPr>
-        <a:xfrm>
-          <a:off x="6112597" y="1029656"/>
-          <a:ext cx="882562" cy="882562"/>
-        </a:xfrm>
-        <a:prstGeom prst="downArrow">
-          <a:avLst>
-            <a:gd name="adj1" fmla="val 55000"/>
-            <a:gd name="adj2" fmla="val 45000"/>
-          </a:avLst>
-        </a:prstGeom>
-        <a:solidFill>
-          <a:schemeClr val="accent1">
-            <a:alpha val="90000"/>
-            <a:tint val="40000"/>
-            <a:hueOff val="0"/>
-            <a:satOff val="0"/>
-            <a:lumOff val="0"/>
-            <a:alphaOff val="0"/>
-          </a:schemeClr>
-        </a:solidFill>
-        <a:ln w="25400" cap="flat" cmpd="sng" algn="ctr">
-          <a:solidFill>
-            <a:schemeClr val="accent1">
-              <a:alpha val="90000"/>
-              <a:tint val="40000"/>
-              <a:hueOff val="0"/>
-              <a:satOff val="0"/>
-              <a:lumOff val="0"/>
-              <a:alphaOff val="0"/>
-            </a:schemeClr>
-          </a:solidFill>
-          <a:prstDash val="solid"/>
-        </a:ln>
-        <a:effectLst/>
-      </dsp:spPr>
-      <dsp:style>
-        <a:lnRef idx="2">
-          <a:scrgbClr r="0" g="0" b="0"/>
-        </a:lnRef>
-        <a:fillRef idx="1">
-          <a:scrgbClr r="0" g="0" b="0"/>
-        </a:fillRef>
-        <a:effectRef idx="0">
-          <a:scrgbClr r="0" g="0" b="0"/>
-        </a:effectRef>
-        <a:fontRef idx="minor"/>
-      </dsp:style>
-      <dsp:txBody>
-        <a:bodyPr spcFirstLastPara="0" vert="horz" wrap="square" lIns="45720" tIns="45720" rIns="45720" bIns="45720" numCol="1" spcCol="1270" anchor="ctr" anchorCtr="0">
-          <a:noAutofit/>
-        </a:bodyPr>
-        <a:lstStyle/>
-        <a:p>
-          <a:pPr lvl="0" algn="ctr" defTabSz="1600200">
-            <a:lnSpc>
-              <a:spcPct val="90000"/>
-            </a:lnSpc>
-            <a:spcBef>
-              <a:spcPct val="0"/>
-            </a:spcBef>
-            <a:spcAft>
-              <a:spcPct val="35000"/>
-            </a:spcAft>
-          </a:pPr>
-          <a:endParaRPr lang="de-DE" sz="3600" kern="1200"/>
-        </a:p>
-      </dsp:txBody>
-      <dsp:txXfrm>
-        <a:off x="6112597" y="1029656"/>
-        <a:ext cx="882562" cy="882562"/>
-      </dsp:txXfrm>
-    </dsp:sp>
-    <dsp:sp modelId="{B66AA705-D48A-4B3C-A67E-5E43FF88F04C}">
-      <dsp:nvSpPr>
-        <dsp:cNvPr id="0" name=""/>
-        <dsp:cNvSpPr/>
-      </dsp:nvSpPr>
-      <dsp:spPr>
-        <a:xfrm>
-          <a:off x="6729817" y="2604691"/>
-          <a:ext cx="882562" cy="882562"/>
-        </a:xfrm>
-        <a:prstGeom prst="downArrow">
-          <a:avLst>
-            <a:gd name="adj1" fmla="val 55000"/>
-            <a:gd name="adj2" fmla="val 45000"/>
-          </a:avLst>
-        </a:prstGeom>
-        <a:solidFill>
-          <a:schemeClr val="accent1">
-            <a:alpha val="90000"/>
-            <a:tint val="40000"/>
-            <a:hueOff val="0"/>
-            <a:satOff val="0"/>
-            <a:lumOff val="0"/>
-            <a:alphaOff val="0"/>
-          </a:schemeClr>
-        </a:solidFill>
-        <a:ln w="25400" cap="flat" cmpd="sng" algn="ctr">
-          <a:solidFill>
-            <a:schemeClr val="accent1">
-              <a:alpha val="90000"/>
-              <a:tint val="40000"/>
-              <a:hueOff val="0"/>
-              <a:satOff val="0"/>
-              <a:lumOff val="0"/>
-              <a:alphaOff val="0"/>
-            </a:schemeClr>
-          </a:solidFill>
-          <a:prstDash val="solid"/>
-        </a:ln>
-        <a:effectLst/>
-      </dsp:spPr>
-      <dsp:style>
-        <a:lnRef idx="2">
-          <a:scrgbClr r="0" g="0" b="0"/>
-        </a:lnRef>
-        <a:fillRef idx="1">
-          <a:scrgbClr r="0" g="0" b="0"/>
-        </a:fillRef>
-        <a:effectRef idx="0">
-          <a:scrgbClr r="0" g="0" b="0"/>
-        </a:effectRef>
-        <a:fontRef idx="minor"/>
-      </dsp:style>
-      <dsp:txBody>
-        <a:bodyPr spcFirstLastPara="0" vert="horz" wrap="square" lIns="45720" tIns="45720" rIns="45720" bIns="45720" numCol="1" spcCol="1270" anchor="ctr" anchorCtr="0">
-          <a:noAutofit/>
-        </a:bodyPr>
-        <a:lstStyle/>
-        <a:p>
-          <a:pPr lvl="0" algn="ctr" defTabSz="1600200">
-            <a:lnSpc>
-              <a:spcPct val="90000"/>
-            </a:lnSpc>
-            <a:spcBef>
-              <a:spcPct val="0"/>
-            </a:spcBef>
-            <a:spcAft>
-              <a:spcPct val="35000"/>
-            </a:spcAft>
-          </a:pPr>
-          <a:endParaRPr lang="de-DE" sz="3600" kern="1200"/>
-        </a:p>
-      </dsp:txBody>
-      <dsp:txXfrm>
-        <a:off x="6729817" y="2604691"/>
-        <a:ext cx="882562" cy="882562"/>
-      </dsp:txXfrm>
-    </dsp:sp>
   </dsp:spTree>
 </dsp:drawing>
 </file>
@@ -18682,1045 +15364,6 @@
       <dsp:cNvGrpSpPr/>
     </dsp:nvGrpSpPr>
     <dsp:grpSpPr/>
-    <dsp:sp modelId="{53C09463-13BD-4384-96C4-C5395712BA82}">
-      <dsp:nvSpPr>
-        <dsp:cNvPr id="0" name=""/>
-        <dsp:cNvSpPr/>
-      </dsp:nvSpPr>
-      <dsp:spPr>
-        <a:xfrm>
-          <a:off x="2235006" y="474449"/>
-          <a:ext cx="3759587" cy="3759587"/>
-        </a:xfrm>
-        <a:prstGeom prst="blockArc">
-          <a:avLst>
-            <a:gd name="adj1" fmla="val 13114286"/>
-            <a:gd name="adj2" fmla="val 16200000"/>
-            <a:gd name="adj3" fmla="val 3906"/>
-          </a:avLst>
-        </a:prstGeom>
-        <a:solidFill>
-          <a:schemeClr val="accent1">
-            <a:tint val="60000"/>
-            <a:hueOff val="0"/>
-            <a:satOff val="0"/>
-            <a:lumOff val="0"/>
-            <a:alphaOff val="0"/>
-          </a:schemeClr>
-        </a:solidFill>
-        <a:ln>
-          <a:noFill/>
-        </a:ln>
-        <a:effectLst/>
-      </dsp:spPr>
-      <dsp:style>
-        <a:lnRef idx="0">
-          <a:scrgbClr r="0" g="0" b="0"/>
-        </a:lnRef>
-        <a:fillRef idx="1">
-          <a:scrgbClr r="0" g="0" b="0"/>
-        </a:fillRef>
-        <a:effectRef idx="0">
-          <a:scrgbClr r="0" g="0" b="0"/>
-        </a:effectRef>
-        <a:fontRef idx="minor">
-          <a:schemeClr val="lt1"/>
-        </a:fontRef>
-      </dsp:style>
-    </dsp:sp>
-    <dsp:sp modelId="{4248A1B0-5C16-4A8B-BE7A-40618120157D}">
-      <dsp:nvSpPr>
-        <dsp:cNvPr id="0" name=""/>
-        <dsp:cNvSpPr/>
-      </dsp:nvSpPr>
-      <dsp:spPr>
-        <a:xfrm>
-          <a:off x="2235006" y="474449"/>
-          <a:ext cx="3759587" cy="3759587"/>
-        </a:xfrm>
-        <a:prstGeom prst="blockArc">
-          <a:avLst>
-            <a:gd name="adj1" fmla="val 10028571"/>
-            <a:gd name="adj2" fmla="val 13114286"/>
-            <a:gd name="adj3" fmla="val 3906"/>
-          </a:avLst>
-        </a:prstGeom>
-        <a:solidFill>
-          <a:schemeClr val="accent1">
-            <a:tint val="60000"/>
-            <a:hueOff val="0"/>
-            <a:satOff val="0"/>
-            <a:lumOff val="0"/>
-            <a:alphaOff val="0"/>
-          </a:schemeClr>
-        </a:solidFill>
-        <a:ln>
-          <a:noFill/>
-        </a:ln>
-        <a:effectLst/>
-      </dsp:spPr>
-      <dsp:style>
-        <a:lnRef idx="0">
-          <a:scrgbClr r="0" g="0" b="0"/>
-        </a:lnRef>
-        <a:fillRef idx="1">
-          <a:scrgbClr r="0" g="0" b="0"/>
-        </a:fillRef>
-        <a:effectRef idx="0">
-          <a:scrgbClr r="0" g="0" b="0"/>
-        </a:effectRef>
-        <a:fontRef idx="minor">
-          <a:schemeClr val="lt1"/>
-        </a:fontRef>
-      </dsp:style>
-    </dsp:sp>
-    <dsp:sp modelId="{1035AB16-1B65-4F3D-91A9-E393E05C3C0F}">
-      <dsp:nvSpPr>
-        <dsp:cNvPr id="0" name=""/>
-        <dsp:cNvSpPr/>
-      </dsp:nvSpPr>
-      <dsp:spPr>
-        <a:xfrm>
-          <a:off x="2235006" y="474449"/>
-          <a:ext cx="3759587" cy="3759587"/>
-        </a:xfrm>
-        <a:prstGeom prst="blockArc">
-          <a:avLst>
-            <a:gd name="adj1" fmla="val 6942857"/>
-            <a:gd name="adj2" fmla="val 10028571"/>
-            <a:gd name="adj3" fmla="val 3906"/>
-          </a:avLst>
-        </a:prstGeom>
-        <a:solidFill>
-          <a:schemeClr val="accent1">
-            <a:tint val="60000"/>
-            <a:hueOff val="0"/>
-            <a:satOff val="0"/>
-            <a:lumOff val="0"/>
-            <a:alphaOff val="0"/>
-          </a:schemeClr>
-        </a:solidFill>
-        <a:ln>
-          <a:noFill/>
-        </a:ln>
-        <a:effectLst/>
-      </dsp:spPr>
-      <dsp:style>
-        <a:lnRef idx="0">
-          <a:scrgbClr r="0" g="0" b="0"/>
-        </a:lnRef>
-        <a:fillRef idx="1">
-          <a:scrgbClr r="0" g="0" b="0"/>
-        </a:fillRef>
-        <a:effectRef idx="0">
-          <a:scrgbClr r="0" g="0" b="0"/>
-        </a:effectRef>
-        <a:fontRef idx="minor">
-          <a:schemeClr val="lt1"/>
-        </a:fontRef>
-      </dsp:style>
-    </dsp:sp>
-    <dsp:sp modelId="{D2C586DD-C4D6-43EF-9FBC-99993E6F2B7C}">
-      <dsp:nvSpPr>
-        <dsp:cNvPr id="0" name=""/>
-        <dsp:cNvSpPr/>
-      </dsp:nvSpPr>
-      <dsp:spPr>
-        <a:xfrm>
-          <a:off x="2235006" y="474449"/>
-          <a:ext cx="3759587" cy="3759587"/>
-        </a:xfrm>
-        <a:prstGeom prst="blockArc">
-          <a:avLst>
-            <a:gd name="adj1" fmla="val 3857143"/>
-            <a:gd name="adj2" fmla="val 6942857"/>
-            <a:gd name="adj3" fmla="val 3906"/>
-          </a:avLst>
-        </a:prstGeom>
-        <a:solidFill>
-          <a:schemeClr val="accent1">
-            <a:tint val="60000"/>
-            <a:hueOff val="0"/>
-            <a:satOff val="0"/>
-            <a:lumOff val="0"/>
-            <a:alphaOff val="0"/>
-          </a:schemeClr>
-        </a:solidFill>
-        <a:ln>
-          <a:noFill/>
-        </a:ln>
-        <a:effectLst/>
-      </dsp:spPr>
-      <dsp:style>
-        <a:lnRef idx="0">
-          <a:scrgbClr r="0" g="0" b="0"/>
-        </a:lnRef>
-        <a:fillRef idx="1">
-          <a:scrgbClr r="0" g="0" b="0"/>
-        </a:fillRef>
-        <a:effectRef idx="0">
-          <a:scrgbClr r="0" g="0" b="0"/>
-        </a:effectRef>
-        <a:fontRef idx="minor">
-          <a:schemeClr val="lt1"/>
-        </a:fontRef>
-      </dsp:style>
-    </dsp:sp>
-    <dsp:sp modelId="{DFB401B8-DDCF-43AB-9E68-3F44047805B1}">
-      <dsp:nvSpPr>
-        <dsp:cNvPr id="0" name=""/>
-        <dsp:cNvSpPr/>
-      </dsp:nvSpPr>
-      <dsp:spPr>
-        <a:xfrm>
-          <a:off x="2235006" y="474449"/>
-          <a:ext cx="3759587" cy="3759587"/>
-        </a:xfrm>
-        <a:prstGeom prst="blockArc">
-          <a:avLst>
-            <a:gd name="adj1" fmla="val 771429"/>
-            <a:gd name="adj2" fmla="val 3857143"/>
-            <a:gd name="adj3" fmla="val 3906"/>
-          </a:avLst>
-        </a:prstGeom>
-        <a:solidFill>
-          <a:schemeClr val="accent1">
-            <a:tint val="60000"/>
-            <a:hueOff val="0"/>
-            <a:satOff val="0"/>
-            <a:lumOff val="0"/>
-            <a:alphaOff val="0"/>
-          </a:schemeClr>
-        </a:solidFill>
-        <a:ln>
-          <a:noFill/>
-        </a:ln>
-        <a:effectLst/>
-      </dsp:spPr>
-      <dsp:style>
-        <a:lnRef idx="0">
-          <a:scrgbClr r="0" g="0" b="0"/>
-        </a:lnRef>
-        <a:fillRef idx="1">
-          <a:scrgbClr r="0" g="0" b="0"/>
-        </a:fillRef>
-        <a:effectRef idx="0">
-          <a:scrgbClr r="0" g="0" b="0"/>
-        </a:effectRef>
-        <a:fontRef idx="minor">
-          <a:schemeClr val="lt1"/>
-        </a:fontRef>
-      </dsp:style>
-    </dsp:sp>
-    <dsp:sp modelId="{24D8591B-3162-4D1D-89AD-79C803E98548}">
-      <dsp:nvSpPr>
-        <dsp:cNvPr id="0" name=""/>
-        <dsp:cNvSpPr/>
-      </dsp:nvSpPr>
-      <dsp:spPr>
-        <a:xfrm>
-          <a:off x="2235006" y="474449"/>
-          <a:ext cx="3759587" cy="3759587"/>
-        </a:xfrm>
-        <a:prstGeom prst="blockArc">
-          <a:avLst>
-            <a:gd name="adj1" fmla="val 19285714"/>
-            <a:gd name="adj2" fmla="val 771429"/>
-            <a:gd name="adj3" fmla="val 3906"/>
-          </a:avLst>
-        </a:prstGeom>
-        <a:solidFill>
-          <a:schemeClr val="accent1">
-            <a:tint val="60000"/>
-            <a:hueOff val="0"/>
-            <a:satOff val="0"/>
-            <a:lumOff val="0"/>
-            <a:alphaOff val="0"/>
-          </a:schemeClr>
-        </a:solidFill>
-        <a:ln>
-          <a:noFill/>
-        </a:ln>
-        <a:effectLst/>
-      </dsp:spPr>
-      <dsp:style>
-        <a:lnRef idx="0">
-          <a:scrgbClr r="0" g="0" b="0"/>
-        </a:lnRef>
-        <a:fillRef idx="1">
-          <a:scrgbClr r="0" g="0" b="0"/>
-        </a:fillRef>
-        <a:effectRef idx="0">
-          <a:scrgbClr r="0" g="0" b="0"/>
-        </a:effectRef>
-        <a:fontRef idx="minor">
-          <a:schemeClr val="lt1"/>
-        </a:fontRef>
-      </dsp:style>
-    </dsp:sp>
-    <dsp:sp modelId="{A29F3CEB-48C1-4779-90F0-A060B807C94C}">
-      <dsp:nvSpPr>
-        <dsp:cNvPr id="0" name=""/>
-        <dsp:cNvSpPr/>
-      </dsp:nvSpPr>
-      <dsp:spPr>
-        <a:xfrm>
-          <a:off x="2235006" y="474449"/>
-          <a:ext cx="3759587" cy="3759587"/>
-        </a:xfrm>
-        <a:prstGeom prst="blockArc">
-          <a:avLst>
-            <a:gd name="adj1" fmla="val 16200000"/>
-            <a:gd name="adj2" fmla="val 19285714"/>
-            <a:gd name="adj3" fmla="val 3906"/>
-          </a:avLst>
-        </a:prstGeom>
-        <a:solidFill>
-          <a:schemeClr val="accent1">
-            <a:tint val="60000"/>
-            <a:hueOff val="0"/>
-            <a:satOff val="0"/>
-            <a:lumOff val="0"/>
-            <a:alphaOff val="0"/>
-          </a:schemeClr>
-        </a:solidFill>
-        <a:ln>
-          <a:noFill/>
-        </a:ln>
-        <a:effectLst/>
-      </dsp:spPr>
-      <dsp:style>
-        <a:lnRef idx="0">
-          <a:scrgbClr r="0" g="0" b="0"/>
-        </a:lnRef>
-        <a:fillRef idx="1">
-          <a:scrgbClr r="0" g="0" b="0"/>
-        </a:fillRef>
-        <a:effectRef idx="0">
-          <a:scrgbClr r="0" g="0" b="0"/>
-        </a:effectRef>
-        <a:fontRef idx="minor">
-          <a:schemeClr val="lt1"/>
-        </a:fontRef>
-      </dsp:style>
-    </dsp:sp>
-    <dsp:sp modelId="{5C3A1BB4-37EC-400B-B1E1-B1DE824681EE}">
-      <dsp:nvSpPr>
-        <dsp:cNvPr id="0" name=""/>
-        <dsp:cNvSpPr/>
-      </dsp:nvSpPr>
-      <dsp:spPr>
-        <a:xfrm>
-          <a:off x="3386472" y="1625915"/>
-          <a:ext cx="1456655" cy="1456655"/>
-        </a:xfrm>
-        <a:prstGeom prst="ellipse">
-          <a:avLst/>
-        </a:prstGeom>
-        <a:solidFill>
-          <a:schemeClr val="accent1">
-            <a:hueOff val="0"/>
-            <a:satOff val="0"/>
-            <a:lumOff val="0"/>
-            <a:alphaOff val="0"/>
-          </a:schemeClr>
-        </a:solidFill>
-        <a:ln w="25400" cap="flat" cmpd="sng" algn="ctr">
-          <a:solidFill>
-            <a:schemeClr val="lt1">
-              <a:hueOff val="0"/>
-              <a:satOff val="0"/>
-              <a:lumOff val="0"/>
-              <a:alphaOff val="0"/>
-            </a:schemeClr>
-          </a:solidFill>
-          <a:prstDash val="solid"/>
-        </a:ln>
-        <a:effectLst/>
-      </dsp:spPr>
-      <dsp:style>
-        <a:lnRef idx="2">
-          <a:scrgbClr r="0" g="0" b="0"/>
-        </a:lnRef>
-        <a:fillRef idx="1">
-          <a:scrgbClr r="0" g="0" b="0"/>
-        </a:fillRef>
-        <a:effectRef idx="0">
-          <a:scrgbClr r="0" g="0" b="0"/>
-        </a:effectRef>
-        <a:fontRef idx="minor">
-          <a:schemeClr val="lt1"/>
-        </a:fontRef>
-      </dsp:style>
-      <dsp:txBody>
-        <a:bodyPr spcFirstLastPara="0" vert="horz" wrap="square" lIns="25400" tIns="25400" rIns="25400" bIns="25400" numCol="1" spcCol="1270" anchor="ctr" anchorCtr="0">
-          <a:noAutofit/>
-        </a:bodyPr>
-        <a:lstStyle/>
-        <a:p>
-          <a:pPr lvl="0" algn="ctr" defTabSz="889000">
-            <a:lnSpc>
-              <a:spcPct val="90000"/>
-            </a:lnSpc>
-            <a:spcBef>
-              <a:spcPct val="0"/>
-            </a:spcBef>
-            <a:spcAft>
-              <a:spcPct val="35000"/>
-            </a:spcAft>
-          </a:pPr>
-          <a:r>
-            <a:rPr lang="de-DE" sz="2000" kern="1200" dirty="0" smtClean="0"/>
-            <a:t>Interesse</a:t>
-          </a:r>
-          <a:endParaRPr lang="de-DE" sz="2000" kern="1200" dirty="0"/>
-        </a:p>
-      </dsp:txBody>
-      <dsp:txXfrm>
-        <a:off x="3386472" y="1625915"/>
-        <a:ext cx="1456655" cy="1456655"/>
-      </dsp:txXfrm>
-    </dsp:sp>
-    <dsp:sp modelId="{D7D8C3F4-5433-423D-A299-A2516399C3C6}">
-      <dsp:nvSpPr>
-        <dsp:cNvPr id="0" name=""/>
-        <dsp:cNvSpPr/>
-      </dsp:nvSpPr>
-      <dsp:spPr>
-        <a:xfrm>
-          <a:off x="3604970" y="1327"/>
-          <a:ext cx="1019658" cy="1019658"/>
-        </a:xfrm>
-        <a:prstGeom prst="ellipse">
-          <a:avLst/>
-        </a:prstGeom>
-        <a:solidFill>
-          <a:schemeClr val="accent1">
-            <a:hueOff val="0"/>
-            <a:satOff val="0"/>
-            <a:lumOff val="0"/>
-            <a:alphaOff val="0"/>
-          </a:schemeClr>
-        </a:solidFill>
-        <a:ln w="25400" cap="flat" cmpd="sng" algn="ctr">
-          <a:solidFill>
-            <a:schemeClr val="lt1">
-              <a:hueOff val="0"/>
-              <a:satOff val="0"/>
-              <a:lumOff val="0"/>
-              <a:alphaOff val="0"/>
-            </a:schemeClr>
-          </a:solidFill>
-          <a:prstDash val="solid"/>
-        </a:ln>
-        <a:effectLst/>
-      </dsp:spPr>
-      <dsp:style>
-        <a:lnRef idx="2">
-          <a:scrgbClr r="0" g="0" b="0"/>
-        </a:lnRef>
-        <a:fillRef idx="1">
-          <a:scrgbClr r="0" g="0" b="0"/>
-        </a:fillRef>
-        <a:effectRef idx="0">
-          <a:scrgbClr r="0" g="0" b="0"/>
-        </a:effectRef>
-        <a:fontRef idx="minor">
-          <a:schemeClr val="lt1"/>
-        </a:fontRef>
-      </dsp:style>
-      <dsp:txBody>
-        <a:bodyPr spcFirstLastPara="0" vert="horz" wrap="square" lIns="11430" tIns="11430" rIns="11430" bIns="11430" numCol="1" spcCol="1270" anchor="ctr" anchorCtr="0">
-          <a:noAutofit/>
-        </a:bodyPr>
-        <a:lstStyle/>
-        <a:p>
-          <a:pPr lvl="0" algn="ctr" defTabSz="400050">
-            <a:lnSpc>
-              <a:spcPct val="90000"/>
-            </a:lnSpc>
-            <a:spcBef>
-              <a:spcPct val="0"/>
-            </a:spcBef>
-            <a:spcAft>
-              <a:spcPct val="35000"/>
-            </a:spcAft>
-          </a:pPr>
-          <a:r>
-            <a:rPr lang="de-DE" sz="900" kern="1200" dirty="0" smtClean="0"/>
-            <a:t>Topic: </a:t>
-          </a:r>
-        </a:p>
-        <a:p>
-          <a:pPr lvl="0" algn="ctr" defTabSz="400050">
-            <a:lnSpc>
-              <a:spcPct val="90000"/>
-            </a:lnSpc>
-            <a:spcBef>
-              <a:spcPct val="0"/>
-            </a:spcBef>
-            <a:spcAft>
-              <a:spcPct val="35000"/>
-            </a:spcAft>
-          </a:pPr>
-          <a:r>
-            <a:rPr lang="de-DE" sz="900" kern="1200" dirty="0" smtClean="0"/>
-            <a:t>Beschreibung der </a:t>
-          </a:r>
-          <a:r>
-            <a:rPr lang="de-DE" sz="900" kern="1200" dirty="0" err="1" smtClean="0"/>
-            <a:t>SubSpace</a:t>
-          </a:r>
-          <a:endParaRPr lang="de-DE" sz="900" kern="1200" dirty="0"/>
-        </a:p>
-      </dsp:txBody>
-      <dsp:txXfrm>
-        <a:off x="3604970" y="1327"/>
-        <a:ext cx="1019658" cy="1019658"/>
-      </dsp:txXfrm>
-    </dsp:sp>
-    <dsp:sp modelId="{B115BDDF-C454-4222-93EC-75B73ECE03F0}">
-      <dsp:nvSpPr>
-        <dsp:cNvPr id="0" name=""/>
-        <dsp:cNvSpPr/>
-      </dsp:nvSpPr>
-      <dsp:spPr>
-        <a:xfrm>
-          <a:off x="5045953" y="695268"/>
-          <a:ext cx="1019658" cy="1019658"/>
-        </a:xfrm>
-        <a:prstGeom prst="ellipse">
-          <a:avLst/>
-        </a:prstGeom>
-        <a:solidFill>
-          <a:schemeClr val="accent1">
-            <a:hueOff val="0"/>
-            <a:satOff val="0"/>
-            <a:lumOff val="0"/>
-            <a:alphaOff val="0"/>
-          </a:schemeClr>
-        </a:solidFill>
-        <a:ln w="25400" cap="flat" cmpd="sng" algn="ctr">
-          <a:solidFill>
-            <a:schemeClr val="lt1">
-              <a:hueOff val="0"/>
-              <a:satOff val="0"/>
-              <a:lumOff val="0"/>
-              <a:alphaOff val="0"/>
-            </a:schemeClr>
-          </a:solidFill>
-          <a:prstDash val="solid"/>
-        </a:ln>
-        <a:effectLst/>
-      </dsp:spPr>
-      <dsp:style>
-        <a:lnRef idx="2">
-          <a:scrgbClr r="0" g="0" b="0"/>
-        </a:lnRef>
-        <a:fillRef idx="1">
-          <a:scrgbClr r="0" g="0" b="0"/>
-        </a:fillRef>
-        <a:effectRef idx="0">
-          <a:scrgbClr r="0" g="0" b="0"/>
-        </a:effectRef>
-        <a:fontRef idx="minor">
-          <a:schemeClr val="lt1"/>
-        </a:fontRef>
-      </dsp:style>
-      <dsp:txBody>
-        <a:bodyPr spcFirstLastPara="0" vert="horz" wrap="square" lIns="11430" tIns="11430" rIns="11430" bIns="11430" numCol="1" spcCol="1270" anchor="ctr" anchorCtr="0">
-          <a:noAutofit/>
-        </a:bodyPr>
-        <a:lstStyle/>
-        <a:p>
-          <a:pPr lvl="0" algn="ctr" defTabSz="400050">
-            <a:lnSpc>
-              <a:spcPct val="90000"/>
-            </a:lnSpc>
-            <a:spcBef>
-              <a:spcPct val="0"/>
-            </a:spcBef>
-            <a:spcAft>
-              <a:spcPct val="35000"/>
-            </a:spcAft>
-          </a:pPr>
-          <a:r>
-            <a:rPr lang="de-DE" sz="900" kern="1200" dirty="0" err="1" smtClean="0"/>
-            <a:t>Originator</a:t>
-          </a:r>
-          <a:r>
-            <a:rPr lang="de-DE" sz="900" kern="1200" dirty="0" smtClean="0"/>
-            <a:t>: Ersteller</a:t>
-          </a:r>
-          <a:endParaRPr lang="de-DE" sz="900" kern="1200" dirty="0"/>
-        </a:p>
-      </dsp:txBody>
-      <dsp:txXfrm>
-        <a:off x="5045953" y="695268"/>
-        <a:ext cx="1019658" cy="1019658"/>
-      </dsp:txXfrm>
-    </dsp:sp>
-    <dsp:sp modelId="{E797E149-0758-4FB8-B3BC-6FEC26E52512}">
-      <dsp:nvSpPr>
-        <dsp:cNvPr id="0" name=""/>
-        <dsp:cNvSpPr/>
-      </dsp:nvSpPr>
-      <dsp:spPr>
-        <a:xfrm>
-          <a:off x="5401846" y="2254538"/>
-          <a:ext cx="1019658" cy="1019658"/>
-        </a:xfrm>
-        <a:prstGeom prst="ellipse">
-          <a:avLst/>
-        </a:prstGeom>
-        <a:solidFill>
-          <a:schemeClr val="accent1">
-            <a:hueOff val="0"/>
-            <a:satOff val="0"/>
-            <a:lumOff val="0"/>
-            <a:alphaOff val="0"/>
-          </a:schemeClr>
-        </a:solidFill>
-        <a:ln w="25400" cap="flat" cmpd="sng" algn="ctr">
-          <a:solidFill>
-            <a:schemeClr val="lt1">
-              <a:hueOff val="0"/>
-              <a:satOff val="0"/>
-              <a:lumOff val="0"/>
-              <a:alphaOff val="0"/>
-            </a:schemeClr>
-          </a:solidFill>
-          <a:prstDash val="solid"/>
-        </a:ln>
-        <a:effectLst/>
-      </dsp:spPr>
-      <dsp:style>
-        <a:lnRef idx="2">
-          <a:scrgbClr r="0" g="0" b="0"/>
-        </a:lnRef>
-        <a:fillRef idx="1">
-          <a:scrgbClr r="0" g="0" b="0"/>
-        </a:fillRef>
-        <a:effectRef idx="0">
-          <a:scrgbClr r="0" g="0" b="0"/>
-        </a:effectRef>
-        <a:fontRef idx="minor">
-          <a:schemeClr val="lt1"/>
-        </a:fontRef>
-      </dsp:style>
-      <dsp:txBody>
-        <a:bodyPr spcFirstLastPara="0" vert="horz" wrap="square" lIns="11430" tIns="11430" rIns="11430" bIns="11430" numCol="1" spcCol="1270" anchor="ctr" anchorCtr="0">
-          <a:noAutofit/>
-        </a:bodyPr>
-        <a:lstStyle/>
-        <a:p>
-          <a:pPr lvl="0" algn="ctr" defTabSz="400050">
-            <a:lnSpc>
-              <a:spcPct val="90000"/>
-            </a:lnSpc>
-            <a:spcBef>
-              <a:spcPct val="0"/>
-            </a:spcBef>
-            <a:spcAft>
-              <a:spcPct val="35000"/>
-            </a:spcAft>
-          </a:pPr>
-          <a:r>
-            <a:rPr lang="de-DE" sz="900" kern="1200" dirty="0" smtClean="0"/>
-            <a:t>Peers: </a:t>
-          </a:r>
-        </a:p>
-        <a:p>
-          <a:pPr lvl="0" algn="ctr" defTabSz="400050">
-            <a:lnSpc>
-              <a:spcPct val="90000"/>
-            </a:lnSpc>
-            <a:spcBef>
-              <a:spcPct val="0"/>
-            </a:spcBef>
-            <a:spcAft>
-              <a:spcPct val="35000"/>
-            </a:spcAft>
-          </a:pPr>
-          <a:r>
-            <a:rPr lang="de-DE" sz="900" kern="1200" dirty="0" smtClean="0"/>
-            <a:t>Sender</a:t>
-          </a:r>
-          <a:endParaRPr lang="de-DE" sz="900" kern="1200" dirty="0"/>
-        </a:p>
-      </dsp:txBody>
-      <dsp:txXfrm>
-        <a:off x="5401846" y="2254538"/>
-        <a:ext cx="1019658" cy="1019658"/>
-      </dsp:txXfrm>
-    </dsp:sp>
-    <dsp:sp modelId="{C8BC8EA8-C13E-4CFF-B5C8-7C7F532ABE0E}">
-      <dsp:nvSpPr>
-        <dsp:cNvPr id="0" name=""/>
-        <dsp:cNvSpPr/>
-      </dsp:nvSpPr>
-      <dsp:spPr>
-        <a:xfrm>
-          <a:off x="4404655" y="3504976"/>
-          <a:ext cx="1019658" cy="1019658"/>
-        </a:xfrm>
-        <a:prstGeom prst="ellipse">
-          <a:avLst/>
-        </a:prstGeom>
-        <a:solidFill>
-          <a:schemeClr val="accent1">
-            <a:hueOff val="0"/>
-            <a:satOff val="0"/>
-            <a:lumOff val="0"/>
-            <a:alphaOff val="0"/>
-          </a:schemeClr>
-        </a:solidFill>
-        <a:ln w="25400" cap="flat" cmpd="sng" algn="ctr">
-          <a:solidFill>
-            <a:schemeClr val="lt1">
-              <a:hueOff val="0"/>
-              <a:satOff val="0"/>
-              <a:lumOff val="0"/>
-              <a:alphaOff val="0"/>
-            </a:schemeClr>
-          </a:solidFill>
-          <a:prstDash val="solid"/>
-        </a:ln>
-        <a:effectLst/>
-      </dsp:spPr>
-      <dsp:style>
-        <a:lnRef idx="2">
-          <a:scrgbClr r="0" g="0" b="0"/>
-        </a:lnRef>
-        <a:fillRef idx="1">
-          <a:scrgbClr r="0" g="0" b="0"/>
-        </a:fillRef>
-        <a:effectRef idx="0">
-          <a:scrgbClr r="0" g="0" b="0"/>
-        </a:effectRef>
-        <a:fontRef idx="minor">
-          <a:schemeClr val="lt1"/>
-        </a:fontRef>
-      </dsp:style>
-      <dsp:txBody>
-        <a:bodyPr spcFirstLastPara="0" vert="horz" wrap="square" lIns="11430" tIns="11430" rIns="11430" bIns="11430" numCol="1" spcCol="1270" anchor="ctr" anchorCtr="0">
-          <a:noAutofit/>
-        </a:bodyPr>
-        <a:lstStyle/>
-        <a:p>
-          <a:pPr lvl="0" algn="ctr" defTabSz="400050">
-            <a:lnSpc>
-              <a:spcPct val="90000"/>
-            </a:lnSpc>
-            <a:spcBef>
-              <a:spcPct val="0"/>
-            </a:spcBef>
-            <a:spcAft>
-              <a:spcPct val="35000"/>
-            </a:spcAft>
-          </a:pPr>
-          <a:r>
-            <a:rPr lang="de-DE" sz="900" kern="1200" dirty="0" err="1" smtClean="0"/>
-            <a:t>RemotePeers</a:t>
-          </a:r>
-          <a:r>
-            <a:rPr lang="de-DE" sz="900" kern="1200" dirty="0" smtClean="0"/>
-            <a:t>: Empfänger</a:t>
-          </a:r>
-          <a:endParaRPr lang="de-DE" sz="900" kern="1200" dirty="0"/>
-        </a:p>
-      </dsp:txBody>
-      <dsp:txXfrm>
-        <a:off x="4404655" y="3504976"/>
-        <a:ext cx="1019658" cy="1019658"/>
-      </dsp:txXfrm>
-    </dsp:sp>
-    <dsp:sp modelId="{7DBA7B9B-977A-489F-93B1-34F7A714000E}">
-      <dsp:nvSpPr>
-        <dsp:cNvPr id="0" name=""/>
-        <dsp:cNvSpPr/>
-      </dsp:nvSpPr>
-      <dsp:spPr>
-        <a:xfrm>
-          <a:off x="2805285" y="3504976"/>
-          <a:ext cx="1019658" cy="1019658"/>
-        </a:xfrm>
-        <a:prstGeom prst="ellipse">
-          <a:avLst/>
-        </a:prstGeom>
-        <a:solidFill>
-          <a:schemeClr val="accent1">
-            <a:hueOff val="0"/>
-            <a:satOff val="0"/>
-            <a:lumOff val="0"/>
-            <a:alphaOff val="0"/>
-          </a:schemeClr>
-        </a:solidFill>
-        <a:ln w="25400" cap="flat" cmpd="sng" algn="ctr">
-          <a:solidFill>
-            <a:schemeClr val="lt1">
-              <a:hueOff val="0"/>
-              <a:satOff val="0"/>
-              <a:lumOff val="0"/>
-              <a:alphaOff val="0"/>
-            </a:schemeClr>
-          </a:solidFill>
-          <a:prstDash val="solid"/>
-        </a:ln>
-        <a:effectLst/>
-      </dsp:spPr>
-      <dsp:style>
-        <a:lnRef idx="2">
-          <a:scrgbClr r="0" g="0" b="0"/>
-        </a:lnRef>
-        <a:fillRef idx="1">
-          <a:scrgbClr r="0" g="0" b="0"/>
-        </a:fillRef>
-        <a:effectRef idx="0">
-          <a:scrgbClr r="0" g="0" b="0"/>
-        </a:effectRef>
-        <a:fontRef idx="minor">
-          <a:schemeClr val="lt1"/>
-        </a:fontRef>
-      </dsp:style>
-      <dsp:txBody>
-        <a:bodyPr spcFirstLastPara="0" vert="horz" wrap="square" lIns="11430" tIns="11430" rIns="11430" bIns="11430" numCol="1" spcCol="1270" anchor="ctr" anchorCtr="0">
-          <a:noAutofit/>
-        </a:bodyPr>
-        <a:lstStyle/>
-        <a:p>
-          <a:pPr lvl="0" algn="ctr" defTabSz="400050">
-            <a:lnSpc>
-              <a:spcPct val="90000"/>
-            </a:lnSpc>
-            <a:spcBef>
-              <a:spcPct val="0"/>
-            </a:spcBef>
-            <a:spcAft>
-              <a:spcPct val="35000"/>
-            </a:spcAft>
-          </a:pPr>
-          <a:r>
-            <a:rPr lang="de-DE" sz="900" kern="1200" dirty="0" smtClean="0"/>
-            <a:t>Times: </a:t>
-          </a:r>
-        </a:p>
-        <a:p>
-          <a:pPr lvl="0" algn="ctr" defTabSz="400050">
-            <a:lnSpc>
-              <a:spcPct val="90000"/>
-            </a:lnSpc>
-            <a:spcBef>
-              <a:spcPct val="0"/>
-            </a:spcBef>
-            <a:spcAft>
-              <a:spcPct val="35000"/>
-            </a:spcAft>
-          </a:pPr>
-          <a:r>
-            <a:rPr lang="de-DE" sz="900" kern="1200" smtClean="0"/>
-            <a:t>Zeit</a:t>
-          </a:r>
-          <a:endParaRPr lang="de-DE" sz="900" kern="1200" dirty="0"/>
-        </a:p>
-      </dsp:txBody>
-      <dsp:txXfrm>
-        <a:off x="2805285" y="3504976"/>
-        <a:ext cx="1019658" cy="1019658"/>
-      </dsp:txXfrm>
-    </dsp:sp>
-    <dsp:sp modelId="{CBAC4FB6-AB5D-478C-B9DB-3C4BBA99FAAF}">
-      <dsp:nvSpPr>
-        <dsp:cNvPr id="0" name=""/>
-        <dsp:cNvSpPr/>
-      </dsp:nvSpPr>
-      <dsp:spPr>
-        <a:xfrm>
-          <a:off x="1808094" y="2254538"/>
-          <a:ext cx="1019658" cy="1019658"/>
-        </a:xfrm>
-        <a:prstGeom prst="ellipse">
-          <a:avLst/>
-        </a:prstGeom>
-        <a:solidFill>
-          <a:schemeClr val="accent1">
-            <a:hueOff val="0"/>
-            <a:satOff val="0"/>
-            <a:lumOff val="0"/>
-            <a:alphaOff val="0"/>
-          </a:schemeClr>
-        </a:solidFill>
-        <a:ln w="25400" cap="flat" cmpd="sng" algn="ctr">
-          <a:solidFill>
-            <a:schemeClr val="lt1">
-              <a:hueOff val="0"/>
-              <a:satOff val="0"/>
-              <a:lumOff val="0"/>
-              <a:alphaOff val="0"/>
-            </a:schemeClr>
-          </a:solidFill>
-          <a:prstDash val="solid"/>
-        </a:ln>
-        <a:effectLst/>
-      </dsp:spPr>
-      <dsp:style>
-        <a:lnRef idx="2">
-          <a:scrgbClr r="0" g="0" b="0"/>
-        </a:lnRef>
-        <a:fillRef idx="1">
-          <a:scrgbClr r="0" g="0" b="0"/>
-        </a:fillRef>
-        <a:effectRef idx="0">
-          <a:scrgbClr r="0" g="0" b="0"/>
-        </a:effectRef>
-        <a:fontRef idx="minor">
-          <a:schemeClr val="lt1"/>
-        </a:fontRef>
-      </dsp:style>
-      <dsp:txBody>
-        <a:bodyPr spcFirstLastPara="0" vert="horz" wrap="square" lIns="11430" tIns="11430" rIns="11430" bIns="11430" numCol="1" spcCol="1270" anchor="ctr" anchorCtr="0">
-          <a:noAutofit/>
-        </a:bodyPr>
-        <a:lstStyle/>
-        <a:p>
-          <a:pPr lvl="0" algn="ctr" defTabSz="400050">
-            <a:lnSpc>
-              <a:spcPct val="90000"/>
-            </a:lnSpc>
-            <a:spcBef>
-              <a:spcPct val="0"/>
-            </a:spcBef>
-            <a:spcAft>
-              <a:spcPct val="35000"/>
-            </a:spcAft>
-          </a:pPr>
-          <a:r>
-            <a:rPr lang="de-DE" sz="900" kern="1200" dirty="0" smtClean="0"/>
-            <a:t>Locations: </a:t>
-          </a:r>
-        </a:p>
-        <a:p>
-          <a:pPr lvl="0" algn="ctr" defTabSz="400050">
-            <a:lnSpc>
-              <a:spcPct val="90000"/>
-            </a:lnSpc>
-            <a:spcBef>
-              <a:spcPct val="0"/>
-            </a:spcBef>
-            <a:spcAft>
-              <a:spcPct val="35000"/>
-            </a:spcAft>
-          </a:pPr>
-          <a:r>
-            <a:rPr lang="de-DE" sz="900" kern="1200" dirty="0" smtClean="0"/>
-            <a:t>Ort</a:t>
-          </a:r>
-          <a:endParaRPr lang="de-DE" sz="900" kern="1200" dirty="0"/>
-        </a:p>
-      </dsp:txBody>
-      <dsp:txXfrm>
-        <a:off x="1808094" y="2254538"/>
-        <a:ext cx="1019658" cy="1019658"/>
-      </dsp:txXfrm>
-    </dsp:sp>
-    <dsp:sp modelId="{D48DD17A-CAAC-4CEC-A104-B4EE28478FDA}">
-      <dsp:nvSpPr>
-        <dsp:cNvPr id="0" name=""/>
-        <dsp:cNvSpPr/>
-      </dsp:nvSpPr>
-      <dsp:spPr>
-        <a:xfrm>
-          <a:off x="2163988" y="695268"/>
-          <a:ext cx="1019658" cy="1019658"/>
-        </a:xfrm>
-        <a:prstGeom prst="ellipse">
-          <a:avLst/>
-        </a:prstGeom>
-        <a:solidFill>
-          <a:schemeClr val="accent1">
-            <a:hueOff val="0"/>
-            <a:satOff val="0"/>
-            <a:lumOff val="0"/>
-            <a:alphaOff val="0"/>
-          </a:schemeClr>
-        </a:solidFill>
-        <a:ln w="25400" cap="flat" cmpd="sng" algn="ctr">
-          <a:solidFill>
-            <a:schemeClr val="lt1">
-              <a:hueOff val="0"/>
-              <a:satOff val="0"/>
-              <a:lumOff val="0"/>
-              <a:alphaOff val="0"/>
-            </a:schemeClr>
-          </a:solidFill>
-          <a:prstDash val="solid"/>
-        </a:ln>
-        <a:effectLst/>
-      </dsp:spPr>
-      <dsp:style>
-        <a:lnRef idx="2">
-          <a:scrgbClr r="0" g="0" b="0"/>
-        </a:lnRef>
-        <a:fillRef idx="1">
-          <a:scrgbClr r="0" g="0" b="0"/>
-        </a:fillRef>
-        <a:effectRef idx="0">
-          <a:scrgbClr r="0" g="0" b="0"/>
-        </a:effectRef>
-        <a:fontRef idx="minor">
-          <a:schemeClr val="lt1"/>
-        </a:fontRef>
-      </dsp:style>
-      <dsp:txBody>
-        <a:bodyPr spcFirstLastPara="0" vert="horz" wrap="square" lIns="11430" tIns="11430" rIns="11430" bIns="11430" numCol="1" spcCol="1270" anchor="ctr" anchorCtr="0">
-          <a:noAutofit/>
-        </a:bodyPr>
-        <a:lstStyle/>
-        <a:p>
-          <a:pPr lvl="0" algn="ctr" defTabSz="400050">
-            <a:lnSpc>
-              <a:spcPct val="90000"/>
-            </a:lnSpc>
-            <a:spcBef>
-              <a:spcPct val="0"/>
-            </a:spcBef>
-            <a:spcAft>
-              <a:spcPct val="35000"/>
-            </a:spcAft>
-          </a:pPr>
-          <a:r>
-            <a:rPr lang="de-DE" sz="900" kern="1200" dirty="0" err="1" smtClean="0"/>
-            <a:t>Direction</a:t>
-          </a:r>
-          <a:r>
-            <a:rPr lang="de-DE" sz="900" kern="1200" dirty="0" smtClean="0"/>
-            <a:t>:</a:t>
-          </a:r>
-        </a:p>
-        <a:p>
-          <a:pPr lvl="0" algn="ctr" defTabSz="400050">
-            <a:lnSpc>
-              <a:spcPct val="90000"/>
-            </a:lnSpc>
-            <a:spcBef>
-              <a:spcPct val="0"/>
-            </a:spcBef>
-            <a:spcAft>
-              <a:spcPct val="35000"/>
-            </a:spcAft>
-          </a:pPr>
-          <a:r>
-            <a:rPr lang="de-DE" sz="900" kern="1200" dirty="0" smtClean="0"/>
-            <a:t> IN/ INOUT / NONE </a:t>
-          </a:r>
-          <a:endParaRPr lang="de-DE" sz="900" kern="1200" dirty="0"/>
-        </a:p>
-      </dsp:txBody>
-      <dsp:txXfrm>
-        <a:off x="2163988" y="695268"/>
-        <a:ext cx="1019658" cy="1019658"/>
-      </dsp:txXfrm>
-    </dsp:sp>
   </dsp:spTree>
 </dsp:drawing>
 </file>
@@ -31951,7 +27594,7 @@
     </p:spTree>
     <p:extLst>
       <p:ext uri="{BB962C8B-B14F-4D97-AF65-F5344CB8AC3E}">
-        <p14:creationId xmlns="" xmlns:p14="http://schemas.microsoft.com/office/powerpoint/2010/main" val="2733793686"/>
+        <p14:creationId xmlns:p14="http://schemas.microsoft.com/office/powerpoint/2010/main" xmlns="" val="2733793686"/>
       </p:ext>
     </p:extLst>
   </p:cSld>
@@ -32123,7 +27766,7 @@
     </p:spTree>
     <p:extLst>
       <p:ext uri="{BB962C8B-B14F-4D97-AF65-F5344CB8AC3E}">
-        <p14:creationId xmlns="" xmlns:p14="http://schemas.microsoft.com/office/powerpoint/2010/main" val="3880352075"/>
+        <p14:creationId xmlns:p14="http://schemas.microsoft.com/office/powerpoint/2010/main" xmlns="" val="3880352075"/>
       </p:ext>
     </p:extLst>
   </p:cSld>
@@ -32305,7 +27948,7 @@
     </p:spTree>
     <p:extLst>
       <p:ext uri="{BB962C8B-B14F-4D97-AF65-F5344CB8AC3E}">
-        <p14:creationId xmlns="" xmlns:p14="http://schemas.microsoft.com/office/powerpoint/2010/main" val="3117815539"/>
+        <p14:creationId xmlns:p14="http://schemas.microsoft.com/office/powerpoint/2010/main" xmlns="" val="3117815539"/>
       </p:ext>
     </p:extLst>
   </p:cSld>
@@ -32477,7 +28120,7 @@
     </p:spTree>
     <p:extLst>
       <p:ext uri="{BB962C8B-B14F-4D97-AF65-F5344CB8AC3E}">
-        <p14:creationId xmlns="" xmlns:p14="http://schemas.microsoft.com/office/powerpoint/2010/main" val="1561288167"/>
+        <p14:creationId xmlns:p14="http://schemas.microsoft.com/office/powerpoint/2010/main" xmlns="" val="1561288167"/>
       </p:ext>
     </p:extLst>
   </p:cSld>
@@ -32725,7 +28368,7 @@
     </p:spTree>
     <p:extLst>
       <p:ext uri="{BB962C8B-B14F-4D97-AF65-F5344CB8AC3E}">
-        <p14:creationId xmlns="" xmlns:p14="http://schemas.microsoft.com/office/powerpoint/2010/main" val="3327050058"/>
+        <p14:creationId xmlns:p14="http://schemas.microsoft.com/office/powerpoint/2010/main" xmlns="" val="3327050058"/>
       </p:ext>
     </p:extLst>
   </p:cSld>
@@ -33015,7 +28658,7 @@
     </p:spTree>
     <p:extLst>
       <p:ext uri="{BB962C8B-B14F-4D97-AF65-F5344CB8AC3E}">
-        <p14:creationId xmlns="" xmlns:p14="http://schemas.microsoft.com/office/powerpoint/2010/main" val="4077960206"/>
+        <p14:creationId xmlns:p14="http://schemas.microsoft.com/office/powerpoint/2010/main" xmlns="" val="4077960206"/>
       </p:ext>
     </p:extLst>
   </p:cSld>
@@ -33439,7 +29082,7 @@
     </p:spTree>
     <p:extLst>
       <p:ext uri="{BB962C8B-B14F-4D97-AF65-F5344CB8AC3E}">
-        <p14:creationId xmlns="" xmlns:p14="http://schemas.microsoft.com/office/powerpoint/2010/main" val="505858674"/>
+        <p14:creationId xmlns:p14="http://schemas.microsoft.com/office/powerpoint/2010/main" xmlns="" val="505858674"/>
       </p:ext>
     </p:extLst>
   </p:cSld>
@@ -33559,7 +29202,7 @@
     </p:spTree>
     <p:extLst>
       <p:ext uri="{BB962C8B-B14F-4D97-AF65-F5344CB8AC3E}">
-        <p14:creationId xmlns="" xmlns:p14="http://schemas.microsoft.com/office/powerpoint/2010/main" val="1529272143"/>
+        <p14:creationId xmlns:p14="http://schemas.microsoft.com/office/powerpoint/2010/main" xmlns="" val="1529272143"/>
       </p:ext>
     </p:extLst>
   </p:cSld>
@@ -33656,7 +29299,7 @@
     </p:spTree>
     <p:extLst>
       <p:ext uri="{BB962C8B-B14F-4D97-AF65-F5344CB8AC3E}">
-        <p14:creationId xmlns="" xmlns:p14="http://schemas.microsoft.com/office/powerpoint/2010/main" val="2436495648"/>
+        <p14:creationId xmlns:p14="http://schemas.microsoft.com/office/powerpoint/2010/main" xmlns="" val="2436495648"/>
       </p:ext>
     </p:extLst>
   </p:cSld>
@@ -33935,7 +29578,7 @@
     </p:spTree>
     <p:extLst>
       <p:ext uri="{BB962C8B-B14F-4D97-AF65-F5344CB8AC3E}">
-        <p14:creationId xmlns="" xmlns:p14="http://schemas.microsoft.com/office/powerpoint/2010/main" val="606203404"/>
+        <p14:creationId xmlns:p14="http://schemas.microsoft.com/office/powerpoint/2010/main" xmlns="" val="606203404"/>
       </p:ext>
     </p:extLst>
   </p:cSld>
@@ -34190,7 +29833,7 @@
     </p:spTree>
     <p:extLst>
       <p:ext uri="{BB962C8B-B14F-4D97-AF65-F5344CB8AC3E}">
-        <p14:creationId xmlns="" xmlns:p14="http://schemas.microsoft.com/office/powerpoint/2010/main" val="925235859"/>
+        <p14:creationId xmlns:p14="http://schemas.microsoft.com/office/powerpoint/2010/main" xmlns="" val="925235859"/>
       </p:ext>
     </p:extLst>
   </p:cSld>
@@ -34441,7 +30084,7 @@
     </p:spTree>
     <p:extLst>
       <p:ext uri="{BB962C8B-B14F-4D97-AF65-F5344CB8AC3E}">
-        <p14:creationId xmlns="" xmlns:p14="http://schemas.microsoft.com/office/powerpoint/2010/main" val="3018760835"/>
+        <p14:creationId xmlns:p14="http://schemas.microsoft.com/office/powerpoint/2010/main" xmlns="" val="3018760835"/>
       </p:ext>
     </p:extLst>
   </p:cSld>
@@ -34954,7 +30597,7 @@
     </p:spTree>
     <p:extLst>
       <p:ext uri="{BB962C8B-B14F-4D97-AF65-F5344CB8AC3E}">
-        <p14:creationId xmlns="" xmlns:p14="http://schemas.microsoft.com/office/powerpoint/2010/main" val="2033118201"/>
+        <p14:creationId xmlns:p14="http://schemas.microsoft.com/office/powerpoint/2010/main" xmlns="" val="2033118201"/>
       </p:ext>
     </p:extLst>
   </p:cSld>
@@ -35093,7 +30736,7 @@
     </p:spTree>
     <p:extLst>
       <p:ext uri="{BB962C8B-B14F-4D97-AF65-F5344CB8AC3E}">
-        <p14:creationId xmlns="" xmlns:p14="http://schemas.microsoft.com/office/powerpoint/2010/main" val="259545915"/>
+        <p14:creationId xmlns:p14="http://schemas.microsoft.com/office/powerpoint/2010/main" xmlns="" val="259545915"/>
       </p:ext>
     </p:extLst>
   </p:cSld>
@@ -35164,7 +30807,7 @@
             <p:ph idx="1"/>
             <p:extLst>
               <p:ext uri="{D42A27DB-BD31-4B8C-83A1-F6EECF244321}">
-                <p14:modId xmlns="" xmlns:p14="http://schemas.microsoft.com/office/powerpoint/2010/main" val="3114557960"/>
+                <p14:modId xmlns:p14="http://schemas.microsoft.com/office/powerpoint/2010/main" xmlns="" val="3114557960"/>
               </p:ext>
             </p:extLst>
           </p:nvPr>
@@ -35228,7 +30871,7 @@
     </p:spTree>
     <p:extLst>
       <p:ext uri="{BB962C8B-B14F-4D97-AF65-F5344CB8AC3E}">
-        <p14:creationId xmlns="" xmlns:p14="http://schemas.microsoft.com/office/powerpoint/2010/main" val="2063753429"/>
+        <p14:creationId xmlns:p14="http://schemas.microsoft.com/office/powerpoint/2010/main" xmlns="" val="2063753429"/>
       </p:ext>
     </p:extLst>
   </p:cSld>
@@ -35307,7 +30950,7 @@
             <p:ph idx="1"/>
             <p:extLst>
               <p:ext uri="{D42A27DB-BD31-4B8C-83A1-F6EECF244321}">
-                <p14:modId xmlns="" xmlns:p14="http://schemas.microsoft.com/office/powerpoint/2010/main" val="2848394819"/>
+                <p14:modId xmlns:p14="http://schemas.microsoft.com/office/powerpoint/2010/main" xmlns="" val="2848394819"/>
               </p:ext>
             </p:extLst>
           </p:nvPr>
@@ -35325,7 +30968,7 @@
     </p:spTree>
     <p:extLst>
       <p:ext uri="{BB962C8B-B14F-4D97-AF65-F5344CB8AC3E}">
-        <p14:creationId xmlns="" xmlns:p14="http://schemas.microsoft.com/office/powerpoint/2010/main" val="3003817873"/>
+        <p14:creationId xmlns:p14="http://schemas.microsoft.com/office/powerpoint/2010/main" xmlns="" val="3003817873"/>
       </p:ext>
     </p:extLst>
   </p:cSld>
@@ -35407,7 +31050,7 @@
             <p:ph idx="1"/>
             <p:extLst>
               <p:ext uri="{D42A27DB-BD31-4B8C-83A1-F6EECF244321}">
-                <p14:modId xmlns="" xmlns:p14="http://schemas.microsoft.com/office/powerpoint/2010/main" val="2609194652"/>
+                <p14:modId xmlns:p14="http://schemas.microsoft.com/office/powerpoint/2010/main" xmlns="" val="2609194652"/>
               </p:ext>
             </p:extLst>
           </p:nvPr>
@@ -35482,7 +31125,7 @@
     </p:spTree>
     <p:extLst>
       <p:ext uri="{BB962C8B-B14F-4D97-AF65-F5344CB8AC3E}">
-        <p14:creationId xmlns="" xmlns:p14="http://schemas.microsoft.com/office/powerpoint/2010/main" val="2348694249"/>
+        <p14:creationId xmlns:p14="http://schemas.microsoft.com/office/powerpoint/2010/main" xmlns="" val="2348694249"/>
       </p:ext>
     </p:extLst>
   </p:cSld>
@@ -35584,7 +31227,7 @@
     </p:spTree>
     <p:extLst>
       <p:ext uri="{BB962C8B-B14F-4D97-AF65-F5344CB8AC3E}">
-        <p14:creationId xmlns="" xmlns:p14="http://schemas.microsoft.com/office/powerpoint/2010/main" val="3385652958"/>
+        <p14:creationId xmlns:p14="http://schemas.microsoft.com/office/powerpoint/2010/main" xmlns="" val="3385652958"/>
       </p:ext>
     </p:extLst>
   </p:cSld>
@@ -35785,7 +31428,7 @@
     </p:spTree>
     <p:extLst>
       <p:ext uri="{BB962C8B-B14F-4D97-AF65-F5344CB8AC3E}">
-        <p14:creationId xmlns="" xmlns:p14="http://schemas.microsoft.com/office/powerpoint/2010/main" val="1411909037"/>
+        <p14:creationId xmlns:p14="http://schemas.microsoft.com/office/powerpoint/2010/main" xmlns="" val="1411909037"/>
       </p:ext>
     </p:extLst>
   </p:cSld>
@@ -35865,7 +31508,7 @@
             <p:ph idx="1"/>
             <p:extLst>
               <p:ext uri="{D42A27DB-BD31-4B8C-83A1-F6EECF244321}">
-                <p14:modId xmlns="" xmlns:p14="http://schemas.microsoft.com/office/powerpoint/2010/main" val="354047179"/>
+                <p14:modId xmlns:p14="http://schemas.microsoft.com/office/powerpoint/2010/main" xmlns="" val="354047179"/>
               </p:ext>
             </p:extLst>
           </p:nvPr>
@@ -36259,7 +31902,7 @@
     </p:spTree>
     <p:extLst>
       <p:ext uri="{BB962C8B-B14F-4D97-AF65-F5344CB8AC3E}">
-        <p14:creationId xmlns="" xmlns:p14="http://schemas.microsoft.com/office/powerpoint/2010/main" val="3239744563"/>
+        <p14:creationId xmlns:p14="http://schemas.microsoft.com/office/powerpoint/2010/main" xmlns="" val="3239744563"/>
       </p:ext>
     </p:extLst>
   </p:cSld>
@@ -36326,7 +31969,7 @@
             <p:ph idx="1"/>
             <p:extLst>
               <p:ext uri="{D42A27DB-BD31-4B8C-83A1-F6EECF244321}">
-                <p14:modId xmlns="" xmlns:p14="http://schemas.microsoft.com/office/powerpoint/2010/main" val="1215541994"/>
+                <p14:modId xmlns:p14="http://schemas.microsoft.com/office/powerpoint/2010/main" xmlns="" val="1215541994"/>
               </p:ext>
             </p:extLst>
           </p:nvPr>
@@ -36344,7 +31987,7 @@
     </p:spTree>
     <p:extLst>
       <p:ext uri="{BB962C8B-B14F-4D97-AF65-F5344CB8AC3E}">
-        <p14:creationId xmlns="" xmlns:p14="http://schemas.microsoft.com/office/powerpoint/2010/main" val="1250649218"/>
+        <p14:creationId xmlns:p14="http://schemas.microsoft.com/office/powerpoint/2010/main" xmlns="" val="1250649218"/>
       </p:ext>
     </p:extLst>
   </p:cSld>
@@ -36479,7 +32122,7 @@
     </p:spTree>
     <p:extLst>
       <p:ext uri="{BB962C8B-B14F-4D97-AF65-F5344CB8AC3E}">
-        <p14:creationId xmlns="" xmlns:p14="http://schemas.microsoft.com/office/powerpoint/2010/main" val="4109760647"/>
+        <p14:creationId xmlns:p14="http://schemas.microsoft.com/office/powerpoint/2010/main" xmlns="" val="4109760647"/>
       </p:ext>
     </p:extLst>
   </p:cSld>
@@ -36793,11 +32436,7 @@
             </a:r>
             <a:r>
               <a:rPr lang="de-DE" dirty="0" smtClean="0"/>
-              <a:t> Adressaten</a:t>
-            </a:r>
-            <a:r>
-              <a:rPr lang="de-DE" dirty="0" smtClean="0"/>
-              <a:t>!</a:t>
+              <a:t> Adressaten!</a:t>
             </a:r>
           </a:p>
           <a:p>
@@ -36871,7 +32510,6 @@
               <a:rPr lang="de-DE" dirty="0" smtClean="0"/>
               <a:t>Beschreibt das Kommunikationsverhalten. Z.B. könnten Daten nur einfügt werden, aber nicht selbst versendet.</a:t>
             </a:r>
-            <a:endParaRPr lang="de-DE" dirty="0" smtClean="0"/>
           </a:p>
           <a:p>
             <a:pPr>
@@ -36892,7 +32530,7 @@
             <p:ph sz="half" idx="1"/>
             <p:extLst>
               <p:ext uri="{D42A27DB-BD31-4B8C-83A1-F6EECF244321}">
-                <p14:modId xmlns="" xmlns:p14="http://schemas.microsoft.com/office/powerpoint/2010/main" val="1215541994"/>
+                <p14:modId xmlns:p14="http://schemas.microsoft.com/office/powerpoint/2010/main" xmlns="" val="1215541994"/>
               </p:ext>
             </p:extLst>
           </p:nvPr>
@@ -37132,7 +32770,7 @@
             <p:ph idx="1"/>
             <p:extLst>
               <p:ext uri="{D42A27DB-BD31-4B8C-83A1-F6EECF244321}">
-                <p14:modId xmlns="" xmlns:p14="http://schemas.microsoft.com/office/powerpoint/2010/main" val="2479653521"/>
+                <p14:modId xmlns:p14="http://schemas.microsoft.com/office/powerpoint/2010/main" xmlns="" val="2479653521"/>
               </p:ext>
             </p:extLst>
           </p:nvPr>
@@ -37604,7 +33242,7 @@
     </p:spTree>
     <p:extLst>
       <p:ext uri="{BB962C8B-B14F-4D97-AF65-F5344CB8AC3E}">
-        <p14:creationId xmlns="" xmlns:p14="http://schemas.microsoft.com/office/powerpoint/2010/main" val="1491428122"/>
+        <p14:creationId xmlns:p14="http://schemas.microsoft.com/office/powerpoint/2010/main" xmlns="" val="1491428122"/>
       </p:ext>
     </p:extLst>
   </p:cSld>
@@ -37671,7 +33309,7 @@
             <p:ph idx="1"/>
             <p:extLst>
               <p:ext uri="{D42A27DB-BD31-4B8C-83A1-F6EECF244321}">
-                <p14:modId xmlns="" xmlns:p14="http://schemas.microsoft.com/office/powerpoint/2010/main" val="1703172132"/>
+                <p14:modId xmlns:p14="http://schemas.microsoft.com/office/powerpoint/2010/main" xmlns="" val="1703172132"/>
               </p:ext>
             </p:extLst>
           </p:nvPr>
@@ -38094,7 +33732,7 @@
     </p:spTree>
     <p:extLst>
       <p:ext uri="{BB962C8B-B14F-4D97-AF65-F5344CB8AC3E}">
-        <p14:creationId xmlns="" xmlns:p14="http://schemas.microsoft.com/office/powerpoint/2010/main" val="2916024982"/>
+        <p14:creationId xmlns:p14="http://schemas.microsoft.com/office/powerpoint/2010/main" xmlns="" val="2916024982"/>
       </p:ext>
     </p:extLst>
   </p:cSld>
@@ -38161,7 +33799,7 @@
             <p:ph idx="1"/>
             <p:extLst>
               <p:ext uri="{D42A27DB-BD31-4B8C-83A1-F6EECF244321}">
-                <p14:modId xmlns="" xmlns:p14="http://schemas.microsoft.com/office/powerpoint/2010/main" val="2741657155"/>
+                <p14:modId xmlns:p14="http://schemas.microsoft.com/office/powerpoint/2010/main" xmlns="" val="2741657155"/>
               </p:ext>
             </p:extLst>
           </p:nvPr>
@@ -38391,7 +34029,7 @@
     </p:spTree>
     <p:extLst>
       <p:ext uri="{BB962C8B-B14F-4D97-AF65-F5344CB8AC3E}">
-        <p14:creationId xmlns="" xmlns:p14="http://schemas.microsoft.com/office/powerpoint/2010/main" val="1559140872"/>
+        <p14:creationId xmlns:p14="http://schemas.microsoft.com/office/powerpoint/2010/main" xmlns="" val="1559140872"/>
       </p:ext>
     </p:extLst>
   </p:cSld>

--- a/Text/Master.pptx
+++ b/Text/Master.pptx
@@ -9,8 +9,8 @@
     <p:sldId id="271" r:id="rId3"/>
     <p:sldId id="272" r:id="rId4"/>
     <p:sldId id="274" r:id="rId5"/>
-    <p:sldId id="273" r:id="rId6"/>
-    <p:sldId id="275" r:id="rId7"/>
+    <p:sldId id="275" r:id="rId6"/>
+    <p:sldId id="276" r:id="rId7"/>
     <p:sldId id="256" r:id="rId8"/>
     <p:sldId id="257" r:id="rId9"/>
     <p:sldId id="258" r:id="rId10"/>
@@ -6395,6 +6395,60 @@
       <dgm:prSet/>
       <dgm:spPr/>
     </dgm:pt>
+    <dgm:pt modelId="{511EBDC6-6428-4C9D-891A-057A510D074E}">
+      <dgm:prSet phldrT="[Text]"/>
+      <dgm:spPr/>
+      <dgm:t>
+        <a:bodyPr/>
+        <a:lstStyle/>
+        <a:p>
+          <a:r>
+            <a:rPr lang="de-DE" dirty="0" smtClean="0"/>
+            <a:t>Benachrichtigung bei Änderungen</a:t>
+          </a:r>
+          <a:endParaRPr lang="de-DE" dirty="0"/>
+        </a:p>
+      </dgm:t>
+    </dgm:pt>
+    <dgm:pt modelId="{D6060007-AF72-4B2A-BD14-D47FECE81CCC}" type="parTrans" cxnId="{001D7005-592E-45E0-BF47-F2602FDEE7B4}">
+      <dgm:prSet/>
+      <dgm:spPr/>
+    </dgm:pt>
+    <dgm:pt modelId="{81AD9CB7-FF85-4A8A-9E97-D1D6414BA553}" type="sibTrans" cxnId="{001D7005-592E-45E0-BF47-F2602FDEE7B4}">
+      <dgm:prSet/>
+      <dgm:spPr/>
+    </dgm:pt>
+    <dgm:pt modelId="{6F4614BF-5EC4-46D5-9D31-174712756D65}">
+      <dgm:prSet phldrT="[Text]"/>
+      <dgm:spPr/>
+      <dgm:t>
+        <a:bodyPr/>
+        <a:lstStyle/>
+        <a:p>
+          <a:r>
+            <a:rPr lang="de-DE" dirty="0" smtClean="0"/>
+            <a:t>Bei Änderungen am Kontext oder dem zur </a:t>
+          </a:r>
+          <a:r>
+            <a:rPr lang="de-DE" dirty="0" err="1" smtClean="0"/>
+            <a:t>SubSpace</a:t>
+          </a:r>
+          <a:r>
+            <a:rPr lang="de-DE" dirty="0" smtClean="0"/>
+            <a:t> gehörigen Daten aus der Basis  kann ein Beobachter benachrichtigt werden.</a:t>
+          </a:r>
+          <a:endParaRPr lang="de-DE" dirty="0"/>
+        </a:p>
+      </dgm:t>
+    </dgm:pt>
+    <dgm:pt modelId="{72889311-A377-4403-8946-510EDAD9AFBA}" type="parTrans" cxnId="{C32044AA-BD89-48B1-B7FA-F25A819BC8B1}">
+      <dgm:prSet/>
+      <dgm:spPr/>
+    </dgm:pt>
+    <dgm:pt modelId="{FB38BB22-929E-40A4-917C-06973820A1ED}" type="sibTrans" cxnId="{C32044AA-BD89-48B1-B7FA-F25A819BC8B1}">
+      <dgm:prSet/>
+      <dgm:spPr/>
+    </dgm:pt>
     <dgm:pt modelId="{8E1F00A3-D952-4D25-8DA7-1A5D8859BC73}">
       <dgm:prSet phldrT="[Text]"/>
       <dgm:spPr/>
@@ -6418,14 +6472,6 @@
         </a:p>
       </dgm:t>
     </dgm:pt>
-    <dgm:pt modelId="{DD4F18C3-DE1A-4410-A656-94A90F4B8A66}" type="parTrans" cxnId="{D07888D3-7D9C-4CA0-95AD-3344B4A6FC6B}">
-      <dgm:prSet/>
-      <dgm:spPr/>
-    </dgm:pt>
-    <dgm:pt modelId="{B9C0AC8F-7F2E-4C07-BCAD-FE05372BC9CD}" type="sibTrans" cxnId="{D07888D3-7D9C-4CA0-95AD-3344B4A6FC6B}">
-      <dgm:prSet/>
-      <dgm:spPr/>
-    </dgm:pt>
     <dgm:pt modelId="{E81FE977-AF56-42F1-89E7-0674F1FE4247}">
       <dgm:prSet phldrT="[Text]"/>
       <dgm:spPr/>
@@ -6441,65 +6487,19 @@
         </a:p>
       </dgm:t>
     </dgm:pt>
+    <dgm:pt modelId="{874A9457-FC85-4E03-B420-BC62F5065FE4}" type="sibTrans" cxnId="{1341FB1C-3D84-4A7C-8012-548C462750A7}">
+      <dgm:prSet/>
+      <dgm:spPr/>
+    </dgm:pt>
     <dgm:pt modelId="{87DE459B-CFFC-4D3E-AEA4-B9A6868EE5AB}" type="parTrans" cxnId="{1341FB1C-3D84-4A7C-8012-548C462750A7}">
       <dgm:prSet/>
       <dgm:spPr/>
     </dgm:pt>
-    <dgm:pt modelId="{874A9457-FC85-4E03-B420-BC62F5065FE4}" type="sibTrans" cxnId="{1341FB1C-3D84-4A7C-8012-548C462750A7}">
+    <dgm:pt modelId="{B9C0AC8F-7F2E-4C07-BCAD-FE05372BC9CD}" type="sibTrans" cxnId="{D07888D3-7D9C-4CA0-95AD-3344B4A6FC6B}">
       <dgm:prSet/>
       <dgm:spPr/>
     </dgm:pt>
-    <dgm:pt modelId="{511EBDC6-6428-4C9D-891A-057A510D074E}">
-      <dgm:prSet phldrT="[Text]"/>
-      <dgm:spPr/>
-      <dgm:t>
-        <a:bodyPr/>
-        <a:lstStyle/>
-        <a:p>
-          <a:r>
-            <a:rPr lang="de-DE" dirty="0" smtClean="0"/>
-            <a:t>Benachrichtigung bei Änderungen</a:t>
-          </a:r>
-          <a:endParaRPr lang="de-DE" dirty="0"/>
-        </a:p>
-      </dgm:t>
-    </dgm:pt>
-    <dgm:pt modelId="{D6060007-AF72-4B2A-BD14-D47FECE81CCC}" type="parTrans" cxnId="{001D7005-592E-45E0-BF47-F2602FDEE7B4}">
-      <dgm:prSet/>
-      <dgm:spPr/>
-    </dgm:pt>
-    <dgm:pt modelId="{81AD9CB7-FF85-4A8A-9E97-D1D6414BA553}" type="sibTrans" cxnId="{001D7005-592E-45E0-BF47-F2602FDEE7B4}">
-      <dgm:prSet/>
-      <dgm:spPr/>
-    </dgm:pt>
-    <dgm:pt modelId="{6F4614BF-5EC4-46D5-9D31-174712756D65}">
-      <dgm:prSet phldrT="[Text]"/>
-      <dgm:spPr/>
-      <dgm:t>
-        <a:bodyPr/>
-        <a:lstStyle/>
-        <a:p>
-          <a:r>
-            <a:rPr lang="de-DE" dirty="0" smtClean="0"/>
-            <a:t>Bei Änderungen am Kontext oder dem zur </a:t>
-          </a:r>
-          <a:r>
-            <a:rPr lang="de-DE" dirty="0" err="1" smtClean="0"/>
-            <a:t>SubSpace</a:t>
-          </a:r>
-          <a:r>
-            <a:rPr lang="de-DE" dirty="0" smtClean="0"/>
-            <a:t> gehörigen Daten aus der Basis  kann ein Beobachter benachrichtigt werden.</a:t>
-          </a:r>
-          <a:endParaRPr lang="de-DE" dirty="0"/>
-        </a:p>
-      </dgm:t>
-    </dgm:pt>
-    <dgm:pt modelId="{72889311-A377-4403-8946-510EDAD9AFBA}" type="parTrans" cxnId="{C32044AA-BD89-48B1-B7FA-F25A819BC8B1}">
-      <dgm:prSet/>
-      <dgm:spPr/>
-    </dgm:pt>
-    <dgm:pt modelId="{FB38BB22-929E-40A4-917C-06973820A1ED}" type="sibTrans" cxnId="{C32044AA-BD89-48B1-B7FA-F25A819BC8B1}">
+    <dgm:pt modelId="{DD4F18C3-DE1A-4410-A656-94A90F4B8A66}" type="parTrans" cxnId="{D07888D3-7D9C-4CA0-95AD-3344B4A6FC6B}">
       <dgm:prSet/>
       <dgm:spPr/>
     </dgm:pt>
@@ -6677,8 +6677,8 @@
     <dgm:cxn modelId="{CE384D33-BCD5-4106-ABD4-E36672B94BE5}" type="presOf" srcId="{00005E6A-6A39-40F2-BC23-3C1CBA3364E1}" destId="{61BEE9AF-3CE7-4450-A810-17775E989A59}" srcOrd="0" destOrd="0" presId="urn:microsoft.com/office/officeart/2005/8/layout/vList5"/>
     <dgm:cxn modelId="{3FF29122-33E6-45FD-BB15-4CFEE30C6A5B}" srcId="{00005E6A-6A39-40F2-BC23-3C1CBA3364E1}" destId="{FAAF8C1D-1682-490C-B1FF-719904D31572}" srcOrd="1" destOrd="0" parTransId="{08B0B68D-373A-4CFC-96F6-84D21C8C6BD1}" sibTransId="{8083462C-E2A2-410B-BFD2-B8C8BD048EF3}"/>
     <dgm:cxn modelId="{D4834C5F-7D07-493A-834E-EE1A05DCC560}" type="presOf" srcId="{E81FE977-AF56-42F1-89E7-0674F1FE4247}" destId="{E9BE085C-EC92-41F6-8E3F-4F114E696375}" srcOrd="0" destOrd="0" presId="urn:microsoft.com/office/officeart/2005/8/layout/vList5"/>
+    <dgm:cxn modelId="{C117C8A3-4769-464D-98DB-53CC0C925191}" type="presOf" srcId="{FAAF8C1D-1682-490C-B1FF-719904D31572}" destId="{5B54E6DA-FAD6-49DF-83EF-AAAE2447E9D8}" srcOrd="0" destOrd="1" presId="urn:microsoft.com/office/officeart/2005/8/layout/vList5"/>
     <dgm:cxn modelId="{D07888D3-7D9C-4CA0-95AD-3344B4A6FC6B}" srcId="{E81FE977-AF56-42F1-89E7-0674F1FE4247}" destId="{8E1F00A3-D952-4D25-8DA7-1A5D8859BC73}" srcOrd="0" destOrd="0" parTransId="{DD4F18C3-DE1A-4410-A656-94A90F4B8A66}" sibTransId="{B9C0AC8F-7F2E-4C07-BCAD-FE05372BC9CD}"/>
-    <dgm:cxn modelId="{C117C8A3-4769-464D-98DB-53CC0C925191}" type="presOf" srcId="{FAAF8C1D-1682-490C-B1FF-719904D31572}" destId="{5B54E6DA-FAD6-49DF-83EF-AAAE2447E9D8}" srcOrd="0" destOrd="1" presId="urn:microsoft.com/office/officeart/2005/8/layout/vList5"/>
     <dgm:cxn modelId="{EFA53115-FD84-4B6F-8377-CC53E2184CFE}" srcId="{C2A7507A-DA8C-4AA1-9C40-CDCC18744FDD}" destId="{51037CA2-3992-43B4-9E73-C6B0E26E76EE}" srcOrd="1" destOrd="0" parTransId="{E6DB2DA0-2C34-401E-AD60-23127C765E9F}" sibTransId="{3C9ED251-49E7-49C7-AA67-85EC800DA560}"/>
     <dgm:cxn modelId="{001D7005-592E-45E0-BF47-F2602FDEE7B4}" srcId="{C2A7507A-DA8C-4AA1-9C40-CDCC18744FDD}" destId="{511EBDC6-6428-4C9D-891A-057A510D074E}" srcOrd="3" destOrd="0" parTransId="{D6060007-AF72-4B2A-BD14-D47FECE81CCC}" sibTransId="{81AD9CB7-FF85-4A8A-9E97-D1D6414BA553}"/>
     <dgm:cxn modelId="{6F3383BA-6B9F-4B87-AFCF-8506CC434D7F}" srcId="{C2A7507A-DA8C-4AA1-9C40-CDCC18744FDD}" destId="{00005E6A-6A39-40F2-BC23-3C1CBA3364E1}" srcOrd="0" destOrd="0" parTransId="{AF155FAF-1F27-471B-AB37-9DD75493B1D5}" sibTransId="{63D7075A-AF8C-479A-A6DE-90EE5BF11E44}"/>
@@ -11175,8 +11175,8 @@
     <dgm:cxn modelId="{0FEDA204-715D-47C2-B1FA-E3EAC170AD7D}" type="presOf" srcId="{4EE6A675-2495-4F6C-B694-431F449E086D}" destId="{AB451D81-01B3-4452-BE0E-B359AE52E6E7}" srcOrd="0" destOrd="0" presId="urn:microsoft.com/office/officeart/2005/8/layout/vProcess5"/>
     <dgm:cxn modelId="{6BD5B7CD-86C6-4CD5-B038-D51DB22E06A3}" type="presOf" srcId="{C69F8324-445F-46E5-9500-2AE941300F12}" destId="{CD45CFE8-7031-4770-A69C-2A76554DE6B6}" srcOrd="0" destOrd="0" presId="urn:microsoft.com/office/officeart/2005/8/layout/vProcess5"/>
     <dgm:cxn modelId="{815CAD40-E2EC-4FD1-AE5C-7DB8EF851E81}" type="presOf" srcId="{102FC8F2-1E62-45E8-B6C7-C271B4FB902C}" destId="{5B2491AB-0C85-4826-B929-9197826565A2}" srcOrd="1" destOrd="0" presId="urn:microsoft.com/office/officeart/2005/8/layout/vProcess5"/>
+    <dgm:cxn modelId="{A2019A76-78CD-4CBB-A8F4-08EBC5F81A0D}" srcId="{4EE6A675-2495-4F6C-B694-431F449E086D}" destId="{102FC8F2-1E62-45E8-B6C7-C271B4FB902C}" srcOrd="0" destOrd="0" parTransId="{70F71977-E03E-4020-84EC-758F5CD22681}" sibTransId="{94ED96F0-A775-48DF-837F-F7425D7839E1}"/>
     <dgm:cxn modelId="{F0D6831C-29AC-4114-BECF-654D95162402}" srcId="{4EE6A675-2495-4F6C-B694-431F449E086D}" destId="{74985E54-1E46-40D0-9B33-2E8CB9FCAA6A}" srcOrd="2" destOrd="0" parTransId="{7A7D3450-5608-46C2-81DC-A4ABF29DAE09}" sibTransId="{5313A4DD-32A7-48D4-8C3D-6C5FAE5B2AD6}"/>
-    <dgm:cxn modelId="{A2019A76-78CD-4CBB-A8F4-08EBC5F81A0D}" srcId="{4EE6A675-2495-4F6C-B694-431F449E086D}" destId="{102FC8F2-1E62-45E8-B6C7-C271B4FB902C}" srcOrd="0" destOrd="0" parTransId="{70F71977-E03E-4020-84EC-758F5CD22681}" sibTransId="{94ED96F0-A775-48DF-837F-F7425D7839E1}"/>
     <dgm:cxn modelId="{DD6B9C49-C8B8-40BE-9419-42BDD5F187A9}" type="presParOf" srcId="{AB451D81-01B3-4452-BE0E-B359AE52E6E7}" destId="{E7C22241-5BB5-4E55-892B-6CE3A6753760}" srcOrd="0" destOrd="0" presId="urn:microsoft.com/office/officeart/2005/8/layout/vProcess5"/>
     <dgm:cxn modelId="{86C846A5-7E17-40B6-8AF0-F723E6148CD5}" type="presParOf" srcId="{AB451D81-01B3-4452-BE0E-B359AE52E6E7}" destId="{8BE5D2FE-139F-44D7-A759-F4FA367FBF41}" srcOrd="1" destOrd="0" presId="urn:microsoft.com/office/officeart/2005/8/layout/vProcess5"/>
     <dgm:cxn modelId="{A095474D-1429-4B29-971E-C78957D1368B}" type="presParOf" srcId="{AB451D81-01B3-4452-BE0E-B359AE52E6E7}" destId="{CD45CFE8-7031-4770-A69C-2A76554DE6B6}" srcOrd="2" destOrd="0" presId="urn:microsoft.com/office/officeart/2005/8/layout/vProcess5"/>
@@ -15328,6 +15328,1007 @@
       <dsp:cNvGrpSpPr/>
     </dsp:nvGrpSpPr>
     <dsp:grpSpPr/>
+    <dsp:sp modelId="{53C09463-13BD-4384-96C4-C5395712BA82}">
+      <dsp:nvSpPr>
+        <dsp:cNvPr id="0" name=""/>
+        <dsp:cNvSpPr/>
+      </dsp:nvSpPr>
+      <dsp:spPr>
+        <a:xfrm>
+          <a:off x="2235006" y="474449"/>
+          <a:ext cx="3759587" cy="3759587"/>
+        </a:xfrm>
+        <a:prstGeom prst="blockArc">
+          <a:avLst>
+            <a:gd name="adj1" fmla="val 13114286"/>
+            <a:gd name="adj2" fmla="val 16200000"/>
+            <a:gd name="adj3" fmla="val 3906"/>
+          </a:avLst>
+        </a:prstGeom>
+        <a:solidFill>
+          <a:schemeClr val="accent1">
+            <a:tint val="60000"/>
+            <a:hueOff val="0"/>
+            <a:satOff val="0"/>
+            <a:lumOff val="0"/>
+            <a:alphaOff val="0"/>
+          </a:schemeClr>
+        </a:solidFill>
+        <a:ln>
+          <a:noFill/>
+        </a:ln>
+        <a:effectLst/>
+      </dsp:spPr>
+      <dsp:style>
+        <a:lnRef idx="0">
+          <a:scrgbClr r="0" g="0" b="0"/>
+        </a:lnRef>
+        <a:fillRef idx="1">
+          <a:scrgbClr r="0" g="0" b="0"/>
+        </a:fillRef>
+        <a:effectRef idx="0">
+          <a:scrgbClr r="0" g="0" b="0"/>
+        </a:effectRef>
+        <a:fontRef idx="minor">
+          <a:schemeClr val="lt1"/>
+        </a:fontRef>
+      </dsp:style>
+    </dsp:sp>
+    <dsp:sp modelId="{4248A1B0-5C16-4A8B-BE7A-40618120157D}">
+      <dsp:nvSpPr>
+        <dsp:cNvPr id="0" name=""/>
+        <dsp:cNvSpPr/>
+      </dsp:nvSpPr>
+      <dsp:spPr>
+        <a:xfrm>
+          <a:off x="2235006" y="474449"/>
+          <a:ext cx="3759587" cy="3759587"/>
+        </a:xfrm>
+        <a:prstGeom prst="blockArc">
+          <a:avLst>
+            <a:gd name="adj1" fmla="val 10028571"/>
+            <a:gd name="adj2" fmla="val 13114286"/>
+            <a:gd name="adj3" fmla="val 3906"/>
+          </a:avLst>
+        </a:prstGeom>
+        <a:solidFill>
+          <a:schemeClr val="accent1">
+            <a:tint val="60000"/>
+            <a:hueOff val="0"/>
+            <a:satOff val="0"/>
+            <a:lumOff val="0"/>
+            <a:alphaOff val="0"/>
+          </a:schemeClr>
+        </a:solidFill>
+        <a:ln>
+          <a:noFill/>
+        </a:ln>
+        <a:effectLst/>
+      </dsp:spPr>
+      <dsp:style>
+        <a:lnRef idx="0">
+          <a:scrgbClr r="0" g="0" b="0"/>
+        </a:lnRef>
+        <a:fillRef idx="1">
+          <a:scrgbClr r="0" g="0" b="0"/>
+        </a:fillRef>
+        <a:effectRef idx="0">
+          <a:scrgbClr r="0" g="0" b="0"/>
+        </a:effectRef>
+        <a:fontRef idx="minor">
+          <a:schemeClr val="lt1"/>
+        </a:fontRef>
+      </dsp:style>
+    </dsp:sp>
+    <dsp:sp modelId="{1035AB16-1B65-4F3D-91A9-E393E05C3C0F}">
+      <dsp:nvSpPr>
+        <dsp:cNvPr id="0" name=""/>
+        <dsp:cNvSpPr/>
+      </dsp:nvSpPr>
+      <dsp:spPr>
+        <a:xfrm>
+          <a:off x="2235006" y="474449"/>
+          <a:ext cx="3759587" cy="3759587"/>
+        </a:xfrm>
+        <a:prstGeom prst="blockArc">
+          <a:avLst>
+            <a:gd name="adj1" fmla="val 6942857"/>
+            <a:gd name="adj2" fmla="val 10028571"/>
+            <a:gd name="adj3" fmla="val 3906"/>
+          </a:avLst>
+        </a:prstGeom>
+        <a:solidFill>
+          <a:schemeClr val="accent1">
+            <a:tint val="60000"/>
+            <a:hueOff val="0"/>
+            <a:satOff val="0"/>
+            <a:lumOff val="0"/>
+            <a:alphaOff val="0"/>
+          </a:schemeClr>
+        </a:solidFill>
+        <a:ln>
+          <a:noFill/>
+        </a:ln>
+        <a:effectLst/>
+      </dsp:spPr>
+      <dsp:style>
+        <a:lnRef idx="0">
+          <a:scrgbClr r="0" g="0" b="0"/>
+        </a:lnRef>
+        <a:fillRef idx="1">
+          <a:scrgbClr r="0" g="0" b="0"/>
+        </a:fillRef>
+        <a:effectRef idx="0">
+          <a:scrgbClr r="0" g="0" b="0"/>
+        </a:effectRef>
+        <a:fontRef idx="minor">
+          <a:schemeClr val="lt1"/>
+        </a:fontRef>
+      </dsp:style>
+    </dsp:sp>
+    <dsp:sp modelId="{D2C586DD-C4D6-43EF-9FBC-99993E6F2B7C}">
+      <dsp:nvSpPr>
+        <dsp:cNvPr id="0" name=""/>
+        <dsp:cNvSpPr/>
+      </dsp:nvSpPr>
+      <dsp:spPr>
+        <a:xfrm>
+          <a:off x="2235006" y="474449"/>
+          <a:ext cx="3759587" cy="3759587"/>
+        </a:xfrm>
+        <a:prstGeom prst="blockArc">
+          <a:avLst>
+            <a:gd name="adj1" fmla="val 3857143"/>
+            <a:gd name="adj2" fmla="val 6942857"/>
+            <a:gd name="adj3" fmla="val 3906"/>
+          </a:avLst>
+        </a:prstGeom>
+        <a:solidFill>
+          <a:schemeClr val="accent1">
+            <a:tint val="60000"/>
+            <a:hueOff val="0"/>
+            <a:satOff val="0"/>
+            <a:lumOff val="0"/>
+            <a:alphaOff val="0"/>
+          </a:schemeClr>
+        </a:solidFill>
+        <a:ln>
+          <a:noFill/>
+        </a:ln>
+        <a:effectLst/>
+      </dsp:spPr>
+      <dsp:style>
+        <a:lnRef idx="0">
+          <a:scrgbClr r="0" g="0" b="0"/>
+        </a:lnRef>
+        <a:fillRef idx="1">
+          <a:scrgbClr r="0" g="0" b="0"/>
+        </a:fillRef>
+        <a:effectRef idx="0">
+          <a:scrgbClr r="0" g="0" b="0"/>
+        </a:effectRef>
+        <a:fontRef idx="minor">
+          <a:schemeClr val="lt1"/>
+        </a:fontRef>
+      </dsp:style>
+    </dsp:sp>
+    <dsp:sp modelId="{DFB401B8-DDCF-43AB-9E68-3F44047805B1}">
+      <dsp:nvSpPr>
+        <dsp:cNvPr id="0" name=""/>
+        <dsp:cNvSpPr/>
+      </dsp:nvSpPr>
+      <dsp:spPr>
+        <a:xfrm>
+          <a:off x="2235006" y="474449"/>
+          <a:ext cx="3759587" cy="3759587"/>
+        </a:xfrm>
+        <a:prstGeom prst="blockArc">
+          <a:avLst>
+            <a:gd name="adj1" fmla="val 771429"/>
+            <a:gd name="adj2" fmla="val 3857143"/>
+            <a:gd name="adj3" fmla="val 3906"/>
+          </a:avLst>
+        </a:prstGeom>
+        <a:solidFill>
+          <a:schemeClr val="accent1">
+            <a:tint val="60000"/>
+            <a:hueOff val="0"/>
+            <a:satOff val="0"/>
+            <a:lumOff val="0"/>
+            <a:alphaOff val="0"/>
+          </a:schemeClr>
+        </a:solidFill>
+        <a:ln>
+          <a:noFill/>
+        </a:ln>
+        <a:effectLst/>
+      </dsp:spPr>
+      <dsp:style>
+        <a:lnRef idx="0">
+          <a:scrgbClr r="0" g="0" b="0"/>
+        </a:lnRef>
+        <a:fillRef idx="1">
+          <a:scrgbClr r="0" g="0" b="0"/>
+        </a:fillRef>
+        <a:effectRef idx="0">
+          <a:scrgbClr r="0" g="0" b="0"/>
+        </a:effectRef>
+        <a:fontRef idx="minor">
+          <a:schemeClr val="lt1"/>
+        </a:fontRef>
+      </dsp:style>
+    </dsp:sp>
+    <dsp:sp modelId="{24D8591B-3162-4D1D-89AD-79C803E98548}">
+      <dsp:nvSpPr>
+        <dsp:cNvPr id="0" name=""/>
+        <dsp:cNvSpPr/>
+      </dsp:nvSpPr>
+      <dsp:spPr>
+        <a:xfrm>
+          <a:off x="2235006" y="474449"/>
+          <a:ext cx="3759587" cy="3759587"/>
+        </a:xfrm>
+        <a:prstGeom prst="blockArc">
+          <a:avLst>
+            <a:gd name="adj1" fmla="val 19285714"/>
+            <a:gd name="adj2" fmla="val 771429"/>
+            <a:gd name="adj3" fmla="val 3906"/>
+          </a:avLst>
+        </a:prstGeom>
+        <a:solidFill>
+          <a:schemeClr val="accent1">
+            <a:tint val="60000"/>
+            <a:hueOff val="0"/>
+            <a:satOff val="0"/>
+            <a:lumOff val="0"/>
+            <a:alphaOff val="0"/>
+          </a:schemeClr>
+        </a:solidFill>
+        <a:ln>
+          <a:noFill/>
+        </a:ln>
+        <a:effectLst/>
+      </dsp:spPr>
+      <dsp:style>
+        <a:lnRef idx="0">
+          <a:scrgbClr r="0" g="0" b="0"/>
+        </a:lnRef>
+        <a:fillRef idx="1">
+          <a:scrgbClr r="0" g="0" b="0"/>
+        </a:fillRef>
+        <a:effectRef idx="0">
+          <a:scrgbClr r="0" g="0" b="0"/>
+        </a:effectRef>
+        <a:fontRef idx="minor">
+          <a:schemeClr val="lt1"/>
+        </a:fontRef>
+      </dsp:style>
+    </dsp:sp>
+    <dsp:sp modelId="{A29F3CEB-48C1-4779-90F0-A060B807C94C}">
+      <dsp:nvSpPr>
+        <dsp:cNvPr id="0" name=""/>
+        <dsp:cNvSpPr/>
+      </dsp:nvSpPr>
+      <dsp:spPr>
+        <a:xfrm>
+          <a:off x="2235006" y="474449"/>
+          <a:ext cx="3759587" cy="3759587"/>
+        </a:xfrm>
+        <a:prstGeom prst="blockArc">
+          <a:avLst>
+            <a:gd name="adj1" fmla="val 16200000"/>
+            <a:gd name="adj2" fmla="val 19285714"/>
+            <a:gd name="adj3" fmla="val 3906"/>
+          </a:avLst>
+        </a:prstGeom>
+        <a:solidFill>
+          <a:schemeClr val="accent1">
+            <a:tint val="60000"/>
+            <a:hueOff val="0"/>
+            <a:satOff val="0"/>
+            <a:lumOff val="0"/>
+            <a:alphaOff val="0"/>
+          </a:schemeClr>
+        </a:solidFill>
+        <a:ln>
+          <a:noFill/>
+        </a:ln>
+        <a:effectLst/>
+      </dsp:spPr>
+      <dsp:style>
+        <a:lnRef idx="0">
+          <a:scrgbClr r="0" g="0" b="0"/>
+        </a:lnRef>
+        <a:fillRef idx="1">
+          <a:scrgbClr r="0" g="0" b="0"/>
+        </a:fillRef>
+        <a:effectRef idx="0">
+          <a:scrgbClr r="0" g="0" b="0"/>
+        </a:effectRef>
+        <a:fontRef idx="minor">
+          <a:schemeClr val="lt1"/>
+        </a:fontRef>
+      </dsp:style>
+    </dsp:sp>
+    <dsp:sp modelId="{5C3A1BB4-37EC-400B-B1E1-B1DE824681EE}">
+      <dsp:nvSpPr>
+        <dsp:cNvPr id="0" name=""/>
+        <dsp:cNvSpPr/>
+      </dsp:nvSpPr>
+      <dsp:spPr>
+        <a:xfrm>
+          <a:off x="3386472" y="1625915"/>
+          <a:ext cx="1456655" cy="1456655"/>
+        </a:xfrm>
+        <a:prstGeom prst="ellipse">
+          <a:avLst/>
+        </a:prstGeom>
+        <a:solidFill>
+          <a:schemeClr val="accent1">
+            <a:hueOff val="0"/>
+            <a:satOff val="0"/>
+            <a:lumOff val="0"/>
+            <a:alphaOff val="0"/>
+          </a:schemeClr>
+        </a:solidFill>
+        <a:ln w="25400" cap="flat" cmpd="sng" algn="ctr">
+          <a:solidFill>
+            <a:schemeClr val="lt1">
+              <a:hueOff val="0"/>
+              <a:satOff val="0"/>
+              <a:lumOff val="0"/>
+              <a:alphaOff val="0"/>
+            </a:schemeClr>
+          </a:solidFill>
+          <a:prstDash val="solid"/>
+        </a:ln>
+        <a:effectLst/>
+      </dsp:spPr>
+      <dsp:style>
+        <a:lnRef idx="2">
+          <a:scrgbClr r="0" g="0" b="0"/>
+        </a:lnRef>
+        <a:fillRef idx="1">
+          <a:scrgbClr r="0" g="0" b="0"/>
+        </a:fillRef>
+        <a:effectRef idx="0">
+          <a:scrgbClr r="0" g="0" b="0"/>
+        </a:effectRef>
+        <a:fontRef idx="minor">
+          <a:schemeClr val="lt1"/>
+        </a:fontRef>
+      </dsp:style>
+      <dsp:txBody>
+        <a:bodyPr spcFirstLastPara="0" vert="horz" wrap="square" lIns="25400" tIns="25400" rIns="25400" bIns="25400" numCol="1" spcCol="1270" anchor="ctr" anchorCtr="0">
+          <a:noAutofit/>
+        </a:bodyPr>
+        <a:lstStyle/>
+        <a:p>
+          <a:pPr lvl="0" algn="ctr" defTabSz="889000">
+            <a:lnSpc>
+              <a:spcPct val="90000"/>
+            </a:lnSpc>
+            <a:spcBef>
+              <a:spcPct val="0"/>
+            </a:spcBef>
+            <a:spcAft>
+              <a:spcPct val="35000"/>
+            </a:spcAft>
+          </a:pPr>
+          <a:r>
+            <a:rPr lang="de-DE" sz="2000" kern="1200" dirty="0" smtClean="0"/>
+            <a:t>Interesse</a:t>
+          </a:r>
+          <a:endParaRPr lang="de-DE" sz="2000" kern="1200" dirty="0"/>
+        </a:p>
+      </dsp:txBody>
+      <dsp:txXfrm>
+        <a:off x="3386472" y="1625915"/>
+        <a:ext cx="1456655" cy="1456655"/>
+      </dsp:txXfrm>
+    </dsp:sp>
+    <dsp:sp modelId="{D7D8C3F4-5433-423D-A299-A2516399C3C6}">
+      <dsp:nvSpPr>
+        <dsp:cNvPr id="0" name=""/>
+        <dsp:cNvSpPr/>
+      </dsp:nvSpPr>
+      <dsp:spPr>
+        <a:xfrm>
+          <a:off x="3604970" y="1327"/>
+          <a:ext cx="1019658" cy="1019658"/>
+        </a:xfrm>
+        <a:prstGeom prst="ellipse">
+          <a:avLst/>
+        </a:prstGeom>
+        <a:solidFill>
+          <a:schemeClr val="accent1">
+            <a:hueOff val="0"/>
+            <a:satOff val="0"/>
+            <a:lumOff val="0"/>
+            <a:alphaOff val="0"/>
+          </a:schemeClr>
+        </a:solidFill>
+        <a:ln w="25400" cap="flat" cmpd="sng" algn="ctr">
+          <a:solidFill>
+            <a:schemeClr val="lt1">
+              <a:hueOff val="0"/>
+              <a:satOff val="0"/>
+              <a:lumOff val="0"/>
+              <a:alphaOff val="0"/>
+            </a:schemeClr>
+          </a:solidFill>
+          <a:prstDash val="solid"/>
+        </a:ln>
+        <a:effectLst/>
+      </dsp:spPr>
+      <dsp:style>
+        <a:lnRef idx="2">
+          <a:scrgbClr r="0" g="0" b="0"/>
+        </a:lnRef>
+        <a:fillRef idx="1">
+          <a:scrgbClr r="0" g="0" b="0"/>
+        </a:fillRef>
+        <a:effectRef idx="0">
+          <a:scrgbClr r="0" g="0" b="0"/>
+        </a:effectRef>
+        <a:fontRef idx="minor">
+          <a:schemeClr val="lt1"/>
+        </a:fontRef>
+      </dsp:style>
+      <dsp:txBody>
+        <a:bodyPr spcFirstLastPara="0" vert="horz" wrap="square" lIns="11430" tIns="11430" rIns="11430" bIns="11430" numCol="1" spcCol="1270" anchor="ctr" anchorCtr="0">
+          <a:noAutofit/>
+        </a:bodyPr>
+        <a:lstStyle/>
+        <a:p>
+          <a:pPr lvl="0" algn="ctr" defTabSz="400050">
+            <a:lnSpc>
+              <a:spcPct val="90000"/>
+            </a:lnSpc>
+            <a:spcBef>
+              <a:spcPct val="0"/>
+            </a:spcBef>
+            <a:spcAft>
+              <a:spcPct val="35000"/>
+            </a:spcAft>
+          </a:pPr>
+          <a:r>
+            <a:rPr lang="de-DE" sz="900" kern="1200" dirty="0" smtClean="0"/>
+            <a:t>Topic: Konstante</a:t>
+          </a:r>
+          <a:endParaRPr lang="de-DE" sz="900" kern="1200" dirty="0"/>
+        </a:p>
+      </dsp:txBody>
+      <dsp:txXfrm>
+        <a:off x="3604970" y="1327"/>
+        <a:ext cx="1019658" cy="1019658"/>
+      </dsp:txXfrm>
+    </dsp:sp>
+    <dsp:sp modelId="{B115BDDF-C454-4222-93EC-75B73ECE03F0}">
+      <dsp:nvSpPr>
+        <dsp:cNvPr id="0" name=""/>
+        <dsp:cNvSpPr/>
+      </dsp:nvSpPr>
+      <dsp:spPr>
+        <a:xfrm>
+          <a:off x="5045953" y="695268"/>
+          <a:ext cx="1019658" cy="1019658"/>
+        </a:xfrm>
+        <a:prstGeom prst="ellipse">
+          <a:avLst/>
+        </a:prstGeom>
+        <a:solidFill>
+          <a:schemeClr val="accent1">
+            <a:hueOff val="0"/>
+            <a:satOff val="0"/>
+            <a:lumOff val="0"/>
+            <a:alphaOff val="0"/>
+          </a:schemeClr>
+        </a:solidFill>
+        <a:ln w="25400" cap="flat" cmpd="sng" algn="ctr">
+          <a:solidFill>
+            <a:schemeClr val="lt1">
+              <a:hueOff val="0"/>
+              <a:satOff val="0"/>
+              <a:lumOff val="0"/>
+              <a:alphaOff val="0"/>
+            </a:schemeClr>
+          </a:solidFill>
+          <a:prstDash val="solid"/>
+        </a:ln>
+        <a:effectLst/>
+      </dsp:spPr>
+      <dsp:style>
+        <a:lnRef idx="2">
+          <a:scrgbClr r="0" g="0" b="0"/>
+        </a:lnRef>
+        <a:fillRef idx="1">
+          <a:scrgbClr r="0" g="0" b="0"/>
+        </a:fillRef>
+        <a:effectRef idx="0">
+          <a:scrgbClr r="0" g="0" b="0"/>
+        </a:effectRef>
+        <a:fontRef idx="minor">
+          <a:schemeClr val="lt1"/>
+        </a:fontRef>
+      </dsp:style>
+      <dsp:txBody>
+        <a:bodyPr spcFirstLastPara="0" vert="horz" wrap="square" lIns="11430" tIns="11430" rIns="11430" bIns="11430" numCol="1" spcCol="1270" anchor="ctr" anchorCtr="0">
+          <a:noAutofit/>
+        </a:bodyPr>
+        <a:lstStyle/>
+        <a:p>
+          <a:pPr lvl="0" algn="ctr" defTabSz="400050">
+            <a:lnSpc>
+              <a:spcPct val="90000"/>
+            </a:lnSpc>
+            <a:spcBef>
+              <a:spcPct val="0"/>
+            </a:spcBef>
+            <a:spcAft>
+              <a:spcPct val="35000"/>
+            </a:spcAft>
+          </a:pPr>
+          <a:r>
+            <a:rPr lang="de-DE" sz="900" kern="1200" dirty="0" err="1" smtClean="0"/>
+            <a:t>Originator</a:t>
+          </a:r>
+          <a:r>
+            <a:rPr lang="de-DE" sz="900" kern="1200" dirty="0" smtClean="0"/>
+            <a:t>: leer</a:t>
+          </a:r>
+          <a:endParaRPr lang="de-DE" sz="900" kern="1200" dirty="0"/>
+        </a:p>
+      </dsp:txBody>
+      <dsp:txXfrm>
+        <a:off x="5045953" y="695268"/>
+        <a:ext cx="1019658" cy="1019658"/>
+      </dsp:txXfrm>
+    </dsp:sp>
+    <dsp:sp modelId="{E797E149-0758-4FB8-B3BC-6FEC26E52512}">
+      <dsp:nvSpPr>
+        <dsp:cNvPr id="0" name=""/>
+        <dsp:cNvSpPr/>
+      </dsp:nvSpPr>
+      <dsp:spPr>
+        <a:xfrm>
+          <a:off x="5401846" y="2254538"/>
+          <a:ext cx="1019658" cy="1019658"/>
+        </a:xfrm>
+        <a:prstGeom prst="ellipse">
+          <a:avLst/>
+        </a:prstGeom>
+        <a:solidFill>
+          <a:schemeClr val="accent1">
+            <a:hueOff val="0"/>
+            <a:satOff val="0"/>
+            <a:lumOff val="0"/>
+            <a:alphaOff val="0"/>
+          </a:schemeClr>
+        </a:solidFill>
+        <a:ln w="25400" cap="flat" cmpd="sng" algn="ctr">
+          <a:solidFill>
+            <a:schemeClr val="lt1">
+              <a:hueOff val="0"/>
+              <a:satOff val="0"/>
+              <a:lumOff val="0"/>
+              <a:alphaOff val="0"/>
+            </a:schemeClr>
+          </a:solidFill>
+          <a:prstDash val="solid"/>
+        </a:ln>
+        <a:effectLst/>
+      </dsp:spPr>
+      <dsp:style>
+        <a:lnRef idx="2">
+          <a:scrgbClr r="0" g="0" b="0"/>
+        </a:lnRef>
+        <a:fillRef idx="1">
+          <a:scrgbClr r="0" g="0" b="0"/>
+        </a:fillRef>
+        <a:effectRef idx="0">
+          <a:scrgbClr r="0" g="0" b="0"/>
+        </a:effectRef>
+        <a:fontRef idx="minor">
+          <a:schemeClr val="lt1"/>
+        </a:fontRef>
+      </dsp:style>
+      <dsp:txBody>
+        <a:bodyPr spcFirstLastPara="0" vert="horz" wrap="square" lIns="11430" tIns="11430" rIns="11430" bIns="11430" numCol="1" spcCol="1270" anchor="ctr" anchorCtr="0">
+          <a:noAutofit/>
+        </a:bodyPr>
+        <a:lstStyle/>
+        <a:p>
+          <a:pPr lvl="0" algn="ctr" defTabSz="400050">
+            <a:lnSpc>
+              <a:spcPct val="90000"/>
+            </a:lnSpc>
+            <a:spcBef>
+              <a:spcPct val="0"/>
+            </a:spcBef>
+            <a:spcAft>
+              <a:spcPct val="35000"/>
+            </a:spcAft>
+          </a:pPr>
+          <a:r>
+            <a:rPr lang="de-DE" sz="900" kern="1200" dirty="0" smtClean="0"/>
+            <a:t>Peers: KB Eigentümer</a:t>
+          </a:r>
+          <a:endParaRPr lang="de-DE" sz="900" kern="1200" dirty="0"/>
+        </a:p>
+      </dsp:txBody>
+      <dsp:txXfrm>
+        <a:off x="5401846" y="2254538"/>
+        <a:ext cx="1019658" cy="1019658"/>
+      </dsp:txXfrm>
+    </dsp:sp>
+    <dsp:sp modelId="{C8BC8EA8-C13E-4CFF-B5C8-7C7F532ABE0E}">
+      <dsp:nvSpPr>
+        <dsp:cNvPr id="0" name=""/>
+        <dsp:cNvSpPr/>
+      </dsp:nvSpPr>
+      <dsp:spPr>
+        <a:xfrm>
+          <a:off x="4404655" y="3504976"/>
+          <a:ext cx="1019658" cy="1019658"/>
+        </a:xfrm>
+        <a:prstGeom prst="ellipse">
+          <a:avLst/>
+        </a:prstGeom>
+        <a:solidFill>
+          <a:schemeClr val="accent1">
+            <a:hueOff val="0"/>
+            <a:satOff val="0"/>
+            <a:lumOff val="0"/>
+            <a:alphaOff val="0"/>
+          </a:schemeClr>
+        </a:solidFill>
+        <a:ln w="25400" cap="flat" cmpd="sng" algn="ctr">
+          <a:solidFill>
+            <a:schemeClr val="lt1">
+              <a:hueOff val="0"/>
+              <a:satOff val="0"/>
+              <a:lumOff val="0"/>
+              <a:alphaOff val="0"/>
+            </a:schemeClr>
+          </a:solidFill>
+          <a:prstDash val="solid"/>
+        </a:ln>
+        <a:effectLst/>
+      </dsp:spPr>
+      <dsp:style>
+        <a:lnRef idx="2">
+          <a:scrgbClr r="0" g="0" b="0"/>
+        </a:lnRef>
+        <a:fillRef idx="1">
+          <a:scrgbClr r="0" g="0" b="0"/>
+        </a:fillRef>
+        <a:effectRef idx="0">
+          <a:scrgbClr r="0" g="0" b="0"/>
+        </a:effectRef>
+        <a:fontRef idx="minor">
+          <a:schemeClr val="lt1"/>
+        </a:fontRef>
+      </dsp:style>
+      <dsp:txBody>
+        <a:bodyPr spcFirstLastPara="0" vert="horz" wrap="square" lIns="11430" tIns="11430" rIns="11430" bIns="11430" numCol="1" spcCol="1270" anchor="ctr" anchorCtr="0">
+          <a:noAutofit/>
+        </a:bodyPr>
+        <a:lstStyle/>
+        <a:p>
+          <a:pPr lvl="0" algn="ctr" defTabSz="400050">
+            <a:lnSpc>
+              <a:spcPct val="90000"/>
+            </a:lnSpc>
+            <a:spcBef>
+              <a:spcPct val="0"/>
+            </a:spcBef>
+            <a:spcAft>
+              <a:spcPct val="35000"/>
+            </a:spcAft>
+          </a:pPr>
+          <a:r>
+            <a:rPr lang="de-DE" sz="900" kern="1200" dirty="0" err="1" smtClean="0"/>
+            <a:t>RemotePeers</a:t>
+          </a:r>
+          <a:r>
+            <a:rPr lang="de-DE" sz="900" kern="1200" dirty="0" smtClean="0"/>
+            <a:t>: leer</a:t>
+          </a:r>
+          <a:endParaRPr lang="de-DE" sz="900" kern="1200" dirty="0"/>
+        </a:p>
+      </dsp:txBody>
+      <dsp:txXfrm>
+        <a:off x="4404655" y="3504976"/>
+        <a:ext cx="1019658" cy="1019658"/>
+      </dsp:txXfrm>
+    </dsp:sp>
+    <dsp:sp modelId="{7DBA7B9B-977A-489F-93B1-34F7A714000E}">
+      <dsp:nvSpPr>
+        <dsp:cNvPr id="0" name=""/>
+        <dsp:cNvSpPr/>
+      </dsp:nvSpPr>
+      <dsp:spPr>
+        <a:xfrm>
+          <a:off x="2805285" y="3504976"/>
+          <a:ext cx="1019658" cy="1019658"/>
+        </a:xfrm>
+        <a:prstGeom prst="ellipse">
+          <a:avLst/>
+        </a:prstGeom>
+        <a:solidFill>
+          <a:schemeClr val="accent1">
+            <a:hueOff val="0"/>
+            <a:satOff val="0"/>
+            <a:lumOff val="0"/>
+            <a:alphaOff val="0"/>
+          </a:schemeClr>
+        </a:solidFill>
+        <a:ln w="25400" cap="flat" cmpd="sng" algn="ctr">
+          <a:solidFill>
+            <a:schemeClr val="lt1">
+              <a:hueOff val="0"/>
+              <a:satOff val="0"/>
+              <a:lumOff val="0"/>
+              <a:alphaOff val="0"/>
+            </a:schemeClr>
+          </a:solidFill>
+          <a:prstDash val="solid"/>
+        </a:ln>
+        <a:effectLst/>
+      </dsp:spPr>
+      <dsp:style>
+        <a:lnRef idx="2">
+          <a:scrgbClr r="0" g="0" b="0"/>
+        </a:lnRef>
+        <a:fillRef idx="1">
+          <a:scrgbClr r="0" g="0" b="0"/>
+        </a:fillRef>
+        <a:effectRef idx="0">
+          <a:scrgbClr r="0" g="0" b="0"/>
+        </a:effectRef>
+        <a:fontRef idx="minor">
+          <a:schemeClr val="lt1"/>
+        </a:fontRef>
+      </dsp:style>
+      <dsp:txBody>
+        <a:bodyPr spcFirstLastPara="0" vert="horz" wrap="square" lIns="11430" tIns="11430" rIns="11430" bIns="11430" numCol="1" spcCol="1270" anchor="ctr" anchorCtr="0">
+          <a:noAutofit/>
+        </a:bodyPr>
+        <a:lstStyle/>
+        <a:p>
+          <a:pPr lvl="0" algn="ctr" defTabSz="400050">
+            <a:lnSpc>
+              <a:spcPct val="90000"/>
+            </a:lnSpc>
+            <a:spcBef>
+              <a:spcPct val="0"/>
+            </a:spcBef>
+            <a:spcAft>
+              <a:spcPct val="35000"/>
+            </a:spcAft>
+          </a:pPr>
+          <a:r>
+            <a:rPr lang="de-DE" sz="900" kern="1200" dirty="0" smtClean="0"/>
+            <a:t>Times: </a:t>
+          </a:r>
+        </a:p>
+        <a:p>
+          <a:pPr lvl="0" algn="ctr" defTabSz="400050">
+            <a:lnSpc>
+              <a:spcPct val="90000"/>
+            </a:lnSpc>
+            <a:spcBef>
+              <a:spcPct val="0"/>
+            </a:spcBef>
+            <a:spcAft>
+              <a:spcPct val="35000"/>
+            </a:spcAft>
+          </a:pPr>
+          <a:r>
+            <a:rPr lang="de-DE" sz="900" kern="1200" dirty="0" smtClean="0"/>
+            <a:t>leer</a:t>
+          </a:r>
+          <a:endParaRPr lang="de-DE" sz="900" kern="1200" dirty="0"/>
+        </a:p>
+      </dsp:txBody>
+      <dsp:txXfrm>
+        <a:off x="2805285" y="3504976"/>
+        <a:ext cx="1019658" cy="1019658"/>
+      </dsp:txXfrm>
+    </dsp:sp>
+    <dsp:sp modelId="{CBAC4FB6-AB5D-478C-B9DB-3C4BBA99FAAF}">
+      <dsp:nvSpPr>
+        <dsp:cNvPr id="0" name=""/>
+        <dsp:cNvSpPr/>
+      </dsp:nvSpPr>
+      <dsp:spPr>
+        <a:xfrm>
+          <a:off x="1808094" y="2254538"/>
+          <a:ext cx="1019658" cy="1019658"/>
+        </a:xfrm>
+        <a:prstGeom prst="ellipse">
+          <a:avLst/>
+        </a:prstGeom>
+        <a:solidFill>
+          <a:schemeClr val="accent1">
+            <a:hueOff val="0"/>
+            <a:satOff val="0"/>
+            <a:lumOff val="0"/>
+            <a:alphaOff val="0"/>
+          </a:schemeClr>
+        </a:solidFill>
+        <a:ln w="25400" cap="flat" cmpd="sng" algn="ctr">
+          <a:solidFill>
+            <a:schemeClr val="lt1">
+              <a:hueOff val="0"/>
+              <a:satOff val="0"/>
+              <a:lumOff val="0"/>
+              <a:alphaOff val="0"/>
+            </a:schemeClr>
+          </a:solidFill>
+          <a:prstDash val="solid"/>
+        </a:ln>
+        <a:effectLst/>
+      </dsp:spPr>
+      <dsp:style>
+        <a:lnRef idx="2">
+          <a:scrgbClr r="0" g="0" b="0"/>
+        </a:lnRef>
+        <a:fillRef idx="1">
+          <a:scrgbClr r="0" g="0" b="0"/>
+        </a:fillRef>
+        <a:effectRef idx="0">
+          <a:scrgbClr r="0" g="0" b="0"/>
+        </a:effectRef>
+        <a:fontRef idx="minor">
+          <a:schemeClr val="lt1"/>
+        </a:fontRef>
+      </dsp:style>
+      <dsp:txBody>
+        <a:bodyPr spcFirstLastPara="0" vert="horz" wrap="square" lIns="11430" tIns="11430" rIns="11430" bIns="11430" numCol="1" spcCol="1270" anchor="ctr" anchorCtr="0">
+          <a:noAutofit/>
+        </a:bodyPr>
+        <a:lstStyle/>
+        <a:p>
+          <a:pPr lvl="0" algn="ctr" defTabSz="400050">
+            <a:lnSpc>
+              <a:spcPct val="90000"/>
+            </a:lnSpc>
+            <a:spcBef>
+              <a:spcPct val="0"/>
+            </a:spcBef>
+            <a:spcAft>
+              <a:spcPct val="35000"/>
+            </a:spcAft>
+          </a:pPr>
+          <a:r>
+            <a:rPr lang="de-DE" sz="900" kern="1200" dirty="0" smtClean="0"/>
+            <a:t>Locations: </a:t>
+          </a:r>
+        </a:p>
+        <a:p>
+          <a:pPr lvl="0" algn="ctr" defTabSz="400050">
+            <a:lnSpc>
+              <a:spcPct val="90000"/>
+            </a:lnSpc>
+            <a:spcBef>
+              <a:spcPct val="0"/>
+            </a:spcBef>
+            <a:spcAft>
+              <a:spcPct val="35000"/>
+            </a:spcAft>
+          </a:pPr>
+          <a:r>
+            <a:rPr lang="de-DE" sz="900" kern="1200" dirty="0" smtClean="0"/>
+            <a:t>leer</a:t>
+          </a:r>
+          <a:endParaRPr lang="de-DE" sz="900" kern="1200" dirty="0"/>
+        </a:p>
+      </dsp:txBody>
+      <dsp:txXfrm>
+        <a:off x="1808094" y="2254538"/>
+        <a:ext cx="1019658" cy="1019658"/>
+      </dsp:txXfrm>
+    </dsp:sp>
+    <dsp:sp modelId="{D48DD17A-CAAC-4CEC-A104-B4EE28478FDA}">
+      <dsp:nvSpPr>
+        <dsp:cNvPr id="0" name=""/>
+        <dsp:cNvSpPr/>
+      </dsp:nvSpPr>
+      <dsp:spPr>
+        <a:xfrm>
+          <a:off x="2163988" y="695268"/>
+          <a:ext cx="1019658" cy="1019658"/>
+        </a:xfrm>
+        <a:prstGeom prst="ellipse">
+          <a:avLst/>
+        </a:prstGeom>
+        <a:solidFill>
+          <a:schemeClr val="accent1">
+            <a:hueOff val="0"/>
+            <a:satOff val="0"/>
+            <a:lumOff val="0"/>
+            <a:alphaOff val="0"/>
+          </a:schemeClr>
+        </a:solidFill>
+        <a:ln w="25400" cap="flat" cmpd="sng" algn="ctr">
+          <a:solidFill>
+            <a:schemeClr val="lt1">
+              <a:hueOff val="0"/>
+              <a:satOff val="0"/>
+              <a:lumOff val="0"/>
+              <a:alphaOff val="0"/>
+            </a:schemeClr>
+          </a:solidFill>
+          <a:prstDash val="solid"/>
+        </a:ln>
+        <a:effectLst/>
+      </dsp:spPr>
+      <dsp:style>
+        <a:lnRef idx="2">
+          <a:scrgbClr r="0" g="0" b="0"/>
+        </a:lnRef>
+        <a:fillRef idx="1">
+          <a:scrgbClr r="0" g="0" b="0"/>
+        </a:fillRef>
+        <a:effectRef idx="0">
+          <a:scrgbClr r="0" g="0" b="0"/>
+        </a:effectRef>
+        <a:fontRef idx="minor">
+          <a:schemeClr val="lt1"/>
+        </a:fontRef>
+      </dsp:style>
+      <dsp:txBody>
+        <a:bodyPr spcFirstLastPara="0" vert="horz" wrap="square" lIns="11430" tIns="11430" rIns="11430" bIns="11430" numCol="1" spcCol="1270" anchor="ctr" anchorCtr="0">
+          <a:noAutofit/>
+        </a:bodyPr>
+        <a:lstStyle/>
+        <a:p>
+          <a:pPr lvl="0" algn="ctr" defTabSz="400050">
+            <a:lnSpc>
+              <a:spcPct val="90000"/>
+            </a:lnSpc>
+            <a:spcBef>
+              <a:spcPct val="0"/>
+            </a:spcBef>
+            <a:spcAft>
+              <a:spcPct val="35000"/>
+            </a:spcAft>
+          </a:pPr>
+          <a:r>
+            <a:rPr lang="de-DE" sz="900" kern="1200" dirty="0" err="1" smtClean="0"/>
+            <a:t>Direction</a:t>
+          </a:r>
+          <a:r>
+            <a:rPr lang="de-DE" sz="900" kern="1200" dirty="0" smtClean="0"/>
+            <a:t>: </a:t>
+          </a:r>
+        </a:p>
+        <a:p>
+          <a:pPr lvl="0" algn="ctr" defTabSz="400050">
+            <a:lnSpc>
+              <a:spcPct val="90000"/>
+            </a:lnSpc>
+            <a:spcBef>
+              <a:spcPct val="0"/>
+            </a:spcBef>
+            <a:spcAft>
+              <a:spcPct val="35000"/>
+            </a:spcAft>
+          </a:pPr>
+          <a:r>
+            <a:rPr lang="de-DE" sz="900" kern="1200" dirty="0" smtClean="0"/>
+            <a:t>Out</a:t>
+          </a:r>
+          <a:endParaRPr lang="de-DE" sz="900" kern="1200" dirty="0"/>
+        </a:p>
+      </dsp:txBody>
+      <dsp:txXfrm>
+        <a:off x="2163988" y="695268"/>
+        <a:ext cx="1019658" cy="1019658"/>
+      </dsp:txXfrm>
+    </dsp:sp>
   </dsp:spTree>
 </dsp:drawing>
 </file>
@@ -15340,6 +16341,1831 @@
       <dsp:cNvGrpSpPr/>
     </dsp:nvGrpSpPr>
     <dsp:grpSpPr/>
+    <dsp:sp modelId="{688FF277-48CD-406A-9FB2-59857081459B}">
+      <dsp:nvSpPr>
+        <dsp:cNvPr id="0" name=""/>
+        <dsp:cNvSpPr/>
+      </dsp:nvSpPr>
+      <dsp:spPr>
+        <a:xfrm>
+          <a:off x="6716257" y="0"/>
+          <a:ext cx="1916622" cy="4824536"/>
+        </a:xfrm>
+        <a:prstGeom prst="roundRect">
+          <a:avLst>
+            <a:gd name="adj" fmla="val 10000"/>
+          </a:avLst>
+        </a:prstGeom>
+        <a:solidFill>
+          <a:schemeClr val="accent1">
+            <a:tint val="40000"/>
+            <a:hueOff val="0"/>
+            <a:satOff val="0"/>
+            <a:lumOff val="0"/>
+            <a:alphaOff val="0"/>
+          </a:schemeClr>
+        </a:solidFill>
+        <a:ln>
+          <a:noFill/>
+        </a:ln>
+        <a:effectLst/>
+      </dsp:spPr>
+      <dsp:style>
+        <a:lnRef idx="0">
+          <a:scrgbClr r="0" g="0" b="0"/>
+        </a:lnRef>
+        <a:fillRef idx="1">
+          <a:scrgbClr r="0" g="0" b="0"/>
+        </a:fillRef>
+        <a:effectRef idx="0">
+          <a:scrgbClr r="0" g="0" b="0"/>
+        </a:effectRef>
+        <a:fontRef idx="minor"/>
+      </dsp:style>
+      <dsp:txBody>
+        <a:bodyPr spcFirstLastPara="0" vert="horz" wrap="square" lIns="177800" tIns="177800" rIns="177800" bIns="177800" numCol="1" spcCol="1270" anchor="ctr" anchorCtr="0">
+          <a:noAutofit/>
+        </a:bodyPr>
+        <a:lstStyle/>
+        <a:p>
+          <a:pPr lvl="0" algn="ctr" defTabSz="1111250">
+            <a:lnSpc>
+              <a:spcPct val="90000"/>
+            </a:lnSpc>
+            <a:spcBef>
+              <a:spcPct val="0"/>
+            </a:spcBef>
+            <a:spcAft>
+              <a:spcPct val="35000"/>
+            </a:spcAft>
+          </a:pPr>
+          <a:r>
+            <a:rPr lang="de-DE" sz="2500" kern="1200" dirty="0" smtClean="0"/>
+            <a:t>Aktion und neuer Zustand</a:t>
+          </a:r>
+          <a:endParaRPr lang="de-DE" sz="2500" kern="1200" dirty="0"/>
+        </a:p>
+      </dsp:txBody>
+      <dsp:txXfrm>
+        <a:off x="6716257" y="0"/>
+        <a:ext cx="1916622" cy="1447360"/>
+      </dsp:txXfrm>
+    </dsp:sp>
+    <dsp:sp modelId="{4DA95782-C7D8-4007-B7C1-3F82B830ED26}">
+      <dsp:nvSpPr>
+        <dsp:cNvPr id="0" name=""/>
+        <dsp:cNvSpPr/>
+      </dsp:nvSpPr>
+      <dsp:spPr>
+        <a:xfrm>
+          <a:off x="4480198" y="0"/>
+          <a:ext cx="1916622" cy="4824536"/>
+        </a:xfrm>
+        <a:prstGeom prst="roundRect">
+          <a:avLst>
+            <a:gd name="adj" fmla="val 10000"/>
+          </a:avLst>
+        </a:prstGeom>
+        <a:solidFill>
+          <a:schemeClr val="accent1">
+            <a:tint val="40000"/>
+            <a:hueOff val="0"/>
+            <a:satOff val="0"/>
+            <a:lumOff val="0"/>
+            <a:alphaOff val="0"/>
+          </a:schemeClr>
+        </a:solidFill>
+        <a:ln>
+          <a:noFill/>
+        </a:ln>
+        <a:effectLst/>
+      </dsp:spPr>
+      <dsp:style>
+        <a:lnRef idx="0">
+          <a:scrgbClr r="0" g="0" b="0"/>
+        </a:lnRef>
+        <a:fillRef idx="1">
+          <a:scrgbClr r="0" g="0" b="0"/>
+        </a:fillRef>
+        <a:effectRef idx="0">
+          <a:scrgbClr r="0" g="0" b="0"/>
+        </a:effectRef>
+        <a:fontRef idx="minor"/>
+      </dsp:style>
+      <dsp:txBody>
+        <a:bodyPr spcFirstLastPara="0" vert="horz" wrap="square" lIns="177800" tIns="177800" rIns="177800" bIns="177800" numCol="1" spcCol="1270" anchor="ctr" anchorCtr="0">
+          <a:noAutofit/>
+        </a:bodyPr>
+        <a:lstStyle/>
+        <a:p>
+          <a:pPr lvl="0" algn="ctr" defTabSz="1111250">
+            <a:lnSpc>
+              <a:spcPct val="90000"/>
+            </a:lnSpc>
+            <a:spcBef>
+              <a:spcPct val="0"/>
+            </a:spcBef>
+            <a:spcAft>
+              <a:spcPct val="35000"/>
+            </a:spcAft>
+          </a:pPr>
+          <a:r>
+            <a:rPr lang="de-DE" sz="2500" kern="1200" dirty="0" smtClean="0"/>
+            <a:t>Action</a:t>
+          </a:r>
+          <a:endParaRPr lang="de-DE" sz="2500" kern="1200" dirty="0"/>
+        </a:p>
+      </dsp:txBody>
+      <dsp:txXfrm>
+        <a:off x="4480198" y="0"/>
+        <a:ext cx="1916622" cy="1447360"/>
+      </dsp:txXfrm>
+    </dsp:sp>
+    <dsp:sp modelId="{7D01AB83-59A1-459A-AE5E-34AA765B66E4}">
+      <dsp:nvSpPr>
+        <dsp:cNvPr id="0" name=""/>
+        <dsp:cNvSpPr/>
+      </dsp:nvSpPr>
+      <dsp:spPr>
+        <a:xfrm>
+          <a:off x="2244139" y="0"/>
+          <a:ext cx="1916622" cy="4824536"/>
+        </a:xfrm>
+        <a:prstGeom prst="roundRect">
+          <a:avLst>
+            <a:gd name="adj" fmla="val 10000"/>
+          </a:avLst>
+        </a:prstGeom>
+        <a:solidFill>
+          <a:schemeClr val="accent1">
+            <a:tint val="40000"/>
+            <a:hueOff val="0"/>
+            <a:satOff val="0"/>
+            <a:lumOff val="0"/>
+            <a:alphaOff val="0"/>
+          </a:schemeClr>
+        </a:solidFill>
+        <a:ln>
+          <a:noFill/>
+        </a:ln>
+        <a:effectLst/>
+      </dsp:spPr>
+      <dsp:style>
+        <a:lnRef idx="0">
+          <a:scrgbClr r="0" g="0" b="0"/>
+        </a:lnRef>
+        <a:fillRef idx="1">
+          <a:scrgbClr r="0" g="0" b="0"/>
+        </a:fillRef>
+        <a:effectRef idx="0">
+          <a:scrgbClr r="0" g="0" b="0"/>
+        </a:effectRef>
+        <a:fontRef idx="minor"/>
+      </dsp:style>
+      <dsp:txBody>
+        <a:bodyPr spcFirstLastPara="0" vert="horz" wrap="square" lIns="177800" tIns="177800" rIns="177800" bIns="177800" numCol="1" spcCol="1270" anchor="ctr" anchorCtr="0">
+          <a:noAutofit/>
+        </a:bodyPr>
+        <a:lstStyle/>
+        <a:p>
+          <a:pPr lvl="0" algn="ctr" defTabSz="1111250">
+            <a:lnSpc>
+              <a:spcPct val="90000"/>
+            </a:lnSpc>
+            <a:spcBef>
+              <a:spcPct val="0"/>
+            </a:spcBef>
+            <a:spcAft>
+              <a:spcPct val="35000"/>
+            </a:spcAft>
+          </a:pPr>
+          <a:r>
+            <a:rPr lang="de-DE" sz="2500" kern="1200" dirty="0" smtClean="0"/>
+            <a:t>Zustand</a:t>
+          </a:r>
+          <a:endParaRPr lang="de-DE" sz="2500" kern="1200" dirty="0"/>
+        </a:p>
+      </dsp:txBody>
+      <dsp:txXfrm>
+        <a:off x="2244139" y="0"/>
+        <a:ext cx="1916622" cy="1447360"/>
+      </dsp:txXfrm>
+    </dsp:sp>
+    <dsp:sp modelId="{91015EBC-D7CF-4393-98E0-D6CF6B46392F}">
+      <dsp:nvSpPr>
+        <dsp:cNvPr id="0" name=""/>
+        <dsp:cNvSpPr/>
+      </dsp:nvSpPr>
+      <dsp:spPr>
+        <a:xfrm>
+          <a:off x="8079" y="0"/>
+          <a:ext cx="1916622" cy="4824536"/>
+        </a:xfrm>
+        <a:prstGeom prst="roundRect">
+          <a:avLst>
+            <a:gd name="adj" fmla="val 10000"/>
+          </a:avLst>
+        </a:prstGeom>
+        <a:solidFill>
+          <a:schemeClr val="accent1">
+            <a:tint val="40000"/>
+            <a:hueOff val="0"/>
+            <a:satOff val="0"/>
+            <a:lumOff val="0"/>
+            <a:alphaOff val="0"/>
+          </a:schemeClr>
+        </a:solidFill>
+        <a:ln>
+          <a:noFill/>
+        </a:ln>
+        <a:effectLst/>
+      </dsp:spPr>
+      <dsp:style>
+        <a:lnRef idx="0">
+          <a:scrgbClr r="0" g="0" b="0"/>
+        </a:lnRef>
+        <a:fillRef idx="1">
+          <a:scrgbClr r="0" g="0" b="0"/>
+        </a:fillRef>
+        <a:effectRef idx="0">
+          <a:scrgbClr r="0" g="0" b="0"/>
+        </a:effectRef>
+        <a:fontRef idx="minor"/>
+      </dsp:style>
+      <dsp:txBody>
+        <a:bodyPr spcFirstLastPara="0" vert="horz" wrap="square" lIns="177800" tIns="177800" rIns="177800" bIns="177800" numCol="1" spcCol="1270" anchor="ctr" anchorCtr="0">
+          <a:noAutofit/>
+        </a:bodyPr>
+        <a:lstStyle/>
+        <a:p>
+          <a:pPr lvl="0" algn="ctr" defTabSz="1111250">
+            <a:lnSpc>
+              <a:spcPct val="90000"/>
+            </a:lnSpc>
+            <a:spcBef>
+              <a:spcPct val="0"/>
+            </a:spcBef>
+            <a:spcAft>
+              <a:spcPct val="35000"/>
+            </a:spcAft>
+          </a:pPr>
+          <a:r>
+            <a:rPr lang="de-DE" sz="2500" kern="1200" dirty="0" smtClean="0"/>
+            <a:t>Prüfung</a:t>
+          </a:r>
+          <a:endParaRPr lang="de-DE" sz="2500" kern="1200" dirty="0"/>
+        </a:p>
+      </dsp:txBody>
+      <dsp:txXfrm>
+        <a:off x="8079" y="0"/>
+        <a:ext cx="1916622" cy="1447360"/>
+      </dsp:txXfrm>
+    </dsp:sp>
+    <dsp:sp modelId="{DC60E126-9BB4-4941-8BB4-B5C345813139}">
+      <dsp:nvSpPr>
+        <dsp:cNvPr id="0" name=""/>
+        <dsp:cNvSpPr/>
+      </dsp:nvSpPr>
+      <dsp:spPr>
+        <a:xfrm>
+          <a:off x="167798" y="2640161"/>
+          <a:ext cx="1597185" cy="798592"/>
+        </a:xfrm>
+        <a:prstGeom prst="roundRect">
+          <a:avLst>
+            <a:gd name="adj" fmla="val 10000"/>
+          </a:avLst>
+        </a:prstGeom>
+        <a:solidFill>
+          <a:schemeClr val="accent1">
+            <a:hueOff val="0"/>
+            <a:satOff val="0"/>
+            <a:lumOff val="0"/>
+            <a:alphaOff val="0"/>
+          </a:schemeClr>
+        </a:solidFill>
+        <a:ln w="25400" cap="flat" cmpd="sng" algn="ctr">
+          <a:solidFill>
+            <a:schemeClr val="lt1">
+              <a:hueOff val="0"/>
+              <a:satOff val="0"/>
+              <a:lumOff val="0"/>
+              <a:alphaOff val="0"/>
+            </a:schemeClr>
+          </a:solidFill>
+          <a:prstDash val="solid"/>
+        </a:ln>
+        <a:effectLst/>
+      </dsp:spPr>
+      <dsp:style>
+        <a:lnRef idx="2">
+          <a:scrgbClr r="0" g="0" b="0"/>
+        </a:lnRef>
+        <a:fillRef idx="1">
+          <a:scrgbClr r="0" g="0" b="0"/>
+        </a:fillRef>
+        <a:effectRef idx="0">
+          <a:scrgbClr r="0" g="0" b="0"/>
+        </a:effectRef>
+        <a:fontRef idx="minor">
+          <a:schemeClr val="lt1"/>
+        </a:fontRef>
+      </dsp:style>
+      <dsp:txBody>
+        <a:bodyPr spcFirstLastPara="0" vert="horz" wrap="square" lIns="10160" tIns="10160" rIns="10160" bIns="10160" numCol="1" spcCol="1270" anchor="ctr" anchorCtr="0">
+          <a:noAutofit/>
+        </a:bodyPr>
+        <a:lstStyle/>
+        <a:p>
+          <a:pPr lvl="0" algn="ctr" defTabSz="711200">
+            <a:lnSpc>
+              <a:spcPct val="90000"/>
+            </a:lnSpc>
+            <a:spcBef>
+              <a:spcPct val="0"/>
+            </a:spcBef>
+            <a:spcAft>
+              <a:spcPct val="35000"/>
+            </a:spcAft>
+          </a:pPr>
+          <a:r>
+            <a:rPr lang="de-DE" sz="1600" kern="1200" smtClean="0"/>
+            <a:t>SyncKP Interesse?</a:t>
+          </a:r>
+          <a:endParaRPr lang="de-DE" sz="1600" kern="1200" dirty="0"/>
+        </a:p>
+      </dsp:txBody>
+      <dsp:txXfrm>
+        <a:off x="167798" y="2640161"/>
+        <a:ext cx="1597185" cy="798592"/>
+      </dsp:txXfrm>
+    </dsp:sp>
+    <dsp:sp modelId="{E7F7931E-C13B-4AE4-8534-6EBFBBE432DF}">
+      <dsp:nvSpPr>
+        <dsp:cNvPr id="0" name=""/>
+        <dsp:cNvSpPr/>
+      </dsp:nvSpPr>
+      <dsp:spPr>
+        <a:xfrm rot="18289469">
+          <a:off x="1525049" y="2565369"/>
+          <a:ext cx="1118742" cy="29794"/>
+        </a:xfrm>
+        <a:custGeom>
+          <a:avLst/>
+          <a:gdLst/>
+          <a:ahLst/>
+          <a:cxnLst/>
+          <a:rect l="0" t="0" r="0" b="0"/>
+          <a:pathLst>
+            <a:path>
+              <a:moveTo>
+                <a:pt x="0" y="14897"/>
+              </a:moveTo>
+              <a:lnTo>
+                <a:pt x="1118742" y="14897"/>
+              </a:lnTo>
+            </a:path>
+          </a:pathLst>
+        </a:custGeom>
+        <a:noFill/>
+        <a:ln w="25400" cap="flat" cmpd="sng" algn="ctr">
+          <a:solidFill>
+            <a:schemeClr val="accent1">
+              <a:shade val="60000"/>
+              <a:hueOff val="0"/>
+              <a:satOff val="0"/>
+              <a:lumOff val="0"/>
+              <a:alphaOff val="0"/>
+            </a:schemeClr>
+          </a:solidFill>
+          <a:prstDash val="solid"/>
+        </a:ln>
+        <a:effectLst/>
+      </dsp:spPr>
+      <dsp:style>
+        <a:lnRef idx="2">
+          <a:scrgbClr r="0" g="0" b="0"/>
+        </a:lnRef>
+        <a:fillRef idx="0">
+          <a:scrgbClr r="0" g="0" b="0"/>
+        </a:fillRef>
+        <a:effectRef idx="0">
+          <a:scrgbClr r="0" g="0" b="0"/>
+        </a:effectRef>
+        <a:fontRef idx="minor"/>
+      </dsp:style>
+      <dsp:txBody>
+        <a:bodyPr spcFirstLastPara="0" vert="horz" wrap="square" lIns="12700" tIns="0" rIns="12700" bIns="0" numCol="1" spcCol="1270" anchor="ctr" anchorCtr="0">
+          <a:noAutofit/>
+        </a:bodyPr>
+        <a:lstStyle/>
+        <a:p>
+          <a:pPr lvl="0" algn="ctr" defTabSz="222250">
+            <a:lnSpc>
+              <a:spcPct val="90000"/>
+            </a:lnSpc>
+            <a:spcBef>
+              <a:spcPct val="0"/>
+            </a:spcBef>
+            <a:spcAft>
+              <a:spcPct val="35000"/>
+            </a:spcAft>
+          </a:pPr>
+          <a:endParaRPr lang="de-DE" sz="500" kern="1200"/>
+        </a:p>
+      </dsp:txBody>
+      <dsp:txXfrm rot="18289469">
+        <a:off x="2056452" y="2552298"/>
+        <a:ext cx="55937" cy="55937"/>
+      </dsp:txXfrm>
+    </dsp:sp>
+    <dsp:sp modelId="{6B9353A7-187D-4EEF-AEC6-F4C9A173F7C3}">
+      <dsp:nvSpPr>
+        <dsp:cNvPr id="0" name=""/>
+        <dsp:cNvSpPr/>
+      </dsp:nvSpPr>
+      <dsp:spPr>
+        <a:xfrm>
+          <a:off x="2403857" y="1721779"/>
+          <a:ext cx="1597185" cy="798592"/>
+        </a:xfrm>
+        <a:prstGeom prst="roundRect">
+          <a:avLst>
+            <a:gd name="adj" fmla="val 10000"/>
+          </a:avLst>
+        </a:prstGeom>
+        <a:solidFill>
+          <a:schemeClr val="accent1">
+            <a:hueOff val="0"/>
+            <a:satOff val="0"/>
+            <a:lumOff val="0"/>
+            <a:alphaOff val="0"/>
+          </a:schemeClr>
+        </a:solidFill>
+        <a:ln w="25400" cap="flat" cmpd="sng" algn="ctr">
+          <a:solidFill>
+            <a:schemeClr val="lt1">
+              <a:hueOff val="0"/>
+              <a:satOff val="0"/>
+              <a:lumOff val="0"/>
+              <a:alphaOff val="0"/>
+            </a:schemeClr>
+          </a:solidFill>
+          <a:prstDash val="solid"/>
+        </a:ln>
+        <a:effectLst/>
+      </dsp:spPr>
+      <dsp:style>
+        <a:lnRef idx="2">
+          <a:scrgbClr r="0" g="0" b="0"/>
+        </a:lnRef>
+        <a:fillRef idx="1">
+          <a:scrgbClr r="0" g="0" b="0"/>
+        </a:fillRef>
+        <a:effectRef idx="0">
+          <a:scrgbClr r="0" g="0" b="0"/>
+        </a:effectRef>
+        <a:fontRef idx="minor">
+          <a:schemeClr val="lt1"/>
+        </a:fontRef>
+      </dsp:style>
+      <dsp:txBody>
+        <a:bodyPr spcFirstLastPara="0" vert="horz" wrap="square" lIns="10160" tIns="10160" rIns="10160" bIns="10160" numCol="1" spcCol="1270" anchor="ctr" anchorCtr="0">
+          <a:noAutofit/>
+        </a:bodyPr>
+        <a:lstStyle/>
+        <a:p>
+          <a:pPr lvl="0" algn="ctr" defTabSz="711200">
+            <a:lnSpc>
+              <a:spcPct val="90000"/>
+            </a:lnSpc>
+            <a:spcBef>
+              <a:spcPct val="0"/>
+            </a:spcBef>
+            <a:spcAft>
+              <a:spcPct val="35000"/>
+            </a:spcAft>
+          </a:pPr>
+          <a:r>
+            <a:rPr lang="de-DE" sz="1600" kern="1200" dirty="0" smtClean="0"/>
+            <a:t>Default</a:t>
+          </a:r>
+          <a:endParaRPr lang="de-DE" sz="1600" kern="1200" dirty="0"/>
+        </a:p>
+      </dsp:txBody>
+      <dsp:txXfrm>
+        <a:off x="2403857" y="1721779"/>
+        <a:ext cx="1597185" cy="798592"/>
+      </dsp:txXfrm>
+    </dsp:sp>
+    <dsp:sp modelId="{34C3F496-3EC4-4896-B1A5-6352FC54A624}">
+      <dsp:nvSpPr>
+        <dsp:cNvPr id="0" name=""/>
+        <dsp:cNvSpPr/>
+      </dsp:nvSpPr>
+      <dsp:spPr>
+        <a:xfrm>
+          <a:off x="4001042" y="2106178"/>
+          <a:ext cx="638874" cy="29794"/>
+        </a:xfrm>
+        <a:custGeom>
+          <a:avLst/>
+          <a:gdLst/>
+          <a:ahLst/>
+          <a:cxnLst/>
+          <a:rect l="0" t="0" r="0" b="0"/>
+          <a:pathLst>
+            <a:path>
+              <a:moveTo>
+                <a:pt x="0" y="14897"/>
+              </a:moveTo>
+              <a:lnTo>
+                <a:pt x="638874" y="14897"/>
+              </a:lnTo>
+            </a:path>
+          </a:pathLst>
+        </a:custGeom>
+        <a:noFill/>
+        <a:ln w="25400" cap="flat" cmpd="sng" algn="ctr">
+          <a:solidFill>
+            <a:schemeClr val="accent1">
+              <a:shade val="80000"/>
+              <a:hueOff val="0"/>
+              <a:satOff val="0"/>
+              <a:lumOff val="0"/>
+              <a:alphaOff val="0"/>
+            </a:schemeClr>
+          </a:solidFill>
+          <a:prstDash val="solid"/>
+        </a:ln>
+        <a:effectLst/>
+      </dsp:spPr>
+      <dsp:style>
+        <a:lnRef idx="2">
+          <a:scrgbClr r="0" g="0" b="0"/>
+        </a:lnRef>
+        <a:fillRef idx="0">
+          <a:scrgbClr r="0" g="0" b="0"/>
+        </a:fillRef>
+        <a:effectRef idx="0">
+          <a:scrgbClr r="0" g="0" b="0"/>
+        </a:effectRef>
+        <a:fontRef idx="minor"/>
+      </dsp:style>
+      <dsp:txBody>
+        <a:bodyPr spcFirstLastPara="0" vert="horz" wrap="square" lIns="12700" tIns="0" rIns="12700" bIns="0" numCol="1" spcCol="1270" anchor="ctr" anchorCtr="0">
+          <a:noAutofit/>
+        </a:bodyPr>
+        <a:lstStyle/>
+        <a:p>
+          <a:pPr lvl="0" algn="ctr" defTabSz="222250">
+            <a:lnSpc>
+              <a:spcPct val="90000"/>
+            </a:lnSpc>
+            <a:spcBef>
+              <a:spcPct val="0"/>
+            </a:spcBef>
+            <a:spcAft>
+              <a:spcPct val="35000"/>
+            </a:spcAft>
+          </a:pPr>
+          <a:endParaRPr lang="de-DE" sz="500" kern="1200"/>
+        </a:p>
+      </dsp:txBody>
+      <dsp:txXfrm>
+        <a:off x="4304508" y="2105104"/>
+        <a:ext cx="31943" cy="31943"/>
+      </dsp:txXfrm>
+    </dsp:sp>
+    <dsp:sp modelId="{9B3EA50A-F29D-43D1-A914-4FD36A94D2EA}">
+      <dsp:nvSpPr>
+        <dsp:cNvPr id="0" name=""/>
+        <dsp:cNvSpPr/>
+      </dsp:nvSpPr>
+      <dsp:spPr>
+        <a:xfrm>
+          <a:off x="4639917" y="1721779"/>
+          <a:ext cx="1597185" cy="798592"/>
+        </a:xfrm>
+        <a:prstGeom prst="roundRect">
+          <a:avLst>
+            <a:gd name="adj" fmla="val 10000"/>
+          </a:avLst>
+        </a:prstGeom>
+        <a:solidFill>
+          <a:schemeClr val="accent1">
+            <a:hueOff val="0"/>
+            <a:satOff val="0"/>
+            <a:lumOff val="0"/>
+            <a:alphaOff val="0"/>
+          </a:schemeClr>
+        </a:solidFill>
+        <a:ln w="25400" cap="flat" cmpd="sng" algn="ctr">
+          <a:solidFill>
+            <a:schemeClr val="lt1">
+              <a:hueOff val="0"/>
+              <a:satOff val="0"/>
+              <a:lumOff val="0"/>
+              <a:alphaOff val="0"/>
+            </a:schemeClr>
+          </a:solidFill>
+          <a:prstDash val="solid"/>
+        </a:ln>
+        <a:effectLst/>
+      </dsp:spPr>
+      <dsp:style>
+        <a:lnRef idx="2">
+          <a:scrgbClr r="0" g="0" b="0"/>
+        </a:lnRef>
+        <a:fillRef idx="1">
+          <a:scrgbClr r="0" g="0" b="0"/>
+        </a:fillRef>
+        <a:effectRef idx="0">
+          <a:scrgbClr r="0" g="0" b="0"/>
+        </a:effectRef>
+        <a:fontRef idx="minor">
+          <a:schemeClr val="lt1"/>
+        </a:fontRef>
+      </dsp:style>
+      <dsp:txBody>
+        <a:bodyPr spcFirstLastPara="0" vert="horz" wrap="square" lIns="10160" tIns="10160" rIns="10160" bIns="10160" numCol="1" spcCol="1270" anchor="ctr" anchorCtr="0">
+          <a:noAutofit/>
+        </a:bodyPr>
+        <a:lstStyle/>
+        <a:p>
+          <a:pPr lvl="0" algn="ctr" defTabSz="711200">
+            <a:lnSpc>
+              <a:spcPct val="90000"/>
+            </a:lnSpc>
+            <a:spcBef>
+              <a:spcPct val="0"/>
+            </a:spcBef>
+            <a:spcAft>
+              <a:spcPct val="35000"/>
+            </a:spcAft>
+          </a:pPr>
+          <a:r>
+            <a:rPr lang="de-DE" sz="1600" kern="1200" dirty="0" smtClean="0"/>
+            <a:t>Liste von </a:t>
+          </a:r>
+          <a:r>
+            <a:rPr lang="de-DE" sz="1600" kern="1200" dirty="0" err="1" smtClean="0"/>
+            <a:t>ContextPoint</a:t>
+          </a:r>
+          <a:r>
+            <a:rPr lang="de-DE" sz="1600" kern="1200" dirty="0" smtClean="0"/>
+            <a:t> anbieten</a:t>
+          </a:r>
+          <a:endParaRPr lang="de-DE" sz="1600" kern="1200" dirty="0"/>
+        </a:p>
+      </dsp:txBody>
+      <dsp:txXfrm>
+        <a:off x="4639917" y="1721779"/>
+        <a:ext cx="1597185" cy="798592"/>
+      </dsp:txXfrm>
+    </dsp:sp>
+    <dsp:sp modelId="{B2A86A3E-28C6-4C72-BC29-758440255986}">
+      <dsp:nvSpPr>
+        <dsp:cNvPr id="0" name=""/>
+        <dsp:cNvSpPr/>
+      </dsp:nvSpPr>
+      <dsp:spPr>
+        <a:xfrm>
+          <a:off x="6237102" y="2106178"/>
+          <a:ext cx="638874" cy="29794"/>
+        </a:xfrm>
+        <a:custGeom>
+          <a:avLst/>
+          <a:gdLst/>
+          <a:ahLst/>
+          <a:cxnLst/>
+          <a:rect l="0" t="0" r="0" b="0"/>
+          <a:pathLst>
+            <a:path>
+              <a:moveTo>
+                <a:pt x="0" y="14897"/>
+              </a:moveTo>
+              <a:lnTo>
+                <a:pt x="638874" y="14897"/>
+              </a:lnTo>
+            </a:path>
+          </a:pathLst>
+        </a:custGeom>
+        <a:noFill/>
+        <a:ln w="25400" cap="flat" cmpd="sng" algn="ctr">
+          <a:solidFill>
+            <a:schemeClr val="accent1">
+              <a:shade val="80000"/>
+              <a:hueOff val="0"/>
+              <a:satOff val="0"/>
+              <a:lumOff val="0"/>
+              <a:alphaOff val="0"/>
+            </a:schemeClr>
+          </a:solidFill>
+          <a:prstDash val="solid"/>
+        </a:ln>
+        <a:effectLst/>
+      </dsp:spPr>
+      <dsp:style>
+        <a:lnRef idx="2">
+          <a:scrgbClr r="0" g="0" b="0"/>
+        </a:lnRef>
+        <a:fillRef idx="0">
+          <a:scrgbClr r="0" g="0" b="0"/>
+        </a:fillRef>
+        <a:effectRef idx="0">
+          <a:scrgbClr r="0" g="0" b="0"/>
+        </a:effectRef>
+        <a:fontRef idx="minor"/>
+      </dsp:style>
+      <dsp:txBody>
+        <a:bodyPr spcFirstLastPara="0" vert="horz" wrap="square" lIns="12700" tIns="0" rIns="12700" bIns="0" numCol="1" spcCol="1270" anchor="ctr" anchorCtr="0">
+          <a:noAutofit/>
+        </a:bodyPr>
+        <a:lstStyle/>
+        <a:p>
+          <a:pPr lvl="0" algn="ctr" defTabSz="222250">
+            <a:lnSpc>
+              <a:spcPct val="90000"/>
+            </a:lnSpc>
+            <a:spcBef>
+              <a:spcPct val="0"/>
+            </a:spcBef>
+            <a:spcAft>
+              <a:spcPct val="35000"/>
+            </a:spcAft>
+          </a:pPr>
+          <a:endParaRPr lang="de-DE" sz="500" kern="1200"/>
+        </a:p>
+      </dsp:txBody>
+      <dsp:txXfrm>
+        <a:off x="6540567" y="2105104"/>
+        <a:ext cx="31943" cy="31943"/>
+      </dsp:txXfrm>
+    </dsp:sp>
+    <dsp:sp modelId="{0C0360A7-0836-42E1-A874-127D4681C459}">
+      <dsp:nvSpPr>
+        <dsp:cNvPr id="0" name=""/>
+        <dsp:cNvSpPr/>
+      </dsp:nvSpPr>
+      <dsp:spPr>
+        <a:xfrm>
+          <a:off x="6875976" y="1721779"/>
+          <a:ext cx="1597185" cy="798592"/>
+        </a:xfrm>
+        <a:prstGeom prst="roundRect">
+          <a:avLst>
+            <a:gd name="adj" fmla="val 10000"/>
+          </a:avLst>
+        </a:prstGeom>
+        <a:solidFill>
+          <a:schemeClr val="accent1">
+            <a:hueOff val="0"/>
+            <a:satOff val="0"/>
+            <a:lumOff val="0"/>
+            <a:alphaOff val="0"/>
+          </a:schemeClr>
+        </a:solidFill>
+        <a:ln w="25400" cap="flat" cmpd="sng" algn="ctr">
+          <a:solidFill>
+            <a:schemeClr val="lt1">
+              <a:hueOff val="0"/>
+              <a:satOff val="0"/>
+              <a:lumOff val="0"/>
+              <a:alphaOff val="0"/>
+            </a:schemeClr>
+          </a:solidFill>
+          <a:prstDash val="solid"/>
+        </a:ln>
+        <a:effectLst/>
+      </dsp:spPr>
+      <dsp:style>
+        <a:lnRef idx="2">
+          <a:scrgbClr r="0" g="0" b="0"/>
+        </a:lnRef>
+        <a:fillRef idx="1">
+          <a:scrgbClr r="0" g="0" b="0"/>
+        </a:fillRef>
+        <a:effectRef idx="0">
+          <a:scrgbClr r="0" g="0" b="0"/>
+        </a:effectRef>
+        <a:fontRef idx="minor">
+          <a:schemeClr val="lt1"/>
+        </a:fontRef>
+      </dsp:style>
+      <dsp:txBody>
+        <a:bodyPr spcFirstLastPara="0" vert="horz" wrap="square" lIns="10160" tIns="10160" rIns="10160" bIns="10160" numCol="1" spcCol="1270" anchor="ctr" anchorCtr="0">
+          <a:noAutofit/>
+        </a:bodyPr>
+        <a:lstStyle/>
+        <a:p>
+          <a:pPr lvl="0" algn="ctr" defTabSz="711200">
+            <a:lnSpc>
+              <a:spcPct val="90000"/>
+            </a:lnSpc>
+            <a:spcBef>
+              <a:spcPct val="0"/>
+            </a:spcBef>
+            <a:spcAft>
+              <a:spcPct val="35000"/>
+            </a:spcAft>
+          </a:pPr>
+          <a:r>
+            <a:rPr lang="de-DE" sz="1600" kern="1200" dirty="0" err="1" smtClean="0"/>
+            <a:t>Expose</a:t>
+          </a:r>
+          <a:r>
+            <a:rPr lang="de-DE" sz="1600" kern="1200" dirty="0" smtClean="0"/>
+            <a:t> </a:t>
+          </a:r>
+          <a:r>
+            <a:rPr lang="de-DE" sz="1600" kern="1200" dirty="0" smtClean="0">
+              <a:sym typeface="Wingdings" panose="05000000000000000000" pitchFamily="2" charset="2"/>
+            </a:rPr>
+            <a:t></a:t>
+          </a:r>
+          <a:r>
+            <a:rPr lang="de-DE" sz="1600" kern="1200" dirty="0" err="1" smtClean="0"/>
+            <a:t>Offer</a:t>
+          </a:r>
+          <a:endParaRPr lang="de-DE" sz="1600" kern="1200" dirty="0"/>
+        </a:p>
+      </dsp:txBody>
+      <dsp:txXfrm>
+        <a:off x="6875976" y="1721779"/>
+        <a:ext cx="1597185" cy="798592"/>
+      </dsp:txXfrm>
+    </dsp:sp>
+    <dsp:sp modelId="{FD5E4862-4318-4F3E-8E22-18B93A26F20C}">
+      <dsp:nvSpPr>
+        <dsp:cNvPr id="0" name=""/>
+        <dsp:cNvSpPr/>
+      </dsp:nvSpPr>
+      <dsp:spPr>
+        <a:xfrm>
+          <a:off x="1764983" y="3024560"/>
+          <a:ext cx="638874" cy="29794"/>
+        </a:xfrm>
+        <a:custGeom>
+          <a:avLst/>
+          <a:gdLst/>
+          <a:ahLst/>
+          <a:cxnLst/>
+          <a:rect l="0" t="0" r="0" b="0"/>
+          <a:pathLst>
+            <a:path>
+              <a:moveTo>
+                <a:pt x="0" y="14897"/>
+              </a:moveTo>
+              <a:lnTo>
+                <a:pt x="638874" y="14897"/>
+              </a:lnTo>
+            </a:path>
+          </a:pathLst>
+        </a:custGeom>
+        <a:noFill/>
+        <a:ln w="25400" cap="flat" cmpd="sng" algn="ctr">
+          <a:solidFill>
+            <a:schemeClr val="accent1">
+              <a:shade val="60000"/>
+              <a:hueOff val="0"/>
+              <a:satOff val="0"/>
+              <a:lumOff val="0"/>
+              <a:alphaOff val="0"/>
+            </a:schemeClr>
+          </a:solidFill>
+          <a:prstDash val="solid"/>
+        </a:ln>
+        <a:effectLst/>
+      </dsp:spPr>
+      <dsp:style>
+        <a:lnRef idx="2">
+          <a:scrgbClr r="0" g="0" b="0"/>
+        </a:lnRef>
+        <a:fillRef idx="0">
+          <a:scrgbClr r="0" g="0" b="0"/>
+        </a:fillRef>
+        <a:effectRef idx="0">
+          <a:scrgbClr r="0" g="0" b="0"/>
+        </a:effectRef>
+        <a:fontRef idx="minor"/>
+      </dsp:style>
+      <dsp:txBody>
+        <a:bodyPr spcFirstLastPara="0" vert="horz" wrap="square" lIns="12700" tIns="0" rIns="12700" bIns="0" numCol="1" spcCol="1270" anchor="ctr" anchorCtr="0">
+          <a:noAutofit/>
+        </a:bodyPr>
+        <a:lstStyle/>
+        <a:p>
+          <a:pPr lvl="0" algn="ctr" defTabSz="222250">
+            <a:lnSpc>
+              <a:spcPct val="90000"/>
+            </a:lnSpc>
+            <a:spcBef>
+              <a:spcPct val="0"/>
+            </a:spcBef>
+            <a:spcAft>
+              <a:spcPct val="35000"/>
+            </a:spcAft>
+          </a:pPr>
+          <a:endParaRPr lang="de-DE" sz="500" kern="1200"/>
+        </a:p>
+      </dsp:txBody>
+      <dsp:txXfrm>
+        <a:off x="2068448" y="3023485"/>
+        <a:ext cx="31943" cy="31943"/>
+      </dsp:txXfrm>
+    </dsp:sp>
+    <dsp:sp modelId="{C789B13C-A4AA-498D-82A0-498D2AE5F347}">
+      <dsp:nvSpPr>
+        <dsp:cNvPr id="0" name=""/>
+        <dsp:cNvSpPr/>
+      </dsp:nvSpPr>
+      <dsp:spPr>
+        <a:xfrm>
+          <a:off x="2403857" y="2640161"/>
+          <a:ext cx="1597185" cy="798592"/>
+        </a:xfrm>
+        <a:prstGeom prst="roundRect">
+          <a:avLst>
+            <a:gd name="adj" fmla="val 10000"/>
+          </a:avLst>
+        </a:prstGeom>
+        <a:solidFill>
+          <a:schemeClr val="accent1">
+            <a:hueOff val="0"/>
+            <a:satOff val="0"/>
+            <a:lumOff val="0"/>
+            <a:alphaOff val="0"/>
+          </a:schemeClr>
+        </a:solidFill>
+        <a:ln w="25400" cap="flat" cmpd="sng" algn="ctr">
+          <a:solidFill>
+            <a:schemeClr val="lt1">
+              <a:hueOff val="0"/>
+              <a:satOff val="0"/>
+              <a:lumOff val="0"/>
+              <a:alphaOff val="0"/>
+            </a:schemeClr>
+          </a:solidFill>
+          <a:prstDash val="solid"/>
+        </a:ln>
+        <a:effectLst/>
+      </dsp:spPr>
+      <dsp:style>
+        <a:lnRef idx="2">
+          <a:scrgbClr r="0" g="0" b="0"/>
+        </a:lnRef>
+        <a:fillRef idx="1">
+          <a:scrgbClr r="0" g="0" b="0"/>
+        </a:fillRef>
+        <a:effectRef idx="0">
+          <a:scrgbClr r="0" g="0" b="0"/>
+        </a:effectRef>
+        <a:fontRef idx="minor">
+          <a:schemeClr val="lt1"/>
+        </a:fontRef>
+      </dsp:style>
+      <dsp:txBody>
+        <a:bodyPr spcFirstLastPara="0" vert="horz" wrap="square" lIns="10160" tIns="10160" rIns="10160" bIns="10160" numCol="1" spcCol="1270" anchor="ctr" anchorCtr="0">
+          <a:noAutofit/>
+        </a:bodyPr>
+        <a:lstStyle/>
+        <a:p>
+          <a:pPr lvl="0" algn="ctr" defTabSz="711200">
+            <a:lnSpc>
+              <a:spcPct val="90000"/>
+            </a:lnSpc>
+            <a:spcBef>
+              <a:spcPct val="0"/>
+            </a:spcBef>
+            <a:spcAft>
+              <a:spcPct val="35000"/>
+            </a:spcAft>
+          </a:pPr>
+          <a:r>
+            <a:rPr lang="de-DE" sz="1600" kern="1200" dirty="0" err="1" smtClean="0"/>
+            <a:t>Offer</a:t>
+          </a:r>
+          <a:endParaRPr lang="de-DE" sz="1600" kern="1200" dirty="0"/>
+        </a:p>
+      </dsp:txBody>
+      <dsp:txXfrm>
+        <a:off x="2403857" y="2640161"/>
+        <a:ext cx="1597185" cy="798592"/>
+      </dsp:txXfrm>
+    </dsp:sp>
+    <dsp:sp modelId="{5786C5E5-4A3B-48F4-99E3-76237C99C402}">
+      <dsp:nvSpPr>
+        <dsp:cNvPr id="0" name=""/>
+        <dsp:cNvSpPr/>
+      </dsp:nvSpPr>
+      <dsp:spPr>
+        <a:xfrm>
+          <a:off x="4001042" y="3024560"/>
+          <a:ext cx="638874" cy="29794"/>
+        </a:xfrm>
+        <a:custGeom>
+          <a:avLst/>
+          <a:gdLst/>
+          <a:ahLst/>
+          <a:cxnLst/>
+          <a:rect l="0" t="0" r="0" b="0"/>
+          <a:pathLst>
+            <a:path>
+              <a:moveTo>
+                <a:pt x="0" y="14897"/>
+              </a:moveTo>
+              <a:lnTo>
+                <a:pt x="638874" y="14897"/>
+              </a:lnTo>
+            </a:path>
+          </a:pathLst>
+        </a:custGeom>
+        <a:noFill/>
+        <a:ln w="25400" cap="flat" cmpd="sng" algn="ctr">
+          <a:solidFill>
+            <a:schemeClr val="accent1">
+              <a:shade val="80000"/>
+              <a:hueOff val="0"/>
+              <a:satOff val="0"/>
+              <a:lumOff val="0"/>
+              <a:alphaOff val="0"/>
+            </a:schemeClr>
+          </a:solidFill>
+          <a:prstDash val="solid"/>
+        </a:ln>
+        <a:effectLst/>
+      </dsp:spPr>
+      <dsp:style>
+        <a:lnRef idx="2">
+          <a:scrgbClr r="0" g="0" b="0"/>
+        </a:lnRef>
+        <a:fillRef idx="0">
+          <a:scrgbClr r="0" g="0" b="0"/>
+        </a:fillRef>
+        <a:effectRef idx="0">
+          <a:scrgbClr r="0" g="0" b="0"/>
+        </a:effectRef>
+        <a:fontRef idx="minor"/>
+      </dsp:style>
+      <dsp:txBody>
+        <a:bodyPr spcFirstLastPara="0" vert="horz" wrap="square" lIns="12700" tIns="0" rIns="12700" bIns="0" numCol="1" spcCol="1270" anchor="ctr" anchorCtr="0">
+          <a:noAutofit/>
+        </a:bodyPr>
+        <a:lstStyle/>
+        <a:p>
+          <a:pPr lvl="0" algn="ctr" defTabSz="222250">
+            <a:lnSpc>
+              <a:spcPct val="90000"/>
+            </a:lnSpc>
+            <a:spcBef>
+              <a:spcPct val="0"/>
+            </a:spcBef>
+            <a:spcAft>
+              <a:spcPct val="35000"/>
+            </a:spcAft>
+          </a:pPr>
+          <a:endParaRPr lang="de-DE" sz="500" kern="1200"/>
+        </a:p>
+      </dsp:txBody>
+      <dsp:txXfrm>
+        <a:off x="4304508" y="3023485"/>
+        <a:ext cx="31943" cy="31943"/>
+      </dsp:txXfrm>
+    </dsp:sp>
+    <dsp:sp modelId="{7FA45F4D-05C9-49CF-BB08-E541C4AF73F5}">
+      <dsp:nvSpPr>
+        <dsp:cNvPr id="0" name=""/>
+        <dsp:cNvSpPr/>
+      </dsp:nvSpPr>
+      <dsp:spPr>
+        <a:xfrm>
+          <a:off x="4639917" y="2640161"/>
+          <a:ext cx="1597185" cy="798592"/>
+        </a:xfrm>
+        <a:prstGeom prst="roundRect">
+          <a:avLst>
+            <a:gd name="adj" fmla="val 10000"/>
+          </a:avLst>
+        </a:prstGeom>
+        <a:solidFill>
+          <a:schemeClr val="accent1">
+            <a:hueOff val="0"/>
+            <a:satOff val="0"/>
+            <a:lumOff val="0"/>
+            <a:alphaOff val="0"/>
+          </a:schemeClr>
+        </a:solidFill>
+        <a:ln w="25400" cap="flat" cmpd="sng" algn="ctr">
+          <a:solidFill>
+            <a:schemeClr val="lt1">
+              <a:hueOff val="0"/>
+              <a:satOff val="0"/>
+              <a:lumOff val="0"/>
+              <a:alphaOff val="0"/>
+            </a:schemeClr>
+          </a:solidFill>
+          <a:prstDash val="solid"/>
+        </a:ln>
+        <a:effectLst/>
+      </dsp:spPr>
+      <dsp:style>
+        <a:lnRef idx="2">
+          <a:scrgbClr r="0" g="0" b="0"/>
+        </a:lnRef>
+        <a:fillRef idx="1">
+          <a:scrgbClr r="0" g="0" b="0"/>
+        </a:fillRef>
+        <a:effectRef idx="0">
+          <a:scrgbClr r="0" g="0" b="0"/>
+        </a:effectRef>
+        <a:fontRef idx="minor">
+          <a:schemeClr val="lt1"/>
+        </a:fontRef>
+      </dsp:style>
+      <dsp:txBody>
+        <a:bodyPr spcFirstLastPara="0" vert="horz" wrap="square" lIns="10160" tIns="10160" rIns="10160" bIns="10160" numCol="1" spcCol="1270" anchor="ctr" anchorCtr="0">
+          <a:noAutofit/>
+        </a:bodyPr>
+        <a:lstStyle/>
+        <a:p>
+          <a:pPr lvl="0" algn="ctr" defTabSz="711200">
+            <a:lnSpc>
+              <a:spcPct val="90000"/>
+            </a:lnSpc>
+            <a:spcBef>
+              <a:spcPct val="0"/>
+            </a:spcBef>
+            <a:spcAft>
+              <a:spcPct val="35000"/>
+            </a:spcAft>
+          </a:pPr>
+          <a:r>
+            <a:rPr lang="de-DE" sz="1600" kern="1200" dirty="0" smtClean="0"/>
+            <a:t>Analysiert welche </a:t>
+          </a:r>
+          <a:r>
+            <a:rPr lang="de-DE" sz="1600" kern="1200" dirty="0" err="1" smtClean="0"/>
+            <a:t>ContextPoint</a:t>
+          </a:r>
+          <a:r>
+            <a:rPr lang="de-DE" sz="1600" kern="1200" dirty="0" smtClean="0"/>
+            <a:t> benötigt werden</a:t>
+          </a:r>
+          <a:endParaRPr lang="de-DE" sz="1600" kern="1200" dirty="0"/>
+        </a:p>
+      </dsp:txBody>
+      <dsp:txXfrm>
+        <a:off x="4639917" y="2640161"/>
+        <a:ext cx="1597185" cy="798592"/>
+      </dsp:txXfrm>
+    </dsp:sp>
+    <dsp:sp modelId="{2AA13E76-5B1F-4A6B-A082-EB2575A79F1D}">
+      <dsp:nvSpPr>
+        <dsp:cNvPr id="0" name=""/>
+        <dsp:cNvSpPr/>
+      </dsp:nvSpPr>
+      <dsp:spPr>
+        <a:xfrm rot="21502480">
+          <a:off x="6236973" y="3015496"/>
+          <a:ext cx="639131" cy="29794"/>
+        </a:xfrm>
+        <a:custGeom>
+          <a:avLst/>
+          <a:gdLst/>
+          <a:ahLst/>
+          <a:cxnLst/>
+          <a:rect l="0" t="0" r="0" b="0"/>
+          <a:pathLst>
+            <a:path>
+              <a:moveTo>
+                <a:pt x="0" y="14897"/>
+              </a:moveTo>
+              <a:lnTo>
+                <a:pt x="639131" y="14897"/>
+              </a:lnTo>
+            </a:path>
+          </a:pathLst>
+        </a:custGeom>
+        <a:noFill/>
+        <a:ln w="25400" cap="flat" cmpd="sng" algn="ctr">
+          <a:solidFill>
+            <a:schemeClr val="accent1">
+              <a:shade val="80000"/>
+              <a:hueOff val="0"/>
+              <a:satOff val="0"/>
+              <a:lumOff val="0"/>
+              <a:alphaOff val="0"/>
+            </a:schemeClr>
+          </a:solidFill>
+          <a:prstDash val="solid"/>
+        </a:ln>
+        <a:effectLst/>
+      </dsp:spPr>
+      <dsp:style>
+        <a:lnRef idx="2">
+          <a:scrgbClr r="0" g="0" b="0"/>
+        </a:lnRef>
+        <a:fillRef idx="0">
+          <a:scrgbClr r="0" g="0" b="0"/>
+        </a:fillRef>
+        <a:effectRef idx="0">
+          <a:scrgbClr r="0" g="0" b="0"/>
+        </a:effectRef>
+        <a:fontRef idx="minor"/>
+      </dsp:style>
+      <dsp:txBody>
+        <a:bodyPr spcFirstLastPara="0" vert="horz" wrap="square" lIns="12700" tIns="0" rIns="12700" bIns="0" numCol="1" spcCol="1270" anchor="ctr" anchorCtr="0">
+          <a:noAutofit/>
+        </a:bodyPr>
+        <a:lstStyle/>
+        <a:p>
+          <a:pPr lvl="0" algn="ctr" defTabSz="222250">
+            <a:lnSpc>
+              <a:spcPct val="90000"/>
+            </a:lnSpc>
+            <a:spcBef>
+              <a:spcPct val="0"/>
+            </a:spcBef>
+            <a:spcAft>
+              <a:spcPct val="35000"/>
+            </a:spcAft>
+          </a:pPr>
+          <a:endParaRPr lang="de-DE" sz="500" kern="1200"/>
+        </a:p>
+      </dsp:txBody>
+      <dsp:txXfrm rot="21502480">
+        <a:off x="6540561" y="3014415"/>
+        <a:ext cx="31956" cy="31956"/>
+      </dsp:txXfrm>
+    </dsp:sp>
+    <dsp:sp modelId="{2E637F78-82E4-4FCC-96CB-4EBAE7B9F413}">
+      <dsp:nvSpPr>
+        <dsp:cNvPr id="0" name=""/>
+        <dsp:cNvSpPr/>
+      </dsp:nvSpPr>
+      <dsp:spPr>
+        <a:xfrm>
+          <a:off x="6875976" y="2622033"/>
+          <a:ext cx="1597185" cy="798592"/>
+        </a:xfrm>
+        <a:prstGeom prst="roundRect">
+          <a:avLst>
+            <a:gd name="adj" fmla="val 10000"/>
+          </a:avLst>
+        </a:prstGeom>
+        <a:solidFill>
+          <a:schemeClr val="accent1">
+            <a:hueOff val="0"/>
+            <a:satOff val="0"/>
+            <a:lumOff val="0"/>
+            <a:alphaOff val="0"/>
+          </a:schemeClr>
+        </a:solidFill>
+        <a:ln w="25400" cap="flat" cmpd="sng" algn="ctr">
+          <a:solidFill>
+            <a:schemeClr val="lt1">
+              <a:hueOff val="0"/>
+              <a:satOff val="0"/>
+              <a:lumOff val="0"/>
+              <a:alphaOff val="0"/>
+            </a:schemeClr>
+          </a:solidFill>
+          <a:prstDash val="solid"/>
+        </a:ln>
+        <a:effectLst/>
+      </dsp:spPr>
+      <dsp:style>
+        <a:lnRef idx="2">
+          <a:scrgbClr r="0" g="0" b="0"/>
+        </a:lnRef>
+        <a:fillRef idx="1">
+          <a:scrgbClr r="0" g="0" b="0"/>
+        </a:fillRef>
+        <a:effectRef idx="0">
+          <a:scrgbClr r="0" g="0" b="0"/>
+        </a:effectRef>
+        <a:fontRef idx="minor">
+          <a:schemeClr val="lt1"/>
+        </a:fontRef>
+      </dsp:style>
+      <dsp:txBody>
+        <a:bodyPr spcFirstLastPara="0" vert="horz" wrap="square" lIns="10160" tIns="10160" rIns="10160" bIns="10160" numCol="1" spcCol="1270" anchor="ctr" anchorCtr="0">
+          <a:noAutofit/>
+        </a:bodyPr>
+        <a:lstStyle/>
+        <a:p>
+          <a:pPr lvl="0" algn="ctr" defTabSz="711200">
+            <a:lnSpc>
+              <a:spcPct val="90000"/>
+            </a:lnSpc>
+            <a:spcBef>
+              <a:spcPct val="0"/>
+            </a:spcBef>
+            <a:spcAft>
+              <a:spcPct val="35000"/>
+            </a:spcAft>
+          </a:pPr>
+          <a:r>
+            <a:rPr lang="de-DE" sz="1600" kern="1200" dirty="0" err="1" smtClean="0"/>
+            <a:t>Expose</a:t>
+          </a:r>
+          <a:r>
+            <a:rPr lang="de-DE" sz="1600" kern="1200" dirty="0" smtClean="0"/>
+            <a:t> </a:t>
+          </a:r>
+          <a:r>
+            <a:rPr lang="de-DE" sz="1600" kern="1200" dirty="0" smtClean="0">
+              <a:sym typeface="Wingdings" panose="05000000000000000000" pitchFamily="2" charset="2"/>
+            </a:rPr>
+            <a:t></a:t>
+          </a:r>
+          <a:r>
+            <a:rPr lang="de-DE" sz="1600" kern="1200" dirty="0" smtClean="0"/>
+            <a:t>Request</a:t>
+          </a:r>
+          <a:endParaRPr lang="de-DE" sz="1600" kern="1200" dirty="0"/>
+        </a:p>
+      </dsp:txBody>
+      <dsp:txXfrm>
+        <a:off x="6875976" y="2622033"/>
+        <a:ext cx="1597185" cy="798592"/>
+      </dsp:txXfrm>
+    </dsp:sp>
+    <dsp:sp modelId="{913092AC-73C5-4678-B05D-AC4042BBE839}">
+      <dsp:nvSpPr>
+        <dsp:cNvPr id="0" name=""/>
+        <dsp:cNvSpPr/>
+      </dsp:nvSpPr>
+      <dsp:spPr>
+        <a:xfrm rot="3310531">
+          <a:off x="1525049" y="3483750"/>
+          <a:ext cx="1118742" cy="29794"/>
+        </a:xfrm>
+        <a:custGeom>
+          <a:avLst/>
+          <a:gdLst/>
+          <a:ahLst/>
+          <a:cxnLst/>
+          <a:rect l="0" t="0" r="0" b="0"/>
+          <a:pathLst>
+            <a:path>
+              <a:moveTo>
+                <a:pt x="0" y="14897"/>
+              </a:moveTo>
+              <a:lnTo>
+                <a:pt x="1118742" y="14897"/>
+              </a:lnTo>
+            </a:path>
+          </a:pathLst>
+        </a:custGeom>
+        <a:noFill/>
+        <a:ln w="25400" cap="flat" cmpd="sng" algn="ctr">
+          <a:solidFill>
+            <a:schemeClr val="accent1">
+              <a:shade val="60000"/>
+              <a:hueOff val="0"/>
+              <a:satOff val="0"/>
+              <a:lumOff val="0"/>
+              <a:alphaOff val="0"/>
+            </a:schemeClr>
+          </a:solidFill>
+          <a:prstDash val="solid"/>
+        </a:ln>
+        <a:effectLst/>
+      </dsp:spPr>
+      <dsp:style>
+        <a:lnRef idx="2">
+          <a:scrgbClr r="0" g="0" b="0"/>
+        </a:lnRef>
+        <a:fillRef idx="0">
+          <a:scrgbClr r="0" g="0" b="0"/>
+        </a:fillRef>
+        <a:effectRef idx="0">
+          <a:scrgbClr r="0" g="0" b="0"/>
+        </a:effectRef>
+        <a:fontRef idx="minor"/>
+      </dsp:style>
+      <dsp:txBody>
+        <a:bodyPr spcFirstLastPara="0" vert="horz" wrap="square" lIns="12700" tIns="0" rIns="12700" bIns="0" numCol="1" spcCol="1270" anchor="ctr" anchorCtr="0">
+          <a:noAutofit/>
+        </a:bodyPr>
+        <a:lstStyle/>
+        <a:p>
+          <a:pPr lvl="0" algn="ctr" defTabSz="222250">
+            <a:lnSpc>
+              <a:spcPct val="90000"/>
+            </a:lnSpc>
+            <a:spcBef>
+              <a:spcPct val="0"/>
+            </a:spcBef>
+            <a:spcAft>
+              <a:spcPct val="35000"/>
+            </a:spcAft>
+          </a:pPr>
+          <a:endParaRPr lang="de-DE" sz="500" kern="1200"/>
+        </a:p>
+      </dsp:txBody>
+      <dsp:txXfrm rot="3310531">
+        <a:off x="2056452" y="3470679"/>
+        <a:ext cx="55937" cy="55937"/>
+      </dsp:txXfrm>
+    </dsp:sp>
+    <dsp:sp modelId="{E5CC8D64-04F4-48DB-8ABE-24F74BEE40F6}">
+      <dsp:nvSpPr>
+        <dsp:cNvPr id="0" name=""/>
+        <dsp:cNvSpPr/>
+      </dsp:nvSpPr>
+      <dsp:spPr>
+        <a:xfrm>
+          <a:off x="2403857" y="3558542"/>
+          <a:ext cx="1597185" cy="798592"/>
+        </a:xfrm>
+        <a:prstGeom prst="roundRect">
+          <a:avLst>
+            <a:gd name="adj" fmla="val 10000"/>
+          </a:avLst>
+        </a:prstGeom>
+        <a:solidFill>
+          <a:schemeClr val="accent1">
+            <a:hueOff val="0"/>
+            <a:satOff val="0"/>
+            <a:lumOff val="0"/>
+            <a:alphaOff val="0"/>
+          </a:schemeClr>
+        </a:solidFill>
+        <a:ln w="25400" cap="flat" cmpd="sng" algn="ctr">
+          <a:solidFill>
+            <a:schemeClr val="lt1">
+              <a:hueOff val="0"/>
+              <a:satOff val="0"/>
+              <a:lumOff val="0"/>
+              <a:alphaOff val="0"/>
+            </a:schemeClr>
+          </a:solidFill>
+          <a:prstDash val="solid"/>
+        </a:ln>
+        <a:effectLst/>
+      </dsp:spPr>
+      <dsp:style>
+        <a:lnRef idx="2">
+          <a:scrgbClr r="0" g="0" b="0"/>
+        </a:lnRef>
+        <a:fillRef idx="1">
+          <a:scrgbClr r="0" g="0" b="0"/>
+        </a:fillRef>
+        <a:effectRef idx="0">
+          <a:scrgbClr r="0" g="0" b="0"/>
+        </a:effectRef>
+        <a:fontRef idx="minor">
+          <a:schemeClr val="lt1"/>
+        </a:fontRef>
+      </dsp:style>
+      <dsp:txBody>
+        <a:bodyPr spcFirstLastPara="0" vert="horz" wrap="square" lIns="10160" tIns="10160" rIns="10160" bIns="10160" numCol="1" spcCol="1270" anchor="ctr" anchorCtr="0">
+          <a:noAutofit/>
+        </a:bodyPr>
+        <a:lstStyle/>
+        <a:p>
+          <a:pPr lvl="0" algn="ctr" defTabSz="711200">
+            <a:lnSpc>
+              <a:spcPct val="90000"/>
+            </a:lnSpc>
+            <a:spcBef>
+              <a:spcPct val="0"/>
+            </a:spcBef>
+            <a:spcAft>
+              <a:spcPct val="35000"/>
+            </a:spcAft>
+          </a:pPr>
+          <a:r>
+            <a:rPr lang="de-DE" sz="1600" kern="1200" dirty="0" smtClean="0"/>
+            <a:t>Request</a:t>
+          </a:r>
+          <a:endParaRPr lang="de-DE" sz="1600" kern="1200" dirty="0"/>
+        </a:p>
+      </dsp:txBody>
+      <dsp:txXfrm>
+        <a:off x="2403857" y="3558542"/>
+        <a:ext cx="1597185" cy="798592"/>
+      </dsp:txXfrm>
+    </dsp:sp>
+    <dsp:sp modelId="{AFCF01FF-932A-4FBA-8D3C-BB0CDB426205}">
+      <dsp:nvSpPr>
+        <dsp:cNvPr id="0" name=""/>
+        <dsp:cNvSpPr/>
+      </dsp:nvSpPr>
+      <dsp:spPr>
+        <a:xfrm>
+          <a:off x="4001042" y="3942941"/>
+          <a:ext cx="638874" cy="29794"/>
+        </a:xfrm>
+        <a:custGeom>
+          <a:avLst/>
+          <a:gdLst/>
+          <a:ahLst/>
+          <a:cxnLst/>
+          <a:rect l="0" t="0" r="0" b="0"/>
+          <a:pathLst>
+            <a:path>
+              <a:moveTo>
+                <a:pt x="0" y="14897"/>
+              </a:moveTo>
+              <a:lnTo>
+                <a:pt x="638874" y="14897"/>
+              </a:lnTo>
+            </a:path>
+          </a:pathLst>
+        </a:custGeom>
+        <a:noFill/>
+        <a:ln w="25400" cap="flat" cmpd="sng" algn="ctr">
+          <a:solidFill>
+            <a:schemeClr val="accent1">
+              <a:shade val="80000"/>
+              <a:hueOff val="0"/>
+              <a:satOff val="0"/>
+              <a:lumOff val="0"/>
+              <a:alphaOff val="0"/>
+            </a:schemeClr>
+          </a:solidFill>
+          <a:prstDash val="solid"/>
+        </a:ln>
+        <a:effectLst/>
+      </dsp:spPr>
+      <dsp:style>
+        <a:lnRef idx="2">
+          <a:scrgbClr r="0" g="0" b="0"/>
+        </a:lnRef>
+        <a:fillRef idx="0">
+          <a:scrgbClr r="0" g="0" b="0"/>
+        </a:fillRef>
+        <a:effectRef idx="0">
+          <a:scrgbClr r="0" g="0" b="0"/>
+        </a:effectRef>
+        <a:fontRef idx="minor"/>
+      </dsp:style>
+      <dsp:txBody>
+        <a:bodyPr spcFirstLastPara="0" vert="horz" wrap="square" lIns="12700" tIns="0" rIns="12700" bIns="0" numCol="1" spcCol="1270" anchor="ctr" anchorCtr="0">
+          <a:noAutofit/>
+        </a:bodyPr>
+        <a:lstStyle/>
+        <a:p>
+          <a:pPr lvl="0" algn="ctr" defTabSz="222250">
+            <a:lnSpc>
+              <a:spcPct val="90000"/>
+            </a:lnSpc>
+            <a:spcBef>
+              <a:spcPct val="0"/>
+            </a:spcBef>
+            <a:spcAft>
+              <a:spcPct val="35000"/>
+            </a:spcAft>
+          </a:pPr>
+          <a:endParaRPr lang="de-DE" sz="500" kern="1200"/>
+        </a:p>
+      </dsp:txBody>
+      <dsp:txXfrm>
+        <a:off x="4304508" y="3941867"/>
+        <a:ext cx="31943" cy="31943"/>
+      </dsp:txXfrm>
+    </dsp:sp>
+    <dsp:sp modelId="{1250D66C-D9ED-46C7-BB6C-830DC032BA14}">
+      <dsp:nvSpPr>
+        <dsp:cNvPr id="0" name=""/>
+        <dsp:cNvSpPr/>
+      </dsp:nvSpPr>
+      <dsp:spPr>
+        <a:xfrm>
+          <a:off x="4639917" y="3558542"/>
+          <a:ext cx="1597185" cy="798592"/>
+        </a:xfrm>
+        <a:prstGeom prst="roundRect">
+          <a:avLst>
+            <a:gd name="adj" fmla="val 10000"/>
+          </a:avLst>
+        </a:prstGeom>
+        <a:solidFill>
+          <a:schemeClr val="accent1">
+            <a:hueOff val="0"/>
+            <a:satOff val="0"/>
+            <a:lumOff val="0"/>
+            <a:alphaOff val="0"/>
+          </a:schemeClr>
+        </a:solidFill>
+        <a:ln w="25400" cap="flat" cmpd="sng" algn="ctr">
+          <a:solidFill>
+            <a:schemeClr val="lt1">
+              <a:hueOff val="0"/>
+              <a:satOff val="0"/>
+              <a:lumOff val="0"/>
+              <a:alphaOff val="0"/>
+            </a:schemeClr>
+          </a:solidFill>
+          <a:prstDash val="solid"/>
+        </a:ln>
+        <a:effectLst/>
+      </dsp:spPr>
+      <dsp:style>
+        <a:lnRef idx="2">
+          <a:scrgbClr r="0" g="0" b="0"/>
+        </a:lnRef>
+        <a:fillRef idx="1">
+          <a:scrgbClr r="0" g="0" b="0"/>
+        </a:fillRef>
+        <a:effectRef idx="0">
+          <a:scrgbClr r="0" g="0" b="0"/>
+        </a:effectRef>
+        <a:fontRef idx="minor">
+          <a:schemeClr val="lt1"/>
+        </a:fontRef>
+      </dsp:style>
+      <dsp:txBody>
+        <a:bodyPr spcFirstLastPara="0" vert="horz" wrap="square" lIns="10160" tIns="10160" rIns="10160" bIns="10160" numCol="1" spcCol="1270" anchor="ctr" anchorCtr="0">
+          <a:noAutofit/>
+        </a:bodyPr>
+        <a:lstStyle/>
+        <a:p>
+          <a:pPr lvl="0" algn="ctr" defTabSz="711200">
+            <a:lnSpc>
+              <a:spcPct val="90000"/>
+            </a:lnSpc>
+            <a:spcBef>
+              <a:spcPct val="0"/>
+            </a:spcBef>
+            <a:spcAft>
+              <a:spcPct val="35000"/>
+            </a:spcAft>
+          </a:pPr>
+          <a:r>
+            <a:rPr lang="de-DE" sz="1600" kern="1200" dirty="0" smtClean="0"/>
+            <a:t>Erstellt Knowledge</a:t>
+          </a:r>
+          <a:endParaRPr lang="de-DE" sz="1600" kern="1200" dirty="0"/>
+        </a:p>
+      </dsp:txBody>
+      <dsp:txXfrm>
+        <a:off x="4639917" y="3558542"/>
+        <a:ext cx="1597185" cy="798592"/>
+      </dsp:txXfrm>
+    </dsp:sp>
+    <dsp:sp modelId="{9D461F9D-B2A2-4D21-9FFB-C37CDBA0B39D}">
+      <dsp:nvSpPr>
+        <dsp:cNvPr id="0" name=""/>
+        <dsp:cNvSpPr/>
+      </dsp:nvSpPr>
+      <dsp:spPr>
+        <a:xfrm>
+          <a:off x="6237102" y="3942941"/>
+          <a:ext cx="638874" cy="29794"/>
+        </a:xfrm>
+        <a:custGeom>
+          <a:avLst/>
+          <a:gdLst/>
+          <a:ahLst/>
+          <a:cxnLst/>
+          <a:rect l="0" t="0" r="0" b="0"/>
+          <a:pathLst>
+            <a:path>
+              <a:moveTo>
+                <a:pt x="0" y="14897"/>
+              </a:moveTo>
+              <a:lnTo>
+                <a:pt x="638874" y="14897"/>
+              </a:lnTo>
+            </a:path>
+          </a:pathLst>
+        </a:custGeom>
+        <a:noFill/>
+        <a:ln w="25400" cap="flat" cmpd="sng" algn="ctr">
+          <a:solidFill>
+            <a:schemeClr val="accent1">
+              <a:shade val="80000"/>
+              <a:hueOff val="0"/>
+              <a:satOff val="0"/>
+              <a:lumOff val="0"/>
+              <a:alphaOff val="0"/>
+            </a:schemeClr>
+          </a:solidFill>
+          <a:prstDash val="solid"/>
+        </a:ln>
+        <a:effectLst/>
+      </dsp:spPr>
+      <dsp:style>
+        <a:lnRef idx="2">
+          <a:scrgbClr r="0" g="0" b="0"/>
+        </a:lnRef>
+        <a:fillRef idx="0">
+          <a:scrgbClr r="0" g="0" b="0"/>
+        </a:fillRef>
+        <a:effectRef idx="0">
+          <a:scrgbClr r="0" g="0" b="0"/>
+        </a:effectRef>
+        <a:fontRef idx="minor"/>
+      </dsp:style>
+      <dsp:txBody>
+        <a:bodyPr spcFirstLastPara="0" vert="horz" wrap="square" lIns="12700" tIns="0" rIns="12700" bIns="0" numCol="1" spcCol="1270" anchor="ctr" anchorCtr="0">
+          <a:noAutofit/>
+        </a:bodyPr>
+        <a:lstStyle/>
+        <a:p>
+          <a:pPr lvl="0" algn="ctr" defTabSz="222250">
+            <a:lnSpc>
+              <a:spcPct val="90000"/>
+            </a:lnSpc>
+            <a:spcBef>
+              <a:spcPct val="0"/>
+            </a:spcBef>
+            <a:spcAft>
+              <a:spcPct val="35000"/>
+            </a:spcAft>
+          </a:pPr>
+          <a:endParaRPr lang="de-DE" sz="500" kern="1200"/>
+        </a:p>
+      </dsp:txBody>
+      <dsp:txXfrm>
+        <a:off x="6540567" y="3941867"/>
+        <a:ext cx="31943" cy="31943"/>
+      </dsp:txXfrm>
+    </dsp:sp>
+    <dsp:sp modelId="{7F57A866-BE38-432F-A490-3372EE7A9232}">
+      <dsp:nvSpPr>
+        <dsp:cNvPr id="0" name=""/>
+        <dsp:cNvSpPr/>
+      </dsp:nvSpPr>
+      <dsp:spPr>
+        <a:xfrm>
+          <a:off x="6875976" y="3558542"/>
+          <a:ext cx="1597185" cy="798592"/>
+        </a:xfrm>
+        <a:prstGeom prst="roundRect">
+          <a:avLst>
+            <a:gd name="adj" fmla="val 10000"/>
+          </a:avLst>
+        </a:prstGeom>
+        <a:solidFill>
+          <a:schemeClr val="accent1">
+            <a:hueOff val="0"/>
+            <a:satOff val="0"/>
+            <a:lumOff val="0"/>
+            <a:alphaOff val="0"/>
+          </a:schemeClr>
+        </a:solidFill>
+        <a:ln w="25400" cap="flat" cmpd="sng" algn="ctr">
+          <a:solidFill>
+            <a:schemeClr val="lt1">
+              <a:hueOff val="0"/>
+              <a:satOff val="0"/>
+              <a:lumOff val="0"/>
+              <a:alphaOff val="0"/>
+            </a:schemeClr>
+          </a:solidFill>
+          <a:prstDash val="solid"/>
+        </a:ln>
+        <a:effectLst/>
+      </dsp:spPr>
+      <dsp:style>
+        <a:lnRef idx="2">
+          <a:scrgbClr r="0" g="0" b="0"/>
+        </a:lnRef>
+        <a:fillRef idx="1">
+          <a:scrgbClr r="0" g="0" b="0"/>
+        </a:fillRef>
+        <a:effectRef idx="0">
+          <a:scrgbClr r="0" g="0" b="0"/>
+        </a:effectRef>
+        <a:fontRef idx="minor">
+          <a:schemeClr val="lt1"/>
+        </a:fontRef>
+      </dsp:style>
+      <dsp:txBody>
+        <a:bodyPr spcFirstLastPara="0" vert="horz" wrap="square" lIns="10160" tIns="10160" rIns="10160" bIns="10160" numCol="1" spcCol="1270" anchor="ctr" anchorCtr="0">
+          <a:noAutofit/>
+        </a:bodyPr>
+        <a:lstStyle/>
+        <a:p>
+          <a:pPr lvl="0" algn="ctr" defTabSz="711200">
+            <a:lnSpc>
+              <a:spcPct val="90000"/>
+            </a:lnSpc>
+            <a:spcBef>
+              <a:spcPct val="0"/>
+            </a:spcBef>
+            <a:spcAft>
+              <a:spcPct val="35000"/>
+            </a:spcAft>
+          </a:pPr>
+          <a:r>
+            <a:rPr lang="de-DE" sz="1600" kern="1200" dirty="0" smtClean="0"/>
+            <a:t>Insert</a:t>
+          </a:r>
+          <a:endParaRPr lang="de-DE" sz="1600" kern="1200" dirty="0"/>
+        </a:p>
+      </dsp:txBody>
+      <dsp:txXfrm>
+        <a:off x="6875976" y="3558542"/>
+        <a:ext cx="1597185" cy="798592"/>
+      </dsp:txXfrm>
+    </dsp:sp>
   </dsp:spTree>
 </dsp:drawing>
 </file>
@@ -27594,7 +30420,7 @@
     </p:spTree>
     <p:extLst>
       <p:ext uri="{BB962C8B-B14F-4D97-AF65-F5344CB8AC3E}">
-        <p14:creationId xmlns:p14="http://schemas.microsoft.com/office/powerpoint/2010/main" xmlns="" val="2733793686"/>
+        <p14:creationId xmlns="" xmlns:p14="http://schemas.microsoft.com/office/powerpoint/2010/main" val="2733793686"/>
       </p:ext>
     </p:extLst>
   </p:cSld>
@@ -27766,7 +30592,7 @@
     </p:spTree>
     <p:extLst>
       <p:ext uri="{BB962C8B-B14F-4D97-AF65-F5344CB8AC3E}">
-        <p14:creationId xmlns:p14="http://schemas.microsoft.com/office/powerpoint/2010/main" xmlns="" val="3880352075"/>
+        <p14:creationId xmlns="" xmlns:p14="http://schemas.microsoft.com/office/powerpoint/2010/main" val="3880352075"/>
       </p:ext>
     </p:extLst>
   </p:cSld>
@@ -27948,7 +30774,7 @@
     </p:spTree>
     <p:extLst>
       <p:ext uri="{BB962C8B-B14F-4D97-AF65-F5344CB8AC3E}">
-        <p14:creationId xmlns:p14="http://schemas.microsoft.com/office/powerpoint/2010/main" xmlns="" val="3117815539"/>
+        <p14:creationId xmlns="" xmlns:p14="http://schemas.microsoft.com/office/powerpoint/2010/main" val="3117815539"/>
       </p:ext>
     </p:extLst>
   </p:cSld>
@@ -28120,7 +30946,7 @@
     </p:spTree>
     <p:extLst>
       <p:ext uri="{BB962C8B-B14F-4D97-AF65-F5344CB8AC3E}">
-        <p14:creationId xmlns:p14="http://schemas.microsoft.com/office/powerpoint/2010/main" xmlns="" val="1561288167"/>
+        <p14:creationId xmlns="" xmlns:p14="http://schemas.microsoft.com/office/powerpoint/2010/main" val="1561288167"/>
       </p:ext>
     </p:extLst>
   </p:cSld>
@@ -28368,7 +31194,7 @@
     </p:spTree>
     <p:extLst>
       <p:ext uri="{BB962C8B-B14F-4D97-AF65-F5344CB8AC3E}">
-        <p14:creationId xmlns:p14="http://schemas.microsoft.com/office/powerpoint/2010/main" xmlns="" val="3327050058"/>
+        <p14:creationId xmlns="" xmlns:p14="http://schemas.microsoft.com/office/powerpoint/2010/main" val="3327050058"/>
       </p:ext>
     </p:extLst>
   </p:cSld>
@@ -28658,7 +31484,7 @@
     </p:spTree>
     <p:extLst>
       <p:ext uri="{BB962C8B-B14F-4D97-AF65-F5344CB8AC3E}">
-        <p14:creationId xmlns:p14="http://schemas.microsoft.com/office/powerpoint/2010/main" xmlns="" val="4077960206"/>
+        <p14:creationId xmlns="" xmlns:p14="http://schemas.microsoft.com/office/powerpoint/2010/main" val="4077960206"/>
       </p:ext>
     </p:extLst>
   </p:cSld>
@@ -29082,7 +31908,7 @@
     </p:spTree>
     <p:extLst>
       <p:ext uri="{BB962C8B-B14F-4D97-AF65-F5344CB8AC3E}">
-        <p14:creationId xmlns:p14="http://schemas.microsoft.com/office/powerpoint/2010/main" xmlns="" val="505858674"/>
+        <p14:creationId xmlns="" xmlns:p14="http://schemas.microsoft.com/office/powerpoint/2010/main" val="505858674"/>
       </p:ext>
     </p:extLst>
   </p:cSld>
@@ -29202,7 +32028,7 @@
     </p:spTree>
     <p:extLst>
       <p:ext uri="{BB962C8B-B14F-4D97-AF65-F5344CB8AC3E}">
-        <p14:creationId xmlns:p14="http://schemas.microsoft.com/office/powerpoint/2010/main" xmlns="" val="1529272143"/>
+        <p14:creationId xmlns="" xmlns:p14="http://schemas.microsoft.com/office/powerpoint/2010/main" val="1529272143"/>
       </p:ext>
     </p:extLst>
   </p:cSld>
@@ -29299,7 +32125,7 @@
     </p:spTree>
     <p:extLst>
       <p:ext uri="{BB962C8B-B14F-4D97-AF65-F5344CB8AC3E}">
-        <p14:creationId xmlns:p14="http://schemas.microsoft.com/office/powerpoint/2010/main" xmlns="" val="2436495648"/>
+        <p14:creationId xmlns="" xmlns:p14="http://schemas.microsoft.com/office/powerpoint/2010/main" val="2436495648"/>
       </p:ext>
     </p:extLst>
   </p:cSld>
@@ -29578,7 +32404,7 @@
     </p:spTree>
     <p:extLst>
       <p:ext uri="{BB962C8B-B14F-4D97-AF65-F5344CB8AC3E}">
-        <p14:creationId xmlns:p14="http://schemas.microsoft.com/office/powerpoint/2010/main" xmlns="" val="606203404"/>
+        <p14:creationId xmlns="" xmlns:p14="http://schemas.microsoft.com/office/powerpoint/2010/main" val="606203404"/>
       </p:ext>
     </p:extLst>
   </p:cSld>
@@ -29833,7 +32659,7 @@
     </p:spTree>
     <p:extLst>
       <p:ext uri="{BB962C8B-B14F-4D97-AF65-F5344CB8AC3E}">
-        <p14:creationId xmlns:p14="http://schemas.microsoft.com/office/powerpoint/2010/main" xmlns="" val="925235859"/>
+        <p14:creationId xmlns="" xmlns:p14="http://schemas.microsoft.com/office/powerpoint/2010/main" val="925235859"/>
       </p:ext>
     </p:extLst>
   </p:cSld>
@@ -30084,7 +32910,7 @@
     </p:spTree>
     <p:extLst>
       <p:ext uri="{BB962C8B-B14F-4D97-AF65-F5344CB8AC3E}">
-        <p14:creationId xmlns:p14="http://schemas.microsoft.com/office/powerpoint/2010/main" xmlns="" val="3018760835"/>
+        <p14:creationId xmlns="" xmlns:p14="http://schemas.microsoft.com/office/powerpoint/2010/main" val="3018760835"/>
       </p:ext>
     </p:extLst>
   </p:cSld>
@@ -30597,7 +33423,7 @@
     </p:spTree>
     <p:extLst>
       <p:ext uri="{BB962C8B-B14F-4D97-AF65-F5344CB8AC3E}">
-        <p14:creationId xmlns:p14="http://schemas.microsoft.com/office/powerpoint/2010/main" xmlns="" val="2033118201"/>
+        <p14:creationId xmlns="" xmlns:p14="http://schemas.microsoft.com/office/powerpoint/2010/main" val="2033118201"/>
       </p:ext>
     </p:extLst>
   </p:cSld>
@@ -30736,7 +33562,7 @@
     </p:spTree>
     <p:extLst>
       <p:ext uri="{BB962C8B-B14F-4D97-AF65-F5344CB8AC3E}">
-        <p14:creationId xmlns:p14="http://schemas.microsoft.com/office/powerpoint/2010/main" xmlns="" val="259545915"/>
+        <p14:creationId xmlns="" xmlns:p14="http://schemas.microsoft.com/office/powerpoint/2010/main" val="259545915"/>
       </p:ext>
     </p:extLst>
   </p:cSld>
@@ -30807,7 +33633,7 @@
             <p:ph idx="1"/>
             <p:extLst>
               <p:ext uri="{D42A27DB-BD31-4B8C-83A1-F6EECF244321}">
-                <p14:modId xmlns:p14="http://schemas.microsoft.com/office/powerpoint/2010/main" xmlns="" val="3114557960"/>
+                <p14:modId xmlns="" xmlns:p14="http://schemas.microsoft.com/office/powerpoint/2010/main" val="3114557960"/>
               </p:ext>
             </p:extLst>
           </p:nvPr>
@@ -30871,7 +33697,7 @@
     </p:spTree>
     <p:extLst>
       <p:ext uri="{BB962C8B-B14F-4D97-AF65-F5344CB8AC3E}">
-        <p14:creationId xmlns:p14="http://schemas.microsoft.com/office/powerpoint/2010/main" xmlns="" val="2063753429"/>
+        <p14:creationId xmlns="" xmlns:p14="http://schemas.microsoft.com/office/powerpoint/2010/main" val="2063753429"/>
       </p:ext>
     </p:extLst>
   </p:cSld>
@@ -30950,7 +33776,7 @@
             <p:ph idx="1"/>
             <p:extLst>
               <p:ext uri="{D42A27DB-BD31-4B8C-83A1-F6EECF244321}">
-                <p14:modId xmlns:p14="http://schemas.microsoft.com/office/powerpoint/2010/main" xmlns="" val="2848394819"/>
+                <p14:modId xmlns="" xmlns:p14="http://schemas.microsoft.com/office/powerpoint/2010/main" val="2848394819"/>
               </p:ext>
             </p:extLst>
           </p:nvPr>
@@ -30968,7 +33794,7 @@
     </p:spTree>
     <p:extLst>
       <p:ext uri="{BB962C8B-B14F-4D97-AF65-F5344CB8AC3E}">
-        <p14:creationId xmlns:p14="http://schemas.microsoft.com/office/powerpoint/2010/main" xmlns="" val="3003817873"/>
+        <p14:creationId xmlns="" xmlns:p14="http://schemas.microsoft.com/office/powerpoint/2010/main" val="3003817873"/>
       </p:ext>
     </p:extLst>
   </p:cSld>
@@ -31050,7 +33876,7 @@
             <p:ph idx="1"/>
             <p:extLst>
               <p:ext uri="{D42A27DB-BD31-4B8C-83A1-F6EECF244321}">
-                <p14:modId xmlns:p14="http://schemas.microsoft.com/office/powerpoint/2010/main" xmlns="" val="2609194652"/>
+                <p14:modId xmlns="" xmlns:p14="http://schemas.microsoft.com/office/powerpoint/2010/main" val="2609194652"/>
               </p:ext>
             </p:extLst>
           </p:nvPr>
@@ -31125,7 +33951,7 @@
     </p:spTree>
     <p:extLst>
       <p:ext uri="{BB962C8B-B14F-4D97-AF65-F5344CB8AC3E}">
-        <p14:creationId xmlns:p14="http://schemas.microsoft.com/office/powerpoint/2010/main" xmlns="" val="2348694249"/>
+        <p14:creationId xmlns="" xmlns:p14="http://schemas.microsoft.com/office/powerpoint/2010/main" val="2348694249"/>
       </p:ext>
     </p:extLst>
   </p:cSld>
@@ -31227,7 +34053,7 @@
     </p:spTree>
     <p:extLst>
       <p:ext uri="{BB962C8B-B14F-4D97-AF65-F5344CB8AC3E}">
-        <p14:creationId xmlns:p14="http://schemas.microsoft.com/office/powerpoint/2010/main" xmlns="" val="3385652958"/>
+        <p14:creationId xmlns="" xmlns:p14="http://schemas.microsoft.com/office/powerpoint/2010/main" val="3385652958"/>
       </p:ext>
     </p:extLst>
   </p:cSld>
@@ -31428,7 +34254,7 @@
     </p:spTree>
     <p:extLst>
       <p:ext uri="{BB962C8B-B14F-4D97-AF65-F5344CB8AC3E}">
-        <p14:creationId xmlns:p14="http://schemas.microsoft.com/office/powerpoint/2010/main" xmlns="" val="1411909037"/>
+        <p14:creationId xmlns="" xmlns:p14="http://schemas.microsoft.com/office/powerpoint/2010/main" val="1411909037"/>
       </p:ext>
     </p:extLst>
   </p:cSld>
@@ -31508,7 +34334,7 @@
             <p:ph idx="1"/>
             <p:extLst>
               <p:ext uri="{D42A27DB-BD31-4B8C-83A1-F6EECF244321}">
-                <p14:modId xmlns:p14="http://schemas.microsoft.com/office/powerpoint/2010/main" xmlns="" val="354047179"/>
+                <p14:modId xmlns="" xmlns:p14="http://schemas.microsoft.com/office/powerpoint/2010/main" val="354047179"/>
               </p:ext>
             </p:extLst>
           </p:nvPr>
@@ -31902,7 +34728,7 @@
     </p:spTree>
     <p:extLst>
       <p:ext uri="{BB962C8B-B14F-4D97-AF65-F5344CB8AC3E}">
-        <p14:creationId xmlns:p14="http://schemas.microsoft.com/office/powerpoint/2010/main" xmlns="" val="3239744563"/>
+        <p14:creationId xmlns="" xmlns:p14="http://schemas.microsoft.com/office/powerpoint/2010/main" val="3239744563"/>
       </p:ext>
     </p:extLst>
   </p:cSld>
@@ -31969,7 +34795,7 @@
             <p:ph idx="1"/>
             <p:extLst>
               <p:ext uri="{D42A27DB-BD31-4B8C-83A1-F6EECF244321}">
-                <p14:modId xmlns:p14="http://schemas.microsoft.com/office/powerpoint/2010/main" xmlns="" val="1215541994"/>
+                <p14:modId xmlns="" xmlns:p14="http://schemas.microsoft.com/office/powerpoint/2010/main" val="1215541994"/>
               </p:ext>
             </p:extLst>
           </p:nvPr>
@@ -31987,7 +34813,7 @@
     </p:spTree>
     <p:extLst>
       <p:ext uri="{BB962C8B-B14F-4D97-AF65-F5344CB8AC3E}">
-        <p14:creationId xmlns:p14="http://schemas.microsoft.com/office/powerpoint/2010/main" xmlns="" val="1250649218"/>
+        <p14:creationId xmlns="" xmlns:p14="http://schemas.microsoft.com/office/powerpoint/2010/main" val="1250649218"/>
       </p:ext>
     </p:extLst>
   </p:cSld>
@@ -32122,7 +34948,7 @@
     </p:spTree>
     <p:extLst>
       <p:ext uri="{BB962C8B-B14F-4D97-AF65-F5344CB8AC3E}">
-        <p14:creationId xmlns:p14="http://schemas.microsoft.com/office/powerpoint/2010/main" xmlns="" val="4109760647"/>
+        <p14:creationId xmlns="" xmlns:p14="http://schemas.microsoft.com/office/powerpoint/2010/main" val="4109760647"/>
       </p:ext>
     </p:extLst>
   </p:cSld>
@@ -32530,7 +35356,7 @@
             <p:ph sz="half" idx="1"/>
             <p:extLst>
               <p:ext uri="{D42A27DB-BD31-4B8C-83A1-F6EECF244321}">
-                <p14:modId xmlns:p14="http://schemas.microsoft.com/office/powerpoint/2010/main" xmlns="" val="1215541994"/>
+                <p14:modId xmlns="" xmlns:p14="http://schemas.microsoft.com/office/powerpoint/2010/main" val="1215541994"/>
               </p:ext>
             </p:extLst>
           </p:nvPr>
@@ -32579,7 +35405,7 @@
       </p:grpSpPr>
       <p:sp>
         <p:nvSpPr>
-          <p:cNvPr id="2" name="Titel 1"/>
+          <p:cNvPr id="5" name="Titel 4"/>
           <p:cNvSpPr>
             <a:spLocks noGrp="1"/>
           </p:cNvSpPr>
@@ -32594,15 +35420,19 @@
           <a:p>
             <a:r>
               <a:rPr lang="de-DE" dirty="0" smtClean="0"/>
-              <a:t>(Erster) Klassenentwurf</a:t>
+              <a:t>(Erster</a:t>
             </a:r>
-            <a:endParaRPr lang="de-DE" dirty="0"/>
+            <a:r>
+              <a:rPr lang="de-DE" smtClean="0"/>
+              <a:t>) Klassenentwurf</a:t>
+            </a:r>
+            <a:endParaRPr lang="de-DE"/>
           </a:p>
         </p:txBody>
       </p:sp>
       <p:pic>
         <p:nvPicPr>
-          <p:cNvPr id="10" name="Inhaltsplatzhalter 9" descr="subspace_entwurf.png"/>
+          <p:cNvPr id="7" name="Inhaltsplatzhalter 6" descr="subspace_entwurf.png"/>
           <p:cNvPicPr>
             <a:picLocks noGrp="1" noChangeAspect="1"/>
           </p:cNvPicPr>
@@ -32618,8 +35448,8 @@
         </p:blipFill>
         <p:spPr>
           <a:xfrm>
-            <a:off x="457200" y="1725064"/>
-            <a:ext cx="8229600" cy="4276235"/>
+            <a:off x="457200" y="2252418"/>
+            <a:ext cx="8229600" cy="3221526"/>
           </a:xfrm>
         </p:spPr>
       </p:pic>
@@ -32628,13 +35458,6 @@
   <p:clrMapOvr>
     <a:masterClrMapping/>
   </p:clrMapOvr>
-  <p:timing>
-    <p:tnLst>
-      <p:par>
-        <p:cTn id="1" dur="indefinite" restart="never" nodeType="tmRoot"/>
-      </p:par>
-    </p:tnLst>
-  </p:timing>
 </p:sld>
 </file>
 
@@ -32770,7 +35593,7 @@
             <p:ph idx="1"/>
             <p:extLst>
               <p:ext uri="{D42A27DB-BD31-4B8C-83A1-F6EECF244321}">
-                <p14:modId xmlns:p14="http://schemas.microsoft.com/office/powerpoint/2010/main" xmlns="" val="2479653521"/>
+                <p14:modId xmlns="" xmlns:p14="http://schemas.microsoft.com/office/powerpoint/2010/main" val="2479653521"/>
               </p:ext>
             </p:extLst>
           </p:nvPr>
@@ -33242,7 +36065,7 @@
     </p:spTree>
     <p:extLst>
       <p:ext uri="{BB962C8B-B14F-4D97-AF65-F5344CB8AC3E}">
-        <p14:creationId xmlns:p14="http://schemas.microsoft.com/office/powerpoint/2010/main" xmlns="" val="1491428122"/>
+        <p14:creationId xmlns="" xmlns:p14="http://schemas.microsoft.com/office/powerpoint/2010/main" val="1491428122"/>
       </p:ext>
     </p:extLst>
   </p:cSld>
@@ -33309,7 +36132,7 @@
             <p:ph idx="1"/>
             <p:extLst>
               <p:ext uri="{D42A27DB-BD31-4B8C-83A1-F6EECF244321}">
-                <p14:modId xmlns:p14="http://schemas.microsoft.com/office/powerpoint/2010/main" xmlns="" val="1703172132"/>
+                <p14:modId xmlns="" xmlns:p14="http://schemas.microsoft.com/office/powerpoint/2010/main" val="1703172132"/>
               </p:ext>
             </p:extLst>
           </p:nvPr>
@@ -33732,7 +36555,7 @@
     </p:spTree>
     <p:extLst>
       <p:ext uri="{BB962C8B-B14F-4D97-AF65-F5344CB8AC3E}">
-        <p14:creationId xmlns:p14="http://schemas.microsoft.com/office/powerpoint/2010/main" xmlns="" val="2916024982"/>
+        <p14:creationId xmlns="" xmlns:p14="http://schemas.microsoft.com/office/powerpoint/2010/main" val="2916024982"/>
       </p:ext>
     </p:extLst>
   </p:cSld>
@@ -33799,7 +36622,7 @@
             <p:ph idx="1"/>
             <p:extLst>
               <p:ext uri="{D42A27DB-BD31-4B8C-83A1-F6EECF244321}">
-                <p14:modId xmlns:p14="http://schemas.microsoft.com/office/powerpoint/2010/main" xmlns="" val="2741657155"/>
+                <p14:modId xmlns="" xmlns:p14="http://schemas.microsoft.com/office/powerpoint/2010/main" val="2741657155"/>
               </p:ext>
             </p:extLst>
           </p:nvPr>
@@ -34029,7 +36852,7 @@
     </p:spTree>
     <p:extLst>
       <p:ext uri="{BB962C8B-B14F-4D97-AF65-F5344CB8AC3E}">
-        <p14:creationId xmlns:p14="http://schemas.microsoft.com/office/powerpoint/2010/main" xmlns="" val="1559140872"/>
+        <p14:creationId xmlns="" xmlns:p14="http://schemas.microsoft.com/office/powerpoint/2010/main" val="1559140872"/>
       </p:ext>
     </p:extLst>
   </p:cSld>

--- a/Text/Master.pptx
+++ b/Text/Master.pptx
@@ -8178,8 +8178,8 @@
     <dgm:cxn modelId="{D4834C5F-7D07-493A-834E-EE1A05DCC560}" type="presOf" srcId="{E81FE977-AF56-42F1-89E7-0674F1FE4247}" destId="{E9BE085C-EC92-41F6-8E3F-4F114E696375}" srcOrd="0" destOrd="0" presId="urn:microsoft.com/office/officeart/2005/8/layout/vList5"/>
     <dgm:cxn modelId="{9EDAA388-A7B6-40E2-B2FA-91B971A0904E}" srcId="{00005E6A-6A39-40F2-BC23-3C1CBA3364E1}" destId="{5D4340E6-42CF-4491-AFC2-8F7321AE536D}" srcOrd="2" destOrd="0" parTransId="{3B34AA3D-BBB5-4E6D-97A7-2FBDF4E8EBF8}" sibTransId="{DC32332D-6918-47A5-B368-B8E0A55BF8E5}"/>
     <dgm:cxn modelId="{3955D88B-DDFB-47E9-A07C-7B9733F75E36}" type="presOf" srcId="{8E1F00A3-D952-4D25-8DA7-1A5D8859BC73}" destId="{E229F37F-A4DD-4DAA-A8BF-C2D235B2757F}" srcOrd="0" destOrd="0" presId="urn:microsoft.com/office/officeart/2005/8/layout/vList5"/>
+    <dgm:cxn modelId="{1341FB1C-3D84-4A7C-8012-548C462750A7}" srcId="{C2A7507A-DA8C-4AA1-9C40-CDCC18744FDD}" destId="{E81FE977-AF56-42F1-89E7-0674F1FE4247}" srcOrd="2" destOrd="0" parTransId="{87DE459B-CFFC-4D3E-AEA4-B9A6868EE5AB}" sibTransId="{874A9457-FC85-4E03-B420-BC62F5065FE4}"/>
     <dgm:cxn modelId="{CE384D33-BCD5-4106-ABD4-E36672B94BE5}" type="presOf" srcId="{00005E6A-6A39-40F2-BC23-3C1CBA3364E1}" destId="{61BEE9AF-3CE7-4450-A810-17775E989A59}" srcOrd="0" destOrd="0" presId="urn:microsoft.com/office/officeart/2005/8/layout/vList5"/>
-    <dgm:cxn modelId="{1341FB1C-3D84-4A7C-8012-548C462750A7}" srcId="{C2A7507A-DA8C-4AA1-9C40-CDCC18744FDD}" destId="{E81FE977-AF56-42F1-89E7-0674F1FE4247}" srcOrd="2" destOrd="0" parTransId="{87DE459B-CFFC-4D3E-AEA4-B9A6868EE5AB}" sibTransId="{874A9457-FC85-4E03-B420-BC62F5065FE4}"/>
     <dgm:cxn modelId="{C32044AA-BD89-48B1-B7FA-F25A819BC8B1}" srcId="{511EBDC6-6428-4C9D-891A-057A510D074E}" destId="{6F4614BF-5EC4-46D5-9D31-174712756D65}" srcOrd="0" destOrd="0" parTransId="{72889311-A377-4403-8946-510EDAD9AFBA}" sibTransId="{FB38BB22-929E-40A4-917C-06973820A1ED}"/>
     <dgm:cxn modelId="{FFC93BD7-C0B6-4248-830A-B37743302DCB}" type="presOf" srcId="{511EBDC6-6428-4C9D-891A-057A510D074E}" destId="{E1271833-18BD-47E7-B4FA-E88CF3C5022B}" srcOrd="0" destOrd="0" presId="urn:microsoft.com/office/officeart/2005/8/layout/vList5"/>
     <dgm:cxn modelId="{7484BC6E-C216-4693-98F4-F47C3EDC4357}" type="presOf" srcId="{6F4614BF-5EC4-46D5-9D31-174712756D65}" destId="{E597722B-0835-44EE-91FD-F2AB92889442}" srcOrd="0" destOrd="0" presId="urn:microsoft.com/office/officeart/2005/8/layout/vList5"/>
@@ -8493,7 +8493,7 @@
         <a:lstStyle/>
         <a:p>
           <a:r>
-            <a:rPr lang="de-DE" smtClean="0"/>
+            <a:rPr lang="de-DE" dirty="0" err="1" smtClean="0"/>
             <a:t>Originator</a:t>
           </a:r>
           <a:endParaRPr lang="de-DE" dirty="0" smtClean="0"/>
@@ -10398,27 +10398,27 @@
     </dgm:pt>
   </dgm:ptLst>
   <dgm:cxnLst>
+    <dgm:cxn modelId="{EDB8AEAA-14BE-47C1-B619-F2AC114A4BE7}" type="presOf" srcId="{5F71CC2A-2C11-4605-BFEB-D7FB5C2650FF}" destId="{4114AA1A-BE2A-498E-B405-7409ECF76B68}" srcOrd="0" destOrd="1" presId="urn:microsoft.com/office/officeart/2005/8/layout/vList5"/>
+    <dgm:cxn modelId="{1B935404-5F4C-4E25-84BA-8B448AA3D2C6}" type="presOf" srcId="{C9E0C07F-6C52-4228-B17F-13BADECC2C91}" destId="{91649E2D-7906-4036-9293-32CD53B92D82}" srcOrd="0" destOrd="0" presId="urn:microsoft.com/office/officeart/2005/8/layout/vList5"/>
+    <dgm:cxn modelId="{A86225B4-0EA2-4D79-B93D-4B8B38B86E53}" type="presOf" srcId="{3BEC3D44-1F56-4822-8FDD-D9840E98226E}" destId="{4A96E56F-C9A8-46C1-AA70-DF94F9389CD3}" srcOrd="0" destOrd="0" presId="urn:microsoft.com/office/officeart/2005/8/layout/vList5"/>
+    <dgm:cxn modelId="{2819E6DB-A0A9-4B9D-B06C-FCD2AEB0E8E1}" type="presOf" srcId="{A9F02769-D823-44BF-9A8B-51C760821503}" destId="{87D9F5D9-852E-4419-94FF-3531CAE28CED}" srcOrd="0" destOrd="1" presId="urn:microsoft.com/office/officeart/2005/8/layout/vList5"/>
+    <dgm:cxn modelId="{E06F44DC-38DC-444A-8699-FE7C03296C63}" type="presOf" srcId="{197D75D5-E967-4CC3-B3B4-C9DE053E3D89}" destId="{3F58224D-C16A-4146-8E4F-BCCEF7FF872F}" srcOrd="0" destOrd="0" presId="urn:microsoft.com/office/officeart/2005/8/layout/vList5"/>
+    <dgm:cxn modelId="{79824626-6444-446B-8307-3B6C1E245777}" srcId="{197D75D5-E967-4CC3-B3B4-C9DE053E3D89}" destId="{98A61C1D-BC6B-4D3C-ADFC-A8F425E674BA}" srcOrd="0" destOrd="0" parTransId="{B275FAEF-747B-442D-9858-9A77C7626BC4}" sibTransId="{84717F55-57E5-4035-94CE-069DAA38C47F}"/>
+    <dgm:cxn modelId="{20F37B9B-5D05-4770-A13D-83298A40197A}" srcId="{3BEC3D44-1F56-4822-8FDD-D9840E98226E}" destId="{197D75D5-E967-4CC3-B3B4-C9DE053E3D89}" srcOrd="1" destOrd="0" parTransId="{64C1D4D3-E5A7-4426-9BCB-0A9DFE4C9796}" sibTransId="{C86E94B6-2F35-4FC4-A91F-C7D3BDE47CE6}"/>
+    <dgm:cxn modelId="{D715CE17-C3E4-4AFE-A755-C3E343A483D8}" type="presOf" srcId="{B94D1488-C336-4461-A411-5DF1FC7FF055}" destId="{D711412E-5C50-4D6E-9328-C412FFF402A9}" srcOrd="0" destOrd="0" presId="urn:microsoft.com/office/officeart/2005/8/layout/vList5"/>
+    <dgm:cxn modelId="{39311CDF-4823-4B5A-8D23-E93C02BFE606}" type="presOf" srcId="{884FD704-A1A0-496E-85A9-7797B898EFE7}" destId="{E8337213-36D2-4D42-AB27-8E2EF6AD57E2}" srcOrd="0" destOrd="0" presId="urn:microsoft.com/office/officeart/2005/8/layout/vList5"/>
+    <dgm:cxn modelId="{BAF58EB4-5DCA-4FB2-B988-E2863CA4DD4E}" srcId="{884FD704-A1A0-496E-85A9-7797B898EFE7}" destId="{432AC71E-A566-4999-B5C2-A5DEB192AF9E}" srcOrd="0" destOrd="0" parTransId="{7588F8EB-1DB1-4704-9AEF-1C71EC9EF380}" sibTransId="{D72D1184-467E-4AAC-8FE4-2DD036083A2C}"/>
+    <dgm:cxn modelId="{54B565E4-5205-4E84-A506-B7ACC2C47E28}" srcId="{3BEC3D44-1F56-4822-8FDD-D9840E98226E}" destId="{C9E0C07F-6C52-4228-B17F-13BADECC2C91}" srcOrd="2" destOrd="0" parTransId="{F237CD80-3D90-42B7-AA87-CFBB6D8CFA7E}" sibTransId="{5E1342A0-AA21-475D-A9ED-8F088F5DFE7B}"/>
+    <dgm:cxn modelId="{91AE0DA5-D5A1-4450-BC67-AB0E88FA378D}" srcId="{C9E0C07F-6C52-4228-B17F-13BADECC2C91}" destId="{A9F02769-D823-44BF-9A8B-51C760821503}" srcOrd="1" destOrd="0" parTransId="{25A5C0F0-8F75-46A3-84E4-4D2829E4FC4B}" sibTransId="{38BFF325-5D77-4718-9666-235E9E87A63B}"/>
+    <dgm:cxn modelId="{427906E6-A2DD-43D4-9504-659F3E55FA09}" type="presOf" srcId="{432AC71E-A566-4999-B5C2-A5DEB192AF9E}" destId="{C9A02232-17ED-4E58-867E-E602F24C6574}" srcOrd="0" destOrd="0" presId="urn:microsoft.com/office/officeart/2005/8/layout/vList5"/>
     <dgm:cxn modelId="{D5DB2D0F-5CD8-4A07-8CC2-4EC9D10025CC}" srcId="{3BEC3D44-1F56-4822-8FDD-D9840E98226E}" destId="{B94D1488-C336-4461-A411-5DF1FC7FF055}" srcOrd="3" destOrd="0" parTransId="{08D17CE4-E5F1-4C94-8DB4-A342E49B7326}" sibTransId="{981C80FF-3382-44FD-A300-57B46F649F03}"/>
+    <dgm:cxn modelId="{89B0CDD4-8F78-4856-AE13-53A6CDDC3A03}" srcId="{197D75D5-E967-4CC3-B3B4-C9DE053E3D89}" destId="{5F71CC2A-2C11-4605-BFEB-D7FB5C2650FF}" srcOrd="1" destOrd="0" parTransId="{3A98C82D-801D-4EFE-91B9-5C965FAAE12C}" sibTransId="{02AC2407-9561-46AF-AC88-CC4BCBD3A209}"/>
     <dgm:cxn modelId="{BE1D4628-9CD4-41D3-9404-F5947C2435B9}" type="presOf" srcId="{F8AAE27A-8300-4B72-8051-7D5A07507AC6}" destId="{32B28F05-D75C-4354-BC9F-9390B1E62418}" srcOrd="0" destOrd="0" presId="urn:microsoft.com/office/officeart/2005/8/layout/vList5"/>
-    <dgm:cxn modelId="{427906E6-A2DD-43D4-9504-659F3E55FA09}" type="presOf" srcId="{432AC71E-A566-4999-B5C2-A5DEB192AF9E}" destId="{C9A02232-17ED-4E58-867E-E602F24C6574}" srcOrd="0" destOrd="0" presId="urn:microsoft.com/office/officeart/2005/8/layout/vList5"/>
+    <dgm:cxn modelId="{AFDA3EAB-C84E-493B-A88A-AEA8A68EE79D}" srcId="{3BEC3D44-1F56-4822-8FDD-D9840E98226E}" destId="{884FD704-A1A0-496E-85A9-7797B898EFE7}" srcOrd="0" destOrd="0" parTransId="{3E08D63C-4DE9-4522-8FD1-D3BBDA87CBDB}" sibTransId="{098E7D41-3FB2-4B2E-AA14-224ECE149049}"/>
+    <dgm:cxn modelId="{743807D6-4C78-4967-8D3E-D7F681B3EC1F}" type="presOf" srcId="{DE1E5293-1BC5-40CF-96F1-C2209F1AE674}" destId="{87D9F5D9-852E-4419-94FF-3531CAE28CED}" srcOrd="0" destOrd="0" presId="urn:microsoft.com/office/officeart/2005/8/layout/vList5"/>
+    <dgm:cxn modelId="{6DEC3A14-0BC3-4980-ABA8-B950A198C0CD}" srcId="{B94D1488-C336-4461-A411-5DF1FC7FF055}" destId="{F8AAE27A-8300-4B72-8051-7D5A07507AC6}" srcOrd="0" destOrd="0" parTransId="{99A955EE-8D74-43CA-9DB7-E5D256DA38D3}" sibTransId="{F97CD177-2C4F-4C69-97AC-F4BA74907DB1}"/>
     <dgm:cxn modelId="{EA82EAC0-9CD6-4538-89AF-DB07950DF9EC}" srcId="{C9E0C07F-6C52-4228-B17F-13BADECC2C91}" destId="{DE1E5293-1BC5-40CF-96F1-C2209F1AE674}" srcOrd="0" destOrd="0" parTransId="{C9BDF949-FDE7-47BE-A2CC-F24462B94202}" sibTransId="{DBEC5669-7ED7-4B96-88BD-D2590FFAF0FC}"/>
     <dgm:cxn modelId="{4C450E42-B2DC-4489-A60D-C9DF069941EF}" type="presOf" srcId="{98A61C1D-BC6B-4D3C-ADFC-A8F425E674BA}" destId="{4114AA1A-BE2A-498E-B405-7409ECF76B68}" srcOrd="0" destOrd="0" presId="urn:microsoft.com/office/officeart/2005/8/layout/vList5"/>
-    <dgm:cxn modelId="{79824626-6444-446B-8307-3B6C1E245777}" srcId="{197D75D5-E967-4CC3-B3B4-C9DE053E3D89}" destId="{98A61C1D-BC6B-4D3C-ADFC-A8F425E674BA}" srcOrd="0" destOrd="0" parTransId="{B275FAEF-747B-442D-9858-9A77C7626BC4}" sibTransId="{84717F55-57E5-4035-94CE-069DAA38C47F}"/>
-    <dgm:cxn modelId="{2819E6DB-A0A9-4B9D-B06C-FCD2AEB0E8E1}" type="presOf" srcId="{A9F02769-D823-44BF-9A8B-51C760821503}" destId="{87D9F5D9-852E-4419-94FF-3531CAE28CED}" srcOrd="0" destOrd="1" presId="urn:microsoft.com/office/officeart/2005/8/layout/vList5"/>
-    <dgm:cxn modelId="{743807D6-4C78-4967-8D3E-D7F681B3EC1F}" type="presOf" srcId="{DE1E5293-1BC5-40CF-96F1-C2209F1AE674}" destId="{87D9F5D9-852E-4419-94FF-3531CAE28CED}" srcOrd="0" destOrd="0" presId="urn:microsoft.com/office/officeart/2005/8/layout/vList5"/>
-    <dgm:cxn modelId="{89B0CDD4-8F78-4856-AE13-53A6CDDC3A03}" srcId="{197D75D5-E967-4CC3-B3B4-C9DE053E3D89}" destId="{5F71CC2A-2C11-4605-BFEB-D7FB5C2650FF}" srcOrd="1" destOrd="0" parTransId="{3A98C82D-801D-4EFE-91B9-5C965FAAE12C}" sibTransId="{02AC2407-9561-46AF-AC88-CC4BCBD3A209}"/>
-    <dgm:cxn modelId="{A86225B4-0EA2-4D79-B93D-4B8B38B86E53}" type="presOf" srcId="{3BEC3D44-1F56-4822-8FDD-D9840E98226E}" destId="{4A96E56F-C9A8-46C1-AA70-DF94F9389CD3}" srcOrd="0" destOrd="0" presId="urn:microsoft.com/office/officeart/2005/8/layout/vList5"/>
-    <dgm:cxn modelId="{91AE0DA5-D5A1-4450-BC67-AB0E88FA378D}" srcId="{C9E0C07F-6C52-4228-B17F-13BADECC2C91}" destId="{A9F02769-D823-44BF-9A8B-51C760821503}" srcOrd="1" destOrd="0" parTransId="{25A5C0F0-8F75-46A3-84E4-4D2829E4FC4B}" sibTransId="{38BFF325-5D77-4718-9666-235E9E87A63B}"/>
-    <dgm:cxn modelId="{6DEC3A14-0BC3-4980-ABA8-B950A198C0CD}" srcId="{B94D1488-C336-4461-A411-5DF1FC7FF055}" destId="{F8AAE27A-8300-4B72-8051-7D5A07507AC6}" srcOrd="0" destOrd="0" parTransId="{99A955EE-8D74-43CA-9DB7-E5D256DA38D3}" sibTransId="{F97CD177-2C4F-4C69-97AC-F4BA74907DB1}"/>
-    <dgm:cxn modelId="{20F37B9B-5D05-4770-A13D-83298A40197A}" srcId="{3BEC3D44-1F56-4822-8FDD-D9840E98226E}" destId="{197D75D5-E967-4CC3-B3B4-C9DE053E3D89}" srcOrd="1" destOrd="0" parTransId="{64C1D4D3-E5A7-4426-9BCB-0A9DFE4C9796}" sibTransId="{C86E94B6-2F35-4FC4-A91F-C7D3BDE47CE6}"/>
-    <dgm:cxn modelId="{E06F44DC-38DC-444A-8699-FE7C03296C63}" type="presOf" srcId="{197D75D5-E967-4CC3-B3B4-C9DE053E3D89}" destId="{3F58224D-C16A-4146-8E4F-BCCEF7FF872F}" srcOrd="0" destOrd="0" presId="urn:microsoft.com/office/officeart/2005/8/layout/vList5"/>
-    <dgm:cxn modelId="{BAF58EB4-5DCA-4FB2-B988-E2863CA4DD4E}" srcId="{884FD704-A1A0-496E-85A9-7797B898EFE7}" destId="{432AC71E-A566-4999-B5C2-A5DEB192AF9E}" srcOrd="0" destOrd="0" parTransId="{7588F8EB-1DB1-4704-9AEF-1C71EC9EF380}" sibTransId="{D72D1184-467E-4AAC-8FE4-2DD036083A2C}"/>
-    <dgm:cxn modelId="{54B565E4-5205-4E84-A506-B7ACC2C47E28}" srcId="{3BEC3D44-1F56-4822-8FDD-D9840E98226E}" destId="{C9E0C07F-6C52-4228-B17F-13BADECC2C91}" srcOrd="2" destOrd="0" parTransId="{F237CD80-3D90-42B7-AA87-CFBB6D8CFA7E}" sibTransId="{5E1342A0-AA21-475D-A9ED-8F088F5DFE7B}"/>
-    <dgm:cxn modelId="{AFDA3EAB-C84E-493B-A88A-AEA8A68EE79D}" srcId="{3BEC3D44-1F56-4822-8FDD-D9840E98226E}" destId="{884FD704-A1A0-496E-85A9-7797B898EFE7}" srcOrd="0" destOrd="0" parTransId="{3E08D63C-4DE9-4522-8FD1-D3BBDA87CBDB}" sibTransId="{098E7D41-3FB2-4B2E-AA14-224ECE149049}"/>
-    <dgm:cxn modelId="{1B935404-5F4C-4E25-84BA-8B448AA3D2C6}" type="presOf" srcId="{C9E0C07F-6C52-4228-B17F-13BADECC2C91}" destId="{91649E2D-7906-4036-9293-32CD53B92D82}" srcOrd="0" destOrd="0" presId="urn:microsoft.com/office/officeart/2005/8/layout/vList5"/>
-    <dgm:cxn modelId="{39311CDF-4823-4B5A-8D23-E93C02BFE606}" type="presOf" srcId="{884FD704-A1A0-496E-85A9-7797B898EFE7}" destId="{E8337213-36D2-4D42-AB27-8E2EF6AD57E2}" srcOrd="0" destOrd="0" presId="urn:microsoft.com/office/officeart/2005/8/layout/vList5"/>
-    <dgm:cxn modelId="{EDB8AEAA-14BE-47C1-B619-F2AC114A4BE7}" type="presOf" srcId="{5F71CC2A-2C11-4605-BFEB-D7FB5C2650FF}" destId="{4114AA1A-BE2A-498E-B405-7409ECF76B68}" srcOrd="0" destOrd="1" presId="urn:microsoft.com/office/officeart/2005/8/layout/vList5"/>
-    <dgm:cxn modelId="{D715CE17-C3E4-4AFE-A755-C3E343A483D8}" type="presOf" srcId="{B94D1488-C336-4461-A411-5DF1FC7FF055}" destId="{D711412E-5C50-4D6E-9328-C412FFF402A9}" srcOrd="0" destOrd="0" presId="urn:microsoft.com/office/officeart/2005/8/layout/vList5"/>
     <dgm:cxn modelId="{340FC79D-C34C-497F-8B45-3B8279007E3E}" type="presParOf" srcId="{4A96E56F-C9A8-46C1-AA70-DF94F9389CD3}" destId="{C3313543-6FDD-4E7F-A367-9E19835B30EB}" srcOrd="0" destOrd="0" presId="urn:microsoft.com/office/officeart/2005/8/layout/vList5"/>
     <dgm:cxn modelId="{FCA07745-799C-48FF-9B05-4F47DF833E44}" type="presParOf" srcId="{C3313543-6FDD-4E7F-A367-9E19835B30EB}" destId="{E8337213-36D2-4D42-AB27-8E2EF6AD57E2}" srcOrd="0" destOrd="0" presId="urn:microsoft.com/office/officeart/2005/8/layout/vList5"/>
     <dgm:cxn modelId="{940C9264-D488-41CD-B4AD-AA0EE1AFC155}" type="presParOf" srcId="{C3313543-6FDD-4E7F-A367-9E19835B30EB}" destId="{C9A02232-17ED-4E58-867E-E602F24C6574}" srcOrd="1" destOrd="0" presId="urn:microsoft.com/office/officeart/2005/8/layout/vList5"/>
@@ -11012,9 +11012,9 @@
     <dgm:cxn modelId="{4EBBABD6-40C5-437A-BB2A-08F1495A40F4}" srcId="{6835B608-CAFC-4D92-8668-E6D161CA3A03}" destId="{0E6C83E2-9CA9-46AB-9E20-FBE3B6487D69}" srcOrd="5" destOrd="0" parTransId="{C6B7BA63-EB08-41E7-8C48-12EF5FA97F38}" sibTransId="{B5D59F3C-9F22-4EF4-9126-30535E819F66}"/>
     <dgm:cxn modelId="{07E7E0DE-0DB1-4029-B6B6-C7460A41DBF0}" type="presOf" srcId="{9F306149-0EE9-4CCA-AC77-423CA80FB0A6}" destId="{C3D172B6-F632-4ED3-B374-17EB6CC19115}" srcOrd="0" destOrd="0" presId="urn:microsoft.com/office/officeart/2005/8/layout/radial6"/>
     <dgm:cxn modelId="{CE96E886-EC80-45C1-9EC1-6536BE173386}" type="presOf" srcId="{F5996CBC-826A-4133-8A3D-D1FF8596F6FE}" destId="{44C1E2AA-3D71-4C0B-8FE4-6D2FDBA01704}" srcOrd="0" destOrd="0" presId="urn:microsoft.com/office/officeart/2005/8/layout/radial6"/>
+    <dgm:cxn modelId="{CFBBC4DF-1981-4C13-8A4B-0B02DB980699}" srcId="{19EA0FB9-3FA7-4EC0-97C9-C80D62A22BE1}" destId="{6835B608-CAFC-4D92-8668-E6D161CA3A03}" srcOrd="0" destOrd="0" parTransId="{A3DEF071-AC32-4FE7-80AA-8BA83E9646B6}" sibTransId="{12FA8564-F98C-4CE7-8D24-D8578ED4511C}"/>
+    <dgm:cxn modelId="{53D3DEDB-0FFC-45F7-A7F8-A403818ACA9E}" srcId="{6835B608-CAFC-4D92-8668-E6D161CA3A03}" destId="{779A7FD8-9E84-4B43-BEC0-9E407190F5BE}" srcOrd="2" destOrd="0" parTransId="{9C29BE62-A871-4153-8C27-114B191A8451}" sibTransId="{150D69CC-3044-4F8D-B5D8-6B0DC752DC3E}"/>
     <dgm:cxn modelId="{64E120DC-B007-4DFB-89B9-9E131052AF9F}" srcId="{6835B608-CAFC-4D92-8668-E6D161CA3A03}" destId="{18F31AAF-5241-4CE4-91E2-CC7C8CECDEBD}" srcOrd="6" destOrd="0" parTransId="{ACE083DD-D920-42E0-A336-A4DFADE62DA6}" sibTransId="{3FE90F1C-A743-4803-9A90-593A06064647}"/>
-    <dgm:cxn modelId="{53D3DEDB-0FFC-45F7-A7F8-A403818ACA9E}" srcId="{6835B608-CAFC-4D92-8668-E6D161CA3A03}" destId="{779A7FD8-9E84-4B43-BEC0-9E407190F5BE}" srcOrd="2" destOrd="0" parTransId="{9C29BE62-A871-4153-8C27-114B191A8451}" sibTransId="{150D69CC-3044-4F8D-B5D8-6B0DC752DC3E}"/>
-    <dgm:cxn modelId="{CFBBC4DF-1981-4C13-8A4B-0B02DB980699}" srcId="{19EA0FB9-3FA7-4EC0-97C9-C80D62A22BE1}" destId="{6835B608-CAFC-4D92-8668-E6D161CA3A03}" srcOrd="0" destOrd="0" parTransId="{A3DEF071-AC32-4FE7-80AA-8BA83E9646B6}" sibTransId="{12FA8564-F98C-4CE7-8D24-D8578ED4511C}"/>
     <dgm:cxn modelId="{E655F103-1E77-48DD-A74B-32351F722FF3}" srcId="{6835B608-CAFC-4D92-8668-E6D161CA3A03}" destId="{D85C52F1-B864-4051-AFB1-8DE0AC7B48DD}" srcOrd="0" destOrd="0" parTransId="{1D7C4E06-325F-4CCE-8768-74F3D101DAAF}" sibTransId="{9F5F6DD2-3CC9-4760-B191-D02CAF0BB781}"/>
     <dgm:cxn modelId="{B3382703-425C-4B3D-9F6D-65AD9A77F9B2}" type="presParOf" srcId="{CC811167-5B01-44CE-8CF7-4C0196E12115}" destId="{5C3A1BB4-37EC-400B-B1E1-B1DE824681EE}" srcOrd="0" destOrd="0" presId="urn:microsoft.com/office/officeart/2005/8/layout/radial6"/>
     <dgm:cxn modelId="{9D8B2905-EBFE-44C2-BE75-A119DC111A89}" type="presParOf" srcId="{CC811167-5B01-44CE-8CF7-4C0196E12115}" destId="{D7D8C3F4-5433-423D-A299-A2516399C3C6}" srcOrd="1" destOrd="0" presId="urn:microsoft.com/office/officeart/2005/8/layout/radial6"/>
@@ -15913,7 +15913,7 @@
             </a:spcAft>
           </a:pPr>
           <a:r>
-            <a:rPr lang="de-DE" sz="1900" kern="1200" smtClean="0"/>
+            <a:rPr lang="de-DE" sz="1900" kern="1200" dirty="0" err="1" smtClean="0"/>
             <a:t>Originator</a:t>
           </a:r>
           <a:endParaRPr lang="de-DE" sz="1900" kern="1200" dirty="0" smtClean="0"/>
@@ -39470,7 +39470,7 @@
             <a:fld id="{885CCBED-C31E-47D3-A9A7-1D079F435B68}" type="datetimeFigureOut">
               <a:rPr lang="de-DE" smtClean="0"/>
               <a:pPr/>
-              <a:t>07.10.2015</a:t>
+              <a:t>24.11.2015</a:t>
             </a:fld>
             <a:endParaRPr lang="de-DE"/>
           </a:p>
@@ -39642,7 +39642,7 @@
             <a:fld id="{885CCBED-C31E-47D3-A9A7-1D079F435B68}" type="datetimeFigureOut">
               <a:rPr lang="de-DE" smtClean="0"/>
               <a:pPr/>
-              <a:t>07.10.2015</a:t>
+              <a:t>24.11.2015</a:t>
             </a:fld>
             <a:endParaRPr lang="de-DE"/>
           </a:p>
@@ -39824,7 +39824,7 @@
             <a:fld id="{885CCBED-C31E-47D3-A9A7-1D079F435B68}" type="datetimeFigureOut">
               <a:rPr lang="de-DE" smtClean="0"/>
               <a:pPr/>
-              <a:t>07.10.2015</a:t>
+              <a:t>24.11.2015</a:t>
             </a:fld>
             <a:endParaRPr lang="de-DE"/>
           </a:p>
@@ -39996,7 +39996,7 @@
             <a:fld id="{885CCBED-C31E-47D3-A9A7-1D079F435B68}" type="datetimeFigureOut">
               <a:rPr lang="de-DE" smtClean="0"/>
               <a:pPr/>
-              <a:t>07.10.2015</a:t>
+              <a:t>24.11.2015</a:t>
             </a:fld>
             <a:endParaRPr lang="de-DE"/>
           </a:p>
@@ -40244,7 +40244,7 @@
             <a:fld id="{885CCBED-C31E-47D3-A9A7-1D079F435B68}" type="datetimeFigureOut">
               <a:rPr lang="de-DE" smtClean="0"/>
               <a:pPr/>
-              <a:t>07.10.2015</a:t>
+              <a:t>24.11.2015</a:t>
             </a:fld>
             <a:endParaRPr lang="de-DE"/>
           </a:p>
@@ -40534,7 +40534,7 @@
             <a:fld id="{885CCBED-C31E-47D3-A9A7-1D079F435B68}" type="datetimeFigureOut">
               <a:rPr lang="de-DE" smtClean="0"/>
               <a:pPr/>
-              <a:t>07.10.2015</a:t>
+              <a:t>24.11.2015</a:t>
             </a:fld>
             <a:endParaRPr lang="de-DE"/>
           </a:p>
@@ -40958,7 +40958,7 @@
             <a:fld id="{885CCBED-C31E-47D3-A9A7-1D079F435B68}" type="datetimeFigureOut">
               <a:rPr lang="de-DE" smtClean="0"/>
               <a:pPr/>
-              <a:t>07.10.2015</a:t>
+              <a:t>24.11.2015</a:t>
             </a:fld>
             <a:endParaRPr lang="de-DE"/>
           </a:p>
@@ -41078,7 +41078,7 @@
             <a:fld id="{885CCBED-C31E-47D3-A9A7-1D079F435B68}" type="datetimeFigureOut">
               <a:rPr lang="de-DE" smtClean="0"/>
               <a:pPr/>
-              <a:t>07.10.2015</a:t>
+              <a:t>24.11.2015</a:t>
             </a:fld>
             <a:endParaRPr lang="de-DE"/>
           </a:p>
@@ -41175,7 +41175,7 @@
             <a:fld id="{885CCBED-C31E-47D3-A9A7-1D079F435B68}" type="datetimeFigureOut">
               <a:rPr lang="de-DE" smtClean="0"/>
               <a:pPr/>
-              <a:t>07.10.2015</a:t>
+              <a:t>24.11.2015</a:t>
             </a:fld>
             <a:endParaRPr lang="de-DE"/>
           </a:p>
@@ -41454,7 +41454,7 @@
             <a:fld id="{885CCBED-C31E-47D3-A9A7-1D079F435B68}" type="datetimeFigureOut">
               <a:rPr lang="de-DE" smtClean="0"/>
               <a:pPr/>
-              <a:t>07.10.2015</a:t>
+              <a:t>24.11.2015</a:t>
             </a:fld>
             <a:endParaRPr lang="de-DE"/>
           </a:p>
@@ -41709,7 +41709,7 @@
             <a:fld id="{885CCBED-C31E-47D3-A9A7-1D079F435B68}" type="datetimeFigureOut">
               <a:rPr lang="de-DE" smtClean="0"/>
               <a:pPr/>
-              <a:t>07.10.2015</a:t>
+              <a:t>24.11.2015</a:t>
             </a:fld>
             <a:endParaRPr lang="de-DE"/>
           </a:p>
@@ -41924,7 +41924,7 @@
             <a:fld id="{885CCBED-C31E-47D3-A9A7-1D079F435B68}" type="datetimeFigureOut">
               <a:rPr lang="de-DE" smtClean="0"/>
               <a:pPr/>
-              <a:t>07.10.2015</a:t>
+              <a:t>24.11.2015</a:t>
             </a:fld>
             <a:endParaRPr lang="de-DE"/>
           </a:p>
